--- a/Final-Project-Team-2.pptx
+++ b/Final-Project-Team-2.pptx
@@ -5,21 +5,28 @@
     <p:sldMasterId id="2147483763" r:id="rId1"/>
   </p:sldMasterIdLst>
   <p:notesMasterIdLst>
-    <p:notesMasterId r:id="rId11"/>
+    <p:notesMasterId r:id="rId18"/>
   </p:notesMasterIdLst>
   <p:handoutMasterIdLst>
-    <p:handoutMasterId r:id="rId12"/>
+    <p:handoutMasterId r:id="rId19"/>
   </p:handoutMasterIdLst>
   <p:sldIdLst>
     <p:sldId id="256" r:id="rId2"/>
-    <p:sldId id="257" r:id="rId3"/>
-    <p:sldId id="259" r:id="rId4"/>
+    <p:sldId id="273" r:id="rId3"/>
+    <p:sldId id="257" r:id="rId4"/>
     <p:sldId id="260" r:id="rId5"/>
-    <p:sldId id="261" r:id="rId6"/>
-    <p:sldId id="262" r:id="rId7"/>
-    <p:sldId id="263" r:id="rId8"/>
-    <p:sldId id="264" r:id="rId9"/>
-    <p:sldId id="265" r:id="rId10"/>
+    <p:sldId id="269" r:id="rId6"/>
+    <p:sldId id="266" r:id="rId7"/>
+    <p:sldId id="261" r:id="rId8"/>
+    <p:sldId id="262" r:id="rId9"/>
+    <p:sldId id="270" r:id="rId10"/>
+    <p:sldId id="271" r:id="rId11"/>
+    <p:sldId id="272" r:id="rId12"/>
+    <p:sldId id="263" r:id="rId13"/>
+    <p:sldId id="267" r:id="rId14"/>
+    <p:sldId id="268" r:id="rId15"/>
+    <p:sldId id="264" r:id="rId16"/>
+    <p:sldId id="265" r:id="rId17"/>
   </p:sldIdLst>
   <p:sldSz cx="12192000" cy="6858000"/>
   <p:notesSz cx="6858000" cy="9144000"/>
@@ -170,7 +177,7 @@
 <file path=ppt/revisionInfo.xml><?xml version="1.0" encoding="utf-8"?>
 <p1510:revInfo xmlns:a="http://schemas.openxmlformats.org/drawingml/2006/main" xmlns:r="http://schemas.openxmlformats.org/officeDocument/2006/relationships" xmlns:p1510="http://schemas.microsoft.com/office/powerpoint/2015/10/main">
   <p1510:revLst>
-    <p1510:client id="{9DC81C8E-254C-4083-9BF4-030793D3F1B6}" v="2" dt="2023-07-10T00:58:02.074"/>
+    <p1510:client id="{9DC81C8E-254C-4083-9BF4-030793D3F1B6}" v="22" dt="2023-07-15T02:48:51.470"/>
   </p1510:revLst>
 </p1510:revInfo>
 </file>
@@ -268,7 +275,7 @@
             <a:fld id="{3CB42547-1216-8745-B61E-1644CC83EEDE}" type="datetimeFigureOut">
               <a:rPr lang="en-US" altLang="en-US"/>
               <a:pPr/>
-              <a:t>7/9/2023</a:t>
+              <a:t>7/14/2023</a:t>
             </a:fld>
             <a:endParaRPr lang="en-US" altLang="en-US"/>
           </a:p>
@@ -963,8 +970,21 @@
           <a:p>
             <a:r>
               <a:rPr lang="en-US" dirty="0"/>
-              <a:t>Welcome to our presentation titled “Attention Is All You Need”. This project was carried out by Jonathan Agustin, Fernando Calderon, and Juliet Lawton.</a:t>
-            </a:r>
+              <a:t>A </a:t>
+            </a:r>
+            <a:r>
+              <a:rPr lang="en-US"/>
+              <a:t>cool introductory videoclip </a:t>
+            </a:r>
+            <a:r>
+              <a:rPr lang="en-US" dirty="0"/>
+              <a:t>will be inserted here to WOW the audience and show that we </a:t>
+            </a:r>
+            <a:r>
+              <a:rPr lang="en-US"/>
+              <a:t>mean business.</a:t>
+            </a:r>
+            <a:endParaRPr lang="en-US" dirty="0"/>
           </a:p>
         </p:txBody>
       </p:sp>
@@ -996,6 +1016,622 @@
     <p:extLst>
       <p:ext uri="{BB962C8B-B14F-4D97-AF65-F5344CB8AC3E}">
         <p14:creationId xmlns:p14="http://schemas.microsoft.com/office/powerpoint/2010/main" val="4054898556"/>
+      </p:ext>
+    </p:extLst>
+  </p:cSld>
+  <p:clrMapOvr>
+    <a:masterClrMapping/>
+  </p:clrMapOvr>
+</p:notes>
+</file>
+
+<file path=ppt/notesSlides/notesSlide10.xml><?xml version="1.0" encoding="utf-8"?>
+<p:notes xmlns:a="http://schemas.openxmlformats.org/drawingml/2006/main" xmlns:r="http://schemas.openxmlformats.org/officeDocument/2006/relationships" xmlns:p="http://schemas.openxmlformats.org/presentationml/2006/main">
+  <p:cSld>
+    <p:spTree>
+      <p:nvGrpSpPr>
+        <p:cNvPr id="1" name=""/>
+        <p:cNvGrpSpPr/>
+        <p:nvPr/>
+      </p:nvGrpSpPr>
+      <p:grpSpPr>
+        <a:xfrm>
+          <a:off x="0" y="0"/>
+          <a:ext cx="0" cy="0"/>
+          <a:chOff x="0" y="0"/>
+          <a:chExt cx="0" cy="0"/>
+        </a:xfrm>
+      </p:grpSpPr>
+      <p:sp>
+        <p:nvSpPr>
+          <p:cNvPr id="2" name="Slide Image Placeholder 1"/>
+          <p:cNvSpPr>
+            <a:spLocks noGrp="1" noRot="1" noChangeAspect="1"/>
+          </p:cNvSpPr>
+          <p:nvPr>
+            <p:ph type="sldImg"/>
+          </p:nvPr>
+        </p:nvSpPr>
+        <p:spPr/>
+      </p:sp>
+      <p:sp>
+        <p:nvSpPr>
+          <p:cNvPr id="3" name="Notes Placeholder 2"/>
+          <p:cNvSpPr>
+            <a:spLocks noGrp="1"/>
+          </p:cNvSpPr>
+          <p:nvPr>
+            <p:ph type="body" idx="1"/>
+          </p:nvPr>
+        </p:nvSpPr>
+        <p:spPr/>
+        <p:txBody>
+          <a:bodyPr/>
+          <a:lstStyle/>
+          <a:p>
+            <a:r>
+              <a:rPr lang="en-US" dirty="0"/>
+              <a:t>In the development stage, we handled invalid values and discarded non-textual content. We trained our models to identify a brand and align with the sentiment expressed in a tweet, and then tuned them to improve performance.</a:t>
+            </a:r>
+          </a:p>
+        </p:txBody>
+      </p:sp>
+      <p:sp>
+        <p:nvSpPr>
+          <p:cNvPr id="4" name="Slide Number Placeholder 3"/>
+          <p:cNvSpPr>
+            <a:spLocks noGrp="1"/>
+          </p:cNvSpPr>
+          <p:nvPr>
+            <p:ph type="sldNum" sz="quarter" idx="5"/>
+          </p:nvPr>
+        </p:nvSpPr>
+        <p:spPr/>
+        <p:txBody>
+          <a:bodyPr/>
+          <a:lstStyle/>
+          <a:p>
+            <a:fld id="{AA4D7F38-9E4B-194A-AA5A-81BF138D29E9}" type="slidenum">
+              <a:rPr lang="en-US" altLang="en-US" smtClean="0"/>
+              <a:pPr/>
+              <a:t>10</a:t>
+            </a:fld>
+            <a:endParaRPr lang="en-US" altLang="en-US"/>
+          </a:p>
+        </p:txBody>
+      </p:sp>
+    </p:spTree>
+    <p:extLst>
+      <p:ext uri="{BB962C8B-B14F-4D97-AF65-F5344CB8AC3E}">
+        <p14:creationId xmlns:p14="http://schemas.microsoft.com/office/powerpoint/2010/main" val="2161610621"/>
+      </p:ext>
+    </p:extLst>
+  </p:cSld>
+  <p:clrMapOvr>
+    <a:masterClrMapping/>
+  </p:clrMapOvr>
+</p:notes>
+</file>
+
+<file path=ppt/notesSlides/notesSlide11.xml><?xml version="1.0" encoding="utf-8"?>
+<p:notes xmlns:a="http://schemas.openxmlformats.org/drawingml/2006/main" xmlns:r="http://schemas.openxmlformats.org/officeDocument/2006/relationships" xmlns:p="http://schemas.openxmlformats.org/presentationml/2006/main">
+  <p:cSld>
+    <p:spTree>
+      <p:nvGrpSpPr>
+        <p:cNvPr id="1" name=""/>
+        <p:cNvGrpSpPr/>
+        <p:nvPr/>
+      </p:nvGrpSpPr>
+      <p:grpSpPr>
+        <a:xfrm>
+          <a:off x="0" y="0"/>
+          <a:ext cx="0" cy="0"/>
+          <a:chOff x="0" y="0"/>
+          <a:chExt cx="0" cy="0"/>
+        </a:xfrm>
+      </p:grpSpPr>
+      <p:sp>
+        <p:nvSpPr>
+          <p:cNvPr id="2" name="Slide Image Placeholder 1"/>
+          <p:cNvSpPr>
+            <a:spLocks noGrp="1" noRot="1" noChangeAspect="1"/>
+          </p:cNvSpPr>
+          <p:nvPr>
+            <p:ph type="sldImg"/>
+          </p:nvPr>
+        </p:nvSpPr>
+        <p:spPr/>
+      </p:sp>
+      <p:sp>
+        <p:nvSpPr>
+          <p:cNvPr id="3" name="Notes Placeholder 2"/>
+          <p:cNvSpPr>
+            <a:spLocks noGrp="1"/>
+          </p:cNvSpPr>
+          <p:nvPr>
+            <p:ph type="body" idx="1"/>
+          </p:nvPr>
+        </p:nvSpPr>
+        <p:spPr/>
+        <p:txBody>
+          <a:bodyPr/>
+          <a:lstStyle/>
+          <a:p>
+            <a:r>
+              <a:rPr lang="en-US" dirty="0"/>
+              <a:t>In the development stage, we handled invalid values and discarded non-textual content. We trained our models to identify a brand and align with the sentiment expressed in a tweet, and then tuned them to improve performance.</a:t>
+            </a:r>
+          </a:p>
+        </p:txBody>
+      </p:sp>
+      <p:sp>
+        <p:nvSpPr>
+          <p:cNvPr id="4" name="Slide Number Placeholder 3"/>
+          <p:cNvSpPr>
+            <a:spLocks noGrp="1"/>
+          </p:cNvSpPr>
+          <p:nvPr>
+            <p:ph type="sldNum" sz="quarter" idx="5"/>
+          </p:nvPr>
+        </p:nvSpPr>
+        <p:spPr/>
+        <p:txBody>
+          <a:bodyPr/>
+          <a:lstStyle/>
+          <a:p>
+            <a:fld id="{AA4D7F38-9E4B-194A-AA5A-81BF138D29E9}" type="slidenum">
+              <a:rPr lang="en-US" altLang="en-US" smtClean="0"/>
+              <a:pPr/>
+              <a:t>11</a:t>
+            </a:fld>
+            <a:endParaRPr lang="en-US" altLang="en-US"/>
+          </a:p>
+        </p:txBody>
+      </p:sp>
+    </p:spTree>
+    <p:extLst>
+      <p:ext uri="{BB962C8B-B14F-4D97-AF65-F5344CB8AC3E}">
+        <p14:creationId xmlns:p14="http://schemas.microsoft.com/office/powerpoint/2010/main" val="1812335125"/>
+      </p:ext>
+    </p:extLst>
+  </p:cSld>
+  <p:clrMapOvr>
+    <a:masterClrMapping/>
+  </p:clrMapOvr>
+</p:notes>
+</file>
+
+<file path=ppt/notesSlides/notesSlide12.xml><?xml version="1.0" encoding="utf-8"?>
+<p:notes xmlns:a="http://schemas.openxmlformats.org/drawingml/2006/main" xmlns:r="http://schemas.openxmlformats.org/officeDocument/2006/relationships" xmlns:p="http://schemas.openxmlformats.org/presentationml/2006/main">
+  <p:cSld>
+    <p:spTree>
+      <p:nvGrpSpPr>
+        <p:cNvPr id="1" name=""/>
+        <p:cNvGrpSpPr/>
+        <p:nvPr/>
+      </p:nvGrpSpPr>
+      <p:grpSpPr>
+        <a:xfrm>
+          <a:off x="0" y="0"/>
+          <a:ext cx="0" cy="0"/>
+          <a:chOff x="0" y="0"/>
+          <a:chExt cx="0" cy="0"/>
+        </a:xfrm>
+      </p:grpSpPr>
+      <p:sp>
+        <p:nvSpPr>
+          <p:cNvPr id="2" name="Slide Image Placeholder 1"/>
+          <p:cNvSpPr>
+            <a:spLocks noGrp="1" noRot="1" noChangeAspect="1"/>
+          </p:cNvSpPr>
+          <p:nvPr>
+            <p:ph type="sldImg"/>
+          </p:nvPr>
+        </p:nvSpPr>
+        <p:spPr/>
+      </p:sp>
+      <p:sp>
+        <p:nvSpPr>
+          <p:cNvPr id="3" name="Notes Placeholder 2"/>
+          <p:cNvSpPr>
+            <a:spLocks noGrp="1"/>
+          </p:cNvSpPr>
+          <p:nvPr>
+            <p:ph type="body" idx="1"/>
+          </p:nvPr>
+        </p:nvSpPr>
+        <p:spPr/>
+        <p:txBody>
+          <a:bodyPr/>
+          <a:lstStyle/>
+          <a:p>
+            <a:r>
+              <a:rPr lang="en-US" dirty="0"/>
+              <a:t>In the evaluation stage, we measured the models' ability to identify brands and predict sentiment in Twitter posts. We used standard classification metrics such as Accuracy, Precision, Recall, and F1 Score to evaluate the models.</a:t>
+            </a:r>
+          </a:p>
+        </p:txBody>
+      </p:sp>
+      <p:sp>
+        <p:nvSpPr>
+          <p:cNvPr id="4" name="Slide Number Placeholder 3"/>
+          <p:cNvSpPr>
+            <a:spLocks noGrp="1"/>
+          </p:cNvSpPr>
+          <p:nvPr>
+            <p:ph type="sldNum" sz="quarter" idx="5"/>
+          </p:nvPr>
+        </p:nvSpPr>
+        <p:spPr/>
+        <p:txBody>
+          <a:bodyPr/>
+          <a:lstStyle/>
+          <a:p>
+            <a:fld id="{AA4D7F38-9E4B-194A-AA5A-81BF138D29E9}" type="slidenum">
+              <a:rPr lang="en-US" altLang="en-US" smtClean="0"/>
+              <a:pPr/>
+              <a:t>12</a:t>
+            </a:fld>
+            <a:endParaRPr lang="en-US" altLang="en-US"/>
+          </a:p>
+        </p:txBody>
+      </p:sp>
+    </p:spTree>
+    <p:extLst>
+      <p:ext uri="{BB962C8B-B14F-4D97-AF65-F5344CB8AC3E}">
+        <p14:creationId xmlns:p14="http://schemas.microsoft.com/office/powerpoint/2010/main" val="3632726758"/>
+      </p:ext>
+    </p:extLst>
+  </p:cSld>
+  <p:clrMapOvr>
+    <a:masterClrMapping/>
+  </p:clrMapOvr>
+</p:notes>
+</file>
+
+<file path=ppt/notesSlides/notesSlide13.xml><?xml version="1.0" encoding="utf-8"?>
+<p:notes xmlns:a="http://schemas.openxmlformats.org/drawingml/2006/main" xmlns:r="http://schemas.openxmlformats.org/officeDocument/2006/relationships" xmlns:p="http://schemas.openxmlformats.org/presentationml/2006/main">
+  <p:cSld>
+    <p:spTree>
+      <p:nvGrpSpPr>
+        <p:cNvPr id="1" name=""/>
+        <p:cNvGrpSpPr/>
+        <p:nvPr/>
+      </p:nvGrpSpPr>
+      <p:grpSpPr>
+        <a:xfrm>
+          <a:off x="0" y="0"/>
+          <a:ext cx="0" cy="0"/>
+          <a:chOff x="0" y="0"/>
+          <a:chExt cx="0" cy="0"/>
+        </a:xfrm>
+      </p:grpSpPr>
+      <p:sp>
+        <p:nvSpPr>
+          <p:cNvPr id="2" name="Slide Image Placeholder 1"/>
+          <p:cNvSpPr>
+            <a:spLocks noGrp="1" noRot="1" noChangeAspect="1"/>
+          </p:cNvSpPr>
+          <p:nvPr>
+            <p:ph type="sldImg"/>
+          </p:nvPr>
+        </p:nvSpPr>
+        <p:spPr/>
+      </p:sp>
+      <p:sp>
+        <p:nvSpPr>
+          <p:cNvPr id="3" name="Notes Placeholder 2"/>
+          <p:cNvSpPr>
+            <a:spLocks noGrp="1"/>
+          </p:cNvSpPr>
+          <p:nvPr>
+            <p:ph type="body" idx="1"/>
+          </p:nvPr>
+        </p:nvSpPr>
+        <p:spPr/>
+        <p:txBody>
+          <a:bodyPr/>
+          <a:lstStyle/>
+          <a:p>
+            <a:r>
+              <a:rPr lang="en-US" dirty="0"/>
+              <a:t>We present the results of our experiments, including any relevant figures or tables, discuss the implications of our results, and explain whether our results support our initial hypothesis. We present the results of our models. We achieved an accuracy rate over 50%, demonstrating the potential of machine learning in understanding public sentiment towards brands based on social media content.</a:t>
+            </a:r>
+          </a:p>
+        </p:txBody>
+      </p:sp>
+      <p:sp>
+        <p:nvSpPr>
+          <p:cNvPr id="4" name="Slide Number Placeholder 3"/>
+          <p:cNvSpPr>
+            <a:spLocks noGrp="1"/>
+          </p:cNvSpPr>
+          <p:nvPr>
+            <p:ph type="sldNum" sz="quarter" idx="5"/>
+          </p:nvPr>
+        </p:nvSpPr>
+        <p:spPr/>
+        <p:txBody>
+          <a:bodyPr/>
+          <a:lstStyle/>
+          <a:p>
+            <a:fld id="{AA4D7F38-9E4B-194A-AA5A-81BF138D29E9}" type="slidenum">
+              <a:rPr lang="en-US" altLang="en-US" smtClean="0"/>
+              <a:pPr/>
+              <a:t>13</a:t>
+            </a:fld>
+            <a:endParaRPr lang="en-US" altLang="en-US"/>
+          </a:p>
+        </p:txBody>
+      </p:sp>
+    </p:spTree>
+    <p:extLst>
+      <p:ext uri="{BB962C8B-B14F-4D97-AF65-F5344CB8AC3E}">
+        <p14:creationId xmlns:p14="http://schemas.microsoft.com/office/powerpoint/2010/main" val="4074490549"/>
+      </p:ext>
+    </p:extLst>
+  </p:cSld>
+  <p:clrMapOvr>
+    <a:masterClrMapping/>
+  </p:clrMapOvr>
+</p:notes>
+</file>
+
+<file path=ppt/notesSlides/notesSlide14.xml><?xml version="1.0" encoding="utf-8"?>
+<p:notes xmlns:a="http://schemas.openxmlformats.org/drawingml/2006/main" xmlns:r="http://schemas.openxmlformats.org/officeDocument/2006/relationships" xmlns:p="http://schemas.openxmlformats.org/presentationml/2006/main">
+  <p:cSld>
+    <p:spTree>
+      <p:nvGrpSpPr>
+        <p:cNvPr id="1" name=""/>
+        <p:cNvGrpSpPr/>
+        <p:nvPr/>
+      </p:nvGrpSpPr>
+      <p:grpSpPr>
+        <a:xfrm>
+          <a:off x="0" y="0"/>
+          <a:ext cx="0" cy="0"/>
+          <a:chOff x="0" y="0"/>
+          <a:chExt cx="0" cy="0"/>
+        </a:xfrm>
+      </p:grpSpPr>
+      <p:sp>
+        <p:nvSpPr>
+          <p:cNvPr id="2" name="Slide Image Placeholder 1"/>
+          <p:cNvSpPr>
+            <a:spLocks noGrp="1" noRot="1" noChangeAspect="1"/>
+          </p:cNvSpPr>
+          <p:nvPr>
+            <p:ph type="sldImg"/>
+          </p:nvPr>
+        </p:nvSpPr>
+        <p:spPr/>
+      </p:sp>
+      <p:sp>
+        <p:nvSpPr>
+          <p:cNvPr id="3" name="Notes Placeholder 2"/>
+          <p:cNvSpPr>
+            <a:spLocks noGrp="1"/>
+          </p:cNvSpPr>
+          <p:nvPr>
+            <p:ph type="body" idx="1"/>
+          </p:nvPr>
+        </p:nvSpPr>
+        <p:spPr/>
+        <p:txBody>
+          <a:bodyPr/>
+          <a:lstStyle/>
+          <a:p>
+            <a:r>
+              <a:rPr lang="en-US" dirty="0"/>
+              <a:t>We faced challenges such as the 'aboutness' problem, which refers to the challenge of determining the subject of the sentiment expressed in a sentence. We also encountered issues with complex sentences and ambiguous subjects.</a:t>
+            </a:r>
+          </a:p>
+        </p:txBody>
+      </p:sp>
+      <p:sp>
+        <p:nvSpPr>
+          <p:cNvPr id="4" name="Slide Number Placeholder 3"/>
+          <p:cNvSpPr>
+            <a:spLocks noGrp="1"/>
+          </p:cNvSpPr>
+          <p:nvPr>
+            <p:ph type="sldNum" sz="quarter" idx="5"/>
+          </p:nvPr>
+        </p:nvSpPr>
+        <p:spPr/>
+        <p:txBody>
+          <a:bodyPr/>
+          <a:lstStyle/>
+          <a:p>
+            <a:fld id="{AA4D7F38-9E4B-194A-AA5A-81BF138D29E9}" type="slidenum">
+              <a:rPr lang="en-US" altLang="en-US" smtClean="0"/>
+              <a:pPr/>
+              <a:t>14</a:t>
+            </a:fld>
+            <a:endParaRPr lang="en-US" altLang="en-US"/>
+          </a:p>
+        </p:txBody>
+      </p:sp>
+    </p:spTree>
+    <p:extLst>
+      <p:ext uri="{BB962C8B-B14F-4D97-AF65-F5344CB8AC3E}">
+        <p14:creationId xmlns:p14="http://schemas.microsoft.com/office/powerpoint/2010/main" val="2371925110"/>
+      </p:ext>
+    </p:extLst>
+  </p:cSld>
+  <p:clrMapOvr>
+    <a:masterClrMapping/>
+  </p:clrMapOvr>
+</p:notes>
+</file>
+
+<file path=ppt/notesSlides/notesSlide15.xml><?xml version="1.0" encoding="utf-8"?>
+<p:notes xmlns:a="http://schemas.openxmlformats.org/drawingml/2006/main" xmlns:r="http://schemas.openxmlformats.org/officeDocument/2006/relationships" xmlns:p="http://schemas.openxmlformats.org/presentationml/2006/main">
+  <p:cSld>
+    <p:spTree>
+      <p:nvGrpSpPr>
+        <p:cNvPr id="1" name=""/>
+        <p:cNvGrpSpPr/>
+        <p:nvPr/>
+      </p:nvGrpSpPr>
+      <p:grpSpPr>
+        <a:xfrm>
+          <a:off x="0" y="0"/>
+          <a:ext cx="0" cy="0"/>
+          <a:chOff x="0" y="0"/>
+          <a:chExt cx="0" cy="0"/>
+        </a:xfrm>
+      </p:grpSpPr>
+      <p:sp>
+        <p:nvSpPr>
+          <p:cNvPr id="2" name="Slide Image Placeholder 1"/>
+          <p:cNvSpPr>
+            <a:spLocks noGrp="1" noRot="1" noChangeAspect="1"/>
+          </p:cNvSpPr>
+          <p:nvPr>
+            <p:ph type="sldImg"/>
+          </p:nvPr>
+        </p:nvSpPr>
+        <p:spPr/>
+      </p:sp>
+      <p:sp>
+        <p:nvSpPr>
+          <p:cNvPr id="3" name="Notes Placeholder 2"/>
+          <p:cNvSpPr>
+            <a:spLocks noGrp="1"/>
+          </p:cNvSpPr>
+          <p:nvPr>
+            <p:ph type="body" idx="1"/>
+          </p:nvPr>
+        </p:nvSpPr>
+        <p:spPr/>
+        <p:txBody>
+          <a:bodyPr/>
+          <a:lstStyle/>
+          <a:p>
+            <a:r>
+              <a:rPr lang="en-US" dirty="0"/>
+              <a:t>In the conclusion and future work section, we will summarize the main findings of our project, conclude the report by discussing the significance of our findings, and discuss potential future work, such as how our project could be extended or improved.</a:t>
+            </a:r>
+          </a:p>
+        </p:txBody>
+      </p:sp>
+      <p:sp>
+        <p:nvSpPr>
+          <p:cNvPr id="4" name="Slide Number Placeholder 3"/>
+          <p:cNvSpPr>
+            <a:spLocks noGrp="1"/>
+          </p:cNvSpPr>
+          <p:nvPr>
+            <p:ph type="sldNum" sz="quarter" idx="5"/>
+          </p:nvPr>
+        </p:nvSpPr>
+        <p:spPr/>
+        <p:txBody>
+          <a:bodyPr/>
+          <a:lstStyle/>
+          <a:p>
+            <a:fld id="{AA4D7F38-9E4B-194A-AA5A-81BF138D29E9}" type="slidenum">
+              <a:rPr lang="en-US" altLang="en-US" smtClean="0"/>
+              <a:pPr/>
+              <a:t>15</a:t>
+            </a:fld>
+            <a:endParaRPr lang="en-US" altLang="en-US"/>
+          </a:p>
+        </p:txBody>
+      </p:sp>
+    </p:spTree>
+    <p:extLst>
+      <p:ext uri="{BB962C8B-B14F-4D97-AF65-F5344CB8AC3E}">
+        <p14:creationId xmlns:p14="http://schemas.microsoft.com/office/powerpoint/2010/main" val="1196247736"/>
+      </p:ext>
+    </p:extLst>
+  </p:cSld>
+  <p:clrMapOvr>
+    <a:masterClrMapping/>
+  </p:clrMapOvr>
+</p:notes>
+</file>
+
+<file path=ppt/notesSlides/notesSlide16.xml><?xml version="1.0" encoding="utf-8"?>
+<p:notes xmlns:a="http://schemas.openxmlformats.org/drawingml/2006/main" xmlns:r="http://schemas.openxmlformats.org/officeDocument/2006/relationships" xmlns:p="http://schemas.openxmlformats.org/presentationml/2006/main">
+  <p:cSld>
+    <p:spTree>
+      <p:nvGrpSpPr>
+        <p:cNvPr id="1" name=""/>
+        <p:cNvGrpSpPr/>
+        <p:nvPr/>
+      </p:nvGrpSpPr>
+      <p:grpSpPr>
+        <a:xfrm>
+          <a:off x="0" y="0"/>
+          <a:ext cx="0" cy="0"/>
+          <a:chOff x="0" y="0"/>
+          <a:chExt cx="0" cy="0"/>
+        </a:xfrm>
+      </p:grpSpPr>
+      <p:sp>
+        <p:nvSpPr>
+          <p:cNvPr id="2" name="Slide Image Placeholder 1"/>
+          <p:cNvSpPr>
+            <a:spLocks noGrp="1" noRot="1" noChangeAspect="1"/>
+          </p:cNvSpPr>
+          <p:nvPr>
+            <p:ph type="sldImg"/>
+          </p:nvPr>
+        </p:nvSpPr>
+        <p:spPr/>
+      </p:sp>
+      <p:sp>
+        <p:nvSpPr>
+          <p:cNvPr id="3" name="Notes Placeholder 2"/>
+          <p:cNvSpPr>
+            <a:spLocks noGrp="1"/>
+          </p:cNvSpPr>
+          <p:nvPr>
+            <p:ph type="body" idx="1"/>
+          </p:nvPr>
+        </p:nvSpPr>
+        <p:spPr/>
+        <p:txBody>
+          <a:bodyPr/>
+          <a:lstStyle/>
+          <a:p>
+            <a:r>
+              <a:rPr lang="en-US" dirty="0"/>
+              <a:t>We would like to take a moment to express our deepest gratitude to those who have made this project possible. First and foremost, we would like to thank our professor, whose guidance and expertise have been invaluable throughout this process. Your patience and dedication have not gone unnoticed, and we are truly grateful for your support.</a:t>
+            </a:r>
+          </a:p>
+        </p:txBody>
+      </p:sp>
+      <p:sp>
+        <p:nvSpPr>
+          <p:cNvPr id="4" name="Slide Number Placeholder 3"/>
+          <p:cNvSpPr>
+            <a:spLocks noGrp="1"/>
+          </p:cNvSpPr>
+          <p:nvPr>
+            <p:ph type="sldNum" sz="quarter" idx="5"/>
+          </p:nvPr>
+        </p:nvSpPr>
+        <p:spPr/>
+        <p:txBody>
+          <a:bodyPr/>
+          <a:lstStyle/>
+          <a:p>
+            <a:fld id="{AA4D7F38-9E4B-194A-AA5A-81BF138D29E9}" type="slidenum">
+              <a:rPr lang="en-US" altLang="en-US" smtClean="0"/>
+              <a:pPr/>
+              <a:t>16</a:t>
+            </a:fld>
+            <a:endParaRPr lang="en-US" altLang="en-US"/>
+          </a:p>
+        </p:txBody>
+      </p:sp>
+    </p:spTree>
+    <p:extLst>
+      <p:ext uri="{BB962C8B-B14F-4D97-AF65-F5344CB8AC3E}">
+        <p14:creationId xmlns:p14="http://schemas.microsoft.com/office/powerpoint/2010/main" val="684833767"/>
       </p:ext>
     </p:extLst>
   </p:cSld>
@@ -1051,7 +1687,17 @@
           <a:p>
             <a:r>
               <a:rPr lang="en-US" dirty="0"/>
-              <a:t>In the introduction, we will briefly introduce the problem we are addressing in our project, provide some context about why this problem is important, state the purpose of our project, outline the goals we hope to achieve, and define the scope of our project, including any limitations.</a:t>
+              <a:t>Let’s get started. Welcome to our project titled “</a:t>
+            </a:r>
+            <a:r>
+              <a:rPr lang="en-US" altLang="en-US" sz="1200" dirty="0">
+                <a:ea typeface="ＭＳ Ｐゴシック" charset="-128"/>
+              </a:rPr>
+              <a:t>Brand Sentiment Analysis of Twitter Posts</a:t>
+            </a:r>
+            <a:r>
+              <a:rPr lang="en-US" dirty="0"/>
+              <a:t>”. </a:t>
             </a:r>
           </a:p>
         </p:txBody>
@@ -1083,7 +1729,7 @@
     </p:spTree>
     <p:extLst>
       <p:ext uri="{BB962C8B-B14F-4D97-AF65-F5344CB8AC3E}">
-        <p14:creationId xmlns:p14="http://schemas.microsoft.com/office/powerpoint/2010/main" val="228650707"/>
+        <p14:creationId xmlns:p14="http://schemas.microsoft.com/office/powerpoint/2010/main" val="850201174"/>
       </p:ext>
     </p:extLst>
   </p:cSld>
@@ -1139,7 +1785,7 @@
           <a:p>
             <a:r>
               <a:rPr lang="en-US" dirty="0"/>
-              <a:t>In the section on related work, we will discuss previous work that has been done on this problem, compare and contrast our approach with these previous methods, and explain why our approach is different or better.</a:t>
+              <a:t>Our team has worked diligently to develop a system that leverages AI to understand public sentiment towards brands based on social media content.</a:t>
             </a:r>
           </a:p>
         </p:txBody>
@@ -1171,7 +1817,7 @@
     </p:spTree>
     <p:extLst>
       <p:ext uri="{BB962C8B-B14F-4D97-AF65-F5344CB8AC3E}">
-        <p14:creationId xmlns:p14="http://schemas.microsoft.com/office/powerpoint/2010/main" val="1831412315"/>
+        <p14:creationId xmlns:p14="http://schemas.microsoft.com/office/powerpoint/2010/main" val="228650707"/>
       </p:ext>
     </p:extLst>
   </p:cSld>
@@ -1227,7 +1873,7 @@
           <a:p>
             <a:r>
               <a:rPr lang="en-US" dirty="0"/>
-              <a:t>In the section on problem definition and AI techniques, we will clearly define the problem we are addressing, describe the AI techniques we used in our project, and explain why these techniques are appropriate for our problem.</a:t>
+              <a:t>We build two models: a Brand Classifier that predicts whether a Twitter post expresses a brand, and a Brand Sentiment Analyzer that predicts the sentiment of a Twitter post towards a brand.</a:t>
             </a:r>
           </a:p>
         </p:txBody>
@@ -1315,7 +1961,7 @@
           <a:p>
             <a:r>
               <a:rPr lang="en-US" dirty="0"/>
-              <a:t>In the section on dataset description, we will describe the dataset we used in our project, discuss any relevant characteristics of the data, and explain how the data was collected and any preprocessing steps we took.</a:t>
+              <a:t>They are trained on Twitter posts, so they cannot classify posts from other social media sites. They also process only text data, ignoring non-textual elements like images, videos, and audio clips.</a:t>
             </a:r>
           </a:p>
         </p:txBody>
@@ -1347,7 +1993,7 @@
     </p:spTree>
     <p:extLst>
       <p:ext uri="{BB962C8B-B14F-4D97-AF65-F5344CB8AC3E}">
-        <p14:creationId xmlns:p14="http://schemas.microsoft.com/office/powerpoint/2010/main" val="1805981893"/>
+        <p14:creationId xmlns:p14="http://schemas.microsoft.com/office/powerpoint/2010/main" val="3757772613"/>
       </p:ext>
     </p:extLst>
   </p:cSld>
@@ -1403,7 +2049,7 @@
           <a:p>
             <a:r>
               <a:rPr lang="en-US" dirty="0"/>
-              <a:t>In the section on experimental design, we will describe the design of our experiment, discuss any preprocessing steps we took, such as cleaning the data or dealing with missing values, explain any feature engineering we did, such as creating new variables or transforming existing ones, and detail the specific AI techniques we used and why we chose them.</a:t>
+              <a:t>We experimented with various machine learning algorithms like Naïve Bayes, Logistic Regression, Support Vector Machines, Recurrent Neural Networks, and Transformers.</a:t>
             </a:r>
           </a:p>
         </p:txBody>
@@ -1435,7 +2081,7 @@
     </p:spTree>
     <p:extLst>
       <p:ext uri="{BB962C8B-B14F-4D97-AF65-F5344CB8AC3E}">
-        <p14:creationId xmlns:p14="http://schemas.microsoft.com/office/powerpoint/2010/main" val="3333620174"/>
+        <p14:creationId xmlns:p14="http://schemas.microsoft.com/office/powerpoint/2010/main" val="1137822234"/>
       </p:ext>
     </p:extLst>
   </p:cSld>
@@ -1491,7 +2137,7 @@
           <a:p>
             <a:r>
               <a:rPr lang="en-US" dirty="0"/>
-              <a:t>In the section on results and discussion, we will present the results of our experiments, including any relevant figures or tables, discuss the implications of our results, and explain whether our results support our initial hypothesis.</a:t>
+              <a:t>We used the Sentiment140 dataset, which contains 1.6 million tweets, to train our models.</a:t>
             </a:r>
           </a:p>
         </p:txBody>
@@ -1523,7 +2169,7 @@
     </p:spTree>
     <p:extLst>
       <p:ext uri="{BB962C8B-B14F-4D97-AF65-F5344CB8AC3E}">
-        <p14:creationId xmlns:p14="http://schemas.microsoft.com/office/powerpoint/2010/main" val="3632726758"/>
+        <p14:creationId xmlns:p14="http://schemas.microsoft.com/office/powerpoint/2010/main" val="1805981893"/>
       </p:ext>
     </p:extLst>
   </p:cSld>
@@ -1579,7 +2225,7 @@
           <a:p>
             <a:r>
               <a:rPr lang="en-US" dirty="0"/>
-              <a:t>In the conclusion and future work section, we will summarize the main findings of our project, conclude the report by discussing the significance of our findings, and discuss potential future work, such as how our project could be extended or improved.</a:t>
+              <a:t>Our methods were designed to ensure a thorough and systematic approach to the problem. It involved using at least two different types of AI and machine learning algorithms. We conducted an investigation of the analytics solution to the problem, which included aspects of experimental comparison. We also explored variable importance to understand which features were most important in making good predictions.</a:t>
             </a:r>
           </a:p>
         </p:txBody>
@@ -1611,7 +2257,7 @@
     </p:spTree>
     <p:extLst>
       <p:ext uri="{BB962C8B-B14F-4D97-AF65-F5344CB8AC3E}">
-        <p14:creationId xmlns:p14="http://schemas.microsoft.com/office/powerpoint/2010/main" val="1196247736"/>
+        <p14:creationId xmlns:p14="http://schemas.microsoft.com/office/powerpoint/2010/main" val="3333620174"/>
       </p:ext>
     </p:extLst>
   </p:cSld>
@@ -1667,7 +2313,7 @@
           <a:p>
             <a:r>
               <a:rPr lang="en-US" dirty="0"/>
-              <a:t>We would like to take a moment to express our deepest gratitude to those who have made this project possible. First and foremost, we would like to thank our professor, whose guidance and expertise have been invaluable throughout this process. Your patience and dedication have not gone unnoticed, and we are truly grateful for your support.</a:t>
+              <a:t>In the assess stage, we analyzed the dataset and selected appropriate models based on the specific requirements of the sentiment analysis task, the characteristics of the available data, and the nature of the problem.</a:t>
             </a:r>
           </a:p>
         </p:txBody>
@@ -1699,7 +2345,7 @@
     </p:spTree>
     <p:extLst>
       <p:ext uri="{BB962C8B-B14F-4D97-AF65-F5344CB8AC3E}">
-        <p14:creationId xmlns:p14="http://schemas.microsoft.com/office/powerpoint/2010/main" val="684833767"/>
+        <p14:creationId xmlns:p14="http://schemas.microsoft.com/office/powerpoint/2010/main" val="1875703993"/>
       </p:ext>
     </p:extLst>
   </p:cSld>
@@ -1780,7 +2426,7 @@
             <a:fld id="{60E4B0F9-A7FB-5046-8EA1-145E13C1BB14}" type="datetimeFigureOut">
               <a:rPr lang="en-US" altLang="en-US"/>
               <a:pPr/>
-              <a:t>7/9/2023</a:t>
+              <a:t>7/14/2023</a:t>
             </a:fld>
             <a:endParaRPr lang="en-US" altLang="en-US"/>
           </a:p>
@@ -1972,7 +2618,7 @@
             <a:fld id="{9461B8EA-79DB-F845-97F0-24C5A509848C}" type="datetimeFigureOut">
               <a:rPr lang="en-US" altLang="en-US"/>
               <a:pPr/>
-              <a:t>7/9/2023</a:t>
+              <a:t>7/14/2023</a:t>
             </a:fld>
             <a:endParaRPr lang="en-US" altLang="en-US"/>
           </a:p>
@@ -2513,7 +3159,7 @@
             <a:fld id="{51040245-401E-DC4F-B046-F0C79A3107CA}" type="datetimeFigureOut">
               <a:rPr lang="en-US" altLang="en-US"/>
               <a:pPr/>
-              <a:t>7/9/2023</a:t>
+              <a:t>7/14/2023</a:t>
             </a:fld>
             <a:endParaRPr lang="en-US" altLang="en-US"/>
           </a:p>
@@ -2625,7 +3271,7 @@
             <a:fld id="{B8E3EDF6-D7E0-BF42-B0B6-A092B242026B}" type="datetimeFigureOut">
               <a:rPr lang="en-US" altLang="en-US"/>
               <a:pPr/>
-              <a:t>7/9/2023</a:t>
+              <a:t>7/14/2023</a:t>
             </a:fld>
             <a:endParaRPr lang="en-US" altLang="en-US"/>
           </a:p>
@@ -3020,7 +3666,7 @@
             <a:fld id="{482C3D94-7C5D-0846-984C-DFD8ACC0A135}" type="datetimeFigureOut">
               <a:rPr lang="en-US" altLang="en-US"/>
               <a:pPr/>
-              <a:t>7/9/2023</a:t>
+              <a:t>7/14/2023</a:t>
             </a:fld>
             <a:endParaRPr lang="en-US" altLang="en-US"/>
           </a:p>
@@ -3579,7 +4225,60 @@
       </p:grpSpPr>
       <p:sp>
         <p:nvSpPr>
-          <p:cNvPr id="8193" name="Title 1"/>
+          <p:cNvPr id="5" name="Title 4">
+            <a:extLst>
+              <a:ext uri="{FF2B5EF4-FFF2-40B4-BE49-F238E27FC236}">
+                <a16:creationId xmlns:a16="http://schemas.microsoft.com/office/drawing/2014/main" id="{E3720A7F-5BAF-4380-F170-E30B74F67C24}"/>
+              </a:ext>
+            </a:extLst>
+          </p:cNvPr>
+          <p:cNvSpPr>
+            <a:spLocks noGrp="1"/>
+          </p:cNvSpPr>
+          <p:nvPr>
+            <p:ph type="title"/>
+          </p:nvPr>
+        </p:nvSpPr>
+        <p:spPr/>
+        <p:txBody>
+          <a:bodyPr/>
+          <a:lstStyle/>
+          <a:p>
+            <a:r>
+              <a:rPr lang="en-US" dirty="0"/>
+              <a:t>Intro Videoclip &amp; Segue to Presentation</a:t>
+            </a:r>
+          </a:p>
+        </p:txBody>
+      </p:sp>
+    </p:spTree>
+  </p:cSld>
+  <p:clrMapOvr>
+    <a:masterClrMapping/>
+  </p:clrMapOvr>
+</p:sld>
+</file>
+
+<file path=ppt/slides/slide10.xml><?xml version="1.0" encoding="utf-8"?>
+<p:sld xmlns:a="http://schemas.openxmlformats.org/drawingml/2006/main" xmlns:r="http://schemas.openxmlformats.org/officeDocument/2006/relationships" xmlns:p="http://schemas.openxmlformats.org/presentationml/2006/main">
+  <p:cSld>
+    <p:spTree>
+      <p:nvGrpSpPr>
+        <p:cNvPr id="1" name=""/>
+        <p:cNvGrpSpPr/>
+        <p:nvPr/>
+      </p:nvGrpSpPr>
+      <p:grpSpPr>
+        <a:xfrm>
+          <a:off x="0" y="0"/>
+          <a:ext cx="0" cy="0"/>
+          <a:chOff x="0" y="0"/>
+          <a:chExt cx="0" cy="0"/>
+        </a:xfrm>
+      </p:grpSpPr>
+      <p:sp>
+        <p:nvSpPr>
+          <p:cNvPr id="9217" name="Title 1"/>
           <p:cNvSpPr>
             <a:spLocks noGrp="1"/>
           </p:cNvSpPr>
@@ -3596,117 +4295,341 @@
               <a:rPr lang="en-US" altLang="en-US" dirty="0">
                 <a:ea typeface="ＭＳ Ｐゴシック" charset="-128"/>
               </a:rPr>
-              <a:t>Attention Is All You Need</a:t>
-            </a:r>
-          </a:p>
-        </p:txBody>
-      </p:sp>
-      <p:sp>
-        <p:nvSpPr>
-          <p:cNvPr id="2" name="TextBox 1">
-            <a:extLst>
-              <a:ext uri="{FF2B5EF4-FFF2-40B4-BE49-F238E27FC236}">
-                <a16:creationId xmlns:a16="http://schemas.microsoft.com/office/drawing/2014/main" id="{7D0BDA10-284A-7B41-8670-B6B5D19AF0F7}"/>
-              </a:ext>
-            </a:extLst>
-          </p:cNvPr>
-          <p:cNvSpPr txBox="1"/>
-          <p:nvPr/>
-        </p:nvSpPr>
-        <p:spPr>
-          <a:xfrm>
-            <a:off x="1204948" y="3733800"/>
-            <a:ext cx="2548133" cy="461665"/>
-          </a:xfrm>
-          <a:prstGeom prst="rect">
-            <a:avLst/>
-          </a:prstGeom>
-          <a:noFill/>
-        </p:spPr>
-        <p:txBody>
-          <a:bodyPr wrap="none" rtlCol="0">
-            <a:spAutoFit/>
-          </a:bodyPr>
+              <a:t>Second Stage: Develop</a:t>
+            </a:r>
+          </a:p>
+        </p:txBody>
+      </p:sp>
+    </p:spTree>
+    <p:extLst>
+      <p:ext uri="{BB962C8B-B14F-4D97-AF65-F5344CB8AC3E}">
+        <p14:creationId xmlns:p14="http://schemas.microsoft.com/office/powerpoint/2010/main" val="4127828933"/>
+      </p:ext>
+    </p:extLst>
+  </p:cSld>
+  <p:clrMapOvr>
+    <a:masterClrMapping/>
+  </p:clrMapOvr>
+</p:sld>
+</file>
+
+<file path=ppt/slides/slide11.xml><?xml version="1.0" encoding="utf-8"?>
+<p:sld xmlns:a="http://schemas.openxmlformats.org/drawingml/2006/main" xmlns:r="http://schemas.openxmlformats.org/officeDocument/2006/relationships" xmlns:p="http://schemas.openxmlformats.org/presentationml/2006/main">
+  <p:cSld>
+    <p:spTree>
+      <p:nvGrpSpPr>
+        <p:cNvPr id="1" name=""/>
+        <p:cNvGrpSpPr/>
+        <p:nvPr/>
+      </p:nvGrpSpPr>
+      <p:grpSpPr>
+        <a:xfrm>
+          <a:off x="0" y="0"/>
+          <a:ext cx="0" cy="0"/>
+          <a:chOff x="0" y="0"/>
+          <a:chExt cx="0" cy="0"/>
+        </a:xfrm>
+      </p:grpSpPr>
+      <p:sp>
+        <p:nvSpPr>
+          <p:cNvPr id="9217" name="Title 1"/>
+          <p:cNvSpPr>
+            <a:spLocks noGrp="1"/>
+          </p:cNvSpPr>
+          <p:nvPr>
+            <p:ph type="title"/>
+          </p:nvPr>
+        </p:nvSpPr>
+        <p:spPr/>
+        <p:txBody>
+          <a:bodyPr/>
           <a:lstStyle/>
           <a:p>
             <a:r>
-              <a:rPr lang="en-US" dirty="0"/>
-              <a:t>Jonathan Agustin</a:t>
-            </a:r>
-          </a:p>
-        </p:txBody>
-      </p:sp>
-      <p:sp>
-        <p:nvSpPr>
-          <p:cNvPr id="3" name="TextBox 2">
-            <a:extLst>
-              <a:ext uri="{FF2B5EF4-FFF2-40B4-BE49-F238E27FC236}">
-                <a16:creationId xmlns:a16="http://schemas.microsoft.com/office/drawing/2014/main" id="{F501E45A-DF55-5B93-C877-50B2C4B47180}"/>
-              </a:ext>
-            </a:extLst>
-          </p:cNvPr>
-          <p:cNvSpPr txBox="1"/>
-          <p:nvPr/>
-        </p:nvSpPr>
-        <p:spPr>
-          <a:xfrm>
-            <a:off x="4958029" y="3784600"/>
-            <a:ext cx="2840842" cy="461665"/>
-          </a:xfrm>
-          <a:prstGeom prst="rect">
-            <a:avLst/>
-          </a:prstGeom>
-          <a:noFill/>
-        </p:spPr>
-        <p:txBody>
-          <a:bodyPr wrap="none" rtlCol="0">
-            <a:spAutoFit/>
-          </a:bodyPr>
+              <a:rPr lang="en-US" altLang="en-US" dirty="0">
+                <a:ea typeface="ＭＳ Ｐゴシック" charset="-128"/>
+              </a:rPr>
+              <a:t>Second Stage: Develop</a:t>
+            </a:r>
+          </a:p>
+        </p:txBody>
+      </p:sp>
+    </p:spTree>
+    <p:extLst>
+      <p:ext uri="{BB962C8B-B14F-4D97-AF65-F5344CB8AC3E}">
+        <p14:creationId xmlns:p14="http://schemas.microsoft.com/office/powerpoint/2010/main" val="2811755235"/>
+      </p:ext>
+    </p:extLst>
+  </p:cSld>
+  <p:clrMapOvr>
+    <a:masterClrMapping/>
+  </p:clrMapOvr>
+</p:sld>
+</file>
+
+<file path=ppt/slides/slide12.xml><?xml version="1.0" encoding="utf-8"?>
+<p:sld xmlns:a="http://schemas.openxmlformats.org/drawingml/2006/main" xmlns:r="http://schemas.openxmlformats.org/officeDocument/2006/relationships" xmlns:p="http://schemas.openxmlformats.org/presentationml/2006/main">
+  <p:cSld>
+    <p:spTree>
+      <p:nvGrpSpPr>
+        <p:cNvPr id="1" name=""/>
+        <p:cNvGrpSpPr/>
+        <p:nvPr/>
+      </p:nvGrpSpPr>
+      <p:grpSpPr>
+        <a:xfrm>
+          <a:off x="0" y="0"/>
+          <a:ext cx="0" cy="0"/>
+          <a:chOff x="0" y="0"/>
+          <a:chExt cx="0" cy="0"/>
+        </a:xfrm>
+      </p:grpSpPr>
+      <p:sp>
+        <p:nvSpPr>
+          <p:cNvPr id="9217" name="Title 1"/>
+          <p:cNvSpPr>
+            <a:spLocks noGrp="1"/>
+          </p:cNvSpPr>
+          <p:nvPr>
+            <p:ph type="title"/>
+          </p:nvPr>
+        </p:nvSpPr>
+        <p:spPr/>
+        <p:txBody>
+          <a:bodyPr/>
           <a:lstStyle/>
           <a:p>
             <a:r>
-              <a:rPr lang="en-US" dirty="0"/>
-              <a:t>Fernando Calderon</a:t>
-            </a:r>
-          </a:p>
-        </p:txBody>
-      </p:sp>
-      <p:sp>
-        <p:nvSpPr>
-          <p:cNvPr id="4" name="TextBox 3">
-            <a:extLst>
-              <a:ext uri="{FF2B5EF4-FFF2-40B4-BE49-F238E27FC236}">
-                <a16:creationId xmlns:a16="http://schemas.microsoft.com/office/drawing/2014/main" id="{99028ACB-FE7B-0E6D-EF5A-0ECC023F0069}"/>
-              </a:ext>
-            </a:extLst>
-          </p:cNvPr>
-          <p:cNvSpPr txBox="1"/>
-          <p:nvPr/>
-        </p:nvSpPr>
-        <p:spPr>
-          <a:xfrm>
-            <a:off x="9003819" y="3835400"/>
-            <a:ext cx="1983235" cy="461665"/>
-          </a:xfrm>
-          <a:prstGeom prst="rect">
-            <a:avLst/>
-          </a:prstGeom>
-          <a:noFill/>
-        </p:spPr>
-        <p:txBody>
-          <a:bodyPr wrap="none" rtlCol="0">
-            <a:spAutoFit/>
-          </a:bodyPr>
+              <a:rPr lang="en-US" altLang="en-US" dirty="0">
+                <a:ea typeface="ＭＳ Ｐゴシック" charset="-128"/>
+              </a:rPr>
+              <a:t>Third Stage: Evaluate</a:t>
+            </a:r>
+          </a:p>
+        </p:txBody>
+      </p:sp>
+    </p:spTree>
+    <p:extLst>
+      <p:ext uri="{BB962C8B-B14F-4D97-AF65-F5344CB8AC3E}">
+        <p14:creationId xmlns:p14="http://schemas.microsoft.com/office/powerpoint/2010/main" val="901105427"/>
+      </p:ext>
+    </p:extLst>
+  </p:cSld>
+  <p:clrMapOvr>
+    <a:masterClrMapping/>
+  </p:clrMapOvr>
+</p:sld>
+</file>
+
+<file path=ppt/slides/slide13.xml><?xml version="1.0" encoding="utf-8"?>
+<p:sld xmlns:a="http://schemas.openxmlformats.org/drawingml/2006/main" xmlns:r="http://schemas.openxmlformats.org/officeDocument/2006/relationships" xmlns:p="http://schemas.openxmlformats.org/presentationml/2006/main">
+  <p:cSld>
+    <p:spTree>
+      <p:nvGrpSpPr>
+        <p:cNvPr id="1" name=""/>
+        <p:cNvGrpSpPr/>
+        <p:nvPr/>
+      </p:nvGrpSpPr>
+      <p:grpSpPr>
+        <a:xfrm>
+          <a:off x="0" y="0"/>
+          <a:ext cx="0" cy="0"/>
+          <a:chOff x="0" y="0"/>
+          <a:chExt cx="0" cy="0"/>
+        </a:xfrm>
+      </p:grpSpPr>
+      <p:sp>
+        <p:nvSpPr>
+          <p:cNvPr id="9217" name="Title 1"/>
+          <p:cNvSpPr>
+            <a:spLocks noGrp="1"/>
+          </p:cNvSpPr>
+          <p:nvPr>
+            <p:ph type="title"/>
+          </p:nvPr>
+        </p:nvSpPr>
+        <p:spPr/>
+        <p:txBody>
+          <a:bodyPr/>
           <a:lstStyle/>
           <a:p>
             <a:r>
-              <a:rPr lang="en-US" dirty="0"/>
-              <a:t>Juliet Lawton</a:t>
+              <a:rPr lang="en-US" altLang="en-US" dirty="0">
+                <a:ea typeface="ＭＳ Ｐゴシック" charset="-128"/>
+              </a:rPr>
+              <a:t>Results</a:t>
             </a:r>
           </a:p>
         </p:txBody>
       </p:sp>
     </p:spTree>
+    <p:extLst>
+      <p:ext uri="{BB962C8B-B14F-4D97-AF65-F5344CB8AC3E}">
+        <p14:creationId xmlns:p14="http://schemas.microsoft.com/office/powerpoint/2010/main" val="2681042120"/>
+      </p:ext>
+    </p:extLst>
+  </p:cSld>
+  <p:clrMapOvr>
+    <a:masterClrMapping/>
+  </p:clrMapOvr>
+</p:sld>
+</file>
+
+<file path=ppt/slides/slide14.xml><?xml version="1.0" encoding="utf-8"?>
+<p:sld xmlns:a="http://schemas.openxmlformats.org/drawingml/2006/main" xmlns:r="http://schemas.openxmlformats.org/officeDocument/2006/relationships" xmlns:p="http://schemas.openxmlformats.org/presentationml/2006/main">
+  <p:cSld>
+    <p:spTree>
+      <p:nvGrpSpPr>
+        <p:cNvPr id="1" name=""/>
+        <p:cNvGrpSpPr/>
+        <p:nvPr/>
+      </p:nvGrpSpPr>
+      <p:grpSpPr>
+        <a:xfrm>
+          <a:off x="0" y="0"/>
+          <a:ext cx="0" cy="0"/>
+          <a:chOff x="0" y="0"/>
+          <a:chExt cx="0" cy="0"/>
+        </a:xfrm>
+      </p:grpSpPr>
+      <p:sp>
+        <p:nvSpPr>
+          <p:cNvPr id="9217" name="Title 1"/>
+          <p:cNvSpPr>
+            <a:spLocks noGrp="1"/>
+          </p:cNvSpPr>
+          <p:nvPr>
+            <p:ph type="title"/>
+          </p:nvPr>
+        </p:nvSpPr>
+        <p:spPr/>
+        <p:txBody>
+          <a:bodyPr/>
+          <a:lstStyle/>
+          <a:p>
+            <a:r>
+              <a:rPr lang="en-US" altLang="en-US" dirty="0">
+                <a:ea typeface="ＭＳ Ｐゴシック" charset="-128"/>
+              </a:rPr>
+              <a:t>Challenges</a:t>
+            </a:r>
+          </a:p>
+        </p:txBody>
+      </p:sp>
+    </p:spTree>
+    <p:extLst>
+      <p:ext uri="{BB962C8B-B14F-4D97-AF65-F5344CB8AC3E}">
+        <p14:creationId xmlns:p14="http://schemas.microsoft.com/office/powerpoint/2010/main" val="603158914"/>
+      </p:ext>
+    </p:extLst>
+  </p:cSld>
+  <p:clrMapOvr>
+    <a:masterClrMapping/>
+  </p:clrMapOvr>
+</p:sld>
+</file>
+
+<file path=ppt/slides/slide15.xml><?xml version="1.0" encoding="utf-8"?>
+<p:sld xmlns:a="http://schemas.openxmlformats.org/drawingml/2006/main" xmlns:r="http://schemas.openxmlformats.org/officeDocument/2006/relationships" xmlns:p="http://schemas.openxmlformats.org/presentationml/2006/main">
+  <p:cSld>
+    <p:spTree>
+      <p:nvGrpSpPr>
+        <p:cNvPr id="1" name=""/>
+        <p:cNvGrpSpPr/>
+        <p:nvPr/>
+      </p:nvGrpSpPr>
+      <p:grpSpPr>
+        <a:xfrm>
+          <a:off x="0" y="0"/>
+          <a:ext cx="0" cy="0"/>
+          <a:chOff x="0" y="0"/>
+          <a:chExt cx="0" cy="0"/>
+        </a:xfrm>
+      </p:grpSpPr>
+      <p:sp>
+        <p:nvSpPr>
+          <p:cNvPr id="9217" name="Title 1"/>
+          <p:cNvSpPr>
+            <a:spLocks noGrp="1"/>
+          </p:cNvSpPr>
+          <p:nvPr>
+            <p:ph type="title"/>
+          </p:nvPr>
+        </p:nvSpPr>
+        <p:spPr/>
+        <p:txBody>
+          <a:bodyPr/>
+          <a:lstStyle/>
+          <a:p>
+            <a:r>
+              <a:rPr lang="en-US" altLang="en-US" dirty="0">
+                <a:ea typeface="ＭＳ Ｐゴシック" charset="-128"/>
+              </a:rPr>
+              <a:t>Conclusion &amp; Future Work</a:t>
+            </a:r>
+          </a:p>
+        </p:txBody>
+      </p:sp>
+    </p:spTree>
+    <p:extLst>
+      <p:ext uri="{BB962C8B-B14F-4D97-AF65-F5344CB8AC3E}">
+        <p14:creationId xmlns:p14="http://schemas.microsoft.com/office/powerpoint/2010/main" val="2875911112"/>
+      </p:ext>
+    </p:extLst>
+  </p:cSld>
+  <p:clrMapOvr>
+    <a:masterClrMapping/>
+  </p:clrMapOvr>
+</p:sld>
+</file>
+
+<file path=ppt/slides/slide16.xml><?xml version="1.0" encoding="utf-8"?>
+<p:sld xmlns:a="http://schemas.openxmlformats.org/drawingml/2006/main" xmlns:r="http://schemas.openxmlformats.org/officeDocument/2006/relationships" xmlns:p="http://schemas.openxmlformats.org/presentationml/2006/main">
+  <p:cSld>
+    <p:spTree>
+      <p:nvGrpSpPr>
+        <p:cNvPr id="1" name=""/>
+        <p:cNvGrpSpPr/>
+        <p:nvPr/>
+      </p:nvGrpSpPr>
+      <p:grpSpPr>
+        <a:xfrm>
+          <a:off x="0" y="0"/>
+          <a:ext cx="0" cy="0"/>
+          <a:chOff x="0" y="0"/>
+          <a:chExt cx="0" cy="0"/>
+        </a:xfrm>
+      </p:grpSpPr>
+      <p:sp>
+        <p:nvSpPr>
+          <p:cNvPr id="9217" name="Title 1"/>
+          <p:cNvSpPr>
+            <a:spLocks noGrp="1"/>
+          </p:cNvSpPr>
+          <p:nvPr>
+            <p:ph type="title"/>
+          </p:nvPr>
+        </p:nvSpPr>
+        <p:spPr/>
+        <p:txBody>
+          <a:bodyPr/>
+          <a:lstStyle/>
+          <a:p>
+            <a:r>
+              <a:rPr lang="en-US" altLang="en-US" dirty="0">
+                <a:ea typeface="ＭＳ Ｐゴシック" charset="-128"/>
+              </a:rPr>
+              <a:t>Acknowledgements</a:t>
+            </a:r>
+          </a:p>
+        </p:txBody>
+      </p:sp>
+    </p:spTree>
+    <p:extLst>
+      <p:ext uri="{BB962C8B-B14F-4D97-AF65-F5344CB8AC3E}">
+        <p14:creationId xmlns:p14="http://schemas.microsoft.com/office/powerpoint/2010/main" val="1671929546"/>
+      </p:ext>
+    </p:extLst>
   </p:cSld>
   <p:clrMapOvr>
     <a:masterClrMapping/>
@@ -3733,7 +4656,7 @@
       </p:grpSpPr>
       <p:sp>
         <p:nvSpPr>
-          <p:cNvPr id="9217" name="Title 1"/>
+          <p:cNvPr id="8193" name="Title 1"/>
           <p:cNvSpPr>
             <a:spLocks noGrp="1"/>
           </p:cNvSpPr>
@@ -3741,21 +4664,136 @@
             <p:ph type="title"/>
           </p:nvPr>
         </p:nvSpPr>
-        <p:spPr/>
+        <p:spPr>
+          <a:xfrm>
+            <a:off x="914400" y="2057400"/>
+            <a:ext cx="10363200" cy="2743200"/>
+          </a:xfrm>
+        </p:spPr>
         <p:txBody>
           <a:bodyPr/>
           <a:lstStyle/>
           <a:p>
             <a:r>
-              <a:rPr lang="en-US" altLang="en-US" dirty="0">
+              <a:rPr lang="en-US" altLang="en-US" sz="3600" dirty="0">
                 <a:ea typeface="ＭＳ Ｐゴシック" charset="-128"/>
               </a:rPr>
-              <a:t>Introduction</a:t>
+              <a:t>Brand Sentiment Analysis of Twitter Posts</a:t>
+            </a:r>
+          </a:p>
+        </p:txBody>
+      </p:sp>
+      <p:sp>
+        <p:nvSpPr>
+          <p:cNvPr id="2" name="TextBox 1">
+            <a:extLst>
+              <a:ext uri="{FF2B5EF4-FFF2-40B4-BE49-F238E27FC236}">
+                <a16:creationId xmlns:a16="http://schemas.microsoft.com/office/drawing/2014/main" id="{7D0BDA10-284A-7B41-8670-B6B5D19AF0F7}"/>
+              </a:ext>
+            </a:extLst>
+          </p:cNvPr>
+          <p:cNvSpPr txBox="1"/>
+          <p:nvPr/>
+        </p:nvSpPr>
+        <p:spPr>
+          <a:xfrm>
+            <a:off x="1204948" y="4114800"/>
+            <a:ext cx="2548133" cy="461665"/>
+          </a:xfrm>
+          <a:prstGeom prst="rect">
+            <a:avLst/>
+          </a:prstGeom>
+          <a:noFill/>
+        </p:spPr>
+        <p:txBody>
+          <a:bodyPr wrap="none" rtlCol="0" anchor="ctr">
+            <a:spAutoFit/>
+          </a:bodyPr>
+          <a:lstStyle/>
+          <a:p>
+            <a:r>
+              <a:rPr lang="en-US" dirty="0"/>
+              <a:t>Jonathan Agustin</a:t>
+            </a:r>
+          </a:p>
+        </p:txBody>
+      </p:sp>
+      <p:sp>
+        <p:nvSpPr>
+          <p:cNvPr id="3" name="TextBox 2">
+            <a:extLst>
+              <a:ext uri="{FF2B5EF4-FFF2-40B4-BE49-F238E27FC236}">
+                <a16:creationId xmlns:a16="http://schemas.microsoft.com/office/drawing/2014/main" id="{F501E45A-DF55-5B93-C877-50B2C4B47180}"/>
+              </a:ext>
+            </a:extLst>
+          </p:cNvPr>
+          <p:cNvSpPr txBox="1"/>
+          <p:nvPr/>
+        </p:nvSpPr>
+        <p:spPr>
+          <a:xfrm>
+            <a:off x="4958027" y="4114800"/>
+            <a:ext cx="2840842" cy="461665"/>
+          </a:xfrm>
+          <a:prstGeom prst="rect">
+            <a:avLst/>
+          </a:prstGeom>
+          <a:noFill/>
+        </p:spPr>
+        <p:txBody>
+          <a:bodyPr wrap="none" rtlCol="0" anchor="ctr">
+            <a:spAutoFit/>
+          </a:bodyPr>
+          <a:lstStyle/>
+          <a:p>
+            <a:r>
+              <a:rPr lang="en-US" dirty="0"/>
+              <a:t>Fernando Calderon</a:t>
+            </a:r>
+          </a:p>
+        </p:txBody>
+      </p:sp>
+      <p:sp>
+        <p:nvSpPr>
+          <p:cNvPr id="4" name="TextBox 3">
+            <a:extLst>
+              <a:ext uri="{FF2B5EF4-FFF2-40B4-BE49-F238E27FC236}">
+                <a16:creationId xmlns:a16="http://schemas.microsoft.com/office/drawing/2014/main" id="{99028ACB-FE7B-0E6D-EF5A-0ECC023F0069}"/>
+              </a:ext>
+            </a:extLst>
+          </p:cNvPr>
+          <p:cNvSpPr txBox="1"/>
+          <p:nvPr/>
+        </p:nvSpPr>
+        <p:spPr>
+          <a:xfrm>
+            <a:off x="9003817" y="4114800"/>
+            <a:ext cx="1983235" cy="461665"/>
+          </a:xfrm>
+          <a:prstGeom prst="rect">
+            <a:avLst/>
+          </a:prstGeom>
+          <a:noFill/>
+        </p:spPr>
+        <p:txBody>
+          <a:bodyPr wrap="none" rtlCol="0" anchor="ctr">
+            <a:spAutoFit/>
+          </a:bodyPr>
+          <a:lstStyle/>
+          <a:p>
+            <a:r>
+              <a:rPr lang="en-US" dirty="0"/>
+              <a:t>Juliet Lawton</a:t>
             </a:r>
           </a:p>
         </p:txBody>
       </p:sp>
     </p:spTree>
+    <p:extLst>
+      <p:ext uri="{BB962C8B-B14F-4D97-AF65-F5344CB8AC3E}">
+        <p14:creationId xmlns:p14="http://schemas.microsoft.com/office/powerpoint/2010/main" val="1093170298"/>
+      </p:ext>
+    </p:extLst>
   </p:cSld>
   <p:clrMapOvr>
     <a:masterClrMapping/>
@@ -3799,17 +4837,12 @@
               <a:rPr lang="en-US" altLang="en-US" dirty="0">
                 <a:ea typeface="ＭＳ Ｐゴシック" charset="-128"/>
               </a:rPr>
-              <a:t>Related Work</a:t>
+              <a:t>Introduction</a:t>
             </a:r>
           </a:p>
         </p:txBody>
       </p:sp>
     </p:spTree>
-    <p:extLst>
-      <p:ext uri="{BB962C8B-B14F-4D97-AF65-F5344CB8AC3E}">
-        <p14:creationId xmlns:p14="http://schemas.microsoft.com/office/powerpoint/2010/main" val="4169348470"/>
-      </p:ext>
-    </p:extLst>
   </p:cSld>
   <p:clrMapOvr>
     <a:masterClrMapping/>
@@ -3853,7 +4886,7 @@
               <a:rPr lang="en-US" altLang="en-US" dirty="0">
                 <a:ea typeface="ＭＳ Ｐゴシック" charset="-128"/>
               </a:rPr>
-              <a:t>Problem Definition &amp; AI Techniques</a:t>
+              <a:t>Problem Statement</a:t>
             </a:r>
           </a:p>
         </p:txBody>
@@ -3907,7 +4940,7 @@
               <a:rPr lang="en-US" altLang="en-US" dirty="0">
                 <a:ea typeface="ＭＳ Ｐゴシック" charset="-128"/>
               </a:rPr>
-              <a:t>Dataset Description</a:t>
+              <a:t>Scope</a:t>
             </a:r>
           </a:p>
         </p:txBody>
@@ -3915,7 +4948,7 @@
     </p:spTree>
     <p:extLst>
       <p:ext uri="{BB962C8B-B14F-4D97-AF65-F5344CB8AC3E}">
-        <p14:creationId xmlns:p14="http://schemas.microsoft.com/office/powerpoint/2010/main" val="1623255054"/>
+        <p14:creationId xmlns:p14="http://schemas.microsoft.com/office/powerpoint/2010/main" val="3273571779"/>
       </p:ext>
     </p:extLst>
   </p:cSld>
@@ -3961,7 +4994,7 @@
               <a:rPr lang="en-US" altLang="en-US" dirty="0">
                 <a:ea typeface="ＭＳ Ｐゴシック" charset="-128"/>
               </a:rPr>
-              <a:t>Experimental Design</a:t>
+              <a:t>Algorithms</a:t>
             </a:r>
           </a:p>
         </p:txBody>
@@ -3969,7 +5002,7 @@
     </p:spTree>
     <p:extLst>
       <p:ext uri="{BB962C8B-B14F-4D97-AF65-F5344CB8AC3E}">
-        <p14:creationId xmlns:p14="http://schemas.microsoft.com/office/powerpoint/2010/main" val="1557484235"/>
+        <p14:creationId xmlns:p14="http://schemas.microsoft.com/office/powerpoint/2010/main" val="69069607"/>
       </p:ext>
     </p:extLst>
   </p:cSld>
@@ -4015,7 +5048,7 @@
               <a:rPr lang="en-US" altLang="en-US" dirty="0">
                 <a:ea typeface="ＭＳ Ｐゴシック" charset="-128"/>
               </a:rPr>
-              <a:t>Results &amp; Discussion</a:t>
+              <a:t>Datasets</a:t>
             </a:r>
           </a:p>
         </p:txBody>
@@ -4023,7 +5056,7 @@
     </p:spTree>
     <p:extLst>
       <p:ext uri="{BB962C8B-B14F-4D97-AF65-F5344CB8AC3E}">
-        <p14:creationId xmlns:p14="http://schemas.microsoft.com/office/powerpoint/2010/main" val="901105427"/>
+        <p14:creationId xmlns:p14="http://schemas.microsoft.com/office/powerpoint/2010/main" val="1623255054"/>
       </p:ext>
     </p:extLst>
   </p:cSld>
@@ -4069,7 +5102,7 @@
               <a:rPr lang="en-US" altLang="en-US" dirty="0">
                 <a:ea typeface="ＭＳ Ｐゴシック" charset="-128"/>
               </a:rPr>
-              <a:t>Conclusion &amp; Future Work</a:t>
+              <a:t>Experimental Design</a:t>
             </a:r>
           </a:p>
         </p:txBody>
@@ -4077,7 +5110,7 @@
     </p:spTree>
     <p:extLst>
       <p:ext uri="{BB962C8B-B14F-4D97-AF65-F5344CB8AC3E}">
-        <p14:creationId xmlns:p14="http://schemas.microsoft.com/office/powerpoint/2010/main" val="2875911112"/>
+        <p14:creationId xmlns:p14="http://schemas.microsoft.com/office/powerpoint/2010/main" val="1557484235"/>
       </p:ext>
     </p:extLst>
   </p:cSld>
@@ -4123,7 +5156,7 @@
               <a:rPr lang="en-US" altLang="en-US" dirty="0">
                 <a:ea typeface="ＭＳ Ｐゴシック" charset="-128"/>
               </a:rPr>
-              <a:t>Acknowledgements</a:t>
+              <a:t>First Stage: Assess</a:t>
             </a:r>
           </a:p>
         </p:txBody>
@@ -4131,7 +5164,7 @@
     </p:spTree>
     <p:extLst>
       <p:ext uri="{BB962C8B-B14F-4D97-AF65-F5344CB8AC3E}">
-        <p14:creationId xmlns:p14="http://schemas.microsoft.com/office/powerpoint/2010/main" val="1671929546"/>
+        <p14:creationId xmlns:p14="http://schemas.microsoft.com/office/powerpoint/2010/main" val="4054382697"/>
       </p:ext>
     </p:extLst>
   </p:cSld>

--- a/Final-Project-Team-2.pptx
+++ b/Final-Project-Team-2.pptx
@@ -5,28 +5,27 @@
     <p:sldMasterId id="2147483763" r:id="rId1"/>
   </p:sldMasterIdLst>
   <p:notesMasterIdLst>
-    <p:notesMasterId r:id="rId18"/>
+    <p:notesMasterId r:id="rId17"/>
   </p:notesMasterIdLst>
   <p:handoutMasterIdLst>
-    <p:handoutMasterId r:id="rId19"/>
+    <p:handoutMasterId r:id="rId18"/>
   </p:handoutMasterIdLst>
   <p:sldIdLst>
-    <p:sldId id="256" r:id="rId2"/>
-    <p:sldId id="273" r:id="rId3"/>
-    <p:sldId id="257" r:id="rId4"/>
-    <p:sldId id="260" r:id="rId5"/>
-    <p:sldId id="269" r:id="rId6"/>
-    <p:sldId id="266" r:id="rId7"/>
-    <p:sldId id="261" r:id="rId8"/>
-    <p:sldId id="262" r:id="rId9"/>
-    <p:sldId id="270" r:id="rId10"/>
-    <p:sldId id="271" r:id="rId11"/>
-    <p:sldId id="272" r:id="rId12"/>
-    <p:sldId id="263" r:id="rId13"/>
-    <p:sldId id="267" r:id="rId14"/>
-    <p:sldId id="268" r:id="rId15"/>
-    <p:sldId id="264" r:id="rId16"/>
-    <p:sldId id="265" r:id="rId17"/>
+    <p:sldId id="273" r:id="rId2"/>
+    <p:sldId id="257" r:id="rId3"/>
+    <p:sldId id="260" r:id="rId4"/>
+    <p:sldId id="269" r:id="rId5"/>
+    <p:sldId id="266" r:id="rId6"/>
+    <p:sldId id="261" r:id="rId7"/>
+    <p:sldId id="262" r:id="rId8"/>
+    <p:sldId id="270" r:id="rId9"/>
+    <p:sldId id="271" r:id="rId10"/>
+    <p:sldId id="272" r:id="rId11"/>
+    <p:sldId id="263" r:id="rId12"/>
+    <p:sldId id="267" r:id="rId13"/>
+    <p:sldId id="268" r:id="rId14"/>
+    <p:sldId id="264" r:id="rId15"/>
+    <p:sldId id="265" r:id="rId16"/>
   </p:sldIdLst>
   <p:sldSz cx="12192000" cy="6858000"/>
   <p:notesSz cx="6858000" cy="9144000"/>
@@ -177,7 +176,7 @@
 <file path=ppt/revisionInfo.xml><?xml version="1.0" encoding="utf-8"?>
 <p1510:revInfo xmlns:a="http://schemas.openxmlformats.org/drawingml/2006/main" xmlns:r="http://schemas.openxmlformats.org/officeDocument/2006/relationships" xmlns:p1510="http://schemas.microsoft.com/office/powerpoint/2015/10/main">
   <p1510:revLst>
-    <p1510:client id="{9DC81C8E-254C-4083-9BF4-030793D3F1B6}" v="22" dt="2023-07-15T02:48:51.470"/>
+    <p1510:client id="{9DC81C8E-254C-4083-9BF4-030793D3F1B6}" v="29" dt="2023-07-15T08:37:51.363"/>
   </p1510:revLst>
 </p1510:revInfo>
 </file>
@@ -275,7 +274,7 @@
             <a:fld id="{3CB42547-1216-8745-B61E-1644CC83EEDE}" type="datetimeFigureOut">
               <a:rPr lang="en-US" altLang="en-US"/>
               <a:pPr/>
-              <a:t>7/14/2023</a:t>
+              <a:t>7/15/2023</a:t>
             </a:fld>
             <a:endParaRPr lang="en-US" altLang="en-US"/>
           </a:p>
@@ -970,21 +969,18 @@
           <a:p>
             <a:r>
               <a:rPr lang="en-US" dirty="0"/>
-              <a:t>A </a:t>
-            </a:r>
-            <a:r>
-              <a:rPr lang="en-US"/>
-              <a:t>cool introductory videoclip </a:t>
+              <a:t>Let’s get started. Welcome to our project titled “</a:t>
+            </a:r>
+            <a:r>
+              <a:rPr lang="en-US" altLang="en-US" sz="1200" dirty="0">
+                <a:ea typeface="ＭＳ Ｐゴシック" charset="-128"/>
+              </a:rPr>
+              <a:t>Brand Sentiment Analysis of Twitter Posts.</a:t>
             </a:r>
             <a:r>
               <a:rPr lang="en-US" dirty="0"/>
-              <a:t>will be inserted here to WOW the audience and show that we </a:t>
-            </a:r>
-            <a:r>
-              <a:rPr lang="en-US"/>
-              <a:t>mean business.</a:t>
-            </a:r>
-            <a:endParaRPr lang="en-US" dirty="0"/>
+              <a:t>” </a:t>
+            </a:r>
           </a:p>
         </p:txBody>
       </p:sp>
@@ -1015,7 +1011,7 @@
     </p:spTree>
     <p:extLst>
       <p:ext uri="{BB962C8B-B14F-4D97-AF65-F5344CB8AC3E}">
-        <p14:creationId xmlns:p14="http://schemas.microsoft.com/office/powerpoint/2010/main" val="4054898556"/>
+        <p14:creationId xmlns:p14="http://schemas.microsoft.com/office/powerpoint/2010/main" val="850201174"/>
       </p:ext>
     </p:extLst>
   </p:cSld>
@@ -1103,7 +1099,7 @@
     </p:spTree>
     <p:extLst>
       <p:ext uri="{BB962C8B-B14F-4D97-AF65-F5344CB8AC3E}">
-        <p14:creationId xmlns:p14="http://schemas.microsoft.com/office/powerpoint/2010/main" val="2161610621"/>
+        <p14:creationId xmlns:p14="http://schemas.microsoft.com/office/powerpoint/2010/main" val="1812335125"/>
       </p:ext>
     </p:extLst>
   </p:cSld>
@@ -1159,7 +1155,7 @@
           <a:p>
             <a:r>
               <a:rPr lang="en-US" dirty="0"/>
-              <a:t>In the development stage, we handled invalid values and discarded non-textual content. We trained our models to identify a brand and align with the sentiment expressed in a tweet, and then tuned them to improve performance.</a:t>
+              <a:t>In the evaluation stage, we measured the models' ability to identify brands and predict sentiment in Twitter posts. We used standard classification metrics such as Accuracy, Precision, Recall, and F1 Score to evaluate the models.</a:t>
             </a:r>
           </a:p>
         </p:txBody>
@@ -1191,7 +1187,7 @@
     </p:spTree>
     <p:extLst>
       <p:ext uri="{BB962C8B-B14F-4D97-AF65-F5344CB8AC3E}">
-        <p14:creationId xmlns:p14="http://schemas.microsoft.com/office/powerpoint/2010/main" val="1812335125"/>
+        <p14:creationId xmlns:p14="http://schemas.microsoft.com/office/powerpoint/2010/main" val="3632726758"/>
       </p:ext>
     </p:extLst>
   </p:cSld>
@@ -1247,7 +1243,7 @@
           <a:p>
             <a:r>
               <a:rPr lang="en-US" dirty="0"/>
-              <a:t>In the evaluation stage, we measured the models' ability to identify brands and predict sentiment in Twitter posts. We used standard classification metrics such as Accuracy, Precision, Recall, and F1 Score to evaluate the models.</a:t>
+              <a:t>We present the results of our experiments, including any relevant figures or tables, discuss the implications of our results, and explain whether our results support our initial hypothesis. We present the results of our models. We achieved an accuracy rate over 50%, demonstrating the potential of machine learning in understanding public sentiment towards brands based on social media content.</a:t>
             </a:r>
           </a:p>
         </p:txBody>
@@ -1279,7 +1275,7 @@
     </p:spTree>
     <p:extLst>
       <p:ext uri="{BB962C8B-B14F-4D97-AF65-F5344CB8AC3E}">
-        <p14:creationId xmlns:p14="http://schemas.microsoft.com/office/powerpoint/2010/main" val="3632726758"/>
+        <p14:creationId xmlns:p14="http://schemas.microsoft.com/office/powerpoint/2010/main" val="4074490549"/>
       </p:ext>
     </p:extLst>
   </p:cSld>
@@ -1335,7 +1331,7 @@
           <a:p>
             <a:r>
               <a:rPr lang="en-US" dirty="0"/>
-              <a:t>We present the results of our experiments, including any relevant figures or tables, discuss the implications of our results, and explain whether our results support our initial hypothesis. We present the results of our models. We achieved an accuracy rate over 50%, demonstrating the potential of machine learning in understanding public sentiment towards brands based on social media content.</a:t>
+              <a:t>We faced challenges such as the 'aboutness' problem, which refers to the challenge of determining the subject of the sentiment expressed in a sentence. We also encountered issues with complex sentences and ambiguous subjects.</a:t>
             </a:r>
           </a:p>
         </p:txBody>
@@ -1367,7 +1363,7 @@
     </p:spTree>
     <p:extLst>
       <p:ext uri="{BB962C8B-B14F-4D97-AF65-F5344CB8AC3E}">
-        <p14:creationId xmlns:p14="http://schemas.microsoft.com/office/powerpoint/2010/main" val="4074490549"/>
+        <p14:creationId xmlns:p14="http://schemas.microsoft.com/office/powerpoint/2010/main" val="2371925110"/>
       </p:ext>
     </p:extLst>
   </p:cSld>
@@ -1423,7 +1419,7 @@
           <a:p>
             <a:r>
               <a:rPr lang="en-US" dirty="0"/>
-              <a:t>We faced challenges such as the 'aboutness' problem, which refers to the challenge of determining the subject of the sentiment expressed in a sentence. We also encountered issues with complex sentences and ambiguous subjects.</a:t>
+              <a:t>In the conclusion and future work section, we will summarize the main findings of our project, conclude the report by discussing the significance of our findings, and discuss potential future work, such as how our project could be extended or improved.</a:t>
             </a:r>
           </a:p>
         </p:txBody>
@@ -1455,7 +1451,7 @@
     </p:spTree>
     <p:extLst>
       <p:ext uri="{BB962C8B-B14F-4D97-AF65-F5344CB8AC3E}">
-        <p14:creationId xmlns:p14="http://schemas.microsoft.com/office/powerpoint/2010/main" val="2371925110"/>
+        <p14:creationId xmlns:p14="http://schemas.microsoft.com/office/powerpoint/2010/main" val="1196247736"/>
       </p:ext>
     </p:extLst>
   </p:cSld>
@@ -1509,9 +1505,90 @@
           <a:bodyPr/>
           <a:lstStyle/>
           <a:p>
+            <a:pPr marL="0" marR="0" lvl="0" indent="0" algn="l" defTabSz="914400" rtl="0" eaLnBrk="0" fontAlgn="base" latinLnBrk="0" hangingPunct="0">
+              <a:lnSpc>
+                <a:spcPct val="100000"/>
+              </a:lnSpc>
+              <a:spcBef>
+                <a:spcPct val="30000"/>
+              </a:spcBef>
+              <a:spcAft>
+                <a:spcPct val="0"/>
+              </a:spcAft>
+              <a:buClrTx/>
+              <a:buSzTx/>
+              <a:buFontTx/>
+              <a:buNone/>
+              <a:tabLst/>
+              <a:defRPr/>
+            </a:pPr>
             <a:r>
               <a:rPr lang="en-US" dirty="0"/>
-              <a:t>In the conclusion and future work section, we will summarize the main findings of our project, conclude the report by discussing the significance of our findings, and discuss potential future work, such as how our project could be extended or improved.</a:t>
+              <a:t>We would like to take a moment to express our deepest gratitude to those who have made this project possible. </a:t>
+            </a:r>
+            <a:r>
+              <a:rPr lang="en-US" b="0" dirty="0">
+                <a:solidFill>
+                  <a:srgbClr val="CE9178"/>
+                </a:solidFill>
+                <a:effectLst/>
+                <a:latin typeface="Consolas" panose="020B0609020204030204" pitchFamily="49" charset="0"/>
+              </a:rPr>
+              <a:t>We thank our advisor Dr. Van </a:t>
+            </a:r>
+            <a:r>
+              <a:rPr lang="en-US" b="0" dirty="0" err="1">
+                <a:solidFill>
+                  <a:srgbClr val="CE9178"/>
+                </a:solidFill>
+                <a:effectLst/>
+                <a:latin typeface="Consolas" panose="020B0609020204030204" pitchFamily="49" charset="0"/>
+              </a:rPr>
+              <a:t>Benschoten</a:t>
+            </a:r>
+            <a:r>
+              <a:rPr lang="en-US" b="0" dirty="0">
+                <a:solidFill>
+                  <a:srgbClr val="CE9178"/>
+                </a:solidFill>
+                <a:effectLst/>
+                <a:latin typeface="Consolas" panose="020B0609020204030204" pitchFamily="49" charset="0"/>
+              </a:rPr>
+              <a:t> for his invaluable guidance in this project. We also acknowledge Dr. </a:t>
+            </a:r>
+            <a:r>
+              <a:rPr lang="en-US" b="0" dirty="0" err="1">
+                <a:solidFill>
+                  <a:srgbClr val="CE9178"/>
+                </a:solidFill>
+                <a:effectLst/>
+                <a:latin typeface="Consolas" panose="020B0609020204030204" pitchFamily="49" charset="0"/>
+              </a:rPr>
+              <a:t>Tarshizi</a:t>
+            </a:r>
+            <a:r>
+              <a:rPr lang="en-US" b="0" dirty="0">
+                <a:solidFill>
+                  <a:srgbClr val="CE9178"/>
+                </a:solidFill>
+                <a:effectLst/>
+                <a:latin typeface="Consolas" panose="020B0609020204030204" pitchFamily="49" charset="0"/>
+              </a:rPr>
+              <a:t> for directing the Applied Artificial Intelligence program at the University of San Diego.</a:t>
+            </a:r>
+            <a:r>
+              <a:rPr lang="en-US" b="0" dirty="0">
+                <a:solidFill>
+                  <a:srgbClr val="D4D4D4"/>
+                </a:solidFill>
+                <a:effectLst/>
+                <a:latin typeface="Consolas" panose="020B0609020204030204" pitchFamily="49" charset="0"/>
+              </a:rPr>
+              <a:t> W</a:t>
+            </a:r>
+            <a:r>
+              <a:rPr lang="en-US" dirty="0"/>
+              <a:t>e are truly grateful for both of your support.</a:t>
             </a:r>
           </a:p>
         </p:txBody>
@@ -1535,94 +1612,6 @@
               <a:rPr lang="en-US" altLang="en-US" smtClean="0"/>
               <a:pPr/>
               <a:t>15</a:t>
-            </a:fld>
-            <a:endParaRPr lang="en-US" altLang="en-US"/>
-          </a:p>
-        </p:txBody>
-      </p:sp>
-    </p:spTree>
-    <p:extLst>
-      <p:ext uri="{BB962C8B-B14F-4D97-AF65-F5344CB8AC3E}">
-        <p14:creationId xmlns:p14="http://schemas.microsoft.com/office/powerpoint/2010/main" val="1196247736"/>
-      </p:ext>
-    </p:extLst>
-  </p:cSld>
-  <p:clrMapOvr>
-    <a:masterClrMapping/>
-  </p:clrMapOvr>
-</p:notes>
-</file>
-
-<file path=ppt/notesSlides/notesSlide16.xml><?xml version="1.0" encoding="utf-8"?>
-<p:notes xmlns:a="http://schemas.openxmlformats.org/drawingml/2006/main" xmlns:r="http://schemas.openxmlformats.org/officeDocument/2006/relationships" xmlns:p="http://schemas.openxmlformats.org/presentationml/2006/main">
-  <p:cSld>
-    <p:spTree>
-      <p:nvGrpSpPr>
-        <p:cNvPr id="1" name=""/>
-        <p:cNvGrpSpPr/>
-        <p:nvPr/>
-      </p:nvGrpSpPr>
-      <p:grpSpPr>
-        <a:xfrm>
-          <a:off x="0" y="0"/>
-          <a:ext cx="0" cy="0"/>
-          <a:chOff x="0" y="0"/>
-          <a:chExt cx="0" cy="0"/>
-        </a:xfrm>
-      </p:grpSpPr>
-      <p:sp>
-        <p:nvSpPr>
-          <p:cNvPr id="2" name="Slide Image Placeholder 1"/>
-          <p:cNvSpPr>
-            <a:spLocks noGrp="1" noRot="1" noChangeAspect="1"/>
-          </p:cNvSpPr>
-          <p:nvPr>
-            <p:ph type="sldImg"/>
-          </p:nvPr>
-        </p:nvSpPr>
-        <p:spPr/>
-      </p:sp>
-      <p:sp>
-        <p:nvSpPr>
-          <p:cNvPr id="3" name="Notes Placeholder 2"/>
-          <p:cNvSpPr>
-            <a:spLocks noGrp="1"/>
-          </p:cNvSpPr>
-          <p:nvPr>
-            <p:ph type="body" idx="1"/>
-          </p:nvPr>
-        </p:nvSpPr>
-        <p:spPr/>
-        <p:txBody>
-          <a:bodyPr/>
-          <a:lstStyle/>
-          <a:p>
-            <a:r>
-              <a:rPr lang="en-US" dirty="0"/>
-              <a:t>We would like to take a moment to express our deepest gratitude to those who have made this project possible. First and foremost, we would like to thank our professor, whose guidance and expertise have been invaluable throughout this process. Your patience and dedication have not gone unnoticed, and we are truly grateful for your support.</a:t>
-            </a:r>
-          </a:p>
-        </p:txBody>
-      </p:sp>
-      <p:sp>
-        <p:nvSpPr>
-          <p:cNvPr id="4" name="Slide Number Placeholder 3"/>
-          <p:cNvSpPr>
-            <a:spLocks noGrp="1"/>
-          </p:cNvSpPr>
-          <p:nvPr>
-            <p:ph type="sldNum" sz="quarter" idx="5"/>
-          </p:nvPr>
-        </p:nvSpPr>
-        <p:spPr/>
-        <p:txBody>
-          <a:bodyPr/>
-          <a:lstStyle/>
-          <a:p>
-            <a:fld id="{AA4D7F38-9E4B-194A-AA5A-81BF138D29E9}" type="slidenum">
-              <a:rPr lang="en-US" altLang="en-US" smtClean="0"/>
-              <a:pPr/>
-              <a:t>16</a:t>
             </a:fld>
             <a:endParaRPr lang="en-US" altLang="en-US"/>
           </a:p>
@@ -1687,17 +1676,7 @@
           <a:p>
             <a:r>
               <a:rPr lang="en-US" dirty="0"/>
-              <a:t>Let’s get started. Welcome to our project titled “</a:t>
-            </a:r>
-            <a:r>
-              <a:rPr lang="en-US" altLang="en-US" sz="1200" dirty="0">
-                <a:ea typeface="ＭＳ Ｐゴシック" charset="-128"/>
-              </a:rPr>
-              <a:t>Brand Sentiment Analysis of Twitter Posts</a:t>
-            </a:r>
-            <a:r>
-              <a:rPr lang="en-US" dirty="0"/>
-              <a:t>”. </a:t>
+              <a:t>Our team has worked diligently to develop a system that leverages AI to understand public sentiment towards brands based on Twitter posts.</a:t>
             </a:r>
           </a:p>
         </p:txBody>
@@ -1729,7 +1708,7 @@
     </p:spTree>
     <p:extLst>
       <p:ext uri="{BB962C8B-B14F-4D97-AF65-F5344CB8AC3E}">
-        <p14:creationId xmlns:p14="http://schemas.microsoft.com/office/powerpoint/2010/main" val="850201174"/>
+        <p14:creationId xmlns:p14="http://schemas.microsoft.com/office/powerpoint/2010/main" val="228650707"/>
       </p:ext>
     </p:extLst>
   </p:cSld>
@@ -1785,7 +1764,7 @@
           <a:p>
             <a:r>
               <a:rPr lang="en-US" dirty="0"/>
-              <a:t>Our team has worked diligently to develop a system that leverages AI to understand public sentiment towards brands based on social media content.</a:t>
+              <a:t>We build two models: a Brand Classifier that predicts whether a Twitter post expresses a brand, and a Brand Sentiment Analyzer that predicts the sentiment of a Twitter post towards a brand.</a:t>
             </a:r>
           </a:p>
         </p:txBody>
@@ -1817,7 +1796,7 @@
     </p:spTree>
     <p:extLst>
       <p:ext uri="{BB962C8B-B14F-4D97-AF65-F5344CB8AC3E}">
-        <p14:creationId xmlns:p14="http://schemas.microsoft.com/office/powerpoint/2010/main" val="228650707"/>
+        <p14:creationId xmlns:p14="http://schemas.microsoft.com/office/powerpoint/2010/main" val="1642067300"/>
       </p:ext>
     </p:extLst>
   </p:cSld>
@@ -1873,7 +1852,7 @@
           <a:p>
             <a:r>
               <a:rPr lang="en-US" dirty="0"/>
-              <a:t>We build two models: a Brand Classifier that predicts whether a Twitter post expresses a brand, and a Brand Sentiment Analyzer that predicts the sentiment of a Twitter post towards a brand.</a:t>
+              <a:t>They are trained on Twitter posts, so they cannot classify posts from other social media sites. They also process only text data, ignoring non-textual elements like images, videos, and audio clips.</a:t>
             </a:r>
           </a:p>
         </p:txBody>
@@ -1905,7 +1884,7 @@
     </p:spTree>
     <p:extLst>
       <p:ext uri="{BB962C8B-B14F-4D97-AF65-F5344CB8AC3E}">
-        <p14:creationId xmlns:p14="http://schemas.microsoft.com/office/powerpoint/2010/main" val="1642067300"/>
+        <p14:creationId xmlns:p14="http://schemas.microsoft.com/office/powerpoint/2010/main" val="3757772613"/>
       </p:ext>
     </p:extLst>
   </p:cSld>
@@ -1961,7 +1940,7 @@
           <a:p>
             <a:r>
               <a:rPr lang="en-US" dirty="0"/>
-              <a:t>They are trained on Twitter posts, so they cannot classify posts from other social media sites. They also process only text data, ignoring non-textual elements like images, videos, and audio clips.</a:t>
+              <a:t>We experimented with various machine learning algorithms like Naïve Bayes, Logistic Regression, Support Vector Machines, Recurrent Neural Networks, and Transformers.</a:t>
             </a:r>
           </a:p>
         </p:txBody>
@@ -1993,7 +1972,7 @@
     </p:spTree>
     <p:extLst>
       <p:ext uri="{BB962C8B-B14F-4D97-AF65-F5344CB8AC3E}">
-        <p14:creationId xmlns:p14="http://schemas.microsoft.com/office/powerpoint/2010/main" val="3757772613"/>
+        <p14:creationId xmlns:p14="http://schemas.microsoft.com/office/powerpoint/2010/main" val="1137822234"/>
       </p:ext>
     </p:extLst>
   </p:cSld>
@@ -2049,7 +2028,7 @@
           <a:p>
             <a:r>
               <a:rPr lang="en-US" dirty="0"/>
-              <a:t>We experimented with various machine learning algorithms like Naïve Bayes, Logistic Regression, Support Vector Machines, Recurrent Neural Networks, and Transformers.</a:t>
+              <a:t>We used the Sentiment140 dataset, which contains 1.6 million tweets, to train our models.</a:t>
             </a:r>
           </a:p>
         </p:txBody>
@@ -2081,7 +2060,7 @@
     </p:spTree>
     <p:extLst>
       <p:ext uri="{BB962C8B-B14F-4D97-AF65-F5344CB8AC3E}">
-        <p14:creationId xmlns:p14="http://schemas.microsoft.com/office/powerpoint/2010/main" val="1137822234"/>
+        <p14:creationId xmlns:p14="http://schemas.microsoft.com/office/powerpoint/2010/main" val="1805981893"/>
       </p:ext>
     </p:extLst>
   </p:cSld>
@@ -2137,7 +2116,7 @@
           <a:p>
             <a:r>
               <a:rPr lang="en-US" dirty="0"/>
-              <a:t>We used the Sentiment140 dataset, which contains 1.6 million tweets, to train our models.</a:t>
+              <a:t>Our methods were designed to ensure a thorough and systematic approach to the problem. It involved using at least two different types of AI and machine learning algorithms. We investigated of the analytics solution to the problem, which included aspects of experimental comparison. We also explored variable importance to understand which features were most important in making good predictions.</a:t>
             </a:r>
           </a:p>
         </p:txBody>
@@ -2169,7 +2148,7 @@
     </p:spTree>
     <p:extLst>
       <p:ext uri="{BB962C8B-B14F-4D97-AF65-F5344CB8AC3E}">
-        <p14:creationId xmlns:p14="http://schemas.microsoft.com/office/powerpoint/2010/main" val="1805981893"/>
+        <p14:creationId xmlns:p14="http://schemas.microsoft.com/office/powerpoint/2010/main" val="3333620174"/>
       </p:ext>
     </p:extLst>
   </p:cSld>
@@ -2225,7 +2204,7 @@
           <a:p>
             <a:r>
               <a:rPr lang="en-US" dirty="0"/>
-              <a:t>Our methods were designed to ensure a thorough and systematic approach to the problem. It involved using at least two different types of AI and machine learning algorithms. We conducted an investigation of the analytics solution to the problem, which included aspects of experimental comparison. We also explored variable importance to understand which features were most important in making good predictions.</a:t>
+              <a:t>In the assess stage, we analyzed the dataset and selected appropriate models based on the specific requirements of the sentiment analysis task, the characteristics of the available data, and the nature of the problem.</a:t>
             </a:r>
           </a:p>
         </p:txBody>
@@ -2257,7 +2236,7 @@
     </p:spTree>
     <p:extLst>
       <p:ext uri="{BB962C8B-B14F-4D97-AF65-F5344CB8AC3E}">
-        <p14:creationId xmlns:p14="http://schemas.microsoft.com/office/powerpoint/2010/main" val="3333620174"/>
+        <p14:creationId xmlns:p14="http://schemas.microsoft.com/office/powerpoint/2010/main" val="1875703993"/>
       </p:ext>
     </p:extLst>
   </p:cSld>
@@ -2313,7 +2292,7 @@
           <a:p>
             <a:r>
               <a:rPr lang="en-US" dirty="0"/>
-              <a:t>In the assess stage, we analyzed the dataset and selected appropriate models based on the specific requirements of the sentiment analysis task, the characteristics of the available data, and the nature of the problem.</a:t>
+              <a:t>In the development stage, we handled invalid values and discarded non-textual content. We trained our models to identify a brand and align with the sentiment expressed in a tweet, and then tuned them to improve performance.</a:t>
             </a:r>
           </a:p>
         </p:txBody>
@@ -2345,7 +2324,7 @@
     </p:spTree>
     <p:extLst>
       <p:ext uri="{BB962C8B-B14F-4D97-AF65-F5344CB8AC3E}">
-        <p14:creationId xmlns:p14="http://schemas.microsoft.com/office/powerpoint/2010/main" val="1875703993"/>
+        <p14:creationId xmlns:p14="http://schemas.microsoft.com/office/powerpoint/2010/main" val="2161610621"/>
       </p:ext>
     </p:extLst>
   </p:cSld>
@@ -2426,7 +2405,7 @@
             <a:fld id="{60E4B0F9-A7FB-5046-8EA1-145E13C1BB14}" type="datetimeFigureOut">
               <a:rPr lang="en-US" altLang="en-US"/>
               <a:pPr/>
-              <a:t>7/14/2023</a:t>
+              <a:t>7/15/2023</a:t>
             </a:fld>
             <a:endParaRPr lang="en-US" altLang="en-US"/>
           </a:p>
@@ -2618,7 +2597,7 @@
             <a:fld id="{9461B8EA-79DB-F845-97F0-24C5A509848C}" type="datetimeFigureOut">
               <a:rPr lang="en-US" altLang="en-US"/>
               <a:pPr/>
-              <a:t>7/14/2023</a:t>
+              <a:t>7/15/2023</a:t>
             </a:fld>
             <a:endParaRPr lang="en-US" altLang="en-US"/>
           </a:p>
@@ -3159,7 +3138,7 @@
             <a:fld id="{51040245-401E-DC4F-B046-F0C79A3107CA}" type="datetimeFigureOut">
               <a:rPr lang="en-US" altLang="en-US"/>
               <a:pPr/>
-              <a:t>7/14/2023</a:t>
+              <a:t>7/15/2023</a:t>
             </a:fld>
             <a:endParaRPr lang="en-US" altLang="en-US"/>
           </a:p>
@@ -3271,7 +3250,7 @@
             <a:fld id="{B8E3EDF6-D7E0-BF42-B0B6-A092B242026B}" type="datetimeFigureOut">
               <a:rPr lang="en-US" altLang="en-US"/>
               <a:pPr/>
-              <a:t>7/14/2023</a:t>
+              <a:t>7/15/2023</a:t>
             </a:fld>
             <a:endParaRPr lang="en-US" altLang="en-US"/>
           </a:p>
@@ -3666,7 +3645,7 @@
             <a:fld id="{482C3D94-7C5D-0846-984C-DFD8ACC0A135}" type="datetimeFigureOut">
               <a:rPr lang="en-US" altLang="en-US"/>
               <a:pPr/>
-              <a:t>7/14/2023</a:t>
+              <a:t>7/15/2023</a:t>
             </a:fld>
             <a:endParaRPr lang="en-US" altLang="en-US"/>
           </a:p>
@@ -4201,14 +4180,6 @@
 <file path=ppt/slides/slide1.xml><?xml version="1.0" encoding="utf-8"?>
 <p:sld xmlns:a="http://schemas.openxmlformats.org/drawingml/2006/main" xmlns:r="http://schemas.openxmlformats.org/officeDocument/2006/relationships" xmlns:p="http://schemas.openxmlformats.org/presentationml/2006/main">
   <p:cSld>
-    <p:bg>
-      <p:bgPr>
-        <a:solidFill>
-          <a:schemeClr val="bg1"/>
-        </a:solidFill>
-        <a:effectLst/>
-      </p:bgPr>
-    </p:bg>
     <p:spTree>
       <p:nvGrpSpPr>
         <p:cNvPr id="1" name=""/>
@@ -4225,33 +4196,144 @@
       </p:grpSpPr>
       <p:sp>
         <p:nvSpPr>
-          <p:cNvPr id="5" name="Title 4">
+          <p:cNvPr id="8193" name="Title 1"/>
+          <p:cNvSpPr>
+            <a:spLocks noGrp="1"/>
+          </p:cNvSpPr>
+          <p:nvPr>
+            <p:ph type="title"/>
+          </p:nvPr>
+        </p:nvSpPr>
+        <p:spPr>
+          <a:xfrm>
+            <a:off x="914400" y="2057400"/>
+            <a:ext cx="10363200" cy="2743200"/>
+          </a:xfrm>
+        </p:spPr>
+        <p:txBody>
+          <a:bodyPr/>
+          <a:lstStyle/>
+          <a:p>
+            <a:r>
+              <a:rPr lang="en-US" altLang="en-US" sz="3600" dirty="0">
+                <a:ea typeface="ＭＳ Ｐゴシック" charset="-128"/>
+              </a:rPr>
+              <a:t>Brand Sentiment Analysis of Twitter Posts</a:t>
+            </a:r>
+          </a:p>
+        </p:txBody>
+      </p:sp>
+      <p:sp>
+        <p:nvSpPr>
+          <p:cNvPr id="2" name="TextBox 1">
             <a:extLst>
               <a:ext uri="{FF2B5EF4-FFF2-40B4-BE49-F238E27FC236}">
-                <a16:creationId xmlns:a16="http://schemas.microsoft.com/office/drawing/2014/main" id="{E3720A7F-5BAF-4380-F170-E30B74F67C24}"/>
+                <a16:creationId xmlns:a16="http://schemas.microsoft.com/office/drawing/2014/main" id="{7D0BDA10-284A-7B41-8670-B6B5D19AF0F7}"/>
               </a:ext>
             </a:extLst>
           </p:cNvPr>
-          <p:cNvSpPr>
-            <a:spLocks noGrp="1"/>
-          </p:cNvSpPr>
-          <p:nvPr>
-            <p:ph type="title"/>
-          </p:nvPr>
-        </p:nvSpPr>
-        <p:spPr/>
-        <p:txBody>
-          <a:bodyPr/>
+          <p:cNvSpPr txBox="1"/>
+          <p:nvPr/>
+        </p:nvSpPr>
+        <p:spPr>
+          <a:xfrm>
+            <a:off x="1204948" y="4114800"/>
+            <a:ext cx="2548133" cy="461665"/>
+          </a:xfrm>
+          <a:prstGeom prst="rect">
+            <a:avLst/>
+          </a:prstGeom>
+          <a:noFill/>
+        </p:spPr>
+        <p:txBody>
+          <a:bodyPr wrap="none" rtlCol="0" anchor="ctr">
+            <a:spAutoFit/>
+          </a:bodyPr>
           <a:lstStyle/>
           <a:p>
             <a:r>
               <a:rPr lang="en-US" dirty="0"/>
-              <a:t>Intro Videoclip &amp; Segue to Presentation</a:t>
+              <a:t>Jonathan Agustin</a:t>
+            </a:r>
+          </a:p>
+        </p:txBody>
+      </p:sp>
+      <p:sp>
+        <p:nvSpPr>
+          <p:cNvPr id="3" name="TextBox 2">
+            <a:extLst>
+              <a:ext uri="{FF2B5EF4-FFF2-40B4-BE49-F238E27FC236}">
+                <a16:creationId xmlns:a16="http://schemas.microsoft.com/office/drawing/2014/main" id="{F501E45A-DF55-5B93-C877-50B2C4B47180}"/>
+              </a:ext>
+            </a:extLst>
+          </p:cNvPr>
+          <p:cNvSpPr txBox="1"/>
+          <p:nvPr/>
+        </p:nvSpPr>
+        <p:spPr>
+          <a:xfrm>
+            <a:off x="4958027" y="4114800"/>
+            <a:ext cx="2840842" cy="461665"/>
+          </a:xfrm>
+          <a:prstGeom prst="rect">
+            <a:avLst/>
+          </a:prstGeom>
+          <a:noFill/>
+        </p:spPr>
+        <p:txBody>
+          <a:bodyPr wrap="none" rtlCol="0" anchor="ctr">
+            <a:spAutoFit/>
+          </a:bodyPr>
+          <a:lstStyle/>
+          <a:p>
+            <a:r>
+              <a:rPr lang="en-US" dirty="0"/>
+              <a:t>Fernando Calderon</a:t>
+            </a:r>
+          </a:p>
+        </p:txBody>
+      </p:sp>
+      <p:sp>
+        <p:nvSpPr>
+          <p:cNvPr id="4" name="TextBox 3">
+            <a:extLst>
+              <a:ext uri="{FF2B5EF4-FFF2-40B4-BE49-F238E27FC236}">
+                <a16:creationId xmlns:a16="http://schemas.microsoft.com/office/drawing/2014/main" id="{99028ACB-FE7B-0E6D-EF5A-0ECC023F0069}"/>
+              </a:ext>
+            </a:extLst>
+          </p:cNvPr>
+          <p:cNvSpPr txBox="1"/>
+          <p:nvPr/>
+        </p:nvSpPr>
+        <p:spPr>
+          <a:xfrm>
+            <a:off x="9003817" y="4114800"/>
+            <a:ext cx="1983235" cy="461665"/>
+          </a:xfrm>
+          <a:prstGeom prst="rect">
+            <a:avLst/>
+          </a:prstGeom>
+          <a:noFill/>
+        </p:spPr>
+        <p:txBody>
+          <a:bodyPr wrap="none" rtlCol="0" anchor="ctr">
+            <a:spAutoFit/>
+          </a:bodyPr>
+          <a:lstStyle/>
+          <a:p>
+            <a:r>
+              <a:rPr lang="en-US" dirty="0"/>
+              <a:t>Juliet Lawton</a:t>
             </a:r>
           </a:p>
         </p:txBody>
       </p:sp>
     </p:spTree>
+    <p:extLst>
+      <p:ext uri="{BB962C8B-B14F-4D97-AF65-F5344CB8AC3E}">
+        <p14:creationId xmlns:p14="http://schemas.microsoft.com/office/powerpoint/2010/main" val="1093170298"/>
+      </p:ext>
+    </p:extLst>
   </p:cSld>
   <p:clrMapOvr>
     <a:masterClrMapping/>
@@ -4303,7 +4385,7 @@
     </p:spTree>
     <p:extLst>
       <p:ext uri="{BB962C8B-B14F-4D97-AF65-F5344CB8AC3E}">
-        <p14:creationId xmlns:p14="http://schemas.microsoft.com/office/powerpoint/2010/main" val="4127828933"/>
+        <p14:creationId xmlns:p14="http://schemas.microsoft.com/office/powerpoint/2010/main" val="2811755235"/>
       </p:ext>
     </p:extLst>
   </p:cSld>
@@ -4349,7 +4431,7 @@
               <a:rPr lang="en-US" altLang="en-US" dirty="0">
                 <a:ea typeface="ＭＳ Ｐゴシック" charset="-128"/>
               </a:rPr>
-              <a:t>Second Stage: Develop</a:t>
+              <a:t>Third Stage: Evaluate</a:t>
             </a:r>
           </a:p>
         </p:txBody>
@@ -4357,7 +4439,7 @@
     </p:spTree>
     <p:extLst>
       <p:ext uri="{BB962C8B-B14F-4D97-AF65-F5344CB8AC3E}">
-        <p14:creationId xmlns:p14="http://schemas.microsoft.com/office/powerpoint/2010/main" val="2811755235"/>
+        <p14:creationId xmlns:p14="http://schemas.microsoft.com/office/powerpoint/2010/main" val="901105427"/>
       </p:ext>
     </p:extLst>
   </p:cSld>
@@ -4403,7 +4485,7 @@
               <a:rPr lang="en-US" altLang="en-US" dirty="0">
                 <a:ea typeface="ＭＳ Ｐゴシック" charset="-128"/>
               </a:rPr>
-              <a:t>Third Stage: Evaluate</a:t>
+              <a:t>Results</a:t>
             </a:r>
           </a:p>
         </p:txBody>
@@ -4411,7 +4493,7 @@
     </p:spTree>
     <p:extLst>
       <p:ext uri="{BB962C8B-B14F-4D97-AF65-F5344CB8AC3E}">
-        <p14:creationId xmlns:p14="http://schemas.microsoft.com/office/powerpoint/2010/main" val="901105427"/>
+        <p14:creationId xmlns:p14="http://schemas.microsoft.com/office/powerpoint/2010/main" val="2681042120"/>
       </p:ext>
     </p:extLst>
   </p:cSld>
@@ -4457,7 +4539,7 @@
               <a:rPr lang="en-US" altLang="en-US" dirty="0">
                 <a:ea typeface="ＭＳ Ｐゴシック" charset="-128"/>
               </a:rPr>
-              <a:t>Results</a:t>
+              <a:t>Challenges</a:t>
             </a:r>
           </a:p>
         </p:txBody>
@@ -4465,7 +4547,7 @@
     </p:spTree>
     <p:extLst>
       <p:ext uri="{BB962C8B-B14F-4D97-AF65-F5344CB8AC3E}">
-        <p14:creationId xmlns:p14="http://schemas.microsoft.com/office/powerpoint/2010/main" val="2681042120"/>
+        <p14:creationId xmlns:p14="http://schemas.microsoft.com/office/powerpoint/2010/main" val="603158914"/>
       </p:ext>
     </p:extLst>
   </p:cSld>
@@ -4511,60 +4593,6 @@
               <a:rPr lang="en-US" altLang="en-US" dirty="0">
                 <a:ea typeface="ＭＳ Ｐゴシック" charset="-128"/>
               </a:rPr>
-              <a:t>Challenges</a:t>
-            </a:r>
-          </a:p>
-        </p:txBody>
-      </p:sp>
-    </p:spTree>
-    <p:extLst>
-      <p:ext uri="{BB962C8B-B14F-4D97-AF65-F5344CB8AC3E}">
-        <p14:creationId xmlns:p14="http://schemas.microsoft.com/office/powerpoint/2010/main" val="603158914"/>
-      </p:ext>
-    </p:extLst>
-  </p:cSld>
-  <p:clrMapOvr>
-    <a:masterClrMapping/>
-  </p:clrMapOvr>
-</p:sld>
-</file>
-
-<file path=ppt/slides/slide15.xml><?xml version="1.0" encoding="utf-8"?>
-<p:sld xmlns:a="http://schemas.openxmlformats.org/drawingml/2006/main" xmlns:r="http://schemas.openxmlformats.org/officeDocument/2006/relationships" xmlns:p="http://schemas.openxmlformats.org/presentationml/2006/main">
-  <p:cSld>
-    <p:spTree>
-      <p:nvGrpSpPr>
-        <p:cNvPr id="1" name=""/>
-        <p:cNvGrpSpPr/>
-        <p:nvPr/>
-      </p:nvGrpSpPr>
-      <p:grpSpPr>
-        <a:xfrm>
-          <a:off x="0" y="0"/>
-          <a:ext cx="0" cy="0"/>
-          <a:chOff x="0" y="0"/>
-          <a:chExt cx="0" cy="0"/>
-        </a:xfrm>
-      </p:grpSpPr>
-      <p:sp>
-        <p:nvSpPr>
-          <p:cNvPr id="9217" name="Title 1"/>
-          <p:cNvSpPr>
-            <a:spLocks noGrp="1"/>
-          </p:cNvSpPr>
-          <p:nvPr>
-            <p:ph type="title"/>
-          </p:nvPr>
-        </p:nvSpPr>
-        <p:spPr/>
-        <p:txBody>
-          <a:bodyPr/>
-          <a:lstStyle/>
-          <a:p>
-            <a:r>
-              <a:rPr lang="en-US" altLang="en-US" dirty="0">
-                <a:ea typeface="ＭＳ Ｐゴシック" charset="-128"/>
-              </a:rPr>
               <a:t>Conclusion &amp; Future Work</a:t>
             </a:r>
           </a:p>
@@ -4583,7 +4611,7 @@
 </p:sld>
 </file>
 
-<file path=ppt/slides/slide16.xml><?xml version="1.0" encoding="utf-8"?>
+<file path=ppt/slides/slide15.xml><?xml version="1.0" encoding="utf-8"?>
 <p:sld xmlns:a="http://schemas.openxmlformats.org/drawingml/2006/main" xmlns:r="http://schemas.openxmlformats.org/officeDocument/2006/relationships" xmlns:p="http://schemas.openxmlformats.org/presentationml/2006/main">
   <p:cSld>
     <p:spTree>
@@ -4656,7 +4684,7 @@
       </p:grpSpPr>
       <p:sp>
         <p:nvSpPr>
-          <p:cNvPr id="8193" name="Title 1"/>
+          <p:cNvPr id="9217" name="Title 1"/>
           <p:cNvSpPr>
             <a:spLocks noGrp="1"/>
           </p:cNvSpPr>
@@ -4664,136 +4692,21 @@
             <p:ph type="title"/>
           </p:nvPr>
         </p:nvSpPr>
-        <p:spPr>
-          <a:xfrm>
-            <a:off x="914400" y="2057400"/>
-            <a:ext cx="10363200" cy="2743200"/>
-          </a:xfrm>
-        </p:spPr>
+        <p:spPr/>
         <p:txBody>
           <a:bodyPr/>
           <a:lstStyle/>
           <a:p>
             <a:r>
-              <a:rPr lang="en-US" altLang="en-US" sz="3600" dirty="0">
+              <a:rPr lang="en-US" altLang="en-US" dirty="0">
                 <a:ea typeface="ＭＳ Ｐゴシック" charset="-128"/>
               </a:rPr>
-              <a:t>Brand Sentiment Analysis of Twitter Posts</a:t>
-            </a:r>
-          </a:p>
-        </p:txBody>
-      </p:sp>
-      <p:sp>
-        <p:nvSpPr>
-          <p:cNvPr id="2" name="TextBox 1">
-            <a:extLst>
-              <a:ext uri="{FF2B5EF4-FFF2-40B4-BE49-F238E27FC236}">
-                <a16:creationId xmlns:a16="http://schemas.microsoft.com/office/drawing/2014/main" id="{7D0BDA10-284A-7B41-8670-B6B5D19AF0F7}"/>
-              </a:ext>
-            </a:extLst>
-          </p:cNvPr>
-          <p:cNvSpPr txBox="1"/>
-          <p:nvPr/>
-        </p:nvSpPr>
-        <p:spPr>
-          <a:xfrm>
-            <a:off x="1204948" y="4114800"/>
-            <a:ext cx="2548133" cy="461665"/>
-          </a:xfrm>
-          <a:prstGeom prst="rect">
-            <a:avLst/>
-          </a:prstGeom>
-          <a:noFill/>
-        </p:spPr>
-        <p:txBody>
-          <a:bodyPr wrap="none" rtlCol="0" anchor="ctr">
-            <a:spAutoFit/>
-          </a:bodyPr>
-          <a:lstStyle/>
-          <a:p>
-            <a:r>
-              <a:rPr lang="en-US" dirty="0"/>
-              <a:t>Jonathan Agustin</a:t>
-            </a:r>
-          </a:p>
-        </p:txBody>
-      </p:sp>
-      <p:sp>
-        <p:nvSpPr>
-          <p:cNvPr id="3" name="TextBox 2">
-            <a:extLst>
-              <a:ext uri="{FF2B5EF4-FFF2-40B4-BE49-F238E27FC236}">
-                <a16:creationId xmlns:a16="http://schemas.microsoft.com/office/drawing/2014/main" id="{F501E45A-DF55-5B93-C877-50B2C4B47180}"/>
-              </a:ext>
-            </a:extLst>
-          </p:cNvPr>
-          <p:cNvSpPr txBox="1"/>
-          <p:nvPr/>
-        </p:nvSpPr>
-        <p:spPr>
-          <a:xfrm>
-            <a:off x="4958027" y="4114800"/>
-            <a:ext cx="2840842" cy="461665"/>
-          </a:xfrm>
-          <a:prstGeom prst="rect">
-            <a:avLst/>
-          </a:prstGeom>
-          <a:noFill/>
-        </p:spPr>
-        <p:txBody>
-          <a:bodyPr wrap="none" rtlCol="0" anchor="ctr">
-            <a:spAutoFit/>
-          </a:bodyPr>
-          <a:lstStyle/>
-          <a:p>
-            <a:r>
-              <a:rPr lang="en-US" dirty="0"/>
-              <a:t>Fernando Calderon</a:t>
-            </a:r>
-          </a:p>
-        </p:txBody>
-      </p:sp>
-      <p:sp>
-        <p:nvSpPr>
-          <p:cNvPr id="4" name="TextBox 3">
-            <a:extLst>
-              <a:ext uri="{FF2B5EF4-FFF2-40B4-BE49-F238E27FC236}">
-                <a16:creationId xmlns:a16="http://schemas.microsoft.com/office/drawing/2014/main" id="{99028ACB-FE7B-0E6D-EF5A-0ECC023F0069}"/>
-              </a:ext>
-            </a:extLst>
-          </p:cNvPr>
-          <p:cNvSpPr txBox="1"/>
-          <p:nvPr/>
-        </p:nvSpPr>
-        <p:spPr>
-          <a:xfrm>
-            <a:off x="9003817" y="4114800"/>
-            <a:ext cx="1983235" cy="461665"/>
-          </a:xfrm>
-          <a:prstGeom prst="rect">
-            <a:avLst/>
-          </a:prstGeom>
-          <a:noFill/>
-        </p:spPr>
-        <p:txBody>
-          <a:bodyPr wrap="none" rtlCol="0" anchor="ctr">
-            <a:spAutoFit/>
-          </a:bodyPr>
-          <a:lstStyle/>
-          <a:p>
-            <a:r>
-              <a:rPr lang="en-US" dirty="0"/>
-              <a:t>Juliet Lawton</a:t>
+              <a:t>Introduction</a:t>
             </a:r>
           </a:p>
         </p:txBody>
       </p:sp>
     </p:spTree>
-    <p:extLst>
-      <p:ext uri="{BB962C8B-B14F-4D97-AF65-F5344CB8AC3E}">
-        <p14:creationId xmlns:p14="http://schemas.microsoft.com/office/powerpoint/2010/main" val="1093170298"/>
-      </p:ext>
-    </p:extLst>
   </p:cSld>
   <p:clrMapOvr>
     <a:masterClrMapping/>
@@ -4837,12 +4750,17 @@
               <a:rPr lang="en-US" altLang="en-US" dirty="0">
                 <a:ea typeface="ＭＳ Ｐゴシック" charset="-128"/>
               </a:rPr>
-              <a:t>Introduction</a:t>
+              <a:t>Problem Statement</a:t>
             </a:r>
           </a:p>
         </p:txBody>
       </p:sp>
     </p:spTree>
+    <p:extLst>
+      <p:ext uri="{BB962C8B-B14F-4D97-AF65-F5344CB8AC3E}">
+        <p14:creationId xmlns:p14="http://schemas.microsoft.com/office/powerpoint/2010/main" val="1381240721"/>
+      </p:ext>
+    </p:extLst>
   </p:cSld>
   <p:clrMapOvr>
     <a:masterClrMapping/>
@@ -4886,7 +4804,7 @@
               <a:rPr lang="en-US" altLang="en-US" dirty="0">
                 <a:ea typeface="ＭＳ Ｐゴシック" charset="-128"/>
               </a:rPr>
-              <a:t>Problem Statement</a:t>
+              <a:t>Scope</a:t>
             </a:r>
           </a:p>
         </p:txBody>
@@ -4894,7 +4812,7 @@
     </p:spTree>
     <p:extLst>
       <p:ext uri="{BB962C8B-B14F-4D97-AF65-F5344CB8AC3E}">
-        <p14:creationId xmlns:p14="http://schemas.microsoft.com/office/powerpoint/2010/main" val="1381240721"/>
+        <p14:creationId xmlns:p14="http://schemas.microsoft.com/office/powerpoint/2010/main" val="3273571779"/>
       </p:ext>
     </p:extLst>
   </p:cSld>
@@ -4940,7 +4858,7 @@
               <a:rPr lang="en-US" altLang="en-US" dirty="0">
                 <a:ea typeface="ＭＳ Ｐゴシック" charset="-128"/>
               </a:rPr>
-              <a:t>Scope</a:t>
+              <a:t>Algorithms</a:t>
             </a:r>
           </a:p>
         </p:txBody>
@@ -4948,7 +4866,7 @@
     </p:spTree>
     <p:extLst>
       <p:ext uri="{BB962C8B-B14F-4D97-AF65-F5344CB8AC3E}">
-        <p14:creationId xmlns:p14="http://schemas.microsoft.com/office/powerpoint/2010/main" val="3273571779"/>
+        <p14:creationId xmlns:p14="http://schemas.microsoft.com/office/powerpoint/2010/main" val="69069607"/>
       </p:ext>
     </p:extLst>
   </p:cSld>
@@ -4994,7 +4912,7 @@
               <a:rPr lang="en-US" altLang="en-US" dirty="0">
                 <a:ea typeface="ＭＳ Ｐゴシック" charset="-128"/>
               </a:rPr>
-              <a:t>Algorithms</a:t>
+              <a:t>Datasets</a:t>
             </a:r>
           </a:p>
         </p:txBody>
@@ -5002,7 +4920,7 @@
     </p:spTree>
     <p:extLst>
       <p:ext uri="{BB962C8B-B14F-4D97-AF65-F5344CB8AC3E}">
-        <p14:creationId xmlns:p14="http://schemas.microsoft.com/office/powerpoint/2010/main" val="69069607"/>
+        <p14:creationId xmlns:p14="http://schemas.microsoft.com/office/powerpoint/2010/main" val="1623255054"/>
       </p:ext>
     </p:extLst>
   </p:cSld>
@@ -5048,7 +4966,7 @@
               <a:rPr lang="en-US" altLang="en-US" dirty="0">
                 <a:ea typeface="ＭＳ Ｐゴシック" charset="-128"/>
               </a:rPr>
-              <a:t>Datasets</a:t>
+              <a:t>Experimental Design</a:t>
             </a:r>
           </a:p>
         </p:txBody>
@@ -5056,7 +4974,7 @@
     </p:spTree>
     <p:extLst>
       <p:ext uri="{BB962C8B-B14F-4D97-AF65-F5344CB8AC3E}">
-        <p14:creationId xmlns:p14="http://schemas.microsoft.com/office/powerpoint/2010/main" val="1623255054"/>
+        <p14:creationId xmlns:p14="http://schemas.microsoft.com/office/powerpoint/2010/main" val="1557484235"/>
       </p:ext>
     </p:extLst>
   </p:cSld>
@@ -5102,7 +5020,7 @@
               <a:rPr lang="en-US" altLang="en-US" dirty="0">
                 <a:ea typeface="ＭＳ Ｐゴシック" charset="-128"/>
               </a:rPr>
-              <a:t>Experimental Design</a:t>
+              <a:t>First Stage: Assess</a:t>
             </a:r>
           </a:p>
         </p:txBody>
@@ -5110,7 +5028,7 @@
     </p:spTree>
     <p:extLst>
       <p:ext uri="{BB962C8B-B14F-4D97-AF65-F5344CB8AC3E}">
-        <p14:creationId xmlns:p14="http://schemas.microsoft.com/office/powerpoint/2010/main" val="1557484235"/>
+        <p14:creationId xmlns:p14="http://schemas.microsoft.com/office/powerpoint/2010/main" val="4054382697"/>
       </p:ext>
     </p:extLst>
   </p:cSld>
@@ -5156,7 +5074,7 @@
               <a:rPr lang="en-US" altLang="en-US" dirty="0">
                 <a:ea typeface="ＭＳ Ｐゴシック" charset="-128"/>
               </a:rPr>
-              <a:t>First Stage: Assess</a:t>
+              <a:t>Second Stage: Develop</a:t>
             </a:r>
           </a:p>
         </p:txBody>
@@ -5164,7 +5082,7 @@
     </p:spTree>
     <p:extLst>
       <p:ext uri="{BB962C8B-B14F-4D97-AF65-F5344CB8AC3E}">
-        <p14:creationId xmlns:p14="http://schemas.microsoft.com/office/powerpoint/2010/main" val="4054382697"/>
+        <p14:creationId xmlns:p14="http://schemas.microsoft.com/office/powerpoint/2010/main" val="4127828933"/>
       </p:ext>
     </p:extLst>
   </p:cSld>

--- a/Final-Project-Team-2.pptx
+++ b/Final-Project-Team-2.pptx
@@ -417,17 +417,17 @@
           </a:ln>
           <a:extLst>
             <a:ext uri="{FAA26D3D-D897-4be2-8F04-BA451C77F1D7}">
-              <ma14:placeholderFlag xmlns:ma14="http://schemas.microsoft.com/office/mac/drawingml/2011/main" xmlns="" val="1"/>
+              <ma14:placeholderFlag xmlns="" xmlns:ma14="http://schemas.microsoft.com/office/mac/drawingml/2011/main" val="1"/>
             </a:ext>
             <a:ext uri="{909E8E84-426E-40dd-AFC4-6F175D3DCCD1}">
-              <a14:hiddenFill xmlns="" xmlns:a14="http://schemas.microsoft.com/office/drawing/2010/main">
+              <a14:hiddenFill xmlns:a14="http://schemas.microsoft.com/office/drawing/2010/main" xmlns="">
                 <a:solidFill>
                   <a:schemeClr val="accent1"/>
                 </a:solidFill>
               </a14:hiddenFill>
             </a:ext>
             <a:ext uri="{91240B29-F687-4f45-9708-019B960494DF}">
-              <a14:hiddenLine xmlns="" xmlns:a14="http://schemas.microsoft.com/office/drawing/2010/main" w="9525">
+              <a14:hiddenLine xmlns:a14="http://schemas.microsoft.com/office/drawing/2010/main" xmlns="" w="9525">
                 <a:solidFill>
                   <a:schemeClr val="tx1"/>
                 </a:solidFill>
@@ -484,17 +484,17 @@
           </a:ln>
           <a:extLst>
             <a:ext uri="{FAA26D3D-D897-4be2-8F04-BA451C77F1D7}">
-              <ma14:placeholderFlag xmlns:ma14="http://schemas.microsoft.com/office/mac/drawingml/2011/main" xmlns="" val="1"/>
+              <ma14:placeholderFlag xmlns="" xmlns:ma14="http://schemas.microsoft.com/office/mac/drawingml/2011/main" val="1"/>
             </a:ext>
             <a:ext uri="{909E8E84-426E-40dd-AFC4-6F175D3DCCD1}">
-              <a14:hiddenFill xmlns="" xmlns:a14="http://schemas.microsoft.com/office/drawing/2010/main">
+              <a14:hiddenFill xmlns:a14="http://schemas.microsoft.com/office/drawing/2010/main" xmlns="">
                 <a:solidFill>
                   <a:schemeClr val="accent1"/>
                 </a:solidFill>
               </a14:hiddenFill>
             </a:ext>
             <a:ext uri="{91240B29-F687-4f45-9708-019B960494DF}">
-              <a14:hiddenLine xmlns="" xmlns:a14="http://schemas.microsoft.com/office/drawing/2010/main" w="9525">
+              <a14:hiddenLine xmlns:a14="http://schemas.microsoft.com/office/drawing/2010/main" xmlns="" w="9525">
                 <a:solidFill>
                   <a:schemeClr val="tx1"/>
                 </a:solidFill>
@@ -557,7 +557,7 @@
           <a:effectLst/>
           <a:extLst>
             <a:ext uri="{AF507438-7753-43e0-B8FC-AC1667EBCBE1}">
-              <a14:hiddenEffects xmlns="" xmlns:a14="http://schemas.microsoft.com/office/drawing/2010/main">
+              <a14:hiddenEffects xmlns:a14="http://schemas.microsoft.com/office/drawing/2010/main" xmlns="">
                 <a:effectLst>
                   <a:outerShdw blurRad="63500" dist="38099" dir="2700000" algn="ctr" rotWithShape="0">
                     <a:srgbClr val="000000">
@@ -568,7 +568,7 @@
               </a14:hiddenEffects>
             </a:ext>
             <a:ext uri="{53640926-AAD7-44d8-BBD7-CCE9431645EC}">
-              <a14:shadowObscured xmlns="" xmlns:a14="http://schemas.microsoft.com/office/drawing/2010/main" val="1"/>
+              <a14:shadowObscured xmlns:a14="http://schemas.microsoft.com/office/drawing/2010/main" xmlns="" val="1"/>
             </a:ext>
           </a:extLst>
         </p:spPr>
@@ -597,17 +597,17 @@
           </a:ln>
           <a:extLst>
             <a:ext uri="{FAA26D3D-D897-4be2-8F04-BA451C77F1D7}">
-              <ma14:placeholderFlag xmlns:ma14="http://schemas.microsoft.com/office/mac/drawingml/2011/main" xmlns="" val="1"/>
+              <ma14:placeholderFlag xmlns="" xmlns:ma14="http://schemas.microsoft.com/office/mac/drawingml/2011/main" val="1"/>
             </a:ext>
             <a:ext uri="{909E8E84-426E-40dd-AFC4-6F175D3DCCD1}">
-              <a14:hiddenFill xmlns="" xmlns:a14="http://schemas.microsoft.com/office/drawing/2010/main">
+              <a14:hiddenFill xmlns:a14="http://schemas.microsoft.com/office/drawing/2010/main" xmlns="">
                 <a:solidFill>
                   <a:schemeClr val="accent1"/>
                 </a:solidFill>
               </a14:hiddenFill>
             </a:ext>
             <a:ext uri="{91240B29-F687-4f45-9708-019B960494DF}">
-              <a14:hiddenLine xmlns="" xmlns:a14="http://schemas.microsoft.com/office/drawing/2010/main" w="9525">
+              <a14:hiddenLine xmlns:a14="http://schemas.microsoft.com/office/drawing/2010/main" xmlns="" w="9525">
                 <a:solidFill>
                   <a:schemeClr val="tx1"/>
                 </a:solidFill>
@@ -686,17 +686,17 @@
           </a:ln>
           <a:extLst>
             <a:ext uri="{FAA26D3D-D897-4be2-8F04-BA451C77F1D7}">
-              <ma14:placeholderFlag xmlns:ma14="http://schemas.microsoft.com/office/mac/drawingml/2011/main" xmlns="" val="1"/>
+              <ma14:placeholderFlag xmlns="" xmlns:ma14="http://schemas.microsoft.com/office/mac/drawingml/2011/main" val="1"/>
             </a:ext>
             <a:ext uri="{909E8E84-426E-40dd-AFC4-6F175D3DCCD1}">
-              <a14:hiddenFill xmlns="" xmlns:a14="http://schemas.microsoft.com/office/drawing/2010/main">
+              <a14:hiddenFill xmlns:a14="http://schemas.microsoft.com/office/drawing/2010/main" xmlns="">
                 <a:solidFill>
                   <a:schemeClr val="accent1"/>
                 </a:solidFill>
               </a14:hiddenFill>
             </a:ext>
             <a:ext uri="{91240B29-F687-4f45-9708-019B960494DF}">
-              <a14:hiddenLine xmlns="" xmlns:a14="http://schemas.microsoft.com/office/drawing/2010/main" w="9525">
+              <a14:hiddenLine xmlns:a14="http://schemas.microsoft.com/office/drawing/2010/main" xmlns="" w="9525">
                 <a:solidFill>
                   <a:schemeClr val="tx1"/>
                 </a:solidFill>
@@ -753,17 +753,17 @@
           </a:ln>
           <a:extLst>
             <a:ext uri="{FAA26D3D-D897-4be2-8F04-BA451C77F1D7}">
-              <ma14:placeholderFlag xmlns:ma14="http://schemas.microsoft.com/office/mac/drawingml/2011/main" xmlns="" val="1"/>
+              <ma14:placeholderFlag xmlns="" xmlns:ma14="http://schemas.microsoft.com/office/mac/drawingml/2011/main" val="1"/>
             </a:ext>
             <a:ext uri="{909E8E84-426E-40dd-AFC4-6F175D3DCCD1}">
-              <a14:hiddenFill xmlns="" xmlns:a14="http://schemas.microsoft.com/office/drawing/2010/main">
+              <a14:hiddenFill xmlns:a14="http://schemas.microsoft.com/office/drawing/2010/main" xmlns="">
                 <a:solidFill>
                   <a:schemeClr val="accent1"/>
                 </a:solidFill>
               </a14:hiddenFill>
             </a:ext>
             <a:ext uri="{91240B29-F687-4f45-9708-019B960494DF}">
-              <a14:hiddenLine xmlns="" xmlns:a14="http://schemas.microsoft.com/office/drawing/2010/main" w="9525">
+              <a14:hiddenLine xmlns:a14="http://schemas.microsoft.com/office/drawing/2010/main" xmlns="" w="9525">
                 <a:solidFill>
                   <a:schemeClr val="tx1"/>
                 </a:solidFill>
@@ -969,18 +969,31 @@
           <a:p>
             <a:r>
               <a:rPr lang="en-US" dirty="0"/>
-              <a:t>Let’s get started. Welcome to our project titled “</a:t>
+              <a:t>Let’s get started. Welcome to our </a:t>
+            </a:r>
+            <a:r>
+              <a:rPr lang="en-US"/>
+              <a:t>project titled, </a:t>
+            </a:r>
+            <a:r>
+              <a:rPr lang="en-US" altLang="en-US" sz="1200">
+                <a:ea typeface="ＭＳ Ｐゴシック" charset="-128"/>
+              </a:rPr>
+              <a:t>Brand </a:t>
             </a:r>
             <a:r>
               <a:rPr lang="en-US" altLang="en-US" sz="1200" dirty="0">
                 <a:ea typeface="ＭＳ Ｐゴシック" charset="-128"/>
               </a:rPr>
-              <a:t>Brand Sentiment Analysis of Twitter Posts.</a:t>
-            </a:r>
-            <a:r>
-              <a:rPr lang="en-US" dirty="0"/>
-              <a:t>” </a:t>
-            </a:r>
+              <a:t>Sentiment Analysis of Twitter </a:t>
+            </a:r>
+            <a:r>
+              <a:rPr lang="en-US" altLang="en-US" sz="1200">
+                <a:ea typeface="ＭＳ Ｐゴシック" charset="-128"/>
+              </a:rPr>
+              <a:t>Posts.</a:t>
+            </a:r>
+            <a:endParaRPr lang="en-US" dirty="0"/>
           </a:p>
         </p:txBody>
       </p:sp>
@@ -3375,7 +3388,7 @@
           <a:effectLst/>
           <a:extLst>
             <a:ext uri="{AF507438-7753-43e0-B8FC-AC1667EBCBE1}">
-              <a14:hiddenEffects xmlns="" xmlns:a14="http://schemas.microsoft.com/office/drawing/2010/main">
+              <a14:hiddenEffects xmlns:a14="http://schemas.microsoft.com/office/drawing/2010/main" xmlns="">
                 <a:effectLst>
                   <a:outerShdw blurRad="63500" dist="38099" dir="2700000" algn="ctr" rotWithShape="0">
                     <a:schemeClr val="bg2">
@@ -3497,7 +3510,7 @@
               </a14:hiddenLine>
             </a:ext>
             <a:ext uri="{FAA26D3D-D897-4be2-8F04-BA451C77F1D7}">
-              <ma14:placeholderFlag xmlns:ma14="http://schemas.microsoft.com/office/mac/drawingml/2011/main" xmlns="" val="1"/>
+              <ma14:placeholderFlag xmlns="" xmlns:ma14="http://schemas.microsoft.com/office/mac/drawingml/2011/main" val="1"/>
             </a:ext>
           </a:extLst>
         </p:spPr>
@@ -3586,7 +3599,7 @@
               </a14:hiddenLine>
             </a:ext>
             <a:ext uri="{FAA26D3D-D897-4be2-8F04-BA451C77F1D7}">
-              <ma14:placeholderFlag xmlns:ma14="http://schemas.microsoft.com/office/mac/drawingml/2011/main" xmlns="" val="1"/>
+              <ma14:placeholderFlag xmlns="" xmlns:ma14="http://schemas.microsoft.com/office/mac/drawingml/2011/main" val="1"/>
             </a:ext>
           </a:extLst>
         </p:spPr>
@@ -5396,7 +5409,7 @@
         <a:effectLst/>
         <a:extLst>
           <a:ext uri="{AF507438-7753-43e0-B8FC-AC1667EBCBE1}">
-            <a14:hiddenEffects xmlns="" xmlns:a14="http://schemas.microsoft.com/office/drawing/2010/main">
+            <a14:hiddenEffects xmlns:a14="http://schemas.microsoft.com/office/drawing/2010/main" xmlns="">
               <a:effectLst>
                 <a:outerShdw blurRad="63500" dist="38099" dir="2700000" algn="ctr" rotWithShape="0">
                   <a:schemeClr val="bg2">
@@ -5473,7 +5486,7 @@
         <a:effectLst/>
         <a:extLst>
           <a:ext uri="{AF507438-7753-43e0-B8FC-AC1667EBCBE1}">
-            <a14:hiddenEffects xmlns="" xmlns:a14="http://schemas.microsoft.com/office/drawing/2010/main">
+            <a14:hiddenEffects xmlns:a14="http://schemas.microsoft.com/office/drawing/2010/main" xmlns="">
               <a:effectLst>
                 <a:outerShdw blurRad="63500" dist="38099" dir="2700000" algn="ctr" rotWithShape="0">
                   <a:schemeClr val="bg2">

--- a/Final-Project-Team-2.pptx
+++ b/Final-Project-Team-2.pptx
@@ -1,6 +1,6 @@
 
 <file path=ppt/presentation.xml><?xml version="1.0" encoding="utf-8"?>
-<p:presentation xmlns:a="http://schemas.openxmlformats.org/drawingml/2006/main" xmlns:r="http://schemas.openxmlformats.org/officeDocument/2006/relationships" xmlns:p="http://schemas.openxmlformats.org/presentationml/2006/main" removePersonalInfoOnSave="1" strictFirstAndLastChars="0" saveSubsetFonts="1" autoCompressPictures="0">
+<p:presentation xmlns:a="http://schemas.openxmlformats.org/drawingml/2006/main" xmlns:r="http://schemas.openxmlformats.org/officeDocument/2006/relationships" xmlns:p="http://schemas.openxmlformats.org/presentationml/2006/main" strictFirstAndLastChars="0" saveSubsetFonts="1" autoCompressPictures="0">
   <p:sldMasterIdLst>
     <p:sldMasterId id="2147483763" r:id="rId1"/>
   </p:sldMasterIdLst>
@@ -11,21 +11,21 @@
     <p:handoutMasterId r:id="rId18"/>
   </p:handoutMasterIdLst>
   <p:sldIdLst>
-    <p:sldId id="273" r:id="rId2"/>
+    <p:sldId id="256" r:id="rId2"/>
     <p:sldId id="257" r:id="rId3"/>
-    <p:sldId id="260" r:id="rId4"/>
-    <p:sldId id="269" r:id="rId5"/>
-    <p:sldId id="266" r:id="rId6"/>
-    <p:sldId id="261" r:id="rId7"/>
-    <p:sldId id="262" r:id="rId8"/>
-    <p:sldId id="270" r:id="rId9"/>
-    <p:sldId id="271" r:id="rId10"/>
-    <p:sldId id="272" r:id="rId11"/>
-    <p:sldId id="263" r:id="rId12"/>
-    <p:sldId id="267" r:id="rId13"/>
-    <p:sldId id="268" r:id="rId14"/>
-    <p:sldId id="264" r:id="rId15"/>
-    <p:sldId id="265" r:id="rId16"/>
+    <p:sldId id="259" r:id="rId4"/>
+    <p:sldId id="260" r:id="rId5"/>
+    <p:sldId id="261" r:id="rId6"/>
+    <p:sldId id="262" r:id="rId7"/>
+    <p:sldId id="264" r:id="rId8"/>
+    <p:sldId id="265" r:id="rId9"/>
+    <p:sldId id="267" r:id="rId10"/>
+    <p:sldId id="269" r:id="rId11"/>
+    <p:sldId id="270" r:id="rId12"/>
+    <p:sldId id="271" r:id="rId13"/>
+    <p:sldId id="273" r:id="rId14"/>
+    <p:sldId id="272" r:id="rId15"/>
+    <p:sldId id="274" r:id="rId16"/>
   </p:sldIdLst>
   <p:sldSz cx="12192000" cy="6858000"/>
   <p:notesSz cx="6858000" cy="9144000"/>
@@ -176,7 +176,7 @@
 <file path=ppt/revisionInfo.xml><?xml version="1.0" encoding="utf-8"?>
 <p1510:revInfo xmlns:a="http://schemas.openxmlformats.org/drawingml/2006/main" xmlns:r="http://schemas.openxmlformats.org/officeDocument/2006/relationships" xmlns:p1510="http://schemas.microsoft.com/office/powerpoint/2015/10/main">
   <p1510:revLst>
-    <p1510:client id="{9DC81C8E-254C-4083-9BF4-030793D3F1B6}" v="29" dt="2023-07-15T08:37:51.363"/>
+    <p1510:client id="{682874C9-A3CE-486A-81EA-107CC5A13A85}" v="19" dt="2023-07-15T09:58:45.085"/>
   </p1510:revLst>
 </p1510:revInfo>
 </file>
@@ -417,17 +417,17 @@
           </a:ln>
           <a:extLst>
             <a:ext uri="{FAA26D3D-D897-4be2-8F04-BA451C77F1D7}">
-              <ma14:placeholderFlag xmlns="" xmlns:ma14="http://schemas.microsoft.com/office/mac/drawingml/2011/main" val="1"/>
+              <ma14:placeholderFlag xmlns:ma14="http://schemas.microsoft.com/office/mac/drawingml/2011/main" xmlns="" val="1"/>
             </a:ext>
             <a:ext uri="{909E8E84-426E-40dd-AFC4-6F175D3DCCD1}">
-              <a14:hiddenFill xmlns:a14="http://schemas.microsoft.com/office/drawing/2010/main" xmlns="">
+              <a14:hiddenFill xmlns="" xmlns:a14="http://schemas.microsoft.com/office/drawing/2010/main">
                 <a:solidFill>
                   <a:schemeClr val="accent1"/>
                 </a:solidFill>
               </a14:hiddenFill>
             </a:ext>
             <a:ext uri="{91240B29-F687-4f45-9708-019B960494DF}">
-              <a14:hiddenLine xmlns:a14="http://schemas.microsoft.com/office/drawing/2010/main" xmlns="" w="9525">
+              <a14:hiddenLine xmlns="" xmlns:a14="http://schemas.microsoft.com/office/drawing/2010/main" w="9525">
                 <a:solidFill>
                   <a:schemeClr val="tx1"/>
                 </a:solidFill>
@@ -484,17 +484,17 @@
           </a:ln>
           <a:extLst>
             <a:ext uri="{FAA26D3D-D897-4be2-8F04-BA451C77F1D7}">
-              <ma14:placeholderFlag xmlns="" xmlns:ma14="http://schemas.microsoft.com/office/mac/drawingml/2011/main" val="1"/>
+              <ma14:placeholderFlag xmlns:ma14="http://schemas.microsoft.com/office/mac/drawingml/2011/main" xmlns="" val="1"/>
             </a:ext>
             <a:ext uri="{909E8E84-426E-40dd-AFC4-6F175D3DCCD1}">
-              <a14:hiddenFill xmlns:a14="http://schemas.microsoft.com/office/drawing/2010/main" xmlns="">
+              <a14:hiddenFill xmlns="" xmlns:a14="http://schemas.microsoft.com/office/drawing/2010/main">
                 <a:solidFill>
                   <a:schemeClr val="accent1"/>
                 </a:solidFill>
               </a14:hiddenFill>
             </a:ext>
             <a:ext uri="{91240B29-F687-4f45-9708-019B960494DF}">
-              <a14:hiddenLine xmlns:a14="http://schemas.microsoft.com/office/drawing/2010/main" xmlns="" w="9525">
+              <a14:hiddenLine xmlns="" xmlns:a14="http://schemas.microsoft.com/office/drawing/2010/main" w="9525">
                 <a:solidFill>
                   <a:schemeClr val="tx1"/>
                 </a:solidFill>
@@ -557,7 +557,7 @@
           <a:effectLst/>
           <a:extLst>
             <a:ext uri="{AF507438-7753-43e0-B8FC-AC1667EBCBE1}">
-              <a14:hiddenEffects xmlns:a14="http://schemas.microsoft.com/office/drawing/2010/main" xmlns="">
+              <a14:hiddenEffects xmlns="" xmlns:a14="http://schemas.microsoft.com/office/drawing/2010/main">
                 <a:effectLst>
                   <a:outerShdw blurRad="63500" dist="38099" dir="2700000" algn="ctr" rotWithShape="0">
                     <a:srgbClr val="000000">
@@ -568,7 +568,7 @@
               </a14:hiddenEffects>
             </a:ext>
             <a:ext uri="{53640926-AAD7-44d8-BBD7-CCE9431645EC}">
-              <a14:shadowObscured xmlns:a14="http://schemas.microsoft.com/office/drawing/2010/main" xmlns="" val="1"/>
+              <a14:shadowObscured xmlns="" xmlns:a14="http://schemas.microsoft.com/office/drawing/2010/main" val="1"/>
             </a:ext>
           </a:extLst>
         </p:spPr>
@@ -597,17 +597,17 @@
           </a:ln>
           <a:extLst>
             <a:ext uri="{FAA26D3D-D897-4be2-8F04-BA451C77F1D7}">
-              <ma14:placeholderFlag xmlns="" xmlns:ma14="http://schemas.microsoft.com/office/mac/drawingml/2011/main" val="1"/>
+              <ma14:placeholderFlag xmlns:ma14="http://schemas.microsoft.com/office/mac/drawingml/2011/main" xmlns="" val="1"/>
             </a:ext>
             <a:ext uri="{909E8E84-426E-40dd-AFC4-6F175D3DCCD1}">
-              <a14:hiddenFill xmlns:a14="http://schemas.microsoft.com/office/drawing/2010/main" xmlns="">
+              <a14:hiddenFill xmlns="" xmlns:a14="http://schemas.microsoft.com/office/drawing/2010/main">
                 <a:solidFill>
                   <a:schemeClr val="accent1"/>
                 </a:solidFill>
               </a14:hiddenFill>
             </a:ext>
             <a:ext uri="{91240B29-F687-4f45-9708-019B960494DF}">
-              <a14:hiddenLine xmlns:a14="http://schemas.microsoft.com/office/drawing/2010/main" xmlns="" w="9525">
+              <a14:hiddenLine xmlns="" xmlns:a14="http://schemas.microsoft.com/office/drawing/2010/main" w="9525">
                 <a:solidFill>
                   <a:schemeClr val="tx1"/>
                 </a:solidFill>
@@ -686,17 +686,17 @@
           </a:ln>
           <a:extLst>
             <a:ext uri="{FAA26D3D-D897-4be2-8F04-BA451C77F1D7}">
-              <ma14:placeholderFlag xmlns="" xmlns:ma14="http://schemas.microsoft.com/office/mac/drawingml/2011/main" val="1"/>
+              <ma14:placeholderFlag xmlns:ma14="http://schemas.microsoft.com/office/mac/drawingml/2011/main" xmlns="" val="1"/>
             </a:ext>
             <a:ext uri="{909E8E84-426E-40dd-AFC4-6F175D3DCCD1}">
-              <a14:hiddenFill xmlns:a14="http://schemas.microsoft.com/office/drawing/2010/main" xmlns="">
+              <a14:hiddenFill xmlns="" xmlns:a14="http://schemas.microsoft.com/office/drawing/2010/main">
                 <a:solidFill>
                   <a:schemeClr val="accent1"/>
                 </a:solidFill>
               </a14:hiddenFill>
             </a:ext>
             <a:ext uri="{91240B29-F687-4f45-9708-019B960494DF}">
-              <a14:hiddenLine xmlns:a14="http://schemas.microsoft.com/office/drawing/2010/main" xmlns="" w="9525">
+              <a14:hiddenLine xmlns="" xmlns:a14="http://schemas.microsoft.com/office/drawing/2010/main" w="9525">
                 <a:solidFill>
                   <a:schemeClr val="tx1"/>
                 </a:solidFill>
@@ -753,17 +753,17 @@
           </a:ln>
           <a:extLst>
             <a:ext uri="{FAA26D3D-D897-4be2-8F04-BA451C77F1D7}">
-              <ma14:placeholderFlag xmlns="" xmlns:ma14="http://schemas.microsoft.com/office/mac/drawingml/2011/main" val="1"/>
+              <ma14:placeholderFlag xmlns:ma14="http://schemas.microsoft.com/office/mac/drawingml/2011/main" xmlns="" val="1"/>
             </a:ext>
             <a:ext uri="{909E8E84-426E-40dd-AFC4-6F175D3DCCD1}">
-              <a14:hiddenFill xmlns:a14="http://schemas.microsoft.com/office/drawing/2010/main" xmlns="">
+              <a14:hiddenFill xmlns="" xmlns:a14="http://schemas.microsoft.com/office/drawing/2010/main">
                 <a:solidFill>
                   <a:schemeClr val="accent1"/>
                 </a:solidFill>
               </a14:hiddenFill>
             </a:ext>
             <a:ext uri="{91240B29-F687-4f45-9708-019B960494DF}">
-              <a14:hiddenLine xmlns:a14="http://schemas.microsoft.com/office/drawing/2010/main" xmlns="" w="9525">
+              <a14:hiddenLine xmlns="" xmlns:a14="http://schemas.microsoft.com/office/drawing/2010/main" w="9525">
                 <a:solidFill>
                   <a:schemeClr val="tx1"/>
                 </a:solidFill>
@@ -969,29 +969,13 @@
           <a:p>
             <a:r>
               <a:rPr lang="en-US" dirty="0"/>
-              <a:t>Let’s get started. Welcome to our </a:t>
-            </a:r>
-            <a:r>
-              <a:rPr lang="en-US"/>
-              <a:t>project titled, </a:t>
-            </a:r>
-            <a:r>
-              <a:rPr lang="en-US" altLang="en-US" sz="1200">
-                <a:ea typeface="ＭＳ Ｐゴシック" charset="-128"/>
-              </a:rPr>
-              <a:t>Brand </a:t>
+              <a:t>Let’s get started. Welcome to our project titled, </a:t>
             </a:r>
             <a:r>
               <a:rPr lang="en-US" altLang="en-US" sz="1200" dirty="0">
                 <a:ea typeface="ＭＳ Ｐゴシック" charset="-128"/>
               </a:rPr>
-              <a:t>Sentiment Analysis of Twitter </a:t>
-            </a:r>
-            <a:r>
-              <a:rPr lang="en-US" altLang="en-US" sz="1200">
-                <a:ea typeface="ＭＳ Ｐゴシック" charset="-128"/>
-              </a:rPr>
-              <a:t>Posts.</a:t>
+              <a:t>Brand Sentiment Analysis of Twitter Posts.</a:t>
             </a:r>
             <a:endParaRPr lang="en-US" dirty="0"/>
           </a:p>
@@ -1024,7 +1008,7 @@
     </p:spTree>
     <p:extLst>
       <p:ext uri="{BB962C8B-B14F-4D97-AF65-F5344CB8AC3E}">
-        <p14:creationId xmlns:p14="http://schemas.microsoft.com/office/powerpoint/2010/main" val="850201174"/>
+        <p14:creationId xmlns:p14="http://schemas.microsoft.com/office/powerpoint/2010/main" val="2840858107"/>
       </p:ext>
     </p:extLst>
   </p:cSld>
@@ -1080,7 +1064,7 @@
           <a:p>
             <a:r>
               <a:rPr lang="en-US" dirty="0"/>
-              <a:t>In the development stage, we handled invalid values and discarded non-textual content. We trained our models to identify a brand and align with the sentiment expressed in a tweet, and then tuned them to improve performance.</a:t>
+              <a:t>In the evaluation stage, we measured the models' ability to identify brands and predict sentiment in Twitter posts. We used standard classification metrics such as Accuracy, Precision, Recall, and F1 Score to evaluate the models.</a:t>
             </a:r>
           </a:p>
         </p:txBody>
@@ -1112,7 +1096,7 @@
     </p:spTree>
     <p:extLst>
       <p:ext uri="{BB962C8B-B14F-4D97-AF65-F5344CB8AC3E}">
-        <p14:creationId xmlns:p14="http://schemas.microsoft.com/office/powerpoint/2010/main" val="1812335125"/>
+        <p14:creationId xmlns:p14="http://schemas.microsoft.com/office/powerpoint/2010/main" val="3293987079"/>
       </p:ext>
     </p:extLst>
   </p:cSld>
@@ -1168,7 +1152,7 @@
           <a:p>
             <a:r>
               <a:rPr lang="en-US" dirty="0"/>
-              <a:t>In the evaluation stage, we measured the models' ability to identify brands and predict sentiment in Twitter posts. We used standard classification metrics such as Accuracy, Precision, Recall, and F1 Score to evaluate the models.</a:t>
+              <a:t>We present the results of our experiments, including any relevant figures or tables, discuss the implications of our results, and explain whether our results support our initial hypothesis. We present the results of our models. We achieved an accuracy rate over 50%, demonstrating the potential of machine learning in understanding public sentiment towards brands based on social media content.</a:t>
             </a:r>
           </a:p>
         </p:txBody>
@@ -1200,7 +1184,7 @@
     </p:spTree>
     <p:extLst>
       <p:ext uri="{BB962C8B-B14F-4D97-AF65-F5344CB8AC3E}">
-        <p14:creationId xmlns:p14="http://schemas.microsoft.com/office/powerpoint/2010/main" val="3632726758"/>
+        <p14:creationId xmlns:p14="http://schemas.microsoft.com/office/powerpoint/2010/main" val="2184831873"/>
       </p:ext>
     </p:extLst>
   </p:cSld>
@@ -1256,7 +1240,7 @@
           <a:p>
             <a:r>
               <a:rPr lang="en-US" dirty="0"/>
-              <a:t>We present the results of our experiments, including any relevant figures or tables, discuss the implications of our results, and explain whether our results support our initial hypothesis. We present the results of our models. We achieved an accuracy rate over 50%, demonstrating the potential of machine learning in understanding public sentiment towards brands based on social media content.</a:t>
+              <a:t>We faced challenges such as the 'aboutness' problem, which refers to the challenge of determining the subject of the sentiment expressed in a sentence. We also encountered issues with complex sentences and ambiguous subjects.</a:t>
             </a:r>
           </a:p>
         </p:txBody>
@@ -1288,7 +1272,7 @@
     </p:spTree>
     <p:extLst>
       <p:ext uri="{BB962C8B-B14F-4D97-AF65-F5344CB8AC3E}">
-        <p14:creationId xmlns:p14="http://schemas.microsoft.com/office/powerpoint/2010/main" val="4074490549"/>
+        <p14:creationId xmlns:p14="http://schemas.microsoft.com/office/powerpoint/2010/main" val="3478616541"/>
       </p:ext>
     </p:extLst>
   </p:cSld>
@@ -1342,9 +1326,26 @@
           <a:bodyPr/>
           <a:lstStyle/>
           <a:p>
+            <a:pPr marL="0" marR="0" lvl="0" indent="0" algn="l" defTabSz="914400" rtl="0" eaLnBrk="0" fontAlgn="base" latinLnBrk="0" hangingPunct="0">
+              <a:lnSpc>
+                <a:spcPct val="100000"/>
+              </a:lnSpc>
+              <a:spcBef>
+                <a:spcPct val="30000"/>
+              </a:spcBef>
+              <a:spcAft>
+                <a:spcPct val="0"/>
+              </a:spcAft>
+              <a:buClrTx/>
+              <a:buSzTx/>
+              <a:buFontTx/>
+              <a:buNone/>
+              <a:tabLst/>
+              <a:defRPr/>
+            </a:pPr>
             <a:r>
               <a:rPr lang="en-US" dirty="0"/>
-              <a:t>We faced challenges such as the 'aboutness' problem, which refers to the challenge of determining the subject of the sentiment expressed in a sentence. We also encountered issues with complex sentences and ambiguous subjects.</a:t>
+              <a:t>In the conclusion, we will summarize the main findings of our project, conclude the report by discussing the significance of our findings, and discuss potential future work, such as how our project could be extended or improved.</a:t>
             </a:r>
           </a:p>
         </p:txBody>
@@ -1376,7 +1377,7 @@
     </p:spTree>
     <p:extLst>
       <p:ext uri="{BB962C8B-B14F-4D97-AF65-F5344CB8AC3E}">
-        <p14:creationId xmlns:p14="http://schemas.microsoft.com/office/powerpoint/2010/main" val="2371925110"/>
+        <p14:creationId xmlns:p14="http://schemas.microsoft.com/office/powerpoint/2010/main" val="4099420831"/>
       </p:ext>
     </p:extLst>
   </p:cSld>
@@ -1430,10 +1431,36 @@
           <a:bodyPr/>
           <a:lstStyle/>
           <a:p>
+            <a:pPr marL="0" marR="0" lvl="0" indent="0" algn="l" defTabSz="914400" rtl="0" eaLnBrk="0" fontAlgn="base" latinLnBrk="0" hangingPunct="0">
+              <a:lnSpc>
+                <a:spcPct val="100000"/>
+              </a:lnSpc>
+              <a:spcBef>
+                <a:spcPct val="30000"/>
+              </a:spcBef>
+              <a:spcAft>
+                <a:spcPct val="0"/>
+              </a:spcAft>
+              <a:buClrTx/>
+              <a:buSzTx/>
+              <a:buFontTx/>
+              <a:buNone/>
+              <a:tabLst/>
+              <a:defRPr/>
+            </a:pPr>
             <a:r>
-              <a:rPr lang="en-US" dirty="0"/>
-              <a:t>In the conclusion and future work section, we will summarize the main findings of our project, conclude the report by discussing the significance of our findings, and discuss potential future work, such as how our project could be extended or improved.</a:t>
+              <a:rPr lang="en-US" b="0" dirty="0">
+                <a:solidFill>
+                  <a:srgbClr val="CCCCCC"/>
+                </a:solidFill>
+                <a:effectLst/>
+                <a:latin typeface="Consolas" panose="020B0609020204030204" pitchFamily="49" charset="0"/>
+              </a:rPr>
+              <a:t>Future work would generalize the model to work with other kinds of social media posts like Reddit, Facebook, or Instagram. Additionally, a future model can be multimodal and accept video, image, or audio input to provide a more comprehensive sentiment analysis of social media posts.</a:t>
             </a:r>
+          </a:p>
+          <a:p>
+            <a:endParaRPr lang="en-US" dirty="0"/>
           </a:p>
         </p:txBody>
       </p:sp>
@@ -1464,7 +1491,7 @@
     </p:spTree>
     <p:extLst>
       <p:ext uri="{BB962C8B-B14F-4D97-AF65-F5344CB8AC3E}">
-        <p14:creationId xmlns:p14="http://schemas.microsoft.com/office/powerpoint/2010/main" val="1196247736"/>
+        <p14:creationId xmlns:p14="http://schemas.microsoft.com/office/powerpoint/2010/main" val="2649913412"/>
       </p:ext>
     </p:extLst>
   </p:cSld>
@@ -1633,7 +1660,7 @@
     </p:spTree>
     <p:extLst>
       <p:ext uri="{BB962C8B-B14F-4D97-AF65-F5344CB8AC3E}">
-        <p14:creationId xmlns:p14="http://schemas.microsoft.com/office/powerpoint/2010/main" val="684833767"/>
+        <p14:creationId xmlns:p14="http://schemas.microsoft.com/office/powerpoint/2010/main" val="3727174744"/>
       </p:ext>
     </p:extLst>
   </p:cSld>
@@ -1721,7 +1748,7 @@
     </p:spTree>
     <p:extLst>
       <p:ext uri="{BB962C8B-B14F-4D97-AF65-F5344CB8AC3E}">
-        <p14:creationId xmlns:p14="http://schemas.microsoft.com/office/powerpoint/2010/main" val="228650707"/>
+        <p14:creationId xmlns:p14="http://schemas.microsoft.com/office/powerpoint/2010/main" val="663246818"/>
       </p:ext>
     </p:extLst>
   </p:cSld>
@@ -1775,10 +1802,30 @@
           <a:bodyPr/>
           <a:lstStyle/>
           <a:p>
+            <a:pPr marL="0" marR="0" lvl="0" indent="0" algn="l" defTabSz="914400" rtl="0" eaLnBrk="0" fontAlgn="base" latinLnBrk="0" hangingPunct="0">
+              <a:lnSpc>
+                <a:spcPct val="100000"/>
+              </a:lnSpc>
+              <a:spcBef>
+                <a:spcPct val="30000"/>
+              </a:spcBef>
+              <a:spcAft>
+                <a:spcPct val="0"/>
+              </a:spcAft>
+              <a:buClrTx/>
+              <a:buSzTx/>
+              <a:buFontTx/>
+              <a:buNone/>
+              <a:tabLst/>
+              <a:defRPr/>
+            </a:pPr>
             <a:r>
               <a:rPr lang="en-US" dirty="0"/>
-              <a:t>We build two models: a Brand Classifier that predicts whether a Twitter post expresses a brand, and a Brand Sentiment Analyzer that predicts the sentiment of a Twitter post towards a brand.</a:t>
+              <a:t>We build two models. The first model is a Brand Classifier that predicts whether a Twitter post expresses a brand. The second model is a Brand Sentiment Analyzer that predicts the sentiment of a Twitter post towards a brand.</a:t>
             </a:r>
+          </a:p>
+          <a:p>
+            <a:endParaRPr lang="en-US" dirty="0"/>
           </a:p>
         </p:txBody>
       </p:sp>
@@ -1809,7 +1856,7 @@
     </p:spTree>
     <p:extLst>
       <p:ext uri="{BB962C8B-B14F-4D97-AF65-F5344CB8AC3E}">
-        <p14:creationId xmlns:p14="http://schemas.microsoft.com/office/powerpoint/2010/main" val="1642067300"/>
+        <p14:creationId xmlns:p14="http://schemas.microsoft.com/office/powerpoint/2010/main" val="2156746090"/>
       </p:ext>
     </p:extLst>
   </p:cSld>
@@ -1865,7 +1912,7 @@
           <a:p>
             <a:r>
               <a:rPr lang="en-US" dirty="0"/>
-              <a:t>They are trained on Twitter posts, so they cannot classify posts from other social media sites. They also process only text data, ignoring non-textual elements like images, videos, and audio clips.</a:t>
+              <a:t>The models are trained on Twitter posts and will be scoped to only classify posts from Twitter and will not classify posts from other social media sites like Facebook, Instagram, or Reddit. The models will also process only textual data and will discard inputs with images, videos, or audio clips.</a:t>
             </a:r>
           </a:p>
         </p:txBody>
@@ -1897,7 +1944,7 @@
     </p:spTree>
     <p:extLst>
       <p:ext uri="{BB962C8B-B14F-4D97-AF65-F5344CB8AC3E}">
-        <p14:creationId xmlns:p14="http://schemas.microsoft.com/office/powerpoint/2010/main" val="3757772613"/>
+        <p14:creationId xmlns:p14="http://schemas.microsoft.com/office/powerpoint/2010/main" val="2088728054"/>
       </p:ext>
     </p:extLst>
   </p:cSld>
@@ -1985,7 +2032,7 @@
     </p:spTree>
     <p:extLst>
       <p:ext uri="{BB962C8B-B14F-4D97-AF65-F5344CB8AC3E}">
-        <p14:creationId xmlns:p14="http://schemas.microsoft.com/office/powerpoint/2010/main" val="1137822234"/>
+        <p14:creationId xmlns:p14="http://schemas.microsoft.com/office/powerpoint/2010/main" val="3596259610"/>
       </p:ext>
     </p:extLst>
   </p:cSld>
@@ -2073,7 +2120,7 @@
     </p:spTree>
     <p:extLst>
       <p:ext uri="{BB962C8B-B14F-4D97-AF65-F5344CB8AC3E}">
-        <p14:creationId xmlns:p14="http://schemas.microsoft.com/office/powerpoint/2010/main" val="1805981893"/>
+        <p14:creationId xmlns:p14="http://schemas.microsoft.com/office/powerpoint/2010/main" val="4029731157"/>
       </p:ext>
     </p:extLst>
   </p:cSld>
@@ -2161,7 +2208,7 @@
     </p:spTree>
     <p:extLst>
       <p:ext uri="{BB962C8B-B14F-4D97-AF65-F5344CB8AC3E}">
-        <p14:creationId xmlns:p14="http://schemas.microsoft.com/office/powerpoint/2010/main" val="3333620174"/>
+        <p14:creationId xmlns:p14="http://schemas.microsoft.com/office/powerpoint/2010/main" val="1177502873"/>
       </p:ext>
     </p:extLst>
   </p:cSld>
@@ -2249,7 +2296,7 @@
     </p:spTree>
     <p:extLst>
       <p:ext uri="{BB962C8B-B14F-4D97-AF65-F5344CB8AC3E}">
-        <p14:creationId xmlns:p14="http://schemas.microsoft.com/office/powerpoint/2010/main" val="1875703993"/>
+        <p14:creationId xmlns:p14="http://schemas.microsoft.com/office/powerpoint/2010/main" val="1097886910"/>
       </p:ext>
     </p:extLst>
   </p:cSld>
@@ -2337,7 +2384,7 @@
     </p:spTree>
     <p:extLst>
       <p:ext uri="{BB962C8B-B14F-4D97-AF65-F5344CB8AC3E}">
-        <p14:creationId xmlns:p14="http://schemas.microsoft.com/office/powerpoint/2010/main" val="2161610621"/>
+        <p14:creationId xmlns:p14="http://schemas.microsoft.com/office/powerpoint/2010/main" val="151308693"/>
       </p:ext>
     </p:extLst>
   </p:cSld>
@@ -3388,7 +3435,7 @@
           <a:effectLst/>
           <a:extLst>
             <a:ext uri="{AF507438-7753-43e0-B8FC-AC1667EBCBE1}">
-              <a14:hiddenEffects xmlns:a14="http://schemas.microsoft.com/office/drawing/2010/main" xmlns="">
+              <a14:hiddenEffects xmlns="" xmlns:a14="http://schemas.microsoft.com/office/drawing/2010/main">
                 <a:effectLst>
                   <a:outerShdw blurRad="63500" dist="38099" dir="2700000" algn="ctr" rotWithShape="0">
                     <a:schemeClr val="bg2">
@@ -3510,7 +3557,7 @@
               </a14:hiddenLine>
             </a:ext>
             <a:ext uri="{FAA26D3D-D897-4be2-8F04-BA451C77F1D7}">
-              <ma14:placeholderFlag xmlns="" xmlns:ma14="http://schemas.microsoft.com/office/mac/drawingml/2011/main" val="1"/>
+              <ma14:placeholderFlag xmlns:ma14="http://schemas.microsoft.com/office/mac/drawingml/2011/main" xmlns="" val="1"/>
             </a:ext>
           </a:extLst>
         </p:spPr>
@@ -3599,7 +3646,7 @@
               </a14:hiddenLine>
             </a:ext>
             <a:ext uri="{FAA26D3D-D897-4be2-8F04-BA451C77F1D7}">
-              <ma14:placeholderFlag xmlns="" xmlns:ma14="http://schemas.microsoft.com/office/mac/drawingml/2011/main" val="1"/>
+              <ma14:placeholderFlag xmlns:ma14="http://schemas.microsoft.com/office/mac/drawingml/2011/main" xmlns="" val="1"/>
             </a:ext>
           </a:extLst>
         </p:spPr>
@@ -4193,6 +4240,14 @@
 <file path=ppt/slides/slide1.xml><?xml version="1.0" encoding="utf-8"?>
 <p:sld xmlns:a="http://schemas.openxmlformats.org/drawingml/2006/main" xmlns:r="http://schemas.openxmlformats.org/officeDocument/2006/relationships" xmlns:p="http://schemas.openxmlformats.org/presentationml/2006/main">
   <p:cSld>
+    <p:bg>
+      <p:bgPr>
+        <a:solidFill>
+          <a:schemeClr val="bg1"/>
+        </a:solidFill>
+        <a:effectLst/>
+      </p:bgPr>
+    </p:bg>
     <p:spTree>
       <p:nvGrpSpPr>
         <p:cNvPr id="1" name=""/>
@@ -4217,22 +4272,20 @@
             <p:ph type="title"/>
           </p:nvPr>
         </p:nvSpPr>
-        <p:spPr>
-          <a:xfrm>
-            <a:off x="914400" y="2057400"/>
-            <a:ext cx="10363200" cy="2743200"/>
-          </a:xfrm>
-        </p:spPr>
+        <p:spPr/>
         <p:txBody>
           <a:bodyPr/>
           <a:lstStyle/>
           <a:p>
             <a:r>
-              <a:rPr lang="en-US" altLang="en-US" sz="3600" dirty="0">
+              <a:rPr lang="en-US" altLang="en-US" sz="4000" dirty="0">
                 <a:ea typeface="ＭＳ Ｐゴシック" charset="-128"/>
               </a:rPr>
               <a:t>Brand Sentiment Analysis of Twitter Posts</a:t>
             </a:r>
+            <a:endParaRPr lang="en-US" altLang="en-US" dirty="0">
+              <a:ea typeface="ＭＳ Ｐゴシック" charset="-128"/>
+            </a:endParaRPr>
           </a:p>
         </p:txBody>
       </p:sp>
@@ -4241,7 +4294,7 @@
           <p:cNvPr id="2" name="TextBox 1">
             <a:extLst>
               <a:ext uri="{FF2B5EF4-FFF2-40B4-BE49-F238E27FC236}">
-                <a16:creationId xmlns:a16="http://schemas.microsoft.com/office/drawing/2014/main" id="{7D0BDA10-284A-7B41-8670-B6B5D19AF0F7}"/>
+                <a16:creationId xmlns:a16="http://schemas.microsoft.com/office/drawing/2014/main" id="{8F53F5CB-6890-F0C6-8A18-15839502FF59}"/>
               </a:ext>
             </a:extLst>
           </p:cNvPr>
@@ -4250,7 +4303,7 @@
         </p:nvSpPr>
         <p:spPr>
           <a:xfrm>
-            <a:off x="1204948" y="4114800"/>
+            <a:off x="1204947" y="4114800"/>
             <a:ext cx="2548133" cy="461665"/>
           </a:xfrm>
           <a:prstGeom prst="rect">
@@ -4276,7 +4329,7 @@
           <p:cNvPr id="3" name="TextBox 2">
             <a:extLst>
               <a:ext uri="{FF2B5EF4-FFF2-40B4-BE49-F238E27FC236}">
-                <a16:creationId xmlns:a16="http://schemas.microsoft.com/office/drawing/2014/main" id="{F501E45A-DF55-5B93-C877-50B2C4B47180}"/>
+                <a16:creationId xmlns:a16="http://schemas.microsoft.com/office/drawing/2014/main" id="{FC08BBF4-C707-4FE6-BDD1-6A19C7F501D7}"/>
               </a:ext>
             </a:extLst>
           </p:cNvPr>
@@ -4311,7 +4364,7 @@
           <p:cNvPr id="4" name="TextBox 3">
             <a:extLst>
               <a:ext uri="{FF2B5EF4-FFF2-40B4-BE49-F238E27FC236}">
-                <a16:creationId xmlns:a16="http://schemas.microsoft.com/office/drawing/2014/main" id="{99028ACB-FE7B-0E6D-EF5A-0ECC023F0069}"/>
+                <a16:creationId xmlns:a16="http://schemas.microsoft.com/office/drawing/2014/main" id="{10ED2B7E-72DF-53B9-2368-5A94B2B73BDC}"/>
               </a:ext>
             </a:extLst>
           </p:cNvPr>
@@ -4320,7 +4373,7 @@
         </p:nvSpPr>
         <p:spPr>
           <a:xfrm>
-            <a:off x="9003817" y="4114800"/>
+            <a:off x="9003816" y="4114800"/>
             <a:ext cx="1983235" cy="461665"/>
           </a:xfrm>
           <a:prstGeom prst="rect">
@@ -4342,11 +4395,6 @@
         </p:txBody>
       </p:sp>
     </p:spTree>
-    <p:extLst>
-      <p:ext uri="{BB962C8B-B14F-4D97-AF65-F5344CB8AC3E}">
-        <p14:creationId xmlns:p14="http://schemas.microsoft.com/office/powerpoint/2010/main" val="1093170298"/>
-      </p:ext>
-    </p:extLst>
   </p:cSld>
   <p:clrMapOvr>
     <a:masterClrMapping/>
@@ -4390,15 +4438,46 @@
               <a:rPr lang="en-US" altLang="en-US" dirty="0">
                 <a:ea typeface="ＭＳ Ｐゴシック" charset="-128"/>
               </a:rPr>
-              <a:t>Second Stage: Develop</a:t>
+              <a:t>Third Stage: Evaluate</a:t>
             </a:r>
+          </a:p>
+        </p:txBody>
+      </p:sp>
+      <p:sp>
+        <p:nvSpPr>
+          <p:cNvPr id="3" name="Text Placeholder 2"/>
+          <p:cNvSpPr>
+            <a:spLocks noGrp="1"/>
+          </p:cNvSpPr>
+          <p:nvPr>
+            <p:ph type="body" sz="quarter" idx="10"/>
+          </p:nvPr>
+        </p:nvSpPr>
+        <p:spPr>
+          <a:xfrm>
+            <a:off x="2100266" y="1947863"/>
+            <a:ext cx="7881937" cy="3776662"/>
+          </a:xfrm>
+        </p:spPr>
+        <p:txBody>
+          <a:bodyPr rtlCol="0">
+            <a:noAutofit/>
+          </a:bodyPr>
+          <a:lstStyle/>
+          <a:p>
+            <a:pPr marL="91440" indent="-91440">
+              <a:buFont typeface="Lucida Grande"/>
+              <a:buChar char=" "/>
+              <a:defRPr/>
+            </a:pPr>
+            <a:endParaRPr lang="en-US" dirty="0"/>
           </a:p>
         </p:txBody>
       </p:sp>
     </p:spTree>
     <p:extLst>
       <p:ext uri="{BB962C8B-B14F-4D97-AF65-F5344CB8AC3E}">
-        <p14:creationId xmlns:p14="http://schemas.microsoft.com/office/powerpoint/2010/main" val="2811755235"/>
+        <p14:creationId xmlns:p14="http://schemas.microsoft.com/office/powerpoint/2010/main" val="943618049"/>
       </p:ext>
     </p:extLst>
   </p:cSld>
@@ -4444,15 +4523,46 @@
               <a:rPr lang="en-US" altLang="en-US" dirty="0">
                 <a:ea typeface="ＭＳ Ｐゴシック" charset="-128"/>
               </a:rPr>
-              <a:t>Third Stage: Evaluate</a:t>
+              <a:t>Results</a:t>
             </a:r>
+          </a:p>
+        </p:txBody>
+      </p:sp>
+      <p:sp>
+        <p:nvSpPr>
+          <p:cNvPr id="3" name="Text Placeholder 2"/>
+          <p:cNvSpPr>
+            <a:spLocks noGrp="1"/>
+          </p:cNvSpPr>
+          <p:nvPr>
+            <p:ph type="body" sz="quarter" idx="10"/>
+          </p:nvPr>
+        </p:nvSpPr>
+        <p:spPr>
+          <a:xfrm>
+            <a:off x="2100266" y="1947863"/>
+            <a:ext cx="7881937" cy="3776662"/>
+          </a:xfrm>
+        </p:spPr>
+        <p:txBody>
+          <a:bodyPr rtlCol="0">
+            <a:noAutofit/>
+          </a:bodyPr>
+          <a:lstStyle/>
+          <a:p>
+            <a:pPr marL="91440" indent="-91440">
+              <a:buFont typeface="Lucida Grande"/>
+              <a:buChar char=" "/>
+              <a:defRPr/>
+            </a:pPr>
+            <a:endParaRPr lang="en-US" dirty="0"/>
           </a:p>
         </p:txBody>
       </p:sp>
     </p:spTree>
     <p:extLst>
       <p:ext uri="{BB962C8B-B14F-4D97-AF65-F5344CB8AC3E}">
-        <p14:creationId xmlns:p14="http://schemas.microsoft.com/office/powerpoint/2010/main" val="901105427"/>
+        <p14:creationId xmlns:p14="http://schemas.microsoft.com/office/powerpoint/2010/main" val="3156255279"/>
       </p:ext>
     </p:extLst>
   </p:cSld>
@@ -4498,15 +4608,46 @@
               <a:rPr lang="en-US" altLang="en-US" dirty="0">
                 <a:ea typeface="ＭＳ Ｐゴシック" charset="-128"/>
               </a:rPr>
-              <a:t>Results</a:t>
+              <a:t>Challenges</a:t>
             </a:r>
+          </a:p>
+        </p:txBody>
+      </p:sp>
+      <p:sp>
+        <p:nvSpPr>
+          <p:cNvPr id="3" name="Text Placeholder 2"/>
+          <p:cNvSpPr>
+            <a:spLocks noGrp="1"/>
+          </p:cNvSpPr>
+          <p:nvPr>
+            <p:ph type="body" sz="quarter" idx="10"/>
+          </p:nvPr>
+        </p:nvSpPr>
+        <p:spPr>
+          <a:xfrm>
+            <a:off x="2100266" y="1947863"/>
+            <a:ext cx="7881937" cy="3776662"/>
+          </a:xfrm>
+        </p:spPr>
+        <p:txBody>
+          <a:bodyPr rtlCol="0">
+            <a:noAutofit/>
+          </a:bodyPr>
+          <a:lstStyle/>
+          <a:p>
+            <a:pPr marL="91440" indent="-91440">
+              <a:buFont typeface="Lucida Grande"/>
+              <a:buChar char=" "/>
+              <a:defRPr/>
+            </a:pPr>
+            <a:endParaRPr lang="en-US" dirty="0"/>
           </a:p>
         </p:txBody>
       </p:sp>
     </p:spTree>
     <p:extLst>
       <p:ext uri="{BB962C8B-B14F-4D97-AF65-F5344CB8AC3E}">
-        <p14:creationId xmlns:p14="http://schemas.microsoft.com/office/powerpoint/2010/main" val="2681042120"/>
+        <p14:creationId xmlns:p14="http://schemas.microsoft.com/office/powerpoint/2010/main" val="1103107023"/>
       </p:ext>
     </p:extLst>
   </p:cSld>
@@ -4552,15 +4693,46 @@
               <a:rPr lang="en-US" altLang="en-US" dirty="0">
                 <a:ea typeface="ＭＳ Ｐゴシック" charset="-128"/>
               </a:rPr>
-              <a:t>Challenges</a:t>
+              <a:t>Conclusion</a:t>
             </a:r>
+          </a:p>
+        </p:txBody>
+      </p:sp>
+      <p:sp>
+        <p:nvSpPr>
+          <p:cNvPr id="3" name="Text Placeholder 2"/>
+          <p:cNvSpPr>
+            <a:spLocks noGrp="1"/>
+          </p:cNvSpPr>
+          <p:nvPr>
+            <p:ph type="body" sz="quarter" idx="10"/>
+          </p:nvPr>
+        </p:nvSpPr>
+        <p:spPr>
+          <a:xfrm>
+            <a:off x="2100266" y="1947863"/>
+            <a:ext cx="7881937" cy="3776662"/>
+          </a:xfrm>
+        </p:spPr>
+        <p:txBody>
+          <a:bodyPr rtlCol="0">
+            <a:noAutofit/>
+          </a:bodyPr>
+          <a:lstStyle/>
+          <a:p>
+            <a:pPr marL="91440" indent="-91440">
+              <a:buFont typeface="Lucida Grande"/>
+              <a:buChar char=" "/>
+              <a:defRPr/>
+            </a:pPr>
+            <a:endParaRPr lang="en-US" dirty="0"/>
           </a:p>
         </p:txBody>
       </p:sp>
     </p:spTree>
     <p:extLst>
       <p:ext uri="{BB962C8B-B14F-4D97-AF65-F5344CB8AC3E}">
-        <p14:creationId xmlns:p14="http://schemas.microsoft.com/office/powerpoint/2010/main" val="603158914"/>
+        <p14:creationId xmlns:p14="http://schemas.microsoft.com/office/powerpoint/2010/main" val="3390827187"/>
       </p:ext>
     </p:extLst>
   </p:cSld>
@@ -4606,15 +4778,46 @@
               <a:rPr lang="en-US" altLang="en-US" dirty="0">
                 <a:ea typeface="ＭＳ Ｐゴシック" charset="-128"/>
               </a:rPr>
-              <a:t>Conclusion &amp; Future Work</a:t>
+              <a:t>Future Work</a:t>
             </a:r>
+          </a:p>
+        </p:txBody>
+      </p:sp>
+      <p:sp>
+        <p:nvSpPr>
+          <p:cNvPr id="3" name="Text Placeholder 2"/>
+          <p:cNvSpPr>
+            <a:spLocks noGrp="1"/>
+          </p:cNvSpPr>
+          <p:nvPr>
+            <p:ph type="body" sz="quarter" idx="10"/>
+          </p:nvPr>
+        </p:nvSpPr>
+        <p:spPr>
+          <a:xfrm>
+            <a:off x="2100266" y="1947863"/>
+            <a:ext cx="7881937" cy="3776662"/>
+          </a:xfrm>
+        </p:spPr>
+        <p:txBody>
+          <a:bodyPr rtlCol="0">
+            <a:noAutofit/>
+          </a:bodyPr>
+          <a:lstStyle/>
+          <a:p>
+            <a:pPr marL="91440" indent="-91440">
+              <a:buFont typeface="Lucida Grande"/>
+              <a:buChar char=" "/>
+              <a:defRPr/>
+            </a:pPr>
+            <a:endParaRPr lang="en-US" dirty="0"/>
           </a:p>
         </p:txBody>
       </p:sp>
     </p:spTree>
     <p:extLst>
       <p:ext uri="{BB962C8B-B14F-4D97-AF65-F5344CB8AC3E}">
-        <p14:creationId xmlns:p14="http://schemas.microsoft.com/office/powerpoint/2010/main" val="2875911112"/>
+        <p14:creationId xmlns:p14="http://schemas.microsoft.com/office/powerpoint/2010/main" val="1339825775"/>
       </p:ext>
     </p:extLst>
   </p:cSld>
@@ -4665,10 +4868,41 @@
           </a:p>
         </p:txBody>
       </p:sp>
+      <p:sp>
+        <p:nvSpPr>
+          <p:cNvPr id="3" name="Text Placeholder 2"/>
+          <p:cNvSpPr>
+            <a:spLocks noGrp="1"/>
+          </p:cNvSpPr>
+          <p:nvPr>
+            <p:ph type="body" sz="quarter" idx="10"/>
+          </p:nvPr>
+        </p:nvSpPr>
+        <p:spPr>
+          <a:xfrm>
+            <a:off x="2100266" y="1947863"/>
+            <a:ext cx="7881937" cy="3776662"/>
+          </a:xfrm>
+        </p:spPr>
+        <p:txBody>
+          <a:bodyPr rtlCol="0">
+            <a:noAutofit/>
+          </a:bodyPr>
+          <a:lstStyle/>
+          <a:p>
+            <a:pPr marL="91440" indent="-91440">
+              <a:buFont typeface="Lucida Grande"/>
+              <a:buChar char=" "/>
+              <a:defRPr/>
+            </a:pPr>
+            <a:endParaRPr lang="en-US" dirty="0"/>
+          </a:p>
+        </p:txBody>
+      </p:sp>
     </p:spTree>
     <p:extLst>
       <p:ext uri="{BB962C8B-B14F-4D97-AF65-F5344CB8AC3E}">
-        <p14:creationId xmlns:p14="http://schemas.microsoft.com/office/powerpoint/2010/main" val="1671929546"/>
+        <p14:creationId xmlns:p14="http://schemas.microsoft.com/office/powerpoint/2010/main" val="3147092962"/>
       </p:ext>
     </p:extLst>
   </p:cSld>
@@ -4719,6 +4953,37 @@
           </a:p>
         </p:txBody>
       </p:sp>
+      <p:sp>
+        <p:nvSpPr>
+          <p:cNvPr id="3" name="Text Placeholder 2"/>
+          <p:cNvSpPr>
+            <a:spLocks noGrp="1"/>
+          </p:cNvSpPr>
+          <p:nvPr>
+            <p:ph type="body" sz="quarter" idx="10"/>
+          </p:nvPr>
+        </p:nvSpPr>
+        <p:spPr>
+          <a:xfrm>
+            <a:off x="2100266" y="1947863"/>
+            <a:ext cx="7881937" cy="3776662"/>
+          </a:xfrm>
+        </p:spPr>
+        <p:txBody>
+          <a:bodyPr rtlCol="0">
+            <a:noAutofit/>
+          </a:bodyPr>
+          <a:lstStyle/>
+          <a:p>
+            <a:pPr marL="91440" indent="-91440">
+              <a:buFont typeface="Lucida Grande"/>
+              <a:buChar char=" "/>
+              <a:defRPr/>
+            </a:pPr>
+            <a:endParaRPr lang="en-US" dirty="0"/>
+          </a:p>
+        </p:txBody>
+      </p:sp>
     </p:spTree>
   </p:cSld>
   <p:clrMapOvr>
@@ -4768,10 +5033,41 @@
           </a:p>
         </p:txBody>
       </p:sp>
+      <p:sp>
+        <p:nvSpPr>
+          <p:cNvPr id="3" name="Text Placeholder 2"/>
+          <p:cNvSpPr>
+            <a:spLocks noGrp="1"/>
+          </p:cNvSpPr>
+          <p:nvPr>
+            <p:ph type="body" sz="quarter" idx="10"/>
+          </p:nvPr>
+        </p:nvSpPr>
+        <p:spPr>
+          <a:xfrm>
+            <a:off x="2100266" y="1947863"/>
+            <a:ext cx="7881937" cy="3776662"/>
+          </a:xfrm>
+        </p:spPr>
+        <p:txBody>
+          <a:bodyPr rtlCol="0">
+            <a:noAutofit/>
+          </a:bodyPr>
+          <a:lstStyle/>
+          <a:p>
+            <a:pPr marL="91440" indent="-91440">
+              <a:buFont typeface="Lucida Grande"/>
+              <a:buChar char=" "/>
+              <a:defRPr/>
+            </a:pPr>
+            <a:endParaRPr lang="en-US" dirty="0"/>
+          </a:p>
+        </p:txBody>
+      </p:sp>
     </p:spTree>
     <p:extLst>
       <p:ext uri="{BB962C8B-B14F-4D97-AF65-F5344CB8AC3E}">
-        <p14:creationId xmlns:p14="http://schemas.microsoft.com/office/powerpoint/2010/main" val="1381240721"/>
+        <p14:creationId xmlns:p14="http://schemas.microsoft.com/office/powerpoint/2010/main" val="226194277"/>
       </p:ext>
     </p:extLst>
   </p:cSld>
@@ -4822,10 +5118,41 @@
           </a:p>
         </p:txBody>
       </p:sp>
+      <p:sp>
+        <p:nvSpPr>
+          <p:cNvPr id="3" name="Text Placeholder 2"/>
+          <p:cNvSpPr>
+            <a:spLocks noGrp="1"/>
+          </p:cNvSpPr>
+          <p:nvPr>
+            <p:ph type="body" sz="quarter" idx="10"/>
+          </p:nvPr>
+        </p:nvSpPr>
+        <p:spPr>
+          <a:xfrm>
+            <a:off x="2100266" y="1947863"/>
+            <a:ext cx="7881937" cy="3776662"/>
+          </a:xfrm>
+        </p:spPr>
+        <p:txBody>
+          <a:bodyPr rtlCol="0">
+            <a:noAutofit/>
+          </a:bodyPr>
+          <a:lstStyle/>
+          <a:p>
+            <a:pPr marL="91440" indent="-91440">
+              <a:buFont typeface="Lucida Grande"/>
+              <a:buChar char=" "/>
+              <a:defRPr/>
+            </a:pPr>
+            <a:endParaRPr lang="en-US" dirty="0"/>
+          </a:p>
+        </p:txBody>
+      </p:sp>
     </p:spTree>
     <p:extLst>
       <p:ext uri="{BB962C8B-B14F-4D97-AF65-F5344CB8AC3E}">
-        <p14:creationId xmlns:p14="http://schemas.microsoft.com/office/powerpoint/2010/main" val="3273571779"/>
+        <p14:creationId xmlns:p14="http://schemas.microsoft.com/office/powerpoint/2010/main" val="1429123797"/>
       </p:ext>
     </p:extLst>
   </p:cSld>
@@ -4876,10 +5203,41 @@
           </a:p>
         </p:txBody>
       </p:sp>
+      <p:sp>
+        <p:nvSpPr>
+          <p:cNvPr id="3" name="Text Placeholder 2"/>
+          <p:cNvSpPr>
+            <a:spLocks noGrp="1"/>
+          </p:cNvSpPr>
+          <p:nvPr>
+            <p:ph type="body" sz="quarter" idx="10"/>
+          </p:nvPr>
+        </p:nvSpPr>
+        <p:spPr>
+          <a:xfrm>
+            <a:off x="2100266" y="1947863"/>
+            <a:ext cx="7881937" cy="3776662"/>
+          </a:xfrm>
+        </p:spPr>
+        <p:txBody>
+          <a:bodyPr rtlCol="0">
+            <a:noAutofit/>
+          </a:bodyPr>
+          <a:lstStyle/>
+          <a:p>
+            <a:pPr marL="91440" indent="-91440">
+              <a:buFont typeface="Lucida Grande"/>
+              <a:buChar char=" "/>
+              <a:defRPr/>
+            </a:pPr>
+            <a:endParaRPr lang="en-US" dirty="0"/>
+          </a:p>
+        </p:txBody>
+      </p:sp>
     </p:spTree>
     <p:extLst>
       <p:ext uri="{BB962C8B-B14F-4D97-AF65-F5344CB8AC3E}">
-        <p14:creationId xmlns:p14="http://schemas.microsoft.com/office/powerpoint/2010/main" val="69069607"/>
+        <p14:creationId xmlns:p14="http://schemas.microsoft.com/office/powerpoint/2010/main" val="3863883462"/>
       </p:ext>
     </p:extLst>
   </p:cSld>
@@ -4930,10 +5288,41 @@
           </a:p>
         </p:txBody>
       </p:sp>
+      <p:sp>
+        <p:nvSpPr>
+          <p:cNvPr id="3" name="Text Placeholder 2"/>
+          <p:cNvSpPr>
+            <a:spLocks noGrp="1"/>
+          </p:cNvSpPr>
+          <p:nvPr>
+            <p:ph type="body" sz="quarter" idx="10"/>
+          </p:nvPr>
+        </p:nvSpPr>
+        <p:spPr>
+          <a:xfrm>
+            <a:off x="2100266" y="1947863"/>
+            <a:ext cx="7881937" cy="3776662"/>
+          </a:xfrm>
+        </p:spPr>
+        <p:txBody>
+          <a:bodyPr rtlCol="0">
+            <a:noAutofit/>
+          </a:bodyPr>
+          <a:lstStyle/>
+          <a:p>
+            <a:pPr marL="91440" indent="-91440">
+              <a:buFont typeface="Lucida Grande"/>
+              <a:buChar char=" "/>
+              <a:defRPr/>
+            </a:pPr>
+            <a:endParaRPr lang="en-US" dirty="0"/>
+          </a:p>
+        </p:txBody>
+      </p:sp>
     </p:spTree>
     <p:extLst>
       <p:ext uri="{BB962C8B-B14F-4D97-AF65-F5344CB8AC3E}">
-        <p14:creationId xmlns:p14="http://schemas.microsoft.com/office/powerpoint/2010/main" val="1623255054"/>
+        <p14:creationId xmlns:p14="http://schemas.microsoft.com/office/powerpoint/2010/main" val="3978041919"/>
       </p:ext>
     </p:extLst>
   </p:cSld>
@@ -4984,10 +5373,41 @@
           </a:p>
         </p:txBody>
       </p:sp>
+      <p:sp>
+        <p:nvSpPr>
+          <p:cNvPr id="3" name="Text Placeholder 2"/>
+          <p:cNvSpPr>
+            <a:spLocks noGrp="1"/>
+          </p:cNvSpPr>
+          <p:nvPr>
+            <p:ph type="body" sz="quarter" idx="10"/>
+          </p:nvPr>
+        </p:nvSpPr>
+        <p:spPr>
+          <a:xfrm>
+            <a:off x="2100266" y="1947863"/>
+            <a:ext cx="7881937" cy="3776662"/>
+          </a:xfrm>
+        </p:spPr>
+        <p:txBody>
+          <a:bodyPr rtlCol="0">
+            <a:noAutofit/>
+          </a:bodyPr>
+          <a:lstStyle/>
+          <a:p>
+            <a:pPr marL="91440" indent="-91440">
+              <a:buFont typeface="Lucida Grande"/>
+              <a:buChar char=" "/>
+              <a:defRPr/>
+            </a:pPr>
+            <a:endParaRPr lang="en-US" dirty="0"/>
+          </a:p>
+        </p:txBody>
+      </p:sp>
     </p:spTree>
     <p:extLst>
       <p:ext uri="{BB962C8B-B14F-4D97-AF65-F5344CB8AC3E}">
-        <p14:creationId xmlns:p14="http://schemas.microsoft.com/office/powerpoint/2010/main" val="1557484235"/>
+        <p14:creationId xmlns:p14="http://schemas.microsoft.com/office/powerpoint/2010/main" val="3171744020"/>
       </p:ext>
     </p:extLst>
   </p:cSld>
@@ -5038,10 +5458,41 @@
           </a:p>
         </p:txBody>
       </p:sp>
+      <p:sp>
+        <p:nvSpPr>
+          <p:cNvPr id="3" name="Text Placeholder 2"/>
+          <p:cNvSpPr>
+            <a:spLocks noGrp="1"/>
+          </p:cNvSpPr>
+          <p:nvPr>
+            <p:ph type="body" sz="quarter" idx="10"/>
+          </p:nvPr>
+        </p:nvSpPr>
+        <p:spPr>
+          <a:xfrm>
+            <a:off x="2100266" y="1947863"/>
+            <a:ext cx="7881937" cy="3776662"/>
+          </a:xfrm>
+        </p:spPr>
+        <p:txBody>
+          <a:bodyPr rtlCol="0">
+            <a:noAutofit/>
+          </a:bodyPr>
+          <a:lstStyle/>
+          <a:p>
+            <a:pPr marL="91440" indent="-91440">
+              <a:buFont typeface="Lucida Grande"/>
+              <a:buChar char=" "/>
+              <a:defRPr/>
+            </a:pPr>
+            <a:endParaRPr lang="en-US" dirty="0"/>
+          </a:p>
+        </p:txBody>
+      </p:sp>
     </p:spTree>
     <p:extLst>
       <p:ext uri="{BB962C8B-B14F-4D97-AF65-F5344CB8AC3E}">
-        <p14:creationId xmlns:p14="http://schemas.microsoft.com/office/powerpoint/2010/main" val="4054382697"/>
+        <p14:creationId xmlns:p14="http://schemas.microsoft.com/office/powerpoint/2010/main" val="3011073026"/>
       </p:ext>
     </p:extLst>
   </p:cSld>
@@ -5092,10 +5543,41 @@
           </a:p>
         </p:txBody>
       </p:sp>
+      <p:sp>
+        <p:nvSpPr>
+          <p:cNvPr id="3" name="Text Placeholder 2"/>
+          <p:cNvSpPr>
+            <a:spLocks noGrp="1"/>
+          </p:cNvSpPr>
+          <p:nvPr>
+            <p:ph type="body" sz="quarter" idx="10"/>
+          </p:nvPr>
+        </p:nvSpPr>
+        <p:spPr>
+          <a:xfrm>
+            <a:off x="2100266" y="1947863"/>
+            <a:ext cx="7881937" cy="3776662"/>
+          </a:xfrm>
+        </p:spPr>
+        <p:txBody>
+          <a:bodyPr rtlCol="0">
+            <a:noAutofit/>
+          </a:bodyPr>
+          <a:lstStyle/>
+          <a:p>
+            <a:pPr marL="91440" indent="-91440">
+              <a:buFont typeface="Lucida Grande"/>
+              <a:buChar char=" "/>
+              <a:defRPr/>
+            </a:pPr>
+            <a:endParaRPr lang="en-US" dirty="0"/>
+          </a:p>
+        </p:txBody>
+      </p:sp>
     </p:spTree>
     <p:extLst>
       <p:ext uri="{BB962C8B-B14F-4D97-AF65-F5344CB8AC3E}">
-        <p14:creationId xmlns:p14="http://schemas.microsoft.com/office/powerpoint/2010/main" val="4127828933"/>
+        <p14:creationId xmlns:p14="http://schemas.microsoft.com/office/powerpoint/2010/main" val="1243893798"/>
       </p:ext>
     </p:extLst>
   </p:cSld>
@@ -5409,7 +5891,7 @@
         <a:effectLst/>
         <a:extLst>
           <a:ext uri="{AF507438-7753-43e0-B8FC-AC1667EBCBE1}">
-            <a14:hiddenEffects xmlns:a14="http://schemas.microsoft.com/office/drawing/2010/main" xmlns="">
+            <a14:hiddenEffects xmlns="" xmlns:a14="http://schemas.microsoft.com/office/drawing/2010/main">
               <a:effectLst>
                 <a:outerShdw blurRad="63500" dist="38099" dir="2700000" algn="ctr" rotWithShape="0">
                   <a:schemeClr val="bg2">
@@ -5486,7 +5968,7 @@
         <a:effectLst/>
         <a:extLst>
           <a:ext uri="{AF507438-7753-43e0-B8FC-AC1667EBCBE1}">
-            <a14:hiddenEffects xmlns:a14="http://schemas.microsoft.com/office/drawing/2010/main" xmlns="">
+            <a14:hiddenEffects xmlns="" xmlns:a14="http://schemas.microsoft.com/office/drawing/2010/main">
               <a:effectLst>
                 <a:outerShdw blurRad="63500" dist="38099" dir="2700000" algn="ctr" rotWithShape="0">
                   <a:schemeClr val="bg2">

--- a/Final-Project-Team-2.pptx
+++ b/Final-Project-Team-2.pptx
@@ -5,27 +5,33 @@
     <p:sldMasterId id="2147483763" r:id="rId1"/>
   </p:sldMasterIdLst>
   <p:notesMasterIdLst>
-    <p:notesMasterId r:id="rId17"/>
+    <p:notesMasterId r:id="rId23"/>
   </p:notesMasterIdLst>
   <p:handoutMasterIdLst>
-    <p:handoutMasterId r:id="rId18"/>
+    <p:handoutMasterId r:id="rId24"/>
   </p:handoutMasterIdLst>
   <p:sldIdLst>
     <p:sldId id="256" r:id="rId2"/>
     <p:sldId id="257" r:id="rId3"/>
     <p:sldId id="259" r:id="rId4"/>
     <p:sldId id="260" r:id="rId5"/>
-    <p:sldId id="261" r:id="rId6"/>
-    <p:sldId id="262" r:id="rId7"/>
-    <p:sldId id="264" r:id="rId8"/>
-    <p:sldId id="265" r:id="rId9"/>
-    <p:sldId id="267" r:id="rId10"/>
-    <p:sldId id="269" r:id="rId11"/>
-    <p:sldId id="270" r:id="rId12"/>
-    <p:sldId id="271" r:id="rId13"/>
-    <p:sldId id="273" r:id="rId14"/>
-    <p:sldId id="272" r:id="rId15"/>
-    <p:sldId id="274" r:id="rId16"/>
+    <p:sldId id="262" r:id="rId6"/>
+    <p:sldId id="264" r:id="rId7"/>
+    <p:sldId id="265" r:id="rId8"/>
+    <p:sldId id="279" r:id="rId9"/>
+    <p:sldId id="277" r:id="rId10"/>
+    <p:sldId id="278" r:id="rId11"/>
+    <p:sldId id="267" r:id="rId12"/>
+    <p:sldId id="276" r:id="rId13"/>
+    <p:sldId id="261" r:id="rId14"/>
+    <p:sldId id="280" r:id="rId15"/>
+    <p:sldId id="269" r:id="rId16"/>
+    <p:sldId id="275" r:id="rId17"/>
+    <p:sldId id="270" r:id="rId18"/>
+    <p:sldId id="271" r:id="rId19"/>
+    <p:sldId id="273" r:id="rId20"/>
+    <p:sldId id="272" r:id="rId21"/>
+    <p:sldId id="274" r:id="rId22"/>
   </p:sldIdLst>
   <p:sldSz cx="12192000" cy="6858000"/>
   <p:notesSz cx="6858000" cy="9144000"/>
@@ -274,7 +280,7 @@
             <a:fld id="{3CB42547-1216-8745-B61E-1644CC83EEDE}" type="datetimeFigureOut">
               <a:rPr lang="en-US" altLang="en-US"/>
               <a:pPr/>
-              <a:t>7/15/2023</a:t>
+              <a:t>8/6/23</a:t>
             </a:fld>
             <a:endParaRPr lang="en-US" altLang="en-US"/>
           </a:p>
@@ -417,17 +423,17 @@
           </a:ln>
           <a:extLst>
             <a:ext uri="{FAA26D3D-D897-4be2-8F04-BA451C77F1D7}">
-              <ma14:placeholderFlag xmlns:ma14="http://schemas.microsoft.com/office/mac/drawingml/2011/main" xmlns="" val="1"/>
+              <ma14:placeholderFlag xmlns="" xmlns:ma14="http://schemas.microsoft.com/office/mac/drawingml/2011/main" val="1"/>
             </a:ext>
             <a:ext uri="{909E8E84-426E-40dd-AFC4-6F175D3DCCD1}">
-              <a14:hiddenFill xmlns="" xmlns:a14="http://schemas.microsoft.com/office/drawing/2010/main">
+              <a14:hiddenFill xmlns:a14="http://schemas.microsoft.com/office/drawing/2010/main" xmlns="">
                 <a:solidFill>
                   <a:schemeClr val="accent1"/>
                 </a:solidFill>
               </a14:hiddenFill>
             </a:ext>
             <a:ext uri="{91240B29-F687-4f45-9708-019B960494DF}">
-              <a14:hiddenLine xmlns="" xmlns:a14="http://schemas.microsoft.com/office/drawing/2010/main" w="9525">
+              <a14:hiddenLine xmlns:a14="http://schemas.microsoft.com/office/drawing/2010/main" xmlns="" w="9525">
                 <a:solidFill>
                   <a:schemeClr val="tx1"/>
                 </a:solidFill>
@@ -484,17 +490,17 @@
           </a:ln>
           <a:extLst>
             <a:ext uri="{FAA26D3D-D897-4be2-8F04-BA451C77F1D7}">
-              <ma14:placeholderFlag xmlns:ma14="http://schemas.microsoft.com/office/mac/drawingml/2011/main" xmlns="" val="1"/>
+              <ma14:placeholderFlag xmlns="" xmlns:ma14="http://schemas.microsoft.com/office/mac/drawingml/2011/main" val="1"/>
             </a:ext>
             <a:ext uri="{909E8E84-426E-40dd-AFC4-6F175D3DCCD1}">
-              <a14:hiddenFill xmlns="" xmlns:a14="http://schemas.microsoft.com/office/drawing/2010/main">
+              <a14:hiddenFill xmlns:a14="http://schemas.microsoft.com/office/drawing/2010/main" xmlns="">
                 <a:solidFill>
                   <a:schemeClr val="accent1"/>
                 </a:solidFill>
               </a14:hiddenFill>
             </a:ext>
             <a:ext uri="{91240B29-F687-4f45-9708-019B960494DF}">
-              <a14:hiddenLine xmlns="" xmlns:a14="http://schemas.microsoft.com/office/drawing/2010/main" w="9525">
+              <a14:hiddenLine xmlns:a14="http://schemas.microsoft.com/office/drawing/2010/main" xmlns="" w="9525">
                 <a:solidFill>
                   <a:schemeClr val="tx1"/>
                 </a:solidFill>
@@ -557,7 +563,7 @@
           <a:effectLst/>
           <a:extLst>
             <a:ext uri="{AF507438-7753-43e0-B8FC-AC1667EBCBE1}">
-              <a14:hiddenEffects xmlns="" xmlns:a14="http://schemas.microsoft.com/office/drawing/2010/main">
+              <a14:hiddenEffects xmlns:a14="http://schemas.microsoft.com/office/drawing/2010/main" xmlns="">
                 <a:effectLst>
                   <a:outerShdw blurRad="63500" dist="38099" dir="2700000" algn="ctr" rotWithShape="0">
                     <a:srgbClr val="000000">
@@ -568,7 +574,7 @@
               </a14:hiddenEffects>
             </a:ext>
             <a:ext uri="{53640926-AAD7-44d8-BBD7-CCE9431645EC}">
-              <a14:shadowObscured xmlns="" xmlns:a14="http://schemas.microsoft.com/office/drawing/2010/main" val="1"/>
+              <a14:shadowObscured xmlns:a14="http://schemas.microsoft.com/office/drawing/2010/main" xmlns="" val="1"/>
             </a:ext>
           </a:extLst>
         </p:spPr>
@@ -597,17 +603,17 @@
           </a:ln>
           <a:extLst>
             <a:ext uri="{FAA26D3D-D897-4be2-8F04-BA451C77F1D7}">
-              <ma14:placeholderFlag xmlns:ma14="http://schemas.microsoft.com/office/mac/drawingml/2011/main" xmlns="" val="1"/>
+              <ma14:placeholderFlag xmlns="" xmlns:ma14="http://schemas.microsoft.com/office/mac/drawingml/2011/main" val="1"/>
             </a:ext>
             <a:ext uri="{909E8E84-426E-40dd-AFC4-6F175D3DCCD1}">
-              <a14:hiddenFill xmlns="" xmlns:a14="http://schemas.microsoft.com/office/drawing/2010/main">
+              <a14:hiddenFill xmlns:a14="http://schemas.microsoft.com/office/drawing/2010/main" xmlns="">
                 <a:solidFill>
                   <a:schemeClr val="accent1"/>
                 </a:solidFill>
               </a14:hiddenFill>
             </a:ext>
             <a:ext uri="{91240B29-F687-4f45-9708-019B960494DF}">
-              <a14:hiddenLine xmlns="" xmlns:a14="http://schemas.microsoft.com/office/drawing/2010/main" w="9525">
+              <a14:hiddenLine xmlns:a14="http://schemas.microsoft.com/office/drawing/2010/main" xmlns="" w="9525">
                 <a:solidFill>
                   <a:schemeClr val="tx1"/>
                 </a:solidFill>
@@ -686,17 +692,17 @@
           </a:ln>
           <a:extLst>
             <a:ext uri="{FAA26D3D-D897-4be2-8F04-BA451C77F1D7}">
-              <ma14:placeholderFlag xmlns:ma14="http://schemas.microsoft.com/office/mac/drawingml/2011/main" xmlns="" val="1"/>
+              <ma14:placeholderFlag xmlns="" xmlns:ma14="http://schemas.microsoft.com/office/mac/drawingml/2011/main" val="1"/>
             </a:ext>
             <a:ext uri="{909E8E84-426E-40dd-AFC4-6F175D3DCCD1}">
-              <a14:hiddenFill xmlns="" xmlns:a14="http://schemas.microsoft.com/office/drawing/2010/main">
+              <a14:hiddenFill xmlns:a14="http://schemas.microsoft.com/office/drawing/2010/main" xmlns="">
                 <a:solidFill>
                   <a:schemeClr val="accent1"/>
                 </a:solidFill>
               </a14:hiddenFill>
             </a:ext>
             <a:ext uri="{91240B29-F687-4f45-9708-019B960494DF}">
-              <a14:hiddenLine xmlns="" xmlns:a14="http://schemas.microsoft.com/office/drawing/2010/main" w="9525">
+              <a14:hiddenLine xmlns:a14="http://schemas.microsoft.com/office/drawing/2010/main" xmlns="" w="9525">
                 <a:solidFill>
                   <a:schemeClr val="tx1"/>
                 </a:solidFill>
@@ -753,17 +759,17 @@
           </a:ln>
           <a:extLst>
             <a:ext uri="{FAA26D3D-D897-4be2-8F04-BA451C77F1D7}">
-              <ma14:placeholderFlag xmlns:ma14="http://schemas.microsoft.com/office/mac/drawingml/2011/main" xmlns="" val="1"/>
+              <ma14:placeholderFlag xmlns="" xmlns:ma14="http://schemas.microsoft.com/office/mac/drawingml/2011/main" val="1"/>
             </a:ext>
             <a:ext uri="{909E8E84-426E-40dd-AFC4-6F175D3DCCD1}">
-              <a14:hiddenFill xmlns="" xmlns:a14="http://schemas.microsoft.com/office/drawing/2010/main">
+              <a14:hiddenFill xmlns:a14="http://schemas.microsoft.com/office/drawing/2010/main" xmlns="">
                 <a:solidFill>
                   <a:schemeClr val="accent1"/>
                 </a:solidFill>
               </a14:hiddenFill>
             </a:ext>
             <a:ext uri="{91240B29-F687-4f45-9708-019B960494DF}">
-              <a14:hiddenLine xmlns="" xmlns:a14="http://schemas.microsoft.com/office/drawing/2010/main" w="9525">
+              <a14:hiddenLine xmlns:a14="http://schemas.microsoft.com/office/drawing/2010/main" xmlns="" w="9525">
                 <a:solidFill>
                   <a:schemeClr val="tx1"/>
                 </a:solidFill>
@@ -1064,7 +1070,7 @@
           <a:p>
             <a:r>
               <a:rPr lang="en-US" dirty="0"/>
-              <a:t>In the evaluation stage, we measured the models' ability to identify brands and predict sentiment in Twitter posts. We used standard classification metrics such as Accuracy, Precision, Recall, and F1 Score to evaluate the models.</a:t>
+              <a:t>We experimented with various machine learning algorithms like Naïve Bayes, Logistic Regression, Support Vector Machines, Recurrent Neural Networks, and Transformers.</a:t>
             </a:r>
           </a:p>
         </p:txBody>
@@ -1087,7 +1093,7 @@
             <a:fld id="{AA4D7F38-9E4B-194A-AA5A-81BF138D29E9}" type="slidenum">
               <a:rPr lang="en-US" altLang="en-US" smtClean="0"/>
               <a:pPr/>
-              <a:t>10</a:t>
+              <a:t>14</a:t>
             </a:fld>
             <a:endParaRPr lang="en-US" altLang="en-US"/>
           </a:p>
@@ -1096,7 +1102,7 @@
     </p:spTree>
     <p:extLst>
       <p:ext uri="{BB962C8B-B14F-4D97-AF65-F5344CB8AC3E}">
-        <p14:creationId xmlns:p14="http://schemas.microsoft.com/office/powerpoint/2010/main" val="3293987079"/>
+        <p14:creationId xmlns:p14="http://schemas.microsoft.com/office/powerpoint/2010/main" val="974401036"/>
       </p:ext>
     </p:extLst>
   </p:cSld>
@@ -1152,7 +1158,7 @@
           <a:p>
             <a:r>
               <a:rPr lang="en-US" dirty="0"/>
-              <a:t>We present the results of our experiments, including any relevant figures or tables, discuss the implications of our results, and explain whether our results support our initial hypothesis. We present the results of our models. We achieved an accuracy rate over 50%, demonstrating the potential of machine learning in understanding public sentiment towards brands based on social media content.</a:t>
+              <a:t>In the evaluation stage, we measured the models' ability to identify brands and predict sentiment in Twitter posts. We used standard classification metrics such as Accuracy, Precision, Recall, and F1 Score to evaluate the models.</a:t>
             </a:r>
           </a:p>
         </p:txBody>
@@ -1175,7 +1181,7 @@
             <a:fld id="{AA4D7F38-9E4B-194A-AA5A-81BF138D29E9}" type="slidenum">
               <a:rPr lang="en-US" altLang="en-US" smtClean="0"/>
               <a:pPr/>
-              <a:t>11</a:t>
+              <a:t>15</a:t>
             </a:fld>
             <a:endParaRPr lang="en-US" altLang="en-US"/>
           </a:p>
@@ -1184,7 +1190,7 @@
     </p:spTree>
     <p:extLst>
       <p:ext uri="{BB962C8B-B14F-4D97-AF65-F5344CB8AC3E}">
-        <p14:creationId xmlns:p14="http://schemas.microsoft.com/office/powerpoint/2010/main" val="2184831873"/>
+        <p14:creationId xmlns:p14="http://schemas.microsoft.com/office/powerpoint/2010/main" val="3293987079"/>
       </p:ext>
     </p:extLst>
   </p:cSld>
@@ -1240,7 +1246,7 @@
           <a:p>
             <a:r>
               <a:rPr lang="en-US" dirty="0"/>
-              <a:t>We faced challenges such as the 'aboutness' problem, which refers to the challenge of determining the subject of the sentiment expressed in a sentence. We also encountered issues with complex sentences and ambiguous subjects.</a:t>
+              <a:t>We experimented with various machine learning algorithms like Naïve Bayes, Logistic Regression, Support Vector Machines, Recurrent Neural Networks, and Transformers.</a:t>
             </a:r>
           </a:p>
         </p:txBody>
@@ -1263,7 +1269,7 @@
             <a:fld id="{AA4D7F38-9E4B-194A-AA5A-81BF138D29E9}" type="slidenum">
               <a:rPr lang="en-US" altLang="en-US" smtClean="0"/>
               <a:pPr/>
-              <a:t>12</a:t>
+              <a:t>16</a:t>
             </a:fld>
             <a:endParaRPr lang="en-US" altLang="en-US"/>
           </a:p>
@@ -1272,7 +1278,7 @@
     </p:spTree>
     <p:extLst>
       <p:ext uri="{BB962C8B-B14F-4D97-AF65-F5344CB8AC3E}">
-        <p14:creationId xmlns:p14="http://schemas.microsoft.com/office/powerpoint/2010/main" val="3478616541"/>
+        <p14:creationId xmlns:p14="http://schemas.microsoft.com/office/powerpoint/2010/main" val="567488541"/>
       </p:ext>
     </p:extLst>
   </p:cSld>
@@ -1326,26 +1332,9 @@
           <a:bodyPr/>
           <a:lstStyle/>
           <a:p>
-            <a:pPr marL="0" marR="0" lvl="0" indent="0" algn="l" defTabSz="914400" rtl="0" eaLnBrk="0" fontAlgn="base" latinLnBrk="0" hangingPunct="0">
-              <a:lnSpc>
-                <a:spcPct val="100000"/>
-              </a:lnSpc>
-              <a:spcBef>
-                <a:spcPct val="30000"/>
-              </a:spcBef>
-              <a:spcAft>
-                <a:spcPct val="0"/>
-              </a:spcAft>
-              <a:buClrTx/>
-              <a:buSzTx/>
-              <a:buFontTx/>
-              <a:buNone/>
-              <a:tabLst/>
-              <a:defRPr/>
-            </a:pPr>
             <a:r>
               <a:rPr lang="en-US" dirty="0"/>
-              <a:t>In the conclusion, we will summarize the main findings of our project, conclude the report by discussing the significance of our findings, and discuss potential future work, such as how our project could be extended or improved.</a:t>
+              <a:t>We present the results of our experiments, including any relevant figures or tables, discuss the implications of our results, and explain whether our results support our initial hypothesis. We present the results of our models. We achieved an accuracy rate over 50%, demonstrating the potential of machine learning in understanding public sentiment towards brands based on social media content.</a:t>
             </a:r>
           </a:p>
         </p:txBody>
@@ -1368,7 +1357,7 @@
             <a:fld id="{AA4D7F38-9E4B-194A-AA5A-81BF138D29E9}" type="slidenum">
               <a:rPr lang="en-US" altLang="en-US" smtClean="0"/>
               <a:pPr/>
-              <a:t>13</a:t>
+              <a:t>17</a:t>
             </a:fld>
             <a:endParaRPr lang="en-US" altLang="en-US"/>
           </a:p>
@@ -1377,7 +1366,7 @@
     </p:spTree>
     <p:extLst>
       <p:ext uri="{BB962C8B-B14F-4D97-AF65-F5344CB8AC3E}">
-        <p14:creationId xmlns:p14="http://schemas.microsoft.com/office/powerpoint/2010/main" val="4099420831"/>
+        <p14:creationId xmlns:p14="http://schemas.microsoft.com/office/powerpoint/2010/main" val="2184831873"/>
       </p:ext>
     </p:extLst>
   </p:cSld>
@@ -1431,36 +1420,10 @@
           <a:bodyPr/>
           <a:lstStyle/>
           <a:p>
-            <a:pPr marL="0" marR="0" lvl="0" indent="0" algn="l" defTabSz="914400" rtl="0" eaLnBrk="0" fontAlgn="base" latinLnBrk="0" hangingPunct="0">
-              <a:lnSpc>
-                <a:spcPct val="100000"/>
-              </a:lnSpc>
-              <a:spcBef>
-                <a:spcPct val="30000"/>
-              </a:spcBef>
-              <a:spcAft>
-                <a:spcPct val="0"/>
-              </a:spcAft>
-              <a:buClrTx/>
-              <a:buSzTx/>
-              <a:buFontTx/>
-              <a:buNone/>
-              <a:tabLst/>
-              <a:defRPr/>
-            </a:pPr>
-            <a:r>
-              <a:rPr lang="en-US" b="0" dirty="0">
-                <a:solidFill>
-                  <a:srgbClr val="CCCCCC"/>
-                </a:solidFill>
-                <a:effectLst/>
-                <a:latin typeface="Consolas" panose="020B0609020204030204" pitchFamily="49" charset="0"/>
-              </a:rPr>
-              <a:t>Future work would generalize the model to work with other kinds of social media posts like Reddit, Facebook, or Instagram. Additionally, a future model can be multimodal and accept video, image, or audio input to provide a more comprehensive sentiment analysis of social media posts.</a:t>
-            </a:r>
-          </a:p>
-          <a:p>
-            <a:endParaRPr lang="en-US" dirty="0"/>
+            <a:r>
+              <a:rPr lang="en-US" dirty="0"/>
+              <a:t>We faced challenges such as the 'aboutness' problem, which refers to the challenge of determining the subject of the sentiment expressed in a sentence. We also encountered issues with complex sentences and ambiguous subjects.</a:t>
+            </a:r>
           </a:p>
         </p:txBody>
       </p:sp>
@@ -1482,7 +1445,7 @@
             <a:fld id="{AA4D7F38-9E4B-194A-AA5A-81BF138D29E9}" type="slidenum">
               <a:rPr lang="en-US" altLang="en-US" smtClean="0"/>
               <a:pPr/>
-              <a:t>14</a:t>
+              <a:t>18</a:t>
             </a:fld>
             <a:endParaRPr lang="en-US" altLang="en-US"/>
           </a:p>
@@ -1491,7 +1454,7 @@
     </p:spTree>
     <p:extLst>
       <p:ext uri="{BB962C8B-B14F-4D97-AF65-F5344CB8AC3E}">
-        <p14:creationId xmlns:p14="http://schemas.microsoft.com/office/powerpoint/2010/main" val="2649913412"/>
+        <p14:creationId xmlns:p14="http://schemas.microsoft.com/office/powerpoint/2010/main" val="3478616541"/>
       </p:ext>
     </p:extLst>
   </p:cSld>
@@ -1564,6 +1527,225 @@
             </a:pPr>
             <a:r>
               <a:rPr lang="en-US" dirty="0"/>
+              <a:t>In the conclusion, we will summarize the main findings of our project, conclude the report by discussing the significance of our findings, and discuss potential future work, such as how our project could be extended or improved.</a:t>
+            </a:r>
+          </a:p>
+        </p:txBody>
+      </p:sp>
+      <p:sp>
+        <p:nvSpPr>
+          <p:cNvPr id="4" name="Slide Number Placeholder 3"/>
+          <p:cNvSpPr>
+            <a:spLocks noGrp="1"/>
+          </p:cNvSpPr>
+          <p:nvPr>
+            <p:ph type="sldNum" sz="quarter" idx="5"/>
+          </p:nvPr>
+        </p:nvSpPr>
+        <p:spPr/>
+        <p:txBody>
+          <a:bodyPr/>
+          <a:lstStyle/>
+          <a:p>
+            <a:fld id="{AA4D7F38-9E4B-194A-AA5A-81BF138D29E9}" type="slidenum">
+              <a:rPr lang="en-US" altLang="en-US" smtClean="0"/>
+              <a:pPr/>
+              <a:t>19</a:t>
+            </a:fld>
+            <a:endParaRPr lang="en-US" altLang="en-US"/>
+          </a:p>
+        </p:txBody>
+      </p:sp>
+    </p:spTree>
+    <p:extLst>
+      <p:ext uri="{BB962C8B-B14F-4D97-AF65-F5344CB8AC3E}">
+        <p14:creationId xmlns:p14="http://schemas.microsoft.com/office/powerpoint/2010/main" val="4099420831"/>
+      </p:ext>
+    </p:extLst>
+  </p:cSld>
+  <p:clrMapOvr>
+    <a:masterClrMapping/>
+  </p:clrMapOvr>
+</p:notes>
+</file>
+
+<file path=ppt/notesSlides/notesSlide16.xml><?xml version="1.0" encoding="utf-8"?>
+<p:notes xmlns:a="http://schemas.openxmlformats.org/drawingml/2006/main" xmlns:r="http://schemas.openxmlformats.org/officeDocument/2006/relationships" xmlns:p="http://schemas.openxmlformats.org/presentationml/2006/main">
+  <p:cSld>
+    <p:spTree>
+      <p:nvGrpSpPr>
+        <p:cNvPr id="1" name=""/>
+        <p:cNvGrpSpPr/>
+        <p:nvPr/>
+      </p:nvGrpSpPr>
+      <p:grpSpPr>
+        <a:xfrm>
+          <a:off x="0" y="0"/>
+          <a:ext cx="0" cy="0"/>
+          <a:chOff x="0" y="0"/>
+          <a:chExt cx="0" cy="0"/>
+        </a:xfrm>
+      </p:grpSpPr>
+      <p:sp>
+        <p:nvSpPr>
+          <p:cNvPr id="2" name="Slide Image Placeholder 1"/>
+          <p:cNvSpPr>
+            <a:spLocks noGrp="1" noRot="1" noChangeAspect="1"/>
+          </p:cNvSpPr>
+          <p:nvPr>
+            <p:ph type="sldImg"/>
+          </p:nvPr>
+        </p:nvSpPr>
+        <p:spPr/>
+      </p:sp>
+      <p:sp>
+        <p:nvSpPr>
+          <p:cNvPr id="3" name="Notes Placeholder 2"/>
+          <p:cNvSpPr>
+            <a:spLocks noGrp="1"/>
+          </p:cNvSpPr>
+          <p:nvPr>
+            <p:ph type="body" idx="1"/>
+          </p:nvPr>
+        </p:nvSpPr>
+        <p:spPr/>
+        <p:txBody>
+          <a:bodyPr/>
+          <a:lstStyle/>
+          <a:p>
+            <a:pPr marL="0" marR="0" lvl="0" indent="0" algn="l" defTabSz="914400" rtl="0" eaLnBrk="0" fontAlgn="base" latinLnBrk="0" hangingPunct="0">
+              <a:lnSpc>
+                <a:spcPct val="100000"/>
+              </a:lnSpc>
+              <a:spcBef>
+                <a:spcPct val="30000"/>
+              </a:spcBef>
+              <a:spcAft>
+                <a:spcPct val="0"/>
+              </a:spcAft>
+              <a:buClrTx/>
+              <a:buSzTx/>
+              <a:buFontTx/>
+              <a:buNone/>
+              <a:tabLst/>
+              <a:defRPr/>
+            </a:pPr>
+            <a:r>
+              <a:rPr lang="en-US" b="0" dirty="0">
+                <a:solidFill>
+                  <a:srgbClr val="CCCCCC"/>
+                </a:solidFill>
+                <a:effectLst/>
+                <a:latin typeface="Consolas" panose="020B0609020204030204" pitchFamily="49" charset="0"/>
+              </a:rPr>
+              <a:t>Future work would generalize the model to work with other kinds of social media posts like Reddit, Facebook, or Instagram. Additionally, a future model can be multimodal and accept video, image, or audio input to provide a more comprehensive sentiment analysis of social media posts.</a:t>
+            </a:r>
+          </a:p>
+          <a:p>
+            <a:endParaRPr lang="en-US" dirty="0"/>
+          </a:p>
+        </p:txBody>
+      </p:sp>
+      <p:sp>
+        <p:nvSpPr>
+          <p:cNvPr id="4" name="Slide Number Placeholder 3"/>
+          <p:cNvSpPr>
+            <a:spLocks noGrp="1"/>
+          </p:cNvSpPr>
+          <p:nvPr>
+            <p:ph type="sldNum" sz="quarter" idx="5"/>
+          </p:nvPr>
+        </p:nvSpPr>
+        <p:spPr/>
+        <p:txBody>
+          <a:bodyPr/>
+          <a:lstStyle/>
+          <a:p>
+            <a:fld id="{AA4D7F38-9E4B-194A-AA5A-81BF138D29E9}" type="slidenum">
+              <a:rPr lang="en-US" altLang="en-US" smtClean="0"/>
+              <a:pPr/>
+              <a:t>20</a:t>
+            </a:fld>
+            <a:endParaRPr lang="en-US" altLang="en-US"/>
+          </a:p>
+        </p:txBody>
+      </p:sp>
+    </p:spTree>
+    <p:extLst>
+      <p:ext uri="{BB962C8B-B14F-4D97-AF65-F5344CB8AC3E}">
+        <p14:creationId xmlns:p14="http://schemas.microsoft.com/office/powerpoint/2010/main" val="2649913412"/>
+      </p:ext>
+    </p:extLst>
+  </p:cSld>
+  <p:clrMapOvr>
+    <a:masterClrMapping/>
+  </p:clrMapOvr>
+</p:notes>
+</file>
+
+<file path=ppt/notesSlides/notesSlide17.xml><?xml version="1.0" encoding="utf-8"?>
+<p:notes xmlns:a="http://schemas.openxmlformats.org/drawingml/2006/main" xmlns:r="http://schemas.openxmlformats.org/officeDocument/2006/relationships" xmlns:p="http://schemas.openxmlformats.org/presentationml/2006/main">
+  <p:cSld>
+    <p:spTree>
+      <p:nvGrpSpPr>
+        <p:cNvPr id="1" name=""/>
+        <p:cNvGrpSpPr/>
+        <p:nvPr/>
+      </p:nvGrpSpPr>
+      <p:grpSpPr>
+        <a:xfrm>
+          <a:off x="0" y="0"/>
+          <a:ext cx="0" cy="0"/>
+          <a:chOff x="0" y="0"/>
+          <a:chExt cx="0" cy="0"/>
+        </a:xfrm>
+      </p:grpSpPr>
+      <p:sp>
+        <p:nvSpPr>
+          <p:cNvPr id="2" name="Slide Image Placeholder 1"/>
+          <p:cNvSpPr>
+            <a:spLocks noGrp="1" noRot="1" noChangeAspect="1"/>
+          </p:cNvSpPr>
+          <p:nvPr>
+            <p:ph type="sldImg"/>
+          </p:nvPr>
+        </p:nvSpPr>
+        <p:spPr/>
+      </p:sp>
+      <p:sp>
+        <p:nvSpPr>
+          <p:cNvPr id="3" name="Notes Placeholder 2"/>
+          <p:cNvSpPr>
+            <a:spLocks noGrp="1"/>
+          </p:cNvSpPr>
+          <p:nvPr>
+            <p:ph type="body" idx="1"/>
+          </p:nvPr>
+        </p:nvSpPr>
+        <p:spPr/>
+        <p:txBody>
+          <a:bodyPr/>
+          <a:lstStyle/>
+          <a:p>
+            <a:pPr marL="0" marR="0" lvl="0" indent="0" algn="l" defTabSz="914400" rtl="0" eaLnBrk="0" fontAlgn="base" latinLnBrk="0" hangingPunct="0">
+              <a:lnSpc>
+                <a:spcPct val="100000"/>
+              </a:lnSpc>
+              <a:spcBef>
+                <a:spcPct val="30000"/>
+              </a:spcBef>
+              <a:spcAft>
+                <a:spcPct val="0"/>
+              </a:spcAft>
+              <a:buClrTx/>
+              <a:buSzTx/>
+              <a:buFontTx/>
+              <a:buNone/>
+              <a:tabLst/>
+              <a:defRPr/>
+            </a:pPr>
+            <a:r>
+              <a:rPr lang="en-US" dirty="0"/>
               <a:t>We would like to take a moment to express our deepest gratitude to those who have made this project possible. </a:t>
             </a:r>
             <a:r>
@@ -1651,7 +1833,7 @@
             <a:fld id="{AA4D7F38-9E4B-194A-AA5A-81BF138D29E9}" type="slidenum">
               <a:rPr lang="en-US" altLang="en-US" smtClean="0"/>
               <a:pPr/>
-              <a:t>15</a:t>
+              <a:t>21</a:t>
             </a:fld>
             <a:endParaRPr lang="en-US" altLang="en-US"/>
           </a:p>
@@ -2000,7 +2182,7 @@
           <a:p>
             <a:r>
               <a:rPr lang="en-US" dirty="0"/>
-              <a:t>We experimented with various machine learning algorithms like Naïve Bayes, Logistic Regression, Support Vector Machines, Recurrent Neural Networks, and Transformers.</a:t>
+              <a:t>We used the Sentiment140 dataset, which contains 1.6 million tweets, to train our models.</a:t>
             </a:r>
           </a:p>
         </p:txBody>
@@ -2032,7 +2214,7 @@
     </p:spTree>
     <p:extLst>
       <p:ext uri="{BB962C8B-B14F-4D97-AF65-F5344CB8AC3E}">
-        <p14:creationId xmlns:p14="http://schemas.microsoft.com/office/powerpoint/2010/main" val="3596259610"/>
+        <p14:creationId xmlns:p14="http://schemas.microsoft.com/office/powerpoint/2010/main" val="4029731157"/>
       </p:ext>
     </p:extLst>
   </p:cSld>
@@ -2088,7 +2270,7 @@
           <a:p>
             <a:r>
               <a:rPr lang="en-US" dirty="0"/>
-              <a:t>We used the Sentiment140 dataset, which contains 1.6 million tweets, to train our models.</a:t>
+              <a:t>Our methods were designed to ensure a thorough and systematic approach to the problem. It involved using at least two different types of AI and machine learning algorithms. We investigated of the analytics solution to the problem, which included aspects of experimental comparison. We also explored variable importance to understand which features were most important in making good predictions.</a:t>
             </a:r>
           </a:p>
         </p:txBody>
@@ -2120,7 +2302,7 @@
     </p:spTree>
     <p:extLst>
       <p:ext uri="{BB962C8B-B14F-4D97-AF65-F5344CB8AC3E}">
-        <p14:creationId xmlns:p14="http://schemas.microsoft.com/office/powerpoint/2010/main" val="4029731157"/>
+        <p14:creationId xmlns:p14="http://schemas.microsoft.com/office/powerpoint/2010/main" val="1177502873"/>
       </p:ext>
     </p:extLst>
   </p:cSld>
@@ -2176,7 +2358,7 @@
           <a:p>
             <a:r>
               <a:rPr lang="en-US" dirty="0"/>
-              <a:t>Our methods were designed to ensure a thorough and systematic approach to the problem. It involved using at least two different types of AI and machine learning algorithms. We investigated of the analytics solution to the problem, which included aspects of experimental comparison. We also explored variable importance to understand which features were most important in making good predictions.</a:t>
+              <a:t>In the assess stage, we analyzed the dataset and selected appropriate models based on the specific requirements of the sentiment analysis task, the characteristics of the available data, and the nature of the problem.</a:t>
             </a:r>
           </a:p>
         </p:txBody>
@@ -2208,7 +2390,7 @@
     </p:spTree>
     <p:extLst>
       <p:ext uri="{BB962C8B-B14F-4D97-AF65-F5344CB8AC3E}">
-        <p14:creationId xmlns:p14="http://schemas.microsoft.com/office/powerpoint/2010/main" val="1177502873"/>
+        <p14:creationId xmlns:p14="http://schemas.microsoft.com/office/powerpoint/2010/main" val="1097886910"/>
       </p:ext>
     </p:extLst>
   </p:cSld>
@@ -2264,7 +2446,7 @@
           <a:p>
             <a:r>
               <a:rPr lang="en-US" dirty="0"/>
-              <a:t>In the assess stage, we analyzed the dataset and selected appropriate models based on the specific requirements of the sentiment analysis task, the characteristics of the available data, and the nature of the problem.</a:t>
+              <a:t>In the development stage, we handled invalid values and discarded non-textual content. We trained our models to identify a brand and align with the sentiment expressed in a tweet, and then tuned them to improve performance.</a:t>
             </a:r>
           </a:p>
         </p:txBody>
@@ -2287,7 +2469,7 @@
             <a:fld id="{AA4D7F38-9E4B-194A-AA5A-81BF138D29E9}" type="slidenum">
               <a:rPr lang="en-US" altLang="en-US" smtClean="0"/>
               <a:pPr/>
-              <a:t>8</a:t>
+              <a:t>11</a:t>
             </a:fld>
             <a:endParaRPr lang="en-US" altLang="en-US"/>
           </a:p>
@@ -2296,7 +2478,7 @@
     </p:spTree>
     <p:extLst>
       <p:ext uri="{BB962C8B-B14F-4D97-AF65-F5344CB8AC3E}">
-        <p14:creationId xmlns:p14="http://schemas.microsoft.com/office/powerpoint/2010/main" val="1097886910"/>
+        <p14:creationId xmlns:p14="http://schemas.microsoft.com/office/powerpoint/2010/main" val="151308693"/>
       </p:ext>
     </p:extLst>
   </p:cSld>
@@ -2352,7 +2534,7 @@
           <a:p>
             <a:r>
               <a:rPr lang="en-US" dirty="0"/>
-              <a:t>In the development stage, we handled invalid values and discarded non-textual content. We trained our models to identify a brand and align with the sentiment expressed in a tweet, and then tuned them to improve performance.</a:t>
+              <a:t>We experimented with various machine learning algorithms like Naïve Bayes, Logistic Regression, Support Vector Machines, Recurrent Neural Networks, and Transformers.</a:t>
             </a:r>
           </a:p>
         </p:txBody>
@@ -2375,7 +2557,7 @@
             <a:fld id="{AA4D7F38-9E4B-194A-AA5A-81BF138D29E9}" type="slidenum">
               <a:rPr lang="en-US" altLang="en-US" smtClean="0"/>
               <a:pPr/>
-              <a:t>9</a:t>
+              <a:t>13</a:t>
             </a:fld>
             <a:endParaRPr lang="en-US" altLang="en-US"/>
           </a:p>
@@ -2384,7 +2566,7 @@
     </p:spTree>
     <p:extLst>
       <p:ext uri="{BB962C8B-B14F-4D97-AF65-F5344CB8AC3E}">
-        <p14:creationId xmlns:p14="http://schemas.microsoft.com/office/powerpoint/2010/main" val="151308693"/>
+        <p14:creationId xmlns:p14="http://schemas.microsoft.com/office/powerpoint/2010/main" val="3596259610"/>
       </p:ext>
     </p:extLst>
   </p:cSld>
@@ -2465,7 +2647,7 @@
             <a:fld id="{60E4B0F9-A7FB-5046-8EA1-145E13C1BB14}" type="datetimeFigureOut">
               <a:rPr lang="en-US" altLang="en-US"/>
               <a:pPr/>
-              <a:t>7/15/2023</a:t>
+              <a:t>8/6/23</a:t>
             </a:fld>
             <a:endParaRPr lang="en-US" altLang="en-US"/>
           </a:p>
@@ -2657,7 +2839,7 @@
             <a:fld id="{9461B8EA-79DB-F845-97F0-24C5A509848C}" type="datetimeFigureOut">
               <a:rPr lang="en-US" altLang="en-US"/>
               <a:pPr/>
-              <a:t>7/15/2023</a:t>
+              <a:t>8/6/23</a:t>
             </a:fld>
             <a:endParaRPr lang="en-US" altLang="en-US"/>
           </a:p>
@@ -3198,7 +3380,7 @@
             <a:fld id="{51040245-401E-DC4F-B046-F0C79A3107CA}" type="datetimeFigureOut">
               <a:rPr lang="en-US" altLang="en-US"/>
               <a:pPr/>
-              <a:t>7/15/2023</a:t>
+              <a:t>8/6/23</a:t>
             </a:fld>
             <a:endParaRPr lang="en-US" altLang="en-US"/>
           </a:p>
@@ -3310,7 +3492,7 @@
             <a:fld id="{B8E3EDF6-D7E0-BF42-B0B6-A092B242026B}" type="datetimeFigureOut">
               <a:rPr lang="en-US" altLang="en-US"/>
               <a:pPr/>
-              <a:t>7/15/2023</a:t>
+              <a:t>8/6/23</a:t>
             </a:fld>
             <a:endParaRPr lang="en-US" altLang="en-US"/>
           </a:p>
@@ -3435,7 +3617,7 @@
           <a:effectLst/>
           <a:extLst>
             <a:ext uri="{AF507438-7753-43e0-B8FC-AC1667EBCBE1}">
-              <a14:hiddenEffects xmlns="" xmlns:a14="http://schemas.microsoft.com/office/drawing/2010/main">
+              <a14:hiddenEffects xmlns:a14="http://schemas.microsoft.com/office/drawing/2010/main" xmlns="">
                 <a:effectLst>
                   <a:outerShdw blurRad="63500" dist="38099" dir="2700000" algn="ctr" rotWithShape="0">
                     <a:schemeClr val="bg2">
@@ -3557,7 +3739,7 @@
               </a14:hiddenLine>
             </a:ext>
             <a:ext uri="{FAA26D3D-D897-4be2-8F04-BA451C77F1D7}">
-              <ma14:placeholderFlag xmlns:ma14="http://schemas.microsoft.com/office/mac/drawingml/2011/main" xmlns="" val="1"/>
+              <ma14:placeholderFlag xmlns="" xmlns:ma14="http://schemas.microsoft.com/office/mac/drawingml/2011/main" val="1"/>
             </a:ext>
           </a:extLst>
         </p:spPr>
@@ -3646,7 +3828,7 @@
               </a14:hiddenLine>
             </a:ext>
             <a:ext uri="{FAA26D3D-D897-4be2-8F04-BA451C77F1D7}">
-              <ma14:placeholderFlag xmlns:ma14="http://schemas.microsoft.com/office/mac/drawingml/2011/main" xmlns="" val="1"/>
+              <ma14:placeholderFlag xmlns="" xmlns:ma14="http://schemas.microsoft.com/office/mac/drawingml/2011/main" val="1"/>
             </a:ext>
           </a:extLst>
         </p:spPr>
@@ -3705,7 +3887,7 @@
             <a:fld id="{482C3D94-7C5D-0846-984C-DFD8ACC0A135}" type="datetimeFigureOut">
               <a:rPr lang="en-US" altLang="en-US"/>
               <a:pPr/>
-              <a:t>7/15/2023</a:t>
+              <a:t>8/6/23</a:t>
             </a:fld>
             <a:endParaRPr lang="en-US" altLang="en-US"/>
           </a:p>
@@ -4421,7 +4603,13 @@
       </p:grpSpPr>
       <p:sp>
         <p:nvSpPr>
-          <p:cNvPr id="9217" name="Title 1"/>
+          <p:cNvPr id="2" name="Title 1">
+            <a:extLst>
+              <a:ext uri="{FF2B5EF4-FFF2-40B4-BE49-F238E27FC236}">
+                <a16:creationId xmlns:a16="http://schemas.microsoft.com/office/drawing/2014/main" id="{572BAE58-2749-8BFE-9D1D-A589DD972A11}"/>
+              </a:ext>
+            </a:extLst>
+          </p:cNvPr>
           <p:cNvSpPr>
             <a:spLocks noGrp="1"/>
           </p:cNvSpPr>
@@ -4435,17 +4623,21 @@
           <a:lstStyle/>
           <a:p>
             <a:r>
-              <a:rPr lang="en-US" altLang="en-US" dirty="0">
-                <a:ea typeface="ＭＳ Ｐゴシック" charset="-128"/>
-              </a:rPr>
-              <a:t>Third Stage: Evaluate</a:t>
-            </a:r>
-          </a:p>
-        </p:txBody>
-      </p:sp>
-      <p:sp>
-        <p:nvSpPr>
-          <p:cNvPr id="3" name="Text Placeholder 2"/>
+              <a:rPr lang="en-US" dirty="0"/>
+              <a:t>Feature Engineering</a:t>
+            </a:r>
+          </a:p>
+        </p:txBody>
+      </p:sp>
+      <p:sp>
+        <p:nvSpPr>
+          <p:cNvPr id="3" name="Text Placeholder 2">
+            <a:extLst>
+              <a:ext uri="{FF2B5EF4-FFF2-40B4-BE49-F238E27FC236}">
+                <a16:creationId xmlns:a16="http://schemas.microsoft.com/office/drawing/2014/main" id="{A80DA858-CBAD-4C31-A514-9A0809685243}"/>
+              </a:ext>
+            </a:extLst>
+          </p:cNvPr>
           <p:cNvSpPr>
             <a:spLocks noGrp="1"/>
           </p:cNvSpPr>
@@ -4453,23 +4645,11 @@
             <p:ph type="body" sz="quarter" idx="10"/>
           </p:nvPr>
         </p:nvSpPr>
-        <p:spPr>
-          <a:xfrm>
-            <a:off x="2100266" y="1947863"/>
-            <a:ext cx="7881937" cy="3776662"/>
-          </a:xfrm>
-        </p:spPr>
-        <p:txBody>
-          <a:bodyPr rtlCol="0">
-            <a:noAutofit/>
-          </a:bodyPr>
-          <a:lstStyle/>
-          <a:p>
-            <a:pPr marL="91440" indent="-91440">
-              <a:buFont typeface="Lucida Grande"/>
-              <a:buChar char=" "/>
-              <a:defRPr/>
-            </a:pPr>
+        <p:spPr/>
+        <p:txBody>
+          <a:bodyPr/>
+          <a:lstStyle/>
+          <a:p>
             <a:endParaRPr lang="en-US" dirty="0"/>
           </a:p>
         </p:txBody>
@@ -4477,7 +4657,7 @@
     </p:spTree>
     <p:extLst>
       <p:ext uri="{BB962C8B-B14F-4D97-AF65-F5344CB8AC3E}">
-        <p14:creationId xmlns:p14="http://schemas.microsoft.com/office/powerpoint/2010/main" val="943618049"/>
+        <p14:creationId xmlns:p14="http://schemas.microsoft.com/office/powerpoint/2010/main" val="2300759122"/>
       </p:ext>
     </p:extLst>
   </p:cSld>
@@ -4523,7 +4703,7 @@
               <a:rPr lang="en-US" altLang="en-US" dirty="0">
                 <a:ea typeface="ＭＳ Ｐゴシック" charset="-128"/>
               </a:rPr>
-              <a:t>Results</a:t>
+              <a:t>Second Stage: Develop</a:t>
             </a:r>
           </a:p>
         </p:txBody>
@@ -4555,6 +4735,17 @@
               <a:buChar char=" "/>
               <a:defRPr/>
             </a:pPr>
+            <a:r>
+              <a:rPr lang="en-US" dirty="0"/>
+              <a:t>TODO: Convert to title slide</a:t>
+            </a:r>
+          </a:p>
+          <a:p>
+            <a:pPr marL="91440" indent="-91440">
+              <a:buFont typeface="Lucida Grande"/>
+              <a:buChar char=" "/>
+              <a:defRPr/>
+            </a:pPr>
             <a:endParaRPr lang="en-US" dirty="0"/>
           </a:p>
         </p:txBody>
@@ -4562,7 +4753,7 @@
     </p:spTree>
     <p:extLst>
       <p:ext uri="{BB962C8B-B14F-4D97-AF65-F5344CB8AC3E}">
-        <p14:creationId xmlns:p14="http://schemas.microsoft.com/office/powerpoint/2010/main" val="3156255279"/>
+        <p14:creationId xmlns:p14="http://schemas.microsoft.com/office/powerpoint/2010/main" val="1243893798"/>
       </p:ext>
     </p:extLst>
   </p:cSld>
@@ -4591,7 +4782,13 @@
       </p:grpSpPr>
       <p:sp>
         <p:nvSpPr>
-          <p:cNvPr id="9217" name="Title 1"/>
+          <p:cNvPr id="2" name="Title 1">
+            <a:extLst>
+              <a:ext uri="{FF2B5EF4-FFF2-40B4-BE49-F238E27FC236}">
+                <a16:creationId xmlns:a16="http://schemas.microsoft.com/office/drawing/2014/main" id="{FD8F1614-9395-BF92-BD91-282762C0B2B7}"/>
+              </a:ext>
+            </a:extLst>
+          </p:cNvPr>
           <p:cNvSpPr>
             <a:spLocks noGrp="1"/>
           </p:cNvSpPr>
@@ -4605,17 +4802,21 @@
           <a:lstStyle/>
           <a:p>
             <a:r>
-              <a:rPr lang="en-US" altLang="en-US" dirty="0">
-                <a:ea typeface="ＭＳ Ｐゴシック" charset="-128"/>
-              </a:rPr>
-              <a:t>Challenges</a:t>
-            </a:r>
-          </a:p>
-        </p:txBody>
-      </p:sp>
-      <p:sp>
-        <p:nvSpPr>
-          <p:cNvPr id="3" name="Text Placeholder 2"/>
+              <a:rPr lang="en-US" dirty="0"/>
+              <a:t>Generating Synthetic Data</a:t>
+            </a:r>
+          </a:p>
+        </p:txBody>
+      </p:sp>
+      <p:sp>
+        <p:nvSpPr>
+          <p:cNvPr id="3" name="Text Placeholder 2">
+            <a:extLst>
+              <a:ext uri="{FF2B5EF4-FFF2-40B4-BE49-F238E27FC236}">
+                <a16:creationId xmlns:a16="http://schemas.microsoft.com/office/drawing/2014/main" id="{DEA276CD-90C1-B6F4-1995-CABD921DE2F6}"/>
+              </a:ext>
+            </a:extLst>
+          </p:cNvPr>
           <p:cNvSpPr>
             <a:spLocks noGrp="1"/>
           </p:cNvSpPr>
@@ -4623,31 +4824,19 @@
             <p:ph type="body" sz="quarter" idx="10"/>
           </p:nvPr>
         </p:nvSpPr>
-        <p:spPr>
-          <a:xfrm>
-            <a:off x="2100266" y="1947863"/>
-            <a:ext cx="7881937" cy="3776662"/>
-          </a:xfrm>
-        </p:spPr>
-        <p:txBody>
-          <a:bodyPr rtlCol="0">
-            <a:noAutofit/>
-          </a:bodyPr>
-          <a:lstStyle/>
-          <a:p>
-            <a:pPr marL="91440" indent="-91440">
-              <a:buFont typeface="Lucida Grande"/>
-              <a:buChar char=" "/>
-              <a:defRPr/>
-            </a:pPr>
-            <a:endParaRPr lang="en-US" dirty="0"/>
+        <p:spPr/>
+        <p:txBody>
+          <a:bodyPr/>
+          <a:lstStyle/>
+          <a:p>
+            <a:endParaRPr lang="en-US"/>
           </a:p>
         </p:txBody>
       </p:sp>
     </p:spTree>
     <p:extLst>
       <p:ext uri="{BB962C8B-B14F-4D97-AF65-F5344CB8AC3E}">
-        <p14:creationId xmlns:p14="http://schemas.microsoft.com/office/powerpoint/2010/main" val="1103107023"/>
+        <p14:creationId xmlns:p14="http://schemas.microsoft.com/office/powerpoint/2010/main" val="250569513"/>
       </p:ext>
     </p:extLst>
   </p:cSld>
@@ -4693,7 +4882,7 @@
               <a:rPr lang="en-US" altLang="en-US" dirty="0">
                 <a:ea typeface="ＭＳ Ｐゴシック" charset="-128"/>
               </a:rPr>
-              <a:t>Conclusion</a:t>
+              <a:t>Choosing Algorithms</a:t>
             </a:r>
           </a:p>
         </p:txBody>
@@ -4732,7 +4921,7 @@
     </p:spTree>
     <p:extLst>
       <p:ext uri="{BB962C8B-B14F-4D97-AF65-F5344CB8AC3E}">
-        <p14:creationId xmlns:p14="http://schemas.microsoft.com/office/powerpoint/2010/main" val="3390827187"/>
+        <p14:creationId xmlns:p14="http://schemas.microsoft.com/office/powerpoint/2010/main" val="3863883462"/>
       </p:ext>
     </p:extLst>
   </p:cSld>
@@ -4778,7 +4967,7 @@
               <a:rPr lang="en-US" altLang="en-US" dirty="0">
                 <a:ea typeface="ＭＳ Ｐゴシック" charset="-128"/>
               </a:rPr>
-              <a:t>Future Work</a:t>
+              <a:t>TBD</a:t>
             </a:r>
           </a:p>
         </p:txBody>
@@ -4810,6 +4999,14 @@
               <a:buChar char=" "/>
               <a:defRPr/>
             </a:pPr>
+            <a:r>
+              <a:rPr lang="en-US" dirty="0"/>
+              <a:t>Creating validation set to try to </a:t>
+            </a:r>
+            <a:r>
+              <a:rPr lang="en-US"/>
+              <a:t>prevent overfitting</a:t>
+            </a:r>
             <a:endParaRPr lang="en-US" dirty="0"/>
           </a:p>
         </p:txBody>
@@ -4817,7 +5014,7 @@
     </p:spTree>
     <p:extLst>
       <p:ext uri="{BB962C8B-B14F-4D97-AF65-F5344CB8AC3E}">
-        <p14:creationId xmlns:p14="http://schemas.microsoft.com/office/powerpoint/2010/main" val="1339825775"/>
+        <p14:creationId xmlns:p14="http://schemas.microsoft.com/office/powerpoint/2010/main" val="1794883364"/>
       </p:ext>
     </p:extLst>
   </p:cSld>
@@ -4863,7 +5060,7 @@
               <a:rPr lang="en-US" altLang="en-US" dirty="0">
                 <a:ea typeface="ＭＳ Ｐゴシック" charset="-128"/>
               </a:rPr>
-              <a:t>Acknowledgements</a:t>
+              <a:t>Third Stage: Evaluate</a:t>
             </a:r>
           </a:p>
         </p:txBody>
@@ -4895,6 +5092,17 @@
               <a:buChar char=" "/>
               <a:defRPr/>
             </a:pPr>
+            <a:r>
+              <a:rPr lang="en-US" dirty="0"/>
+              <a:t>TODO: Convert to title slide</a:t>
+            </a:r>
+          </a:p>
+          <a:p>
+            <a:pPr marL="91440" indent="-91440">
+              <a:buFont typeface="Lucida Grande"/>
+              <a:buChar char=" "/>
+              <a:defRPr/>
+            </a:pPr>
             <a:endParaRPr lang="en-US" dirty="0"/>
           </a:p>
         </p:txBody>
@@ -4902,7 +5110,372 @@
     </p:spTree>
     <p:extLst>
       <p:ext uri="{BB962C8B-B14F-4D97-AF65-F5344CB8AC3E}">
-        <p14:creationId xmlns:p14="http://schemas.microsoft.com/office/powerpoint/2010/main" val="3147092962"/>
+        <p14:creationId xmlns:p14="http://schemas.microsoft.com/office/powerpoint/2010/main" val="943618049"/>
+      </p:ext>
+    </p:extLst>
+  </p:cSld>
+  <p:clrMapOvr>
+    <a:masterClrMapping/>
+  </p:clrMapOvr>
+</p:sld>
+</file>
+
+<file path=ppt/slides/slide16.xml><?xml version="1.0" encoding="utf-8"?>
+<p:sld xmlns:a="http://schemas.openxmlformats.org/drawingml/2006/main" xmlns:r="http://schemas.openxmlformats.org/officeDocument/2006/relationships" xmlns:p="http://schemas.openxmlformats.org/presentationml/2006/main">
+  <p:cSld>
+    <p:spTree>
+      <p:nvGrpSpPr>
+        <p:cNvPr id="1" name=""/>
+        <p:cNvGrpSpPr/>
+        <p:nvPr/>
+      </p:nvGrpSpPr>
+      <p:grpSpPr>
+        <a:xfrm>
+          <a:off x="0" y="0"/>
+          <a:ext cx="0" cy="0"/>
+          <a:chOff x="0" y="0"/>
+          <a:chExt cx="0" cy="0"/>
+        </a:xfrm>
+      </p:grpSpPr>
+      <p:sp>
+        <p:nvSpPr>
+          <p:cNvPr id="9217" name="Title 1"/>
+          <p:cNvSpPr>
+            <a:spLocks noGrp="1"/>
+          </p:cNvSpPr>
+          <p:nvPr>
+            <p:ph type="title"/>
+          </p:nvPr>
+        </p:nvSpPr>
+        <p:spPr/>
+        <p:txBody>
+          <a:bodyPr/>
+          <a:lstStyle/>
+          <a:p>
+            <a:r>
+              <a:rPr lang="en-US" altLang="en-US" dirty="0">
+                <a:ea typeface="ＭＳ Ｐゴシック" charset="-128"/>
+              </a:rPr>
+              <a:t>Evaluating Algorithm Performance</a:t>
+            </a:r>
+          </a:p>
+        </p:txBody>
+      </p:sp>
+      <p:sp>
+        <p:nvSpPr>
+          <p:cNvPr id="3" name="Text Placeholder 2"/>
+          <p:cNvSpPr>
+            <a:spLocks noGrp="1"/>
+          </p:cNvSpPr>
+          <p:nvPr>
+            <p:ph type="body" sz="quarter" idx="10"/>
+          </p:nvPr>
+        </p:nvSpPr>
+        <p:spPr>
+          <a:xfrm>
+            <a:off x="2100266" y="1947863"/>
+            <a:ext cx="7881937" cy="3776662"/>
+          </a:xfrm>
+        </p:spPr>
+        <p:txBody>
+          <a:bodyPr rtlCol="0">
+            <a:noAutofit/>
+          </a:bodyPr>
+          <a:lstStyle/>
+          <a:p>
+            <a:pPr marL="91440" indent="-91440">
+              <a:buFont typeface="Lucida Grande"/>
+              <a:buChar char=" "/>
+              <a:defRPr/>
+            </a:pPr>
+            <a:endParaRPr lang="en-US" dirty="0"/>
+          </a:p>
+        </p:txBody>
+      </p:sp>
+    </p:spTree>
+    <p:extLst>
+      <p:ext uri="{BB962C8B-B14F-4D97-AF65-F5344CB8AC3E}">
+        <p14:creationId xmlns:p14="http://schemas.microsoft.com/office/powerpoint/2010/main" val="1803443179"/>
+      </p:ext>
+    </p:extLst>
+  </p:cSld>
+  <p:clrMapOvr>
+    <a:masterClrMapping/>
+  </p:clrMapOvr>
+</p:sld>
+</file>
+
+<file path=ppt/slides/slide17.xml><?xml version="1.0" encoding="utf-8"?>
+<p:sld xmlns:a="http://schemas.openxmlformats.org/drawingml/2006/main" xmlns:r="http://schemas.openxmlformats.org/officeDocument/2006/relationships" xmlns:p="http://schemas.openxmlformats.org/presentationml/2006/main">
+  <p:cSld>
+    <p:spTree>
+      <p:nvGrpSpPr>
+        <p:cNvPr id="1" name=""/>
+        <p:cNvGrpSpPr/>
+        <p:nvPr/>
+      </p:nvGrpSpPr>
+      <p:grpSpPr>
+        <a:xfrm>
+          <a:off x="0" y="0"/>
+          <a:ext cx="0" cy="0"/>
+          <a:chOff x="0" y="0"/>
+          <a:chExt cx="0" cy="0"/>
+        </a:xfrm>
+      </p:grpSpPr>
+      <p:sp>
+        <p:nvSpPr>
+          <p:cNvPr id="9217" name="Title 1"/>
+          <p:cNvSpPr>
+            <a:spLocks noGrp="1"/>
+          </p:cNvSpPr>
+          <p:nvPr>
+            <p:ph type="title"/>
+          </p:nvPr>
+        </p:nvSpPr>
+        <p:spPr/>
+        <p:txBody>
+          <a:bodyPr/>
+          <a:lstStyle/>
+          <a:p>
+            <a:r>
+              <a:rPr lang="en-US" altLang="en-US" dirty="0">
+                <a:ea typeface="ＭＳ Ｐゴシック" charset="-128"/>
+              </a:rPr>
+              <a:t>Results</a:t>
+            </a:r>
+          </a:p>
+        </p:txBody>
+      </p:sp>
+      <p:sp>
+        <p:nvSpPr>
+          <p:cNvPr id="3" name="Text Placeholder 2"/>
+          <p:cNvSpPr>
+            <a:spLocks noGrp="1"/>
+          </p:cNvSpPr>
+          <p:nvPr>
+            <p:ph type="body" sz="quarter" idx="10"/>
+          </p:nvPr>
+        </p:nvSpPr>
+        <p:spPr>
+          <a:xfrm>
+            <a:off x="2100266" y="1947863"/>
+            <a:ext cx="7881937" cy="3776662"/>
+          </a:xfrm>
+        </p:spPr>
+        <p:txBody>
+          <a:bodyPr rtlCol="0">
+            <a:noAutofit/>
+          </a:bodyPr>
+          <a:lstStyle/>
+          <a:p>
+            <a:pPr marL="91440" indent="-91440">
+              <a:buFont typeface="Lucida Grande"/>
+              <a:buChar char=" "/>
+              <a:defRPr/>
+            </a:pPr>
+            <a:endParaRPr lang="en-US" dirty="0"/>
+          </a:p>
+        </p:txBody>
+      </p:sp>
+    </p:spTree>
+    <p:extLst>
+      <p:ext uri="{BB962C8B-B14F-4D97-AF65-F5344CB8AC3E}">
+        <p14:creationId xmlns:p14="http://schemas.microsoft.com/office/powerpoint/2010/main" val="3156255279"/>
+      </p:ext>
+    </p:extLst>
+  </p:cSld>
+  <p:clrMapOvr>
+    <a:masterClrMapping/>
+  </p:clrMapOvr>
+</p:sld>
+</file>
+
+<file path=ppt/slides/slide18.xml><?xml version="1.0" encoding="utf-8"?>
+<p:sld xmlns:a="http://schemas.openxmlformats.org/drawingml/2006/main" xmlns:r="http://schemas.openxmlformats.org/officeDocument/2006/relationships" xmlns:p="http://schemas.openxmlformats.org/presentationml/2006/main">
+  <p:cSld>
+    <p:spTree>
+      <p:nvGrpSpPr>
+        <p:cNvPr id="1" name=""/>
+        <p:cNvGrpSpPr/>
+        <p:nvPr/>
+      </p:nvGrpSpPr>
+      <p:grpSpPr>
+        <a:xfrm>
+          <a:off x="0" y="0"/>
+          <a:ext cx="0" cy="0"/>
+          <a:chOff x="0" y="0"/>
+          <a:chExt cx="0" cy="0"/>
+        </a:xfrm>
+      </p:grpSpPr>
+      <p:sp>
+        <p:nvSpPr>
+          <p:cNvPr id="9217" name="Title 1"/>
+          <p:cNvSpPr>
+            <a:spLocks noGrp="1"/>
+          </p:cNvSpPr>
+          <p:nvPr>
+            <p:ph type="title"/>
+          </p:nvPr>
+        </p:nvSpPr>
+        <p:spPr/>
+        <p:txBody>
+          <a:bodyPr/>
+          <a:lstStyle/>
+          <a:p>
+            <a:r>
+              <a:rPr lang="en-US" altLang="en-US" dirty="0">
+                <a:ea typeface="ＭＳ Ｐゴシック" charset="-128"/>
+              </a:rPr>
+              <a:t>Challenges</a:t>
+            </a:r>
+          </a:p>
+        </p:txBody>
+      </p:sp>
+      <p:sp>
+        <p:nvSpPr>
+          <p:cNvPr id="3" name="Text Placeholder 2"/>
+          <p:cNvSpPr>
+            <a:spLocks noGrp="1"/>
+          </p:cNvSpPr>
+          <p:nvPr>
+            <p:ph type="body" sz="quarter" idx="10"/>
+          </p:nvPr>
+        </p:nvSpPr>
+        <p:spPr>
+          <a:xfrm>
+            <a:off x="2100266" y="1947863"/>
+            <a:ext cx="7881937" cy="3776662"/>
+          </a:xfrm>
+        </p:spPr>
+        <p:txBody>
+          <a:bodyPr rtlCol="0">
+            <a:noAutofit/>
+          </a:bodyPr>
+          <a:lstStyle/>
+          <a:p>
+            <a:pPr marL="91440" indent="-91440">
+              <a:buFont typeface="Lucida Grande"/>
+              <a:buChar char=" "/>
+              <a:defRPr/>
+            </a:pPr>
+            <a:r>
+              <a:rPr lang="en-US" dirty="0"/>
+              <a:t>Not enough tweets mentioning brands</a:t>
+            </a:r>
+          </a:p>
+          <a:p>
+            <a:pPr marL="91440" indent="-91440">
+              <a:buFont typeface="Lucida Grande"/>
+              <a:buChar char=" "/>
+              <a:defRPr/>
+            </a:pPr>
+            <a:r>
+              <a:rPr lang="en-US" dirty="0"/>
+              <a:t>Aboutness problem</a:t>
+            </a:r>
+          </a:p>
+          <a:p>
+            <a:pPr marL="91440" indent="-91440">
+              <a:buFont typeface="Lucida Grande"/>
+              <a:buChar char=" "/>
+              <a:defRPr/>
+            </a:pPr>
+            <a:r>
+              <a:rPr lang="en-US" dirty="0"/>
+              <a:t>Size of sentiment140 dataset</a:t>
+            </a:r>
+          </a:p>
+        </p:txBody>
+      </p:sp>
+    </p:spTree>
+    <p:extLst>
+      <p:ext uri="{BB962C8B-B14F-4D97-AF65-F5344CB8AC3E}">
+        <p14:creationId xmlns:p14="http://schemas.microsoft.com/office/powerpoint/2010/main" val="1103107023"/>
+      </p:ext>
+    </p:extLst>
+  </p:cSld>
+  <p:clrMapOvr>
+    <a:masterClrMapping/>
+  </p:clrMapOvr>
+</p:sld>
+</file>
+
+<file path=ppt/slides/slide19.xml><?xml version="1.0" encoding="utf-8"?>
+<p:sld xmlns:a="http://schemas.openxmlformats.org/drawingml/2006/main" xmlns:r="http://schemas.openxmlformats.org/officeDocument/2006/relationships" xmlns:p="http://schemas.openxmlformats.org/presentationml/2006/main">
+  <p:cSld>
+    <p:spTree>
+      <p:nvGrpSpPr>
+        <p:cNvPr id="1" name=""/>
+        <p:cNvGrpSpPr/>
+        <p:nvPr/>
+      </p:nvGrpSpPr>
+      <p:grpSpPr>
+        <a:xfrm>
+          <a:off x="0" y="0"/>
+          <a:ext cx="0" cy="0"/>
+          <a:chOff x="0" y="0"/>
+          <a:chExt cx="0" cy="0"/>
+        </a:xfrm>
+      </p:grpSpPr>
+      <p:sp>
+        <p:nvSpPr>
+          <p:cNvPr id="9217" name="Title 1"/>
+          <p:cNvSpPr>
+            <a:spLocks noGrp="1"/>
+          </p:cNvSpPr>
+          <p:nvPr>
+            <p:ph type="title"/>
+          </p:nvPr>
+        </p:nvSpPr>
+        <p:spPr/>
+        <p:txBody>
+          <a:bodyPr/>
+          <a:lstStyle/>
+          <a:p>
+            <a:r>
+              <a:rPr lang="en-US" altLang="en-US" dirty="0">
+                <a:ea typeface="ＭＳ Ｐゴシック" charset="-128"/>
+              </a:rPr>
+              <a:t>Conclusion</a:t>
+            </a:r>
+          </a:p>
+        </p:txBody>
+      </p:sp>
+      <p:sp>
+        <p:nvSpPr>
+          <p:cNvPr id="3" name="Text Placeholder 2"/>
+          <p:cNvSpPr>
+            <a:spLocks noGrp="1"/>
+          </p:cNvSpPr>
+          <p:nvPr>
+            <p:ph type="body" sz="quarter" idx="10"/>
+          </p:nvPr>
+        </p:nvSpPr>
+        <p:spPr>
+          <a:xfrm>
+            <a:off x="2100266" y="1947863"/>
+            <a:ext cx="7881937" cy="3776662"/>
+          </a:xfrm>
+        </p:spPr>
+        <p:txBody>
+          <a:bodyPr rtlCol="0">
+            <a:noAutofit/>
+          </a:bodyPr>
+          <a:lstStyle/>
+          <a:p>
+            <a:pPr marL="91440" indent="-91440">
+              <a:buFont typeface="Lucida Grande"/>
+              <a:buChar char=" "/>
+              <a:defRPr/>
+            </a:pPr>
+            <a:endParaRPr lang="en-US" dirty="0"/>
+          </a:p>
+        </p:txBody>
+      </p:sp>
+    </p:spTree>
+    <p:extLst>
+      <p:ext uri="{BB962C8B-B14F-4D97-AF65-F5344CB8AC3E}">
+        <p14:creationId xmlns:p14="http://schemas.microsoft.com/office/powerpoint/2010/main" val="3390827187"/>
       </p:ext>
     </p:extLst>
   </p:cSld>
@@ -4980,11 +5553,217 @@
               <a:buChar char=" "/>
               <a:defRPr/>
             </a:pPr>
+            <a:r>
+              <a:rPr lang="en-US" dirty="0"/>
+              <a:t>What we are doing – brand sentiment analysis</a:t>
+            </a:r>
+          </a:p>
+          <a:p>
+            <a:pPr marL="91440" indent="-91440">
+              <a:buFont typeface="Lucida Grande"/>
+              <a:buChar char=" "/>
+              <a:defRPr/>
+            </a:pPr>
+            <a:r>
+              <a:rPr lang="en-US" dirty="0"/>
+              <a:t>Why does it matter/why is it important?</a:t>
+            </a:r>
+          </a:p>
+          <a:p>
+            <a:pPr marL="91440" indent="-91440">
+              <a:buFont typeface="Lucida Grande"/>
+              <a:buChar char=" "/>
+              <a:defRPr/>
+            </a:pPr>
             <a:endParaRPr lang="en-US" dirty="0"/>
           </a:p>
         </p:txBody>
       </p:sp>
     </p:spTree>
+  </p:cSld>
+  <p:clrMapOvr>
+    <a:masterClrMapping/>
+  </p:clrMapOvr>
+</p:sld>
+</file>
+
+<file path=ppt/slides/slide20.xml><?xml version="1.0" encoding="utf-8"?>
+<p:sld xmlns:a="http://schemas.openxmlformats.org/drawingml/2006/main" xmlns:r="http://schemas.openxmlformats.org/officeDocument/2006/relationships" xmlns:p="http://schemas.openxmlformats.org/presentationml/2006/main">
+  <p:cSld>
+    <p:spTree>
+      <p:nvGrpSpPr>
+        <p:cNvPr id="1" name=""/>
+        <p:cNvGrpSpPr/>
+        <p:nvPr/>
+      </p:nvGrpSpPr>
+      <p:grpSpPr>
+        <a:xfrm>
+          <a:off x="0" y="0"/>
+          <a:ext cx="0" cy="0"/>
+          <a:chOff x="0" y="0"/>
+          <a:chExt cx="0" cy="0"/>
+        </a:xfrm>
+      </p:grpSpPr>
+      <p:sp>
+        <p:nvSpPr>
+          <p:cNvPr id="9217" name="Title 1"/>
+          <p:cNvSpPr>
+            <a:spLocks noGrp="1"/>
+          </p:cNvSpPr>
+          <p:nvPr>
+            <p:ph type="title"/>
+          </p:nvPr>
+        </p:nvSpPr>
+        <p:spPr/>
+        <p:txBody>
+          <a:bodyPr/>
+          <a:lstStyle/>
+          <a:p>
+            <a:r>
+              <a:rPr lang="en-US" altLang="en-US" dirty="0">
+                <a:ea typeface="ＭＳ Ｐゴシック" charset="-128"/>
+              </a:rPr>
+              <a:t>Future Work</a:t>
+            </a:r>
+          </a:p>
+        </p:txBody>
+      </p:sp>
+      <p:sp>
+        <p:nvSpPr>
+          <p:cNvPr id="3" name="Text Placeholder 2"/>
+          <p:cNvSpPr>
+            <a:spLocks noGrp="1"/>
+          </p:cNvSpPr>
+          <p:nvPr>
+            <p:ph type="body" sz="quarter" idx="10"/>
+          </p:nvPr>
+        </p:nvSpPr>
+        <p:spPr>
+          <a:xfrm>
+            <a:off x="2100266" y="1947863"/>
+            <a:ext cx="7881937" cy="3776662"/>
+          </a:xfrm>
+        </p:spPr>
+        <p:txBody>
+          <a:bodyPr rtlCol="0">
+            <a:noAutofit/>
+          </a:bodyPr>
+          <a:lstStyle/>
+          <a:p>
+            <a:pPr marL="91440" indent="-91440">
+              <a:buFont typeface="Lucida Grande"/>
+              <a:buChar char=" "/>
+              <a:defRPr/>
+            </a:pPr>
+            <a:r>
+              <a:rPr lang="en-US" dirty="0"/>
+              <a:t>Deduplication</a:t>
+            </a:r>
+          </a:p>
+        </p:txBody>
+      </p:sp>
+    </p:spTree>
+    <p:extLst>
+      <p:ext uri="{BB962C8B-B14F-4D97-AF65-F5344CB8AC3E}">
+        <p14:creationId xmlns:p14="http://schemas.microsoft.com/office/powerpoint/2010/main" val="1339825775"/>
+      </p:ext>
+    </p:extLst>
+  </p:cSld>
+  <p:clrMapOvr>
+    <a:masterClrMapping/>
+  </p:clrMapOvr>
+</p:sld>
+</file>
+
+<file path=ppt/slides/slide21.xml><?xml version="1.0" encoding="utf-8"?>
+<p:sld xmlns:a="http://schemas.openxmlformats.org/drawingml/2006/main" xmlns:r="http://schemas.openxmlformats.org/officeDocument/2006/relationships" xmlns:p="http://schemas.openxmlformats.org/presentationml/2006/main">
+  <p:cSld>
+    <p:spTree>
+      <p:nvGrpSpPr>
+        <p:cNvPr id="1" name=""/>
+        <p:cNvGrpSpPr/>
+        <p:nvPr/>
+      </p:nvGrpSpPr>
+      <p:grpSpPr>
+        <a:xfrm>
+          <a:off x="0" y="0"/>
+          <a:ext cx="0" cy="0"/>
+          <a:chOff x="0" y="0"/>
+          <a:chExt cx="0" cy="0"/>
+        </a:xfrm>
+      </p:grpSpPr>
+      <p:sp>
+        <p:nvSpPr>
+          <p:cNvPr id="9217" name="Title 1"/>
+          <p:cNvSpPr>
+            <a:spLocks noGrp="1"/>
+          </p:cNvSpPr>
+          <p:nvPr>
+            <p:ph type="title"/>
+          </p:nvPr>
+        </p:nvSpPr>
+        <p:spPr/>
+        <p:txBody>
+          <a:bodyPr/>
+          <a:lstStyle/>
+          <a:p>
+            <a:r>
+              <a:rPr lang="en-US" altLang="en-US" dirty="0">
+                <a:ea typeface="ＭＳ Ｐゴシック" charset="-128"/>
+              </a:rPr>
+              <a:t>Acknowledgements</a:t>
+            </a:r>
+          </a:p>
+        </p:txBody>
+      </p:sp>
+      <p:sp>
+        <p:nvSpPr>
+          <p:cNvPr id="3" name="Text Placeholder 2"/>
+          <p:cNvSpPr>
+            <a:spLocks noGrp="1"/>
+          </p:cNvSpPr>
+          <p:nvPr>
+            <p:ph type="body" sz="quarter" idx="10"/>
+          </p:nvPr>
+        </p:nvSpPr>
+        <p:spPr>
+          <a:xfrm>
+            <a:off x="2100266" y="1947863"/>
+            <a:ext cx="7881937" cy="3776662"/>
+          </a:xfrm>
+        </p:spPr>
+        <p:txBody>
+          <a:bodyPr rtlCol="0">
+            <a:noAutofit/>
+          </a:bodyPr>
+          <a:lstStyle/>
+          <a:p>
+            <a:pPr marL="91440" indent="-91440">
+              <a:buFont typeface="Lucida Grande"/>
+              <a:buChar char=" "/>
+              <a:defRPr/>
+            </a:pPr>
+            <a:r>
+              <a:rPr lang="en-US" dirty="0"/>
+              <a:t>Thank you AVB and Dr. </a:t>
+            </a:r>
+            <a:r>
+              <a:rPr lang="en-US" dirty="0" err="1"/>
+              <a:t>Tarshizi</a:t>
+            </a:r>
+            <a:r>
+              <a:rPr lang="en-US" dirty="0"/>
+              <a:t> and the University of San Diego</a:t>
+            </a:r>
+          </a:p>
+        </p:txBody>
+      </p:sp>
+    </p:spTree>
+    <p:extLst>
+      <p:ext uri="{BB962C8B-B14F-4D97-AF65-F5344CB8AC3E}">
+        <p14:creationId xmlns:p14="http://schemas.microsoft.com/office/powerpoint/2010/main" val="3147092962"/>
+      </p:ext>
+    </p:extLst>
   </p:cSld>
   <p:clrMapOvr>
     <a:masterClrMapping/>
@@ -5060,7 +5839,43 @@
               <a:buChar char=" "/>
               <a:defRPr/>
             </a:pPr>
-            <a:endParaRPr lang="en-US" dirty="0"/>
+            <a:r>
+              <a:rPr lang="en-US" dirty="0"/>
+              <a:t>For a given tweet, we want to detect in there is a brand mentioned and the sentiment towards that brand. There are two parts to this problem:</a:t>
+            </a:r>
+          </a:p>
+          <a:p>
+            <a:pPr marL="91440" indent="-91440">
+              <a:buFont typeface="Lucida Grande"/>
+              <a:buChar char=" "/>
+              <a:defRPr/>
+            </a:pPr>
+            <a:r>
+              <a:rPr lang="en-US" dirty="0"/>
+              <a:t>1. Brand Classification – classifies a brand, if one is mentioned</a:t>
+            </a:r>
+          </a:p>
+          <a:p>
+            <a:pPr marL="91440" indent="-91440">
+              <a:buFont typeface="Lucida Grande"/>
+              <a:buChar char=" "/>
+              <a:defRPr/>
+            </a:pPr>
+            <a:r>
+              <a:rPr lang="en-US" dirty="0"/>
+              <a:t>2. Sentiment Classification – classifies the sentiment of a tweet</a:t>
+            </a:r>
+          </a:p>
+          <a:p>
+            <a:pPr marL="91440" indent="-91440">
+              <a:buFont typeface="Lucida Grande"/>
+              <a:buChar char=" "/>
+              <a:defRPr/>
+            </a:pPr>
+            <a:r>
+              <a:rPr lang="en-US" dirty="0"/>
+              <a:t>Putting these together we get a brand sentiment analyzer </a:t>
+            </a:r>
           </a:p>
         </p:txBody>
       </p:sp>
@@ -5145,7 +5960,10 @@
               <a:buChar char=" "/>
               <a:defRPr/>
             </a:pPr>
-            <a:endParaRPr lang="en-US" dirty="0"/>
+            <a:r>
+              <a:rPr lang="en-US" dirty="0"/>
+              <a:t>We focused on twitter posts/tweets for this project</a:t>
+            </a:r>
           </a:p>
         </p:txBody>
       </p:sp>
@@ -5198,7 +6016,7 @@
               <a:rPr lang="en-US" altLang="en-US" dirty="0">
                 <a:ea typeface="ＭＳ Ｐゴシック" charset="-128"/>
               </a:rPr>
-              <a:t>Algorithms</a:t>
+              <a:t>Datasets</a:t>
             </a:r>
           </a:p>
         </p:txBody>
@@ -5230,14 +6048,28 @@
               <a:buChar char=" "/>
               <a:defRPr/>
             </a:pPr>
-            <a:endParaRPr lang="en-US" dirty="0"/>
+            <a:r>
+              <a:rPr lang="en-US" dirty="0"/>
+              <a:t>Sentiment140</a:t>
+            </a:r>
+          </a:p>
+          <a:p>
+            <a:pPr marL="91440" indent="-91440">
+              <a:buFont typeface="Lucida Grande"/>
+              <a:buChar char=" "/>
+              <a:defRPr/>
+            </a:pPr>
+            <a:r>
+              <a:rPr lang="en-US" dirty="0"/>
+              <a:t>Surge AI</a:t>
+            </a:r>
           </a:p>
         </p:txBody>
       </p:sp>
     </p:spTree>
     <p:extLst>
       <p:ext uri="{BB962C8B-B14F-4D97-AF65-F5344CB8AC3E}">
-        <p14:creationId xmlns:p14="http://schemas.microsoft.com/office/powerpoint/2010/main" val="3863883462"/>
+        <p14:creationId xmlns:p14="http://schemas.microsoft.com/office/powerpoint/2010/main" val="3978041919"/>
       </p:ext>
     </p:extLst>
   </p:cSld>
@@ -5283,7 +6115,7 @@
               <a:rPr lang="en-US" altLang="en-US" dirty="0">
                 <a:ea typeface="ＭＳ Ｐゴシック" charset="-128"/>
               </a:rPr>
-              <a:t>Datasets</a:t>
+              <a:t>Experimental Design</a:t>
             </a:r>
           </a:p>
         </p:txBody>
@@ -5315,6 +6147,83 @@
               <a:buChar char=" "/>
               <a:defRPr/>
             </a:pPr>
+            <a:r>
+              <a:rPr lang="en-US" dirty="0"/>
+              <a:t>TODO: Create circular flow chart of design</a:t>
+            </a:r>
+          </a:p>
+          <a:p>
+            <a:pPr marL="91440" indent="-91440">
+              <a:buFont typeface="Lucida Grande"/>
+              <a:buChar char=" "/>
+              <a:defRPr/>
+            </a:pPr>
+            <a:r>
+              <a:rPr lang="en-US" dirty="0"/>
+              <a:t>Explored the dataset</a:t>
+            </a:r>
+          </a:p>
+          <a:p>
+            <a:pPr marL="91440" indent="-91440">
+              <a:buFont typeface="Lucida Grande"/>
+              <a:buChar char=" "/>
+              <a:defRPr/>
+            </a:pPr>
+            <a:r>
+              <a:rPr lang="en-US" dirty="0"/>
+              <a:t>Performed preprocessing</a:t>
+            </a:r>
+          </a:p>
+          <a:p>
+            <a:pPr marL="91440" indent="-91440">
+              <a:buFont typeface="Lucida Grande"/>
+              <a:buChar char=" "/>
+              <a:defRPr/>
+            </a:pPr>
+            <a:r>
+              <a:rPr lang="en-US" dirty="0"/>
+              <a:t>Ensuring that the datapoints are good so that the model is optimized for performance</a:t>
+            </a:r>
+          </a:p>
+          <a:p>
+            <a:pPr marL="91440" indent="-91440">
+              <a:buFont typeface="Lucida Grande"/>
+              <a:buChar char=" "/>
+              <a:defRPr/>
+            </a:pPr>
+            <a:r>
+              <a:rPr lang="en-US" dirty="0"/>
+              <a:t>Generating Data</a:t>
+            </a:r>
+          </a:p>
+          <a:p>
+            <a:pPr marL="91440" indent="-91440">
+              <a:buFont typeface="Lucida Grande"/>
+              <a:buChar char=" "/>
+              <a:defRPr/>
+            </a:pPr>
+            <a:r>
+              <a:rPr lang="en-US" dirty="0"/>
+              <a:t>Choose models</a:t>
+            </a:r>
+          </a:p>
+          <a:p>
+            <a:pPr marL="91440" indent="-91440">
+              <a:buFont typeface="Lucida Grande"/>
+              <a:buChar char=" "/>
+              <a:defRPr/>
+            </a:pPr>
+            <a:r>
+              <a:rPr lang="en-US" dirty="0"/>
+              <a:t>evaluate/ assess </a:t>
+            </a:r>
+          </a:p>
+          <a:p>
+            <a:pPr marL="91440" indent="-91440">
+              <a:buFont typeface="Lucida Grande"/>
+              <a:buChar char=" "/>
+              <a:defRPr/>
+            </a:pPr>
             <a:endParaRPr lang="en-US" dirty="0"/>
           </a:p>
         </p:txBody>
@@ -5322,7 +6231,7 @@
     </p:spTree>
     <p:extLst>
       <p:ext uri="{BB962C8B-B14F-4D97-AF65-F5344CB8AC3E}">
-        <p14:creationId xmlns:p14="http://schemas.microsoft.com/office/powerpoint/2010/main" val="3978041919"/>
+        <p14:creationId xmlns:p14="http://schemas.microsoft.com/office/powerpoint/2010/main" val="3171744020"/>
       </p:ext>
     </p:extLst>
   </p:cSld>
@@ -5368,7 +6277,7 @@
               <a:rPr lang="en-US" altLang="en-US" dirty="0">
                 <a:ea typeface="ＭＳ Ｐゴシック" charset="-128"/>
               </a:rPr>
-              <a:t>Experimental Design</a:t>
+              <a:t>First Stage: Assess</a:t>
             </a:r>
           </a:p>
         </p:txBody>
@@ -5400,14 +6309,17 @@
               <a:buChar char=" "/>
               <a:defRPr/>
             </a:pPr>
-            <a:endParaRPr lang="en-US" dirty="0"/>
+            <a:r>
+              <a:rPr lang="en-US" dirty="0"/>
+              <a:t>TODO: Convert to title slide</a:t>
+            </a:r>
           </a:p>
         </p:txBody>
       </p:sp>
     </p:spTree>
     <p:extLst>
       <p:ext uri="{BB962C8B-B14F-4D97-AF65-F5344CB8AC3E}">
-        <p14:creationId xmlns:p14="http://schemas.microsoft.com/office/powerpoint/2010/main" val="3171744020"/>
+        <p14:creationId xmlns:p14="http://schemas.microsoft.com/office/powerpoint/2010/main" val="3011073026"/>
       </p:ext>
     </p:extLst>
   </p:cSld>
@@ -5436,7 +6348,13 @@
       </p:grpSpPr>
       <p:sp>
         <p:nvSpPr>
-          <p:cNvPr id="9217" name="Title 1"/>
+          <p:cNvPr id="2" name="Title 1">
+            <a:extLst>
+              <a:ext uri="{FF2B5EF4-FFF2-40B4-BE49-F238E27FC236}">
+                <a16:creationId xmlns:a16="http://schemas.microsoft.com/office/drawing/2014/main" id="{ACF1B337-4351-5760-E329-B093D5F013E7}"/>
+              </a:ext>
+            </a:extLst>
+          </p:cNvPr>
           <p:cNvSpPr>
             <a:spLocks noGrp="1"/>
           </p:cNvSpPr>
@@ -5450,17 +6368,21 @@
           <a:lstStyle/>
           <a:p>
             <a:r>
-              <a:rPr lang="en-US" altLang="en-US" dirty="0">
-                <a:ea typeface="ＭＳ Ｐゴシック" charset="-128"/>
-              </a:rPr>
-              <a:t>First Stage: Assess</a:t>
-            </a:r>
-          </a:p>
-        </p:txBody>
-      </p:sp>
-      <p:sp>
-        <p:nvSpPr>
-          <p:cNvPr id="3" name="Text Placeholder 2"/>
+              <a:rPr lang="en-US" dirty="0"/>
+              <a:t>Exploratory Data Analysis</a:t>
+            </a:r>
+          </a:p>
+        </p:txBody>
+      </p:sp>
+      <p:sp>
+        <p:nvSpPr>
+          <p:cNvPr id="3" name="Text Placeholder 2">
+            <a:extLst>
+              <a:ext uri="{FF2B5EF4-FFF2-40B4-BE49-F238E27FC236}">
+                <a16:creationId xmlns:a16="http://schemas.microsoft.com/office/drawing/2014/main" id="{57B0D4B8-6001-801E-D0D6-061BB4E39724}"/>
+              </a:ext>
+            </a:extLst>
+          </p:cNvPr>
           <p:cNvSpPr>
             <a:spLocks noGrp="1"/>
           </p:cNvSpPr>
@@ -5468,31 +6390,19 @@
             <p:ph type="body" sz="quarter" idx="10"/>
           </p:nvPr>
         </p:nvSpPr>
-        <p:spPr>
-          <a:xfrm>
-            <a:off x="2100266" y="1947863"/>
-            <a:ext cx="7881937" cy="3776662"/>
-          </a:xfrm>
-        </p:spPr>
-        <p:txBody>
-          <a:bodyPr rtlCol="0">
-            <a:noAutofit/>
-          </a:bodyPr>
-          <a:lstStyle/>
-          <a:p>
-            <a:pPr marL="91440" indent="-91440">
-              <a:buFont typeface="Lucida Grande"/>
-              <a:buChar char=" "/>
-              <a:defRPr/>
-            </a:pPr>
-            <a:endParaRPr lang="en-US" dirty="0"/>
+        <p:spPr/>
+        <p:txBody>
+          <a:bodyPr/>
+          <a:lstStyle/>
+          <a:p>
+            <a:endParaRPr lang="en-US"/>
           </a:p>
         </p:txBody>
       </p:sp>
     </p:spTree>
     <p:extLst>
       <p:ext uri="{BB962C8B-B14F-4D97-AF65-F5344CB8AC3E}">
-        <p14:creationId xmlns:p14="http://schemas.microsoft.com/office/powerpoint/2010/main" val="3011073026"/>
+        <p14:creationId xmlns:p14="http://schemas.microsoft.com/office/powerpoint/2010/main" val="4167620600"/>
       </p:ext>
     </p:extLst>
   </p:cSld>
@@ -5521,7 +6431,13 @@
       </p:grpSpPr>
       <p:sp>
         <p:nvSpPr>
-          <p:cNvPr id="9217" name="Title 1"/>
+          <p:cNvPr id="2" name="Title 1">
+            <a:extLst>
+              <a:ext uri="{FF2B5EF4-FFF2-40B4-BE49-F238E27FC236}">
+                <a16:creationId xmlns:a16="http://schemas.microsoft.com/office/drawing/2014/main" id="{B0E3F178-D34D-1063-7361-8BDB75584E51}"/>
+              </a:ext>
+            </a:extLst>
+          </p:cNvPr>
           <p:cNvSpPr>
             <a:spLocks noGrp="1"/>
           </p:cNvSpPr>
@@ -5535,17 +6451,21 @@
           <a:lstStyle/>
           <a:p>
             <a:r>
-              <a:rPr lang="en-US" altLang="en-US" dirty="0">
-                <a:ea typeface="ＭＳ Ｐゴシック" charset="-128"/>
-              </a:rPr>
-              <a:t>Second Stage: Develop</a:t>
-            </a:r>
-          </a:p>
-        </p:txBody>
-      </p:sp>
-      <p:sp>
-        <p:nvSpPr>
-          <p:cNvPr id="3" name="Text Placeholder 2"/>
+              <a:rPr lang="en-US" dirty="0"/>
+              <a:t>Preprocessing - NLP</a:t>
+            </a:r>
+          </a:p>
+        </p:txBody>
+      </p:sp>
+      <p:sp>
+        <p:nvSpPr>
+          <p:cNvPr id="3" name="Text Placeholder 2">
+            <a:extLst>
+              <a:ext uri="{FF2B5EF4-FFF2-40B4-BE49-F238E27FC236}">
+                <a16:creationId xmlns:a16="http://schemas.microsoft.com/office/drawing/2014/main" id="{F1EC3AB8-EEFE-6415-F962-1883A6E06CEB}"/>
+              </a:ext>
+            </a:extLst>
+          </p:cNvPr>
           <p:cNvSpPr>
             <a:spLocks noGrp="1"/>
           </p:cNvSpPr>
@@ -5553,31 +6473,19 @@
             <p:ph type="body" sz="quarter" idx="10"/>
           </p:nvPr>
         </p:nvSpPr>
-        <p:spPr>
-          <a:xfrm>
-            <a:off x="2100266" y="1947863"/>
-            <a:ext cx="7881937" cy="3776662"/>
-          </a:xfrm>
-        </p:spPr>
-        <p:txBody>
-          <a:bodyPr rtlCol="0">
-            <a:noAutofit/>
-          </a:bodyPr>
-          <a:lstStyle/>
-          <a:p>
-            <a:pPr marL="91440" indent="-91440">
-              <a:buFont typeface="Lucida Grande"/>
-              <a:buChar char=" "/>
-              <a:defRPr/>
-            </a:pPr>
-            <a:endParaRPr lang="en-US" dirty="0"/>
+        <p:spPr/>
+        <p:txBody>
+          <a:bodyPr/>
+          <a:lstStyle/>
+          <a:p>
+            <a:endParaRPr lang="en-US"/>
           </a:p>
         </p:txBody>
       </p:sp>
     </p:spTree>
     <p:extLst>
       <p:ext uri="{BB962C8B-B14F-4D97-AF65-F5344CB8AC3E}">
-        <p14:creationId xmlns:p14="http://schemas.microsoft.com/office/powerpoint/2010/main" val="1243893798"/>
+        <p14:creationId xmlns:p14="http://schemas.microsoft.com/office/powerpoint/2010/main" val="1503236287"/>
       </p:ext>
     </p:extLst>
   </p:cSld>
@@ -5891,7 +6799,7 @@
         <a:effectLst/>
         <a:extLst>
           <a:ext uri="{AF507438-7753-43e0-B8FC-AC1667EBCBE1}">
-            <a14:hiddenEffects xmlns="" xmlns:a14="http://schemas.microsoft.com/office/drawing/2010/main">
+            <a14:hiddenEffects xmlns:a14="http://schemas.microsoft.com/office/drawing/2010/main" xmlns="">
               <a:effectLst>
                 <a:outerShdw blurRad="63500" dist="38099" dir="2700000" algn="ctr" rotWithShape="0">
                   <a:schemeClr val="bg2">
@@ -5968,7 +6876,7 @@
         <a:effectLst/>
         <a:extLst>
           <a:ext uri="{AF507438-7753-43e0-B8FC-AC1667EBCBE1}">
-            <a14:hiddenEffects xmlns="" xmlns:a14="http://schemas.microsoft.com/office/drawing/2010/main">
+            <a14:hiddenEffects xmlns:a14="http://schemas.microsoft.com/office/drawing/2010/main" xmlns="">
               <a:effectLst>
                 <a:outerShdw blurRad="63500" dist="38099" dir="2700000" algn="ctr" rotWithShape="0">
                   <a:schemeClr val="bg2">

--- a/Final-Project-Team-2.pptx
+++ b/Final-Project-Team-2.pptx
@@ -182,9 +182,51 @@
 <file path=ppt/revisionInfo.xml><?xml version="1.0" encoding="utf-8"?>
 <p1510:revInfo xmlns:a="http://schemas.openxmlformats.org/drawingml/2006/main" xmlns:r="http://schemas.openxmlformats.org/officeDocument/2006/relationships" xmlns:p1510="http://schemas.microsoft.com/office/powerpoint/2015/10/main">
   <p1510:revLst>
-    <p1510:client id="{682874C9-A3CE-486A-81EA-107CC5A13A85}" v="19" dt="2023-07-15T09:58:45.085"/>
+    <p1510:client id="{9C813817-CFC9-4E2E-BF18-A1BFFBFD1F31}" v="1" dt="2023-08-08T08:37:37.866"/>
   </p1510:revLst>
 </p1510:revInfo>
+</file>
+
+<file path=ppt/changesInfos/changesInfo1.xml><?xml version="1.0" encoding="utf-8"?>
+<pc:chgInfo xmlns:a="http://schemas.openxmlformats.org/drawingml/2006/main" xmlns:r="http://schemas.openxmlformats.org/officeDocument/2006/relationships" xmlns:ac="http://schemas.microsoft.com/office/drawing/2013/main/command" xmlns:pc="http://schemas.microsoft.com/office/powerpoint/2013/main/command">
+  <pc:docChgLst>
+    <pc:chgData name="John D" userId="1cefe769efc9e99e" providerId="LiveId" clId="{9C813817-CFC9-4E2E-BF18-A1BFFBFD1F31}"/>
+    <pc:docChg chg="undo custSel modSld">
+      <pc:chgData name="John D" userId="1cefe769efc9e99e" providerId="LiveId" clId="{9C813817-CFC9-4E2E-BF18-A1BFFBFD1F31}" dt="2023-08-08T08:40:42.377" v="34" actId="6549"/>
+      <pc:docMkLst>
+        <pc:docMk/>
+      </pc:docMkLst>
+      <pc:sldChg chg="modNotesTx">
+        <pc:chgData name="John D" userId="1cefe769efc9e99e" providerId="LiveId" clId="{9C813817-CFC9-4E2E-BF18-A1BFFBFD1F31}" dt="2023-08-08T08:37:08.343" v="7"/>
+        <pc:sldMkLst>
+          <pc:docMk/>
+          <pc:sldMk cId="0" sldId="257"/>
+        </pc:sldMkLst>
+      </pc:sldChg>
+      <pc:sldChg chg="modNotesTx">
+        <pc:chgData name="John D" userId="1cefe769efc9e99e" providerId="LiveId" clId="{9C813817-CFC9-4E2E-BF18-A1BFFBFD1F31}" dt="2023-08-08T08:37:09.817" v="8"/>
+        <pc:sldMkLst>
+          <pc:docMk/>
+          <pc:sldMk cId="226194277" sldId="259"/>
+        </pc:sldMkLst>
+      </pc:sldChg>
+      <pc:sldChg chg="modNotesTx">
+        <pc:chgData name="John D" userId="1cefe769efc9e99e" providerId="LiveId" clId="{9C813817-CFC9-4E2E-BF18-A1BFFBFD1F31}" dt="2023-08-08T08:37:20.247" v="9"/>
+        <pc:sldMkLst>
+          <pc:docMk/>
+          <pc:sldMk cId="1429123797" sldId="260"/>
+        </pc:sldMkLst>
+      </pc:sldChg>
+      <pc:sldChg chg="modNotesTx">
+        <pc:chgData name="John D" userId="1cefe769efc9e99e" providerId="LiveId" clId="{9C813817-CFC9-4E2E-BF18-A1BFFBFD1F31}" dt="2023-08-08T08:40:42.377" v="34" actId="6549"/>
+        <pc:sldMkLst>
+          <pc:docMk/>
+          <pc:sldMk cId="3978041919" sldId="262"/>
+        </pc:sldMkLst>
+      </pc:sldChg>
+    </pc:docChg>
+  </pc:docChgLst>
+</pc:chgInfo>
 </file>
 
 <file path=ppt/handoutMasters/handoutMaster1.xml><?xml version="1.0" encoding="utf-8"?>
@@ -280,7 +322,7 @@
             <a:fld id="{3CB42547-1216-8745-B61E-1644CC83EEDE}" type="datetimeFigureOut">
               <a:rPr lang="en-US" altLang="en-US"/>
               <a:pPr/>
-              <a:t>8/6/23</a:t>
+              <a:t>8/8/2023</a:t>
             </a:fld>
             <a:endParaRPr lang="en-US" altLang="en-US"/>
           </a:p>
@@ -423,17 +465,17 @@
           </a:ln>
           <a:extLst>
             <a:ext uri="{FAA26D3D-D897-4be2-8F04-BA451C77F1D7}">
-              <ma14:placeholderFlag xmlns="" xmlns:ma14="http://schemas.microsoft.com/office/mac/drawingml/2011/main" val="1"/>
+              <ma14:placeholderFlag xmlns:ma14="http://schemas.microsoft.com/office/mac/drawingml/2011/main" xmlns="" val="1"/>
             </a:ext>
             <a:ext uri="{909E8E84-426E-40dd-AFC4-6F175D3DCCD1}">
-              <a14:hiddenFill xmlns:a14="http://schemas.microsoft.com/office/drawing/2010/main" xmlns="">
+              <a14:hiddenFill xmlns="" xmlns:a14="http://schemas.microsoft.com/office/drawing/2010/main">
                 <a:solidFill>
                   <a:schemeClr val="accent1"/>
                 </a:solidFill>
               </a14:hiddenFill>
             </a:ext>
             <a:ext uri="{91240B29-F687-4f45-9708-019B960494DF}">
-              <a14:hiddenLine xmlns:a14="http://schemas.microsoft.com/office/drawing/2010/main" xmlns="" w="9525">
+              <a14:hiddenLine xmlns="" xmlns:a14="http://schemas.microsoft.com/office/drawing/2010/main" w="9525">
                 <a:solidFill>
                   <a:schemeClr val="tx1"/>
                 </a:solidFill>
@@ -490,17 +532,17 @@
           </a:ln>
           <a:extLst>
             <a:ext uri="{FAA26D3D-D897-4be2-8F04-BA451C77F1D7}">
-              <ma14:placeholderFlag xmlns="" xmlns:ma14="http://schemas.microsoft.com/office/mac/drawingml/2011/main" val="1"/>
+              <ma14:placeholderFlag xmlns:ma14="http://schemas.microsoft.com/office/mac/drawingml/2011/main" xmlns="" val="1"/>
             </a:ext>
             <a:ext uri="{909E8E84-426E-40dd-AFC4-6F175D3DCCD1}">
-              <a14:hiddenFill xmlns:a14="http://schemas.microsoft.com/office/drawing/2010/main" xmlns="">
+              <a14:hiddenFill xmlns="" xmlns:a14="http://schemas.microsoft.com/office/drawing/2010/main">
                 <a:solidFill>
                   <a:schemeClr val="accent1"/>
                 </a:solidFill>
               </a14:hiddenFill>
             </a:ext>
             <a:ext uri="{91240B29-F687-4f45-9708-019B960494DF}">
-              <a14:hiddenLine xmlns:a14="http://schemas.microsoft.com/office/drawing/2010/main" xmlns="" w="9525">
+              <a14:hiddenLine xmlns="" xmlns:a14="http://schemas.microsoft.com/office/drawing/2010/main" w="9525">
                 <a:solidFill>
                   <a:schemeClr val="tx1"/>
                 </a:solidFill>
@@ -563,7 +605,7 @@
           <a:effectLst/>
           <a:extLst>
             <a:ext uri="{AF507438-7753-43e0-B8FC-AC1667EBCBE1}">
-              <a14:hiddenEffects xmlns:a14="http://schemas.microsoft.com/office/drawing/2010/main" xmlns="">
+              <a14:hiddenEffects xmlns="" xmlns:a14="http://schemas.microsoft.com/office/drawing/2010/main">
                 <a:effectLst>
                   <a:outerShdw blurRad="63500" dist="38099" dir="2700000" algn="ctr" rotWithShape="0">
                     <a:srgbClr val="000000">
@@ -574,7 +616,7 @@
               </a14:hiddenEffects>
             </a:ext>
             <a:ext uri="{53640926-AAD7-44d8-BBD7-CCE9431645EC}">
-              <a14:shadowObscured xmlns:a14="http://schemas.microsoft.com/office/drawing/2010/main" xmlns="" val="1"/>
+              <a14:shadowObscured xmlns="" xmlns:a14="http://schemas.microsoft.com/office/drawing/2010/main" val="1"/>
             </a:ext>
           </a:extLst>
         </p:spPr>
@@ -603,17 +645,17 @@
           </a:ln>
           <a:extLst>
             <a:ext uri="{FAA26D3D-D897-4be2-8F04-BA451C77F1D7}">
-              <ma14:placeholderFlag xmlns="" xmlns:ma14="http://schemas.microsoft.com/office/mac/drawingml/2011/main" val="1"/>
+              <ma14:placeholderFlag xmlns:ma14="http://schemas.microsoft.com/office/mac/drawingml/2011/main" xmlns="" val="1"/>
             </a:ext>
             <a:ext uri="{909E8E84-426E-40dd-AFC4-6F175D3DCCD1}">
-              <a14:hiddenFill xmlns:a14="http://schemas.microsoft.com/office/drawing/2010/main" xmlns="">
+              <a14:hiddenFill xmlns="" xmlns:a14="http://schemas.microsoft.com/office/drawing/2010/main">
                 <a:solidFill>
                   <a:schemeClr val="accent1"/>
                 </a:solidFill>
               </a14:hiddenFill>
             </a:ext>
             <a:ext uri="{91240B29-F687-4f45-9708-019B960494DF}">
-              <a14:hiddenLine xmlns:a14="http://schemas.microsoft.com/office/drawing/2010/main" xmlns="" w="9525">
+              <a14:hiddenLine xmlns="" xmlns:a14="http://schemas.microsoft.com/office/drawing/2010/main" w="9525">
                 <a:solidFill>
                   <a:schemeClr val="tx1"/>
                 </a:solidFill>
@@ -692,17 +734,17 @@
           </a:ln>
           <a:extLst>
             <a:ext uri="{FAA26D3D-D897-4be2-8F04-BA451C77F1D7}">
-              <ma14:placeholderFlag xmlns="" xmlns:ma14="http://schemas.microsoft.com/office/mac/drawingml/2011/main" val="1"/>
+              <ma14:placeholderFlag xmlns:ma14="http://schemas.microsoft.com/office/mac/drawingml/2011/main" xmlns="" val="1"/>
             </a:ext>
             <a:ext uri="{909E8E84-426E-40dd-AFC4-6F175D3DCCD1}">
-              <a14:hiddenFill xmlns:a14="http://schemas.microsoft.com/office/drawing/2010/main" xmlns="">
+              <a14:hiddenFill xmlns="" xmlns:a14="http://schemas.microsoft.com/office/drawing/2010/main">
                 <a:solidFill>
                   <a:schemeClr val="accent1"/>
                 </a:solidFill>
               </a14:hiddenFill>
             </a:ext>
             <a:ext uri="{91240B29-F687-4f45-9708-019B960494DF}">
-              <a14:hiddenLine xmlns:a14="http://schemas.microsoft.com/office/drawing/2010/main" xmlns="" w="9525">
+              <a14:hiddenLine xmlns="" xmlns:a14="http://schemas.microsoft.com/office/drawing/2010/main" w="9525">
                 <a:solidFill>
                   <a:schemeClr val="tx1"/>
                 </a:solidFill>
@@ -759,17 +801,17 @@
           </a:ln>
           <a:extLst>
             <a:ext uri="{FAA26D3D-D897-4be2-8F04-BA451C77F1D7}">
-              <ma14:placeholderFlag xmlns="" xmlns:ma14="http://schemas.microsoft.com/office/mac/drawingml/2011/main" val="1"/>
+              <ma14:placeholderFlag xmlns:ma14="http://schemas.microsoft.com/office/mac/drawingml/2011/main" xmlns="" val="1"/>
             </a:ext>
             <a:ext uri="{909E8E84-426E-40dd-AFC4-6F175D3DCCD1}">
-              <a14:hiddenFill xmlns:a14="http://schemas.microsoft.com/office/drawing/2010/main" xmlns="">
+              <a14:hiddenFill xmlns="" xmlns:a14="http://schemas.microsoft.com/office/drawing/2010/main">
                 <a:solidFill>
                   <a:schemeClr val="accent1"/>
                 </a:solidFill>
               </a14:hiddenFill>
             </a:ext>
             <a:ext uri="{91240B29-F687-4f45-9708-019B960494DF}">
-              <a14:hiddenLine xmlns:a14="http://schemas.microsoft.com/office/drawing/2010/main" xmlns="" w="9525">
+              <a14:hiddenLine xmlns="" xmlns:a14="http://schemas.microsoft.com/office/drawing/2010/main" w="9525">
                 <a:solidFill>
                   <a:schemeClr val="tx1"/>
                 </a:solidFill>
@@ -1897,9 +1939,16 @@
           <a:lstStyle/>
           <a:p>
             <a:r>
-              <a:rPr lang="en-US" dirty="0"/>
-              <a:t>Our team has worked diligently to develop a system that leverages AI to understand public sentiment towards brands based on Twitter posts.</a:t>
-            </a:r>
+              <a:rPr lang="en-US" b="0" i="0">
+                <a:solidFill>
+                  <a:srgbClr val="1C1917"/>
+                </a:solidFill>
+                <a:effectLst/>
+                <a:latin typeface="-apple-system"/>
+              </a:rPr>
+              <a:t>We perform brand sentiment analysis on Twitter posts. Brand sentiment analysis involves identifying brand mentions in text and determining the sentiment towards those brands.</a:t>
+            </a:r>
+            <a:endParaRPr lang="en-US" dirty="0"/>
           </a:p>
         </p:txBody>
       </p:sp>
@@ -2002,11 +2051,15 @@
               <a:defRPr/>
             </a:pPr>
             <a:r>
-              <a:rPr lang="en-US" dirty="0"/>
-              <a:t>We build two models. The first model is a Brand Classifier that predicts whether a Twitter post expresses a brand. The second model is a Brand Sentiment Analyzer that predicts the sentiment of a Twitter post towards a brand.</a:t>
-            </a:r>
-          </a:p>
-          <a:p>
+              <a:rPr lang="en-US" b="0" i="0" dirty="0">
+                <a:solidFill>
+                  <a:srgbClr val="1C1917"/>
+                </a:solidFill>
+                <a:effectLst/>
+                <a:latin typeface="-apple-system"/>
+              </a:rPr>
+              <a:t>The problem we aim to solve is detecting if a given tweet mentions a brand, and if so, classifying the sentiment of the tweet towards that brand as positive, negative or neutral. We break this down into two models - a Brand Classifier and a Sentiment Classifier.</a:t>
+            </a:r>
             <a:endParaRPr lang="en-US" dirty="0"/>
           </a:p>
         </p:txBody>
@@ -2093,9 +2146,16 @@
           <a:lstStyle/>
           <a:p>
             <a:r>
-              <a:rPr lang="en-US" dirty="0"/>
-              <a:t>The models are trained on Twitter posts and will be scoped to only classify posts from Twitter and will not classify posts from other social media sites like Facebook, Instagram, or Reddit. The models will also process only textual data and will discard inputs with images, videos, or audio clips.</a:t>
-            </a:r>
+              <a:rPr lang="en-US" b="0" i="0" dirty="0">
+                <a:solidFill>
+                  <a:srgbClr val="1C1917"/>
+                </a:solidFill>
+                <a:effectLst/>
+                <a:latin typeface="-apple-system"/>
+              </a:rPr>
+              <a:t>Our project focuses specifically on analyzing tweets from Twitter for brand mentions and associated sentiment.</a:t>
+            </a:r>
+            <a:endParaRPr lang="en-US" dirty="0"/>
           </a:p>
         </p:txBody>
       </p:sp>
@@ -2181,9 +2241,119 @@
           <a:lstStyle/>
           <a:p>
             <a:r>
-              <a:rPr lang="en-US" dirty="0"/>
-              <a:t>We used the Sentiment140 dataset, which contains 1.6 million tweets, to train our models.</a:t>
-            </a:r>
+              <a:rPr lang="en-US" b="0" i="0" dirty="0">
+                <a:solidFill>
+                  <a:srgbClr val="1C1917"/>
+                </a:solidFill>
+                <a:effectLst/>
+                <a:latin typeface="-apple-system"/>
+              </a:rPr>
+              <a:t>In the field of sentiment analysis, two key datasets are the Sentiment140 dataset and the </a:t>
+            </a:r>
+            <a:r>
+              <a:rPr lang="en-US" b="0" i="0" dirty="0" err="1">
+                <a:solidFill>
+                  <a:srgbClr val="1C1917"/>
+                </a:solidFill>
+                <a:effectLst/>
+                <a:latin typeface="-apple-system"/>
+              </a:rPr>
+              <a:t>SurgeAI</a:t>
+            </a:r>
+            <a:r>
+              <a:rPr lang="en-US" b="0" i="0" dirty="0">
+                <a:solidFill>
+                  <a:srgbClr val="1C1917"/>
+                </a:solidFill>
+                <a:effectLst/>
+                <a:latin typeface="-apple-system"/>
+              </a:rPr>
+              <a:t> Brand Sentiment dataset.</a:t>
+            </a:r>
+          </a:p>
+          <a:p>
+            <a:endParaRPr lang="en-US" b="0" i="0" dirty="0">
+              <a:solidFill>
+                <a:srgbClr val="1C1917"/>
+              </a:solidFill>
+              <a:effectLst/>
+              <a:latin typeface="-apple-system"/>
+            </a:endParaRPr>
+          </a:p>
+          <a:p>
+            <a:r>
+              <a:rPr lang="en-US" b="0" i="0" dirty="0">
+                <a:solidFill>
+                  <a:srgbClr val="1C1917"/>
+                </a:solidFill>
+                <a:effectLst/>
+                <a:latin typeface="-apple-system"/>
+              </a:rPr>
+              <a:t>The Sentiment140 dataset, developed by Stanford researchers, is a comprehensive collection of 1.6 million tweets. Each tweet is annotated with a sentiment polarity - 0 indicating negative sentiment and 4 indicating positive sentiment. This large and diverse dataset is particularly useful for training robust machine learning models for sentiment analysis.</a:t>
+            </a:r>
+          </a:p>
+          <a:p>
+            <a:endParaRPr lang="en-US" b="0" i="0" dirty="0">
+              <a:solidFill>
+                <a:srgbClr val="1C1917"/>
+              </a:solidFill>
+              <a:effectLst/>
+              <a:latin typeface="-apple-system"/>
+            </a:endParaRPr>
+          </a:p>
+          <a:p>
+            <a:r>
+              <a:rPr lang="en-US" b="0" i="0" dirty="0">
+                <a:solidFill>
+                  <a:srgbClr val="1C1917"/>
+                </a:solidFill>
+                <a:effectLst/>
+                <a:latin typeface="-apple-system"/>
+              </a:rPr>
+              <a:t>On the other hand, the </a:t>
+            </a:r>
+            <a:r>
+              <a:rPr lang="en-US" b="0" i="0" dirty="0" err="1">
+                <a:solidFill>
+                  <a:srgbClr val="1C1917"/>
+                </a:solidFill>
+                <a:effectLst/>
+                <a:latin typeface="-apple-system"/>
+              </a:rPr>
+              <a:t>SurgeAI</a:t>
+            </a:r>
+            <a:r>
+              <a:rPr lang="en-US" b="0" i="0" dirty="0">
+                <a:solidFill>
+                  <a:srgbClr val="1C1917"/>
+                </a:solidFill>
+                <a:effectLst/>
+                <a:latin typeface="-apple-system"/>
+              </a:rPr>
+              <a:t> Brand Sentiment dataset is a curated collection of over 600 tweets that provide insights into public opinions about global brands like Nike, Tesla, and Chick-fil-A. Each tweet in this dataset is labeled with sentiment scores, making it a valuable resource for tasks such as brand monitoring, sentiment analysis, and understanding consumer trends.</a:t>
+            </a:r>
+          </a:p>
+          <a:p>
+            <a:endParaRPr lang="en-US" b="0" i="0" dirty="0">
+              <a:solidFill>
+                <a:srgbClr val="1C1917"/>
+              </a:solidFill>
+              <a:effectLst/>
+              <a:latin typeface="-apple-system"/>
+            </a:endParaRPr>
+          </a:p>
+          <a:p>
+            <a:r>
+              <a:rPr lang="en-US" b="0" i="0" dirty="0">
+                <a:solidFill>
+                  <a:srgbClr val="1C1917"/>
+                </a:solidFill>
+                <a:effectLst/>
+                <a:latin typeface="-apple-system"/>
+              </a:rPr>
+              <a:t>Both these datasets offer unique opportunities for data scientists and researchers. They provide a wealth of information to train models that can accurately gauge public sentiment based on tweet content, each with their own unique focus and application.</a:t>
+            </a:r>
+            <a:endParaRPr lang="en-US" dirty="0"/>
           </a:p>
         </p:txBody>
       </p:sp>
@@ -2647,7 +2817,7 @@
             <a:fld id="{60E4B0F9-A7FB-5046-8EA1-145E13C1BB14}" type="datetimeFigureOut">
               <a:rPr lang="en-US" altLang="en-US"/>
               <a:pPr/>
-              <a:t>8/6/23</a:t>
+              <a:t>8/8/2023</a:t>
             </a:fld>
             <a:endParaRPr lang="en-US" altLang="en-US"/>
           </a:p>
@@ -2839,7 +3009,7 @@
             <a:fld id="{9461B8EA-79DB-F845-97F0-24C5A509848C}" type="datetimeFigureOut">
               <a:rPr lang="en-US" altLang="en-US"/>
               <a:pPr/>
-              <a:t>8/6/23</a:t>
+              <a:t>8/8/2023</a:t>
             </a:fld>
             <a:endParaRPr lang="en-US" altLang="en-US"/>
           </a:p>
@@ -3380,7 +3550,7 @@
             <a:fld id="{51040245-401E-DC4F-B046-F0C79A3107CA}" type="datetimeFigureOut">
               <a:rPr lang="en-US" altLang="en-US"/>
               <a:pPr/>
-              <a:t>8/6/23</a:t>
+              <a:t>8/8/2023</a:t>
             </a:fld>
             <a:endParaRPr lang="en-US" altLang="en-US"/>
           </a:p>
@@ -3492,7 +3662,7 @@
             <a:fld id="{B8E3EDF6-D7E0-BF42-B0B6-A092B242026B}" type="datetimeFigureOut">
               <a:rPr lang="en-US" altLang="en-US"/>
               <a:pPr/>
-              <a:t>8/6/23</a:t>
+              <a:t>8/8/2023</a:t>
             </a:fld>
             <a:endParaRPr lang="en-US" altLang="en-US"/>
           </a:p>
@@ -3617,7 +3787,7 @@
           <a:effectLst/>
           <a:extLst>
             <a:ext uri="{AF507438-7753-43e0-B8FC-AC1667EBCBE1}">
-              <a14:hiddenEffects xmlns:a14="http://schemas.microsoft.com/office/drawing/2010/main" xmlns="">
+              <a14:hiddenEffects xmlns="" xmlns:a14="http://schemas.microsoft.com/office/drawing/2010/main">
                 <a:effectLst>
                   <a:outerShdw blurRad="63500" dist="38099" dir="2700000" algn="ctr" rotWithShape="0">
                     <a:schemeClr val="bg2">
@@ -3739,7 +3909,7 @@
               </a14:hiddenLine>
             </a:ext>
             <a:ext uri="{FAA26D3D-D897-4be2-8F04-BA451C77F1D7}">
-              <ma14:placeholderFlag xmlns="" xmlns:ma14="http://schemas.microsoft.com/office/mac/drawingml/2011/main" val="1"/>
+              <ma14:placeholderFlag xmlns:ma14="http://schemas.microsoft.com/office/mac/drawingml/2011/main" xmlns="" val="1"/>
             </a:ext>
           </a:extLst>
         </p:spPr>
@@ -3828,7 +3998,7 @@
               </a14:hiddenLine>
             </a:ext>
             <a:ext uri="{FAA26D3D-D897-4be2-8F04-BA451C77F1D7}">
-              <ma14:placeholderFlag xmlns="" xmlns:ma14="http://schemas.microsoft.com/office/mac/drawingml/2011/main" val="1"/>
+              <ma14:placeholderFlag xmlns:ma14="http://schemas.microsoft.com/office/mac/drawingml/2011/main" xmlns="" val="1"/>
             </a:ext>
           </a:extLst>
         </p:spPr>
@@ -3887,7 +4057,7 @@
             <a:fld id="{482C3D94-7C5D-0846-984C-DFD8ACC0A135}" type="datetimeFigureOut">
               <a:rPr lang="en-US" altLang="en-US"/>
               <a:pPr/>
-              <a:t>8/6/23</a:t>
+              <a:t>8/8/2023</a:t>
             </a:fld>
             <a:endParaRPr lang="en-US" altLang="en-US"/>
           </a:p>
@@ -6799,7 +6969,7 @@
         <a:effectLst/>
         <a:extLst>
           <a:ext uri="{AF507438-7753-43e0-B8FC-AC1667EBCBE1}">
-            <a14:hiddenEffects xmlns:a14="http://schemas.microsoft.com/office/drawing/2010/main" xmlns="">
+            <a14:hiddenEffects xmlns="" xmlns:a14="http://schemas.microsoft.com/office/drawing/2010/main">
               <a:effectLst>
                 <a:outerShdw blurRad="63500" dist="38099" dir="2700000" algn="ctr" rotWithShape="0">
                   <a:schemeClr val="bg2">
@@ -6876,7 +7046,7 @@
         <a:effectLst/>
         <a:extLst>
           <a:ext uri="{AF507438-7753-43e0-B8FC-AC1667EBCBE1}">
-            <a14:hiddenEffects xmlns:a14="http://schemas.microsoft.com/office/drawing/2010/main" xmlns="">
+            <a14:hiddenEffects xmlns="" xmlns:a14="http://schemas.microsoft.com/office/drawing/2010/main">
               <a:effectLst>
                 <a:outerShdw blurRad="63500" dist="38099" dir="2700000" algn="ctr" rotWithShape="0">
                   <a:schemeClr val="bg2">

--- a/Final-Project-Team-2.pptx
+++ b/Final-Project-Team-2.pptx
@@ -322,7 +322,7 @@
             <a:fld id="{3CB42547-1216-8745-B61E-1644CC83EEDE}" type="datetimeFigureOut">
               <a:rPr lang="en-US" altLang="en-US"/>
               <a:pPr/>
-              <a:t>8/8/2023</a:t>
+              <a:t>8/10/2023</a:t>
             </a:fld>
             <a:endParaRPr lang="en-US" altLang="en-US"/>
           </a:p>
@@ -465,17 +465,17 @@
           </a:ln>
           <a:extLst>
             <a:ext uri="{FAA26D3D-D897-4be2-8F04-BA451C77F1D7}">
-              <ma14:placeholderFlag xmlns:ma14="http://schemas.microsoft.com/office/mac/drawingml/2011/main" xmlns="" val="1"/>
+              <ma14:placeholderFlag xmlns="" xmlns:ma14="http://schemas.microsoft.com/office/mac/drawingml/2011/main" val="1"/>
             </a:ext>
             <a:ext uri="{909E8E84-426E-40dd-AFC4-6F175D3DCCD1}">
-              <a14:hiddenFill xmlns="" xmlns:a14="http://schemas.microsoft.com/office/drawing/2010/main">
+              <a14:hiddenFill xmlns:a14="http://schemas.microsoft.com/office/drawing/2010/main" xmlns="">
                 <a:solidFill>
                   <a:schemeClr val="accent1"/>
                 </a:solidFill>
               </a14:hiddenFill>
             </a:ext>
             <a:ext uri="{91240B29-F687-4f45-9708-019B960494DF}">
-              <a14:hiddenLine xmlns="" xmlns:a14="http://schemas.microsoft.com/office/drawing/2010/main" w="9525">
+              <a14:hiddenLine xmlns:a14="http://schemas.microsoft.com/office/drawing/2010/main" xmlns="" w="9525">
                 <a:solidFill>
                   <a:schemeClr val="tx1"/>
                 </a:solidFill>
@@ -532,17 +532,17 @@
           </a:ln>
           <a:extLst>
             <a:ext uri="{FAA26D3D-D897-4be2-8F04-BA451C77F1D7}">
-              <ma14:placeholderFlag xmlns:ma14="http://schemas.microsoft.com/office/mac/drawingml/2011/main" xmlns="" val="1"/>
+              <ma14:placeholderFlag xmlns="" xmlns:ma14="http://schemas.microsoft.com/office/mac/drawingml/2011/main" val="1"/>
             </a:ext>
             <a:ext uri="{909E8E84-426E-40dd-AFC4-6F175D3DCCD1}">
-              <a14:hiddenFill xmlns="" xmlns:a14="http://schemas.microsoft.com/office/drawing/2010/main">
+              <a14:hiddenFill xmlns:a14="http://schemas.microsoft.com/office/drawing/2010/main" xmlns="">
                 <a:solidFill>
                   <a:schemeClr val="accent1"/>
                 </a:solidFill>
               </a14:hiddenFill>
             </a:ext>
             <a:ext uri="{91240B29-F687-4f45-9708-019B960494DF}">
-              <a14:hiddenLine xmlns="" xmlns:a14="http://schemas.microsoft.com/office/drawing/2010/main" w="9525">
+              <a14:hiddenLine xmlns:a14="http://schemas.microsoft.com/office/drawing/2010/main" xmlns="" w="9525">
                 <a:solidFill>
                   <a:schemeClr val="tx1"/>
                 </a:solidFill>
@@ -605,7 +605,7 @@
           <a:effectLst/>
           <a:extLst>
             <a:ext uri="{AF507438-7753-43e0-B8FC-AC1667EBCBE1}">
-              <a14:hiddenEffects xmlns="" xmlns:a14="http://schemas.microsoft.com/office/drawing/2010/main">
+              <a14:hiddenEffects xmlns:a14="http://schemas.microsoft.com/office/drawing/2010/main" xmlns="">
                 <a:effectLst>
                   <a:outerShdw blurRad="63500" dist="38099" dir="2700000" algn="ctr" rotWithShape="0">
                     <a:srgbClr val="000000">
@@ -616,7 +616,7 @@
               </a14:hiddenEffects>
             </a:ext>
             <a:ext uri="{53640926-AAD7-44d8-BBD7-CCE9431645EC}">
-              <a14:shadowObscured xmlns="" xmlns:a14="http://schemas.microsoft.com/office/drawing/2010/main" val="1"/>
+              <a14:shadowObscured xmlns:a14="http://schemas.microsoft.com/office/drawing/2010/main" xmlns="" val="1"/>
             </a:ext>
           </a:extLst>
         </p:spPr>
@@ -645,17 +645,17 @@
           </a:ln>
           <a:extLst>
             <a:ext uri="{FAA26D3D-D897-4be2-8F04-BA451C77F1D7}">
-              <ma14:placeholderFlag xmlns:ma14="http://schemas.microsoft.com/office/mac/drawingml/2011/main" xmlns="" val="1"/>
+              <ma14:placeholderFlag xmlns="" xmlns:ma14="http://schemas.microsoft.com/office/mac/drawingml/2011/main" val="1"/>
             </a:ext>
             <a:ext uri="{909E8E84-426E-40dd-AFC4-6F175D3DCCD1}">
-              <a14:hiddenFill xmlns="" xmlns:a14="http://schemas.microsoft.com/office/drawing/2010/main">
+              <a14:hiddenFill xmlns:a14="http://schemas.microsoft.com/office/drawing/2010/main" xmlns="">
                 <a:solidFill>
                   <a:schemeClr val="accent1"/>
                 </a:solidFill>
               </a14:hiddenFill>
             </a:ext>
             <a:ext uri="{91240B29-F687-4f45-9708-019B960494DF}">
-              <a14:hiddenLine xmlns="" xmlns:a14="http://schemas.microsoft.com/office/drawing/2010/main" w="9525">
+              <a14:hiddenLine xmlns:a14="http://schemas.microsoft.com/office/drawing/2010/main" xmlns="" w="9525">
                 <a:solidFill>
                   <a:schemeClr val="tx1"/>
                 </a:solidFill>
@@ -734,17 +734,17 @@
           </a:ln>
           <a:extLst>
             <a:ext uri="{FAA26D3D-D897-4be2-8F04-BA451C77F1D7}">
-              <ma14:placeholderFlag xmlns:ma14="http://schemas.microsoft.com/office/mac/drawingml/2011/main" xmlns="" val="1"/>
+              <ma14:placeholderFlag xmlns="" xmlns:ma14="http://schemas.microsoft.com/office/mac/drawingml/2011/main" val="1"/>
             </a:ext>
             <a:ext uri="{909E8E84-426E-40dd-AFC4-6F175D3DCCD1}">
-              <a14:hiddenFill xmlns="" xmlns:a14="http://schemas.microsoft.com/office/drawing/2010/main">
+              <a14:hiddenFill xmlns:a14="http://schemas.microsoft.com/office/drawing/2010/main" xmlns="">
                 <a:solidFill>
                   <a:schemeClr val="accent1"/>
                 </a:solidFill>
               </a14:hiddenFill>
             </a:ext>
             <a:ext uri="{91240B29-F687-4f45-9708-019B960494DF}">
-              <a14:hiddenLine xmlns="" xmlns:a14="http://schemas.microsoft.com/office/drawing/2010/main" w="9525">
+              <a14:hiddenLine xmlns:a14="http://schemas.microsoft.com/office/drawing/2010/main" xmlns="" w="9525">
                 <a:solidFill>
                   <a:schemeClr val="tx1"/>
                 </a:solidFill>
@@ -801,17 +801,17 @@
           </a:ln>
           <a:extLst>
             <a:ext uri="{FAA26D3D-D897-4be2-8F04-BA451C77F1D7}">
-              <ma14:placeholderFlag xmlns:ma14="http://schemas.microsoft.com/office/mac/drawingml/2011/main" xmlns="" val="1"/>
+              <ma14:placeholderFlag xmlns="" xmlns:ma14="http://schemas.microsoft.com/office/mac/drawingml/2011/main" val="1"/>
             </a:ext>
             <a:ext uri="{909E8E84-426E-40dd-AFC4-6F175D3DCCD1}">
-              <a14:hiddenFill xmlns="" xmlns:a14="http://schemas.microsoft.com/office/drawing/2010/main">
+              <a14:hiddenFill xmlns:a14="http://schemas.microsoft.com/office/drawing/2010/main" xmlns="">
                 <a:solidFill>
                   <a:schemeClr val="accent1"/>
                 </a:solidFill>
               </a14:hiddenFill>
             </a:ext>
             <a:ext uri="{91240B29-F687-4f45-9708-019B960494DF}">
-              <a14:hiddenLine xmlns="" xmlns:a14="http://schemas.microsoft.com/office/drawing/2010/main" w="9525">
+              <a14:hiddenLine xmlns:a14="http://schemas.microsoft.com/office/drawing/2010/main" xmlns="" w="9525">
                 <a:solidFill>
                   <a:schemeClr val="tx1"/>
                 </a:solidFill>
@@ -2817,7 +2817,7 @@
             <a:fld id="{60E4B0F9-A7FB-5046-8EA1-145E13C1BB14}" type="datetimeFigureOut">
               <a:rPr lang="en-US" altLang="en-US"/>
               <a:pPr/>
-              <a:t>8/8/2023</a:t>
+              <a:t>8/10/2023</a:t>
             </a:fld>
             <a:endParaRPr lang="en-US" altLang="en-US"/>
           </a:p>
@@ -3009,7 +3009,7 @@
             <a:fld id="{9461B8EA-79DB-F845-97F0-24C5A509848C}" type="datetimeFigureOut">
               <a:rPr lang="en-US" altLang="en-US"/>
               <a:pPr/>
-              <a:t>8/8/2023</a:t>
+              <a:t>8/10/2023</a:t>
             </a:fld>
             <a:endParaRPr lang="en-US" altLang="en-US"/>
           </a:p>
@@ -3550,7 +3550,7 @@
             <a:fld id="{51040245-401E-DC4F-B046-F0C79A3107CA}" type="datetimeFigureOut">
               <a:rPr lang="en-US" altLang="en-US"/>
               <a:pPr/>
-              <a:t>8/8/2023</a:t>
+              <a:t>8/10/2023</a:t>
             </a:fld>
             <a:endParaRPr lang="en-US" altLang="en-US"/>
           </a:p>
@@ -3662,7 +3662,7 @@
             <a:fld id="{B8E3EDF6-D7E0-BF42-B0B6-A092B242026B}" type="datetimeFigureOut">
               <a:rPr lang="en-US" altLang="en-US"/>
               <a:pPr/>
-              <a:t>8/8/2023</a:t>
+              <a:t>8/10/2023</a:t>
             </a:fld>
             <a:endParaRPr lang="en-US" altLang="en-US"/>
           </a:p>
@@ -3787,7 +3787,7 @@
           <a:effectLst/>
           <a:extLst>
             <a:ext uri="{AF507438-7753-43e0-B8FC-AC1667EBCBE1}">
-              <a14:hiddenEffects xmlns="" xmlns:a14="http://schemas.microsoft.com/office/drawing/2010/main">
+              <a14:hiddenEffects xmlns:a14="http://schemas.microsoft.com/office/drawing/2010/main" xmlns="">
                 <a:effectLst>
                   <a:outerShdw blurRad="63500" dist="38099" dir="2700000" algn="ctr" rotWithShape="0">
                     <a:schemeClr val="bg2">
@@ -3909,7 +3909,7 @@
               </a14:hiddenLine>
             </a:ext>
             <a:ext uri="{FAA26D3D-D897-4be2-8F04-BA451C77F1D7}">
-              <ma14:placeholderFlag xmlns:ma14="http://schemas.microsoft.com/office/mac/drawingml/2011/main" xmlns="" val="1"/>
+              <ma14:placeholderFlag xmlns="" xmlns:ma14="http://schemas.microsoft.com/office/mac/drawingml/2011/main" val="1"/>
             </a:ext>
           </a:extLst>
         </p:spPr>
@@ -3998,7 +3998,7 @@
               </a14:hiddenLine>
             </a:ext>
             <a:ext uri="{FAA26D3D-D897-4be2-8F04-BA451C77F1D7}">
-              <ma14:placeholderFlag xmlns:ma14="http://schemas.microsoft.com/office/mac/drawingml/2011/main" xmlns="" val="1"/>
+              <ma14:placeholderFlag xmlns="" xmlns:ma14="http://schemas.microsoft.com/office/mac/drawingml/2011/main" val="1"/>
             </a:ext>
           </a:extLst>
         </p:spPr>
@@ -4057,7 +4057,7 @@
             <a:fld id="{482C3D94-7C5D-0846-984C-DFD8ACC0A135}" type="datetimeFigureOut">
               <a:rPr lang="en-US" altLang="en-US"/>
               <a:pPr/>
-              <a:t>8/8/2023</a:t>
+              <a:t>8/10/2023</a:t>
             </a:fld>
             <a:endParaRPr lang="en-US" altLang="en-US"/>
           </a:p>
@@ -4690,7 +4690,7 @@
         </p:nvSpPr>
         <p:spPr>
           <a:xfrm>
-            <a:off x="4958027" y="4114800"/>
+            <a:off x="4712829" y="4112567"/>
             <a:ext cx="2840842" cy="461665"/>
           </a:xfrm>
           <a:prstGeom prst="rect">
@@ -4725,7 +4725,7 @@
         </p:nvSpPr>
         <p:spPr>
           <a:xfrm>
-            <a:off x="9003816" y="4114800"/>
+            <a:off x="8513421" y="4128380"/>
             <a:ext cx="1983235" cy="461665"/>
           </a:xfrm>
           <a:prstGeom prst="rect">
@@ -4890,8 +4890,8 @@
         </p:nvSpPr>
         <p:spPr>
           <a:xfrm>
-            <a:off x="2100266" y="1947863"/>
-            <a:ext cx="7881937" cy="3776662"/>
+            <a:off x="1371600" y="1947863"/>
+            <a:ext cx="8610603" cy="3776662"/>
           </a:xfrm>
         </p:spPr>
         <p:txBody>
@@ -4900,14 +4900,13 @@
           </a:bodyPr>
           <a:lstStyle/>
           <a:p>
-            <a:pPr marL="91440" indent="-91440">
-              <a:buFont typeface="Lucida Grande"/>
-              <a:buChar char=" "/>
+            <a:pPr marL="23812" lvl="1" indent="0">
+              <a:buNone/>
               <a:defRPr/>
             </a:pPr>
             <a:r>
-              <a:rPr lang="en-US" dirty="0"/>
-              <a:t>TODO: Convert to title slide</a:t>
+              <a:rPr lang="en-US" sz="2000" dirty="0"/>
+              <a:t>The development stage focuses on implementing preprocessing steps, automating processes, and training selected models for brand identification and sentiment alignment in tweets.</a:t>
             </a:r>
           </a:p>
           <a:p>
@@ -5069,8 +5068,8 @@
         </p:nvSpPr>
         <p:spPr>
           <a:xfrm>
-            <a:off x="2100266" y="1947863"/>
-            <a:ext cx="7881937" cy="3776662"/>
+            <a:off x="914400" y="1947863"/>
+            <a:ext cx="9601200" cy="3776662"/>
           </a:xfrm>
         </p:spPr>
         <p:txBody>
@@ -5079,12 +5078,28 @@
           </a:bodyPr>
           <a:lstStyle/>
           <a:p>
-            <a:pPr marL="91440" indent="-91440">
-              <a:buFont typeface="Lucida Grande"/>
-              <a:buChar char=" "/>
+            <a:pPr marL="366712" lvl="1" indent="-342900">
               <a:defRPr/>
             </a:pPr>
-            <a:endParaRPr lang="en-US" dirty="0"/>
+            <a:r>
+              <a:rPr lang="en-US" sz="2000" dirty="0"/>
+              <a:t>The selection of models for sentiment analysis and brand identification depends on the project's objectives. The dataset's characteristics, including the type of text data and potential challenges like complex sentence structures, guide the choice of models. </a:t>
+            </a:r>
+          </a:p>
+          <a:p>
+            <a:pPr marL="366712" lvl="1" indent="-342900">
+              <a:defRPr/>
+            </a:pPr>
+            <a:endParaRPr lang="en-US" sz="2000" dirty="0"/>
+          </a:p>
+          <a:p>
+            <a:pPr marL="366712" lvl="1" indent="-342900">
+              <a:defRPr/>
+            </a:pPr>
+            <a:r>
+              <a:rPr lang="en-US" sz="2000" dirty="0"/>
+              <a:t> This involves training the models on a subset of the dataset and evaluating their performance. The goal is to identify initial trends and challenges in sentiment analysis and brand identification.</a:t>
+            </a:r>
           </a:p>
         </p:txBody>
       </p:sp>
@@ -5708,8 +5723,8 @@
         </p:nvSpPr>
         <p:spPr>
           <a:xfrm>
-            <a:off x="2100266" y="1947863"/>
-            <a:ext cx="7881937" cy="3776662"/>
+            <a:off x="838200" y="1947863"/>
+            <a:ext cx="10363200" cy="3776662"/>
           </a:xfrm>
         </p:spPr>
         <p:txBody>
@@ -5718,34 +5733,28 @@
           </a:bodyPr>
           <a:lstStyle/>
           <a:p>
-            <a:pPr marL="91440" indent="-91440">
-              <a:buFont typeface="Lucida Grande"/>
-              <a:buChar char=" "/>
+            <a:pPr>
               <a:defRPr/>
             </a:pPr>
             <a:r>
-              <a:rPr lang="en-US" dirty="0"/>
-              <a:t>What we are doing – brand sentiment analysis</a:t>
-            </a:r>
-          </a:p>
-          <a:p>
-            <a:pPr marL="91440" indent="-91440">
-              <a:buFont typeface="Lucida Grande"/>
-              <a:buChar char=" "/>
+              <a:rPr lang="en-US" sz="2000" dirty="0"/>
+              <a:t>The purpose of this project is to create Machine Learning models to classify sentiment in textual tweets using the Sentiment140 dataset.</a:t>
+            </a:r>
+          </a:p>
+          <a:p>
+            <a:pPr>
               <a:defRPr/>
             </a:pPr>
-            <a:r>
-              <a:rPr lang="en-US" dirty="0"/>
-              <a:t>Why does it matter/why is it important?</a:t>
-            </a:r>
-          </a:p>
-          <a:p>
-            <a:pPr marL="91440" indent="-91440">
-              <a:buFont typeface="Lucida Grande"/>
-              <a:buChar char=" "/>
+            <a:endParaRPr lang="en-US" sz="2000" dirty="0"/>
+          </a:p>
+          <a:p>
+            <a:pPr>
               <a:defRPr/>
             </a:pPr>
-            <a:endParaRPr lang="en-US" dirty="0"/>
+            <a:r>
+              <a:rPr lang="en-US" sz="2000" dirty="0"/>
+              <a:t>The primary ML algorithms considered for sentiment analysis include Naïve Bayes, Logistic Regression, Support Vector Machines, Recurrent Neural Networks, and Transformers (e.g., BERT). Each algorithm offers distinct advantages and trade-offs, influencing the overall performance of the sentiment analysis system.</a:t>
+            </a:r>
           </a:p>
         </p:txBody>
       </p:sp>
@@ -5994,8 +6003,8 @@
         </p:nvSpPr>
         <p:spPr>
           <a:xfrm>
-            <a:off x="2100266" y="1947863"/>
-            <a:ext cx="7881937" cy="3776662"/>
+            <a:off x="1600200" y="1828800"/>
+            <a:ext cx="8153400" cy="3776662"/>
           </a:xfrm>
         </p:spPr>
         <p:txBody>
@@ -6010,7 +6019,7 @@
               <a:defRPr/>
             </a:pPr>
             <a:r>
-              <a:rPr lang="en-US" dirty="0"/>
+              <a:rPr lang="en-US" sz="2000" dirty="0"/>
               <a:t>For a given tweet, we want to detect in there is a brand mentioned and the sentiment towards that brand. There are two parts to this problem:</a:t>
             </a:r>
           </a:p>
@@ -6020,31 +6029,39 @@
               <a:buChar char=" "/>
               <a:defRPr/>
             </a:pPr>
-            <a:r>
-              <a:rPr lang="en-US" dirty="0"/>
-              <a:t>1. Brand Classification – classifies a brand, if one is mentioned</a:t>
-            </a:r>
-          </a:p>
-          <a:p>
-            <a:pPr marL="91440" indent="-91440">
-              <a:buFont typeface="Lucida Grande"/>
-              <a:buChar char=" "/>
+            <a:endParaRPr lang="en-US" sz="2000" dirty="0"/>
+          </a:p>
+          <a:p>
+            <a:pPr lvl="1">
               <a:defRPr/>
             </a:pPr>
             <a:r>
-              <a:rPr lang="en-US" dirty="0"/>
-              <a:t>2. Sentiment Classification – classifies the sentiment of a tweet</a:t>
-            </a:r>
-          </a:p>
-          <a:p>
-            <a:pPr marL="91440" indent="-91440">
-              <a:buFont typeface="Lucida Grande"/>
-              <a:buChar char=" "/>
+              <a:rPr lang="en-US" sz="2000" dirty="0"/>
+              <a:t>Brand Classification – classifies a brand, if one is mentioned</a:t>
+            </a:r>
+          </a:p>
+          <a:p>
+            <a:pPr lvl="1">
               <a:defRPr/>
             </a:pPr>
             <a:r>
-              <a:rPr lang="en-US" dirty="0"/>
-              <a:t>Putting these together we get a brand sentiment analyzer </a:t>
+              <a:rPr lang="en-US" sz="2000" dirty="0"/>
+              <a:t>Sentiment Classification – classifies the sentiment of a tweet</a:t>
+            </a:r>
+          </a:p>
+          <a:p>
+            <a:pPr>
+              <a:defRPr/>
+            </a:pPr>
+            <a:endParaRPr lang="en-US" sz="2000" dirty="0"/>
+          </a:p>
+          <a:p>
+            <a:pPr>
+              <a:defRPr/>
+            </a:pPr>
+            <a:r>
+              <a:rPr lang="en-US" sz="2000" dirty="0"/>
+              <a:t>Putting these together we get a Brand Sentiment Analyzer </a:t>
             </a:r>
           </a:p>
         </p:txBody>
@@ -6115,8 +6132,8 @@
         </p:nvSpPr>
         <p:spPr>
           <a:xfrm>
-            <a:off x="2100266" y="1947863"/>
-            <a:ext cx="7881937" cy="3776662"/>
+            <a:off x="1371600" y="1947863"/>
+            <a:ext cx="8610603" cy="3776662"/>
           </a:xfrm>
         </p:spPr>
         <p:txBody>
@@ -6131,8 +6148,8 @@
               <a:defRPr/>
             </a:pPr>
             <a:r>
-              <a:rPr lang="en-US" dirty="0"/>
-              <a:t>We focused on twitter posts/tweets for this project</a:t>
+              <a:rPr lang="en-US" sz="2000" dirty="0"/>
+              <a:t>Our project focuses specifically on analyzing tweets from Twitter for brand mentions and associated sentiment.</a:t>
             </a:r>
           </a:p>
         </p:txBody>
@@ -6203,7 +6220,7 @@
         </p:nvSpPr>
         <p:spPr>
           <a:xfrm>
-            <a:off x="2100266" y="1947863"/>
+            <a:off x="1600200" y="1828800"/>
             <a:ext cx="7881937" cy="3776662"/>
           </a:xfrm>
         </p:spPr>
@@ -6213,24 +6230,20 @@
           </a:bodyPr>
           <a:lstStyle/>
           <a:p>
-            <a:pPr marL="91440" indent="-91440">
-              <a:buFont typeface="Lucida Grande"/>
-              <a:buChar char=" "/>
+            <a:pPr lvl="1">
               <a:defRPr/>
             </a:pPr>
             <a:r>
-              <a:rPr lang="en-US" dirty="0"/>
+              <a:rPr lang="en-US" sz="2000" dirty="0"/>
               <a:t>Sentiment140</a:t>
             </a:r>
           </a:p>
           <a:p>
-            <a:pPr marL="91440" indent="-91440">
-              <a:buFont typeface="Lucida Grande"/>
-              <a:buChar char=" "/>
+            <a:pPr lvl="1">
               <a:defRPr/>
             </a:pPr>
             <a:r>
-              <a:rPr lang="en-US" dirty="0"/>
+              <a:rPr lang="en-US" sz="2000" dirty="0"/>
               <a:t>Surge AI</a:t>
             </a:r>
           </a:p>
@@ -6464,8 +6477,8 @@
         </p:nvSpPr>
         <p:spPr>
           <a:xfrm>
-            <a:off x="2100266" y="1947863"/>
-            <a:ext cx="7881937" cy="3776662"/>
+            <a:off x="838200" y="1947863"/>
+            <a:ext cx="10287000" cy="3776662"/>
           </a:xfrm>
         </p:spPr>
         <p:txBody>
@@ -6474,14 +6487,27 @@
           </a:bodyPr>
           <a:lstStyle/>
           <a:p>
-            <a:pPr marL="91440" indent="-91440">
-              <a:buFont typeface="Lucida Grande"/>
-              <a:buChar char=" "/>
+            <a:pPr lvl="1">
               <a:defRPr/>
             </a:pPr>
             <a:r>
-              <a:rPr lang="en-US" dirty="0"/>
-              <a:t>TODO: Convert to title slide</a:t>
+              <a:rPr lang="en-US" sz="2000" dirty="0"/>
+              <a:t>The assessment stage of the project involves dataset analysis, model selection, and preliminary testing. This phase sets the foundation for subsequent stages by determining the most suitable models for sentiment analysis and brand identification. </a:t>
+            </a:r>
+          </a:p>
+          <a:p>
+            <a:pPr lvl="1">
+              <a:defRPr/>
+            </a:pPr>
+            <a:endParaRPr lang="en-US" sz="2000" dirty="0"/>
+          </a:p>
+          <a:p>
+            <a:pPr lvl="1">
+              <a:defRPr/>
+            </a:pPr>
+            <a:r>
+              <a:rPr lang="en-US" sz="2000" dirty="0"/>
+              <a:t>The project starts with an in-depth analysis of the Sentiment140 dataset. This dataset contains labeled tweets with sentiment polarity. The sentiment labels are remapped to binary values (0 for negative and 1 for positive) to simplify interpretation and analysis.</a:t>
             </a:r>
           </a:p>
         </p:txBody>
@@ -6560,12 +6586,35 @@
             <p:ph type="body" sz="quarter" idx="10"/>
           </p:nvPr>
         </p:nvSpPr>
-        <p:spPr/>
+        <p:spPr>
+          <a:xfrm>
+            <a:off x="768096" y="1947672"/>
+            <a:ext cx="10280904" cy="3776472"/>
+          </a:xfrm>
+        </p:spPr>
         <p:txBody>
           <a:bodyPr/>
           <a:lstStyle/>
           <a:p>
-            <a:endParaRPr lang="en-US"/>
+            <a:pPr lvl="1"/>
+            <a:r>
+              <a:rPr lang="en-US" sz="2000" dirty="0"/>
+              <a:t>The project effectively performs EDA on the Sentiment140 dataset, covering sentiment analysis, brand mention analysis, data generation, and sentiment distribution visualization.</a:t>
+            </a:r>
+          </a:p>
+          <a:p>
+            <a:pPr lvl="1"/>
+            <a:endParaRPr lang="en-US" sz="2000" dirty="0"/>
+          </a:p>
+          <a:p>
+            <a:pPr lvl="1"/>
+            <a:r>
+              <a:rPr lang="en-US" sz="2000" dirty="0"/>
+              <a:t>The integration of algorithms, techniques, and GPT-4 model enhances the project's analytical capabilities, contributing to insightful brand perception management through social media sentiment analysis.</a:t>
+            </a:r>
+          </a:p>
+          <a:p>
+            <a:endParaRPr lang="en-US" dirty="0"/>
           </a:p>
         </p:txBody>
       </p:sp>
@@ -6969,7 +7018,7 @@
         <a:effectLst/>
         <a:extLst>
           <a:ext uri="{AF507438-7753-43e0-B8FC-AC1667EBCBE1}">
-            <a14:hiddenEffects xmlns="" xmlns:a14="http://schemas.microsoft.com/office/drawing/2010/main">
+            <a14:hiddenEffects xmlns:a14="http://schemas.microsoft.com/office/drawing/2010/main" xmlns="">
               <a:effectLst>
                 <a:outerShdw blurRad="63500" dist="38099" dir="2700000" algn="ctr" rotWithShape="0">
                   <a:schemeClr val="bg2">
@@ -7046,7 +7095,7 @@
         <a:effectLst/>
         <a:extLst>
           <a:ext uri="{AF507438-7753-43e0-B8FC-AC1667EBCBE1}">
-            <a14:hiddenEffects xmlns="" xmlns:a14="http://schemas.microsoft.com/office/drawing/2010/main">
+            <a14:hiddenEffects xmlns:a14="http://schemas.microsoft.com/office/drawing/2010/main" xmlns="">
               <a:effectLst>
                 <a:outerShdw blurRad="63500" dist="38099" dir="2700000" algn="ctr" rotWithShape="0">
                   <a:schemeClr val="bg2">

--- a/Final-Project-Team-2.pptx
+++ b/Final-Project-Team-2.pptx
@@ -192,7 +192,7 @@
   <pc:docChgLst>
     <pc:chgData name="John D" userId="1cefe769efc9e99e" providerId="LiveId" clId="{9C813817-CFC9-4E2E-BF18-A1BFFBFD1F31}"/>
     <pc:docChg chg="undo custSel modSld">
-      <pc:chgData name="John D" userId="1cefe769efc9e99e" providerId="LiveId" clId="{9C813817-CFC9-4E2E-BF18-A1BFFBFD1F31}" dt="2023-08-08T08:40:42.377" v="34" actId="6549"/>
+      <pc:chgData name="John D" userId="1cefe769efc9e99e" providerId="LiveId" clId="{9C813817-CFC9-4E2E-BF18-A1BFFBFD1F31}" dt="2023-08-11T04:53:41.111" v="68"/>
       <pc:docMkLst>
         <pc:docMk/>
       </pc:docMkLst>
@@ -224,6 +224,42 @@
           <pc:sldMk cId="3978041919" sldId="262"/>
         </pc:sldMkLst>
       </pc:sldChg>
+      <pc:sldChg chg="modNotesTx">
+        <pc:chgData name="John D" userId="1cefe769efc9e99e" providerId="LiveId" clId="{9C813817-CFC9-4E2E-BF18-A1BFFBFD1F31}" dt="2023-08-11T04:53:41.111" v="68"/>
+        <pc:sldMkLst>
+          <pc:docMk/>
+          <pc:sldMk cId="250569513" sldId="276"/>
+        </pc:sldMkLst>
+      </pc:sldChg>
+      <pc:sldChg chg="modSp mod modNotesTx">
+        <pc:chgData name="John D" userId="1cefe769efc9e99e" providerId="LiveId" clId="{9C813817-CFC9-4E2E-BF18-A1BFFBFD1F31}" dt="2023-08-11T04:53:26.824" v="62"/>
+        <pc:sldMkLst>
+          <pc:docMk/>
+          <pc:sldMk cId="1503236287" sldId="277"/>
+        </pc:sldMkLst>
+        <pc:spChg chg="mod">
+          <ac:chgData name="John D" userId="1cefe769efc9e99e" providerId="LiveId" clId="{9C813817-CFC9-4E2E-BF18-A1BFFBFD1F31}" dt="2023-08-11T04:53:25.936" v="61" actId="21"/>
+          <ac:spMkLst>
+            <pc:docMk/>
+            <pc:sldMk cId="1503236287" sldId="277"/>
+            <ac:spMk id="2" creationId="{B0E3F178-D34D-1063-7361-8BDB75584E51}"/>
+          </ac:spMkLst>
+        </pc:spChg>
+      </pc:sldChg>
+      <pc:sldChg chg="modNotesTx">
+        <pc:chgData name="John D" userId="1cefe769efc9e99e" providerId="LiveId" clId="{9C813817-CFC9-4E2E-BF18-A1BFFBFD1F31}" dt="2023-08-11T04:53:35.919" v="67" actId="20577"/>
+        <pc:sldMkLst>
+          <pc:docMk/>
+          <pc:sldMk cId="2300759122" sldId="278"/>
+        </pc:sldMkLst>
+      </pc:sldChg>
+      <pc:sldChg chg="modNotesTx">
+        <pc:chgData name="John D" userId="1cefe769efc9e99e" providerId="LiveId" clId="{9C813817-CFC9-4E2E-BF18-A1BFFBFD1F31}" dt="2023-08-11T04:53:21.065" v="59" actId="20577"/>
+        <pc:sldMkLst>
+          <pc:docMk/>
+          <pc:sldMk cId="4167620600" sldId="279"/>
+        </pc:sldMkLst>
+      </pc:sldChg>
     </pc:docChg>
   </pc:docChgLst>
 </pc:chgInfo>
@@ -322,7 +358,7 @@
             <a:fld id="{3CB42547-1216-8745-B61E-1644CC83EEDE}" type="datetimeFigureOut">
               <a:rPr lang="en-US" altLang="en-US"/>
               <a:pPr/>
-              <a:t>8/10/2023</a:t>
+              <a:t>8/11/2023</a:t>
             </a:fld>
             <a:endParaRPr lang="en-US" altLang="en-US"/>
           </a:p>
@@ -465,17 +501,17 @@
           </a:ln>
           <a:extLst>
             <a:ext uri="{FAA26D3D-D897-4be2-8F04-BA451C77F1D7}">
-              <ma14:placeholderFlag xmlns="" xmlns:ma14="http://schemas.microsoft.com/office/mac/drawingml/2011/main" val="1"/>
+              <ma14:placeholderFlag xmlns:ma14="http://schemas.microsoft.com/office/mac/drawingml/2011/main" xmlns="" val="1"/>
             </a:ext>
             <a:ext uri="{909E8E84-426E-40dd-AFC4-6F175D3DCCD1}">
-              <a14:hiddenFill xmlns:a14="http://schemas.microsoft.com/office/drawing/2010/main" xmlns="">
+              <a14:hiddenFill xmlns="" xmlns:a14="http://schemas.microsoft.com/office/drawing/2010/main">
                 <a:solidFill>
                   <a:schemeClr val="accent1"/>
                 </a:solidFill>
               </a14:hiddenFill>
             </a:ext>
             <a:ext uri="{91240B29-F687-4f45-9708-019B960494DF}">
-              <a14:hiddenLine xmlns:a14="http://schemas.microsoft.com/office/drawing/2010/main" xmlns="" w="9525">
+              <a14:hiddenLine xmlns="" xmlns:a14="http://schemas.microsoft.com/office/drawing/2010/main" w="9525">
                 <a:solidFill>
                   <a:schemeClr val="tx1"/>
                 </a:solidFill>
@@ -532,17 +568,17 @@
           </a:ln>
           <a:extLst>
             <a:ext uri="{FAA26D3D-D897-4be2-8F04-BA451C77F1D7}">
-              <ma14:placeholderFlag xmlns="" xmlns:ma14="http://schemas.microsoft.com/office/mac/drawingml/2011/main" val="1"/>
+              <ma14:placeholderFlag xmlns:ma14="http://schemas.microsoft.com/office/mac/drawingml/2011/main" xmlns="" val="1"/>
             </a:ext>
             <a:ext uri="{909E8E84-426E-40dd-AFC4-6F175D3DCCD1}">
-              <a14:hiddenFill xmlns:a14="http://schemas.microsoft.com/office/drawing/2010/main" xmlns="">
+              <a14:hiddenFill xmlns="" xmlns:a14="http://schemas.microsoft.com/office/drawing/2010/main">
                 <a:solidFill>
                   <a:schemeClr val="accent1"/>
                 </a:solidFill>
               </a14:hiddenFill>
             </a:ext>
             <a:ext uri="{91240B29-F687-4f45-9708-019B960494DF}">
-              <a14:hiddenLine xmlns:a14="http://schemas.microsoft.com/office/drawing/2010/main" xmlns="" w="9525">
+              <a14:hiddenLine xmlns="" xmlns:a14="http://schemas.microsoft.com/office/drawing/2010/main" w="9525">
                 <a:solidFill>
                   <a:schemeClr val="tx1"/>
                 </a:solidFill>
@@ -605,7 +641,7 @@
           <a:effectLst/>
           <a:extLst>
             <a:ext uri="{AF507438-7753-43e0-B8FC-AC1667EBCBE1}">
-              <a14:hiddenEffects xmlns:a14="http://schemas.microsoft.com/office/drawing/2010/main" xmlns="">
+              <a14:hiddenEffects xmlns="" xmlns:a14="http://schemas.microsoft.com/office/drawing/2010/main">
                 <a:effectLst>
                   <a:outerShdw blurRad="63500" dist="38099" dir="2700000" algn="ctr" rotWithShape="0">
                     <a:srgbClr val="000000">
@@ -616,7 +652,7 @@
               </a14:hiddenEffects>
             </a:ext>
             <a:ext uri="{53640926-AAD7-44d8-BBD7-CCE9431645EC}">
-              <a14:shadowObscured xmlns:a14="http://schemas.microsoft.com/office/drawing/2010/main" xmlns="" val="1"/>
+              <a14:shadowObscured xmlns="" xmlns:a14="http://schemas.microsoft.com/office/drawing/2010/main" val="1"/>
             </a:ext>
           </a:extLst>
         </p:spPr>
@@ -645,17 +681,17 @@
           </a:ln>
           <a:extLst>
             <a:ext uri="{FAA26D3D-D897-4be2-8F04-BA451C77F1D7}">
-              <ma14:placeholderFlag xmlns="" xmlns:ma14="http://schemas.microsoft.com/office/mac/drawingml/2011/main" val="1"/>
+              <ma14:placeholderFlag xmlns:ma14="http://schemas.microsoft.com/office/mac/drawingml/2011/main" xmlns="" val="1"/>
             </a:ext>
             <a:ext uri="{909E8E84-426E-40dd-AFC4-6F175D3DCCD1}">
-              <a14:hiddenFill xmlns:a14="http://schemas.microsoft.com/office/drawing/2010/main" xmlns="">
+              <a14:hiddenFill xmlns="" xmlns:a14="http://schemas.microsoft.com/office/drawing/2010/main">
                 <a:solidFill>
                   <a:schemeClr val="accent1"/>
                 </a:solidFill>
               </a14:hiddenFill>
             </a:ext>
             <a:ext uri="{91240B29-F687-4f45-9708-019B960494DF}">
-              <a14:hiddenLine xmlns:a14="http://schemas.microsoft.com/office/drawing/2010/main" xmlns="" w="9525">
+              <a14:hiddenLine xmlns="" xmlns:a14="http://schemas.microsoft.com/office/drawing/2010/main" w="9525">
                 <a:solidFill>
                   <a:schemeClr val="tx1"/>
                 </a:solidFill>
@@ -734,17 +770,17 @@
           </a:ln>
           <a:extLst>
             <a:ext uri="{FAA26D3D-D897-4be2-8F04-BA451C77F1D7}">
-              <ma14:placeholderFlag xmlns="" xmlns:ma14="http://schemas.microsoft.com/office/mac/drawingml/2011/main" val="1"/>
+              <ma14:placeholderFlag xmlns:ma14="http://schemas.microsoft.com/office/mac/drawingml/2011/main" xmlns="" val="1"/>
             </a:ext>
             <a:ext uri="{909E8E84-426E-40dd-AFC4-6F175D3DCCD1}">
-              <a14:hiddenFill xmlns:a14="http://schemas.microsoft.com/office/drawing/2010/main" xmlns="">
+              <a14:hiddenFill xmlns="" xmlns:a14="http://schemas.microsoft.com/office/drawing/2010/main">
                 <a:solidFill>
                   <a:schemeClr val="accent1"/>
                 </a:solidFill>
               </a14:hiddenFill>
             </a:ext>
             <a:ext uri="{91240B29-F687-4f45-9708-019B960494DF}">
-              <a14:hiddenLine xmlns:a14="http://schemas.microsoft.com/office/drawing/2010/main" xmlns="" w="9525">
+              <a14:hiddenLine xmlns="" xmlns:a14="http://schemas.microsoft.com/office/drawing/2010/main" w="9525">
                 <a:solidFill>
                   <a:schemeClr val="tx1"/>
                 </a:solidFill>
@@ -801,17 +837,17 @@
           </a:ln>
           <a:extLst>
             <a:ext uri="{FAA26D3D-D897-4be2-8F04-BA451C77F1D7}">
-              <ma14:placeholderFlag xmlns="" xmlns:ma14="http://schemas.microsoft.com/office/mac/drawingml/2011/main" val="1"/>
+              <ma14:placeholderFlag xmlns:ma14="http://schemas.microsoft.com/office/mac/drawingml/2011/main" xmlns="" val="1"/>
             </a:ext>
             <a:ext uri="{909E8E84-426E-40dd-AFC4-6F175D3DCCD1}">
-              <a14:hiddenFill xmlns:a14="http://schemas.microsoft.com/office/drawing/2010/main" xmlns="">
+              <a14:hiddenFill xmlns="" xmlns:a14="http://schemas.microsoft.com/office/drawing/2010/main">
                 <a:solidFill>
                   <a:schemeClr val="accent1"/>
                 </a:solidFill>
               </a14:hiddenFill>
             </a:ext>
             <a:ext uri="{91240B29-F687-4f45-9708-019B960494DF}">
-              <a14:hiddenLine xmlns:a14="http://schemas.microsoft.com/office/drawing/2010/main" xmlns="" w="9525">
+              <a14:hiddenLine xmlns="" xmlns:a14="http://schemas.microsoft.com/office/drawing/2010/main" w="9525">
                 <a:solidFill>
                   <a:schemeClr val="tx1"/>
                 </a:solidFill>
@@ -1112,7 +1148,7 @@
           <a:p>
             <a:r>
               <a:rPr lang="en-US" dirty="0"/>
-              <a:t>We experimented with various machine learning algorithms like Naïve Bayes, Logistic Regression, Support Vector Machines, Recurrent Neural Networks, and Transformers.</a:t>
+              <a:t>Feature Engineering TBD</a:t>
             </a:r>
           </a:p>
         </p:txBody>
@@ -1135,7 +1171,7 @@
             <a:fld id="{AA4D7F38-9E4B-194A-AA5A-81BF138D29E9}" type="slidenum">
               <a:rPr lang="en-US" altLang="en-US" smtClean="0"/>
               <a:pPr/>
-              <a:t>14</a:t>
+              <a:t>10</a:t>
             </a:fld>
             <a:endParaRPr lang="en-US" altLang="en-US"/>
           </a:p>
@@ -1144,7 +1180,7 @@
     </p:spTree>
     <p:extLst>
       <p:ext uri="{BB962C8B-B14F-4D97-AF65-F5344CB8AC3E}">
-        <p14:creationId xmlns:p14="http://schemas.microsoft.com/office/powerpoint/2010/main" val="974401036"/>
+        <p14:creationId xmlns:p14="http://schemas.microsoft.com/office/powerpoint/2010/main" val="4181000801"/>
       </p:ext>
     </p:extLst>
   </p:cSld>
@@ -1200,7 +1236,7 @@
           <a:p>
             <a:r>
               <a:rPr lang="en-US" dirty="0"/>
-              <a:t>In the evaluation stage, we measured the models' ability to identify brands and predict sentiment in Twitter posts. We used standard classification metrics such as Accuracy, Precision, Recall, and F1 Score to evaluate the models.</a:t>
+              <a:t>In the development stage, we handled invalid values and discarded non-textual content. We trained our models to identify a brand and align with the sentiment expressed in a tweet, and then tuned them to improve performance.</a:t>
             </a:r>
           </a:p>
         </p:txBody>
@@ -1223,7 +1259,7 @@
             <a:fld id="{AA4D7F38-9E4B-194A-AA5A-81BF138D29E9}" type="slidenum">
               <a:rPr lang="en-US" altLang="en-US" smtClean="0"/>
               <a:pPr/>
-              <a:t>15</a:t>
+              <a:t>11</a:t>
             </a:fld>
             <a:endParaRPr lang="en-US" altLang="en-US"/>
           </a:p>
@@ -1232,7 +1268,7 @@
     </p:spTree>
     <p:extLst>
       <p:ext uri="{BB962C8B-B14F-4D97-AF65-F5344CB8AC3E}">
-        <p14:creationId xmlns:p14="http://schemas.microsoft.com/office/powerpoint/2010/main" val="3293987079"/>
+        <p14:creationId xmlns:p14="http://schemas.microsoft.com/office/powerpoint/2010/main" val="151308693"/>
       </p:ext>
     </p:extLst>
   </p:cSld>
@@ -1288,7 +1324,7 @@
           <a:p>
             <a:r>
               <a:rPr lang="en-US" dirty="0"/>
-              <a:t>We experimented with various machine learning algorithms like Naïve Bayes, Logistic Regression, Support Vector Machines, Recurrent Neural Networks, and Transformers.</a:t>
+              <a:t>Generating Synthetic Data</a:t>
             </a:r>
           </a:p>
         </p:txBody>
@@ -1311,7 +1347,7 @@
             <a:fld id="{AA4D7F38-9E4B-194A-AA5A-81BF138D29E9}" type="slidenum">
               <a:rPr lang="en-US" altLang="en-US" smtClean="0"/>
               <a:pPr/>
-              <a:t>16</a:t>
+              <a:t>12</a:t>
             </a:fld>
             <a:endParaRPr lang="en-US" altLang="en-US"/>
           </a:p>
@@ -1320,7 +1356,7 @@
     </p:spTree>
     <p:extLst>
       <p:ext uri="{BB962C8B-B14F-4D97-AF65-F5344CB8AC3E}">
-        <p14:creationId xmlns:p14="http://schemas.microsoft.com/office/powerpoint/2010/main" val="567488541"/>
+        <p14:creationId xmlns:p14="http://schemas.microsoft.com/office/powerpoint/2010/main" val="3028261521"/>
       </p:ext>
     </p:extLst>
   </p:cSld>
@@ -1376,7 +1412,7 @@
           <a:p>
             <a:r>
               <a:rPr lang="en-US" dirty="0"/>
-              <a:t>We present the results of our experiments, including any relevant figures or tables, discuss the implications of our results, and explain whether our results support our initial hypothesis. We present the results of our models. We achieved an accuracy rate over 50%, demonstrating the potential of machine learning in understanding public sentiment towards brands based on social media content.</a:t>
+              <a:t>We experimented with various machine learning algorithms like Naïve Bayes, Logistic Regression, Support Vector Machines, Recurrent Neural Networks, and Transformers.</a:t>
             </a:r>
           </a:p>
         </p:txBody>
@@ -1399,7 +1435,7 @@
             <a:fld id="{AA4D7F38-9E4B-194A-AA5A-81BF138D29E9}" type="slidenum">
               <a:rPr lang="en-US" altLang="en-US" smtClean="0"/>
               <a:pPr/>
-              <a:t>17</a:t>
+              <a:t>13</a:t>
             </a:fld>
             <a:endParaRPr lang="en-US" altLang="en-US"/>
           </a:p>
@@ -1408,7 +1444,7 @@
     </p:spTree>
     <p:extLst>
       <p:ext uri="{BB962C8B-B14F-4D97-AF65-F5344CB8AC3E}">
-        <p14:creationId xmlns:p14="http://schemas.microsoft.com/office/powerpoint/2010/main" val="2184831873"/>
+        <p14:creationId xmlns:p14="http://schemas.microsoft.com/office/powerpoint/2010/main" val="3596259610"/>
       </p:ext>
     </p:extLst>
   </p:cSld>
@@ -1464,7 +1500,7 @@
           <a:p>
             <a:r>
               <a:rPr lang="en-US" dirty="0"/>
-              <a:t>We faced challenges such as the 'aboutness' problem, which refers to the challenge of determining the subject of the sentiment expressed in a sentence. We also encountered issues with complex sentences and ambiguous subjects.</a:t>
+              <a:t>We experimented with various machine learning algorithms like Naïve Bayes, Logistic Regression, Support Vector Machines, Recurrent Neural Networks, and Transformers.</a:t>
             </a:r>
           </a:p>
         </p:txBody>
@@ -1487,7 +1523,7 @@
             <a:fld id="{AA4D7F38-9E4B-194A-AA5A-81BF138D29E9}" type="slidenum">
               <a:rPr lang="en-US" altLang="en-US" smtClean="0"/>
               <a:pPr/>
-              <a:t>18</a:t>
+              <a:t>14</a:t>
             </a:fld>
             <a:endParaRPr lang="en-US" altLang="en-US"/>
           </a:p>
@@ -1496,7 +1532,7 @@
     </p:spTree>
     <p:extLst>
       <p:ext uri="{BB962C8B-B14F-4D97-AF65-F5344CB8AC3E}">
-        <p14:creationId xmlns:p14="http://schemas.microsoft.com/office/powerpoint/2010/main" val="3478616541"/>
+        <p14:creationId xmlns:p14="http://schemas.microsoft.com/office/powerpoint/2010/main" val="974401036"/>
       </p:ext>
     </p:extLst>
   </p:cSld>
@@ -1550,26 +1586,9 @@
           <a:bodyPr/>
           <a:lstStyle/>
           <a:p>
-            <a:pPr marL="0" marR="0" lvl="0" indent="0" algn="l" defTabSz="914400" rtl="0" eaLnBrk="0" fontAlgn="base" latinLnBrk="0" hangingPunct="0">
-              <a:lnSpc>
-                <a:spcPct val="100000"/>
-              </a:lnSpc>
-              <a:spcBef>
-                <a:spcPct val="30000"/>
-              </a:spcBef>
-              <a:spcAft>
-                <a:spcPct val="0"/>
-              </a:spcAft>
-              <a:buClrTx/>
-              <a:buSzTx/>
-              <a:buFontTx/>
-              <a:buNone/>
-              <a:tabLst/>
-              <a:defRPr/>
-            </a:pPr>
             <a:r>
               <a:rPr lang="en-US" dirty="0"/>
-              <a:t>In the conclusion, we will summarize the main findings of our project, conclude the report by discussing the significance of our findings, and discuss potential future work, such as how our project could be extended or improved.</a:t>
+              <a:t>In the evaluation stage, we measured the models' ability to identify brands and predict sentiment in Twitter posts. We used standard classification metrics such as Accuracy, Precision, Recall, and F1 Score to evaluate the models.</a:t>
             </a:r>
           </a:p>
         </p:txBody>
@@ -1592,7 +1611,7 @@
             <a:fld id="{AA4D7F38-9E4B-194A-AA5A-81BF138D29E9}" type="slidenum">
               <a:rPr lang="en-US" altLang="en-US" smtClean="0"/>
               <a:pPr/>
-              <a:t>19</a:t>
+              <a:t>15</a:t>
             </a:fld>
             <a:endParaRPr lang="en-US" altLang="en-US"/>
           </a:p>
@@ -1601,7 +1620,7 @@
     </p:spTree>
     <p:extLst>
       <p:ext uri="{BB962C8B-B14F-4D97-AF65-F5344CB8AC3E}">
-        <p14:creationId xmlns:p14="http://schemas.microsoft.com/office/powerpoint/2010/main" val="4099420831"/>
+        <p14:creationId xmlns:p14="http://schemas.microsoft.com/office/powerpoint/2010/main" val="3293987079"/>
       </p:ext>
     </p:extLst>
   </p:cSld>
@@ -1655,36 +1674,10 @@
           <a:bodyPr/>
           <a:lstStyle/>
           <a:p>
-            <a:pPr marL="0" marR="0" lvl="0" indent="0" algn="l" defTabSz="914400" rtl="0" eaLnBrk="0" fontAlgn="base" latinLnBrk="0" hangingPunct="0">
-              <a:lnSpc>
-                <a:spcPct val="100000"/>
-              </a:lnSpc>
-              <a:spcBef>
-                <a:spcPct val="30000"/>
-              </a:spcBef>
-              <a:spcAft>
-                <a:spcPct val="0"/>
-              </a:spcAft>
-              <a:buClrTx/>
-              <a:buSzTx/>
-              <a:buFontTx/>
-              <a:buNone/>
-              <a:tabLst/>
-              <a:defRPr/>
-            </a:pPr>
-            <a:r>
-              <a:rPr lang="en-US" b="0" dirty="0">
-                <a:solidFill>
-                  <a:srgbClr val="CCCCCC"/>
-                </a:solidFill>
-                <a:effectLst/>
-                <a:latin typeface="Consolas" panose="020B0609020204030204" pitchFamily="49" charset="0"/>
-              </a:rPr>
-              <a:t>Future work would generalize the model to work with other kinds of social media posts like Reddit, Facebook, or Instagram. Additionally, a future model can be multimodal and accept video, image, or audio input to provide a more comprehensive sentiment analysis of social media posts.</a:t>
-            </a:r>
-          </a:p>
-          <a:p>
-            <a:endParaRPr lang="en-US" dirty="0"/>
+            <a:r>
+              <a:rPr lang="en-US" dirty="0"/>
+              <a:t>We experimented with various machine learning algorithms like Naïve Bayes, Logistic Regression, Support Vector Machines, Recurrent Neural Networks, and Transformers.</a:t>
+            </a:r>
           </a:p>
         </p:txBody>
       </p:sp>
@@ -1706,7 +1699,7 @@
             <a:fld id="{AA4D7F38-9E4B-194A-AA5A-81BF138D29E9}" type="slidenum">
               <a:rPr lang="en-US" altLang="en-US" smtClean="0"/>
               <a:pPr/>
-              <a:t>20</a:t>
+              <a:t>16</a:t>
             </a:fld>
             <a:endParaRPr lang="en-US" altLang="en-US"/>
           </a:p>
@@ -1715,7 +1708,7 @@
     </p:spTree>
     <p:extLst>
       <p:ext uri="{BB962C8B-B14F-4D97-AF65-F5344CB8AC3E}">
-        <p14:creationId xmlns:p14="http://schemas.microsoft.com/office/powerpoint/2010/main" val="2649913412"/>
+        <p14:creationId xmlns:p14="http://schemas.microsoft.com/office/powerpoint/2010/main" val="567488541"/>
       </p:ext>
     </p:extLst>
   </p:cSld>
@@ -1769,6 +1762,182 @@
           <a:bodyPr/>
           <a:lstStyle/>
           <a:p>
+            <a:r>
+              <a:rPr lang="en-US" dirty="0"/>
+              <a:t>We present the results of our experiments, including any relevant figures or tables, discuss the implications of our results, and explain whether our results support our initial hypothesis. We present the results of our models. We achieved an accuracy rate over 50%, demonstrating the potential of machine learning in understanding public sentiment towards brands based on social media content.</a:t>
+            </a:r>
+          </a:p>
+        </p:txBody>
+      </p:sp>
+      <p:sp>
+        <p:nvSpPr>
+          <p:cNvPr id="4" name="Slide Number Placeholder 3"/>
+          <p:cNvSpPr>
+            <a:spLocks noGrp="1"/>
+          </p:cNvSpPr>
+          <p:nvPr>
+            <p:ph type="sldNum" sz="quarter" idx="5"/>
+          </p:nvPr>
+        </p:nvSpPr>
+        <p:spPr/>
+        <p:txBody>
+          <a:bodyPr/>
+          <a:lstStyle/>
+          <a:p>
+            <a:fld id="{AA4D7F38-9E4B-194A-AA5A-81BF138D29E9}" type="slidenum">
+              <a:rPr lang="en-US" altLang="en-US" smtClean="0"/>
+              <a:pPr/>
+              <a:t>17</a:t>
+            </a:fld>
+            <a:endParaRPr lang="en-US" altLang="en-US"/>
+          </a:p>
+        </p:txBody>
+      </p:sp>
+    </p:spTree>
+    <p:extLst>
+      <p:ext uri="{BB962C8B-B14F-4D97-AF65-F5344CB8AC3E}">
+        <p14:creationId xmlns:p14="http://schemas.microsoft.com/office/powerpoint/2010/main" val="2184831873"/>
+      </p:ext>
+    </p:extLst>
+  </p:cSld>
+  <p:clrMapOvr>
+    <a:masterClrMapping/>
+  </p:clrMapOvr>
+</p:notes>
+</file>
+
+<file path=ppt/notesSlides/notesSlide18.xml><?xml version="1.0" encoding="utf-8"?>
+<p:notes xmlns:a="http://schemas.openxmlformats.org/drawingml/2006/main" xmlns:r="http://schemas.openxmlformats.org/officeDocument/2006/relationships" xmlns:p="http://schemas.openxmlformats.org/presentationml/2006/main">
+  <p:cSld>
+    <p:spTree>
+      <p:nvGrpSpPr>
+        <p:cNvPr id="1" name=""/>
+        <p:cNvGrpSpPr/>
+        <p:nvPr/>
+      </p:nvGrpSpPr>
+      <p:grpSpPr>
+        <a:xfrm>
+          <a:off x="0" y="0"/>
+          <a:ext cx="0" cy="0"/>
+          <a:chOff x="0" y="0"/>
+          <a:chExt cx="0" cy="0"/>
+        </a:xfrm>
+      </p:grpSpPr>
+      <p:sp>
+        <p:nvSpPr>
+          <p:cNvPr id="2" name="Slide Image Placeholder 1"/>
+          <p:cNvSpPr>
+            <a:spLocks noGrp="1" noRot="1" noChangeAspect="1"/>
+          </p:cNvSpPr>
+          <p:nvPr>
+            <p:ph type="sldImg"/>
+          </p:nvPr>
+        </p:nvSpPr>
+        <p:spPr/>
+      </p:sp>
+      <p:sp>
+        <p:nvSpPr>
+          <p:cNvPr id="3" name="Notes Placeholder 2"/>
+          <p:cNvSpPr>
+            <a:spLocks noGrp="1"/>
+          </p:cNvSpPr>
+          <p:nvPr>
+            <p:ph type="body" idx="1"/>
+          </p:nvPr>
+        </p:nvSpPr>
+        <p:spPr/>
+        <p:txBody>
+          <a:bodyPr/>
+          <a:lstStyle/>
+          <a:p>
+            <a:r>
+              <a:rPr lang="en-US" dirty="0"/>
+              <a:t>We faced challenges such as the 'aboutness' problem, which refers to the challenge of determining the subject of the sentiment expressed in a sentence. We also encountered issues with complex sentences and ambiguous subjects.</a:t>
+            </a:r>
+          </a:p>
+        </p:txBody>
+      </p:sp>
+      <p:sp>
+        <p:nvSpPr>
+          <p:cNvPr id="4" name="Slide Number Placeholder 3"/>
+          <p:cNvSpPr>
+            <a:spLocks noGrp="1"/>
+          </p:cNvSpPr>
+          <p:nvPr>
+            <p:ph type="sldNum" sz="quarter" idx="5"/>
+          </p:nvPr>
+        </p:nvSpPr>
+        <p:spPr/>
+        <p:txBody>
+          <a:bodyPr/>
+          <a:lstStyle/>
+          <a:p>
+            <a:fld id="{AA4D7F38-9E4B-194A-AA5A-81BF138D29E9}" type="slidenum">
+              <a:rPr lang="en-US" altLang="en-US" smtClean="0"/>
+              <a:pPr/>
+              <a:t>18</a:t>
+            </a:fld>
+            <a:endParaRPr lang="en-US" altLang="en-US"/>
+          </a:p>
+        </p:txBody>
+      </p:sp>
+    </p:spTree>
+    <p:extLst>
+      <p:ext uri="{BB962C8B-B14F-4D97-AF65-F5344CB8AC3E}">
+        <p14:creationId xmlns:p14="http://schemas.microsoft.com/office/powerpoint/2010/main" val="3478616541"/>
+      </p:ext>
+    </p:extLst>
+  </p:cSld>
+  <p:clrMapOvr>
+    <a:masterClrMapping/>
+  </p:clrMapOvr>
+</p:notes>
+</file>
+
+<file path=ppt/notesSlides/notesSlide19.xml><?xml version="1.0" encoding="utf-8"?>
+<p:notes xmlns:a="http://schemas.openxmlformats.org/drawingml/2006/main" xmlns:r="http://schemas.openxmlformats.org/officeDocument/2006/relationships" xmlns:p="http://schemas.openxmlformats.org/presentationml/2006/main">
+  <p:cSld>
+    <p:spTree>
+      <p:nvGrpSpPr>
+        <p:cNvPr id="1" name=""/>
+        <p:cNvGrpSpPr/>
+        <p:nvPr/>
+      </p:nvGrpSpPr>
+      <p:grpSpPr>
+        <a:xfrm>
+          <a:off x="0" y="0"/>
+          <a:ext cx="0" cy="0"/>
+          <a:chOff x="0" y="0"/>
+          <a:chExt cx="0" cy="0"/>
+        </a:xfrm>
+      </p:grpSpPr>
+      <p:sp>
+        <p:nvSpPr>
+          <p:cNvPr id="2" name="Slide Image Placeholder 1"/>
+          <p:cNvSpPr>
+            <a:spLocks noGrp="1" noRot="1" noChangeAspect="1"/>
+          </p:cNvSpPr>
+          <p:nvPr>
+            <p:ph type="sldImg"/>
+          </p:nvPr>
+        </p:nvSpPr>
+        <p:spPr/>
+      </p:sp>
+      <p:sp>
+        <p:nvSpPr>
+          <p:cNvPr id="3" name="Notes Placeholder 2"/>
+          <p:cNvSpPr>
+            <a:spLocks noGrp="1"/>
+          </p:cNvSpPr>
+          <p:nvPr>
+            <p:ph type="body" idx="1"/>
+          </p:nvPr>
+        </p:nvSpPr>
+        <p:spPr/>
+        <p:txBody>
+          <a:bodyPr/>
+          <a:lstStyle/>
+          <a:p>
             <a:pPr marL="0" marR="0" lvl="0" indent="0" algn="l" defTabSz="914400" rtl="0" eaLnBrk="0" fontAlgn="base" latinLnBrk="0" hangingPunct="0">
               <a:lnSpc>
                 <a:spcPct val="100000"/>
@@ -1788,71 +1957,7 @@
             </a:pPr>
             <a:r>
               <a:rPr lang="en-US" dirty="0"/>
-              <a:t>We would like to take a moment to express our deepest gratitude to those who have made this project possible. </a:t>
-            </a:r>
-            <a:r>
-              <a:rPr lang="en-US" b="0" dirty="0">
-                <a:solidFill>
-                  <a:srgbClr val="CE9178"/>
-                </a:solidFill>
-                <a:effectLst/>
-                <a:latin typeface="Consolas" panose="020B0609020204030204" pitchFamily="49" charset="0"/>
-              </a:rPr>
-              <a:t>We thank our advisor Dr. Van </a:t>
-            </a:r>
-            <a:r>
-              <a:rPr lang="en-US" b="0" dirty="0" err="1">
-                <a:solidFill>
-                  <a:srgbClr val="CE9178"/>
-                </a:solidFill>
-                <a:effectLst/>
-                <a:latin typeface="Consolas" panose="020B0609020204030204" pitchFamily="49" charset="0"/>
-              </a:rPr>
-              <a:t>Benschoten</a:t>
-            </a:r>
-            <a:r>
-              <a:rPr lang="en-US" b="0" dirty="0">
-                <a:solidFill>
-                  <a:srgbClr val="CE9178"/>
-                </a:solidFill>
-                <a:effectLst/>
-                <a:latin typeface="Consolas" panose="020B0609020204030204" pitchFamily="49" charset="0"/>
-              </a:rPr>
-              <a:t> for his invaluable guidance in this project. We also acknowledge Dr. </a:t>
-            </a:r>
-            <a:r>
-              <a:rPr lang="en-US" b="0" dirty="0" err="1">
-                <a:solidFill>
-                  <a:srgbClr val="CE9178"/>
-                </a:solidFill>
-                <a:effectLst/>
-                <a:latin typeface="Consolas" panose="020B0609020204030204" pitchFamily="49" charset="0"/>
-              </a:rPr>
-              <a:t>Tarshizi</a:t>
-            </a:r>
-            <a:r>
-              <a:rPr lang="en-US" b="0" dirty="0">
-                <a:solidFill>
-                  <a:srgbClr val="CE9178"/>
-                </a:solidFill>
-                <a:effectLst/>
-                <a:latin typeface="Consolas" panose="020B0609020204030204" pitchFamily="49" charset="0"/>
-              </a:rPr>
-              <a:t> for directing the Applied Artificial Intelligence program at the University of San Diego.</a:t>
-            </a:r>
-            <a:r>
-              <a:rPr lang="en-US" b="0" dirty="0">
-                <a:solidFill>
-                  <a:srgbClr val="D4D4D4"/>
-                </a:solidFill>
-                <a:effectLst/>
-                <a:latin typeface="Consolas" panose="020B0609020204030204" pitchFamily="49" charset="0"/>
-              </a:rPr>
-              <a:t> W</a:t>
-            </a:r>
-            <a:r>
-              <a:rPr lang="en-US" dirty="0"/>
-              <a:t>e are truly grateful for both of your support.</a:t>
+              <a:t>In the conclusion, we will summarize the main findings of our project, conclude the report by discussing the significance of our findings, and discuss potential future work, such as how our project could be extended or improved.</a:t>
             </a:r>
           </a:p>
         </p:txBody>
@@ -1875,7 +1980,7 @@
             <a:fld id="{AA4D7F38-9E4B-194A-AA5A-81BF138D29E9}" type="slidenum">
               <a:rPr lang="en-US" altLang="en-US" smtClean="0"/>
               <a:pPr/>
-              <a:t>21</a:t>
+              <a:t>19</a:t>
             </a:fld>
             <a:endParaRPr lang="en-US" altLang="en-US"/>
           </a:p>
@@ -1884,7 +1989,7 @@
     </p:spTree>
     <p:extLst>
       <p:ext uri="{BB962C8B-B14F-4D97-AF65-F5344CB8AC3E}">
-        <p14:creationId xmlns:p14="http://schemas.microsoft.com/office/powerpoint/2010/main" val="3727174744"/>
+        <p14:creationId xmlns:p14="http://schemas.microsoft.com/office/powerpoint/2010/main" val="4099420831"/>
       </p:ext>
     </p:extLst>
   </p:cSld>
@@ -1939,7 +2044,7 @@
           <a:lstStyle/>
           <a:p>
             <a:r>
-              <a:rPr lang="en-US" b="0" i="0">
+              <a:rPr lang="en-US" b="0" i="0" dirty="0">
                 <a:solidFill>
                   <a:srgbClr val="1C1917"/>
                 </a:solidFill>
@@ -1980,6 +2085,289 @@
     <p:extLst>
       <p:ext uri="{BB962C8B-B14F-4D97-AF65-F5344CB8AC3E}">
         <p14:creationId xmlns:p14="http://schemas.microsoft.com/office/powerpoint/2010/main" val="663246818"/>
+      </p:ext>
+    </p:extLst>
+  </p:cSld>
+  <p:clrMapOvr>
+    <a:masterClrMapping/>
+  </p:clrMapOvr>
+</p:notes>
+</file>
+
+<file path=ppt/notesSlides/notesSlide20.xml><?xml version="1.0" encoding="utf-8"?>
+<p:notes xmlns:a="http://schemas.openxmlformats.org/drawingml/2006/main" xmlns:r="http://schemas.openxmlformats.org/officeDocument/2006/relationships" xmlns:p="http://schemas.openxmlformats.org/presentationml/2006/main">
+  <p:cSld>
+    <p:spTree>
+      <p:nvGrpSpPr>
+        <p:cNvPr id="1" name=""/>
+        <p:cNvGrpSpPr/>
+        <p:nvPr/>
+      </p:nvGrpSpPr>
+      <p:grpSpPr>
+        <a:xfrm>
+          <a:off x="0" y="0"/>
+          <a:ext cx="0" cy="0"/>
+          <a:chOff x="0" y="0"/>
+          <a:chExt cx="0" cy="0"/>
+        </a:xfrm>
+      </p:grpSpPr>
+      <p:sp>
+        <p:nvSpPr>
+          <p:cNvPr id="2" name="Slide Image Placeholder 1"/>
+          <p:cNvSpPr>
+            <a:spLocks noGrp="1" noRot="1" noChangeAspect="1"/>
+          </p:cNvSpPr>
+          <p:nvPr>
+            <p:ph type="sldImg"/>
+          </p:nvPr>
+        </p:nvSpPr>
+        <p:spPr/>
+      </p:sp>
+      <p:sp>
+        <p:nvSpPr>
+          <p:cNvPr id="3" name="Notes Placeholder 2"/>
+          <p:cNvSpPr>
+            <a:spLocks noGrp="1"/>
+          </p:cNvSpPr>
+          <p:nvPr>
+            <p:ph type="body" idx="1"/>
+          </p:nvPr>
+        </p:nvSpPr>
+        <p:spPr/>
+        <p:txBody>
+          <a:bodyPr/>
+          <a:lstStyle/>
+          <a:p>
+            <a:pPr marL="0" marR="0" lvl="0" indent="0" algn="l" defTabSz="914400" rtl="0" eaLnBrk="0" fontAlgn="base" latinLnBrk="0" hangingPunct="0">
+              <a:lnSpc>
+                <a:spcPct val="100000"/>
+              </a:lnSpc>
+              <a:spcBef>
+                <a:spcPct val="30000"/>
+              </a:spcBef>
+              <a:spcAft>
+                <a:spcPct val="0"/>
+              </a:spcAft>
+              <a:buClrTx/>
+              <a:buSzTx/>
+              <a:buFontTx/>
+              <a:buNone/>
+              <a:tabLst/>
+              <a:defRPr/>
+            </a:pPr>
+            <a:r>
+              <a:rPr lang="en-US" b="0" dirty="0">
+                <a:solidFill>
+                  <a:srgbClr val="CCCCCC"/>
+                </a:solidFill>
+                <a:effectLst/>
+                <a:latin typeface="Consolas" panose="020B0609020204030204" pitchFamily="49" charset="0"/>
+              </a:rPr>
+              <a:t>Future work would generalize the model to work with other kinds of social media posts like Reddit, Facebook, or Instagram. Additionally, a future model can be multimodal and accept video, image, or audio input to provide a more comprehensive sentiment analysis of social media posts.</a:t>
+            </a:r>
+          </a:p>
+          <a:p>
+            <a:endParaRPr lang="en-US" dirty="0"/>
+          </a:p>
+        </p:txBody>
+      </p:sp>
+      <p:sp>
+        <p:nvSpPr>
+          <p:cNvPr id="4" name="Slide Number Placeholder 3"/>
+          <p:cNvSpPr>
+            <a:spLocks noGrp="1"/>
+          </p:cNvSpPr>
+          <p:nvPr>
+            <p:ph type="sldNum" sz="quarter" idx="5"/>
+          </p:nvPr>
+        </p:nvSpPr>
+        <p:spPr/>
+        <p:txBody>
+          <a:bodyPr/>
+          <a:lstStyle/>
+          <a:p>
+            <a:fld id="{AA4D7F38-9E4B-194A-AA5A-81BF138D29E9}" type="slidenum">
+              <a:rPr lang="en-US" altLang="en-US" smtClean="0"/>
+              <a:pPr/>
+              <a:t>20</a:t>
+            </a:fld>
+            <a:endParaRPr lang="en-US" altLang="en-US"/>
+          </a:p>
+        </p:txBody>
+      </p:sp>
+    </p:spTree>
+    <p:extLst>
+      <p:ext uri="{BB962C8B-B14F-4D97-AF65-F5344CB8AC3E}">
+        <p14:creationId xmlns:p14="http://schemas.microsoft.com/office/powerpoint/2010/main" val="2649913412"/>
+      </p:ext>
+    </p:extLst>
+  </p:cSld>
+  <p:clrMapOvr>
+    <a:masterClrMapping/>
+  </p:clrMapOvr>
+</p:notes>
+</file>
+
+<file path=ppt/notesSlides/notesSlide21.xml><?xml version="1.0" encoding="utf-8"?>
+<p:notes xmlns:a="http://schemas.openxmlformats.org/drawingml/2006/main" xmlns:r="http://schemas.openxmlformats.org/officeDocument/2006/relationships" xmlns:p="http://schemas.openxmlformats.org/presentationml/2006/main">
+  <p:cSld>
+    <p:spTree>
+      <p:nvGrpSpPr>
+        <p:cNvPr id="1" name=""/>
+        <p:cNvGrpSpPr/>
+        <p:nvPr/>
+      </p:nvGrpSpPr>
+      <p:grpSpPr>
+        <a:xfrm>
+          <a:off x="0" y="0"/>
+          <a:ext cx="0" cy="0"/>
+          <a:chOff x="0" y="0"/>
+          <a:chExt cx="0" cy="0"/>
+        </a:xfrm>
+      </p:grpSpPr>
+      <p:sp>
+        <p:nvSpPr>
+          <p:cNvPr id="2" name="Slide Image Placeholder 1"/>
+          <p:cNvSpPr>
+            <a:spLocks noGrp="1" noRot="1" noChangeAspect="1"/>
+          </p:cNvSpPr>
+          <p:nvPr>
+            <p:ph type="sldImg"/>
+          </p:nvPr>
+        </p:nvSpPr>
+        <p:spPr/>
+      </p:sp>
+      <p:sp>
+        <p:nvSpPr>
+          <p:cNvPr id="3" name="Notes Placeholder 2"/>
+          <p:cNvSpPr>
+            <a:spLocks noGrp="1"/>
+          </p:cNvSpPr>
+          <p:nvPr>
+            <p:ph type="body" idx="1"/>
+          </p:nvPr>
+        </p:nvSpPr>
+        <p:spPr/>
+        <p:txBody>
+          <a:bodyPr/>
+          <a:lstStyle/>
+          <a:p>
+            <a:pPr marL="0" marR="0" lvl="0" indent="0" algn="l" defTabSz="914400" rtl="0" eaLnBrk="0" fontAlgn="base" latinLnBrk="0" hangingPunct="0">
+              <a:lnSpc>
+                <a:spcPct val="100000"/>
+              </a:lnSpc>
+              <a:spcBef>
+                <a:spcPct val="30000"/>
+              </a:spcBef>
+              <a:spcAft>
+                <a:spcPct val="0"/>
+              </a:spcAft>
+              <a:buClrTx/>
+              <a:buSzTx/>
+              <a:buFontTx/>
+              <a:buNone/>
+              <a:tabLst/>
+              <a:defRPr/>
+            </a:pPr>
+            <a:r>
+              <a:rPr lang="en-US" dirty="0"/>
+              <a:t>We would like to take a moment to express our deepest gratitude to those who have made this project possible. </a:t>
+            </a:r>
+            <a:r>
+              <a:rPr lang="en-US" b="0" dirty="0">
+                <a:solidFill>
+                  <a:srgbClr val="CE9178"/>
+                </a:solidFill>
+                <a:effectLst/>
+                <a:latin typeface="Consolas" panose="020B0609020204030204" pitchFamily="49" charset="0"/>
+              </a:rPr>
+              <a:t>We thank our advisor Dr. Van </a:t>
+            </a:r>
+            <a:r>
+              <a:rPr lang="en-US" b="0" dirty="0" err="1">
+                <a:solidFill>
+                  <a:srgbClr val="CE9178"/>
+                </a:solidFill>
+                <a:effectLst/>
+                <a:latin typeface="Consolas" panose="020B0609020204030204" pitchFamily="49" charset="0"/>
+              </a:rPr>
+              <a:t>Benschoten</a:t>
+            </a:r>
+            <a:r>
+              <a:rPr lang="en-US" b="0" dirty="0">
+                <a:solidFill>
+                  <a:srgbClr val="CE9178"/>
+                </a:solidFill>
+                <a:effectLst/>
+                <a:latin typeface="Consolas" panose="020B0609020204030204" pitchFamily="49" charset="0"/>
+              </a:rPr>
+              <a:t> for his invaluable guidance in this project. We also acknowledge Dr. </a:t>
+            </a:r>
+            <a:r>
+              <a:rPr lang="en-US" b="0" dirty="0" err="1">
+                <a:solidFill>
+                  <a:srgbClr val="CE9178"/>
+                </a:solidFill>
+                <a:effectLst/>
+                <a:latin typeface="Consolas" panose="020B0609020204030204" pitchFamily="49" charset="0"/>
+              </a:rPr>
+              <a:t>Tarshizi</a:t>
+            </a:r>
+            <a:r>
+              <a:rPr lang="en-US" b="0" dirty="0">
+                <a:solidFill>
+                  <a:srgbClr val="CE9178"/>
+                </a:solidFill>
+                <a:effectLst/>
+                <a:latin typeface="Consolas" panose="020B0609020204030204" pitchFamily="49" charset="0"/>
+              </a:rPr>
+              <a:t> for directing the Applied Artificial Intelligence program at the University of San Diego.</a:t>
+            </a:r>
+            <a:r>
+              <a:rPr lang="en-US" b="0" dirty="0">
+                <a:solidFill>
+                  <a:srgbClr val="D4D4D4"/>
+                </a:solidFill>
+                <a:effectLst/>
+                <a:latin typeface="Consolas" panose="020B0609020204030204" pitchFamily="49" charset="0"/>
+              </a:rPr>
+              <a:t> W</a:t>
+            </a:r>
+            <a:r>
+              <a:rPr lang="en-US" dirty="0"/>
+              <a:t>e are truly grateful for both of your support.</a:t>
+            </a:r>
+          </a:p>
+        </p:txBody>
+      </p:sp>
+      <p:sp>
+        <p:nvSpPr>
+          <p:cNvPr id="4" name="Slide Number Placeholder 3"/>
+          <p:cNvSpPr>
+            <a:spLocks noGrp="1"/>
+          </p:cNvSpPr>
+          <p:nvPr>
+            <p:ph type="sldNum" sz="quarter" idx="5"/>
+          </p:nvPr>
+        </p:nvSpPr>
+        <p:spPr/>
+        <p:txBody>
+          <a:bodyPr/>
+          <a:lstStyle/>
+          <a:p>
+            <a:fld id="{AA4D7F38-9E4B-194A-AA5A-81BF138D29E9}" type="slidenum">
+              <a:rPr lang="en-US" altLang="en-US" smtClean="0"/>
+              <a:pPr/>
+              <a:t>21</a:t>
+            </a:fld>
+            <a:endParaRPr lang="en-US" altLang="en-US"/>
+          </a:p>
+        </p:txBody>
+      </p:sp>
+    </p:spTree>
+    <p:extLst>
+      <p:ext uri="{BB962C8B-B14F-4D97-AF65-F5344CB8AC3E}">
+        <p14:creationId xmlns:p14="http://schemas.microsoft.com/office/powerpoint/2010/main" val="3727174744"/>
       </p:ext>
     </p:extLst>
   </p:cSld>
@@ -2616,7 +3004,7 @@
           <a:p>
             <a:r>
               <a:rPr lang="en-US" dirty="0"/>
-              <a:t>In the development stage, we handled invalid values and discarded non-textual content. We trained our models to identify a brand and align with the sentiment expressed in a tweet, and then tuned them to improve performance.</a:t>
+              <a:t>Exploratory Data Analysis</a:t>
             </a:r>
           </a:p>
         </p:txBody>
@@ -2639,7 +3027,7 @@
             <a:fld id="{AA4D7F38-9E4B-194A-AA5A-81BF138D29E9}" type="slidenum">
               <a:rPr lang="en-US" altLang="en-US" smtClean="0"/>
               <a:pPr/>
-              <a:t>11</a:t>
+              <a:t>8</a:t>
             </a:fld>
             <a:endParaRPr lang="en-US" altLang="en-US"/>
           </a:p>
@@ -2648,7 +3036,7 @@
     </p:spTree>
     <p:extLst>
       <p:ext uri="{BB962C8B-B14F-4D97-AF65-F5344CB8AC3E}">
-        <p14:creationId xmlns:p14="http://schemas.microsoft.com/office/powerpoint/2010/main" val="151308693"/>
+        <p14:creationId xmlns:p14="http://schemas.microsoft.com/office/powerpoint/2010/main" val="10346999"/>
       </p:ext>
     </p:extLst>
   </p:cSld>
@@ -2704,7 +3092,7 @@
           <a:p>
             <a:r>
               <a:rPr lang="en-US" dirty="0"/>
-              <a:t>We experimented with various machine learning algorithms like Naïve Bayes, Logistic Regression, Support Vector Machines, Recurrent Neural Networks, and Transformers.</a:t>
+              <a:t>Preprocessing - NLP</a:t>
             </a:r>
           </a:p>
         </p:txBody>
@@ -2727,7 +3115,7 @@
             <a:fld id="{AA4D7F38-9E4B-194A-AA5A-81BF138D29E9}" type="slidenum">
               <a:rPr lang="en-US" altLang="en-US" smtClean="0"/>
               <a:pPr/>
-              <a:t>13</a:t>
+              <a:t>9</a:t>
             </a:fld>
             <a:endParaRPr lang="en-US" altLang="en-US"/>
           </a:p>
@@ -2736,7 +3124,7 @@
     </p:spTree>
     <p:extLst>
       <p:ext uri="{BB962C8B-B14F-4D97-AF65-F5344CB8AC3E}">
-        <p14:creationId xmlns:p14="http://schemas.microsoft.com/office/powerpoint/2010/main" val="3596259610"/>
+        <p14:creationId xmlns:p14="http://schemas.microsoft.com/office/powerpoint/2010/main" val="3478454173"/>
       </p:ext>
     </p:extLst>
   </p:cSld>
@@ -2817,7 +3205,7 @@
             <a:fld id="{60E4B0F9-A7FB-5046-8EA1-145E13C1BB14}" type="datetimeFigureOut">
               <a:rPr lang="en-US" altLang="en-US"/>
               <a:pPr/>
-              <a:t>8/10/2023</a:t>
+              <a:t>8/11/2023</a:t>
             </a:fld>
             <a:endParaRPr lang="en-US" altLang="en-US"/>
           </a:p>
@@ -3009,7 +3397,7 @@
             <a:fld id="{9461B8EA-79DB-F845-97F0-24C5A509848C}" type="datetimeFigureOut">
               <a:rPr lang="en-US" altLang="en-US"/>
               <a:pPr/>
-              <a:t>8/10/2023</a:t>
+              <a:t>8/11/2023</a:t>
             </a:fld>
             <a:endParaRPr lang="en-US" altLang="en-US"/>
           </a:p>
@@ -3550,7 +3938,7 @@
             <a:fld id="{51040245-401E-DC4F-B046-F0C79A3107CA}" type="datetimeFigureOut">
               <a:rPr lang="en-US" altLang="en-US"/>
               <a:pPr/>
-              <a:t>8/10/2023</a:t>
+              <a:t>8/11/2023</a:t>
             </a:fld>
             <a:endParaRPr lang="en-US" altLang="en-US"/>
           </a:p>
@@ -3662,7 +4050,7 @@
             <a:fld id="{B8E3EDF6-D7E0-BF42-B0B6-A092B242026B}" type="datetimeFigureOut">
               <a:rPr lang="en-US" altLang="en-US"/>
               <a:pPr/>
-              <a:t>8/10/2023</a:t>
+              <a:t>8/11/2023</a:t>
             </a:fld>
             <a:endParaRPr lang="en-US" altLang="en-US"/>
           </a:p>
@@ -3787,7 +4175,7 @@
           <a:effectLst/>
           <a:extLst>
             <a:ext uri="{AF507438-7753-43e0-B8FC-AC1667EBCBE1}">
-              <a14:hiddenEffects xmlns:a14="http://schemas.microsoft.com/office/drawing/2010/main" xmlns="">
+              <a14:hiddenEffects xmlns="" xmlns:a14="http://schemas.microsoft.com/office/drawing/2010/main">
                 <a:effectLst>
                   <a:outerShdw blurRad="63500" dist="38099" dir="2700000" algn="ctr" rotWithShape="0">
                     <a:schemeClr val="bg2">
@@ -3909,7 +4297,7 @@
               </a14:hiddenLine>
             </a:ext>
             <a:ext uri="{FAA26D3D-D897-4be2-8F04-BA451C77F1D7}">
-              <ma14:placeholderFlag xmlns="" xmlns:ma14="http://schemas.microsoft.com/office/mac/drawingml/2011/main" val="1"/>
+              <ma14:placeholderFlag xmlns:ma14="http://schemas.microsoft.com/office/mac/drawingml/2011/main" xmlns="" val="1"/>
             </a:ext>
           </a:extLst>
         </p:spPr>
@@ -3998,7 +4386,7 @@
               </a14:hiddenLine>
             </a:ext>
             <a:ext uri="{FAA26D3D-D897-4be2-8F04-BA451C77F1D7}">
-              <ma14:placeholderFlag xmlns="" xmlns:ma14="http://schemas.microsoft.com/office/mac/drawingml/2011/main" val="1"/>
+              <ma14:placeholderFlag xmlns:ma14="http://schemas.microsoft.com/office/mac/drawingml/2011/main" xmlns="" val="1"/>
             </a:ext>
           </a:extLst>
         </p:spPr>
@@ -4057,7 +4445,7 @@
             <a:fld id="{482C3D94-7C5D-0846-984C-DFD8ACC0A135}" type="datetimeFigureOut">
               <a:rPr lang="en-US" altLang="en-US"/>
               <a:pPr/>
-              <a:t>8/10/2023</a:t>
+              <a:t>8/11/2023</a:t>
             </a:fld>
             <a:endParaRPr lang="en-US" altLang="en-US"/>
           </a:p>
@@ -7018,7 +7406,7 @@
         <a:effectLst/>
         <a:extLst>
           <a:ext uri="{AF507438-7753-43e0-B8FC-AC1667EBCBE1}">
-            <a14:hiddenEffects xmlns:a14="http://schemas.microsoft.com/office/drawing/2010/main" xmlns="">
+            <a14:hiddenEffects xmlns="" xmlns:a14="http://schemas.microsoft.com/office/drawing/2010/main">
               <a:effectLst>
                 <a:outerShdw blurRad="63500" dist="38099" dir="2700000" algn="ctr" rotWithShape="0">
                   <a:schemeClr val="bg2">
@@ -7095,7 +7483,7 @@
         <a:effectLst/>
         <a:extLst>
           <a:ext uri="{AF507438-7753-43e0-B8FC-AC1667EBCBE1}">
-            <a14:hiddenEffects xmlns:a14="http://schemas.microsoft.com/office/drawing/2010/main" xmlns="">
+            <a14:hiddenEffects xmlns="" xmlns:a14="http://schemas.microsoft.com/office/drawing/2010/main">
               <a:effectLst>
                 <a:outerShdw blurRad="63500" dist="38099" dir="2700000" algn="ctr" rotWithShape="0">
                   <a:schemeClr val="bg2">

--- a/Final-Project-Team-2.pptx
+++ b/Final-Project-Team-2.pptx
@@ -5,17 +5,17 @@
     <p:sldMasterId id="2147483648" r:id="rId1"/>
   </p:sldMasterIdLst>
   <p:notesMasterIdLst>
-    <p:notesMasterId r:id="rId29"/>
+    <p:notesMasterId r:id="rId28"/>
   </p:notesMasterIdLst>
   <p:sldIdLst>
     <p:sldId id="256" r:id="rId2"/>
     <p:sldId id="257" r:id="rId3"/>
     <p:sldId id="283" r:id="rId4"/>
-    <p:sldId id="284" r:id="rId5"/>
-    <p:sldId id="285" r:id="rId6"/>
-    <p:sldId id="286" r:id="rId7"/>
-    <p:sldId id="258" r:id="rId8"/>
-    <p:sldId id="259" r:id="rId9"/>
+    <p:sldId id="259" r:id="rId5"/>
+    <p:sldId id="284" r:id="rId6"/>
+    <p:sldId id="258" r:id="rId7"/>
+    <p:sldId id="285" r:id="rId8"/>
+    <p:sldId id="286" r:id="rId9"/>
     <p:sldId id="260" r:id="rId10"/>
     <p:sldId id="261" r:id="rId11"/>
     <p:sldId id="278" r:id="rId12"/>
@@ -31,10 +31,9 @@
     <p:sldId id="271" r:id="rId22"/>
     <p:sldId id="272" r:id="rId23"/>
     <p:sldId id="273" r:id="rId24"/>
-    <p:sldId id="274" r:id="rId25"/>
-    <p:sldId id="275" r:id="rId26"/>
-    <p:sldId id="281" r:id="rId27"/>
-    <p:sldId id="276" r:id="rId28"/>
+    <p:sldId id="275" r:id="rId25"/>
+    <p:sldId id="274" r:id="rId26"/>
+    <p:sldId id="276" r:id="rId27"/>
   </p:sldIdLst>
   <p:sldSz cx="12192000" cy="6858000"/>
   <p:notesSz cx="6858000" cy="9144000"/>
@@ -283,19 +282,69 @@
       </p15:sldGuideLst>
     </p:ext>
     <p:ext uri="GoogleSlidesCustomDataVersion2">
-      <go:slidesCustomData xmlns="" xmlns:mc="http://schemas.openxmlformats.org/markup-compatibility/2006" xmlns:mv="urn:schemas-microsoft-com:mac:vml" xmlns:c="http://schemas.openxmlformats.org/drawingml/2006/chart" xmlns:dgm="http://schemas.openxmlformats.org/drawingml/2006/diagram" xmlns:o="urn:schemas-microsoft-com:office:office" xmlns:v="urn:schemas-microsoft-com:vml" xmlns:pvml="urn:schemas-microsoft-com:office:powerpoint" xmlns:com="http://schemas.openxmlformats.org/drawingml/2006/compatibility" xmlns:p14="http://schemas.microsoft.com/office/powerpoint/2010/main" xmlns:p15="http://schemas.microsoft.com/office/powerpoint/2012/main" xmlns:ahyp="http://schemas.microsoft.com/office/drawing/2018/hyperlinkcolor" xmlns:go="http://customooxmlschemas.google.com/" r:id="rId30" roundtripDataSignature="AMtx7mg21pheX7b66ozkCnuoWWKRsIE9AA=="/>
+      <go:slidesCustomData xmlns:go="http://customooxmlschemas.google.com/" xmlns:ahyp="http://schemas.microsoft.com/office/drawing/2018/hyperlinkcolor" xmlns:p15="http://schemas.microsoft.com/office/powerpoint/2012/main" xmlns:p14="http://schemas.microsoft.com/office/powerpoint/2010/main" xmlns:com="http://schemas.openxmlformats.org/drawingml/2006/compatibility" xmlns:pvml="urn:schemas-microsoft-com:office:powerpoint" xmlns:v="urn:schemas-microsoft-com:vml" xmlns:o="urn:schemas-microsoft-com:office:office" xmlns:dgm="http://schemas.openxmlformats.org/drawingml/2006/diagram" xmlns:c="http://schemas.openxmlformats.org/drawingml/2006/chart" xmlns:mv="urn:schemas-microsoft-com:mac:vml" xmlns:mc="http://schemas.openxmlformats.org/markup-compatibility/2006" xmlns="" r:id="rId30" roundtripDataSignature="AMtx7mg21pheX7b66ozkCnuoWWKRsIE9AA=="/>
     </p:ext>
   </p:extLst>
 </p:presentation>
 </file>
 
-<file path=ppt/revisionInfo.xml><?xml version="1.0" encoding="utf-8"?>
-<p1510:revInfo xmlns:a="http://schemas.openxmlformats.org/drawingml/2006/main" xmlns:r="http://schemas.openxmlformats.org/officeDocument/2006/relationships" xmlns:p1510="http://schemas.microsoft.com/office/powerpoint/2015/10/main">
-  <p1510:revLst>
-    <p1510:client id="{31B385D4-704F-4CDE-9965-F835540463D3}" v="3" dt="2023-08-14T01:53:14.022"/>
-    <p1510:client id="{74859441-2C1F-467C-9E9C-356303501E14}" v="889" dt="2023-08-14T05:32:31.124"/>
-  </p1510:revLst>
-</p1510:revInfo>
+<file path=ppt/changesInfos/changesInfo1.xml><?xml version="1.0" encoding="utf-8"?>
+<pc:chgInfo xmlns:a="http://schemas.openxmlformats.org/drawingml/2006/main" xmlns:r="http://schemas.openxmlformats.org/officeDocument/2006/relationships" xmlns:ac="http://schemas.microsoft.com/office/drawing/2013/main/command" xmlns:pc="http://schemas.microsoft.com/office/powerpoint/2013/main/command">
+  <pc:docChgLst>
+    <pc:chgData name="John D" userId="1cefe769efc9e99e" providerId="LiveId" clId="{93D8348B-0139-4A67-9220-DB379244354A}"/>
+    <pc:docChg chg="undo custSel modSld">
+      <pc:chgData name="John D" userId="1cefe769efc9e99e" providerId="LiveId" clId="{93D8348B-0139-4A67-9220-DB379244354A}" dt="2023-08-14T07:32:40.235" v="24" actId="5793"/>
+      <pc:docMkLst>
+        <pc:docMk/>
+      </pc:docMkLst>
+      <pc:sldChg chg="modSp mod">
+        <pc:chgData name="John D" userId="1cefe769efc9e99e" providerId="LiveId" clId="{93D8348B-0139-4A67-9220-DB379244354A}" dt="2023-08-14T07:32:25.647" v="19" actId="5793"/>
+        <pc:sldMkLst>
+          <pc:docMk/>
+          <pc:sldMk cId="0" sldId="258"/>
+        </pc:sldMkLst>
+        <pc:spChg chg="mod">
+          <ac:chgData name="John D" userId="1cefe769efc9e99e" providerId="LiveId" clId="{93D8348B-0139-4A67-9220-DB379244354A}" dt="2023-08-14T07:32:25.647" v="19" actId="5793"/>
+          <ac:spMkLst>
+            <pc:docMk/>
+            <pc:sldMk cId="0" sldId="258"/>
+            <ac:spMk id="63" creationId="{00000000-0000-0000-0000-000000000000}"/>
+          </ac:spMkLst>
+        </pc:spChg>
+      </pc:sldChg>
+      <pc:sldChg chg="modSp mod">
+        <pc:chgData name="John D" userId="1cefe769efc9e99e" providerId="LiveId" clId="{93D8348B-0139-4A67-9220-DB379244354A}" dt="2023-08-14T07:32:16.826" v="16" actId="122"/>
+        <pc:sldMkLst>
+          <pc:docMk/>
+          <pc:sldMk cId="1726448529" sldId="284"/>
+        </pc:sldMkLst>
+        <pc:spChg chg="mod">
+          <ac:chgData name="John D" userId="1cefe769efc9e99e" providerId="LiveId" clId="{93D8348B-0139-4A67-9220-DB379244354A}" dt="2023-08-14T07:32:16.826" v="16" actId="122"/>
+          <ac:spMkLst>
+            <pc:docMk/>
+            <pc:sldMk cId="1726448529" sldId="284"/>
+            <ac:spMk id="3" creationId="{5A541EC2-4F39-92E6-17F1-D59164595624}"/>
+          </ac:spMkLst>
+        </pc:spChg>
+      </pc:sldChg>
+      <pc:sldChg chg="modSp mod">
+        <pc:chgData name="John D" userId="1cefe769efc9e99e" providerId="LiveId" clId="{93D8348B-0139-4A67-9220-DB379244354A}" dt="2023-08-14T07:32:40.235" v="24" actId="5793"/>
+        <pc:sldMkLst>
+          <pc:docMk/>
+          <pc:sldMk cId="1254571953" sldId="285"/>
+        </pc:sldMkLst>
+        <pc:spChg chg="mod">
+          <ac:chgData name="John D" userId="1cefe769efc9e99e" providerId="LiveId" clId="{93D8348B-0139-4A67-9220-DB379244354A}" dt="2023-08-14T07:32:40.235" v="24" actId="5793"/>
+          <ac:spMkLst>
+            <pc:docMk/>
+            <pc:sldMk cId="1254571953" sldId="285"/>
+            <ac:spMk id="3" creationId="{5A541EC2-4F39-92E6-17F1-D59164595624}"/>
+          </ac:spMkLst>
+        </pc:spChg>
+      </pc:sldChg>
+    </pc:docChg>
+  </pc:docChgLst>
+</pc:chgInfo>
 </file>
 
 <file path=ppt/notesMasters/notesMaster1.xml><?xml version="1.0" encoding="utf-8"?>
@@ -1598,14 +1647,14 @@
               <a:buNone/>
             </a:pPr>
             <a:r>
-              <a:rPr lang="en-US"/>
+              <a:rPr lang="en-US" dirty="0"/>
               <a:t>Let’s get started. Welcome to our project titled, </a:t>
             </a:r>
             <a:r>
-              <a:rPr lang="en-US" sz="1200"/>
+              <a:rPr lang="en-US" sz="1200" dirty="0"/>
               <a:t>Brand Sentiment Analysis of Twitter Posts.</a:t>
             </a:r>
-            <a:endParaRPr/>
+            <a:endParaRPr dirty="0"/>
           </a:p>
         </p:txBody>
       </p:sp>
@@ -1875,15 +1924,22 @@
           <a:bodyPr/>
           <a:lstStyle/>
           <a:p>
-            <a:pPr>
-              <a:spcBef>
-                <a:spcPts val="0"/>
-              </a:spcBef>
-            </a:pPr>
             <a:r>
               <a:rPr lang="en-US"/>
               <a:t>In the assess stage, we analyzed the dataset and selected appropriate models based on the specific requirements of the sentiment analysis task, the characteristics of the available data, and the nature of the problem.</a:t>
             </a:r>
+            <a:r>
+              <a:rPr lang="en-US" dirty="0"/>
+              <a:t> The assessment stage of the project involves dataset analysis, model selection, and preliminary testing. This phase sets the foundation for subsequent stages by determining the most suitable models for sentiment analysis and brand identification. The project starts with an in-depth analysis of the Sentiment140 dataset. This dataset contains labeled tweets with sentiment polarity. The sentiment labels are remapped to binary values (0 for negative and 1 for positive) to simplify interpretation and analysis.</a:t>
+            </a:r>
+          </a:p>
+          <a:p>
+            <a:pPr>
+              <a:spcBef>
+                <a:spcPts val="0"/>
+              </a:spcBef>
+            </a:pPr>
+            <a:endParaRPr lang="en-US"/>
           </a:p>
           <a:p>
             <a:endParaRPr lang="en-US">
@@ -3351,7 +3407,15 @@
             </a:pPr>
             <a:r>
               <a:rPr lang="en-US"/>
-              <a:t>In today's contemporary business landscape, companies increasingly use social media to monitor their brands. This digital revolution has opened up a wealth of data, providing businesses with unprecedented access to consumer behavior, preferences, and trends. By harnessing the power of social media, businesses can gain a deeper understanding of their market performance and make data-driven decisions. Machine Learning, or ML, has emerged as a powerful tool in this process. ML models are capable of analyzing and interpreting vast amounts of social media data, transforming it into actionable insights. These insights can help businesses to predict future customer behavior, improve targeted marketing strategies, and enhance customer engagement and loyalty.</a:t>
+              <a:t>In today's contemporary business landscape, companies increasingly use social media to monitor their brands. This digital revolution has opened up a wealth of data, providing businesses with unprecedented access to consumer behavior, preferences, and trends. By harnessing the power of social media, businesses can gain a deeper understanding of their market performance and make data-driven decisions. Machine Learning, or ML, has emerged as a powerful tool in this process. ML models are capable of analyzing and interpreting vast amounts of social media data,</a:t>
+            </a:r>
+            <a:r>
+              <a:rPr lang="en-US" dirty="0"/>
+              <a:t> </a:t>
+            </a:r>
+            <a:r>
+              <a:rPr lang="en-US"/>
+              <a:t>transforming it into actionable insights.</a:t>
             </a:r>
           </a:p>
         </p:txBody>
@@ -3966,29 +4030,86 @@
               </a:spcBef>
             </a:pPr>
             <a:r>
+              <a:rPr lang="en-US" dirty="0"/>
+              <a:t>Like any project, ours also </a:t>
+            </a:r>
+            <a:r>
               <a:rPr lang="en-US"/>
-              <a:t>We faced challenges such as the "aboutness" problem, which refers to the challenge of determining the subject of the sentiment expressed in a sentence. </a:t>
-            </a:r>
-          </a:p>
-          <a:p>
-            <a:pPr marL="0" indent="0">
-              <a:spcBef>
-                <a:spcPts val="0"/>
-              </a:spcBef>
-            </a:pPr>
-            <a:endParaRPr lang="en-US"/>
-          </a:p>
-          <a:p>
-            <a:pPr marL="0" indent="0">
-              <a:spcBef>
-                <a:spcPts val="0"/>
-              </a:spcBef>
-            </a:pPr>
+              <a:t>faced </a:t>
+            </a:r>
+            <a:r>
+              <a:rPr lang="en-US" dirty="0"/>
+              <a:t>several </a:t>
+            </a:r>
             <a:r>
               <a:rPr lang="en-US"/>
-              <a:t>We also encountered issues with complex sentences and ambiguous subjects.</a:t>
-            </a:r>
-            <a:endParaRPr/>
+              <a:t>challenges </a:t>
+            </a:r>
+            <a:r>
+              <a:rPr lang="en-US" dirty="0"/>
+              <a:t>and limitations. The ambiguity in language posed a significant challenge, </a:t>
+            </a:r>
+            <a:r>
+              <a:rPr lang="en-US"/>
+              <a:t>as the </a:t>
+            </a:r>
+            <a:r>
+              <a:rPr lang="en-US" dirty="0"/>
+              <a:t>same words can have different meanings in different contexts. For instance, the word 'Apple' could refer to the fruit or the tech company, depending on the context. This leads to what we call the 'Aboutness' </a:t>
+            </a:r>
+            <a:r>
+              <a:rPr lang="en-US"/>
+              <a:t>problem, </a:t>
+            </a:r>
+            <a:r>
+              <a:rPr lang="en-US" dirty="0"/>
+              <a:t>where it becomes difficult to determine whether a tweet </a:t>
+            </a:r>
+            <a:r>
+              <a:rPr lang="en-US"/>
+              <a:t>refers to the </a:t>
+            </a:r>
+            <a:r>
+              <a:rPr lang="en-US" dirty="0"/>
+              <a:t>fruit or </a:t>
+            </a:r>
+            <a:r>
+              <a:rPr lang="en-US"/>
+              <a:t>the </a:t>
+            </a:r>
+            <a:r>
+              <a:rPr lang="en-US" dirty="0"/>
+              <a:t>tech company. Insufficient data on certain brands made it difficult to gather meaningful insights or make accurate predictions. The large size </a:t>
+            </a:r>
+            <a:r>
+              <a:rPr lang="en-US"/>
+              <a:t>of the </a:t>
+            </a:r>
+            <a:r>
+              <a:rPr lang="en-US" dirty="0"/>
+              <a:t>dataset posed a challenge </a:t>
+            </a:r>
+            <a:r>
+              <a:rPr lang="en-US"/>
+              <a:t>in </a:t>
+            </a:r>
+            <a:r>
+              <a:rPr lang="en-US" dirty="0"/>
+              <a:t>terms of computational resources and processing time. Despite these challenges, we were able to develop </a:t>
+            </a:r>
+            <a:r>
+              <a:rPr lang="en-US"/>
+              <a:t>a </a:t>
+            </a:r>
+            <a:r>
+              <a:rPr lang="en-US" dirty="0"/>
+              <a:t>robust brand sentiment analyzer that can provide valuable insights to businesses</a:t>
+            </a:r>
+            <a:r>
+              <a:rPr lang="en-US"/>
+              <a:t>.</a:t>
+            </a:r>
+            <a:endParaRPr lang="en-US" dirty="0"/>
           </a:p>
         </p:txBody>
       </p:sp>
@@ -4051,7 +4172,7 @@
   <p:cSld>
     <p:spTree>
       <p:nvGrpSpPr>
-        <p:cNvPr id="1" name="Shape 169"/>
+        <p:cNvPr id="1" name="Shape 176"/>
         <p:cNvGrpSpPr/>
         <p:nvPr/>
       </p:nvGrpSpPr>
@@ -4065,7 +4186,7 @@
       </p:grpSpPr>
       <p:sp>
         <p:nvSpPr>
-          <p:cNvPr id="170" name="Google Shape;170;p19:notes"/>
+          <p:cNvPr id="177" name="Google Shape;177;p20:notes"/>
           <p:cNvSpPr>
             <a:spLocks noGrp="1" noRot="1" noChangeAspect="1"/>
           </p:cNvSpPr>
@@ -4116,7 +4237,7 @@
       </p:sp>
       <p:sp>
         <p:nvSpPr>
-          <p:cNvPr id="171" name="Google Shape;171;p19:notes"/>
+          <p:cNvPr id="178" name="Google Shape;178;p20:notes"/>
           <p:cNvSpPr txBox="1">
             <a:spLocks noGrp="1"/>
           </p:cNvSpPr>
@@ -4143,34 +4264,21 @@
           </a:bodyPr>
           <a:lstStyle/>
           <a:p>
-            <a:pPr marL="0" marR="0" lvl="0" indent="0" algn="l" rtl="0">
-              <a:lnSpc>
-                <a:spcPct val="100000"/>
-              </a:lnSpc>
-              <a:spcBef>
-                <a:spcPts val="0"/>
-              </a:spcBef>
-              <a:spcAft>
-                <a:spcPts val="0"/>
-              </a:spcAft>
-              <a:buClr>
-                <a:schemeClr val="dk1"/>
-              </a:buClr>
-              <a:buSzPts val="1200"/>
-              <a:buFont typeface="Arial"/>
-              <a:buNone/>
-            </a:pPr>
-            <a:r>
-              <a:rPr lang="en-US"/>
-              <a:t>In the conclusion, we will summarize the main findings of our project, conclude the report by discussing the significance of our findings, and discuss potential future work, such as how our project could be extended or improved.</a:t>
-            </a:r>
-            <a:endParaRPr/>
+            <a:pPr marL="0" indent="0"/>
+            <a:r>
+              <a:rPr lang="en-US" dirty="0"/>
+              <a:t>Looking ahead, there are several areas for future work. These include fine-tuning of model parameters to improve performance, testing the model on larger and more diverse datasets to gain additional insights, developing a multimodal model that can accept not only textual input but also video, image, or audio input, and exploring the impact of data duplication on model performance. We explored Large Language Models (or LLMs) but decided against using them in our final Brand Sentiment Analyzer because they were difficult to integrate. If given more time, we would integrate BERT and GPT2 to the Brand Sentiment Analyzer. These future directions will help us to further refine our brand sentiment analyzer and make it even more effective and accurate.</a:t>
+            </a:r>
+          </a:p>
+          <a:p>
+            <a:pPr marL="0" indent="0"/>
+            <a:endParaRPr lang="en-US"/>
           </a:p>
         </p:txBody>
       </p:sp>
       <p:sp>
         <p:nvSpPr>
-          <p:cNvPr id="172" name="Google Shape;172;p19:notes"/>
+          <p:cNvPr id="179" name="Google Shape;179;p20:notes"/>
           <p:cNvSpPr txBox="1">
             <a:spLocks noGrp="1"/>
           </p:cNvSpPr>
@@ -4227,7 +4335,7 @@
   <p:cSld>
     <p:spTree>
       <p:nvGrpSpPr>
-        <p:cNvPr id="1" name="Shape 176"/>
+        <p:cNvPr id="1" name="Shape 169"/>
         <p:cNvGrpSpPr/>
         <p:nvPr/>
       </p:nvGrpSpPr>
@@ -4241,7 +4349,7 @@
       </p:grpSpPr>
       <p:sp>
         <p:nvSpPr>
-          <p:cNvPr id="177" name="Google Shape;177;p20:notes"/>
+          <p:cNvPr id="170" name="Google Shape;170;p19:notes"/>
           <p:cNvSpPr>
             <a:spLocks noGrp="1" noRot="1" noChangeAspect="1"/>
           </p:cNvSpPr>
@@ -4292,7 +4400,7 @@
       </p:sp>
       <p:sp>
         <p:nvSpPr>
-          <p:cNvPr id="178" name="Google Shape;178;p20:notes"/>
+          <p:cNvPr id="171" name="Google Shape;171;p19:notes"/>
           <p:cNvSpPr txBox="1">
             <a:spLocks noGrp="1"/>
           </p:cNvSpPr>
@@ -4321,20 +4429,108 @@
           <a:p>
             <a:pPr marL="0" indent="0"/>
             <a:r>
-              <a:rPr lang="en-US">
-                <a:solidFill>
-                  <a:srgbClr val="000000"/>
-                </a:solidFill>
-              </a:rPr>
-              <a:t>Future work would generalize the model to work with other kinds of social media posts like Reddit, Facebook, or Instagram. Additionally, a future model can be multimodal and accept video, image, or audio input to provide a more comprehensive sentiment analysis of social media posts.</a:t>
-            </a:r>
-            <a:endParaRPr lang="en-US"/>
+              <a:rPr lang="en-US" dirty="0"/>
+              <a:t>To summarize</a:t>
+            </a:r>
+            <a:r>
+              <a:rPr lang="en-US"/>
+              <a:t>, we </a:t>
+            </a:r>
+            <a:r>
+              <a:rPr lang="en-US" dirty="0"/>
+              <a:t>developed a robust brand sentiment analyzer that can accurately classify sentiment in Twitter posts. We have leveraged </a:t>
+            </a:r>
+            <a:r>
+              <a:rPr lang="en-US"/>
+              <a:t>the </a:t>
+            </a:r>
+            <a:r>
+              <a:rPr lang="en-US" dirty="0"/>
+              <a:t>power </a:t>
+            </a:r>
+            <a:r>
+              <a:rPr lang="en-US"/>
+              <a:t>of </a:t>
+            </a:r>
+            <a:r>
+              <a:rPr lang="en-US" dirty="0"/>
+              <a:t>AI to provide businesses with real-time insights into their brand image. Despite facing several challenges and limitations</a:t>
+            </a:r>
+            <a:r>
+              <a:rPr lang="en-US"/>
+              <a:t>, </a:t>
+            </a:r>
+            <a:r>
+              <a:rPr lang="en-US" dirty="0"/>
+              <a:t>such as </a:t>
+            </a:r>
+            <a:r>
+              <a:rPr lang="en-US"/>
+              <a:t>the </a:t>
+            </a:r>
+            <a:r>
+              <a:rPr lang="en-US" dirty="0"/>
+              <a:t>ambiguity in language and </a:t>
+            </a:r>
+            <a:r>
+              <a:rPr lang="en-US"/>
+              <a:t>the </a:t>
+            </a:r>
+            <a:r>
+              <a:rPr lang="en-US" dirty="0"/>
+              <a:t>'Aboutness' problem</a:t>
+            </a:r>
+            <a:r>
+              <a:rPr lang="en-US"/>
+              <a:t>, </a:t>
+            </a:r>
+            <a:r>
+              <a:rPr lang="en-US" dirty="0"/>
+              <a:t>we have been able to overcome them </a:t>
+            </a:r>
+            <a:r>
+              <a:rPr lang="en-US"/>
+              <a:t>and </a:t>
+            </a:r>
+            <a:r>
+              <a:rPr lang="en-US" dirty="0"/>
+              <a:t>deliver a valuable tool for businesses. Looking ahead, we have identified several areas for </a:t>
+            </a:r>
+            <a:r>
+              <a:rPr lang="en-US"/>
+              <a:t>future work</a:t>
+            </a:r>
+            <a:r>
+              <a:rPr lang="en-US" dirty="0"/>
+              <a:t> that will help us to further refine and improve our brand sentiment analyzer. However, it's important to note that the choice of classification approach should be made considering a holistic view of metrics, aligning with the project's objectives. Depending on the specific needs of the task, different approaches might be preferred. It's essential to evaluate models based on the metrics that align with the project's goals. Thank you for your attention</a:t>
+            </a:r>
+            <a:r>
+              <a:rPr lang="en-US"/>
+              <a:t>, </a:t>
+            </a:r>
+            <a:r>
+              <a:rPr lang="en-US" dirty="0"/>
+              <a:t>and we look forward to continuing </a:t>
+            </a:r>
+            <a:r>
+              <a:rPr lang="en-US"/>
+              <a:t>our </a:t>
+            </a:r>
+            <a:r>
+              <a:rPr lang="en-US" dirty="0"/>
+              <a:t>work in this exciting field</a:t>
+            </a:r>
+            <a:r>
+              <a:rPr lang="en-US"/>
+              <a:t>.</a:t>
+            </a:r>
+            <a:endParaRPr lang="en-US" dirty="0"/>
           </a:p>
         </p:txBody>
       </p:sp>
       <p:sp>
         <p:nvSpPr>
-          <p:cNvPr id="179" name="Google Shape;179;p20:notes"/>
+          <p:cNvPr id="172" name="Google Shape;172;p19:notes"/>
           <p:cNvSpPr txBox="1">
             <a:spLocks noGrp="1"/>
           </p:cNvSpPr>
@@ -4387,118 +4583,6 @@
 </file>
 
 <file path=ppt/notesSlides/notesSlide26.xml><?xml version="1.0" encoding="utf-8"?>
-<p:notes xmlns:a="http://schemas.openxmlformats.org/drawingml/2006/main" xmlns:r="http://schemas.openxmlformats.org/officeDocument/2006/relationships" xmlns:p="http://schemas.openxmlformats.org/presentationml/2006/main">
-  <p:cSld>
-    <p:spTree>
-      <p:nvGrpSpPr>
-        <p:cNvPr id="1" name=""/>
-        <p:cNvGrpSpPr/>
-        <p:nvPr/>
-      </p:nvGrpSpPr>
-      <p:grpSpPr>
-        <a:xfrm>
-          <a:off x="0" y="0"/>
-          <a:ext cx="0" cy="0"/>
-          <a:chOff x="0" y="0"/>
-          <a:chExt cx="0" cy="0"/>
-        </a:xfrm>
-      </p:grpSpPr>
-      <p:sp>
-        <p:nvSpPr>
-          <p:cNvPr id="2" name="Slide Image Placeholder 1"/>
-          <p:cNvSpPr>
-            <a:spLocks noGrp="1" noRot="1" noChangeAspect="1"/>
-          </p:cNvSpPr>
-          <p:nvPr>
-            <p:ph type="sldImg"/>
-          </p:nvPr>
-        </p:nvSpPr>
-        <p:spPr/>
-      </p:sp>
-      <p:sp>
-        <p:nvSpPr>
-          <p:cNvPr id="3" name="Notes Placeholder 2"/>
-          <p:cNvSpPr>
-            <a:spLocks noGrp="1"/>
-          </p:cNvSpPr>
-          <p:nvPr>
-            <p:ph type="body" idx="1"/>
-          </p:nvPr>
-        </p:nvSpPr>
-        <p:spPr/>
-        <p:txBody>
-          <a:bodyPr/>
-          <a:lstStyle/>
-          <a:p>
-            <a:r>
-              <a:rPr lang="en-US"/>
-              <a:t>We explored Large Language Models (or LLMs) but decided against using them in our final Brand Sentiment Analyzer because they were difficult to integrate. If given more time, we would integrate BERT and GPT2 to the Brand Sentiment Analyzer.</a:t>
-            </a:r>
-          </a:p>
-        </p:txBody>
-      </p:sp>
-      <p:sp>
-        <p:nvSpPr>
-          <p:cNvPr id="4" name="Slide Number Placeholder 3"/>
-          <p:cNvSpPr>
-            <a:spLocks noGrp="1"/>
-          </p:cNvSpPr>
-          <p:nvPr>
-            <p:ph type="sldNum" idx="12"/>
-          </p:nvPr>
-        </p:nvSpPr>
-        <p:spPr/>
-        <p:txBody>
-          <a:bodyPr/>
-          <a:lstStyle/>
-          <a:p>
-            <a:pPr marL="0" marR="0" lvl="0" indent="0" algn="r" rtl="0">
-              <a:spcBef>
-                <a:spcPts val="0"/>
-              </a:spcBef>
-              <a:spcAft>
-                <a:spcPts val="0"/>
-              </a:spcAft>
-              <a:buNone/>
-            </a:pPr>
-            <a:fld id="{00000000-1234-1234-1234-123412341234}" type="slidenum">
-              <a:rPr lang="en-US" sz="1200" b="0" i="0" u="none" strike="noStrike" cap="none">
-                <a:solidFill>
-                  <a:schemeClr val="dk1"/>
-                </a:solidFill>
-                <a:latin typeface="Arial"/>
-                <a:ea typeface="Arial"/>
-                <a:cs typeface="Arial"/>
-                <a:sym typeface="Arial"/>
-              </a:rPr>
-              <a:t>26</a:t>
-            </a:fld>
-            <a:endParaRPr lang="en-US" sz="1200" b="0" i="0" u="none" strike="noStrike" cap="none">
-              <a:solidFill>
-                <a:schemeClr val="dk1"/>
-              </a:solidFill>
-              <a:latin typeface="Arial"/>
-              <a:ea typeface="Arial"/>
-              <a:cs typeface="Arial"/>
-              <a:sym typeface="Arial"/>
-            </a:endParaRPr>
-          </a:p>
-        </p:txBody>
-      </p:sp>
-    </p:spTree>
-    <p:extLst>
-      <p:ext uri="{BB962C8B-B14F-4D97-AF65-F5344CB8AC3E}">
-        <p14:creationId xmlns:p14="http://schemas.microsoft.com/office/powerpoint/2010/main" val="2594840881"/>
-      </p:ext>
-    </p:extLst>
-  </p:cSld>
-  <p:clrMapOvr>
-    <a:masterClrMapping/>
-  </p:clrMapOvr>
-</p:notes>
-</file>
-
-<file path=ppt/notesSlides/notesSlide27.xml><?xml version="1.0" encoding="utf-8"?>
 <p:notes xmlns:a="http://schemas.openxmlformats.org/drawingml/2006/main" xmlns:r="http://schemas.openxmlformats.org/officeDocument/2006/relationships" xmlns:p="http://schemas.openxmlformats.org/presentationml/2006/main" showMasterSp="0" showMasterPhAnim="0">
   <p:cSld>
     <p:spTree>
@@ -4655,7 +4739,7 @@
             </a:pPr>
             <a:fld id="{00000000-1234-1234-1234-123412341234}" type="slidenum">
               <a:rPr lang="en-US"/>
-              <a:t>27</a:t>
+              <a:t>26</a:t>
             </a:fld>
             <a:endParaRPr/>
           </a:p>
@@ -4782,11 +4866,11 @@
 </file>
 
 <file path=ppt/notesSlides/notesSlide4.xml><?xml version="1.0" encoding="utf-8"?>
-<p:notes xmlns:a="http://schemas.openxmlformats.org/drawingml/2006/main" xmlns:r="http://schemas.openxmlformats.org/officeDocument/2006/relationships" xmlns:p="http://schemas.openxmlformats.org/presentationml/2006/main">
+<p:notes xmlns:a="http://schemas.openxmlformats.org/drawingml/2006/main" xmlns:r="http://schemas.openxmlformats.org/officeDocument/2006/relationships" xmlns:p="http://schemas.openxmlformats.org/presentationml/2006/main" showMasterSp="0" showMasterPhAnim="0">
   <p:cSld>
     <p:spTree>
       <p:nvGrpSpPr>
-        <p:cNvPr id="1" name=""/>
+        <p:cNvPr id="1" name="Shape 64"/>
         <p:cNvGrpSpPr/>
         <p:nvPr/>
       </p:nvGrpSpPr>
@@ -4800,403 +4884,7 @@
       </p:grpSpPr>
       <p:sp>
         <p:nvSpPr>
-          <p:cNvPr id="2" name="Slide Image Placeholder 1"/>
-          <p:cNvSpPr>
-            <a:spLocks noGrp="1" noRot="1" noChangeAspect="1"/>
-          </p:cNvSpPr>
-          <p:nvPr>
-            <p:ph type="sldImg"/>
-          </p:nvPr>
-        </p:nvSpPr>
-        <p:spPr/>
-      </p:sp>
-      <p:sp>
-        <p:nvSpPr>
-          <p:cNvPr id="3" name="Notes Placeholder 2"/>
-          <p:cNvSpPr>
-            <a:spLocks noGrp="1"/>
-          </p:cNvSpPr>
-          <p:nvPr>
-            <p:ph type="body" idx="1"/>
-          </p:nvPr>
-        </p:nvSpPr>
-        <p:spPr/>
-        <p:txBody>
-          <a:bodyPr/>
-          <a:lstStyle/>
-          <a:p>
-            <a:pPr marL="0" indent="0">
-              <a:spcBef>
-                <a:spcPts val="0"/>
-              </a:spcBef>
-            </a:pPr>
-            <a:r>
-              <a:rPr lang="en-US"/>
-              <a:t>In this project, we leverage Natural Language Processing, Classification, and Sentiment Analysis techniques to understand public sentiment towards brands. Our goal is to empower businesses with timely insights for maintaining a positive brand image.</a:t>
-            </a:r>
-          </a:p>
-        </p:txBody>
-      </p:sp>
-      <p:sp>
-        <p:nvSpPr>
-          <p:cNvPr id="4" name="Slide Number Placeholder 3"/>
-          <p:cNvSpPr>
-            <a:spLocks noGrp="1"/>
-          </p:cNvSpPr>
-          <p:nvPr>
-            <p:ph type="sldNum" idx="12"/>
-          </p:nvPr>
-        </p:nvSpPr>
-        <p:spPr/>
-        <p:txBody>
-          <a:bodyPr/>
-          <a:lstStyle/>
-          <a:p>
-            <a:pPr marL="0" marR="0" lvl="0" indent="0" algn="r" rtl="0">
-              <a:spcBef>
-                <a:spcPts val="0"/>
-              </a:spcBef>
-              <a:spcAft>
-                <a:spcPts val="0"/>
-              </a:spcAft>
-              <a:buNone/>
-            </a:pPr>
-            <a:fld id="{00000000-1234-1234-1234-123412341234}" type="slidenum">
-              <a:rPr lang="en-US" sz="1200" b="0" i="0" u="none" strike="noStrike" cap="none">
-                <a:solidFill>
-                  <a:schemeClr val="dk1"/>
-                </a:solidFill>
-                <a:latin typeface="Arial"/>
-                <a:ea typeface="Arial"/>
-                <a:cs typeface="Arial"/>
-                <a:sym typeface="Arial"/>
-              </a:rPr>
-              <a:t>4</a:t>
-            </a:fld>
-            <a:endParaRPr lang="en-US" sz="1200" b="0" i="0" u="none" strike="noStrike" cap="none">
-              <a:solidFill>
-                <a:schemeClr val="dk1"/>
-              </a:solidFill>
-              <a:latin typeface="Arial"/>
-              <a:ea typeface="Arial"/>
-              <a:cs typeface="Arial"/>
-              <a:sym typeface="Arial"/>
-            </a:endParaRPr>
-          </a:p>
-        </p:txBody>
-      </p:sp>
-    </p:spTree>
-    <p:extLst>
-      <p:ext uri="{BB962C8B-B14F-4D97-AF65-F5344CB8AC3E}">
-        <p14:creationId xmlns:p14="http://schemas.microsoft.com/office/powerpoint/2010/main" val="2012730978"/>
-      </p:ext>
-    </p:extLst>
-  </p:cSld>
-  <p:clrMapOvr>
-    <a:masterClrMapping/>
-  </p:clrMapOvr>
-</p:notes>
-</file>
-
-<file path=ppt/notesSlides/notesSlide5.xml><?xml version="1.0" encoding="utf-8"?>
-<p:notes xmlns:a="http://schemas.openxmlformats.org/drawingml/2006/main" xmlns:r="http://schemas.openxmlformats.org/officeDocument/2006/relationships" xmlns:p="http://schemas.openxmlformats.org/presentationml/2006/main">
-  <p:cSld>
-    <p:spTree>
-      <p:nvGrpSpPr>
-        <p:cNvPr id="1" name=""/>
-        <p:cNvGrpSpPr/>
-        <p:nvPr/>
-      </p:nvGrpSpPr>
-      <p:grpSpPr>
-        <a:xfrm>
-          <a:off x="0" y="0"/>
-          <a:ext cx="0" cy="0"/>
-          <a:chOff x="0" y="0"/>
-          <a:chExt cx="0" cy="0"/>
-        </a:xfrm>
-      </p:grpSpPr>
-      <p:sp>
-        <p:nvSpPr>
-          <p:cNvPr id="2" name="Slide Image Placeholder 1"/>
-          <p:cNvSpPr>
-            <a:spLocks noGrp="1" noRot="1" noChangeAspect="1"/>
-          </p:cNvSpPr>
-          <p:nvPr>
-            <p:ph type="sldImg"/>
-          </p:nvPr>
-        </p:nvSpPr>
-        <p:spPr/>
-      </p:sp>
-      <p:sp>
-        <p:nvSpPr>
-          <p:cNvPr id="3" name="Notes Placeholder 2"/>
-          <p:cNvSpPr>
-            <a:spLocks noGrp="1"/>
-          </p:cNvSpPr>
-          <p:nvPr>
-            <p:ph type="body" idx="1"/>
-          </p:nvPr>
-        </p:nvSpPr>
-        <p:spPr/>
-        <p:txBody>
-          <a:bodyPr/>
-          <a:lstStyle/>
-          <a:p>
-            <a:pPr marL="0" indent="0">
-              <a:spcBef>
-                <a:spcPts val="0"/>
-              </a:spcBef>
-            </a:pPr>
-            <a:r>
-              <a:rPr lang="en-US"/>
-              <a:t>To achieve this, we perform brand sentiment analysis on Twitter posts. Brand sentiment analysis involves identifying brand mentions in text and determining the sentiment towards those brands. The purpose of this project is to create Machine Learning models to classify sentiment in textual tweets.</a:t>
-            </a:r>
-          </a:p>
-        </p:txBody>
-      </p:sp>
-      <p:sp>
-        <p:nvSpPr>
-          <p:cNvPr id="4" name="Slide Number Placeholder 3"/>
-          <p:cNvSpPr>
-            <a:spLocks noGrp="1"/>
-          </p:cNvSpPr>
-          <p:nvPr>
-            <p:ph type="sldNum" idx="12"/>
-          </p:nvPr>
-        </p:nvSpPr>
-        <p:spPr/>
-        <p:txBody>
-          <a:bodyPr/>
-          <a:lstStyle/>
-          <a:p>
-            <a:pPr marL="0" marR="0" lvl="0" indent="0" algn="r" rtl="0">
-              <a:spcBef>
-                <a:spcPts val="0"/>
-              </a:spcBef>
-              <a:spcAft>
-                <a:spcPts val="0"/>
-              </a:spcAft>
-              <a:buNone/>
-            </a:pPr>
-            <a:fld id="{00000000-1234-1234-1234-123412341234}" type="slidenum">
-              <a:rPr lang="en-US" sz="1200" b="0" i="0" u="none" strike="noStrike" cap="none">
-                <a:solidFill>
-                  <a:schemeClr val="dk1"/>
-                </a:solidFill>
-                <a:latin typeface="Arial"/>
-                <a:ea typeface="Arial"/>
-                <a:cs typeface="Arial"/>
-                <a:sym typeface="Arial"/>
-              </a:rPr>
-              <a:t>5</a:t>
-            </a:fld>
-            <a:endParaRPr lang="en-US" sz="1200" b="0" i="0" u="none" strike="noStrike" cap="none">
-              <a:solidFill>
-                <a:schemeClr val="dk1"/>
-              </a:solidFill>
-              <a:latin typeface="Arial"/>
-              <a:ea typeface="Arial"/>
-              <a:cs typeface="Arial"/>
-              <a:sym typeface="Arial"/>
-            </a:endParaRPr>
-          </a:p>
-        </p:txBody>
-      </p:sp>
-    </p:spTree>
-    <p:extLst>
-      <p:ext uri="{BB962C8B-B14F-4D97-AF65-F5344CB8AC3E}">
-        <p14:creationId xmlns:p14="http://schemas.microsoft.com/office/powerpoint/2010/main" val="3757994113"/>
-      </p:ext>
-    </p:extLst>
-  </p:cSld>
-  <p:clrMapOvr>
-    <a:masterClrMapping/>
-  </p:clrMapOvr>
-</p:notes>
-</file>
-
-<file path=ppt/notesSlides/notesSlide6.xml><?xml version="1.0" encoding="utf-8"?>
-<p:notes xmlns:a="http://schemas.openxmlformats.org/drawingml/2006/main" xmlns:r="http://schemas.openxmlformats.org/officeDocument/2006/relationships" xmlns:p="http://schemas.openxmlformats.org/presentationml/2006/main">
-  <p:cSld>
-    <p:spTree>
-      <p:nvGrpSpPr>
-        <p:cNvPr id="1" name=""/>
-        <p:cNvGrpSpPr/>
-        <p:nvPr/>
-      </p:nvGrpSpPr>
-      <p:grpSpPr>
-        <a:xfrm>
-          <a:off x="0" y="0"/>
-          <a:ext cx="0" cy="0"/>
-          <a:chOff x="0" y="0"/>
-          <a:chExt cx="0" cy="0"/>
-        </a:xfrm>
-      </p:grpSpPr>
-      <p:sp>
-        <p:nvSpPr>
-          <p:cNvPr id="2" name="Slide Image Placeholder 1"/>
-          <p:cNvSpPr>
-            <a:spLocks noGrp="1" noRot="1" noChangeAspect="1"/>
-          </p:cNvSpPr>
-          <p:nvPr>
-            <p:ph type="sldImg"/>
-          </p:nvPr>
-        </p:nvSpPr>
-        <p:spPr/>
-      </p:sp>
-      <p:sp>
-        <p:nvSpPr>
-          <p:cNvPr id="3" name="Notes Placeholder 2"/>
-          <p:cNvSpPr>
-            <a:spLocks noGrp="1"/>
-          </p:cNvSpPr>
-          <p:nvPr>
-            <p:ph type="body" idx="1"/>
-          </p:nvPr>
-        </p:nvSpPr>
-        <p:spPr/>
-        <p:txBody>
-          <a:bodyPr/>
-          <a:lstStyle/>
-          <a:p>
-            <a:pPr marL="90170" indent="-58420">
-              <a:lnSpc>
-                <a:spcPct val="160000"/>
-              </a:lnSpc>
-              <a:spcBef>
-                <a:spcPts val="600"/>
-              </a:spcBef>
-            </a:pPr>
-            <a:r>
-              <a:rPr lang="en-US"/>
-              <a:t>The primary ML algorithms considered for sentiment analysis include Naïve Bayes, Logistic Regression, </a:t>
-            </a:r>
-          </a:p>
-          <a:p>
-            <a:pPr marL="90170" indent="-58420">
-              <a:lnSpc>
-                <a:spcPct val="160000"/>
-              </a:lnSpc>
-              <a:spcBef>
-                <a:spcPts val="600"/>
-              </a:spcBef>
-            </a:pPr>
-            <a:r>
-              <a:rPr lang="en-US"/>
-              <a:t>Support Vector Machines, Recurrent Neural Networks, and Transformers (e.g., BERT). Each algorithm </a:t>
-            </a:r>
-          </a:p>
-          <a:p>
-            <a:pPr marL="90170" indent="-58420">
-              <a:lnSpc>
-                <a:spcPct val="160000"/>
-              </a:lnSpc>
-              <a:spcBef>
-                <a:spcPts val="600"/>
-              </a:spcBef>
-            </a:pPr>
-            <a:r>
-              <a:rPr lang="en-US"/>
-              <a:t>offers distinct advantages and trade-offs, influencing the overall performance of the sentiment analysis </a:t>
-            </a:r>
-          </a:p>
-          <a:p>
-            <a:pPr marL="90170" indent="-58420">
-              <a:lnSpc>
-                <a:spcPct val="160000"/>
-              </a:lnSpc>
-              <a:spcBef>
-                <a:spcPts val="600"/>
-              </a:spcBef>
-            </a:pPr>
-            <a:r>
-              <a:rPr lang="en-US"/>
-              <a:t>system.</a:t>
-            </a:r>
-          </a:p>
-        </p:txBody>
-      </p:sp>
-      <p:sp>
-        <p:nvSpPr>
-          <p:cNvPr id="4" name="Slide Number Placeholder 3"/>
-          <p:cNvSpPr>
-            <a:spLocks noGrp="1"/>
-          </p:cNvSpPr>
-          <p:nvPr>
-            <p:ph type="sldNum" idx="12"/>
-          </p:nvPr>
-        </p:nvSpPr>
-        <p:spPr/>
-        <p:txBody>
-          <a:bodyPr/>
-          <a:lstStyle/>
-          <a:p>
-            <a:pPr marL="0" marR="0" lvl="0" indent="0" algn="r" rtl="0">
-              <a:spcBef>
-                <a:spcPts val="0"/>
-              </a:spcBef>
-              <a:spcAft>
-                <a:spcPts val="0"/>
-              </a:spcAft>
-              <a:buNone/>
-            </a:pPr>
-            <a:fld id="{00000000-1234-1234-1234-123412341234}" type="slidenum">
-              <a:rPr lang="en-US" sz="1200" b="0" i="0" u="none" strike="noStrike" cap="none">
-                <a:solidFill>
-                  <a:schemeClr val="dk1"/>
-                </a:solidFill>
-                <a:latin typeface="Arial"/>
-                <a:ea typeface="Arial"/>
-                <a:cs typeface="Arial"/>
-                <a:sym typeface="Arial"/>
-              </a:rPr>
-              <a:t>6</a:t>
-            </a:fld>
-            <a:endParaRPr lang="en-US" sz="1200" b="0" i="0" u="none" strike="noStrike" cap="none">
-              <a:solidFill>
-                <a:schemeClr val="dk1"/>
-              </a:solidFill>
-              <a:latin typeface="Arial"/>
-              <a:ea typeface="Arial"/>
-              <a:cs typeface="Arial"/>
-              <a:sym typeface="Arial"/>
-            </a:endParaRPr>
-          </a:p>
-        </p:txBody>
-      </p:sp>
-    </p:spTree>
-    <p:extLst>
-      <p:ext uri="{BB962C8B-B14F-4D97-AF65-F5344CB8AC3E}">
-        <p14:creationId xmlns:p14="http://schemas.microsoft.com/office/powerpoint/2010/main" val="1439647282"/>
-      </p:ext>
-    </p:extLst>
-  </p:cSld>
-  <p:clrMapOvr>
-    <a:masterClrMapping/>
-  </p:clrMapOvr>
-</p:notes>
-</file>
-
-<file path=ppt/notesSlides/notesSlide7.xml><?xml version="1.0" encoding="utf-8"?>
-<p:notes xmlns:a="http://schemas.openxmlformats.org/drawingml/2006/main" xmlns:r="http://schemas.openxmlformats.org/officeDocument/2006/relationships" xmlns:p="http://schemas.openxmlformats.org/presentationml/2006/main" showMasterSp="0" showMasterPhAnim="0">
-  <p:cSld>
-    <p:spTree>
-      <p:nvGrpSpPr>
-        <p:cNvPr id="1" name="Shape 57"/>
-        <p:cNvGrpSpPr/>
-        <p:nvPr/>
-      </p:nvGrpSpPr>
-      <p:grpSpPr>
-        <a:xfrm>
-          <a:off x="0" y="0"/>
-          <a:ext cx="0" cy="0"/>
-          <a:chOff x="0" y="0"/>
-          <a:chExt cx="0" cy="0"/>
-        </a:xfrm>
-      </p:grpSpPr>
-      <p:sp>
-        <p:nvSpPr>
-          <p:cNvPr id="58" name="Google Shape;58;p3:notes"/>
+          <p:cNvPr id="65" name="Google Shape;65;p4:notes"/>
           <p:cNvSpPr>
             <a:spLocks noGrp="1" noRot="1" noChangeAspect="1"/>
           </p:cNvSpPr>
@@ -5247,7 +4935,7 @@
       </p:sp>
       <p:sp>
         <p:nvSpPr>
-          <p:cNvPr id="59" name="Google Shape;59;p3:notes"/>
+          <p:cNvPr id="66" name="Google Shape;66;p4:notes"/>
           <p:cNvSpPr txBox="1">
             <a:spLocks noGrp="1"/>
           </p:cNvSpPr>
@@ -5274,42 +4962,88 @@
           </a:bodyPr>
           <a:lstStyle/>
           <a:p>
-            <a:pPr marL="0" marR="0" lvl="0" indent="0" algn="l" rtl="0">
-              <a:lnSpc>
-                <a:spcPct val="100000"/>
-              </a:lnSpc>
-              <a:spcBef>
-                <a:spcPts val="0"/>
-              </a:spcBef>
-              <a:spcAft>
-                <a:spcPts val="0"/>
-              </a:spcAft>
-              <a:buClr>
-                <a:srgbClr val="1C1917"/>
-              </a:buClr>
-              <a:buSzPts val="1200"/>
-              <a:buFont typeface="Arial"/>
-              <a:buNone/>
+            <a:pPr marL="0" indent="0">
+              <a:spcBef>
+                <a:spcPts val="0"/>
+              </a:spcBef>
             </a:pPr>
             <a:r>
-              <a:rPr lang="en-US" b="0" i="0">
-                <a:solidFill>
-                  <a:srgbClr val="1C1917"/>
-                </a:solidFill>
-                <a:latin typeface="Arial"/>
-                <a:ea typeface="Arial"/>
-                <a:cs typeface="Arial"/>
+              <a:rPr lang="en-US" dirty="0"/>
+              <a:t>The scope of our </a:t>
+            </a:r>
+            <a:r>
+              <a:rPr lang="en-US" b="0" i="0" dirty="0">
                 <a:sym typeface="Arial"/>
               </a:rPr>
-              <a:t>The problem we aim to solve is detecting if a given tweet mentions a brand, and if so, classifying the sentiment of the tweet towards that brand as positive, negative or neutral. We break this down into two models - a Brand Classifier and a Sentiment Classifier.</a:t>
-            </a:r>
-            <a:endParaRPr/>
+              <a:t>project </a:t>
+            </a:r>
+            <a:r>
+              <a:rPr lang="en-US" dirty="0"/>
+              <a:t>is </a:t>
+            </a:r>
+            <a:r>
+              <a:rPr lang="en-US" b="0" i="0" dirty="0">
+                <a:sym typeface="Arial"/>
+              </a:rPr>
+              <a:t>specifically </a:t>
+            </a:r>
+            <a:r>
+              <a:rPr lang="en-US" dirty="0"/>
+              <a:t>focused </a:t>
+            </a:r>
+            <a:r>
+              <a:rPr lang="en-US" b="0" i="0" dirty="0">
+                <a:sym typeface="Arial"/>
+              </a:rPr>
+              <a:t>on Twitter</a:t>
+            </a:r>
+            <a:r>
+              <a:rPr lang="en-US" dirty="0"/>
+              <a:t>, one of the most popular social media platforms. We aim to analyze tweets</a:t>
+            </a:r>
+            <a:r>
+              <a:rPr lang="en-US" b="0" i="0" dirty="0">
+                <a:sym typeface="Arial"/>
+              </a:rPr>
+              <a:t> for brand mentions and </a:t>
+            </a:r>
+            <a:r>
+              <a:rPr lang="en-US" dirty="0"/>
+              <a:t>the sentiment </a:t>
+            </a:r>
+            <a:r>
+              <a:rPr lang="en-US" b="0" i="0" dirty="0">
+                <a:sym typeface="Arial"/>
+              </a:rPr>
+              <a:t>associated </a:t>
+            </a:r>
+            <a:r>
+              <a:rPr lang="en-US" dirty="0"/>
+              <a:t>with these mentions. This involves identifying tweets that mention specific brands and then classifying the </a:t>
+            </a:r>
+            <a:r>
+              <a:rPr lang="en-US" b="0" i="0" dirty="0">
+                <a:sym typeface="Arial"/>
+              </a:rPr>
+              <a:t>sentiment</a:t>
+            </a:r>
+            <a:r>
+              <a:rPr lang="en-US" dirty="0"/>
+              <a:t> of these tweets as positive or negative</a:t>
+            </a:r>
+            <a:r>
+              <a:rPr lang="en-US" b="0" i="0" dirty="0">
+                <a:sym typeface="Arial"/>
+              </a:rPr>
+              <a:t>.</a:t>
+            </a:r>
+            <a:endParaRPr lang="en-US" dirty="0"/>
           </a:p>
         </p:txBody>
       </p:sp>
       <p:sp>
         <p:nvSpPr>
-          <p:cNvPr id="60" name="Google Shape;60;p3:notes"/>
+          <p:cNvPr id="67" name="Google Shape;67;p4:notes"/>
           <p:cNvSpPr txBox="1">
             <a:spLocks noGrp="1"/>
           </p:cNvSpPr>
@@ -5347,7 +5081,7 @@
             </a:pPr>
             <a:fld id="{00000000-1234-1234-1234-123412341234}" type="slidenum">
               <a:rPr lang="en-US"/>
-              <a:t>7</a:t>
+              <a:t>4</a:t>
             </a:fld>
             <a:endParaRPr/>
           </a:p>
@@ -5361,12 +5095,12 @@
 </p:notes>
 </file>
 
-<file path=ppt/notesSlides/notesSlide8.xml><?xml version="1.0" encoding="utf-8"?>
-<p:notes xmlns:a="http://schemas.openxmlformats.org/drawingml/2006/main" xmlns:r="http://schemas.openxmlformats.org/officeDocument/2006/relationships" xmlns:p="http://schemas.openxmlformats.org/presentationml/2006/main" showMasterSp="0" showMasterPhAnim="0">
+<file path=ppt/notesSlides/notesSlide5.xml><?xml version="1.0" encoding="utf-8"?>
+<p:notes xmlns:a="http://schemas.openxmlformats.org/drawingml/2006/main" xmlns:r="http://schemas.openxmlformats.org/officeDocument/2006/relationships" xmlns:p="http://schemas.openxmlformats.org/presentationml/2006/main">
   <p:cSld>
     <p:spTree>
       <p:nvGrpSpPr>
-        <p:cNvPr id="1" name="Shape 64"/>
+        <p:cNvPr id="1" name=""/>
         <p:cNvGrpSpPr/>
         <p:nvPr/>
       </p:nvGrpSpPr>
@@ -5380,7 +5114,124 @@
       </p:grpSpPr>
       <p:sp>
         <p:nvSpPr>
-          <p:cNvPr id="65" name="Google Shape;65;p4:notes"/>
+          <p:cNvPr id="2" name="Slide Image Placeholder 1"/>
+          <p:cNvSpPr>
+            <a:spLocks noGrp="1" noRot="1" noChangeAspect="1"/>
+          </p:cNvSpPr>
+          <p:nvPr>
+            <p:ph type="sldImg"/>
+          </p:nvPr>
+        </p:nvSpPr>
+        <p:spPr/>
+      </p:sp>
+      <p:sp>
+        <p:nvSpPr>
+          <p:cNvPr id="3" name="Notes Placeholder 2"/>
+          <p:cNvSpPr>
+            <a:spLocks noGrp="1"/>
+          </p:cNvSpPr>
+          <p:nvPr>
+            <p:ph type="body" idx="1"/>
+          </p:nvPr>
+        </p:nvSpPr>
+        <p:spPr/>
+        <p:txBody>
+          <a:bodyPr/>
+          <a:lstStyle/>
+          <a:p>
+            <a:pPr marL="0" indent="0">
+              <a:spcBef>
+                <a:spcPts val="0"/>
+              </a:spcBef>
+            </a:pPr>
+            <a:r>
+              <a:rPr lang="en-US" dirty="0"/>
+              <a:t>Now, let's delve into the specifics of our project. Our goal is to use Machine Learning to classify sentiment in textual tweets using the Sentiment140 dataset. We aim to explore algorithms like Naïve Bayes and Logistic Regression to understand public sentiment toward brands. The ultimate goal is to empower businesses with timely insights for maintaining a positive brand image. We will be covering various key course topics, including Natural Language Processing, Supervised Machine Learning, Classification, Regression, Bayesian Networks, and Deep Learning. These concepts are essential to developing a robust sentiment analysis system capable of accurate sentiment classification.</a:t>
+            </a:r>
+          </a:p>
+        </p:txBody>
+      </p:sp>
+      <p:sp>
+        <p:nvSpPr>
+          <p:cNvPr id="4" name="Slide Number Placeholder 3"/>
+          <p:cNvSpPr>
+            <a:spLocks noGrp="1"/>
+          </p:cNvSpPr>
+          <p:nvPr>
+            <p:ph type="sldNum" idx="12"/>
+          </p:nvPr>
+        </p:nvSpPr>
+        <p:spPr/>
+        <p:txBody>
+          <a:bodyPr/>
+          <a:lstStyle/>
+          <a:p>
+            <a:pPr marL="0" marR="0" lvl="0" indent="0" algn="r" rtl="0">
+              <a:spcBef>
+                <a:spcPts val="0"/>
+              </a:spcBef>
+              <a:spcAft>
+                <a:spcPts val="0"/>
+              </a:spcAft>
+              <a:buNone/>
+            </a:pPr>
+            <a:fld id="{00000000-1234-1234-1234-123412341234}" type="slidenum">
+              <a:rPr lang="en-US" sz="1200" b="0" i="0" u="none" strike="noStrike" cap="none">
+                <a:solidFill>
+                  <a:schemeClr val="dk1"/>
+                </a:solidFill>
+                <a:latin typeface="Arial"/>
+                <a:ea typeface="Arial"/>
+                <a:cs typeface="Arial"/>
+                <a:sym typeface="Arial"/>
+              </a:rPr>
+              <a:t>5</a:t>
+            </a:fld>
+            <a:endParaRPr lang="en-US" sz="1200" b="0" i="0" u="none" strike="noStrike" cap="none">
+              <a:solidFill>
+                <a:schemeClr val="dk1"/>
+              </a:solidFill>
+              <a:latin typeface="Arial"/>
+              <a:ea typeface="Arial"/>
+              <a:cs typeface="Arial"/>
+              <a:sym typeface="Arial"/>
+            </a:endParaRPr>
+          </a:p>
+        </p:txBody>
+      </p:sp>
+    </p:spTree>
+    <p:extLst>
+      <p:ext uri="{BB962C8B-B14F-4D97-AF65-F5344CB8AC3E}">
+        <p14:creationId xmlns:p14="http://schemas.microsoft.com/office/powerpoint/2010/main" val="2012730978"/>
+      </p:ext>
+    </p:extLst>
+  </p:cSld>
+  <p:clrMapOvr>
+    <a:masterClrMapping/>
+  </p:clrMapOvr>
+</p:notes>
+</file>
+
+<file path=ppt/notesSlides/notesSlide6.xml><?xml version="1.0" encoding="utf-8"?>
+<p:notes xmlns:a="http://schemas.openxmlformats.org/drawingml/2006/main" xmlns:r="http://schemas.openxmlformats.org/officeDocument/2006/relationships" xmlns:p="http://schemas.openxmlformats.org/presentationml/2006/main" showMasterSp="0" showMasterPhAnim="0">
+  <p:cSld>
+    <p:spTree>
+      <p:nvGrpSpPr>
+        <p:cNvPr id="1" name="Shape 57"/>
+        <p:cNvGrpSpPr/>
+        <p:nvPr/>
+      </p:nvGrpSpPr>
+      <p:grpSpPr>
+        <a:xfrm>
+          <a:off x="0" y="0"/>
+          <a:ext cx="0" cy="0"/>
+          <a:chOff x="0" y="0"/>
+          <a:chExt cx="0" cy="0"/>
+        </a:xfrm>
+      </p:grpSpPr>
+      <p:sp>
+        <p:nvSpPr>
+          <p:cNvPr id="58" name="Google Shape;58;p3:notes"/>
           <p:cNvSpPr>
             <a:spLocks noGrp="1" noRot="1" noChangeAspect="1"/>
           </p:cNvSpPr>
@@ -5431,7 +5282,7 @@
       </p:sp>
       <p:sp>
         <p:nvSpPr>
-          <p:cNvPr id="66" name="Google Shape;66;p4:notes"/>
+          <p:cNvPr id="59" name="Google Shape;59;p3:notes"/>
           <p:cNvSpPr txBox="1">
             <a:spLocks noGrp="1"/>
           </p:cNvSpPr>
@@ -5458,34 +5309,148 @@
           </a:bodyPr>
           <a:lstStyle/>
           <a:p>
-            <a:pPr marL="0" lvl="0" indent="0" algn="l" rtl="0">
-              <a:spcBef>
-                <a:spcPts val="0"/>
-              </a:spcBef>
-              <a:spcAft>
-                <a:spcPts val="0"/>
-              </a:spcAft>
-              <a:buNone/>
+            <a:pPr marL="0" indent="0">
+              <a:spcBef>
+                <a:spcPts val="0"/>
+              </a:spcBef>
             </a:pPr>
             <a:r>
-              <a:rPr lang="en-US" b="0" i="0">
-                <a:solidFill>
-                  <a:srgbClr val="1C1917"/>
-                </a:solidFill>
-                <a:latin typeface="Arial"/>
-                <a:ea typeface="Arial"/>
-                <a:cs typeface="Arial"/>
+              <a:rPr lang="en-US" dirty="0"/>
+              <a:t>Our project revolves around three main questions. First, how can </a:t>
+            </a:r>
+            <a:r>
+              <a:rPr lang="en-US" b="0" i="0" dirty="0">
                 <a:sym typeface="Arial"/>
               </a:rPr>
-              <a:t>Our project focuses specifically on analyzing tweets from Twitter for brand mentions and associated sentiment.</a:t>
-            </a:r>
-            <a:endParaRPr/>
+              <a:t>we </a:t>
+            </a:r>
+            <a:r>
+              <a:rPr lang="en-US" dirty="0"/>
+              <a:t>accurately classify brand sentiment in Twitter posts? This involves developing </a:t>
+            </a:r>
+            <a:r>
+              <a:rPr lang="en-US" b="0" i="0" dirty="0">
+                <a:sym typeface="Arial"/>
+              </a:rPr>
+              <a:t>a </a:t>
+            </a:r>
+            <a:r>
+              <a:rPr lang="en-US" dirty="0"/>
+              <a:t>model that can understand </a:t>
+            </a:r>
+            <a:r>
+              <a:rPr lang="en-US" b="0" i="0" dirty="0">
+                <a:sym typeface="Arial"/>
+              </a:rPr>
+              <a:t>and </a:t>
+            </a:r>
+            <a:r>
+              <a:rPr lang="en-US" dirty="0"/>
+              <a:t>interpret </a:t>
+            </a:r>
+            <a:r>
+              <a:rPr lang="en-US" b="0" i="0" dirty="0">
+                <a:sym typeface="Arial"/>
+              </a:rPr>
+              <a:t>the </a:t>
+            </a:r>
+            <a:r>
+              <a:rPr lang="en-US" dirty="0"/>
+              <a:t>nuances </a:t>
+            </a:r>
+            <a:r>
+              <a:rPr lang="en-US" b="0" i="0" dirty="0">
+                <a:sym typeface="Arial"/>
+              </a:rPr>
+              <a:t>of </a:t>
+            </a:r>
+            <a:r>
+              <a:rPr lang="en-US" dirty="0"/>
+              <a:t>human language, distinguishing between </a:t>
+            </a:r>
+            <a:r>
+              <a:rPr lang="en-US" b="0" i="0" dirty="0">
+                <a:sym typeface="Arial"/>
+              </a:rPr>
+              <a:t>positive, negative</a:t>
+            </a:r>
+            <a:r>
+              <a:rPr lang="en-US" dirty="0"/>
+              <a:t>, and</a:t>
+            </a:r>
+            <a:r>
+              <a:rPr lang="en-US" b="0" i="0" dirty="0">
+                <a:sym typeface="Arial"/>
+              </a:rPr>
+              <a:t> neutral</a:t>
+            </a:r>
+            <a:r>
+              <a:rPr lang="en-US" dirty="0"/>
+              <a:t> sentiments</a:t>
+            </a:r>
+            <a:r>
+              <a:rPr lang="en-US" b="0" i="0" dirty="0">
+                <a:sym typeface="Arial"/>
+              </a:rPr>
+              <a:t>. </a:t>
+            </a:r>
+            <a:r>
+              <a:rPr lang="en-US" dirty="0"/>
+              <a:t>Second, how can we leverage AI to provide businesses with real-time insights </a:t>
+            </a:r>
+            <a:r>
+              <a:rPr lang="en-US" b="0" i="0" dirty="0">
+                <a:sym typeface="Arial"/>
+              </a:rPr>
+              <a:t>into </a:t>
+            </a:r>
+            <a:r>
+              <a:rPr lang="en-US" dirty="0"/>
+              <a:t>their brand image? This requires </a:t>
+            </a:r>
+            <a:r>
+              <a:rPr lang="en-US" b="0" i="0" dirty="0">
+                <a:sym typeface="Arial"/>
+              </a:rPr>
+              <a:t>a </a:t>
+            </a:r>
+            <a:r>
+              <a:rPr lang="en-US" dirty="0"/>
+              <a:t>system that can analyze and interpret vast amounts of social media data quickly and accurately. And third, how can we use Machine Learning to predict future customer sentiment </a:t>
+            </a:r>
+            <a:r>
+              <a:rPr lang="en-US" b="0" i="0" dirty="0">
+                <a:sym typeface="Arial"/>
+              </a:rPr>
+              <a:t>and </a:t>
+            </a:r>
+            <a:r>
+              <a:rPr lang="en-US" dirty="0"/>
+              <a:t>behavior? This involves creating </a:t>
+            </a:r>
+            <a:r>
+              <a:rPr lang="en-US" b="0" i="0" dirty="0">
+                <a:sym typeface="Arial"/>
+              </a:rPr>
+              <a:t>a </a:t>
+            </a:r>
+            <a:r>
+              <a:rPr lang="en-US" dirty="0"/>
+              <a:t>predictive model that can analyze past behavior and trends to forecast future customer sentiment and actions. These questions form the basis of our project and guide our research and development efforts</a:t>
+            </a:r>
+            <a:r>
+              <a:rPr lang="en-US" b="0" i="0" dirty="0">
+                <a:sym typeface="Arial"/>
+              </a:rPr>
+              <a:t>.</a:t>
+            </a:r>
+            <a:endParaRPr lang="en-US" dirty="0"/>
           </a:p>
         </p:txBody>
       </p:sp>
       <p:sp>
         <p:nvSpPr>
-          <p:cNvPr id="67" name="Google Shape;67;p4:notes"/>
+          <p:cNvPr id="60" name="Google Shape;60;p3:notes"/>
           <p:cNvSpPr txBox="1">
             <a:spLocks noGrp="1"/>
           </p:cNvSpPr>
@@ -5523,13 +5488,350 @@
             </a:pPr>
             <a:fld id="{00000000-1234-1234-1234-123412341234}" type="slidenum">
               <a:rPr lang="en-US"/>
+              <a:t>6</a:t>
+            </a:fld>
+            <a:endParaRPr/>
+          </a:p>
+        </p:txBody>
+      </p:sp>
+    </p:spTree>
+  </p:cSld>
+  <p:clrMapOvr>
+    <a:masterClrMapping/>
+  </p:clrMapOvr>
+</p:notes>
+</file>
+
+<file path=ppt/notesSlides/notesSlide7.xml><?xml version="1.0" encoding="utf-8"?>
+<p:notes xmlns:a="http://schemas.openxmlformats.org/drawingml/2006/main" xmlns:r="http://schemas.openxmlformats.org/officeDocument/2006/relationships" xmlns:p="http://schemas.openxmlformats.org/presentationml/2006/main">
+  <p:cSld>
+    <p:spTree>
+      <p:nvGrpSpPr>
+        <p:cNvPr id="1" name=""/>
+        <p:cNvGrpSpPr/>
+        <p:nvPr/>
+      </p:nvGrpSpPr>
+      <p:grpSpPr>
+        <a:xfrm>
+          <a:off x="0" y="0"/>
+          <a:ext cx="0" cy="0"/>
+          <a:chOff x="0" y="0"/>
+          <a:chExt cx="0" cy="0"/>
+        </a:xfrm>
+      </p:grpSpPr>
+      <p:sp>
+        <p:nvSpPr>
+          <p:cNvPr id="2" name="Slide Image Placeholder 1"/>
+          <p:cNvSpPr>
+            <a:spLocks noGrp="1" noRot="1" noChangeAspect="1"/>
+          </p:cNvSpPr>
+          <p:nvPr>
+            <p:ph type="sldImg"/>
+          </p:nvPr>
+        </p:nvSpPr>
+        <p:spPr/>
+      </p:sp>
+      <p:sp>
+        <p:nvSpPr>
+          <p:cNvPr id="3" name="Notes Placeholder 2"/>
+          <p:cNvSpPr>
+            <a:spLocks noGrp="1"/>
+          </p:cNvSpPr>
+          <p:nvPr>
+            <p:ph type="body" idx="1"/>
+          </p:nvPr>
+        </p:nvSpPr>
+        <p:spPr/>
+        <p:txBody>
+          <a:bodyPr/>
+          <a:lstStyle/>
+          <a:p>
+            <a:pPr marL="0" indent="0">
+              <a:spcBef>
+                <a:spcPts val="0"/>
+              </a:spcBef>
+            </a:pPr>
+            <a:r>
+              <a:rPr lang="en-US" dirty="0"/>
+              <a:t>So, how do we create a brand sentiment analyzer? Our process involves several steps. First, we explore the Sentiment140 dataset to understand the information represented and discover any limitations. Next, we use OpenAI’s GPT-4 to generate synthetic entries to provide more support for each brand class. Then, we preprocess the data to clean and prepare it for model development. We test different models for brand classification, including Multinomial Naive Bayes, Linear Support Vector Classifier, and Logistic Regression. We also test different models for sentiment classification, all using the Logistic Regression algorithm but with different vectorization methods. We evaluate each model using metrics such as accuracy, precision, recall, and F1 score. Finally, we combine the highest performing brand and sentiment classifiers to create a Brand Sentiment Analyzer.</a:t>
+            </a:r>
+          </a:p>
+        </p:txBody>
+      </p:sp>
+      <p:sp>
+        <p:nvSpPr>
+          <p:cNvPr id="4" name="Slide Number Placeholder 3"/>
+          <p:cNvSpPr>
+            <a:spLocks noGrp="1"/>
+          </p:cNvSpPr>
+          <p:nvPr>
+            <p:ph type="sldNum" idx="12"/>
+          </p:nvPr>
+        </p:nvSpPr>
+        <p:spPr/>
+        <p:txBody>
+          <a:bodyPr/>
+          <a:lstStyle/>
+          <a:p>
+            <a:pPr marL="0" marR="0" lvl="0" indent="0" algn="r" rtl="0">
+              <a:spcBef>
+                <a:spcPts val="0"/>
+              </a:spcBef>
+              <a:spcAft>
+                <a:spcPts val="0"/>
+              </a:spcAft>
+              <a:buNone/>
+            </a:pPr>
+            <a:fld id="{00000000-1234-1234-1234-123412341234}" type="slidenum">
+              <a:rPr lang="en-US" sz="1200" b="0" i="0" u="none" strike="noStrike" cap="none">
+                <a:solidFill>
+                  <a:schemeClr val="dk1"/>
+                </a:solidFill>
+                <a:latin typeface="Arial"/>
+                <a:ea typeface="Arial"/>
+                <a:cs typeface="Arial"/>
+                <a:sym typeface="Arial"/>
+              </a:rPr>
+              <a:t>7</a:t>
+            </a:fld>
+            <a:endParaRPr lang="en-US" sz="1200" b="0" i="0" u="none" strike="noStrike" cap="none">
+              <a:solidFill>
+                <a:schemeClr val="dk1"/>
+              </a:solidFill>
+              <a:latin typeface="Arial"/>
+              <a:ea typeface="Arial"/>
+              <a:cs typeface="Arial"/>
+              <a:sym typeface="Arial"/>
+            </a:endParaRPr>
+          </a:p>
+        </p:txBody>
+      </p:sp>
+    </p:spTree>
+    <p:extLst>
+      <p:ext uri="{BB962C8B-B14F-4D97-AF65-F5344CB8AC3E}">
+        <p14:creationId xmlns:p14="http://schemas.microsoft.com/office/powerpoint/2010/main" val="3757994113"/>
+      </p:ext>
+    </p:extLst>
+  </p:cSld>
+  <p:clrMapOvr>
+    <a:masterClrMapping/>
+  </p:clrMapOvr>
+</p:notes>
+</file>
+
+<file path=ppt/notesSlides/notesSlide8.xml><?xml version="1.0" encoding="utf-8"?>
+<p:notes xmlns:a="http://schemas.openxmlformats.org/drawingml/2006/main" xmlns:r="http://schemas.openxmlformats.org/officeDocument/2006/relationships" xmlns:p="http://schemas.openxmlformats.org/presentationml/2006/main">
+  <p:cSld>
+    <p:spTree>
+      <p:nvGrpSpPr>
+        <p:cNvPr id="1" name=""/>
+        <p:cNvGrpSpPr/>
+        <p:nvPr/>
+      </p:nvGrpSpPr>
+      <p:grpSpPr>
+        <a:xfrm>
+          <a:off x="0" y="0"/>
+          <a:ext cx="0" cy="0"/>
+          <a:chOff x="0" y="0"/>
+          <a:chExt cx="0" cy="0"/>
+        </a:xfrm>
+      </p:grpSpPr>
+      <p:sp>
+        <p:nvSpPr>
+          <p:cNvPr id="2" name="Slide Image Placeholder 1"/>
+          <p:cNvSpPr>
+            <a:spLocks noGrp="1" noRot="1" noChangeAspect="1"/>
+          </p:cNvSpPr>
+          <p:nvPr>
+            <p:ph type="sldImg"/>
+          </p:nvPr>
+        </p:nvSpPr>
+        <p:spPr/>
+      </p:sp>
+      <p:sp>
+        <p:nvSpPr>
+          <p:cNvPr id="3" name="Notes Placeholder 2"/>
+          <p:cNvSpPr>
+            <a:spLocks noGrp="1"/>
+          </p:cNvSpPr>
+          <p:nvPr>
+            <p:ph type="body" idx="1"/>
+          </p:nvPr>
+        </p:nvSpPr>
+        <p:spPr/>
+        <p:txBody>
+          <a:bodyPr/>
+          <a:lstStyle/>
+          <a:p>
+            <a:pPr marL="90170" indent="-58420">
+              <a:lnSpc>
+                <a:spcPct val="160000"/>
+              </a:lnSpc>
+              <a:spcBef>
+                <a:spcPts val="600"/>
+              </a:spcBef>
+            </a:pPr>
+            <a:r>
+              <a:rPr lang="en-US" dirty="0"/>
+              <a:t>In our project, we </a:t>
+            </a:r>
+            <a:r>
+              <a:rPr lang="en-US"/>
+              <a:t>considered </a:t>
+            </a:r>
+            <a:r>
+              <a:rPr lang="en-US" dirty="0"/>
+              <a:t>several machine learning algorithms. These </a:t>
+            </a:r>
+            <a:r>
+              <a:rPr lang="en-US"/>
+              <a:t>include Naïve Bayes, </a:t>
+            </a:r>
+            <a:r>
+              <a:rPr lang="en-US" dirty="0"/>
+              <a:t>which is a simple yet powerful algorithm based on Bayes' theorem. We also considered </a:t>
+            </a:r>
+            <a:r>
+              <a:rPr lang="en-US"/>
+              <a:t>Logistic</a:t>
+            </a:r>
+            <a:r>
+              <a:rPr lang="en-US" dirty="0"/>
+              <a:t> </a:t>
+            </a:r>
+            <a:r>
+              <a:rPr lang="en-US"/>
+              <a:t>Regression,</a:t>
+            </a:r>
+            <a:r>
+              <a:rPr lang="en-US" dirty="0"/>
+              <a:t> a popular algorithm for binary classification problems. </a:t>
+            </a:r>
+            <a:r>
+              <a:rPr lang="en-US"/>
+              <a:t>Support Vector Machines, </a:t>
+            </a:r>
+            <a:r>
+              <a:rPr lang="en-US" dirty="0"/>
+              <a:t>or SVMs, were another option. These are powerful algorithms that can handle both linear and non-linear data. We also considered </a:t>
+            </a:r>
+            <a:r>
+              <a:rPr lang="en-US"/>
+              <a:t>Recurrent Neural Networks, </a:t>
+            </a:r>
+            <a:r>
+              <a:rPr lang="en-US" dirty="0"/>
+              <a:t>or RNNs, which are a type of neural network that are particularly good at processing sequential data. Finally, we looked at </a:t>
+            </a:r>
+            <a:r>
+              <a:rPr lang="en-US"/>
+              <a:t>Transformers</a:t>
+            </a:r>
+            <a:r>
+              <a:rPr lang="en-US" dirty="0"/>
+              <a:t>, such as BERT, which are state-of-the-art models for natural language processing tasks</a:t>
+            </a:r>
+            <a:r>
+              <a:rPr lang="en-US"/>
+              <a:t>. Each </a:t>
+            </a:r>
+            <a:r>
+              <a:rPr lang="en-US" dirty="0"/>
+              <a:t>of these algorithms has its own strengths </a:t>
+            </a:r>
+            <a:r>
+              <a:rPr lang="en-US"/>
+              <a:t>and </a:t>
+            </a:r>
+            <a:r>
+              <a:rPr lang="en-US" dirty="0"/>
+              <a:t>weaknesses</a:t>
+            </a:r>
+            <a:r>
+              <a:rPr lang="en-US"/>
+              <a:t>, </a:t>
+            </a:r>
+            <a:r>
+              <a:rPr lang="en-US" dirty="0"/>
+              <a:t>and the choice of algorithm depends on </a:t>
+            </a:r>
+            <a:r>
+              <a:rPr lang="en-US"/>
+              <a:t>the </a:t>
+            </a:r>
+            <a:r>
+              <a:rPr lang="en-US" dirty="0"/>
+              <a:t>specific requirements </a:t>
+            </a:r>
+            <a:r>
+              <a:rPr lang="en-US"/>
+              <a:t>of the </a:t>
+            </a:r>
+            <a:r>
+              <a:rPr lang="en-US" dirty="0"/>
+              <a:t>task at hand</a:t>
+            </a:r>
+            <a:r>
+              <a:rPr lang="en-US"/>
+              <a:t>.</a:t>
+            </a:r>
+          </a:p>
+        </p:txBody>
+      </p:sp>
+      <p:sp>
+        <p:nvSpPr>
+          <p:cNvPr id="4" name="Slide Number Placeholder 3"/>
+          <p:cNvSpPr>
+            <a:spLocks noGrp="1"/>
+          </p:cNvSpPr>
+          <p:nvPr>
+            <p:ph type="sldNum" idx="12"/>
+          </p:nvPr>
+        </p:nvSpPr>
+        <p:spPr/>
+        <p:txBody>
+          <a:bodyPr/>
+          <a:lstStyle/>
+          <a:p>
+            <a:pPr marL="0" marR="0" lvl="0" indent="0" algn="r" rtl="0">
+              <a:spcBef>
+                <a:spcPts val="0"/>
+              </a:spcBef>
+              <a:spcAft>
+                <a:spcPts val="0"/>
+              </a:spcAft>
+              <a:buNone/>
+            </a:pPr>
+            <a:fld id="{00000000-1234-1234-1234-123412341234}" type="slidenum">
+              <a:rPr lang="en-US" sz="1200" b="0" i="0" u="none" strike="noStrike" cap="none">
+                <a:solidFill>
+                  <a:schemeClr val="dk1"/>
+                </a:solidFill>
+                <a:latin typeface="Arial"/>
+                <a:ea typeface="Arial"/>
+                <a:cs typeface="Arial"/>
+                <a:sym typeface="Arial"/>
+              </a:rPr>
               <a:t>8</a:t>
             </a:fld>
-            <a:endParaRPr/>
+            <a:endParaRPr lang="en-US" sz="1200" b="0" i="0" u="none" strike="noStrike" cap="none">
+              <a:solidFill>
+                <a:schemeClr val="dk1"/>
+              </a:solidFill>
+              <a:latin typeface="Arial"/>
+              <a:ea typeface="Arial"/>
+              <a:cs typeface="Arial"/>
+              <a:sym typeface="Arial"/>
+            </a:endParaRPr>
           </a:p>
         </p:txBody>
       </p:sp>
     </p:spTree>
+    <p:extLst>
+      <p:ext uri="{BB962C8B-B14F-4D97-AF65-F5344CB8AC3E}">
+        <p14:creationId xmlns:p14="http://schemas.microsoft.com/office/powerpoint/2010/main" val="1439647282"/>
+      </p:ext>
+    </p:extLst>
   </p:cSld>
   <p:clrMapOvr>
     <a:masterClrMapping/>
@@ -5634,14 +5936,10 @@
           </a:bodyPr>
           <a:lstStyle/>
           <a:p>
-            <a:pPr marL="0" lvl="0" indent="0" algn="l" rtl="0">
-              <a:spcBef>
-                <a:spcPts val="0"/>
-              </a:spcBef>
-              <a:spcAft>
-                <a:spcPts val="0"/>
-              </a:spcAft>
-              <a:buNone/>
+            <a:pPr marL="0" indent="0">
+              <a:spcBef>
+                <a:spcPts val="0"/>
+              </a:spcBef>
             </a:pPr>
             <a:r>
               <a:rPr lang="en-US" b="0" i="0">
@@ -5653,40 +5951,20 @@
                 <a:cs typeface="Arial"/>
                 <a:sym typeface="Arial"/>
               </a:rPr>
-              <a:t>In the field of sentiment analysis, two key datasets are the Sentiment140 dataset and the SurgeAI Brand Sentiment dataset.</a:t>
-            </a:r>
-            <a:endParaRPr/>
-          </a:p>
-          <a:p>
-            <a:pPr marL="0" lvl="0" indent="0" algn="l" rtl="0">
-              <a:spcBef>
-                <a:spcPts val="360"/>
-              </a:spcBef>
-              <a:spcAft>
-                <a:spcPts val="0"/>
-              </a:spcAft>
-              <a:buNone/>
-            </a:pPr>
-            <a:endParaRPr b="0" i="0">
-              <a:solidFill>
-                <a:srgbClr val="1C1917"/>
-              </a:solidFill>
-              <a:latin typeface="Arial"/>
-              <a:ea typeface="Arial"/>
-              <a:cs typeface="Arial"/>
-              <a:sym typeface="Arial"/>
-            </a:endParaRPr>
-          </a:p>
-          <a:p>
-            <a:pPr marL="0" lvl="0" indent="0" algn="l" rtl="0">
-              <a:spcBef>
-                <a:spcPts val="360"/>
-              </a:spcBef>
-              <a:spcAft>
-                <a:spcPts val="0"/>
-              </a:spcAft>
-              <a:buNone/>
-            </a:pPr>
+              <a:t>In the field of sentiment analysis, two key datasets are the Sentiment140 dataset and the </a:t>
+            </a:r>
+            <a:r>
+              <a:rPr lang="en-US" b="0" i="0" dirty="0" err="1">
+                <a:solidFill>
+                  <a:srgbClr val="1C1917"/>
+                </a:solidFill>
+                <a:latin typeface="Arial"/>
+                <a:ea typeface="Arial"/>
+                <a:cs typeface="Arial"/>
+                <a:sym typeface="Arial"/>
+              </a:rPr>
+              <a:t>SurgeAI</a:t>
+            </a:r>
             <a:r>
               <a:rPr lang="en-US" b="0" i="0">
                 <a:solidFill>
@@ -5697,40 +5975,16 @@
                 <a:cs typeface="Arial"/>
                 <a:sym typeface="Arial"/>
               </a:rPr>
-              <a:t>The Sentiment140 dataset, developed by Stanford researchers, is a comprehensive collection of 1.6 million tweets. Each tweet is annotated with a sentiment polarity - 0 indicating negative sentiment and 4 indicating positive sentiment. This large and diverse dataset is particularly useful for training robust machine learning models for sentiment analysis.</a:t>
-            </a:r>
-            <a:endParaRPr/>
-          </a:p>
-          <a:p>
-            <a:pPr marL="0" lvl="0" indent="0" algn="l" rtl="0">
-              <a:spcBef>
-                <a:spcPts val="360"/>
-              </a:spcBef>
-              <a:spcAft>
-                <a:spcPts val="0"/>
-              </a:spcAft>
-              <a:buNone/>
-            </a:pPr>
-            <a:endParaRPr b="0" i="0">
-              <a:solidFill>
-                <a:srgbClr val="1C1917"/>
-              </a:solidFill>
-              <a:latin typeface="Arial"/>
-              <a:ea typeface="Arial"/>
-              <a:cs typeface="Arial"/>
-              <a:sym typeface="Arial"/>
-            </a:endParaRPr>
-          </a:p>
-          <a:p>
-            <a:pPr marL="0" lvl="0" indent="0" algn="l" rtl="0">
-              <a:spcBef>
-                <a:spcPts val="360"/>
-              </a:spcBef>
-              <a:spcAft>
-                <a:spcPts val="0"/>
-              </a:spcAft>
-              <a:buNone/>
-            </a:pPr>
+              <a:t> Brand Sentiment dataset.</a:t>
+            </a:r>
+            <a:r>
+              <a:rPr lang="en-US" dirty="0">
+                <a:solidFill>
+                  <a:srgbClr val="1C1917"/>
+                </a:solidFill>
+              </a:rPr>
+              <a:t> </a:t>
+            </a:r>
             <a:r>
               <a:rPr lang="en-US" b="0" i="0">
                 <a:solidFill>
@@ -5741,40 +5995,16 @@
                 <a:cs typeface="Arial"/>
                 <a:sym typeface="Arial"/>
               </a:rPr>
-              <a:t>On the other hand, the SurgeAI Brand Sentiment dataset is a curated collection of over 600 tweets that provide insights into public opinions about global brands like Nike, Tesla, and Chick-fil-A. Each tweet in this dataset is labeled with sentiment scores, making it a valuable resource for tasks such as brand monitoring, sentiment analysis, and understanding consumer trends.</a:t>
-            </a:r>
-            <a:endParaRPr/>
-          </a:p>
-          <a:p>
-            <a:pPr marL="0" lvl="0" indent="0" algn="l" rtl="0">
-              <a:spcBef>
-                <a:spcPts val="360"/>
-              </a:spcBef>
-              <a:spcAft>
-                <a:spcPts val="0"/>
-              </a:spcAft>
-              <a:buNone/>
-            </a:pPr>
-            <a:endParaRPr b="0" i="0">
-              <a:solidFill>
-                <a:srgbClr val="1C1917"/>
-              </a:solidFill>
-              <a:latin typeface="Arial"/>
-              <a:ea typeface="Arial"/>
-              <a:cs typeface="Arial"/>
-              <a:sym typeface="Arial"/>
-            </a:endParaRPr>
-          </a:p>
-          <a:p>
-            <a:pPr marL="0" lvl="0" indent="0" algn="l" rtl="0">
-              <a:spcBef>
-                <a:spcPts val="360"/>
-              </a:spcBef>
-              <a:spcAft>
-                <a:spcPts val="0"/>
-              </a:spcAft>
-              <a:buNone/>
-            </a:pPr>
+              <a:t>The Sentiment140 dataset, developed by Stanford researchers, is a comprehensive collection of 1.6 million tweets. Each tweet is annotated with a sentiment polarity - 0 indicating negative sentiment and 4 indicating positive sentiment. This large and diverse dataset is particularly useful for training robust machine learning models for sentiment analysis.</a:t>
+            </a:r>
+            <a:r>
+              <a:rPr lang="en-US" dirty="0">
+                <a:solidFill>
+                  <a:srgbClr val="1C1917"/>
+                </a:solidFill>
+              </a:rPr>
+              <a:t> </a:t>
+            </a:r>
             <a:r>
               <a:rPr lang="en-US" b="0" i="0">
                 <a:solidFill>
@@ -5785,9 +6015,53 @@
                 <a:cs typeface="Arial"/>
                 <a:sym typeface="Arial"/>
               </a:rPr>
+              <a:t>On the other hand, the </a:t>
+            </a:r>
+            <a:r>
+              <a:rPr lang="en-US" b="0" i="0" dirty="0" err="1">
+                <a:solidFill>
+                  <a:srgbClr val="1C1917"/>
+                </a:solidFill>
+                <a:latin typeface="Arial"/>
+                <a:ea typeface="Arial"/>
+                <a:cs typeface="Arial"/>
+                <a:sym typeface="Arial"/>
+              </a:rPr>
+              <a:t>SurgeAI</a:t>
+            </a:r>
+            <a:r>
+              <a:rPr lang="en-US" b="0" i="0">
+                <a:solidFill>
+                  <a:srgbClr val="1C1917"/>
+                </a:solidFill>
+                <a:latin typeface="Arial"/>
+                <a:ea typeface="Arial"/>
+                <a:cs typeface="Arial"/>
+                <a:sym typeface="Arial"/>
+              </a:rPr>
+              <a:t> Brand Sentiment dataset is a curated collection of over 600 tweets that provide insights into public opinions about global brands like Nike, Tesla, and Chick-fil-A. Each tweet in this dataset is labeled with sentiment scores, making it a valuable resource for tasks such as brand monitoring, sentiment analysis, and understanding consumer trends.</a:t>
+            </a:r>
+            <a:r>
+              <a:rPr lang="en-US" dirty="0">
+                <a:solidFill>
+                  <a:srgbClr val="1C1917"/>
+                </a:solidFill>
+              </a:rPr>
+              <a:t> </a:t>
+            </a:r>
+            <a:r>
+              <a:rPr lang="en-US" b="0" i="0">
+                <a:solidFill>
+                  <a:srgbClr val="1C1917"/>
+                </a:solidFill>
+                <a:latin typeface="Arial"/>
+                <a:ea typeface="Arial"/>
+                <a:cs typeface="Arial"/>
+                <a:sym typeface="Arial"/>
+              </a:rPr>
               <a:t>Both these datasets offer unique opportunities for data scientists and researchers. They provide a wealth of information to train models that can accurately gauge public sentiment based on tweet content, each with their own unique focus and application.</a:t>
             </a:r>
-            <a:endParaRPr/>
+            <a:endParaRPr lang="en-US" dirty="0"/>
           </a:p>
         </p:txBody>
       </p:sp>
@@ -13090,8 +13364,8 @@
         </p:nvSpPr>
         <p:spPr>
           <a:xfrm>
-            <a:off x="914400" y="685800"/>
-            <a:ext cx="10363200" cy="1143000"/>
+            <a:off x="0" y="6928"/>
+            <a:ext cx="12192000" cy="1821872"/>
           </a:xfrm>
           <a:prstGeom prst="rect">
             <a:avLst/>
@@ -13107,23 +13381,19 @@
           </a:bodyPr>
           <a:lstStyle/>
           <a:p>
-            <a:pPr marL="0" lvl="0" indent="0" algn="l" rtl="0">
+            <a:pPr algn="ctr">
               <a:lnSpc>
                 <a:spcPct val="104999"/>
               </a:lnSpc>
-              <a:spcBef>
-                <a:spcPts val="0"/>
-              </a:spcBef>
-              <a:spcAft>
-                <a:spcPts val="0"/>
-              </a:spcAft>
-              <a:buNone/>
             </a:pPr>
             <a:r>
               <a:rPr lang="en-US"/>
               <a:t>Challenges</a:t>
             </a:r>
-            <a:endParaRPr/>
+            <a:r>
+              <a:rPr lang="en-US" dirty="0"/>
+              <a:t> &amp; Limitations</a:t>
+            </a:r>
           </a:p>
         </p:txBody>
       </p:sp>
@@ -13139,8 +13409,8 @@
         </p:nvSpPr>
         <p:spPr>
           <a:xfrm>
-            <a:off x="2100266" y="1947863"/>
-            <a:ext cx="7881937" cy="3776662"/>
+            <a:off x="8230" y="1947863"/>
+            <a:ext cx="12190700" cy="3776662"/>
           </a:xfrm>
           <a:prstGeom prst="rect">
             <a:avLst/>
@@ -13156,60 +13426,72 @@
           </a:bodyPr>
           <a:lstStyle/>
           <a:p>
-            <a:pPr marL="514350" lvl="0" indent="-514350" algn="l" rtl="0">
+            <a:pPr marL="0" indent="0" algn="ctr">
               <a:lnSpc>
-                <a:spcPct val="114285"/>
+                <a:spcPct val="114284"/>
               </a:lnSpc>
-              <a:spcBef>
-                <a:spcPts val="0"/>
-              </a:spcBef>
-              <a:spcAft>
-                <a:spcPts val="0"/>
-              </a:spcAft>
-              <a:buSzPts val="700"/>
-              <a:buAutoNum type="arabicPeriod"/>
+              <a:buNone/>
             </a:pPr>
             <a:r>
+              <a:rPr lang="en-US" dirty="0"/>
+              <a:t>Ambiguity in language</a:t>
+            </a:r>
+            <a:br>
+              <a:rPr lang="en-US" dirty="0"/>
+            </a:br>
+            <a:endParaRPr lang="en-US" dirty="0"/>
+          </a:p>
+          <a:p>
+            <a:pPr marL="0" indent="0" algn="ctr">
+              <a:lnSpc>
+                <a:spcPct val="114284"/>
+              </a:lnSpc>
+              <a:buNone/>
+            </a:pPr>
+            <a:r>
+              <a:rPr lang="en-US" dirty="0"/>
+              <a:t>Insufficient data on certain </a:t>
+            </a:r>
+            <a:r>
               <a:rPr lang="en-US"/>
-              <a:t>Not enough tweets mentioning brands</a:t>
-            </a:r>
-          </a:p>
-          <a:p>
-            <a:pPr marL="514350" lvl="0" indent="-514350" algn="l" rtl="0">
+              <a:t>brands</a:t>
+            </a:r>
+            <a:br>
+              <a:rPr lang="en-US" dirty="0"/>
+            </a:br>
+            <a:endParaRPr lang="en-US" dirty="0"/>
+          </a:p>
+          <a:p>
+            <a:pPr marL="0" indent="0" algn="ctr">
               <a:lnSpc>
-                <a:spcPct val="114285"/>
+                <a:spcPct val="114284"/>
               </a:lnSpc>
-              <a:spcBef>
-                <a:spcPts val="600"/>
-              </a:spcBef>
-              <a:spcAft>
-                <a:spcPts val="0"/>
-              </a:spcAft>
-              <a:buSzPts val="700"/>
-              <a:buAutoNum type="arabicPeriod"/>
+              <a:buNone/>
             </a:pPr>
             <a:r>
               <a:rPr lang="en-US"/>
-              <a:t>Aboutness problem</a:t>
-            </a:r>
-            <a:endParaRPr/>
-          </a:p>
-          <a:p>
-            <a:pPr marL="514350" indent="-514350">
+              <a:t>Large </a:t>
+            </a:r>
+            <a:r>
+              <a:rPr lang="en-US" dirty="0"/>
+              <a:t>dataset size</a:t>
+            </a:r>
+            <a:br>
+              <a:rPr lang="en-US" dirty="0"/>
+            </a:br>
+            <a:endParaRPr lang="en-US" dirty="0"/>
+          </a:p>
+          <a:p>
+            <a:pPr marL="0" indent="0" algn="ctr">
               <a:lnSpc>
-                <a:spcPct val="114285"/>
+                <a:spcPct val="114284"/>
               </a:lnSpc>
-              <a:spcBef>
-                <a:spcPts val="600"/>
-              </a:spcBef>
-              <a:buSzPts val="700"/>
-              <a:buAutoNum type="arabicPeriod"/>
+              <a:buNone/>
             </a:pPr>
             <a:r>
-              <a:rPr lang="en-US"/>
-              <a:t>Large Size of Sentiment140 Dataset</a:t>
-            </a:r>
-            <a:endParaRPr/>
+              <a:rPr lang="en-US" dirty="0"/>
+              <a:t>Computational resources and processing time</a:t>
+            </a:r>
           </a:p>
         </p:txBody>
       </p:sp>
@@ -13222,6 +13504,209 @@
 </file>
 
 <file path=ppt/slides/slide24.xml><?xml version="1.0" encoding="utf-8"?>
+<p:sld xmlns:a="http://schemas.openxmlformats.org/drawingml/2006/main" xmlns:r="http://schemas.openxmlformats.org/officeDocument/2006/relationships" xmlns:p="http://schemas.openxmlformats.org/presentationml/2006/main">
+  <p:cSld>
+    <p:spTree>
+      <p:nvGrpSpPr>
+        <p:cNvPr id="1" name="Shape 180"/>
+        <p:cNvGrpSpPr/>
+        <p:nvPr/>
+      </p:nvGrpSpPr>
+      <p:grpSpPr>
+        <a:xfrm>
+          <a:off x="0" y="0"/>
+          <a:ext cx="0" cy="0"/>
+          <a:chOff x="0" y="0"/>
+          <a:chExt cx="0" cy="0"/>
+        </a:xfrm>
+      </p:grpSpPr>
+      <p:sp>
+        <p:nvSpPr>
+          <p:cNvPr id="181" name="Google Shape;181;p20"/>
+          <p:cNvSpPr txBox="1">
+            <a:spLocks noGrp="1"/>
+          </p:cNvSpPr>
+          <p:nvPr>
+            <p:ph type="title"/>
+          </p:nvPr>
+        </p:nvSpPr>
+        <p:spPr>
+          <a:xfrm>
+            <a:off x="0" y="6927"/>
+            <a:ext cx="12192000" cy="1932709"/>
+          </a:xfrm>
+          <a:prstGeom prst="rect">
+            <a:avLst/>
+          </a:prstGeom>
+          <a:noFill/>
+          <a:ln>
+            <a:noFill/>
+          </a:ln>
+        </p:spPr>
+        <p:txBody>
+          <a:bodyPr spcFirstLastPara="1" wrap="square" lIns="0" tIns="0" rIns="0" bIns="0" anchor="ctr" anchorCtr="0">
+            <a:noAutofit/>
+          </a:bodyPr>
+          <a:lstStyle/>
+          <a:p>
+            <a:pPr marL="0" lvl="0" indent="0" algn="ctr" rtl="0">
+              <a:lnSpc>
+                <a:spcPct val="104999"/>
+              </a:lnSpc>
+              <a:spcBef>
+                <a:spcPts val="0"/>
+              </a:spcBef>
+              <a:spcAft>
+                <a:spcPts val="0"/>
+              </a:spcAft>
+              <a:buNone/>
+            </a:pPr>
+            <a:r>
+              <a:rPr lang="en-US"/>
+              <a:t>Future Work</a:t>
+            </a:r>
+          </a:p>
+        </p:txBody>
+      </p:sp>
+      <p:sp>
+        <p:nvSpPr>
+          <p:cNvPr id="182" name="Google Shape;182;p20"/>
+          <p:cNvSpPr txBox="1">
+            <a:spLocks noGrp="1"/>
+          </p:cNvSpPr>
+          <p:nvPr>
+            <p:ph type="body" idx="1"/>
+          </p:nvPr>
+        </p:nvSpPr>
+        <p:spPr>
+          <a:xfrm>
+            <a:off x="0" y="1947875"/>
+            <a:ext cx="12198926" cy="3776700"/>
+          </a:xfrm>
+          <a:prstGeom prst="rect">
+            <a:avLst/>
+          </a:prstGeom>
+          <a:noFill/>
+          <a:ln>
+            <a:noFill/>
+          </a:ln>
+        </p:spPr>
+        <p:txBody>
+          <a:bodyPr spcFirstLastPara="1" wrap="square" lIns="0" tIns="0" rIns="0" bIns="0" anchor="t" anchorCtr="0">
+            <a:noAutofit/>
+          </a:bodyPr>
+          <a:lstStyle/>
+          <a:p>
+            <a:pPr marL="101600" indent="0" algn="ctr">
+              <a:lnSpc>
+                <a:spcPct val="114999"/>
+              </a:lnSpc>
+              <a:spcBef>
+                <a:spcPts val="1200"/>
+              </a:spcBef>
+              <a:buSzPts val="2000"/>
+              <a:buNone/>
+            </a:pPr>
+            <a:r>
+              <a:rPr lang="en-US" dirty="0"/>
+              <a:t>Fine-tune model parameters</a:t>
+            </a:r>
+            <a:endParaRPr lang="en-US" sz="3600" dirty="0"/>
+          </a:p>
+          <a:p>
+            <a:pPr marL="101600" indent="0" algn="ctr">
+              <a:lnSpc>
+                <a:spcPct val="114999"/>
+              </a:lnSpc>
+              <a:spcBef>
+                <a:spcPts val="1200"/>
+              </a:spcBef>
+              <a:buSzPts val="2000"/>
+              <a:buNone/>
+            </a:pPr>
+            <a:r>
+              <a:rPr lang="en-US" dirty="0"/>
+              <a:t>Test on larger and more diverse datasets</a:t>
+            </a:r>
+            <a:endParaRPr lang="en-US" sz="3600" dirty="0"/>
+          </a:p>
+          <a:p>
+            <a:pPr marL="101600" indent="0" algn="ctr">
+              <a:lnSpc>
+                <a:spcPct val="114999"/>
+              </a:lnSpc>
+              <a:spcBef>
+                <a:spcPts val="1200"/>
+              </a:spcBef>
+              <a:buSzPts val="2000"/>
+              <a:buNone/>
+            </a:pPr>
+            <a:r>
+              <a:rPr lang="en-US" dirty="0"/>
+              <a:t>Develop a multimodal model</a:t>
+            </a:r>
+            <a:endParaRPr lang="en-US" sz="3600" dirty="0"/>
+          </a:p>
+          <a:p>
+            <a:pPr marL="101600" indent="0" algn="ctr">
+              <a:lnSpc>
+                <a:spcPct val="114999"/>
+              </a:lnSpc>
+              <a:spcBef>
+                <a:spcPts val="1200"/>
+              </a:spcBef>
+              <a:buSzPts val="2000"/>
+              <a:buNone/>
+            </a:pPr>
+            <a:r>
+              <a:rPr lang="en-US" dirty="0"/>
+              <a:t>Explore the impact of data duplication on model performance</a:t>
+            </a:r>
+            <a:endParaRPr lang="en-US" sz="3600" dirty="0"/>
+          </a:p>
+          <a:p>
+            <a:pPr marL="101600" indent="0" algn="ctr">
+              <a:lnSpc>
+                <a:spcPct val="114999"/>
+              </a:lnSpc>
+              <a:spcBef>
+                <a:spcPts val="1200"/>
+              </a:spcBef>
+              <a:buSzPts val="2000"/>
+              <a:buNone/>
+            </a:pPr>
+            <a:r>
+              <a:rPr lang="en-US" dirty="0"/>
+              <a:t>Use Large Language Models (LLMs)</a:t>
+            </a:r>
+          </a:p>
+          <a:p>
+            <a:pPr marL="930275" lvl="0" indent="0" algn="l" rtl="0">
+              <a:lnSpc>
+                <a:spcPct val="114285"/>
+              </a:lnSpc>
+              <a:spcBef>
+                <a:spcPts val="0"/>
+              </a:spcBef>
+              <a:spcAft>
+                <a:spcPts val="0"/>
+              </a:spcAft>
+              <a:buSzPts val="450"/>
+              <a:buNone/>
+            </a:pPr>
+            <a:endParaRPr lang="en-US"/>
+          </a:p>
+        </p:txBody>
+      </p:sp>
+    </p:spTree>
+  </p:cSld>
+  <p:clrMapOvr>
+    <a:masterClrMapping/>
+  </p:clrMapOvr>
+</p:sld>
+</file>
+
+<file path=ppt/slides/slide25.xml><?xml version="1.0" encoding="utf-8"?>
 <p:sld xmlns:a="http://schemas.openxmlformats.org/drawingml/2006/main" xmlns:r="http://schemas.openxmlformats.org/officeDocument/2006/relationships" xmlns:p="http://schemas.openxmlformats.org/presentationml/2006/main">
   <p:cSld>
     <p:spTree>
@@ -13267,23 +13752,16 @@
           </a:bodyPr>
           <a:lstStyle/>
           <a:p>
-            <a:pPr marL="0" lvl="0" indent="0" algn="l" rtl="0">
+            <a:pPr>
               <a:lnSpc>
                 <a:spcPct val="104999"/>
               </a:lnSpc>
-              <a:spcBef>
-                <a:spcPts val="0"/>
-              </a:spcBef>
-              <a:spcAft>
-                <a:spcPts val="0"/>
-              </a:spcAft>
-              <a:buNone/>
             </a:pPr>
             <a:r>
               <a:rPr lang="en-US"/>
               <a:t>Conclusion</a:t>
             </a:r>
-            <a:endParaRPr/>
+            <a:endParaRPr lang="en-US" dirty="0"/>
           </a:p>
         </p:txBody>
       </p:sp>
@@ -13316,281 +13794,99 @@
           </a:bodyPr>
           <a:lstStyle/>
           <a:p>
-            <a:pPr marL="457200" lvl="0" indent="-349250" algn="l" rtl="0">
+            <a:pPr marL="565150" indent="-457200">
               <a:lnSpc>
                 <a:spcPct val="115000"/>
               </a:lnSpc>
               <a:spcBef>
                 <a:spcPts val="1200"/>
               </a:spcBef>
-              <a:spcAft>
-                <a:spcPts val="0"/>
-              </a:spcAft>
               <a:buClr>
                 <a:schemeClr val="dk1"/>
               </a:buClr>
               <a:buSzPts val="1900"/>
-              <a:buFont typeface="Arial"/>
-              <a:buChar char="●"/>
+              <a:buAutoNum type="arabicPeriod"/>
             </a:pPr>
             <a:r>
-              <a:rPr lang="en-US" sz="1900"/>
-              <a:t>Depending on the specific needs of the task, different approaches might be preferred.</a:t>
-            </a:r>
-            <a:endParaRPr sz="1900"/>
-          </a:p>
-          <a:p>
-            <a:pPr marL="457200" lvl="0" indent="0" algn="l" rtl="0">
+              <a:rPr lang="en-US" dirty="0"/>
+              <a:t>Developed a robust brand sentiment analyzer</a:t>
+            </a:r>
+          </a:p>
+          <a:p>
+            <a:pPr marL="565150" indent="-457200">
               <a:lnSpc>
-                <a:spcPct val="115000"/>
+                <a:spcPct val="114999"/>
               </a:lnSpc>
               <a:spcBef>
                 <a:spcPts val="1200"/>
               </a:spcBef>
-              <a:spcAft>
-                <a:spcPts val="0"/>
-              </a:spcAft>
-              <a:buNone/>
-            </a:pPr>
-            <a:endParaRPr sz="1900"/>
-          </a:p>
-          <a:p>
-            <a:pPr marL="457200" lvl="0" indent="-349250" algn="l" rtl="0">
-              <a:lnSpc>
-                <a:spcPct val="115000"/>
-              </a:lnSpc>
-              <a:spcBef>
-                <a:spcPts val="1200"/>
-              </a:spcBef>
-              <a:spcAft>
-                <a:spcPts val="0"/>
-              </a:spcAft>
               <a:buClr>
                 <a:schemeClr val="dk1"/>
               </a:buClr>
               <a:buSzPts val="1900"/>
-              <a:buFont typeface="Arial"/>
-              <a:buChar char="●"/>
+              <a:buAutoNum type="arabicPeriod"/>
             </a:pPr>
             <a:r>
-              <a:rPr lang="en-US" sz="1900"/>
-              <a:t>It's essential to evaluate models based on the metrics that align with the project's goals.</a:t>
-            </a:r>
-            <a:endParaRPr sz="1900"/>
-          </a:p>
-          <a:p>
-            <a:pPr marL="457200" lvl="0" indent="0" algn="l" rtl="0">
+              <a:rPr lang="en-US" dirty="0"/>
+              <a:t>Leveraged AI to provide businesses with real-time insights</a:t>
+            </a:r>
+          </a:p>
+          <a:p>
+            <a:pPr marL="565150" indent="-457200">
               <a:lnSpc>
-                <a:spcPct val="115000"/>
+                <a:spcPct val="114999"/>
               </a:lnSpc>
               <a:spcBef>
                 <a:spcPts val="1200"/>
               </a:spcBef>
-              <a:spcAft>
-                <a:spcPts val="0"/>
-              </a:spcAft>
-              <a:buNone/>
-            </a:pPr>
-            <a:endParaRPr sz="1900"/>
-          </a:p>
-          <a:p>
-            <a:pPr marL="457200" lvl="0" indent="-349250" algn="l" rtl="0">
-              <a:lnSpc>
-                <a:spcPct val="115000"/>
-              </a:lnSpc>
-              <a:spcBef>
-                <a:spcPts val="1200"/>
-              </a:spcBef>
-              <a:spcAft>
-                <a:spcPts val="0"/>
-              </a:spcAft>
               <a:buClr>
                 <a:schemeClr val="dk1"/>
               </a:buClr>
               <a:buSzPts val="1900"/>
-              <a:buFont typeface="Arial"/>
-              <a:buChar char="●"/>
+              <a:buAutoNum type="arabicPeriod"/>
             </a:pPr>
             <a:r>
-              <a:rPr lang="en-US" sz="1900"/>
-              <a:t>The choice of classification approach should be made considering a holistic view of metrics, aligning with the project's objectives.</a:t>
-            </a:r>
-            <a:endParaRPr sz="1900"/>
-          </a:p>
-        </p:txBody>
-      </p:sp>
-    </p:spTree>
-  </p:cSld>
-  <p:clrMapOvr>
-    <a:masterClrMapping/>
-  </p:clrMapOvr>
-</p:sld>
-</file>
-
-<file path=ppt/slides/slide25.xml><?xml version="1.0" encoding="utf-8"?>
-<p:sld xmlns:a="http://schemas.openxmlformats.org/drawingml/2006/main" xmlns:r="http://schemas.openxmlformats.org/officeDocument/2006/relationships" xmlns:p="http://schemas.openxmlformats.org/presentationml/2006/main">
-  <p:cSld>
-    <p:spTree>
-      <p:nvGrpSpPr>
-        <p:cNvPr id="1" name="Shape 180"/>
-        <p:cNvGrpSpPr/>
-        <p:nvPr/>
-      </p:nvGrpSpPr>
-      <p:grpSpPr>
-        <a:xfrm>
-          <a:off x="0" y="0"/>
-          <a:ext cx="0" cy="0"/>
-          <a:chOff x="0" y="0"/>
-          <a:chExt cx="0" cy="0"/>
-        </a:xfrm>
-      </p:grpSpPr>
-      <p:sp>
-        <p:nvSpPr>
-          <p:cNvPr id="181" name="Google Shape;181;p20"/>
-          <p:cNvSpPr txBox="1">
-            <a:spLocks noGrp="1"/>
-          </p:cNvSpPr>
-          <p:nvPr>
-            <p:ph type="title"/>
-          </p:nvPr>
-        </p:nvSpPr>
-        <p:spPr>
-          <a:xfrm>
-            <a:off x="914400" y="685800"/>
-            <a:ext cx="10363200" cy="1143000"/>
-          </a:xfrm>
-          <a:prstGeom prst="rect">
-            <a:avLst/>
-          </a:prstGeom>
-          <a:noFill/>
-          <a:ln>
-            <a:noFill/>
-          </a:ln>
-        </p:spPr>
-        <p:txBody>
-          <a:bodyPr spcFirstLastPara="1" wrap="square" lIns="0" tIns="0" rIns="0" bIns="0" anchor="ctr" anchorCtr="0">
-            <a:noAutofit/>
-          </a:bodyPr>
-          <a:lstStyle/>
-          <a:p>
-            <a:pPr marL="0" lvl="0" indent="0" algn="l" rtl="0">
+              <a:rPr lang="en-US" dirty="0"/>
+              <a:t>Overcame challenges and limitations</a:t>
+            </a:r>
+          </a:p>
+          <a:p>
+            <a:pPr marL="565150" indent="-457200">
               <a:lnSpc>
-                <a:spcPct val="104999"/>
+                <a:spcPct val="114999"/>
               </a:lnSpc>
               <a:spcBef>
-                <a:spcPts val="0"/>
-              </a:spcBef>
-              <a:spcAft>
-                <a:spcPts val="0"/>
-              </a:spcAft>
-              <a:buNone/>
+                <a:spcPts val="1200"/>
+              </a:spcBef>
+              <a:buClr>
+                <a:schemeClr val="dk1"/>
+              </a:buClr>
+              <a:buSzPts val="1900"/>
+              <a:buAutoNum type="arabicPeriod"/>
             </a:pPr>
             <a:r>
-              <a:rPr lang="en-US"/>
-              <a:t>Future Work</a:t>
-            </a:r>
-            <a:endParaRPr/>
-          </a:p>
-        </p:txBody>
-      </p:sp>
-      <p:sp>
-        <p:nvSpPr>
-          <p:cNvPr id="182" name="Google Shape;182;p20"/>
-          <p:cNvSpPr txBox="1">
-            <a:spLocks noGrp="1"/>
-          </p:cNvSpPr>
-          <p:nvPr>
-            <p:ph type="body" idx="1"/>
-          </p:nvPr>
-        </p:nvSpPr>
-        <p:spPr>
-          <a:xfrm>
-            <a:off x="914400" y="1947875"/>
-            <a:ext cx="9067800" cy="3776700"/>
-          </a:xfrm>
-          <a:prstGeom prst="rect">
-            <a:avLst/>
-          </a:prstGeom>
-          <a:noFill/>
-          <a:ln>
-            <a:noFill/>
-          </a:ln>
-        </p:spPr>
-        <p:txBody>
-          <a:bodyPr spcFirstLastPara="1" wrap="square" lIns="0" tIns="0" rIns="0" bIns="0" anchor="t" anchorCtr="0">
-            <a:noAutofit/>
-          </a:bodyPr>
-          <a:lstStyle/>
-          <a:p>
-            <a:pPr marL="457200" lvl="0" indent="-355600" algn="l" rtl="0">
+              <a:rPr lang="en-US" dirty="0"/>
+              <a:t>Identified areas for future work</a:t>
+            </a:r>
+          </a:p>
+          <a:p>
+            <a:pPr marL="565150" indent="-457200">
               <a:lnSpc>
-                <a:spcPct val="115000"/>
+                <a:spcPct val="114999"/>
               </a:lnSpc>
               <a:spcBef>
                 <a:spcPts val="1200"/>
               </a:spcBef>
-              <a:spcAft>
-                <a:spcPts val="0"/>
-              </a:spcAft>
-              <a:buSzPts val="2000"/>
-              <a:buChar char="●"/>
+              <a:buClr>
+                <a:schemeClr val="dk1"/>
+              </a:buClr>
+              <a:buSzPts val="1900"/>
+              <a:buAutoNum type="arabicPeriod"/>
             </a:pPr>
             <a:r>
-              <a:rPr lang="en-US" sz="2000"/>
-              <a:t>Further exploration could involve fine-tuning model parameters to potentially improve performance.</a:t>
-            </a:r>
-            <a:endParaRPr sz="2000"/>
-          </a:p>
-          <a:p>
-            <a:pPr marL="457200" lvl="0" indent="0" algn="l" rtl="0">
-              <a:lnSpc>
-                <a:spcPct val="115000"/>
-              </a:lnSpc>
-              <a:spcBef>
-                <a:spcPts val="1200"/>
-              </a:spcBef>
-              <a:spcAft>
-                <a:spcPts val="0"/>
-              </a:spcAft>
-              <a:buNone/>
-            </a:pPr>
-            <a:endParaRPr sz="2000"/>
-          </a:p>
-          <a:p>
-            <a:pPr marL="457200" lvl="0" indent="-355600" algn="l" rtl="0">
-              <a:lnSpc>
-                <a:spcPct val="115000"/>
-              </a:lnSpc>
-              <a:spcBef>
-                <a:spcPts val="1200"/>
-              </a:spcBef>
-              <a:spcAft>
-                <a:spcPts val="0"/>
-              </a:spcAft>
-              <a:buSzPts val="2000"/>
-              <a:buChar char="●"/>
-            </a:pPr>
-            <a:r>
-              <a:rPr lang="en-US" sz="2000"/>
-              <a:t>Testing on larger and more diverse datasets could provide additional insights into the models' generalizability.</a:t>
-            </a:r>
-            <a:endParaRPr sz="2000"/>
-          </a:p>
-          <a:p>
-            <a:pPr marL="1005839" lvl="0" indent="-75564" algn="l" rtl="0">
-              <a:lnSpc>
-                <a:spcPct val="114285"/>
-              </a:lnSpc>
-              <a:spcBef>
-                <a:spcPts val="0"/>
-              </a:spcBef>
-              <a:spcAft>
-                <a:spcPts val="0"/>
-              </a:spcAft>
-              <a:buSzPts val="450"/>
-              <a:buChar char=" "/>
-            </a:pPr>
-            <a:endParaRPr/>
+              <a:rPr lang="en-US" dirty="0"/>
+              <a:t>Importance of aligning model evaluation with project goals</a:t>
+            </a:r>
           </a:p>
         </p:txBody>
       </p:sp>
@@ -13603,106 +13899,6 @@
 </file>
 
 <file path=ppt/slides/slide26.xml><?xml version="1.0" encoding="utf-8"?>
-<p:sld xmlns:a="http://schemas.openxmlformats.org/drawingml/2006/main" xmlns:r="http://schemas.openxmlformats.org/officeDocument/2006/relationships" xmlns:p="http://schemas.openxmlformats.org/presentationml/2006/main">
-  <p:cSld>
-    <p:spTree>
-      <p:nvGrpSpPr>
-        <p:cNvPr id="1" name=""/>
-        <p:cNvGrpSpPr/>
-        <p:nvPr/>
-      </p:nvGrpSpPr>
-      <p:grpSpPr>
-        <a:xfrm>
-          <a:off x="0" y="0"/>
-          <a:ext cx="0" cy="0"/>
-          <a:chOff x="0" y="0"/>
-          <a:chExt cx="0" cy="0"/>
-        </a:xfrm>
-      </p:grpSpPr>
-      <p:sp>
-        <p:nvSpPr>
-          <p:cNvPr id="2" name="Title 1">
-            <a:extLst>
-              <a:ext uri="{FF2B5EF4-FFF2-40B4-BE49-F238E27FC236}">
-                <a16:creationId xmlns:a16="http://schemas.microsoft.com/office/drawing/2014/main" id="{5C966DC2-0A39-45F2-735D-79C32BD37931}"/>
-              </a:ext>
-            </a:extLst>
-          </p:cNvPr>
-          <p:cNvSpPr>
-            <a:spLocks noGrp="1"/>
-          </p:cNvSpPr>
-          <p:nvPr>
-            <p:ph type="title"/>
-          </p:nvPr>
-        </p:nvSpPr>
-        <p:spPr/>
-        <p:txBody>
-          <a:bodyPr/>
-          <a:lstStyle/>
-          <a:p>
-            <a:r>
-              <a:rPr lang="en-US"/>
-              <a:t>Large Language Models</a:t>
-            </a:r>
-          </a:p>
-        </p:txBody>
-      </p:sp>
-      <p:sp>
-        <p:nvSpPr>
-          <p:cNvPr id="3" name="Text Placeholder 2">
-            <a:extLst>
-              <a:ext uri="{FF2B5EF4-FFF2-40B4-BE49-F238E27FC236}">
-                <a16:creationId xmlns:a16="http://schemas.microsoft.com/office/drawing/2014/main" id="{805EDF67-4873-2D92-5907-AB878506E0E4}"/>
-              </a:ext>
-            </a:extLst>
-          </p:cNvPr>
-          <p:cNvSpPr>
-            <a:spLocks noGrp="1"/>
-          </p:cNvSpPr>
-          <p:nvPr>
-            <p:ph type="body" idx="1"/>
-          </p:nvPr>
-        </p:nvSpPr>
-        <p:spPr/>
-        <p:txBody>
-          <a:bodyPr/>
-          <a:lstStyle/>
-          <a:p>
-            <a:pPr lvl="1">
-              <a:buFont typeface="Arial"/>
-              <a:buChar char="•"/>
-            </a:pPr>
-            <a:r>
-              <a:rPr lang="en-US"/>
-              <a:t>BERT</a:t>
-            </a:r>
-          </a:p>
-          <a:p>
-            <a:pPr lvl="1">
-              <a:buFont typeface="Arial"/>
-              <a:buChar char="•"/>
-            </a:pPr>
-            <a:r>
-              <a:rPr lang="en-US"/>
-              <a:t>GPT2</a:t>
-            </a:r>
-          </a:p>
-        </p:txBody>
-      </p:sp>
-    </p:spTree>
-    <p:extLst>
-      <p:ext uri="{BB962C8B-B14F-4D97-AF65-F5344CB8AC3E}">
-        <p14:creationId xmlns:p14="http://schemas.microsoft.com/office/powerpoint/2010/main" val="4048882109"/>
-      </p:ext>
-    </p:extLst>
-  </p:cSld>
-  <p:clrMapOvr>
-    <a:masterClrMapping/>
-  </p:clrMapOvr>
-</p:sld>
-</file>
-
-<file path=ppt/slides/slide27.xml><?xml version="1.0" encoding="utf-8"?>
 <p:sld xmlns:a="http://schemas.openxmlformats.org/drawingml/2006/main" xmlns:r="http://schemas.openxmlformats.org/officeDocument/2006/relationships" xmlns:p="http://schemas.openxmlformats.org/presentationml/2006/main">
   <p:cSld>
     <p:spTree>
@@ -13860,15 +14056,22 @@
             <p:ph type="title"/>
           </p:nvPr>
         </p:nvSpPr>
-        <p:spPr/>
+        <p:spPr>
+          <a:xfrm>
+            <a:off x="-2059" y="-4119"/>
+            <a:ext cx="12196118" cy="1420091"/>
+          </a:xfrm>
+        </p:spPr>
         <p:txBody>
           <a:bodyPr/>
           <a:lstStyle/>
           <a:p>
+            <a:pPr algn="ctr"/>
             <a:r>
               <a:rPr lang="en-US"/>
               <a:t>Why Use AI in Business?</a:t>
             </a:r>
+            <a:endParaRPr lang="en-US" dirty="0"/>
           </a:p>
         </p:txBody>
       </p:sp>
@@ -13888,12 +14091,17 @@
             <p:ph type="body" idx="1"/>
           </p:nvPr>
         </p:nvSpPr>
-        <p:spPr/>
+        <p:spPr>
+          <a:xfrm>
+            <a:off x="-7758" y="1545890"/>
+            <a:ext cx="12185903" cy="4455344"/>
+          </a:xfrm>
+        </p:spPr>
         <p:txBody>
           <a:bodyPr/>
           <a:lstStyle/>
           <a:p>
-            <a:pPr marL="657225" indent="-457200"/>
+            <a:pPr marL="657225" indent="-457200" algn="ctr"/>
             <a:r>
               <a:rPr lang="en-US" sz="2400">
                 <a:solidFill>
@@ -13902,10 +14110,10 @@
               </a:rPr>
               <a:t>Understand customer sentiment towards brand</a:t>
             </a:r>
-            <a:endParaRPr lang="en-US" sz="2400"/>
-          </a:p>
-          <a:p>
-            <a:pPr marL="657225" indent="-457200"/>
+            <a:endParaRPr lang="en-US" sz="2400" dirty="0"/>
+          </a:p>
+          <a:p>
+            <a:pPr marL="657225" indent="-457200" algn="ctr"/>
             <a:r>
               <a:rPr lang="en-US" sz="2400">
                 <a:solidFill>
@@ -13914,9 +14122,14 @@
               </a:rPr>
               <a:t>Identify emerging trends and preferences</a:t>
             </a:r>
-          </a:p>
-          <a:p>
-            <a:pPr marL="657225" indent="-457200"/>
+            <a:endParaRPr lang="en-US" sz="2400" dirty="0">
+              <a:solidFill>
+                <a:srgbClr val="002060"/>
+              </a:solidFill>
+            </a:endParaRPr>
+          </a:p>
+          <a:p>
+            <a:pPr marL="657225" indent="-457200" algn="ctr"/>
             <a:r>
               <a:rPr lang="en-US" sz="2400">
                 <a:solidFill>
@@ -13925,9 +14138,14 @@
               </a:rPr>
               <a:t>Predict future customer behavior</a:t>
             </a:r>
-          </a:p>
-          <a:p>
-            <a:pPr marL="657225" indent="-457200"/>
+            <a:endParaRPr lang="en-US" sz="2400" dirty="0">
+              <a:solidFill>
+                <a:srgbClr val="002060"/>
+              </a:solidFill>
+            </a:endParaRPr>
+          </a:p>
+          <a:p>
+            <a:pPr marL="657225" indent="-457200" algn="ctr"/>
             <a:r>
               <a:rPr lang="en-US" sz="2400">
                 <a:solidFill>
@@ -13936,9 +14154,14 @@
               </a:rPr>
               <a:t>Improve targeted marketing strategies</a:t>
             </a:r>
-          </a:p>
-          <a:p>
-            <a:pPr marL="657225" indent="-457200"/>
+            <a:endParaRPr lang="en-US" sz="2400" dirty="0">
+              <a:solidFill>
+                <a:srgbClr val="002060"/>
+              </a:solidFill>
+            </a:endParaRPr>
+          </a:p>
+          <a:p>
+            <a:pPr marL="657225" indent="-457200" algn="ctr"/>
             <a:r>
               <a:rPr lang="en-US" sz="2400">
                 <a:solidFill>
@@ -13947,6 +14170,11 @@
               </a:rPr>
               <a:t>Enhance customer engagement and loyalty</a:t>
             </a:r>
+            <a:endParaRPr lang="en-US" sz="2400" dirty="0">
+              <a:solidFill>
+                <a:srgbClr val="002060"/>
+              </a:solidFill>
+            </a:endParaRPr>
           </a:p>
         </p:txBody>
       </p:sp>
@@ -13968,7 +14196,7 @@
   <p:cSld>
     <p:spTree>
       <p:nvGrpSpPr>
-        <p:cNvPr id="1" name=""/>
+        <p:cNvPr id="1" name="Shape 68"/>
         <p:cNvGrpSpPr/>
         <p:nvPr/>
       </p:nvGrpSpPr>
@@ -13982,42 +14210,54 @@
       </p:grpSpPr>
       <p:sp>
         <p:nvSpPr>
-          <p:cNvPr id="2" name="Title 1">
-            <a:extLst>
-              <a:ext uri="{FF2B5EF4-FFF2-40B4-BE49-F238E27FC236}">
-                <a16:creationId xmlns:a16="http://schemas.microsoft.com/office/drawing/2014/main" id="{9A8299AB-00CF-4E50-E1B2-22267B7FC055}"/>
-              </a:ext>
-            </a:extLst>
-          </p:cNvPr>
-          <p:cNvSpPr>
+          <p:cNvPr id="69" name="Google Shape;69;p4"/>
+          <p:cNvSpPr txBox="1">
             <a:spLocks noGrp="1"/>
           </p:cNvSpPr>
           <p:nvPr>
             <p:ph type="title"/>
           </p:nvPr>
         </p:nvSpPr>
-        <p:spPr/>
+        <p:spPr>
+          <a:xfrm>
+            <a:off x="0" y="6927"/>
+            <a:ext cx="12192000" cy="1932709"/>
+          </a:xfrm>
+          <a:prstGeom prst="rect">
+            <a:avLst/>
+          </a:prstGeom>
+          <a:noFill/>
+          <a:ln>
+            <a:noFill/>
+          </a:ln>
+        </p:spPr>
         <p:txBody>
-          <a:bodyPr/>
+          <a:bodyPr spcFirstLastPara="1" wrap="square" lIns="0" tIns="0" rIns="0" bIns="0" anchor="ctr" anchorCtr="0">
+            <a:noAutofit/>
+          </a:bodyPr>
           <a:lstStyle/>
           <a:p>
+            <a:pPr algn="ctr">
+              <a:lnSpc>
+                <a:spcPct val="104999"/>
+              </a:lnSpc>
+            </a:pPr>
+            <a:r>
+              <a:rPr lang="en-US" dirty="0"/>
+              <a:t>Topic &amp; </a:t>
+            </a:r>
             <a:r>
               <a:rPr lang="en-US"/>
-              <a:t>Project Overview &amp; Goals</a:t>
-            </a:r>
+              <a:t>Scope</a:t>
+            </a:r>
+            <a:endParaRPr lang="en-US" dirty="0"/>
           </a:p>
         </p:txBody>
       </p:sp>
       <p:sp>
         <p:nvSpPr>
-          <p:cNvPr id="3" name="Text Placeholder 2">
-            <a:extLst>
-              <a:ext uri="{FF2B5EF4-FFF2-40B4-BE49-F238E27FC236}">
-                <a16:creationId xmlns:a16="http://schemas.microsoft.com/office/drawing/2014/main" id="{5A541EC2-4F39-92E6-17F1-D59164595624}"/>
-              </a:ext>
-            </a:extLst>
-          </p:cNvPr>
-          <p:cNvSpPr>
+          <p:cNvPr id="70" name="Google Shape;70;p4"/>
+          <p:cNvSpPr txBox="1">
             <a:spLocks noGrp="1"/>
           </p:cNvSpPr>
           <p:nvPr>
@@ -14026,63 +14266,44 @@
         </p:nvSpPr>
         <p:spPr>
           <a:xfrm>
-            <a:off x="906642" y="1975381"/>
-            <a:ext cx="10357103" cy="3776472"/>
+            <a:off x="0" y="2682153"/>
+            <a:ext cx="12185075" cy="3042372"/>
           </a:xfrm>
+          <a:prstGeom prst="rect">
+            <a:avLst/>
+          </a:prstGeom>
+          <a:noFill/>
+          <a:ln>
+            <a:noFill/>
+          </a:ln>
         </p:spPr>
         <p:txBody>
-          <a:bodyPr/>
+          <a:bodyPr spcFirstLastPara="1" wrap="square" lIns="0" tIns="0" rIns="0" bIns="0" anchor="t" anchorCtr="0">
+            <a:noAutofit/>
+          </a:bodyPr>
           <a:lstStyle/>
           <a:p>
-            <a:pPr marL="200025" indent="0">
-              <a:buNone/>
+            <a:pPr marL="91440" indent="-91440" algn="ctr">
+              <a:lnSpc>
+                <a:spcPct val="160000"/>
+              </a:lnSpc>
+              <a:buSzPts val="500"/>
             </a:pPr>
             <a:r>
-              <a:rPr lang="en-US" sz="2400">
-                <a:solidFill>
-                  <a:srgbClr val="002060"/>
-                </a:solidFill>
-              </a:rPr>
-              <a:t>Leverage NLP, Classification, and Sentiment Analysis techniques </a:t>
-            </a:r>
-            <a:endParaRPr lang="en-US"/>
-          </a:p>
-          <a:p>
-            <a:pPr marL="200025" indent="0">
-              <a:buNone/>
-            </a:pPr>
-            <a:r>
-              <a:rPr lang="en-US" sz="2400">
-                <a:solidFill>
-                  <a:srgbClr val="002060"/>
-                </a:solidFill>
-              </a:rPr>
-              <a:t>Understand public sentiment towards brands </a:t>
-            </a:r>
-            <a:endParaRPr lang="en-US"/>
-          </a:p>
-          <a:p>
-            <a:pPr marL="200025" indent="0">
-              <a:buNone/>
-            </a:pPr>
-            <a:r>
-              <a:rPr lang="en-US" sz="2400">
-                <a:solidFill>
-                  <a:srgbClr val="002060"/>
-                </a:solidFill>
-              </a:rPr>
-              <a:t>Empower businesses with insights for maintaining a positive brand image</a:t>
-            </a:r>
-            <a:endParaRPr lang="en-US"/>
+              <a:rPr lang="en-US" sz="3600" dirty="0"/>
+              <a:t>Analyze tweets from Twitter </a:t>
+            </a:r>
+            <a:br>
+              <a:rPr lang="en-US" sz="3600" dirty="0"/>
+            </a:br>
+            <a:r>
+              <a:rPr lang="en-US" sz="3600" dirty="0"/>
+              <a:t>for brand mentions and associated sentiment. </a:t>
+            </a:r>
           </a:p>
         </p:txBody>
       </p:sp>
     </p:spTree>
-    <p:extLst>
-      <p:ext uri="{BB962C8B-B14F-4D97-AF65-F5344CB8AC3E}">
-        <p14:creationId xmlns:p14="http://schemas.microsoft.com/office/powerpoint/2010/main" val="1726448529"/>
-      </p:ext>
-    </p:extLst>
   </p:cSld>
   <p:clrMapOvr>
     <a:masterClrMapping/>
@@ -14109,34 +14330,6 @@
       </p:grpSpPr>
       <p:sp>
         <p:nvSpPr>
-          <p:cNvPr id="2" name="Title 1">
-            <a:extLst>
-              <a:ext uri="{FF2B5EF4-FFF2-40B4-BE49-F238E27FC236}">
-                <a16:creationId xmlns:a16="http://schemas.microsoft.com/office/drawing/2014/main" id="{9A8299AB-00CF-4E50-E1B2-22267B7FC055}"/>
-              </a:ext>
-            </a:extLst>
-          </p:cNvPr>
-          <p:cNvSpPr>
-            <a:spLocks noGrp="1"/>
-          </p:cNvSpPr>
-          <p:nvPr>
-            <p:ph type="title"/>
-          </p:nvPr>
-        </p:nvSpPr>
-        <p:spPr/>
-        <p:txBody>
-          <a:bodyPr/>
-          <a:lstStyle/>
-          <a:p>
-            <a:r>
-              <a:rPr lang="en-US"/>
-              <a:t>Brand Sentiment Analysis</a:t>
-            </a:r>
-          </a:p>
-        </p:txBody>
-      </p:sp>
-      <p:sp>
-        <p:nvSpPr>
           <p:cNvPr id="3" name="Text Placeholder 2">
             <a:extLst>
               <a:ext uri="{FF2B5EF4-FFF2-40B4-BE49-F238E27FC236}">
@@ -14161,32 +14354,115 @@
           <a:bodyPr/>
           <a:lstStyle/>
           <a:p>
-            <a:r>
-              <a:rPr lang="en-US" sz="2400"/>
-              <a:t>Perform brand sentiment analysis on Twitter posts</a:t>
-            </a:r>
-            <a:endParaRPr lang="en-US"/>
-          </a:p>
-          <a:p>
-            <a:r>
-              <a:rPr lang="en-US" sz="2400"/>
-              <a:t>Identify brand mentions in text</a:t>
-            </a:r>
-            <a:endParaRPr lang="en-US"/>
-          </a:p>
-          <a:p>
-            <a:r>
-              <a:rPr lang="en-US" sz="2400"/>
-              <a:t>Determine sentiment towards those brands</a:t>
-            </a:r>
-            <a:endParaRPr lang="en-US"/>
+            <a:pPr marL="200025" indent="0" algn="ctr">
+              <a:buNone/>
+            </a:pPr>
+            <a:r>
+              <a:rPr lang="en-US" sz="2000" dirty="0">
+                <a:solidFill>
+                  <a:srgbClr val="002060"/>
+                </a:solidFill>
+              </a:rPr>
+              <a:t>Analyze sentiment in Twitter posts using the Sentiment140 dataset</a:t>
+            </a:r>
+            <a:endParaRPr lang="en-US" sz="2000" dirty="0"/>
+          </a:p>
+          <a:p>
+            <a:pPr marL="200025" indent="0" algn="ctr">
+              <a:buNone/>
+            </a:pPr>
+            <a:r>
+              <a:rPr lang="en-US" sz="2000" dirty="0">
+                <a:solidFill>
+                  <a:srgbClr val="002060"/>
+                </a:solidFill>
+              </a:rPr>
+              <a:t>Use ML algorithms like Naïve Bayes and Logistic Regression </a:t>
+            </a:r>
+            <a:endParaRPr lang="en-US" sz="2000" dirty="0"/>
+          </a:p>
+          <a:p>
+            <a:pPr marL="200025" indent="0" algn="ctr">
+              <a:buNone/>
+            </a:pPr>
+            <a:r>
+              <a:rPr lang="en-US" sz="2000" dirty="0">
+                <a:solidFill>
+                  <a:srgbClr val="002060"/>
+                </a:solidFill>
+              </a:rPr>
+              <a:t>Understand public sentiment towards brands</a:t>
+            </a:r>
+            <a:endParaRPr lang="en-US" sz="2000" dirty="0"/>
+          </a:p>
+          <a:p>
+            <a:pPr marL="200025" indent="0" algn="ctr">
+              <a:buNone/>
+            </a:pPr>
+            <a:r>
+              <a:rPr lang="en-US" sz="2000" dirty="0">
+                <a:solidFill>
+                  <a:srgbClr val="002060"/>
+                </a:solidFill>
+              </a:rPr>
+              <a:t>Empower businesses with insights for maintaining a positive brand image</a:t>
+            </a:r>
+            <a:endParaRPr lang="en-US" sz="2000" dirty="0"/>
+          </a:p>
+          <a:p>
+            <a:pPr marL="200025" indent="0" algn="ctr">
+              <a:buNone/>
+            </a:pPr>
+            <a:r>
+              <a:rPr lang="en-US" sz="2000" dirty="0">
+                <a:solidFill>
+                  <a:srgbClr val="002060"/>
+                </a:solidFill>
+              </a:rPr>
+              <a:t>Explore key course topics</a:t>
+            </a:r>
+            <a:endParaRPr lang="en-US" sz="2000" dirty="0"/>
+          </a:p>
+        </p:txBody>
+      </p:sp>
+      <p:sp>
+        <p:nvSpPr>
+          <p:cNvPr id="7" name="Title 1">
+            <a:extLst>
+              <a:ext uri="{FF2B5EF4-FFF2-40B4-BE49-F238E27FC236}">
+                <a16:creationId xmlns:a16="http://schemas.microsoft.com/office/drawing/2014/main" id="{9A2ED280-0E85-3926-F350-5468A93D75F5}"/>
+              </a:ext>
+            </a:extLst>
+          </p:cNvPr>
+          <p:cNvSpPr>
+            <a:spLocks noGrp="1"/>
+          </p:cNvSpPr>
+          <p:nvPr>
+            <p:ph type="title"/>
+          </p:nvPr>
+        </p:nvSpPr>
+        <p:spPr>
+          <a:xfrm>
+            <a:off x="-2059" y="-4119"/>
+            <a:ext cx="12196118" cy="1711036"/>
+          </a:xfrm>
+        </p:spPr>
+        <p:txBody>
+          <a:bodyPr/>
+          <a:lstStyle/>
+          <a:p>
+            <a:pPr algn="ctr"/>
+            <a:r>
+              <a:rPr lang="en-US" dirty="0"/>
+              <a:t>Project Overview &amp; Goals</a:t>
+            </a:r>
           </a:p>
         </p:txBody>
       </p:sp>
     </p:spTree>
     <p:extLst>
       <p:ext uri="{BB962C8B-B14F-4D97-AF65-F5344CB8AC3E}">
-        <p14:creationId xmlns:p14="http://schemas.microsoft.com/office/powerpoint/2010/main" val="1254571953"/>
+        <p14:creationId xmlns:p14="http://schemas.microsoft.com/office/powerpoint/2010/main" val="1726448529"/>
       </p:ext>
     </p:extLst>
   </p:cSld>
@@ -14197,6 +14473,134 @@
 </file>
 
 <file path=ppt/slides/slide6.xml><?xml version="1.0" encoding="utf-8"?>
+<p:sld xmlns:a="http://schemas.openxmlformats.org/drawingml/2006/main" xmlns:r="http://schemas.openxmlformats.org/officeDocument/2006/relationships" xmlns:p="http://schemas.openxmlformats.org/presentationml/2006/main">
+  <p:cSld>
+    <p:spTree>
+      <p:nvGrpSpPr>
+        <p:cNvPr id="1" name="Shape 61"/>
+        <p:cNvGrpSpPr/>
+        <p:nvPr/>
+      </p:nvGrpSpPr>
+      <p:grpSpPr>
+        <a:xfrm>
+          <a:off x="0" y="0"/>
+          <a:ext cx="0" cy="0"/>
+          <a:chOff x="0" y="0"/>
+          <a:chExt cx="0" cy="0"/>
+        </a:xfrm>
+      </p:grpSpPr>
+      <p:sp>
+        <p:nvSpPr>
+          <p:cNvPr id="63" name="Google Shape;63;p3"/>
+          <p:cNvSpPr txBox="1">
+            <a:spLocks noGrp="1"/>
+          </p:cNvSpPr>
+          <p:nvPr>
+            <p:ph type="body" idx="1"/>
+          </p:nvPr>
+        </p:nvSpPr>
+        <p:spPr>
+          <a:xfrm>
+            <a:off x="914400" y="1537854"/>
+            <a:ext cx="10363200" cy="3776700"/>
+          </a:xfrm>
+          <a:prstGeom prst="rect">
+            <a:avLst/>
+          </a:prstGeom>
+          <a:noFill/>
+          <a:ln>
+            <a:noFill/>
+          </a:ln>
+        </p:spPr>
+        <p:txBody>
+          <a:bodyPr spcFirstLastPara="1" wrap="square" lIns="0" tIns="0" rIns="0" bIns="0" anchor="t" anchorCtr="0">
+            <a:noAutofit/>
+          </a:bodyPr>
+          <a:lstStyle/>
+          <a:p>
+            <a:pPr marL="0" indent="0">
+              <a:lnSpc>
+                <a:spcPct val="160000"/>
+              </a:lnSpc>
+              <a:buSzPts val="500"/>
+              <a:buNone/>
+            </a:pPr>
+            <a:r>
+              <a:rPr lang="en-US" dirty="0"/>
+              <a:t>How can we accurately classify brand sentiment in Twitter posts?</a:t>
+            </a:r>
+          </a:p>
+          <a:p>
+            <a:pPr marL="0" indent="0">
+              <a:lnSpc>
+                <a:spcPct val="160000"/>
+              </a:lnSpc>
+              <a:buSzPts val="500"/>
+              <a:buNone/>
+            </a:pPr>
+            <a:r>
+              <a:rPr lang="en-US" dirty="0"/>
+              <a:t>How can we leverage AI to provide businesses with real-time insights into their brand image?</a:t>
+            </a:r>
+          </a:p>
+          <a:p>
+            <a:pPr marL="0" indent="0">
+              <a:lnSpc>
+                <a:spcPct val="160000"/>
+              </a:lnSpc>
+              <a:buSzPts val="500"/>
+              <a:buNone/>
+            </a:pPr>
+            <a:r>
+              <a:rPr lang="en-US" dirty="0"/>
+              <a:t>How can we use Machine Learning to predict future customer sentiment and behavior?</a:t>
+            </a:r>
+          </a:p>
+        </p:txBody>
+      </p:sp>
+      <p:sp>
+        <p:nvSpPr>
+          <p:cNvPr id="5" name="Title 1">
+            <a:extLst>
+              <a:ext uri="{FF2B5EF4-FFF2-40B4-BE49-F238E27FC236}">
+                <a16:creationId xmlns:a16="http://schemas.microsoft.com/office/drawing/2014/main" id="{9CD88636-71AF-01E2-BC99-3FAC9E6A854F}"/>
+              </a:ext>
+            </a:extLst>
+          </p:cNvPr>
+          <p:cNvSpPr>
+            <a:spLocks noGrp="1"/>
+          </p:cNvSpPr>
+          <p:nvPr>
+            <p:ph type="title"/>
+          </p:nvPr>
+        </p:nvSpPr>
+        <p:spPr>
+          <a:xfrm>
+            <a:off x="-2059" y="-4119"/>
+            <a:ext cx="12196118" cy="893618"/>
+          </a:xfrm>
+        </p:spPr>
+        <p:txBody>
+          <a:bodyPr/>
+          <a:lstStyle/>
+          <a:p>
+            <a:pPr algn="ctr"/>
+            <a:r>
+              <a:rPr lang="en-US" dirty="0"/>
+              <a:t>Questions</a:t>
+            </a:r>
+          </a:p>
+        </p:txBody>
+      </p:sp>
+    </p:spTree>
+  </p:cSld>
+  <p:clrMapOvr>
+    <a:masterClrMapping/>
+  </p:clrMapOvr>
+</p:sld>
+</file>
+
+<file path=ppt/slides/slide7.xml><?xml version="1.0" encoding="utf-8"?>
 <p:sld xmlns:a="http://schemas.openxmlformats.org/drawingml/2006/main" xmlns:r="http://schemas.openxmlformats.org/officeDocument/2006/relationships" xmlns:p="http://schemas.openxmlformats.org/presentationml/2006/main">
   <p:cSld>
     <p:spTree>
@@ -14215,6 +14619,142 @@
       </p:grpSpPr>
       <p:sp>
         <p:nvSpPr>
+          <p:cNvPr id="3" name="Text Placeholder 2">
+            <a:extLst>
+              <a:ext uri="{FF2B5EF4-FFF2-40B4-BE49-F238E27FC236}">
+                <a16:creationId xmlns:a16="http://schemas.microsoft.com/office/drawing/2014/main" id="{5A541EC2-4F39-92E6-17F1-D59164595624}"/>
+              </a:ext>
+            </a:extLst>
+          </p:cNvPr>
+          <p:cNvSpPr>
+            <a:spLocks noGrp="1"/>
+          </p:cNvSpPr>
+          <p:nvPr>
+            <p:ph type="body" idx="1"/>
+          </p:nvPr>
+        </p:nvSpPr>
+        <p:spPr>
+          <a:xfrm>
+            <a:off x="906642" y="1975381"/>
+            <a:ext cx="10357103" cy="3776472"/>
+          </a:xfrm>
+        </p:spPr>
+        <p:txBody>
+          <a:bodyPr/>
+          <a:lstStyle/>
+          <a:p>
+            <a:pPr marL="200025" indent="0">
+              <a:buNone/>
+            </a:pPr>
+            <a:r>
+              <a:rPr lang="en-US" sz="2400" dirty="0"/>
+              <a:t>Explore Sentiment140 dataset</a:t>
+            </a:r>
+          </a:p>
+          <a:p>
+            <a:pPr marL="200025" indent="0">
+              <a:buNone/>
+            </a:pPr>
+            <a:r>
+              <a:rPr lang="en-US" sz="2400" dirty="0"/>
+              <a:t>Use GPT-4 to generate additional data</a:t>
+            </a:r>
+          </a:p>
+          <a:p>
+            <a:pPr marL="200025" indent="0">
+              <a:buNone/>
+            </a:pPr>
+            <a:r>
+              <a:rPr lang="en-US" sz="2400" dirty="0"/>
+              <a:t>Preprocess the data</a:t>
+            </a:r>
+          </a:p>
+          <a:p>
+            <a:pPr marL="200025" indent="0">
+              <a:buNone/>
+            </a:pPr>
+            <a:r>
+              <a:rPr lang="en-US" sz="2400" dirty="0"/>
+              <a:t>Train and test different models</a:t>
+            </a:r>
+          </a:p>
+          <a:p>
+            <a:pPr marL="200025" indent="0">
+              <a:buNone/>
+            </a:pPr>
+            <a:r>
+              <a:rPr lang="en-US" sz="2400" dirty="0"/>
+              <a:t>Select highest performer</a:t>
+            </a:r>
+          </a:p>
+        </p:txBody>
+      </p:sp>
+      <p:sp>
+        <p:nvSpPr>
+          <p:cNvPr id="7" name="Title 1">
+            <a:extLst>
+              <a:ext uri="{FF2B5EF4-FFF2-40B4-BE49-F238E27FC236}">
+                <a16:creationId xmlns:a16="http://schemas.microsoft.com/office/drawing/2014/main" id="{80A46B42-BD37-9CEE-588E-C639DB9EBCFE}"/>
+              </a:ext>
+            </a:extLst>
+          </p:cNvPr>
+          <p:cNvSpPr>
+            <a:spLocks noGrp="1"/>
+          </p:cNvSpPr>
+          <p:nvPr>
+            <p:ph type="title"/>
+          </p:nvPr>
+        </p:nvSpPr>
+        <p:spPr>
+          <a:xfrm>
+            <a:off x="-2059" y="-4119"/>
+            <a:ext cx="12196118" cy="1711036"/>
+          </a:xfrm>
+        </p:spPr>
+        <p:txBody>
+          <a:bodyPr/>
+          <a:lstStyle/>
+          <a:p>
+            <a:pPr algn="ctr"/>
+            <a:r>
+              <a:rPr lang="en-US" dirty="0"/>
+              <a:t>How Do We Create A Brand Sentiment Analyzer?</a:t>
+            </a:r>
+          </a:p>
+        </p:txBody>
+      </p:sp>
+    </p:spTree>
+    <p:extLst>
+      <p:ext uri="{BB962C8B-B14F-4D97-AF65-F5344CB8AC3E}">
+        <p14:creationId xmlns:p14="http://schemas.microsoft.com/office/powerpoint/2010/main" val="1254571953"/>
+      </p:ext>
+    </p:extLst>
+  </p:cSld>
+  <p:clrMapOvr>
+    <a:masterClrMapping/>
+  </p:clrMapOvr>
+</p:sld>
+</file>
+
+<file path=ppt/slides/slide8.xml><?xml version="1.0" encoding="utf-8"?>
+<p:sld xmlns:a="http://schemas.openxmlformats.org/drawingml/2006/main" xmlns:r="http://schemas.openxmlformats.org/officeDocument/2006/relationships" xmlns:p="http://schemas.openxmlformats.org/presentationml/2006/main">
+  <p:cSld>
+    <p:spTree>
+      <p:nvGrpSpPr>
+        <p:cNvPr id="1" name=""/>
+        <p:cNvGrpSpPr/>
+        <p:nvPr/>
+      </p:nvGrpSpPr>
+      <p:grpSpPr>
+        <a:xfrm>
+          <a:off x="0" y="0"/>
+          <a:ext cx="0" cy="0"/>
+          <a:chOff x="0" y="0"/>
+          <a:chExt cx="0" cy="0"/>
+        </a:xfrm>
+      </p:grpSpPr>
+      <p:sp>
+        <p:nvSpPr>
           <p:cNvPr id="2" name="Title 1">
             <a:extLst>
               <a:ext uri="{FF2B5EF4-FFF2-40B4-BE49-F238E27FC236}">
@@ -14320,304 +14860,6 @@
         <p14:creationId xmlns:p14="http://schemas.microsoft.com/office/powerpoint/2010/main" val="4034068343"/>
       </p:ext>
     </p:extLst>
-  </p:cSld>
-  <p:clrMapOvr>
-    <a:masterClrMapping/>
-  </p:clrMapOvr>
-</p:sld>
-</file>
-
-<file path=ppt/slides/slide7.xml><?xml version="1.0" encoding="utf-8"?>
-<p:sld xmlns:a="http://schemas.openxmlformats.org/drawingml/2006/main" xmlns:r="http://schemas.openxmlformats.org/officeDocument/2006/relationships" xmlns:p="http://schemas.openxmlformats.org/presentationml/2006/main">
-  <p:cSld>
-    <p:spTree>
-      <p:nvGrpSpPr>
-        <p:cNvPr id="1" name="Shape 61"/>
-        <p:cNvGrpSpPr/>
-        <p:nvPr/>
-      </p:nvGrpSpPr>
-      <p:grpSpPr>
-        <a:xfrm>
-          <a:off x="0" y="0"/>
-          <a:ext cx="0" cy="0"/>
-          <a:chOff x="0" y="0"/>
-          <a:chExt cx="0" cy="0"/>
-        </a:xfrm>
-      </p:grpSpPr>
-      <p:sp>
-        <p:nvSpPr>
-          <p:cNvPr id="62" name="Google Shape;62;p3"/>
-          <p:cNvSpPr txBox="1">
-            <a:spLocks noGrp="1"/>
-          </p:cNvSpPr>
-          <p:nvPr>
-            <p:ph type="title"/>
-          </p:nvPr>
-        </p:nvSpPr>
-        <p:spPr>
-          <a:xfrm>
-            <a:off x="914400" y="685800"/>
-            <a:ext cx="10363200" cy="1143000"/>
-          </a:xfrm>
-          <a:prstGeom prst="rect">
-            <a:avLst/>
-          </a:prstGeom>
-          <a:noFill/>
-          <a:ln>
-            <a:noFill/>
-          </a:ln>
-        </p:spPr>
-        <p:txBody>
-          <a:bodyPr spcFirstLastPara="1" wrap="square" lIns="0" tIns="0" rIns="0" bIns="0" anchor="ctr" anchorCtr="0">
-            <a:noAutofit/>
-          </a:bodyPr>
-          <a:lstStyle/>
-          <a:p>
-            <a:pPr marL="0" lvl="0" indent="0" algn="l" rtl="0">
-              <a:lnSpc>
-                <a:spcPct val="104999"/>
-              </a:lnSpc>
-              <a:spcBef>
-                <a:spcPts val="0"/>
-              </a:spcBef>
-              <a:spcAft>
-                <a:spcPts val="0"/>
-              </a:spcAft>
-              <a:buNone/>
-            </a:pPr>
-            <a:r>
-              <a:rPr lang="en-US"/>
-              <a:t>Problem Statement</a:t>
-            </a:r>
-            <a:endParaRPr/>
-          </a:p>
-        </p:txBody>
-      </p:sp>
-      <p:sp>
-        <p:nvSpPr>
-          <p:cNvPr id="63" name="Google Shape;63;p3"/>
-          <p:cNvSpPr txBox="1">
-            <a:spLocks noGrp="1"/>
-          </p:cNvSpPr>
-          <p:nvPr>
-            <p:ph type="body" idx="1"/>
-          </p:nvPr>
-        </p:nvSpPr>
-        <p:spPr>
-          <a:xfrm>
-            <a:off x="914400" y="1828800"/>
-            <a:ext cx="10363200" cy="3776700"/>
-          </a:xfrm>
-          <a:prstGeom prst="rect">
-            <a:avLst/>
-          </a:prstGeom>
-          <a:noFill/>
-          <a:ln>
-            <a:noFill/>
-          </a:ln>
-        </p:spPr>
-        <p:txBody>
-          <a:bodyPr spcFirstLastPara="1" wrap="square" lIns="0" tIns="0" rIns="0" bIns="0" anchor="t" anchorCtr="0">
-            <a:noAutofit/>
-          </a:bodyPr>
-          <a:lstStyle/>
-          <a:p>
-            <a:pPr marL="91440" indent="-91440">
-              <a:lnSpc>
-                <a:spcPct val="160000"/>
-              </a:lnSpc>
-              <a:buSzPts val="500"/>
-            </a:pPr>
-            <a:r>
-              <a:rPr lang="en-US" sz="2000"/>
-              <a:t>For a given tweet, we want to detect in there is a brand mentioned and the sentiment towards that brand. There are two parts to this problem:</a:t>
-            </a:r>
-            <a:endParaRPr lang="en-US"/>
-          </a:p>
-          <a:p>
-            <a:pPr marL="571500" lvl="1" indent="-457200">
-              <a:lnSpc>
-                <a:spcPct val="160000"/>
-              </a:lnSpc>
-              <a:buSzPts val="2000"/>
-              <a:buAutoNum type="arabicPeriod"/>
-            </a:pPr>
-            <a:r>
-              <a:rPr lang="en-US" sz="2000"/>
-              <a:t>Brand Classification – classifies a brand, if one is mentioned</a:t>
-            </a:r>
-            <a:endParaRPr/>
-          </a:p>
-          <a:p>
-            <a:pPr marL="571500" lvl="1" indent="-457200">
-              <a:lnSpc>
-                <a:spcPct val="160000"/>
-              </a:lnSpc>
-              <a:buSzPts val="2000"/>
-              <a:buAutoNum type="arabicPeriod"/>
-            </a:pPr>
-            <a:r>
-              <a:rPr lang="en-US" sz="2000"/>
-              <a:t>Sentiment Classification – classifies the sentiment of a tweet</a:t>
-            </a:r>
-            <a:endParaRPr/>
-          </a:p>
-          <a:p>
-            <a:pPr marL="90170" lvl="0" indent="-58420" algn="l" rtl="0">
-              <a:lnSpc>
-                <a:spcPct val="160000"/>
-              </a:lnSpc>
-              <a:spcBef>
-                <a:spcPts val="600"/>
-              </a:spcBef>
-              <a:spcAft>
-                <a:spcPts val="0"/>
-              </a:spcAft>
-              <a:buSzPts val="500"/>
-              <a:buNone/>
-            </a:pPr>
-            <a:endParaRPr sz="2000"/>
-          </a:p>
-          <a:p>
-            <a:pPr marL="90170" lvl="0" indent="-90170" algn="ctr" rtl="0">
-              <a:lnSpc>
-                <a:spcPct val="160000"/>
-              </a:lnSpc>
-              <a:spcBef>
-                <a:spcPts val="600"/>
-              </a:spcBef>
-              <a:spcAft>
-                <a:spcPts val="0"/>
-              </a:spcAft>
-              <a:buSzPts val="500"/>
-              <a:buChar char=" "/>
-            </a:pPr>
-            <a:r>
-              <a:rPr lang="en-US" sz="2000"/>
-              <a:t>Putting these together we get a Brand Sentiment Analyzer</a:t>
-            </a:r>
-            <a:endParaRPr/>
-          </a:p>
-        </p:txBody>
-      </p:sp>
-    </p:spTree>
-  </p:cSld>
-  <p:clrMapOvr>
-    <a:masterClrMapping/>
-  </p:clrMapOvr>
-</p:sld>
-</file>
-
-<file path=ppt/slides/slide8.xml><?xml version="1.0" encoding="utf-8"?>
-<p:sld xmlns:a="http://schemas.openxmlformats.org/drawingml/2006/main" xmlns:r="http://schemas.openxmlformats.org/officeDocument/2006/relationships" xmlns:p="http://schemas.openxmlformats.org/presentationml/2006/main">
-  <p:cSld>
-    <p:spTree>
-      <p:nvGrpSpPr>
-        <p:cNvPr id="1" name="Shape 68"/>
-        <p:cNvGrpSpPr/>
-        <p:nvPr/>
-      </p:nvGrpSpPr>
-      <p:grpSpPr>
-        <a:xfrm>
-          <a:off x="0" y="0"/>
-          <a:ext cx="0" cy="0"/>
-          <a:chOff x="0" y="0"/>
-          <a:chExt cx="0" cy="0"/>
-        </a:xfrm>
-      </p:grpSpPr>
-      <p:sp>
-        <p:nvSpPr>
-          <p:cNvPr id="69" name="Google Shape;69;p4"/>
-          <p:cNvSpPr txBox="1">
-            <a:spLocks noGrp="1"/>
-          </p:cNvSpPr>
-          <p:nvPr>
-            <p:ph type="title"/>
-          </p:nvPr>
-        </p:nvSpPr>
-        <p:spPr>
-          <a:xfrm>
-            <a:off x="914400" y="685800"/>
-            <a:ext cx="10363200" cy="1143000"/>
-          </a:xfrm>
-          <a:prstGeom prst="rect">
-            <a:avLst/>
-          </a:prstGeom>
-          <a:noFill/>
-          <a:ln>
-            <a:noFill/>
-          </a:ln>
-        </p:spPr>
-        <p:txBody>
-          <a:bodyPr spcFirstLastPara="1" wrap="square" lIns="0" tIns="0" rIns="0" bIns="0" anchor="ctr" anchorCtr="0">
-            <a:noAutofit/>
-          </a:bodyPr>
-          <a:lstStyle/>
-          <a:p>
-            <a:pPr marL="0" lvl="0" indent="0" algn="l" rtl="0">
-              <a:lnSpc>
-                <a:spcPct val="104999"/>
-              </a:lnSpc>
-              <a:spcBef>
-                <a:spcPts val="0"/>
-              </a:spcBef>
-              <a:spcAft>
-                <a:spcPts val="0"/>
-              </a:spcAft>
-              <a:buNone/>
-            </a:pPr>
-            <a:r>
-              <a:rPr lang="en-US"/>
-              <a:t>Scope</a:t>
-            </a:r>
-            <a:endParaRPr/>
-          </a:p>
-        </p:txBody>
-      </p:sp>
-      <p:sp>
-        <p:nvSpPr>
-          <p:cNvPr id="70" name="Google Shape;70;p4"/>
-          <p:cNvSpPr txBox="1">
-            <a:spLocks noGrp="1"/>
-          </p:cNvSpPr>
-          <p:nvPr>
-            <p:ph type="body" idx="1"/>
-          </p:nvPr>
-        </p:nvSpPr>
-        <p:spPr>
-          <a:xfrm>
-            <a:off x="1371600" y="1947863"/>
-            <a:ext cx="8610603" cy="3776662"/>
-          </a:xfrm>
-          <a:prstGeom prst="rect">
-            <a:avLst/>
-          </a:prstGeom>
-          <a:noFill/>
-          <a:ln>
-            <a:noFill/>
-          </a:ln>
-        </p:spPr>
-        <p:txBody>
-          <a:bodyPr spcFirstLastPara="1" wrap="square" lIns="0" tIns="0" rIns="0" bIns="0" anchor="t" anchorCtr="0">
-            <a:noAutofit/>
-          </a:bodyPr>
-          <a:lstStyle/>
-          <a:p>
-            <a:pPr marL="91440" indent="-91440">
-              <a:lnSpc>
-                <a:spcPct val="160000"/>
-              </a:lnSpc>
-              <a:buSzPts val="500"/>
-            </a:pPr>
-            <a:r>
-              <a:rPr lang="en-US" sz="2000"/>
-              <a:t>Our project focuses specifically on analyzing tweets from Twitter for brand mentions and associated sentiment. </a:t>
-            </a:r>
-            <a:endParaRPr lang="en-US"/>
-          </a:p>
-        </p:txBody>
-      </p:sp>
-    </p:spTree>
   </p:cSld>
   <p:clrMapOvr>
     <a:masterClrMapping/>
@@ -14654,8 +14896,8 @@
         </p:nvSpPr>
         <p:spPr>
           <a:xfrm>
-            <a:off x="914400" y="685800"/>
-            <a:ext cx="10363200" cy="1143000"/>
+            <a:off x="13855" y="464127"/>
+            <a:ext cx="12178145" cy="1143000"/>
           </a:xfrm>
           <a:prstGeom prst="rect">
             <a:avLst/>
@@ -14671,7 +14913,7 @@
           </a:bodyPr>
           <a:lstStyle/>
           <a:p>
-            <a:pPr marL="0" lvl="0" indent="0" algn="l" rtl="0">
+            <a:pPr marL="0" lvl="0" indent="0" algn="ctr" rtl="0">
               <a:lnSpc>
                 <a:spcPct val="104999"/>
               </a:lnSpc>
@@ -14684,10 +14926,9 @@
               <a:buNone/>
             </a:pPr>
             <a:r>
-              <a:rPr lang="en-US"/>
+              <a:rPr lang="en-US" sz="6000" dirty="0"/>
               <a:t>Datasets</a:t>
             </a:r>
-            <a:endParaRPr/>
           </a:p>
         </p:txBody>
       </p:sp>
@@ -14703,8 +14944,8 @@
         </p:nvSpPr>
         <p:spPr>
           <a:xfrm>
-            <a:off x="1600200" y="1828800"/>
-            <a:ext cx="7881937" cy="3776662"/>
+            <a:off x="20782" y="2244436"/>
+            <a:ext cx="12190700" cy="2349644"/>
           </a:xfrm>
           <a:prstGeom prst="rect">
             <a:avLst/>
@@ -14720,7 +14961,7 @@
           </a:bodyPr>
           <a:lstStyle/>
           <a:p>
-            <a:pPr marL="340995" lvl="1" indent="-226695">
+            <a:pPr marL="114300" lvl="1" indent="0" algn="ctr">
               <a:lnSpc>
                 <a:spcPct val="160000"/>
               </a:lnSpc>
@@ -14728,25 +14969,25 @@
                 <a:spcPts val="0"/>
               </a:spcBef>
               <a:buSzPts val="2000"/>
+              <a:buNone/>
             </a:pPr>
             <a:r>
-              <a:rPr lang="en-US" sz="2000"/>
+              <a:rPr lang="en-US" sz="4400" dirty="0"/>
               <a:t>Sentiment140</a:t>
             </a:r>
-            <a:endParaRPr lang="en-US"/>
-          </a:p>
-          <a:p>
-            <a:pPr marL="340995" lvl="1" indent="-226695">
+          </a:p>
+          <a:p>
+            <a:pPr marL="114300" lvl="1" indent="0" algn="ctr">
               <a:lnSpc>
                 <a:spcPct val="160000"/>
               </a:lnSpc>
               <a:buSzPts val="2000"/>
+              <a:buNone/>
             </a:pPr>
             <a:r>
-              <a:rPr lang="en-US" sz="2000"/>
+              <a:rPr lang="en-US" sz="4400" dirty="0"/>
               <a:t>Surge AI</a:t>
             </a:r>
-            <a:endParaRPr lang="en-US"/>
           </a:p>
         </p:txBody>
       </p:sp>

--- a/Final-Project-Team-2.pptx
+++ b/Final-Project-Team-2.pptx
@@ -10554,7 +10554,10 @@
               </a:spcBef>
               <a:buSzPts val="2000"/>
             </a:pPr>
-            <a:endParaRPr lang="en-US" dirty="0"/>
+            <a:r>
+              <a:rPr lang="en-US" dirty="0"/>
+              <a:t>placeholder voiceover</a:t>
+            </a:r>
           </a:p>
         </p:txBody>
       </p:sp>

--- a/Final-Project-Team-2.pptx
+++ b/Final-Project-Team-2.pptx
@@ -5,7 +5,7 @@
     <p:sldMasterId id="2147483648" r:id="rId1"/>
   </p:sldMasterIdLst>
   <p:notesMasterIdLst>
-    <p:notesMasterId r:id="rId34"/>
+    <p:notesMasterId r:id="rId33"/>
   </p:notesMasterIdLst>
   <p:sldIdLst>
     <p:sldId id="256" r:id="rId2"/>
@@ -15,31 +15,30 @@
     <p:sldId id="284" r:id="rId6"/>
     <p:sldId id="258" r:id="rId7"/>
     <p:sldId id="285" r:id="rId8"/>
-    <p:sldId id="286" r:id="rId9"/>
-    <p:sldId id="260" r:id="rId10"/>
-    <p:sldId id="292" r:id="rId11"/>
-    <p:sldId id="291" r:id="rId12"/>
-    <p:sldId id="287" r:id="rId13"/>
-    <p:sldId id="278" r:id="rId14"/>
-    <p:sldId id="263" r:id="rId15"/>
-    <p:sldId id="264" r:id="rId16"/>
-    <p:sldId id="267" r:id="rId17"/>
-    <p:sldId id="290" r:id="rId18"/>
-    <p:sldId id="288" r:id="rId19"/>
-    <p:sldId id="280" r:id="rId20"/>
-    <p:sldId id="268" r:id="rId21"/>
-    <p:sldId id="297" r:id="rId22"/>
-    <p:sldId id="294" r:id="rId23"/>
-    <p:sldId id="295" r:id="rId24"/>
-    <p:sldId id="296" r:id="rId25"/>
-    <p:sldId id="277" r:id="rId26"/>
-    <p:sldId id="293" r:id="rId27"/>
-    <p:sldId id="271" r:id="rId28"/>
-    <p:sldId id="272" r:id="rId29"/>
-    <p:sldId id="273" r:id="rId30"/>
-    <p:sldId id="275" r:id="rId31"/>
-    <p:sldId id="274" r:id="rId32"/>
-    <p:sldId id="276" r:id="rId33"/>
+    <p:sldId id="260" r:id="rId9"/>
+    <p:sldId id="292" r:id="rId10"/>
+    <p:sldId id="291" r:id="rId11"/>
+    <p:sldId id="287" r:id="rId12"/>
+    <p:sldId id="278" r:id="rId13"/>
+    <p:sldId id="263" r:id="rId14"/>
+    <p:sldId id="264" r:id="rId15"/>
+    <p:sldId id="267" r:id="rId16"/>
+    <p:sldId id="290" r:id="rId17"/>
+    <p:sldId id="288" r:id="rId18"/>
+    <p:sldId id="280" r:id="rId19"/>
+    <p:sldId id="268" r:id="rId20"/>
+    <p:sldId id="297" r:id="rId21"/>
+    <p:sldId id="294" r:id="rId22"/>
+    <p:sldId id="295" r:id="rId23"/>
+    <p:sldId id="296" r:id="rId24"/>
+    <p:sldId id="277" r:id="rId25"/>
+    <p:sldId id="293" r:id="rId26"/>
+    <p:sldId id="271" r:id="rId27"/>
+    <p:sldId id="272" r:id="rId28"/>
+    <p:sldId id="273" r:id="rId29"/>
+    <p:sldId id="275" r:id="rId30"/>
+    <p:sldId id="274" r:id="rId31"/>
+    <p:sldId id="276" r:id="rId32"/>
   </p:sldIdLst>
   <p:sldSz cx="12192000" cy="6858000"/>
   <p:notesSz cx="6858000" cy="9144000"/>
@@ -298,6 +297,21 @@
 <p188:authorLst xmlns:a="http://schemas.openxmlformats.org/drawingml/2006/main" xmlns:r="http://schemas.openxmlformats.org/officeDocument/2006/relationships" xmlns:p188="http://schemas.microsoft.com/office/powerpoint/2018/8/main">
   <p188:author id="{EC348E58-5387-2888-E351-F65D4B26D7D0}" name="Juliet Lawton" initials="JL" userId="fe2d22c79856cb18" providerId="Windows Live"/>
 </p188:authorLst>
+</file>
+
+<file path=ppt/revisionInfo.xml><?xml version="1.0" encoding="utf-8"?>
+<p1510:revInfo xmlns:a="http://schemas.openxmlformats.org/drawingml/2006/main" xmlns:r="http://schemas.openxmlformats.org/officeDocument/2006/relationships" xmlns:p1510="http://schemas.microsoft.com/office/powerpoint/2015/10/main">
+  <p1510:revLst>
+    <p1510:client id="{95307690-8885-49AB-B038-3BD8E342FB63}" v="22" dt="2023-08-15T00:38:10.364"/>
+    <p1510:client id="{9ABC9412-41B7-41D0-80C1-E6BFBDDFF9D2}" v="1053" dt="2023-08-14T22:48:04.089"/>
+    <p1510:client id="{A07445A3-6B9B-AE45-8BA8-D7431872BBD4}" v="2796" dt="2023-08-15T00:55:56.084"/>
+    <p1510:client id="{A45BF0A0-0529-4298-BC69-0F3AE19006EE}" v="17" dt="2023-08-14T19:14:42.404"/>
+    <p1510:client id="{D519D8B8-7B48-4FE9-97DE-45552BC8487C}" v="1" dt="2023-08-15T01:44:12.770"/>
+    <p1510:client id="{F0FA673B-D489-479B-B0B6-B78F300AA597}" v="5" dt="2023-08-14T16:54:42.387"/>
+    <p1510:client id="{F84124A8-7007-4E7E-9A2C-D1EF479C58D9}" v="136" dt="2023-08-14T15:59:41.057"/>
+    <p1510:client id="{FCEF296D-BCB1-594A-BCC4-462A7B4F5468}" v="3471" dt="2023-08-15T01:45:47.226"/>
+  </p1510:revLst>
+</p1510:revInfo>
 </file>
 
 <file path=ppt/comments/modernComment_124_9C1C4235.xml><?xml version="1.0" encoding="utf-8"?>
@@ -3224,7 +3238,7 @@
         <a:lstStyle/>
         <a:p>
           <a:r>
-            <a:rPr lang="en-US" dirty="0">
+            <a:rPr lang="en-US">
               <a:solidFill>
                 <a:srgbClr val="001F60"/>
               </a:solidFill>
@@ -3264,7 +3278,7 @@
         <a:lstStyle/>
         <a:p>
           <a:r>
-            <a:rPr lang="en-US" dirty="0">
+            <a:rPr lang="en-US">
               <a:solidFill>
                 <a:srgbClr val="001F60"/>
               </a:solidFill>
@@ -3304,7 +3318,7 @@
         <a:lstStyle/>
         <a:p>
           <a:r>
-            <a:rPr lang="en-US" dirty="0">
+            <a:rPr lang="en-US">
               <a:solidFill>
                 <a:srgbClr val="001F60"/>
               </a:solidFill>
@@ -4380,7 +4394,7 @@
             <a:buNone/>
           </a:pPr>
           <a:r>
-            <a:rPr lang="en-US" sz="3200" kern="1200" dirty="0">
+            <a:rPr lang="en-US" sz="3200" kern="1200">
               <a:solidFill>
                 <a:srgbClr val="001F60"/>
               </a:solidFill>
@@ -4461,7 +4475,7 @@
             <a:buNone/>
           </a:pPr>
           <a:r>
-            <a:rPr lang="en-US" sz="3200" kern="1200" dirty="0">
+            <a:rPr lang="en-US" sz="3200" kern="1200">
               <a:solidFill>
                 <a:srgbClr val="001F60"/>
               </a:solidFill>
@@ -4542,7 +4556,7 @@
             <a:buNone/>
           </a:pPr>
           <a:r>
-            <a:rPr lang="en-US" sz="3200" kern="1200" dirty="0">
+            <a:rPr lang="en-US" sz="3200" kern="1200">
               <a:solidFill>
                 <a:srgbClr val="001F60"/>
               </a:solidFill>
@@ -9851,118 +9865,6 @@
 </file>
 
 <file path=ppt/notesSlides/notesSlide10.xml><?xml version="1.0" encoding="utf-8"?>
-<p:notes xmlns:a="http://schemas.openxmlformats.org/drawingml/2006/main" xmlns:r="http://schemas.openxmlformats.org/officeDocument/2006/relationships" xmlns:p="http://schemas.openxmlformats.org/presentationml/2006/main">
-  <p:cSld>
-    <p:spTree>
-      <p:nvGrpSpPr>
-        <p:cNvPr id="1" name=""/>
-        <p:cNvGrpSpPr/>
-        <p:nvPr/>
-      </p:nvGrpSpPr>
-      <p:grpSpPr>
-        <a:xfrm>
-          <a:off x="0" y="0"/>
-          <a:ext cx="0" cy="0"/>
-          <a:chOff x="0" y="0"/>
-          <a:chExt cx="0" cy="0"/>
-        </a:xfrm>
-      </p:grpSpPr>
-      <p:sp>
-        <p:nvSpPr>
-          <p:cNvPr id="2" name="Slide Image Placeholder 1"/>
-          <p:cNvSpPr>
-            <a:spLocks noGrp="1" noRot="1" noChangeAspect="1"/>
-          </p:cNvSpPr>
-          <p:nvPr>
-            <p:ph type="sldImg"/>
-          </p:nvPr>
-        </p:nvSpPr>
-        <p:spPr/>
-      </p:sp>
-      <p:sp>
-        <p:nvSpPr>
-          <p:cNvPr id="3" name="Notes Placeholder 2"/>
-          <p:cNvSpPr>
-            <a:spLocks noGrp="1"/>
-          </p:cNvSpPr>
-          <p:nvPr>
-            <p:ph type="body" idx="1"/>
-          </p:nvPr>
-        </p:nvSpPr>
-        <p:spPr/>
-        <p:txBody>
-          <a:bodyPr/>
-          <a:lstStyle/>
-          <a:p>
-            <a:r>
-              <a:rPr lang="en-US"/>
-              <a:t>From the Sentiment140 dataset, we were able to find hundreds of tweets mentioning brands. Those brands included: Facebook, Google, Apple, Starbucks, Disney, Walmart, Target, Microsoft, Amazon, and Sony. Further, we randomly chose tweets that did not mention any brands because we aimed to build a brand classifier that predicts whether a brand is mentioned in a tweet. Hence, it was important to include example tweets with no brands so that our models could be trained on tweets with brands and no brands.</a:t>
-            </a:r>
-          </a:p>
-        </p:txBody>
-      </p:sp>
-      <p:sp>
-        <p:nvSpPr>
-          <p:cNvPr id="4" name="Slide Number Placeholder 3"/>
-          <p:cNvSpPr>
-            <a:spLocks noGrp="1"/>
-          </p:cNvSpPr>
-          <p:nvPr>
-            <p:ph type="sldNum" idx="12"/>
-          </p:nvPr>
-        </p:nvSpPr>
-        <p:spPr/>
-        <p:txBody>
-          <a:bodyPr/>
-          <a:lstStyle/>
-          <a:p>
-            <a:pPr marL="0" marR="0" lvl="0" indent="0" algn="r" rtl="0">
-              <a:spcBef>
-                <a:spcPts val="0"/>
-              </a:spcBef>
-              <a:spcAft>
-                <a:spcPts val="0"/>
-              </a:spcAft>
-              <a:buNone/>
-            </a:pPr>
-            <a:fld id="{00000000-1234-1234-1234-123412341234}" type="slidenum">
-              <a:rPr lang="en-US" sz="1200" b="0" i="0" u="none" strike="noStrike" cap="none" smtClean="0">
-                <a:solidFill>
-                  <a:schemeClr val="dk1"/>
-                </a:solidFill>
-                <a:latin typeface="Arial"/>
-                <a:ea typeface="Arial"/>
-                <a:cs typeface="Arial"/>
-                <a:sym typeface="Arial"/>
-              </a:rPr>
-              <a:t>10</a:t>
-            </a:fld>
-            <a:endParaRPr lang="en-US" sz="1200" b="0" i="0" u="none" strike="noStrike" cap="none">
-              <a:solidFill>
-                <a:schemeClr val="dk1"/>
-              </a:solidFill>
-              <a:latin typeface="Arial"/>
-              <a:ea typeface="Arial"/>
-              <a:cs typeface="Arial"/>
-              <a:sym typeface="Arial"/>
-            </a:endParaRPr>
-          </a:p>
-        </p:txBody>
-      </p:sp>
-    </p:spTree>
-    <p:extLst>
-      <p:ext uri="{BB962C8B-B14F-4D97-AF65-F5344CB8AC3E}">
-        <p14:creationId xmlns:p14="http://schemas.microsoft.com/office/powerpoint/2010/main" val="474914966"/>
-      </p:ext>
-    </p:extLst>
-  </p:cSld>
-  <p:clrMapOvr>
-    <a:masterClrMapping/>
-  </p:clrMapOvr>
-</p:notes>
-</file>
-
-<file path=ppt/notesSlides/notesSlide11.xml><?xml version="1.0" encoding="utf-8"?>
 <p:notes xmlns:a="http://schemas.openxmlformats.org/drawingml/2006/main" xmlns:r="http://schemas.openxmlformats.org/officeDocument/2006/relationships" xmlns:p="http://schemas.openxmlformats.org/presentationml/2006/main" showMasterSp="0" showMasterPhAnim="0">
   <p:cSld>
     <p:spTree>
@@ -10119,7 +10021,7 @@
             </a:pPr>
             <a:fld id="{00000000-1234-1234-1234-123412341234}" type="slidenum">
               <a:rPr lang="en-US"/>
-              <a:t>11</a:t>
+              <a:t>10</a:t>
             </a:fld>
             <a:endParaRPr/>
           </a:p>
@@ -10133,7 +10035,7 @@
 </p:notes>
 </file>
 
-<file path=ppt/notesSlides/notesSlide12.xml><?xml version="1.0" encoding="utf-8"?>
+<file path=ppt/notesSlides/notesSlide11.xml><?xml version="1.0" encoding="utf-8"?>
 <p:notes xmlns:a="http://schemas.openxmlformats.org/drawingml/2006/main" xmlns:r="http://schemas.openxmlformats.org/officeDocument/2006/relationships" xmlns:p="http://schemas.openxmlformats.org/presentationml/2006/main" showMasterSp="0" showMasterPhAnim="0">
   <p:cSld>
     <p:spTree>
@@ -10303,7 +10205,7 @@
             </a:pPr>
             <a:fld id="{00000000-1234-1234-1234-123412341234}" type="slidenum">
               <a:rPr lang="en-US"/>
-              <a:t>12</a:t>
+              <a:t>11</a:t>
             </a:fld>
             <a:endParaRPr/>
           </a:p>
@@ -10322,7 +10224,7 @@
 </p:notes>
 </file>
 
-<file path=ppt/notesSlides/notesSlide13.xml><?xml version="1.0" encoding="utf-8"?>
+<file path=ppt/notesSlides/notesSlide12.xml><?xml version="1.0" encoding="utf-8"?>
 <p:notes xmlns:a="http://schemas.openxmlformats.org/drawingml/2006/main" xmlns:r="http://schemas.openxmlformats.org/officeDocument/2006/relationships" xmlns:p="http://schemas.openxmlformats.org/presentationml/2006/main">
   <p:cSld>
     <p:spTree>
@@ -10367,7 +10269,7 @@
           <a:lstStyle/>
           <a:p>
             <a:r>
-              <a:rPr lang="en-US" dirty="0"/>
+              <a:rPr lang="en-US"/>
               <a:t>In the assess stage, we analyzed the dataset and selected appropriate models based on the specific requirements of the sentiment analysis task, the characteristics of the available data, and the nature of the problem. The assessment stage of the project involves dataset analysis, model selection, and preliminary testing. This phase sets the foundation for subsequent stages by determining the most suitable models for sentiment analysis and brand identification. The project starts with an in-depth analysis of the Sentiment140 dataset. This dataset contains labeled tweets with sentiment polarity. The sentiment labels are remapped to binary values (0 for negative and 1 for positive) to simplify interpretation and analysis.</a:t>
             </a:r>
           </a:p>
@@ -10377,10 +10279,10 @@
                 <a:spcPts val="0"/>
               </a:spcBef>
             </a:pPr>
-            <a:endParaRPr lang="en-US" dirty="0"/>
+            <a:endParaRPr lang="en-US"/>
           </a:p>
           <a:p>
-            <a:endParaRPr lang="en-US" dirty="0">
+            <a:endParaRPr lang="en-US">
               <a:latin typeface="Calibri"/>
               <a:cs typeface="Calibri"/>
             </a:endParaRPr>
@@ -10421,7 +10323,7 @@
                 <a:cs typeface="Arial"/>
                 <a:sym typeface="Arial"/>
               </a:rPr>
-              <a:t>13</a:t>
+              <a:t>12</a:t>
             </a:fld>
             <a:endParaRPr lang="en-US" sz="1200" b="0" i="0" u="none" strike="noStrike" cap="none">
               <a:solidFill>
@@ -10448,7 +10350,7 @@
 </p:notes>
 </file>
 
-<file path=ppt/notesSlides/notesSlide14.xml><?xml version="1.0" encoding="utf-8"?>
+<file path=ppt/notesSlides/notesSlide13.xml><?xml version="1.0" encoding="utf-8"?>
 <p:notes xmlns:a="http://schemas.openxmlformats.org/drawingml/2006/main" xmlns:r="http://schemas.openxmlformats.org/officeDocument/2006/relationships" xmlns:p="http://schemas.openxmlformats.org/presentationml/2006/main" showMasterSp="0" showMasterPhAnim="0">
   <p:cSld>
     <p:spTree>
@@ -10555,8 +10457,8 @@
               <a:buSzPts val="2000"/>
             </a:pPr>
             <a:r>
-              <a:rPr lang="en-US" dirty="0"/>
-              <a:t>placeholder voiceover</a:t>
+              <a:rPr lang="en-US"/>
+              <a:t>Placeholder voiceover</a:t>
             </a:r>
           </a:p>
         </p:txBody>
@@ -10601,7 +10503,7 @@
             </a:pPr>
             <a:fld id="{00000000-1234-1234-1234-123412341234}" type="slidenum">
               <a:rPr lang="en-US"/>
-              <a:t>14</a:t>
+              <a:t>13</a:t>
             </a:fld>
             <a:endParaRPr/>
           </a:p>
@@ -10615,7 +10517,7 @@
 </p:notes>
 </file>
 
-<file path=ppt/notesSlides/notesSlide15.xml><?xml version="1.0" encoding="utf-8"?>
+<file path=ppt/notesSlides/notesSlide14.xml><?xml version="1.0" encoding="utf-8"?>
 <p:notes xmlns:a="http://schemas.openxmlformats.org/drawingml/2006/main" xmlns:r="http://schemas.openxmlformats.org/officeDocument/2006/relationships" xmlns:p="http://schemas.openxmlformats.org/presentationml/2006/main" showMasterSp="0" showMasterPhAnim="0">
   <p:cSld>
     <p:spTree>
@@ -10727,6 +10629,169 @@
       <p:sp>
         <p:nvSpPr>
           <p:cNvPr id="102" name="Google Shape;102;p9:notes"/>
+          <p:cNvSpPr txBox="1">
+            <a:spLocks noGrp="1"/>
+          </p:cNvSpPr>
+          <p:nvPr>
+            <p:ph type="sldNum" idx="12"/>
+          </p:nvPr>
+        </p:nvSpPr>
+        <p:spPr>
+          <a:xfrm>
+            <a:off x="3886200" y="8686800"/>
+            <a:ext cx="2971800" cy="457200"/>
+          </a:xfrm>
+          <a:prstGeom prst="rect">
+            <a:avLst/>
+          </a:prstGeom>
+          <a:noFill/>
+          <a:ln>
+            <a:noFill/>
+          </a:ln>
+        </p:spPr>
+        <p:txBody>
+          <a:bodyPr spcFirstLastPara="1" wrap="square" lIns="91425" tIns="45700" rIns="91425" bIns="45700" anchor="b" anchorCtr="0">
+            <a:noAutofit/>
+          </a:bodyPr>
+          <a:lstStyle/>
+          <a:p>
+            <a:pPr marL="0" lvl="0" indent="0" algn="r" rtl="0">
+              <a:spcBef>
+                <a:spcPts val="0"/>
+              </a:spcBef>
+              <a:spcAft>
+                <a:spcPts val="0"/>
+              </a:spcAft>
+              <a:buNone/>
+            </a:pPr>
+            <a:fld id="{00000000-1234-1234-1234-123412341234}" type="slidenum">
+              <a:rPr lang="en-US"/>
+              <a:t>14</a:t>
+            </a:fld>
+            <a:endParaRPr/>
+          </a:p>
+        </p:txBody>
+      </p:sp>
+    </p:spTree>
+  </p:cSld>
+  <p:clrMapOvr>
+    <a:masterClrMapping/>
+  </p:clrMapOvr>
+</p:notes>
+</file>
+
+<file path=ppt/notesSlides/notesSlide15.xml><?xml version="1.0" encoding="utf-8"?>
+<p:notes xmlns:a="http://schemas.openxmlformats.org/drawingml/2006/main" xmlns:r="http://schemas.openxmlformats.org/officeDocument/2006/relationships" xmlns:p="http://schemas.openxmlformats.org/presentationml/2006/main" showMasterSp="0" showMasterPhAnim="0">
+  <p:cSld>
+    <p:spTree>
+      <p:nvGrpSpPr>
+        <p:cNvPr id="1" name="Shape 120"/>
+        <p:cNvGrpSpPr/>
+        <p:nvPr/>
+      </p:nvGrpSpPr>
+      <p:grpSpPr>
+        <a:xfrm>
+          <a:off x="0" y="0"/>
+          <a:ext cx="0" cy="0"/>
+          <a:chOff x="0" y="0"/>
+          <a:chExt cx="0" cy="0"/>
+        </a:xfrm>
+      </p:grpSpPr>
+      <p:sp>
+        <p:nvSpPr>
+          <p:cNvPr id="121" name="Google Shape;121;p12:notes"/>
+          <p:cNvSpPr>
+            <a:spLocks noGrp="1" noRot="1" noChangeAspect="1"/>
+          </p:cNvSpPr>
+          <p:nvPr>
+            <p:ph type="sldImg" idx="2"/>
+          </p:nvPr>
+        </p:nvSpPr>
+        <p:spPr>
+          <a:xfrm>
+            <a:off x="381000" y="685800"/>
+            <a:ext cx="6096000" cy="3429000"/>
+          </a:xfrm>
+          <a:custGeom>
+            <a:avLst/>
+            <a:gdLst/>
+            <a:ahLst/>
+            <a:cxnLst/>
+            <a:rect l="l" t="t" r="r" b="b"/>
+            <a:pathLst>
+              <a:path w="120000" h="120000" extrusionOk="0">
+                <a:moveTo>
+                  <a:pt x="0" y="0"/>
+                </a:moveTo>
+                <a:lnTo>
+                  <a:pt x="120000" y="0"/>
+                </a:lnTo>
+                <a:lnTo>
+                  <a:pt x="120000" y="120000"/>
+                </a:lnTo>
+                <a:lnTo>
+                  <a:pt x="0" y="120000"/>
+                </a:lnTo>
+                <a:close/>
+              </a:path>
+            </a:pathLst>
+          </a:custGeom>
+          <a:noFill/>
+          <a:ln w="9525" cap="flat" cmpd="sng">
+            <a:solidFill>
+              <a:srgbClr val="000000"/>
+            </a:solidFill>
+            <a:prstDash val="solid"/>
+            <a:miter lim="800000"/>
+            <a:headEnd type="none" w="sm" len="sm"/>
+            <a:tailEnd type="none" w="sm" len="sm"/>
+          </a:ln>
+        </p:spPr>
+      </p:sp>
+      <p:sp>
+        <p:nvSpPr>
+          <p:cNvPr id="122" name="Google Shape;122;p12:notes"/>
+          <p:cNvSpPr txBox="1">
+            <a:spLocks noGrp="1"/>
+          </p:cNvSpPr>
+          <p:nvPr>
+            <p:ph type="body" idx="1"/>
+          </p:nvPr>
+        </p:nvSpPr>
+        <p:spPr>
+          <a:xfrm>
+            <a:off x="914400" y="4343400"/>
+            <a:ext cx="5029200" cy="4114800"/>
+          </a:xfrm>
+          <a:prstGeom prst="rect">
+            <a:avLst/>
+          </a:prstGeom>
+          <a:noFill/>
+          <a:ln>
+            <a:noFill/>
+          </a:ln>
+        </p:spPr>
+        <p:txBody>
+          <a:bodyPr spcFirstLastPara="1" wrap="square" lIns="91425" tIns="45700" rIns="91425" bIns="45700" anchor="t" anchorCtr="0">
+            <a:noAutofit/>
+          </a:bodyPr>
+          <a:lstStyle/>
+          <a:p>
+            <a:pPr marL="0" indent="0">
+              <a:spcBef>
+                <a:spcPts val="0"/>
+              </a:spcBef>
+            </a:pPr>
+            <a:r>
+              <a:rPr lang="en-US"/>
+              <a:t>In order to build the brand classifier, it was necessary to have a feature of the dataset that provided brand labels. The Sentiment140 dataset did not contain this information, so a supplementary Brands dataset was created. This dataset consisted of tweets from the Sentiment140 dataset and an equal number of tweets that did not reference any brand, labeled with "no brand"</a:t>
+            </a:r>
+          </a:p>
+        </p:txBody>
+      </p:sp>
+      <p:sp>
+        <p:nvSpPr>
+          <p:cNvPr id="123" name="Google Shape;123;p12:notes"/>
           <p:cNvSpPr txBox="1">
             <a:spLocks noGrp="1"/>
           </p:cNvSpPr>
@@ -10875,15 +10940,24 @@
           </a:bodyPr>
           <a:lstStyle/>
           <a:p>
-            <a:pPr marL="0" indent="0">
-              <a:spcBef>
-                <a:spcPts val="0"/>
-              </a:spcBef>
-            </a:pPr>
             <a:r>
               <a:rPr lang="en-US"/>
-              <a:t>In order to build the brand classifier, it was necessary to have a feature of the dataset that provided brand labels. The Sentiment140 dataset did not contain this information, so a supplementary Brands dataset was created. This dataset consisted of tweets from the Sentiment140 dataset and an equal number of tweets that did not reference any brand, labeled with "no brand"</a:t>
+              <a:t> We divided the tweets into two categories: one included tweets discussing brands, while the other encompassed those without any brand mentions ("No Brand" mentions). The categorization led to a bar chart that displayed the tweet counts for each group. This visual enabled us to understand the balance between tweets that discussed brands and those that did not. After that, we quantified the frequency of each brand's appearance in the tweets and represented this information with a pie chart. The sizes of the slices in the chart directly correlated with the level of discussion about each brand. This graphical approach made it straightforward to pinpoint the brands generating more buzz in the tweets. These visuals provided us with meaningful insights into the conversations about brands within the tweets. Despite its simplicity, this approach allowed us to comprehend which brands were generating more interest and engagement within the tweeting community.</a:t>
             </a:r>
+          </a:p>
+          <a:p>
+            <a:pPr marL="0" indent="0">
+              <a:spcBef>
+                <a:spcPts val="0"/>
+              </a:spcBef>
+            </a:pPr>
+            <a:br>
+              <a:rPr lang="en-US"/>
+            </a:br>
+            <a:br>
+              <a:rPr lang="en-US"/>
+            </a:br>
+            <a:endParaRPr lang="en-US"/>
           </a:p>
         </p:txBody>
       </p:sp>
@@ -10934,6 +11008,11 @@
         </p:txBody>
       </p:sp>
     </p:spTree>
+    <p:extLst>
+      <p:ext uri="{BB962C8B-B14F-4D97-AF65-F5344CB8AC3E}">
+        <p14:creationId xmlns:p14="http://schemas.microsoft.com/office/powerpoint/2010/main" val="2305557592"/>
+      </p:ext>
+    </p:extLst>
   </p:cSld>
   <p:clrMapOvr>
     <a:masterClrMapping/>
@@ -11038,24 +11117,23 @@
           </a:bodyPr>
           <a:lstStyle/>
           <a:p>
+            <a:pPr marL="0" indent="0">
+              <a:spcBef>
+                <a:spcPts val="0"/>
+              </a:spcBef>
+            </a:pPr>
             <a:r>
               <a:rPr lang="en-US"/>
-              <a:t> We divided the tweets into two categories: one included tweets discussing brands, while the other encompassed those without any brand mentions ("No Brand" mentions). The categorization led to a bar chart that displayed the tweet counts for each group. This visual enabled us to understand the balance between tweets that discussed brands and those that did not. After that, we quantified the frequency of each brand's appearance in the tweets and represented this information with a pie chart. The sizes of the slices in the chart directly correlated with the level of discussion about each brand. This graphical approach made it straightforward to pinpoint the brands generating more buzz in the tweets. These visuals provided us with meaningful insights into the conversations about brands within the tweets. Despite its simplicity, this approach allowed us to comprehend which brands were generating more interest and engagement within the tweeting community.</a:t>
+              <a:t>The initial dataset had limited instances per brand class, causing poor model performance. Reviewing accuracy, precision, recall, and F1 scores for the brand classifier candidates broken down by class revealed a significant performance drop off for classes with support of less than 100 instances. To solve this, we employed </a:t>
             </a:r>
-          </a:p>
-          <a:p>
-            <a:pPr marL="0" indent="0">
-              <a:spcBef>
-                <a:spcPts val="0"/>
-              </a:spcBef>
-            </a:pPr>
-            <a:br>
+            <a:r>
+              <a:rPr lang="en-US" err="1"/>
+              <a:t>OpenAI's</a:t>
+            </a:r>
+            <a:r>
               <a:rPr lang="en-US"/>
-            </a:br>
-            <a:br>
-              <a:rPr lang="en-US"/>
-            </a:br>
-            <a:endParaRPr lang="en-US"/>
+              <a:t> GPT-4 large language model to synthetically generate additional data resembling existing format. GPT-4 API programmatically harnessed for data generation, with custom prompts ensuring sentiment-balanced entries for each brand. This addressed class support deficiency and improved model performance.</a:t>
+            </a:r>
           </a:p>
         </p:txBody>
       </p:sp>
@@ -11108,7 +11186,7 @@
     </p:spTree>
     <p:extLst>
       <p:ext uri="{BB962C8B-B14F-4D97-AF65-F5344CB8AC3E}">
-        <p14:creationId xmlns:p14="http://schemas.microsoft.com/office/powerpoint/2010/main" val="2305557592"/>
+        <p14:creationId xmlns:p14="http://schemas.microsoft.com/office/powerpoint/2010/main" val="1406308507"/>
       </p:ext>
     </p:extLst>
   </p:cSld>
@@ -11119,11 +11197,11 @@
 </file>
 
 <file path=ppt/notesSlides/notesSlide18.xml><?xml version="1.0" encoding="utf-8"?>
-<p:notes xmlns:a="http://schemas.openxmlformats.org/drawingml/2006/main" xmlns:r="http://schemas.openxmlformats.org/officeDocument/2006/relationships" xmlns:p="http://schemas.openxmlformats.org/presentationml/2006/main" showMasterSp="0" showMasterPhAnim="0">
+<p:notes xmlns:a="http://schemas.openxmlformats.org/drawingml/2006/main" xmlns:r="http://schemas.openxmlformats.org/officeDocument/2006/relationships" xmlns:p="http://schemas.openxmlformats.org/presentationml/2006/main">
   <p:cSld>
     <p:spTree>
       <p:nvGrpSpPr>
-        <p:cNvPr id="1" name="Shape 120"/>
+        <p:cNvPr id="1" name=""/>
         <p:cNvGrpSpPr/>
         <p:nvPr/>
       </p:nvGrpSpPr>
@@ -11137,7 +11215,124 @@
       </p:grpSpPr>
       <p:sp>
         <p:nvSpPr>
-          <p:cNvPr id="121" name="Google Shape;121;p12:notes"/>
+          <p:cNvPr id="2" name="Slide Image Placeholder 1"/>
+          <p:cNvSpPr>
+            <a:spLocks noGrp="1" noRot="1" noChangeAspect="1"/>
+          </p:cNvSpPr>
+          <p:nvPr>
+            <p:ph type="sldImg"/>
+          </p:nvPr>
+        </p:nvSpPr>
+        <p:spPr/>
+      </p:sp>
+      <p:sp>
+        <p:nvSpPr>
+          <p:cNvPr id="3" name="Notes Placeholder 2"/>
+          <p:cNvSpPr>
+            <a:spLocks noGrp="1"/>
+          </p:cNvSpPr>
+          <p:nvPr>
+            <p:ph type="body" idx="1"/>
+          </p:nvPr>
+        </p:nvSpPr>
+        <p:spPr/>
+        <p:txBody>
+          <a:bodyPr/>
+          <a:lstStyle/>
+          <a:p>
+            <a:pPr>
+              <a:spcBef>
+                <a:spcPts val="0"/>
+              </a:spcBef>
+            </a:pPr>
+            <a:r>
+              <a:rPr lang="en-US"/>
+              <a:t>In the development stage, we handled invalid values and discarded non-textual content. We trained our models to identify a brand and align with the sentiment expressed in a tweet, and then tuned them to improve performance.</a:t>
+            </a:r>
+          </a:p>
+        </p:txBody>
+      </p:sp>
+      <p:sp>
+        <p:nvSpPr>
+          <p:cNvPr id="4" name="Slide Number Placeholder 3"/>
+          <p:cNvSpPr>
+            <a:spLocks noGrp="1"/>
+          </p:cNvSpPr>
+          <p:nvPr>
+            <p:ph type="sldNum" idx="12"/>
+          </p:nvPr>
+        </p:nvSpPr>
+        <p:spPr/>
+        <p:txBody>
+          <a:bodyPr/>
+          <a:lstStyle/>
+          <a:p>
+            <a:pPr marL="0" marR="0" lvl="0" indent="0" algn="r" rtl="0">
+              <a:spcBef>
+                <a:spcPts val="0"/>
+              </a:spcBef>
+              <a:spcAft>
+                <a:spcPts val="0"/>
+              </a:spcAft>
+              <a:buNone/>
+            </a:pPr>
+            <a:fld id="{00000000-1234-1234-1234-123412341234}" type="slidenum">
+              <a:rPr lang="en-US" sz="1200" b="0" i="0" u="none" strike="noStrike" cap="none">
+                <a:solidFill>
+                  <a:schemeClr val="dk1"/>
+                </a:solidFill>
+                <a:latin typeface="Arial"/>
+                <a:ea typeface="Arial"/>
+                <a:cs typeface="Arial"/>
+                <a:sym typeface="Arial"/>
+              </a:rPr>
+              <a:t>18</a:t>
+            </a:fld>
+            <a:endParaRPr lang="en-US" sz="1200" b="0" i="0" u="none" strike="noStrike" cap="none">
+              <a:solidFill>
+                <a:schemeClr val="dk1"/>
+              </a:solidFill>
+              <a:latin typeface="Arial"/>
+              <a:ea typeface="Arial"/>
+              <a:cs typeface="Arial"/>
+              <a:sym typeface="Arial"/>
+            </a:endParaRPr>
+          </a:p>
+        </p:txBody>
+      </p:sp>
+    </p:spTree>
+    <p:extLst>
+      <p:ext uri="{BB962C8B-B14F-4D97-AF65-F5344CB8AC3E}">
+        <p14:creationId xmlns:p14="http://schemas.microsoft.com/office/powerpoint/2010/main" val="1438887755"/>
+      </p:ext>
+    </p:extLst>
+  </p:cSld>
+  <p:clrMapOvr>
+    <a:masterClrMapping/>
+  </p:clrMapOvr>
+</p:notes>
+</file>
+
+<file path=ppt/notesSlides/notesSlide19.xml><?xml version="1.0" encoding="utf-8"?>
+<p:notes xmlns:a="http://schemas.openxmlformats.org/drawingml/2006/main" xmlns:r="http://schemas.openxmlformats.org/officeDocument/2006/relationships" xmlns:p="http://schemas.openxmlformats.org/presentationml/2006/main" showMasterSp="0" showMasterPhAnim="0">
+  <p:cSld>
+    <p:spTree>
+      <p:nvGrpSpPr>
+        <p:cNvPr id="1" name="Shape 127"/>
+        <p:cNvGrpSpPr/>
+        <p:nvPr/>
+      </p:nvGrpSpPr>
+      <p:grpSpPr>
+        <a:xfrm>
+          <a:off x="0" y="0"/>
+          <a:ext cx="0" cy="0"/>
+          <a:chOff x="0" y="0"/>
+          <a:chExt cx="0" cy="0"/>
+        </a:xfrm>
+      </p:grpSpPr>
+      <p:sp>
+        <p:nvSpPr>
+          <p:cNvPr id="128" name="Google Shape;128;p13:notes"/>
           <p:cNvSpPr>
             <a:spLocks noGrp="1" noRot="1" noChangeAspect="1"/>
           </p:cNvSpPr>
@@ -11188,7 +11383,7 @@
       </p:sp>
       <p:sp>
         <p:nvSpPr>
-          <p:cNvPr id="122" name="Google Shape;122;p12:notes"/>
+          <p:cNvPr id="129" name="Google Shape;129;p13:notes"/>
           <p:cNvSpPr txBox="1">
             <a:spLocks noGrp="1"/>
           </p:cNvSpPr>
@@ -11215,29 +11410,155 @@
           </a:bodyPr>
           <a:lstStyle/>
           <a:p>
-            <a:pPr marL="0" indent="0">
-              <a:spcBef>
-                <a:spcPts val="0"/>
-              </a:spcBef>
-            </a:pPr>
+            <a:pPr algn="l"/>
             <a:r>
-              <a:rPr lang="en-US" dirty="0"/>
-              <a:t>The initial dataset had limited instances per brand class, causing poor model performance. Reviewing accuracy, precision, recall, and F1 scores for the brand classifier candidates broken down by class revealed a significant performance drop off for classes with support of less than 100 instances. To solve this, we employed </a:t>
+              <a:rPr lang="en-US" b="0" i="0" u="none" strike="noStrike">
+                <a:solidFill>
+                  <a:srgbClr val="374151"/>
+                </a:solidFill>
+                <a:effectLst/>
+                <a:latin typeface="Söhne"/>
+              </a:rPr>
+              <a:t>The machine learning algorithms tested for the brand and sentiment classifiers were multinomial naïve </a:t>
             </a:r>
             <a:r>
-              <a:rPr lang="en-US" dirty="0" err="1"/>
-              <a:t>OpenAI's</a:t>
+              <a:rPr lang="en-US" b="0" i="0" u="none" strike="noStrike" err="1">
+                <a:solidFill>
+                  <a:srgbClr val="374151"/>
+                </a:solidFill>
+                <a:effectLst/>
+                <a:latin typeface="Söhne"/>
+              </a:rPr>
+              <a:t>bayes</a:t>
             </a:r>
             <a:r>
-              <a:rPr lang="en-US" dirty="0"/>
-              <a:t> GPT-4 large language model to synthetically generate additional data resembling existing format. GPT-4 API programmatically harnessed for data generation, with custom prompts ensuring sentiment-balanced entries for each brand. This addressed class support deficiency and improved model performance.</a:t>
+              <a:rPr lang="en-US" b="0" i="0" u="none" strike="noStrike">
+                <a:solidFill>
+                  <a:srgbClr val="374151"/>
+                </a:solidFill>
+                <a:effectLst/>
+                <a:latin typeface="Söhne"/>
+              </a:rPr>
+              <a:t>, logistic regression, linear support vector classifiers, and transformers like BERT.</a:t>
+            </a:r>
+          </a:p>
+          <a:p>
+            <a:pPr algn="l"/>
+            <a:r>
+              <a:rPr lang="en-US" b="0" i="0" u="none" strike="noStrike">
+                <a:solidFill>
+                  <a:srgbClr val="374151"/>
+                </a:solidFill>
+                <a:effectLst/>
+                <a:latin typeface="Söhne"/>
+              </a:rPr>
+              <a:t>Multinomial naïve </a:t>
+            </a:r>
+            <a:r>
+              <a:rPr lang="en-US" b="0" i="0" u="none" strike="noStrike" err="1">
+                <a:solidFill>
+                  <a:srgbClr val="374151"/>
+                </a:solidFill>
+                <a:effectLst/>
+                <a:latin typeface="Söhne"/>
+              </a:rPr>
+              <a:t>bayes</a:t>
+            </a:r>
+            <a:r>
+              <a:rPr lang="en-US" b="0" i="0" u="none" strike="noStrike">
+                <a:solidFill>
+                  <a:srgbClr val="374151"/>
+                </a:solidFill>
+                <a:effectLst/>
+                <a:latin typeface="Söhne"/>
+              </a:rPr>
+              <a:t> uses </a:t>
+            </a:r>
+            <a:r>
+              <a:rPr lang="en-US" b="0" i="0" u="none" strike="noStrike" err="1">
+                <a:solidFill>
+                  <a:srgbClr val="374151"/>
+                </a:solidFill>
+                <a:effectLst/>
+                <a:latin typeface="Söhne"/>
+              </a:rPr>
+              <a:t>Bayes</a:t>
+            </a:r>
+            <a:r>
+              <a:rPr lang="en-US" b="0" i="0" u="none" strike="noStrike">
+                <a:solidFill>
+                  <a:srgbClr val="374151"/>
+                </a:solidFill>
+                <a:effectLst/>
+                <a:latin typeface="Söhne"/>
+              </a:rPr>
+              <a:t>' theorem to predict the probability of a given feature, such as a word in a text, belonging to a particular class based on prior knowledge. It's particularly effective for text classification when the "features" are discrete, like word counts or presence/absence flags.</a:t>
+            </a:r>
+          </a:p>
+          <a:p>
+            <a:pPr algn="l"/>
+            <a:r>
+              <a:rPr lang="en-US" b="0" i="0" u="none" strike="noStrike">
+                <a:solidFill>
+                  <a:srgbClr val="374151"/>
+                </a:solidFill>
+                <a:effectLst/>
+                <a:latin typeface="Söhne"/>
+              </a:rPr>
+              <a:t>Logistic regression uses the logistic function to model a binary dependent variable. In the context of classification, it estimates the probability that a given instance belongs to a particular category.</a:t>
+            </a:r>
+          </a:p>
+          <a:p>
+            <a:pPr algn="l"/>
+            <a:r>
+              <a:rPr lang="en-US" b="0" i="0" u="none" strike="noStrike">
+                <a:solidFill>
+                  <a:srgbClr val="374151"/>
+                </a:solidFill>
+                <a:effectLst/>
+                <a:latin typeface="Söhne"/>
+              </a:rPr>
+              <a:t>Linear support vector classifiers, an extension of support vector machines, use a linear kernel to find the best hyperplane that separates the classes in the feature space. A kernel is a function that computes a dot product between two vectors in a high-dimensional space without having to compute the coordinates of the vectors in that space.</a:t>
+            </a:r>
+          </a:p>
+          <a:p>
+            <a:pPr algn="l"/>
+            <a:r>
+              <a:rPr lang="en-US" b="0" i="0" u="none" strike="noStrike">
+                <a:solidFill>
+                  <a:srgbClr val="374151"/>
+                </a:solidFill>
+                <a:effectLst/>
+                <a:latin typeface="Söhne"/>
+              </a:rPr>
+              <a:t>Of these algorithms, multinomial naïve </a:t>
+            </a:r>
+            <a:r>
+              <a:rPr lang="en-US" b="0" i="0" u="none" strike="noStrike" err="1">
+                <a:solidFill>
+                  <a:srgbClr val="374151"/>
+                </a:solidFill>
+                <a:effectLst/>
+                <a:latin typeface="Söhne"/>
+              </a:rPr>
+              <a:t>bayes</a:t>
+            </a:r>
+            <a:r>
+              <a:rPr lang="en-US" b="0" i="0" u="none" strike="noStrike">
+                <a:solidFill>
+                  <a:srgbClr val="374151"/>
+                </a:solidFill>
+                <a:effectLst/>
+                <a:latin typeface="Söhne"/>
+              </a:rPr>
+              <a:t>, logistic regression, and linear SVC were used to create candidate brand and sentiment classifiers. We did not end up using transformers, which were dropped from consideration due to time constraints and incompatibility with the Brand Sentiment Analyzer architecture.</a:t>
             </a:r>
           </a:p>
         </p:txBody>
       </p:sp>
       <p:sp>
         <p:nvSpPr>
-          <p:cNvPr id="123" name="Google Shape;123;p12:notes"/>
+          <p:cNvPr id="130" name="Google Shape;130;p13:notes"/>
           <p:cNvSpPr txBox="1">
             <a:spLocks noGrp="1"/>
           </p:cNvSpPr>
@@ -11275,135 +11596,13 @@
             </a:pPr>
             <a:fld id="{00000000-1234-1234-1234-123412341234}" type="slidenum">
               <a:rPr lang="en-US"/>
-              <a:t>18</a:t>
+              <a:t>19</a:t>
             </a:fld>
             <a:endParaRPr/>
           </a:p>
         </p:txBody>
       </p:sp>
     </p:spTree>
-    <p:extLst>
-      <p:ext uri="{BB962C8B-B14F-4D97-AF65-F5344CB8AC3E}">
-        <p14:creationId xmlns:p14="http://schemas.microsoft.com/office/powerpoint/2010/main" val="1406308507"/>
-      </p:ext>
-    </p:extLst>
-  </p:cSld>
-  <p:clrMapOvr>
-    <a:masterClrMapping/>
-  </p:clrMapOvr>
-</p:notes>
-</file>
-
-<file path=ppt/notesSlides/notesSlide19.xml><?xml version="1.0" encoding="utf-8"?>
-<p:notes xmlns:a="http://schemas.openxmlformats.org/drawingml/2006/main" xmlns:r="http://schemas.openxmlformats.org/officeDocument/2006/relationships" xmlns:p="http://schemas.openxmlformats.org/presentationml/2006/main">
-  <p:cSld>
-    <p:spTree>
-      <p:nvGrpSpPr>
-        <p:cNvPr id="1" name=""/>
-        <p:cNvGrpSpPr/>
-        <p:nvPr/>
-      </p:nvGrpSpPr>
-      <p:grpSpPr>
-        <a:xfrm>
-          <a:off x="0" y="0"/>
-          <a:ext cx="0" cy="0"/>
-          <a:chOff x="0" y="0"/>
-          <a:chExt cx="0" cy="0"/>
-        </a:xfrm>
-      </p:grpSpPr>
-      <p:sp>
-        <p:nvSpPr>
-          <p:cNvPr id="2" name="Slide Image Placeholder 1"/>
-          <p:cNvSpPr>
-            <a:spLocks noGrp="1" noRot="1" noChangeAspect="1"/>
-          </p:cNvSpPr>
-          <p:nvPr>
-            <p:ph type="sldImg"/>
-          </p:nvPr>
-        </p:nvSpPr>
-        <p:spPr/>
-      </p:sp>
-      <p:sp>
-        <p:nvSpPr>
-          <p:cNvPr id="3" name="Notes Placeholder 2"/>
-          <p:cNvSpPr>
-            <a:spLocks noGrp="1"/>
-          </p:cNvSpPr>
-          <p:nvPr>
-            <p:ph type="body" idx="1"/>
-          </p:nvPr>
-        </p:nvSpPr>
-        <p:spPr/>
-        <p:txBody>
-          <a:bodyPr/>
-          <a:lstStyle/>
-          <a:p>
-            <a:pPr>
-              <a:spcBef>
-                <a:spcPts val="0"/>
-              </a:spcBef>
-            </a:pPr>
-            <a:r>
-              <a:rPr lang="en-US"/>
-              <a:t>In the development stage, we handled invalid values and discarded non-textual content. We trained our models to identify a brand and align with the sentiment expressed in a tweet, and then tuned them to improve performance.</a:t>
-            </a:r>
-          </a:p>
-        </p:txBody>
-      </p:sp>
-      <p:sp>
-        <p:nvSpPr>
-          <p:cNvPr id="4" name="Slide Number Placeholder 3"/>
-          <p:cNvSpPr>
-            <a:spLocks noGrp="1"/>
-          </p:cNvSpPr>
-          <p:nvPr>
-            <p:ph type="sldNum" idx="12"/>
-          </p:nvPr>
-        </p:nvSpPr>
-        <p:spPr/>
-        <p:txBody>
-          <a:bodyPr/>
-          <a:lstStyle/>
-          <a:p>
-            <a:pPr marL="0" marR="0" lvl="0" indent="0" algn="r" rtl="0">
-              <a:spcBef>
-                <a:spcPts val="0"/>
-              </a:spcBef>
-              <a:spcAft>
-                <a:spcPts val="0"/>
-              </a:spcAft>
-              <a:buNone/>
-            </a:pPr>
-            <a:fld id="{00000000-1234-1234-1234-123412341234}" type="slidenum">
-              <a:rPr lang="en-US" sz="1200" b="0" i="0" u="none" strike="noStrike" cap="none">
-                <a:solidFill>
-                  <a:schemeClr val="dk1"/>
-                </a:solidFill>
-                <a:latin typeface="Arial"/>
-                <a:ea typeface="Arial"/>
-                <a:cs typeface="Arial"/>
-                <a:sym typeface="Arial"/>
-              </a:rPr>
-              <a:t>19</a:t>
-            </a:fld>
-            <a:endParaRPr lang="en-US" sz="1200" b="0" i="0" u="none" strike="noStrike" cap="none">
-              <a:solidFill>
-                <a:schemeClr val="dk1"/>
-              </a:solidFill>
-              <a:latin typeface="Arial"/>
-              <a:ea typeface="Arial"/>
-              <a:cs typeface="Arial"/>
-              <a:sym typeface="Arial"/>
-            </a:endParaRPr>
-          </a:p>
-        </p:txBody>
-      </p:sp>
-    </p:spTree>
-    <p:extLst>
-      <p:ext uri="{BB962C8B-B14F-4D97-AF65-F5344CB8AC3E}">
-        <p14:creationId xmlns:p14="http://schemas.microsoft.com/office/powerpoint/2010/main" val="1438887755"/>
-      </p:ext>
-    </p:extLst>
   </p:cSld>
   <p:clrMapOvr>
     <a:masterClrMapping/>
@@ -11675,223 +11874,6 @@
           </a:bodyPr>
           <a:lstStyle/>
           <a:p>
-            <a:pPr algn="l"/>
-            <a:r>
-              <a:rPr lang="en-US" b="0" i="0" u="none" strike="noStrike" dirty="0">
-                <a:solidFill>
-                  <a:srgbClr val="374151"/>
-                </a:solidFill>
-                <a:effectLst/>
-                <a:latin typeface="Söhne"/>
-              </a:rPr>
-              <a:t>The machine learning algorithms tested for the brand and sentiment classifiers were multinomial naïve bayes, logistic regression, linear support vector classifiers, and transformers like BERT.</a:t>
-            </a:r>
-          </a:p>
-          <a:p>
-            <a:pPr algn="l"/>
-            <a:r>
-              <a:rPr lang="en-US" b="0" i="0" u="none" strike="noStrike" dirty="0">
-                <a:solidFill>
-                  <a:srgbClr val="374151"/>
-                </a:solidFill>
-                <a:effectLst/>
-                <a:latin typeface="Söhne"/>
-              </a:rPr>
-              <a:t>Multinomial naïve bayes uses Bayes' theorem to predict the probability of a given feature, such as a word in a text, belonging to a particular class based on prior knowledge. It's particularly effective for text classification when the "features" are discrete, like word counts or presence/absence flags.</a:t>
-            </a:r>
-          </a:p>
-          <a:p>
-            <a:pPr algn="l"/>
-            <a:r>
-              <a:rPr lang="en-US" b="0" i="0" u="none" strike="noStrike" dirty="0">
-                <a:solidFill>
-                  <a:srgbClr val="374151"/>
-                </a:solidFill>
-                <a:effectLst/>
-                <a:latin typeface="Söhne"/>
-              </a:rPr>
-              <a:t>Logistic regression uses the logistic function to model a binary dependent variable. In the context of classification, it estimates the probability that a given instance belongs to a particular category.</a:t>
-            </a:r>
-          </a:p>
-          <a:p>
-            <a:pPr algn="l"/>
-            <a:r>
-              <a:rPr lang="en-US" b="0" i="0" u="none" strike="noStrike" dirty="0">
-                <a:solidFill>
-                  <a:srgbClr val="374151"/>
-                </a:solidFill>
-                <a:effectLst/>
-                <a:latin typeface="Söhne"/>
-              </a:rPr>
-              <a:t>Linear support vector classifiers, an extension of support vector machines, use a linear kernel to find the best hyperplane that separates the classes in the feature space. A kernel is a function that computes a dot product between two vectors in a high-dimensional space without having to compute the coordinates of the vectors in that space.</a:t>
-            </a:r>
-          </a:p>
-          <a:p>
-            <a:pPr algn="l"/>
-            <a:r>
-              <a:rPr lang="en-US" b="0" i="0" u="none" strike="noStrike" dirty="0">
-                <a:solidFill>
-                  <a:srgbClr val="374151"/>
-                </a:solidFill>
-                <a:effectLst/>
-                <a:latin typeface="Söhne"/>
-              </a:rPr>
-              <a:t>Of these algorithms, multinomial naïve bayes, logistic regression, and linear SVC were used to create candidate brand and sentiment classifiers. We did not end up using transformers, which were dropped from consideration due to time constraints and incompatibility with the Brand Sentiment Analyzer architecture.</a:t>
-            </a:r>
-          </a:p>
-        </p:txBody>
-      </p:sp>
-      <p:sp>
-        <p:nvSpPr>
-          <p:cNvPr id="130" name="Google Shape;130;p13:notes"/>
-          <p:cNvSpPr txBox="1">
-            <a:spLocks noGrp="1"/>
-          </p:cNvSpPr>
-          <p:nvPr>
-            <p:ph type="sldNum" idx="12"/>
-          </p:nvPr>
-        </p:nvSpPr>
-        <p:spPr>
-          <a:xfrm>
-            <a:off x="3886200" y="8686800"/>
-            <a:ext cx="2971800" cy="457200"/>
-          </a:xfrm>
-          <a:prstGeom prst="rect">
-            <a:avLst/>
-          </a:prstGeom>
-          <a:noFill/>
-          <a:ln>
-            <a:noFill/>
-          </a:ln>
-        </p:spPr>
-        <p:txBody>
-          <a:bodyPr spcFirstLastPara="1" wrap="square" lIns="91425" tIns="45700" rIns="91425" bIns="45700" anchor="b" anchorCtr="0">
-            <a:noAutofit/>
-          </a:bodyPr>
-          <a:lstStyle/>
-          <a:p>
-            <a:pPr marL="0" lvl="0" indent="0" algn="r" rtl="0">
-              <a:spcBef>
-                <a:spcPts val="0"/>
-              </a:spcBef>
-              <a:spcAft>
-                <a:spcPts val="0"/>
-              </a:spcAft>
-              <a:buNone/>
-            </a:pPr>
-            <a:fld id="{00000000-1234-1234-1234-123412341234}" type="slidenum">
-              <a:rPr lang="en-US"/>
-              <a:t>20</a:t>
-            </a:fld>
-            <a:endParaRPr/>
-          </a:p>
-        </p:txBody>
-      </p:sp>
-    </p:spTree>
-  </p:cSld>
-  <p:clrMapOvr>
-    <a:masterClrMapping/>
-  </p:clrMapOvr>
-</p:notes>
-</file>
-
-<file path=ppt/notesSlides/notesSlide21.xml><?xml version="1.0" encoding="utf-8"?>
-<p:notes xmlns:a="http://schemas.openxmlformats.org/drawingml/2006/main" xmlns:r="http://schemas.openxmlformats.org/officeDocument/2006/relationships" xmlns:p="http://schemas.openxmlformats.org/presentationml/2006/main" showMasterSp="0" showMasterPhAnim="0">
-  <p:cSld>
-    <p:spTree>
-      <p:nvGrpSpPr>
-        <p:cNvPr id="1" name="Shape 127"/>
-        <p:cNvGrpSpPr/>
-        <p:nvPr/>
-      </p:nvGrpSpPr>
-      <p:grpSpPr>
-        <a:xfrm>
-          <a:off x="0" y="0"/>
-          <a:ext cx="0" cy="0"/>
-          <a:chOff x="0" y="0"/>
-          <a:chExt cx="0" cy="0"/>
-        </a:xfrm>
-      </p:grpSpPr>
-      <p:sp>
-        <p:nvSpPr>
-          <p:cNvPr id="128" name="Google Shape;128;p13:notes"/>
-          <p:cNvSpPr>
-            <a:spLocks noGrp="1" noRot="1" noChangeAspect="1"/>
-          </p:cNvSpPr>
-          <p:nvPr>
-            <p:ph type="sldImg" idx="2"/>
-          </p:nvPr>
-        </p:nvSpPr>
-        <p:spPr>
-          <a:xfrm>
-            <a:off x="381000" y="685800"/>
-            <a:ext cx="6096000" cy="3429000"/>
-          </a:xfrm>
-          <a:custGeom>
-            <a:avLst/>
-            <a:gdLst/>
-            <a:ahLst/>
-            <a:cxnLst/>
-            <a:rect l="l" t="t" r="r" b="b"/>
-            <a:pathLst>
-              <a:path w="120000" h="120000" extrusionOk="0">
-                <a:moveTo>
-                  <a:pt x="0" y="0"/>
-                </a:moveTo>
-                <a:lnTo>
-                  <a:pt x="120000" y="0"/>
-                </a:lnTo>
-                <a:lnTo>
-                  <a:pt x="120000" y="120000"/>
-                </a:lnTo>
-                <a:lnTo>
-                  <a:pt x="0" y="120000"/>
-                </a:lnTo>
-                <a:close/>
-              </a:path>
-            </a:pathLst>
-          </a:custGeom>
-          <a:noFill/>
-          <a:ln w="9525" cap="flat" cmpd="sng">
-            <a:solidFill>
-              <a:srgbClr val="000000"/>
-            </a:solidFill>
-            <a:prstDash val="solid"/>
-            <a:miter lim="800000"/>
-            <a:headEnd type="none" w="sm" len="sm"/>
-            <a:tailEnd type="none" w="sm" len="sm"/>
-          </a:ln>
-        </p:spPr>
-      </p:sp>
-      <p:sp>
-        <p:nvSpPr>
-          <p:cNvPr id="129" name="Google Shape;129;p13:notes"/>
-          <p:cNvSpPr txBox="1">
-            <a:spLocks noGrp="1"/>
-          </p:cNvSpPr>
-          <p:nvPr>
-            <p:ph type="body" idx="1"/>
-          </p:nvPr>
-        </p:nvSpPr>
-        <p:spPr>
-          <a:xfrm>
-            <a:off x="914400" y="4343400"/>
-            <a:ext cx="5029200" cy="4114800"/>
-          </a:xfrm>
-          <a:prstGeom prst="rect">
-            <a:avLst/>
-          </a:prstGeom>
-          <a:noFill/>
-          <a:ln>
-            <a:noFill/>
-          </a:ln>
-        </p:spPr>
-        <p:txBody>
-          <a:bodyPr spcFirstLastPara="1" wrap="square" lIns="91425" tIns="45700" rIns="91425" bIns="45700" anchor="t" anchorCtr="0">
-            <a:noAutofit/>
-          </a:bodyPr>
-          <a:lstStyle/>
-          <a:p>
             <a:pPr marL="0" marR="0" lvl="0" indent="0" algn="l" defTabSz="914400" rtl="0" eaLnBrk="1" fontAlgn="auto" latinLnBrk="0" hangingPunct="1">
               <a:lnSpc>
                 <a:spcPct val="100000"/>
@@ -11912,7 +11894,7 @@
               <a:defRPr/>
             </a:pPr>
             <a:r>
-              <a:rPr lang="en-US" b="0" i="0" dirty="0">
+              <a:rPr lang="en-US" b="0" i="0">
                 <a:effectLst/>
                 <a:latin typeface="UICTFontTextStyleBody"/>
               </a:rPr>
@@ -11922,7 +11904,7 @@
           <a:p>
             <a:pPr algn="l"/>
             <a:r>
-              <a:rPr lang="en-US" b="0" i="0" u="none" strike="noStrike" dirty="0">
+              <a:rPr lang="en-US" b="0" i="0" u="none" strike="noStrike">
                 <a:solidFill>
                   <a:srgbClr val="374151"/>
                 </a:solidFill>
@@ -11935,7 +11917,7 @@
           <a:p>
             <a:pPr algn="l"/>
             <a:r>
-              <a:rPr lang="en-US" b="0" i="0" u="none" strike="noStrike" dirty="0">
+              <a:rPr lang="en-US" b="0" i="0" u="none" strike="noStrike">
                 <a:solidFill>
                   <a:srgbClr val="374151"/>
                 </a:solidFill>
@@ -11948,7 +11930,7 @@
           <a:p>
             <a:pPr algn="l"/>
             <a:r>
-              <a:rPr lang="en-US" b="0" i="0" u="none" strike="noStrike" dirty="0">
+              <a:rPr lang="en-US" b="0" i="0" u="none" strike="noStrike">
                 <a:solidFill>
                   <a:srgbClr val="374151"/>
                 </a:solidFill>
@@ -11961,7 +11943,7 @@
           <a:p>
             <a:pPr algn="l"/>
             <a:r>
-              <a:rPr lang="en-US" b="0" i="0" u="none" strike="noStrike" dirty="0">
+              <a:rPr lang="en-US" b="0" i="0" u="none" strike="noStrike">
                 <a:solidFill>
                   <a:srgbClr val="374151"/>
                 </a:solidFill>
@@ -11974,7 +11956,7 @@
           <a:p>
             <a:pPr algn="l"/>
             <a:r>
-              <a:rPr lang="en-US" b="0" i="0" u="none" strike="noStrike" dirty="0">
+              <a:rPr lang="en-US" b="0" i="0" u="none" strike="noStrike">
                 <a:solidFill>
                   <a:srgbClr val="374151"/>
                 </a:solidFill>
@@ -11984,7 +11966,7 @@
               <a:t>Lastly, Google’s Universal Sentence Encoder (USE) uses deep learning to transform text into high-dimensional vectors suitable for a range of NLP tasks, from semantic similarity comparisons to classification tasks. </a:t>
             </a:r>
             <a:r>
-              <a:rPr lang="en-US" b="0" i="0" dirty="0">
+              <a:rPr lang="en-US" b="0" i="0">
                 <a:effectLst/>
                 <a:latin typeface="UICTFontTextStyleBody"/>
               </a:rPr>
@@ -12011,7 +11993,7 @@
               <a:tabLst/>
               <a:defRPr/>
             </a:pPr>
-            <a:endParaRPr lang="en-US" b="0" i="0" dirty="0">
+            <a:endParaRPr lang="en-US" b="0" i="0">
               <a:effectLst/>
               <a:latin typeface="UICTFontTextStyleBody"/>
             </a:endParaRPr>
@@ -12058,7 +12040,7 @@
             </a:pPr>
             <a:fld id="{00000000-1234-1234-1234-123412341234}" type="slidenum">
               <a:rPr lang="en-US"/>
-              <a:t>21</a:t>
+              <a:t>20</a:t>
             </a:fld>
             <a:endParaRPr/>
           </a:p>
@@ -12077,7 +12059,7 @@
 </p:notes>
 </file>
 
-<file path=ppt/notesSlides/notesSlide22.xml><?xml version="1.0" encoding="utf-8"?>
+<file path=ppt/notesSlides/notesSlide21.xml><?xml version="1.0" encoding="utf-8"?>
 <p:notes xmlns:a="http://schemas.openxmlformats.org/drawingml/2006/main" xmlns:r="http://schemas.openxmlformats.org/officeDocument/2006/relationships" xmlns:p="http://schemas.openxmlformats.org/presentationml/2006/main">
   <p:cSld>
     <p:spTree>
@@ -12139,7 +12121,7 @@
               <a:defRPr/>
             </a:pPr>
             <a:r>
-              <a:rPr lang="en-US" b="0" i="0" dirty="0">
+              <a:rPr lang="en-US" b="0" i="0">
                 <a:effectLst/>
                 <a:latin typeface="UICTFontTextStyleBody"/>
               </a:rPr>
@@ -12153,7 +12135,7 @@
               <a:t>Bayes</a:t>
             </a:r>
             <a:r>
-              <a:rPr lang="en-US" b="0" i="0" dirty="0">
+              <a:rPr lang="en-US" b="0" i="0">
                 <a:effectLst/>
                 <a:latin typeface="UICTFontTextStyleBody"/>
               </a:rPr>
@@ -12167,7 +12149,7 @@
               <a:t>Bayes</a:t>
             </a:r>
             <a:r>
-              <a:rPr lang="en-US" b="0" i="0" dirty="0">
+              <a:rPr lang="en-US" b="0" i="0">
                 <a:effectLst/>
                 <a:latin typeface="UICTFontTextStyleBody"/>
               </a:rPr>
@@ -12181,19 +12163,19 @@
               <a:t>Word2Vec</a:t>
             </a:r>
             <a:r>
-              <a:rPr lang="en-US" b="0" i="0" dirty="0">
+              <a:rPr lang="en-US" b="0" i="0">
                 <a:effectLst/>
                 <a:latin typeface="UICTFontTextStyleBody"/>
               </a:rPr>
               <a:t> method. This pairing provided rich word embeddings that capture nuances a simple count can't. Among these, the Linear SVC model emerged superior in performance, setting the stage for potential optimizations and refinements.</a:t>
             </a:r>
-            <a:endParaRPr lang="en-US" dirty="0">
+            <a:endParaRPr lang="en-US">
               <a:effectLst/>
               <a:latin typeface=".AppleSystemUIFont"/>
             </a:endParaRPr>
           </a:p>
           <a:p>
-            <a:endParaRPr lang="en-US" dirty="0"/>
+            <a:endParaRPr lang="en-US"/>
           </a:p>
         </p:txBody>
       </p:sp>
@@ -12231,7 +12213,7 @@
                 <a:cs typeface="Arial"/>
                 <a:sym typeface="Arial"/>
               </a:rPr>
-              <a:t>22</a:t>
+              <a:t>21</a:t>
             </a:fld>
             <a:endParaRPr lang="en-US" sz="1200" b="0" i="0" u="none" strike="noStrike" cap="none">
               <a:solidFill>
@@ -12258,7 +12240,7 @@
 </p:notes>
 </file>
 
-<file path=ppt/notesSlides/notesSlide23.xml><?xml version="1.0" encoding="utf-8"?>
+<file path=ppt/notesSlides/notesSlide22.xml><?xml version="1.0" encoding="utf-8"?>
 <p:notes xmlns:a="http://schemas.openxmlformats.org/drawingml/2006/main" xmlns:r="http://schemas.openxmlformats.org/officeDocument/2006/relationships" xmlns:p="http://schemas.openxmlformats.org/presentationml/2006/main">
   <p:cSld>
     <p:spTree>
@@ -12400,6 +12382,144 @@
                 <a:cs typeface="Arial"/>
                 <a:sym typeface="Arial"/>
               </a:rPr>
+              <a:t>22</a:t>
+            </a:fld>
+            <a:endParaRPr lang="en-US" sz="1200" b="0" i="0" u="none" strike="noStrike" cap="none">
+              <a:solidFill>
+                <a:schemeClr val="dk1"/>
+              </a:solidFill>
+              <a:latin typeface="Arial"/>
+              <a:ea typeface="Arial"/>
+              <a:cs typeface="Arial"/>
+              <a:sym typeface="Arial"/>
+            </a:endParaRPr>
+          </a:p>
+        </p:txBody>
+      </p:sp>
+    </p:spTree>
+    <p:extLst>
+      <p:ext uri="{BB962C8B-B14F-4D97-AF65-F5344CB8AC3E}">
+        <p14:creationId xmlns:p14="http://schemas.microsoft.com/office/powerpoint/2010/main" val="2598445567"/>
+      </p:ext>
+    </p:extLst>
+  </p:cSld>
+  <p:clrMapOvr>
+    <a:masterClrMapping/>
+  </p:clrMapOvr>
+</p:notes>
+</file>
+
+<file path=ppt/notesSlides/notesSlide23.xml><?xml version="1.0" encoding="utf-8"?>
+<p:notes xmlns:a="http://schemas.openxmlformats.org/drawingml/2006/main" xmlns:r="http://schemas.openxmlformats.org/officeDocument/2006/relationships" xmlns:p="http://schemas.openxmlformats.org/presentationml/2006/main">
+  <p:cSld>
+    <p:spTree>
+      <p:nvGrpSpPr>
+        <p:cNvPr id="1" name=""/>
+        <p:cNvGrpSpPr/>
+        <p:nvPr/>
+      </p:nvGrpSpPr>
+      <p:grpSpPr>
+        <a:xfrm>
+          <a:off x="0" y="0"/>
+          <a:ext cx="0" cy="0"/>
+          <a:chOff x="0" y="0"/>
+          <a:chExt cx="0" cy="0"/>
+        </a:xfrm>
+      </p:grpSpPr>
+      <p:sp>
+        <p:nvSpPr>
+          <p:cNvPr id="2" name="Slide Image Placeholder 1"/>
+          <p:cNvSpPr>
+            <a:spLocks noGrp="1" noRot="1" noChangeAspect="1"/>
+          </p:cNvSpPr>
+          <p:nvPr>
+            <p:ph type="sldImg"/>
+          </p:nvPr>
+        </p:nvSpPr>
+        <p:spPr/>
+      </p:sp>
+      <p:sp>
+        <p:nvSpPr>
+          <p:cNvPr id="3" name="Notes Placeholder 2"/>
+          <p:cNvSpPr>
+            <a:spLocks noGrp="1"/>
+          </p:cNvSpPr>
+          <p:nvPr>
+            <p:ph type="body" idx="1"/>
+          </p:nvPr>
+        </p:nvSpPr>
+        <p:spPr/>
+        <p:txBody>
+          <a:bodyPr/>
+          <a:lstStyle/>
+          <a:p>
+            <a:pPr marL="457200" marR="0" lvl="0" indent="-228600" algn="l" defTabSz="914400" rtl="0" eaLnBrk="1" fontAlgn="auto" latinLnBrk="0" hangingPunct="1">
+              <a:lnSpc>
+                <a:spcPct val="100000"/>
+              </a:lnSpc>
+              <a:spcBef>
+                <a:spcPts val="360"/>
+              </a:spcBef>
+              <a:spcAft>
+                <a:spcPts val="0"/>
+              </a:spcAft>
+              <a:buClr>
+                <a:srgbClr val="000000"/>
+              </a:buClr>
+              <a:buSzPts val="1400"/>
+              <a:buFont typeface="Arial"/>
+              <a:buNone/>
+              <a:tabLst/>
+              <a:defRPr/>
+            </a:pPr>
+            <a:r>
+              <a:rPr lang="en-US" b="0" i="0">
+                <a:effectLst/>
+                <a:latin typeface="UICTFontTextStyleBody"/>
+              </a:rPr>
+              <a:t>Our Brand Sentiment Analyzer represents the culmination of our model evaluation efforts. After thorough assessment, we selected the classifiers that demonstrated the highest F1 scores for both brand and sentiment analysis. These were the Linear SVC using count vectorization for brands and the Logistic Regression with TF-IDF vectorization for sentiment. The Analyzer's functionality is straightforward: it takes raw tweets and outputs a paired prediction of brand and sentiment. For instance, a tweet like ”Had a good time at Starbucks now going to the besties” would yield a result: Starbucks, Positive. Our system is structured so that the text undergoes transformation within the Brand and Sentiment Classifiers, making the Brand Sentiment Analyzer an efficient pipeline. When subjected to a test set of 200 randomly chosen tweets, the Analyzer showcased an overall accuracy of 81%. Brand identification was particularly impressive, registering at 99%. However, this high accuracy led us to suspect potential overfitting. Sentiment accuracy rounded out at a solid 82%.</a:t>
+            </a:r>
+            <a:endParaRPr lang="en-US">
+              <a:effectLst/>
+              <a:latin typeface=".AppleSystemUIFont"/>
+            </a:endParaRPr>
+          </a:p>
+        </p:txBody>
+      </p:sp>
+      <p:sp>
+        <p:nvSpPr>
+          <p:cNvPr id="4" name="Slide Number Placeholder 3"/>
+          <p:cNvSpPr>
+            <a:spLocks noGrp="1"/>
+          </p:cNvSpPr>
+          <p:nvPr>
+            <p:ph type="sldNum" idx="12"/>
+          </p:nvPr>
+        </p:nvSpPr>
+        <p:spPr/>
+        <p:txBody>
+          <a:bodyPr/>
+          <a:lstStyle/>
+          <a:p>
+            <a:pPr marL="0" marR="0" lvl="0" indent="0" algn="r" rtl="0">
+              <a:spcBef>
+                <a:spcPts val="0"/>
+              </a:spcBef>
+              <a:spcAft>
+                <a:spcPts val="0"/>
+              </a:spcAft>
+              <a:buNone/>
+            </a:pPr>
+            <a:fld id="{00000000-1234-1234-1234-123412341234}" type="slidenum">
+              <a:rPr lang="en-US" sz="1200" b="0" i="0" u="none" strike="noStrike" cap="none" smtClean="0">
+                <a:solidFill>
+                  <a:schemeClr val="dk1"/>
+                </a:solidFill>
+                <a:latin typeface="Arial"/>
+                <a:ea typeface="Arial"/>
+                <a:cs typeface="Arial"/>
+                <a:sym typeface="Arial"/>
+              </a:rPr>
               <a:t>23</a:t>
             </a:fld>
             <a:endParaRPr lang="en-US" sz="1200" b="0" i="0" u="none" strike="noStrike" cap="none">
@@ -12417,7 +12537,7 @@
     </p:spTree>
     <p:extLst>
       <p:ext uri="{BB962C8B-B14F-4D97-AF65-F5344CB8AC3E}">
-        <p14:creationId xmlns:p14="http://schemas.microsoft.com/office/powerpoint/2010/main" val="2598445567"/>
+        <p14:creationId xmlns:p14="http://schemas.microsoft.com/office/powerpoint/2010/main" val="1358103704"/>
       </p:ext>
     </p:extLst>
   </p:cSld>
@@ -12471,326 +12591,6 @@
           <a:bodyPr/>
           <a:lstStyle/>
           <a:p>
-            <a:pPr marL="457200" marR="0" lvl="0" indent="-228600" algn="l" defTabSz="914400" rtl="0" eaLnBrk="1" fontAlgn="auto" latinLnBrk="0" hangingPunct="1">
-              <a:lnSpc>
-                <a:spcPct val="100000"/>
-              </a:lnSpc>
-              <a:spcBef>
-                <a:spcPts val="360"/>
-              </a:spcBef>
-              <a:spcAft>
-                <a:spcPts val="0"/>
-              </a:spcAft>
-              <a:buClr>
-                <a:srgbClr val="000000"/>
-              </a:buClr>
-              <a:buSzPts val="1400"/>
-              <a:buFont typeface="Arial"/>
-              <a:buNone/>
-              <a:tabLst/>
-              <a:defRPr/>
-            </a:pPr>
-            <a:r>
-              <a:rPr lang="en-US" b="0" i="0" dirty="0">
-                <a:effectLst/>
-                <a:latin typeface="UICTFontTextStyleBody"/>
-              </a:rPr>
-              <a:t>Our Brand Sentiment Analyzer represents the culmination of our model evaluation efforts. After thorough assessment, we selected the classifiers that demonstrated the highest F1 scores for both brand and sentiment analysis. These were the Linear SVC using count vectorization for brands and the Logistic Regression with TF-IDF vectorization for sentiment. The Analyzer's functionality is straightforward: it takes raw tweets and outputs a paired prediction of brand and sentiment. For instance, a tweet like ”Had a good time at Starbucks now going to the besties” would yield a result: Starbucks, Positive. Our system is structured so that the text undergoes transformation within the Brand and Sentiment Classifiers, making the Brand Sentiment Analyzer an efficient pipeline. </a:t>
-            </a:r>
-            <a:r>
-              <a:rPr lang="en-US" b="0" i="0">
-                <a:effectLst/>
-                <a:latin typeface="UICTFontTextStyleBody"/>
-              </a:rPr>
-              <a:t>When subjected to </a:t>
-            </a:r>
-            <a:r>
-              <a:rPr lang="en-US" b="0" i="0" dirty="0">
-                <a:effectLst/>
-                <a:latin typeface="UICTFontTextStyleBody"/>
-              </a:rPr>
-              <a:t>a </a:t>
-            </a:r>
-            <a:r>
-              <a:rPr lang="en-US" b="0" i="0">
-                <a:effectLst/>
-                <a:latin typeface="UICTFontTextStyleBody"/>
-              </a:rPr>
-              <a:t>test set of </a:t>
-            </a:r>
-            <a:r>
-              <a:rPr lang="en-US" b="0" i="0" dirty="0">
-                <a:effectLst/>
-                <a:latin typeface="UICTFontTextStyleBody"/>
-              </a:rPr>
-              <a:t>200 </a:t>
-            </a:r>
-            <a:r>
-              <a:rPr lang="en-US" b="0" i="0">
-                <a:effectLst/>
-                <a:latin typeface="UICTFontTextStyleBody"/>
-              </a:rPr>
-              <a:t>randomly chosen </a:t>
-            </a:r>
-            <a:r>
-              <a:rPr lang="en-US" b="0" i="0" dirty="0">
-                <a:effectLst/>
-                <a:latin typeface="UICTFontTextStyleBody"/>
-              </a:rPr>
-              <a:t>tweets, </a:t>
-            </a:r>
-            <a:r>
-              <a:rPr lang="en-US" b="0" i="0">
-                <a:effectLst/>
-                <a:latin typeface="UICTFontTextStyleBody"/>
-              </a:rPr>
-              <a:t>the </a:t>
-            </a:r>
-            <a:r>
-              <a:rPr lang="en-US" b="0" i="0" dirty="0">
-                <a:effectLst/>
-                <a:latin typeface="UICTFontTextStyleBody"/>
-              </a:rPr>
-              <a:t>Analyzer </a:t>
-            </a:r>
-            <a:r>
-              <a:rPr lang="en-US" b="0" i="0">
-                <a:effectLst/>
-                <a:latin typeface="UICTFontTextStyleBody"/>
-              </a:rPr>
-              <a:t>showcased an </a:t>
-            </a:r>
-            <a:r>
-              <a:rPr lang="en-US" b="0" i="0" dirty="0">
-                <a:effectLst/>
-                <a:latin typeface="UICTFontTextStyleBody"/>
-              </a:rPr>
-              <a:t>overall accuracy </a:t>
-            </a:r>
-            <a:r>
-              <a:rPr lang="en-US" b="0" i="0">
-                <a:effectLst/>
-                <a:latin typeface="UICTFontTextStyleBody"/>
-              </a:rPr>
-              <a:t>of </a:t>
-            </a:r>
-            <a:r>
-              <a:rPr lang="en-US" b="0" i="0" dirty="0">
-                <a:effectLst/>
-                <a:latin typeface="UICTFontTextStyleBody"/>
-              </a:rPr>
-              <a:t>81%. </a:t>
-            </a:r>
-            <a:r>
-              <a:rPr lang="en-US" b="0" i="0">
-                <a:effectLst/>
-                <a:latin typeface="UICTFontTextStyleBody"/>
-              </a:rPr>
-              <a:t>Brand </a:t>
-            </a:r>
-            <a:r>
-              <a:rPr lang="en-US" b="0" i="0" dirty="0">
-                <a:effectLst/>
-                <a:latin typeface="UICTFontTextStyleBody"/>
-              </a:rPr>
-              <a:t>identification was </a:t>
-            </a:r>
-            <a:r>
-              <a:rPr lang="en-US" b="0" i="0">
-                <a:effectLst/>
-                <a:latin typeface="UICTFontTextStyleBody"/>
-              </a:rPr>
-              <a:t>particularly impressive, registering </a:t>
-            </a:r>
-            <a:r>
-              <a:rPr lang="en-US" b="0" i="0" dirty="0">
-                <a:effectLst/>
-                <a:latin typeface="UICTFontTextStyleBody"/>
-              </a:rPr>
-              <a:t>at 99</a:t>
-            </a:r>
-            <a:r>
-              <a:rPr lang="en-US" b="0" i="0">
-                <a:effectLst/>
-                <a:latin typeface="UICTFontTextStyleBody"/>
-              </a:rPr>
-              <a:t>%. However, </a:t>
-            </a:r>
-            <a:r>
-              <a:rPr lang="en-US" b="0" i="0" dirty="0">
-                <a:effectLst/>
-                <a:latin typeface="UICTFontTextStyleBody"/>
-              </a:rPr>
-              <a:t>this </a:t>
-            </a:r>
-            <a:r>
-              <a:rPr lang="en-US" b="0" i="0">
-                <a:effectLst/>
-                <a:latin typeface="UICTFontTextStyleBody"/>
-              </a:rPr>
-              <a:t>high accuracy led us to suspect potential </a:t>
-            </a:r>
-            <a:r>
-              <a:rPr lang="en-US" b="0" i="0" dirty="0">
-                <a:effectLst/>
-                <a:latin typeface="UICTFontTextStyleBody"/>
-              </a:rPr>
-              <a:t>overfitting</a:t>
-            </a:r>
-            <a:r>
-              <a:rPr lang="en-US" b="0" i="0">
-                <a:effectLst/>
-                <a:latin typeface="UICTFontTextStyleBody"/>
-              </a:rPr>
-              <a:t>. Sentiment </a:t>
-            </a:r>
-            <a:r>
-              <a:rPr lang="en-US" b="0" i="0" dirty="0">
-                <a:effectLst/>
-                <a:latin typeface="UICTFontTextStyleBody"/>
-              </a:rPr>
-              <a:t>accuracy </a:t>
-            </a:r>
-            <a:r>
-              <a:rPr lang="en-US" b="0" i="0">
-                <a:effectLst/>
-                <a:latin typeface="UICTFontTextStyleBody"/>
-              </a:rPr>
-              <a:t>rounded out </a:t>
-            </a:r>
-            <a:r>
-              <a:rPr lang="en-US" b="0" i="0" dirty="0">
-                <a:effectLst/>
-                <a:latin typeface="UICTFontTextStyleBody"/>
-              </a:rPr>
-              <a:t>at </a:t>
-            </a:r>
-            <a:r>
-              <a:rPr lang="en-US" b="0" i="0">
-                <a:effectLst/>
-                <a:latin typeface="UICTFontTextStyleBody"/>
-              </a:rPr>
-              <a:t>a solid </a:t>
-            </a:r>
-            <a:r>
-              <a:rPr lang="en-US" b="0" i="0" dirty="0">
-                <a:effectLst/>
-                <a:latin typeface="UICTFontTextStyleBody"/>
-              </a:rPr>
-              <a:t>82%.</a:t>
-            </a:r>
-            <a:endParaRPr lang="en-US">
-              <a:effectLst/>
-              <a:latin typeface=".AppleSystemUIFont"/>
-            </a:endParaRPr>
-          </a:p>
-        </p:txBody>
-      </p:sp>
-      <p:sp>
-        <p:nvSpPr>
-          <p:cNvPr id="4" name="Slide Number Placeholder 3"/>
-          <p:cNvSpPr>
-            <a:spLocks noGrp="1"/>
-          </p:cNvSpPr>
-          <p:nvPr>
-            <p:ph type="sldNum" idx="12"/>
-          </p:nvPr>
-        </p:nvSpPr>
-        <p:spPr/>
-        <p:txBody>
-          <a:bodyPr/>
-          <a:lstStyle/>
-          <a:p>
-            <a:pPr marL="0" marR="0" lvl="0" indent="0" algn="r" rtl="0">
-              <a:spcBef>
-                <a:spcPts val="0"/>
-              </a:spcBef>
-              <a:spcAft>
-                <a:spcPts val="0"/>
-              </a:spcAft>
-              <a:buNone/>
-            </a:pPr>
-            <a:fld id="{00000000-1234-1234-1234-123412341234}" type="slidenum">
-              <a:rPr lang="en-US" sz="1200" b="0" i="0" u="none" strike="noStrike" cap="none" smtClean="0">
-                <a:solidFill>
-                  <a:schemeClr val="dk1"/>
-                </a:solidFill>
-                <a:latin typeface="Arial"/>
-                <a:ea typeface="Arial"/>
-                <a:cs typeface="Arial"/>
-                <a:sym typeface="Arial"/>
-              </a:rPr>
-              <a:t>24</a:t>
-            </a:fld>
-            <a:endParaRPr lang="en-US" sz="1200" b="0" i="0" u="none" strike="noStrike" cap="none">
-              <a:solidFill>
-                <a:schemeClr val="dk1"/>
-              </a:solidFill>
-              <a:latin typeface="Arial"/>
-              <a:ea typeface="Arial"/>
-              <a:cs typeface="Arial"/>
-              <a:sym typeface="Arial"/>
-            </a:endParaRPr>
-          </a:p>
-        </p:txBody>
-      </p:sp>
-    </p:spTree>
-    <p:extLst>
-      <p:ext uri="{BB962C8B-B14F-4D97-AF65-F5344CB8AC3E}">
-        <p14:creationId xmlns:p14="http://schemas.microsoft.com/office/powerpoint/2010/main" val="1358103704"/>
-      </p:ext>
-    </p:extLst>
-  </p:cSld>
-  <p:clrMapOvr>
-    <a:masterClrMapping/>
-  </p:clrMapOvr>
-</p:notes>
-</file>
-
-<file path=ppt/notesSlides/notesSlide25.xml><?xml version="1.0" encoding="utf-8"?>
-<p:notes xmlns:a="http://schemas.openxmlformats.org/drawingml/2006/main" xmlns:r="http://schemas.openxmlformats.org/officeDocument/2006/relationships" xmlns:p="http://schemas.openxmlformats.org/presentationml/2006/main">
-  <p:cSld>
-    <p:spTree>
-      <p:nvGrpSpPr>
-        <p:cNvPr id="1" name=""/>
-        <p:cNvGrpSpPr/>
-        <p:nvPr/>
-      </p:nvGrpSpPr>
-      <p:grpSpPr>
-        <a:xfrm>
-          <a:off x="0" y="0"/>
-          <a:ext cx="0" cy="0"/>
-          <a:chOff x="0" y="0"/>
-          <a:chExt cx="0" cy="0"/>
-        </a:xfrm>
-      </p:grpSpPr>
-      <p:sp>
-        <p:nvSpPr>
-          <p:cNvPr id="2" name="Slide Image Placeholder 1"/>
-          <p:cNvSpPr>
-            <a:spLocks noGrp="1" noRot="1" noChangeAspect="1"/>
-          </p:cNvSpPr>
-          <p:nvPr>
-            <p:ph type="sldImg"/>
-          </p:nvPr>
-        </p:nvSpPr>
-        <p:spPr/>
-      </p:sp>
-      <p:sp>
-        <p:nvSpPr>
-          <p:cNvPr id="3" name="Notes Placeholder 2"/>
-          <p:cNvSpPr>
-            <a:spLocks noGrp="1"/>
-          </p:cNvSpPr>
-          <p:nvPr>
-            <p:ph type="body" idx="1"/>
-          </p:nvPr>
-        </p:nvSpPr>
-        <p:spPr/>
-        <p:txBody>
-          <a:bodyPr/>
-          <a:lstStyle/>
-          <a:p>
             <a:pPr>
               <a:spcBef>
                 <a:spcPts val="0"/>
@@ -12837,7 +12637,7 @@
                 <a:cs typeface="Arial"/>
                 <a:sym typeface="Arial"/>
               </a:rPr>
-              <a:t>25</a:t>
+              <a:t>24</a:t>
             </a:fld>
             <a:endParaRPr lang="en-US" sz="1200" b="0" i="0" u="none" strike="noStrike" cap="none">
               <a:solidFill>
@@ -12864,7 +12664,7 @@
 </p:notes>
 </file>
 
-<file path=ppt/notesSlides/notesSlide26.xml><?xml version="1.0" encoding="utf-8"?>
+<file path=ppt/notesSlides/notesSlide25.xml><?xml version="1.0" encoding="utf-8"?>
 <p:notes xmlns:a="http://schemas.openxmlformats.org/drawingml/2006/main" xmlns:r="http://schemas.openxmlformats.org/officeDocument/2006/relationships" xmlns:p="http://schemas.openxmlformats.org/presentationml/2006/main" showMasterSp="0" showMasterPhAnim="0">
   <p:cSld>
     <p:spTree>
@@ -13028,7 +12828,7 @@
             </a:pPr>
             <a:fld id="{00000000-1234-1234-1234-123412341234}" type="slidenum">
               <a:rPr lang="en-US"/>
-              <a:t>26</a:t>
+              <a:t>25</a:t>
             </a:fld>
             <a:endParaRPr/>
           </a:p>
@@ -13047,7 +12847,7 @@
 </p:notes>
 </file>
 
-<file path=ppt/notesSlides/notesSlide27.xml><?xml version="1.0" encoding="utf-8"?>
+<file path=ppt/notesSlides/notesSlide26.xml><?xml version="1.0" encoding="utf-8"?>
 <p:notes xmlns:a="http://schemas.openxmlformats.org/drawingml/2006/main" xmlns:r="http://schemas.openxmlformats.org/officeDocument/2006/relationships" xmlns:p="http://schemas.openxmlformats.org/presentationml/2006/main" showMasterSp="0" showMasterPhAnim="0">
   <p:cSld>
     <p:spTree>
@@ -13211,7 +13011,7 @@
             </a:pPr>
             <a:fld id="{00000000-1234-1234-1234-123412341234}" type="slidenum">
               <a:rPr lang="en-US"/>
-              <a:t>27</a:t>
+              <a:t>26</a:t>
             </a:fld>
             <a:endParaRPr/>
           </a:p>
@@ -13225,7 +13025,7 @@
 </p:notes>
 </file>
 
-<file path=ppt/notesSlides/notesSlide28.xml><?xml version="1.0" encoding="utf-8"?>
+<file path=ppt/notesSlides/notesSlide27.xml><?xml version="1.0" encoding="utf-8"?>
 <p:notes xmlns:a="http://schemas.openxmlformats.org/drawingml/2006/main" xmlns:r="http://schemas.openxmlformats.org/officeDocument/2006/relationships" xmlns:p="http://schemas.openxmlformats.org/presentationml/2006/main" showMasterSp="0" showMasterPhAnim="0">
   <p:cSld>
     <p:spTree>
@@ -13374,7 +13174,7 @@
             </a:pPr>
             <a:fld id="{00000000-1234-1234-1234-123412341234}" type="slidenum">
               <a:rPr lang="en-US"/>
-              <a:t>28</a:t>
+              <a:t>27</a:t>
             </a:fld>
             <a:endParaRPr/>
           </a:p>
@@ -13388,7 +13188,7 @@
 </p:notes>
 </file>
 
-<file path=ppt/notesSlides/notesSlide29.xml><?xml version="1.0" encoding="utf-8"?>
+<file path=ppt/notesSlides/notesSlide28.xml><?xml version="1.0" encoding="utf-8"?>
 <p:notes xmlns:a="http://schemas.openxmlformats.org/drawingml/2006/main" xmlns:r="http://schemas.openxmlformats.org/officeDocument/2006/relationships" xmlns:p="http://schemas.openxmlformats.org/presentationml/2006/main" showMasterSp="0" showMasterPhAnim="0">
   <p:cSld>
     <p:spTree>
@@ -13545,7 +13345,7 @@
             </a:pPr>
             <a:fld id="{00000000-1234-1234-1234-123412341234}" type="slidenum">
               <a:rPr lang="en-US"/>
-              <a:t>29</a:t>
+              <a:t>28</a:t>
             </a:fld>
             <a:endParaRPr/>
           </a:p>
@@ -13559,119 +13359,7 @@
 </p:notes>
 </file>
 
-<file path=ppt/notesSlides/notesSlide3.xml><?xml version="1.0" encoding="utf-8"?>
-<p:notes xmlns:a="http://schemas.openxmlformats.org/drawingml/2006/main" xmlns:r="http://schemas.openxmlformats.org/officeDocument/2006/relationships" xmlns:p="http://schemas.openxmlformats.org/presentationml/2006/main">
-  <p:cSld>
-    <p:spTree>
-      <p:nvGrpSpPr>
-        <p:cNvPr id="1" name=""/>
-        <p:cNvGrpSpPr/>
-        <p:nvPr/>
-      </p:nvGrpSpPr>
-      <p:grpSpPr>
-        <a:xfrm>
-          <a:off x="0" y="0"/>
-          <a:ext cx="0" cy="0"/>
-          <a:chOff x="0" y="0"/>
-          <a:chExt cx="0" cy="0"/>
-        </a:xfrm>
-      </p:grpSpPr>
-      <p:sp>
-        <p:nvSpPr>
-          <p:cNvPr id="2" name="Slide Image Placeholder 1"/>
-          <p:cNvSpPr>
-            <a:spLocks noGrp="1" noRot="1" noChangeAspect="1"/>
-          </p:cNvSpPr>
-          <p:nvPr>
-            <p:ph type="sldImg"/>
-          </p:nvPr>
-        </p:nvSpPr>
-        <p:spPr/>
-      </p:sp>
-      <p:sp>
-        <p:nvSpPr>
-          <p:cNvPr id="3" name="Notes Placeholder 2"/>
-          <p:cNvSpPr>
-            <a:spLocks noGrp="1"/>
-          </p:cNvSpPr>
-          <p:nvPr>
-            <p:ph type="body" idx="1"/>
-          </p:nvPr>
-        </p:nvSpPr>
-        <p:spPr/>
-        <p:txBody>
-          <a:bodyPr/>
-          <a:lstStyle/>
-          <a:p>
-            <a:r>
-              <a:rPr lang="en-US"/>
-              <a:t>Why should businesses consider integrating Artificial Intelligence, or AI, into their operations? The answer lies in the transformative potential of AI, particularly in the realm of customer understanding and engagement. First, AI can help businesses understand customer sentiment towards their brand. By analyzing social media data, AI can identify positive, negative, and neutral sentiments, providing businesses with a clear picture of how their brand is perceived. Second, AI can identify emerging trends and preferences. This allows businesses to stay ahead of the curve, adapting their products and services to meet changing customer needs. Third, AI can predict future customer behavior. This predictive capability can inform business strategies, helping companies to anticipate and respond to market changes effectively. Fourth, AI can improve targeted marketing strategies. By understanding customer preferences and behavior, businesses can tailor their marketing efforts to reach the right audience with the right message. Fifth, AI can enhance customer engagement and loyalty. By providing personalized experiences and interactions, businesses can build stronger relationships with their customers, fostering loyalty and driving growth.</a:t>
-            </a:r>
-          </a:p>
-        </p:txBody>
-      </p:sp>
-      <p:sp>
-        <p:nvSpPr>
-          <p:cNvPr id="4" name="Slide Number Placeholder 3"/>
-          <p:cNvSpPr>
-            <a:spLocks noGrp="1"/>
-          </p:cNvSpPr>
-          <p:nvPr>
-            <p:ph type="sldNum" idx="12"/>
-          </p:nvPr>
-        </p:nvSpPr>
-        <p:spPr/>
-        <p:txBody>
-          <a:bodyPr/>
-          <a:lstStyle/>
-          <a:p>
-            <a:pPr marL="0" marR="0" lvl="0" indent="0" algn="r" rtl="0">
-              <a:spcBef>
-                <a:spcPts val="0"/>
-              </a:spcBef>
-              <a:spcAft>
-                <a:spcPts val="0"/>
-              </a:spcAft>
-              <a:buNone/>
-            </a:pPr>
-            <a:fld id="{00000000-1234-1234-1234-123412341234}" type="slidenum">
-              <a:rPr lang="en-US" sz="1200" b="0" i="0" u="none" strike="noStrike" cap="none">
-                <a:solidFill>
-                  <a:schemeClr val="dk1"/>
-                </a:solidFill>
-                <a:latin typeface="Arial"/>
-                <a:ea typeface="Arial"/>
-                <a:cs typeface="Arial"/>
-                <a:sym typeface="Arial"/>
-              </a:rPr>
-              <a:t>3</a:t>
-            </a:fld>
-            <a:endParaRPr lang="en-US" sz="1200" b="0" i="0" u="none" strike="noStrike" cap="none">
-              <a:solidFill>
-                <a:schemeClr val="dk1"/>
-              </a:solidFill>
-              <a:latin typeface="Arial"/>
-              <a:ea typeface="Arial"/>
-              <a:cs typeface="Arial"/>
-              <a:sym typeface="Arial"/>
-            </a:endParaRPr>
-          </a:p>
-        </p:txBody>
-      </p:sp>
-    </p:spTree>
-    <p:extLst>
-      <p:ext uri="{BB962C8B-B14F-4D97-AF65-F5344CB8AC3E}">
-        <p14:creationId xmlns:p14="http://schemas.microsoft.com/office/powerpoint/2010/main" val="3218000452"/>
-      </p:ext>
-    </p:extLst>
-  </p:cSld>
-  <p:clrMapOvr>
-    <a:masterClrMapping/>
-  </p:clrMapOvr>
-</p:notes>
-</file>
-
-<file path=ppt/notesSlides/notesSlide30.xml><?xml version="1.0" encoding="utf-8"?>
+<file path=ppt/notesSlides/notesSlide29.xml><?xml version="1.0" encoding="utf-8"?>
 <p:notes xmlns:a="http://schemas.openxmlformats.org/drawingml/2006/main" xmlns:r="http://schemas.openxmlformats.org/officeDocument/2006/relationships" xmlns:p="http://schemas.openxmlformats.org/presentationml/2006/main" showMasterSp="0" showMasterPhAnim="0">
   <p:cSld>
     <p:spTree>
@@ -13820,7 +13508,7 @@
             </a:pPr>
             <a:fld id="{00000000-1234-1234-1234-123412341234}" type="slidenum">
               <a:rPr lang="en-US"/>
-              <a:t>30</a:t>
+              <a:t>29</a:t>
             </a:fld>
             <a:endParaRPr/>
           </a:p>
@@ -13834,7 +13522,119 @@
 </p:notes>
 </file>
 
-<file path=ppt/notesSlides/notesSlide31.xml><?xml version="1.0" encoding="utf-8"?>
+<file path=ppt/notesSlides/notesSlide3.xml><?xml version="1.0" encoding="utf-8"?>
+<p:notes xmlns:a="http://schemas.openxmlformats.org/drawingml/2006/main" xmlns:r="http://schemas.openxmlformats.org/officeDocument/2006/relationships" xmlns:p="http://schemas.openxmlformats.org/presentationml/2006/main">
+  <p:cSld>
+    <p:spTree>
+      <p:nvGrpSpPr>
+        <p:cNvPr id="1" name=""/>
+        <p:cNvGrpSpPr/>
+        <p:nvPr/>
+      </p:nvGrpSpPr>
+      <p:grpSpPr>
+        <a:xfrm>
+          <a:off x="0" y="0"/>
+          <a:ext cx="0" cy="0"/>
+          <a:chOff x="0" y="0"/>
+          <a:chExt cx="0" cy="0"/>
+        </a:xfrm>
+      </p:grpSpPr>
+      <p:sp>
+        <p:nvSpPr>
+          <p:cNvPr id="2" name="Slide Image Placeholder 1"/>
+          <p:cNvSpPr>
+            <a:spLocks noGrp="1" noRot="1" noChangeAspect="1"/>
+          </p:cNvSpPr>
+          <p:nvPr>
+            <p:ph type="sldImg"/>
+          </p:nvPr>
+        </p:nvSpPr>
+        <p:spPr/>
+      </p:sp>
+      <p:sp>
+        <p:nvSpPr>
+          <p:cNvPr id="3" name="Notes Placeholder 2"/>
+          <p:cNvSpPr>
+            <a:spLocks noGrp="1"/>
+          </p:cNvSpPr>
+          <p:nvPr>
+            <p:ph type="body" idx="1"/>
+          </p:nvPr>
+        </p:nvSpPr>
+        <p:spPr/>
+        <p:txBody>
+          <a:bodyPr/>
+          <a:lstStyle/>
+          <a:p>
+            <a:r>
+              <a:rPr lang="en-US"/>
+              <a:t>Why should businesses consider integrating Artificial Intelligence, or AI, into their operations? The answer lies in the transformative potential of AI, particularly in the realm of customer understanding and engagement. First, AI can help businesses understand customer sentiment towards their brand. By analyzing social media data, AI can identify positive, negative, and neutral sentiments, providing businesses with a clear picture of how their brand is perceived. Second, AI can identify emerging trends and preferences. This allows businesses to stay ahead of the curve, adapting their products and services to meet changing customer needs. Third, AI can predict future customer behavior. This predictive capability can inform business strategies, helping companies to anticipate and respond to market changes effectively. Fourth, AI can improve targeted marketing strategies. By understanding customer preferences and behavior, businesses can tailor their marketing efforts to reach the right audience with the right message. Fifth, AI can enhance customer engagement and loyalty. By providing personalized experiences and interactions, businesses can build stronger relationships with their customers, fostering loyalty and driving growth.</a:t>
+            </a:r>
+          </a:p>
+        </p:txBody>
+      </p:sp>
+      <p:sp>
+        <p:nvSpPr>
+          <p:cNvPr id="4" name="Slide Number Placeholder 3"/>
+          <p:cNvSpPr>
+            <a:spLocks noGrp="1"/>
+          </p:cNvSpPr>
+          <p:nvPr>
+            <p:ph type="sldNum" idx="12"/>
+          </p:nvPr>
+        </p:nvSpPr>
+        <p:spPr/>
+        <p:txBody>
+          <a:bodyPr/>
+          <a:lstStyle/>
+          <a:p>
+            <a:pPr marL="0" marR="0" lvl="0" indent="0" algn="r" rtl="0">
+              <a:spcBef>
+                <a:spcPts val="0"/>
+              </a:spcBef>
+              <a:spcAft>
+                <a:spcPts val="0"/>
+              </a:spcAft>
+              <a:buNone/>
+            </a:pPr>
+            <a:fld id="{00000000-1234-1234-1234-123412341234}" type="slidenum">
+              <a:rPr lang="en-US" sz="1200" b="0" i="0" u="none" strike="noStrike" cap="none">
+                <a:solidFill>
+                  <a:schemeClr val="dk1"/>
+                </a:solidFill>
+                <a:latin typeface="Arial"/>
+                <a:ea typeface="Arial"/>
+                <a:cs typeface="Arial"/>
+                <a:sym typeface="Arial"/>
+              </a:rPr>
+              <a:t>3</a:t>
+            </a:fld>
+            <a:endParaRPr lang="en-US" sz="1200" b="0" i="0" u="none" strike="noStrike" cap="none">
+              <a:solidFill>
+                <a:schemeClr val="dk1"/>
+              </a:solidFill>
+              <a:latin typeface="Arial"/>
+              <a:ea typeface="Arial"/>
+              <a:cs typeface="Arial"/>
+              <a:sym typeface="Arial"/>
+            </a:endParaRPr>
+          </a:p>
+        </p:txBody>
+      </p:sp>
+    </p:spTree>
+    <p:extLst>
+      <p:ext uri="{BB962C8B-B14F-4D97-AF65-F5344CB8AC3E}">
+        <p14:creationId xmlns:p14="http://schemas.microsoft.com/office/powerpoint/2010/main" val="3218000452"/>
+      </p:ext>
+    </p:extLst>
+  </p:cSld>
+  <p:clrMapOvr>
+    <a:masterClrMapping/>
+  </p:clrMapOvr>
+</p:notes>
+</file>
+
+<file path=ppt/notesSlides/notesSlide30.xml><?xml version="1.0" encoding="utf-8"?>
 <p:notes xmlns:a="http://schemas.openxmlformats.org/drawingml/2006/main" xmlns:r="http://schemas.openxmlformats.org/officeDocument/2006/relationships" xmlns:p="http://schemas.openxmlformats.org/presentationml/2006/main" showMasterSp="0" showMasterPhAnim="0">
   <p:cSld>
     <p:spTree>
@@ -13979,7 +13779,7 @@
             </a:pPr>
             <a:fld id="{00000000-1234-1234-1234-123412341234}" type="slidenum">
               <a:rPr lang="en-US"/>
-              <a:t>31</a:t>
+              <a:t>30</a:t>
             </a:fld>
             <a:endParaRPr/>
           </a:p>
@@ -13993,7 +13793,7 @@
 </p:notes>
 </file>
 
-<file path=ppt/notesSlides/notesSlide32.xml><?xml version="1.0" encoding="utf-8"?>
+<file path=ppt/notesSlides/notesSlide31.xml><?xml version="1.0" encoding="utf-8"?>
 <p:notes xmlns:a="http://schemas.openxmlformats.org/drawingml/2006/main" xmlns:r="http://schemas.openxmlformats.org/officeDocument/2006/relationships" xmlns:p="http://schemas.openxmlformats.org/presentationml/2006/main" showMasterSp="0" showMasterPhAnim="0">
   <p:cSld>
     <p:spTree>
@@ -14158,7 +13958,7 @@
             </a:pPr>
             <a:fld id="{00000000-1234-1234-1234-123412341234}" type="slidenum">
               <a:rPr lang="en-US"/>
-              <a:t>32</a:t>
+              <a:t>31</a:t>
             </a:fld>
             <a:endParaRPr/>
           </a:p>
@@ -14815,142 +14615,6 @@
 </file>
 
 <file path=ppt/notesSlides/notesSlide8.xml><?xml version="1.0" encoding="utf-8"?>
-<p:notes xmlns:a="http://schemas.openxmlformats.org/drawingml/2006/main" xmlns:r="http://schemas.openxmlformats.org/officeDocument/2006/relationships" xmlns:p="http://schemas.openxmlformats.org/presentationml/2006/main">
-  <p:cSld>
-    <p:spTree>
-      <p:nvGrpSpPr>
-        <p:cNvPr id="1" name=""/>
-        <p:cNvGrpSpPr/>
-        <p:nvPr/>
-      </p:nvGrpSpPr>
-      <p:grpSpPr>
-        <a:xfrm>
-          <a:off x="0" y="0"/>
-          <a:ext cx="0" cy="0"/>
-          <a:chOff x="0" y="0"/>
-          <a:chExt cx="0" cy="0"/>
-        </a:xfrm>
-      </p:grpSpPr>
-      <p:sp>
-        <p:nvSpPr>
-          <p:cNvPr id="2" name="Slide Image Placeholder 1"/>
-          <p:cNvSpPr>
-            <a:spLocks noGrp="1" noRot="1" noChangeAspect="1"/>
-          </p:cNvSpPr>
-          <p:nvPr>
-            <p:ph type="sldImg"/>
-          </p:nvPr>
-        </p:nvSpPr>
-        <p:spPr/>
-      </p:sp>
-      <p:sp>
-        <p:nvSpPr>
-          <p:cNvPr id="3" name="Notes Placeholder 2"/>
-          <p:cNvSpPr>
-            <a:spLocks noGrp="1"/>
-          </p:cNvSpPr>
-          <p:nvPr>
-            <p:ph type="body" idx="1"/>
-          </p:nvPr>
-        </p:nvSpPr>
-        <p:spPr/>
-        <p:txBody>
-          <a:bodyPr/>
-          <a:lstStyle/>
-          <a:p>
-            <a:pPr marL="90170" indent="-58420">
-              <a:lnSpc>
-                <a:spcPct val="160000"/>
-              </a:lnSpc>
-              <a:spcBef>
-                <a:spcPts val="600"/>
-              </a:spcBef>
-            </a:pPr>
-            <a:r>
-              <a:rPr lang="en-US"/>
-              <a:t>In our project, we considered several machine learning algorithms. These include Naïve </a:t>
-            </a:r>
-            <a:r>
-              <a:rPr lang="en-US" err="1"/>
-              <a:t>Bayes</a:t>
-            </a:r>
-            <a:r>
-              <a:rPr lang="en-US"/>
-              <a:t>, which is a simple yet powerful algorithm based on </a:t>
-            </a:r>
-            <a:r>
-              <a:rPr lang="en-US" err="1"/>
-              <a:t>Bayes</a:t>
-            </a:r>
-            <a:r>
-              <a:rPr lang="en-US"/>
-              <a:t>' theorem. We also considered Logistic Regression, a popular algorithm for binary classification problems. Support Vector Machines, or SVMs, were another option. These are powerful algorithms that can handle both linear and non-linear data. We also considered Recurrent Neural Networks, or RNNs, which are a type of neural network that are particularly good at processing sequential data. Finally, we looked at Transformers, such as BERT, which are state-of-the-art models for natural language processing tasks. Each of these algorithms has its own strengths and weaknesses, and the choice of algorithm depends on the specific requirements of the task at hand.</a:t>
-            </a:r>
-          </a:p>
-        </p:txBody>
-      </p:sp>
-      <p:sp>
-        <p:nvSpPr>
-          <p:cNvPr id="4" name="Slide Number Placeholder 3"/>
-          <p:cNvSpPr>
-            <a:spLocks noGrp="1"/>
-          </p:cNvSpPr>
-          <p:nvPr>
-            <p:ph type="sldNum" idx="12"/>
-          </p:nvPr>
-        </p:nvSpPr>
-        <p:spPr/>
-        <p:txBody>
-          <a:bodyPr/>
-          <a:lstStyle/>
-          <a:p>
-            <a:pPr marL="0" marR="0" lvl="0" indent="0" algn="r" rtl="0">
-              <a:spcBef>
-                <a:spcPts val="0"/>
-              </a:spcBef>
-              <a:spcAft>
-                <a:spcPts val="0"/>
-              </a:spcAft>
-              <a:buNone/>
-            </a:pPr>
-            <a:fld id="{00000000-1234-1234-1234-123412341234}" type="slidenum">
-              <a:rPr lang="en-US" sz="1200" b="0" i="0" u="none" strike="noStrike" cap="none">
-                <a:solidFill>
-                  <a:schemeClr val="dk1"/>
-                </a:solidFill>
-                <a:latin typeface="Arial"/>
-                <a:ea typeface="Arial"/>
-                <a:cs typeface="Arial"/>
-                <a:sym typeface="Arial"/>
-              </a:rPr>
-              <a:t>8</a:t>
-            </a:fld>
-            <a:endParaRPr lang="en-US" sz="1200" b="0" i="0" u="none" strike="noStrike" cap="none">
-              <a:solidFill>
-                <a:schemeClr val="dk1"/>
-              </a:solidFill>
-              <a:latin typeface="Arial"/>
-              <a:ea typeface="Arial"/>
-              <a:cs typeface="Arial"/>
-              <a:sym typeface="Arial"/>
-            </a:endParaRPr>
-          </a:p>
-        </p:txBody>
-      </p:sp>
-    </p:spTree>
-    <p:extLst>
-      <p:ext uri="{BB962C8B-B14F-4D97-AF65-F5344CB8AC3E}">
-        <p14:creationId xmlns:p14="http://schemas.microsoft.com/office/powerpoint/2010/main" val="1439647282"/>
-      </p:ext>
-    </p:extLst>
-  </p:cSld>
-  <p:clrMapOvr>
-    <a:masterClrMapping/>
-  </p:clrMapOvr>
-</p:notes>
-</file>
-
-<file path=ppt/notesSlides/notesSlide9.xml><?xml version="1.0" encoding="utf-8"?>
 <p:notes xmlns:a="http://schemas.openxmlformats.org/drawingml/2006/main" xmlns:r="http://schemas.openxmlformats.org/officeDocument/2006/relationships" xmlns:p="http://schemas.openxmlformats.org/presentationml/2006/main" showMasterSp="0" showMasterPhAnim="0">
   <p:cSld>
     <p:spTree>
@@ -15191,13 +14855,125 @@
             </a:pPr>
             <a:fld id="{00000000-1234-1234-1234-123412341234}" type="slidenum">
               <a:rPr lang="en-US"/>
-              <a:t>9</a:t>
+              <a:t>8</a:t>
             </a:fld>
             <a:endParaRPr/>
           </a:p>
         </p:txBody>
       </p:sp>
     </p:spTree>
+  </p:cSld>
+  <p:clrMapOvr>
+    <a:masterClrMapping/>
+  </p:clrMapOvr>
+</p:notes>
+</file>
+
+<file path=ppt/notesSlides/notesSlide9.xml><?xml version="1.0" encoding="utf-8"?>
+<p:notes xmlns:a="http://schemas.openxmlformats.org/drawingml/2006/main" xmlns:r="http://schemas.openxmlformats.org/officeDocument/2006/relationships" xmlns:p="http://schemas.openxmlformats.org/presentationml/2006/main">
+  <p:cSld>
+    <p:spTree>
+      <p:nvGrpSpPr>
+        <p:cNvPr id="1" name=""/>
+        <p:cNvGrpSpPr/>
+        <p:nvPr/>
+      </p:nvGrpSpPr>
+      <p:grpSpPr>
+        <a:xfrm>
+          <a:off x="0" y="0"/>
+          <a:ext cx="0" cy="0"/>
+          <a:chOff x="0" y="0"/>
+          <a:chExt cx="0" cy="0"/>
+        </a:xfrm>
+      </p:grpSpPr>
+      <p:sp>
+        <p:nvSpPr>
+          <p:cNvPr id="2" name="Slide Image Placeholder 1"/>
+          <p:cNvSpPr>
+            <a:spLocks noGrp="1" noRot="1" noChangeAspect="1"/>
+          </p:cNvSpPr>
+          <p:nvPr>
+            <p:ph type="sldImg"/>
+          </p:nvPr>
+        </p:nvSpPr>
+        <p:spPr/>
+      </p:sp>
+      <p:sp>
+        <p:nvSpPr>
+          <p:cNvPr id="3" name="Notes Placeholder 2"/>
+          <p:cNvSpPr>
+            <a:spLocks noGrp="1"/>
+          </p:cNvSpPr>
+          <p:nvPr>
+            <p:ph type="body" idx="1"/>
+          </p:nvPr>
+        </p:nvSpPr>
+        <p:spPr/>
+        <p:txBody>
+          <a:bodyPr/>
+          <a:lstStyle/>
+          <a:p>
+            <a:r>
+              <a:rPr lang="en-US"/>
+              <a:t>From the Sentiment140 dataset, we were able to find hundreds of tweets mentioning brands. Those brands included: Facebook, Google, Apple, Starbucks, Disney, Walmart, Target, Microsoft, Amazon, and Sony. Further, we randomly chose tweets that did not mention any brands because we aimed to build a brand classifier that predicts whether a brand is mentioned in a tweet. Hence, it was important to include example tweets with no brands so that our models could be trained on tweets with brands and no brands.</a:t>
+            </a:r>
+          </a:p>
+        </p:txBody>
+      </p:sp>
+      <p:sp>
+        <p:nvSpPr>
+          <p:cNvPr id="4" name="Slide Number Placeholder 3"/>
+          <p:cNvSpPr>
+            <a:spLocks noGrp="1"/>
+          </p:cNvSpPr>
+          <p:nvPr>
+            <p:ph type="sldNum" idx="12"/>
+          </p:nvPr>
+        </p:nvSpPr>
+        <p:spPr/>
+        <p:txBody>
+          <a:bodyPr/>
+          <a:lstStyle/>
+          <a:p>
+            <a:pPr marL="0" marR="0" lvl="0" indent="0" algn="r" rtl="0">
+              <a:spcBef>
+                <a:spcPts val="0"/>
+              </a:spcBef>
+              <a:spcAft>
+                <a:spcPts val="0"/>
+              </a:spcAft>
+              <a:buNone/>
+            </a:pPr>
+            <a:fld id="{00000000-1234-1234-1234-123412341234}" type="slidenum">
+              <a:rPr lang="en-US" sz="1200" b="0" i="0" u="none" strike="noStrike" cap="none" smtClean="0">
+                <a:solidFill>
+                  <a:schemeClr val="dk1"/>
+                </a:solidFill>
+                <a:latin typeface="Arial"/>
+                <a:ea typeface="Arial"/>
+                <a:cs typeface="Arial"/>
+                <a:sym typeface="Arial"/>
+              </a:rPr>
+              <a:t>9</a:t>
+            </a:fld>
+            <a:endParaRPr lang="en-US" sz="1200" b="0" i="0" u="none" strike="noStrike" cap="none">
+              <a:solidFill>
+                <a:schemeClr val="dk1"/>
+              </a:solidFill>
+              <a:latin typeface="Arial"/>
+              <a:ea typeface="Arial"/>
+              <a:cs typeface="Arial"/>
+              <a:sym typeface="Arial"/>
+            </a:endParaRPr>
+          </a:p>
+        </p:txBody>
+      </p:sp>
+    </p:spTree>
+    <p:extLst>
+      <p:ext uri="{BB962C8B-B14F-4D97-AF65-F5344CB8AC3E}">
+        <p14:creationId xmlns:p14="http://schemas.microsoft.com/office/powerpoint/2010/main" val="474914966"/>
+      </p:ext>
+    </p:extLst>
   </p:cSld>
   <p:clrMapOvr>
     <a:masterClrMapping/>
@@ -20704,189 +20480,6 @@
   <p:cSld>
     <p:spTree>
       <p:nvGrpSpPr>
-        <p:cNvPr id="1" name=""/>
-        <p:cNvGrpSpPr/>
-        <p:nvPr/>
-      </p:nvGrpSpPr>
-      <p:grpSpPr>
-        <a:xfrm>
-          <a:off x="0" y="0"/>
-          <a:ext cx="0" cy="0"/>
-          <a:chOff x="0" y="0"/>
-          <a:chExt cx="0" cy="0"/>
-        </a:xfrm>
-      </p:grpSpPr>
-      <p:sp>
-        <p:nvSpPr>
-          <p:cNvPr id="2" name="Title 1">
-            <a:extLst>
-              <a:ext uri="{FF2B5EF4-FFF2-40B4-BE49-F238E27FC236}">
-                <a16:creationId xmlns:a16="http://schemas.microsoft.com/office/drawing/2014/main" id="{056650D3-200C-8C1F-2821-004C03FEE262}"/>
-              </a:ext>
-            </a:extLst>
-          </p:cNvPr>
-          <p:cNvSpPr>
-            <a:spLocks noGrp="1"/>
-          </p:cNvSpPr>
-          <p:nvPr>
-            <p:ph type="title"/>
-          </p:nvPr>
-        </p:nvSpPr>
-        <p:spPr>
-          <a:xfrm>
-            <a:off x="768096" y="-1"/>
-            <a:ext cx="11423904" cy="1259989"/>
-          </a:xfrm>
-        </p:spPr>
-        <p:txBody>
-          <a:bodyPr/>
-          <a:lstStyle/>
-          <a:p>
-            <a:pPr algn="ctr"/>
-            <a:r>
-              <a:rPr lang="en-US"/>
-              <a:t>Brands Chosen</a:t>
-            </a:r>
-          </a:p>
-        </p:txBody>
-      </p:sp>
-      <p:sp>
-        <p:nvSpPr>
-          <p:cNvPr id="3" name="Text Placeholder 2">
-            <a:extLst>
-              <a:ext uri="{FF2B5EF4-FFF2-40B4-BE49-F238E27FC236}">
-                <a16:creationId xmlns:a16="http://schemas.microsoft.com/office/drawing/2014/main" id="{E93C2D02-598A-5773-75F3-438C24B033D3}"/>
-              </a:ext>
-            </a:extLst>
-          </p:cNvPr>
-          <p:cNvSpPr>
-            <a:spLocks noGrp="1"/>
-          </p:cNvSpPr>
-          <p:nvPr>
-            <p:ph type="body" idx="1"/>
-          </p:nvPr>
-        </p:nvSpPr>
-        <p:spPr>
-          <a:xfrm>
-            <a:off x="3253533" y="1626347"/>
-            <a:ext cx="3217334" cy="3776472"/>
-          </a:xfrm>
-        </p:spPr>
-        <p:txBody>
-          <a:bodyPr/>
-          <a:lstStyle/>
-          <a:p>
-            <a:r>
-              <a:rPr lang="en-US"/>
-              <a:t>1. Facebook</a:t>
-            </a:r>
-          </a:p>
-          <a:p>
-            <a:r>
-              <a:rPr lang="en-US"/>
-              <a:t>2. Google</a:t>
-            </a:r>
-          </a:p>
-          <a:p>
-            <a:r>
-              <a:rPr lang="en-US"/>
-              <a:t>3. Apple</a:t>
-            </a:r>
-          </a:p>
-          <a:p>
-            <a:r>
-              <a:rPr lang="en-US"/>
-              <a:t>4. Starbucks</a:t>
-            </a:r>
-          </a:p>
-          <a:p>
-            <a:r>
-              <a:rPr lang="en-US"/>
-              <a:t>5. Disney</a:t>
-            </a:r>
-          </a:p>
-        </p:txBody>
-      </p:sp>
-      <p:sp>
-        <p:nvSpPr>
-          <p:cNvPr id="5" name="Text Placeholder 2">
-            <a:extLst>
-              <a:ext uri="{FF2B5EF4-FFF2-40B4-BE49-F238E27FC236}">
-                <a16:creationId xmlns:a16="http://schemas.microsoft.com/office/drawing/2014/main" id="{FAD859FA-E2A2-7B54-E2CE-FFC57CA47F95}"/>
-              </a:ext>
-            </a:extLst>
-          </p:cNvPr>
-          <p:cNvSpPr>
-            <a:spLocks noGrp="1"/>
-          </p:cNvSpPr>
-          <p:nvPr>
-            <p:ph type="body" idx="1"/>
-          </p:nvPr>
-        </p:nvSpPr>
-        <p:spPr>
-          <a:xfrm>
-            <a:off x="6096001" y="1626347"/>
-            <a:ext cx="3217334" cy="3776472"/>
-          </a:xfrm>
-        </p:spPr>
-        <p:txBody>
-          <a:bodyPr/>
-          <a:lstStyle/>
-          <a:p>
-            <a:r>
-              <a:rPr lang="en-US"/>
-              <a:t>6. Walmart</a:t>
-            </a:r>
-          </a:p>
-          <a:p>
-            <a:r>
-              <a:rPr lang="en-US"/>
-              <a:t>7. Target</a:t>
-            </a:r>
-          </a:p>
-          <a:p>
-            <a:r>
-              <a:rPr lang="en-US"/>
-              <a:t>8. Microsoft</a:t>
-            </a:r>
-          </a:p>
-          <a:p>
-            <a:r>
-              <a:rPr lang="en-US"/>
-              <a:t>9. Amazon</a:t>
-            </a:r>
-          </a:p>
-          <a:p>
-            <a:r>
-              <a:rPr lang="en-US"/>
-              <a:t>10. Sony</a:t>
-            </a:r>
-          </a:p>
-        </p:txBody>
-      </p:sp>
-    </p:spTree>
-    <p:extLst>
-      <p:ext uri="{BB962C8B-B14F-4D97-AF65-F5344CB8AC3E}">
-        <p14:creationId xmlns:p14="http://schemas.microsoft.com/office/powerpoint/2010/main" val="2619097653"/>
-      </p:ext>
-    </p:extLst>
-  </p:cSld>
-  <p:clrMapOvr>
-    <a:masterClrMapping/>
-  </p:clrMapOvr>
-  <p:extLst>
-    <p:ext uri="{6950BFC3-D8DA-4A85-94F7-54DA5524770B}">
-      <p188:commentRel xmlns:p188="http://schemas.microsoft.com/office/powerpoint/2018/8/main" r:id="rId3"/>
-    </p:ext>
-  </p:extLst>
-</p:sld>
-</file>
-
-<file path=ppt/slides/slide11.xml><?xml version="1.0" encoding="utf-8"?>
-<p:sld xmlns:a="http://schemas.openxmlformats.org/drawingml/2006/main" xmlns:r="http://schemas.openxmlformats.org/officeDocument/2006/relationships" xmlns:p="http://schemas.openxmlformats.org/presentationml/2006/main">
-  <p:cSld>
-    <p:spTree>
-      <p:nvGrpSpPr>
         <p:cNvPr id="1" name="Shape 75"/>
         <p:cNvGrpSpPr/>
         <p:nvPr/>
@@ -21257,7 +20850,7 @@
 </p:sld>
 </file>
 
-<file path=ppt/slides/slide12.xml><?xml version="1.0" encoding="utf-8"?>
+<file path=ppt/slides/slide11.xml><?xml version="1.0" encoding="utf-8"?>
 <p:sld xmlns:a="http://schemas.openxmlformats.org/drawingml/2006/main" xmlns:r="http://schemas.openxmlformats.org/officeDocument/2006/relationships" xmlns:p="http://schemas.openxmlformats.org/presentationml/2006/main">
   <p:cSld>
     <p:spTree>
@@ -21364,7 +20957,7 @@
 </p:sld>
 </file>
 
-<file path=ppt/slides/slide13.xml><?xml version="1.0" encoding="utf-8"?>
+<file path=ppt/slides/slide12.xml><?xml version="1.0" encoding="utf-8"?>
 <p:sld xmlns:a="http://schemas.openxmlformats.org/drawingml/2006/main" xmlns:r="http://schemas.openxmlformats.org/officeDocument/2006/relationships" xmlns:p="http://schemas.openxmlformats.org/presentationml/2006/main">
   <p:cSld>
     <p:spTree>
@@ -21422,7 +21015,7 @@
 </p:sld>
 </file>
 
-<file path=ppt/slides/slide14.xml><?xml version="1.0" encoding="utf-8"?>
+<file path=ppt/slides/slide13.xml><?xml version="1.0" encoding="utf-8"?>
 <p:sld xmlns:a="http://schemas.openxmlformats.org/drawingml/2006/main" xmlns:r="http://schemas.openxmlformats.org/officeDocument/2006/relationships" xmlns:p="http://schemas.openxmlformats.org/presentationml/2006/main">
   <p:cSld>
     <p:spTree>
@@ -21556,7 +21149,7 @@
 </p:sld>
 </file>
 
-<file path=ppt/slides/slide15.xml><?xml version="1.0" encoding="utf-8"?>
+<file path=ppt/slides/slide14.xml><?xml version="1.0" encoding="utf-8"?>
 <p:sld xmlns:a="http://schemas.openxmlformats.org/drawingml/2006/main" xmlns:r="http://schemas.openxmlformats.org/officeDocument/2006/relationships" xmlns:p="http://schemas.openxmlformats.org/presentationml/2006/main">
   <p:cSld>
     <p:spTree>
@@ -22091,7 +21684,7 @@
 </p:sld>
 </file>
 
-<file path=ppt/slides/slide16.xml><?xml version="1.0" encoding="utf-8"?>
+<file path=ppt/slides/slide15.xml><?xml version="1.0" encoding="utf-8"?>
 <p:sld xmlns:a="http://schemas.openxmlformats.org/drawingml/2006/main" xmlns:r="http://schemas.openxmlformats.org/officeDocument/2006/relationships" xmlns:p="http://schemas.openxmlformats.org/presentationml/2006/main">
   <p:cSld>
     <p:spTree>
@@ -22306,7 +21899,7 @@
 </p:sld>
 </file>
 
-<file path=ppt/slides/slide17.xml><?xml version="1.0" encoding="utf-8"?>
+<file path=ppt/slides/slide16.xml><?xml version="1.0" encoding="utf-8"?>
 <p:sld xmlns:a="http://schemas.openxmlformats.org/drawingml/2006/main" xmlns:r="http://schemas.openxmlformats.org/officeDocument/2006/relationships" xmlns:p="http://schemas.openxmlformats.org/presentationml/2006/main">
   <p:cSld>
     <p:spTree>
@@ -22438,7 +22031,7 @@
 </p:sld>
 </file>
 
-<file path=ppt/slides/slide18.xml><?xml version="1.0" encoding="utf-8"?>
+<file path=ppt/slides/slide17.xml><?xml version="1.0" encoding="utf-8"?>
 <p:sld xmlns:a="http://schemas.openxmlformats.org/drawingml/2006/main" xmlns:r="http://schemas.openxmlformats.org/officeDocument/2006/relationships" xmlns:p="http://schemas.openxmlformats.org/presentationml/2006/main">
   <p:cSld>
     <p:spTree>
@@ -22609,7 +22202,7 @@
 </p:sld>
 </file>
 
-<file path=ppt/slides/slide19.xml><?xml version="1.0" encoding="utf-8"?>
+<file path=ppt/slides/slide18.xml><?xml version="1.0" encoding="utf-8"?>
 <p:sld xmlns:a="http://schemas.openxmlformats.org/drawingml/2006/main" xmlns:r="http://schemas.openxmlformats.org/officeDocument/2006/relationships" xmlns:p="http://schemas.openxmlformats.org/presentationml/2006/main">
   <p:cSld>
     <p:spTree>
@@ -22660,6 +22253,191 @@
         <p14:creationId xmlns:p14="http://schemas.microsoft.com/office/powerpoint/2010/main" val="1679938309"/>
       </p:ext>
     </p:extLst>
+  </p:cSld>
+  <p:clrMapOvr>
+    <a:masterClrMapping/>
+  </p:clrMapOvr>
+</p:sld>
+</file>
+
+<file path=ppt/slides/slide19.xml><?xml version="1.0" encoding="utf-8"?>
+<p:sld xmlns:a="http://schemas.openxmlformats.org/drawingml/2006/main" xmlns:r="http://schemas.openxmlformats.org/officeDocument/2006/relationships" xmlns:p="http://schemas.openxmlformats.org/presentationml/2006/main">
+  <p:cSld>
+    <p:spTree>
+      <p:nvGrpSpPr>
+        <p:cNvPr id="1" name="Shape 131"/>
+        <p:cNvGrpSpPr/>
+        <p:nvPr/>
+      </p:nvGrpSpPr>
+      <p:grpSpPr>
+        <a:xfrm>
+          <a:off x="0" y="0"/>
+          <a:ext cx="0" cy="0"/>
+          <a:chOff x="0" y="0"/>
+          <a:chExt cx="0" cy="0"/>
+        </a:xfrm>
+      </p:grpSpPr>
+      <p:sp>
+        <p:nvSpPr>
+          <p:cNvPr id="132" name="Google Shape;132;p13"/>
+          <p:cNvSpPr txBox="1">
+            <a:spLocks noGrp="1"/>
+          </p:cNvSpPr>
+          <p:nvPr>
+            <p:ph type="title"/>
+          </p:nvPr>
+        </p:nvSpPr>
+        <p:spPr>
+          <a:xfrm>
+            <a:off x="914400" y="685800"/>
+            <a:ext cx="10363200" cy="1143000"/>
+          </a:xfrm>
+          <a:prstGeom prst="rect">
+            <a:avLst/>
+          </a:prstGeom>
+          <a:noFill/>
+          <a:ln>
+            <a:noFill/>
+          </a:ln>
+        </p:spPr>
+        <p:txBody>
+          <a:bodyPr spcFirstLastPara="1" wrap="square" lIns="0" tIns="0" rIns="0" bIns="0" anchor="ctr" anchorCtr="0">
+            <a:noAutofit/>
+          </a:bodyPr>
+          <a:lstStyle/>
+          <a:p>
+            <a:pPr marL="0" lvl="0" indent="0" algn="l" rtl="0">
+              <a:lnSpc>
+                <a:spcPct val="104999"/>
+              </a:lnSpc>
+              <a:spcBef>
+                <a:spcPts val="0"/>
+              </a:spcBef>
+              <a:spcAft>
+                <a:spcPts val="0"/>
+              </a:spcAft>
+              <a:buNone/>
+            </a:pPr>
+            <a:r>
+              <a:rPr lang="en-US"/>
+              <a:t>Machine Learning Algorithms Considered</a:t>
+            </a:r>
+            <a:endParaRPr/>
+          </a:p>
+        </p:txBody>
+      </p:sp>
+      <p:sp>
+        <p:nvSpPr>
+          <p:cNvPr id="133" name="Google Shape;133;p13"/>
+          <p:cNvSpPr txBox="1">
+            <a:spLocks noGrp="1"/>
+          </p:cNvSpPr>
+          <p:nvPr>
+            <p:ph type="body" idx="1"/>
+          </p:nvPr>
+        </p:nvSpPr>
+        <p:spPr>
+          <a:xfrm>
+            <a:off x="1837764" y="1947863"/>
+            <a:ext cx="8677836" cy="3776662"/>
+          </a:xfrm>
+          <a:prstGeom prst="rect">
+            <a:avLst/>
+          </a:prstGeom>
+          <a:noFill/>
+          <a:ln>
+            <a:noFill/>
+          </a:ln>
+        </p:spPr>
+        <p:txBody>
+          <a:bodyPr spcFirstLastPara="1" wrap="square" lIns="0" tIns="0" rIns="0" bIns="0" anchor="t" anchorCtr="0">
+            <a:noAutofit/>
+          </a:bodyPr>
+          <a:lstStyle/>
+          <a:p>
+            <a:pPr marL="23495" lvl="1" indent="0">
+              <a:lnSpc>
+                <a:spcPct val="160000"/>
+              </a:lnSpc>
+              <a:spcBef>
+                <a:spcPts val="0"/>
+              </a:spcBef>
+              <a:buSzPts val="2000"/>
+              <a:buNone/>
+            </a:pPr>
+            <a:r>
+              <a:rPr lang="en-US" sz="2400">
+                <a:solidFill>
+                  <a:srgbClr val="002060"/>
+                </a:solidFill>
+              </a:rPr>
+              <a:t>Multinomial Naïve Bayes</a:t>
+            </a:r>
+            <a:endParaRPr lang="en-US" sz="2400"/>
+          </a:p>
+          <a:p>
+            <a:pPr marL="23495" lvl="1" indent="0">
+              <a:lnSpc>
+                <a:spcPct val="160000"/>
+              </a:lnSpc>
+              <a:spcBef>
+                <a:spcPts val="0"/>
+              </a:spcBef>
+              <a:buSzPts val="2000"/>
+              <a:buNone/>
+            </a:pPr>
+            <a:r>
+              <a:rPr lang="en-US" sz="2400">
+                <a:solidFill>
+                  <a:srgbClr val="002060"/>
+                </a:solidFill>
+              </a:rPr>
+              <a:t>Logistic Regression</a:t>
+            </a:r>
+          </a:p>
+          <a:p>
+            <a:pPr marL="23495" lvl="1" indent="0">
+              <a:lnSpc>
+                <a:spcPct val="160000"/>
+              </a:lnSpc>
+              <a:spcBef>
+                <a:spcPts val="0"/>
+              </a:spcBef>
+              <a:buSzPts val="2000"/>
+              <a:buNone/>
+            </a:pPr>
+            <a:r>
+              <a:rPr lang="en-US" sz="2400">
+                <a:solidFill>
+                  <a:srgbClr val="002060"/>
+                </a:solidFill>
+              </a:rPr>
+              <a:t>Linear Support Vector Classifier</a:t>
+            </a:r>
+          </a:p>
+          <a:p>
+            <a:pPr marL="23495" lvl="1" indent="0">
+              <a:lnSpc>
+                <a:spcPct val="160000"/>
+              </a:lnSpc>
+              <a:spcBef>
+                <a:spcPts val="0"/>
+              </a:spcBef>
+              <a:buSzPts val="2000"/>
+              <a:buNone/>
+            </a:pPr>
+            <a:r>
+              <a:rPr lang="en-US" sz="2400">
+                <a:solidFill>
+                  <a:srgbClr val="002060"/>
+                </a:solidFill>
+              </a:rPr>
+              <a:t>Transformers</a:t>
+            </a:r>
+          </a:p>
+        </p:txBody>
+      </p:sp>
+    </p:spTree>
   </p:cSld>
   <p:clrMapOvr>
     <a:masterClrMapping/>
@@ -22803,195 +22581,10 @@
               <a:buNone/>
             </a:pPr>
             <a:r>
-              <a:rPr lang="en-US" dirty="0"/>
-              <a:t>Machine Learning Algorithms Considered</a:t>
-            </a:r>
-            <a:endParaRPr dirty="0"/>
-          </a:p>
-        </p:txBody>
-      </p:sp>
-      <p:sp>
-        <p:nvSpPr>
-          <p:cNvPr id="133" name="Google Shape;133;p13"/>
-          <p:cNvSpPr txBox="1">
-            <a:spLocks noGrp="1"/>
-          </p:cNvSpPr>
-          <p:nvPr>
-            <p:ph type="body" idx="1"/>
-          </p:nvPr>
-        </p:nvSpPr>
-        <p:spPr>
-          <a:xfrm>
-            <a:off x="1837764" y="1947863"/>
-            <a:ext cx="8677836" cy="3776662"/>
-          </a:xfrm>
-          <a:prstGeom prst="rect">
-            <a:avLst/>
-          </a:prstGeom>
-          <a:noFill/>
-          <a:ln>
-            <a:noFill/>
-          </a:ln>
-        </p:spPr>
-        <p:txBody>
-          <a:bodyPr spcFirstLastPara="1" wrap="square" lIns="0" tIns="0" rIns="0" bIns="0" anchor="t" anchorCtr="0">
-            <a:noAutofit/>
-          </a:bodyPr>
-          <a:lstStyle/>
-          <a:p>
-            <a:pPr marL="23495" lvl="1" indent="0">
-              <a:lnSpc>
-                <a:spcPct val="160000"/>
-              </a:lnSpc>
-              <a:spcBef>
-                <a:spcPts val="0"/>
-              </a:spcBef>
-              <a:buSzPts val="2000"/>
-              <a:buNone/>
-            </a:pPr>
-            <a:r>
-              <a:rPr lang="en-US" sz="2400" dirty="0">
-                <a:solidFill>
-                  <a:srgbClr val="002060"/>
-                </a:solidFill>
-              </a:rPr>
-              <a:t>Multinomial Naïve Bayes</a:t>
-            </a:r>
-            <a:endParaRPr lang="en-US" sz="2400" dirty="0"/>
-          </a:p>
-          <a:p>
-            <a:pPr marL="23495" lvl="1" indent="0">
-              <a:lnSpc>
-                <a:spcPct val="160000"/>
-              </a:lnSpc>
-              <a:spcBef>
-                <a:spcPts val="0"/>
-              </a:spcBef>
-              <a:buSzPts val="2000"/>
-              <a:buNone/>
-            </a:pPr>
-            <a:r>
-              <a:rPr lang="en-US" sz="2400" dirty="0">
-                <a:solidFill>
-                  <a:srgbClr val="002060"/>
-                </a:solidFill>
-              </a:rPr>
-              <a:t>Logistic Regression</a:t>
-            </a:r>
-          </a:p>
-          <a:p>
-            <a:pPr marL="23495" lvl="1" indent="0">
-              <a:lnSpc>
-                <a:spcPct val="160000"/>
-              </a:lnSpc>
-              <a:spcBef>
-                <a:spcPts val="0"/>
-              </a:spcBef>
-              <a:buSzPts val="2000"/>
-              <a:buNone/>
-            </a:pPr>
-            <a:r>
-              <a:rPr lang="en-US" sz="2400" dirty="0">
-                <a:solidFill>
-                  <a:srgbClr val="002060"/>
-                </a:solidFill>
-              </a:rPr>
-              <a:t>Linear Support Vector Classifier</a:t>
-            </a:r>
-          </a:p>
-          <a:p>
-            <a:pPr marL="23495" lvl="1" indent="0">
-              <a:lnSpc>
-                <a:spcPct val="160000"/>
-              </a:lnSpc>
-              <a:spcBef>
-                <a:spcPts val="0"/>
-              </a:spcBef>
-              <a:buSzPts val="2000"/>
-              <a:buNone/>
-            </a:pPr>
-            <a:r>
-              <a:rPr lang="en-US" sz="2400" dirty="0">
-                <a:solidFill>
-                  <a:srgbClr val="002060"/>
-                </a:solidFill>
-              </a:rPr>
-              <a:t>Transformers</a:t>
-            </a:r>
-          </a:p>
-        </p:txBody>
-      </p:sp>
-    </p:spTree>
-  </p:cSld>
-  <p:clrMapOvr>
-    <a:masterClrMapping/>
-  </p:clrMapOvr>
-</p:sld>
-</file>
-
-<file path=ppt/slides/slide21.xml><?xml version="1.0" encoding="utf-8"?>
-<p:sld xmlns:a="http://schemas.openxmlformats.org/drawingml/2006/main" xmlns:r="http://schemas.openxmlformats.org/officeDocument/2006/relationships" xmlns:p="http://schemas.openxmlformats.org/presentationml/2006/main">
-  <p:cSld>
-    <p:spTree>
-      <p:nvGrpSpPr>
-        <p:cNvPr id="1" name="Shape 131"/>
-        <p:cNvGrpSpPr/>
-        <p:nvPr/>
-      </p:nvGrpSpPr>
-      <p:grpSpPr>
-        <a:xfrm>
-          <a:off x="0" y="0"/>
-          <a:ext cx="0" cy="0"/>
-          <a:chOff x="0" y="0"/>
-          <a:chExt cx="0" cy="0"/>
-        </a:xfrm>
-      </p:grpSpPr>
-      <p:sp>
-        <p:nvSpPr>
-          <p:cNvPr id="132" name="Google Shape;132;p13"/>
-          <p:cNvSpPr txBox="1">
-            <a:spLocks noGrp="1"/>
-          </p:cNvSpPr>
-          <p:nvPr>
-            <p:ph type="title"/>
-          </p:nvPr>
-        </p:nvSpPr>
-        <p:spPr>
-          <a:xfrm>
-            <a:off x="914400" y="685800"/>
-            <a:ext cx="10363200" cy="1143000"/>
-          </a:xfrm>
-          <a:prstGeom prst="rect">
-            <a:avLst/>
-          </a:prstGeom>
-          <a:noFill/>
-          <a:ln>
-            <a:noFill/>
-          </a:ln>
-        </p:spPr>
-        <p:txBody>
-          <a:bodyPr spcFirstLastPara="1" wrap="square" lIns="0" tIns="0" rIns="0" bIns="0" anchor="ctr" anchorCtr="0">
-            <a:noAutofit/>
-          </a:bodyPr>
-          <a:lstStyle/>
-          <a:p>
-            <a:pPr marL="0" lvl="0" indent="0" algn="l" rtl="0">
-              <a:lnSpc>
-                <a:spcPct val="104999"/>
-              </a:lnSpc>
-              <a:spcBef>
-                <a:spcPts val="0"/>
-              </a:spcBef>
-              <a:spcAft>
-                <a:spcPts val="0"/>
-              </a:spcAft>
-              <a:buNone/>
-            </a:pPr>
-            <a:r>
-              <a:rPr lang="en-US" dirty="0"/>
+              <a:rPr lang="en-US"/>
               <a:t>Vectorization Methods</a:t>
             </a:r>
-            <a:endParaRPr dirty="0"/>
+            <a:endParaRPr/>
           </a:p>
         </p:txBody>
       </p:sp>
@@ -23022,13 +22615,13 @@
           <a:lstStyle/>
           <a:p>
             <a:r>
-              <a:rPr lang="en-US" dirty="0"/>
+              <a:rPr lang="en-US"/>
               <a:t>Count Vectorizer</a:t>
             </a:r>
           </a:p>
           <a:p>
             <a:r>
-              <a:rPr lang="en-US" dirty="0"/>
+              <a:rPr lang="en-US"/>
               <a:t>Term Frequency-Inverse Document Frequency (TF-IDF)</a:t>
             </a:r>
           </a:p>
@@ -23040,13 +22633,13 @@
           </a:p>
           <a:p>
             <a:r>
-              <a:rPr lang="en-US" dirty="0"/>
+              <a:rPr lang="en-US"/>
               <a:t>Doc2Vec</a:t>
             </a:r>
           </a:p>
           <a:p>
             <a:r>
-              <a:rPr lang="en-US" dirty="0"/>
+              <a:rPr lang="en-US"/>
               <a:t>Universal Sentence Encoder (USE)</a:t>
             </a:r>
           </a:p>
@@ -23065,7 +22658,7 @@
 </p:sld>
 </file>
 
-<file path=ppt/slides/slide22.xml><?xml version="1.0" encoding="utf-8"?>
+<file path=ppt/slides/slide21.xml><?xml version="1.0" encoding="utf-8"?>
 <p:sld xmlns:a="http://schemas.openxmlformats.org/drawingml/2006/main" xmlns:r="http://schemas.openxmlformats.org/officeDocument/2006/relationships" xmlns:p="http://schemas.openxmlformats.org/presentationml/2006/main">
   <p:cSld>
     <p:spTree>
@@ -23132,19 +22725,19 @@
           <a:lstStyle/>
           <a:p>
             <a:r>
-              <a:rPr lang="en-US" dirty="0"/>
+              <a:rPr lang="en-US"/>
               <a:t>Multinomial Naïve Bayes using Count Vectorization</a:t>
             </a:r>
           </a:p>
           <a:p>
             <a:r>
-              <a:rPr lang="en-US" dirty="0"/>
+              <a:rPr lang="en-US"/>
               <a:t>Linear SVC using Count Vectorization</a:t>
             </a:r>
           </a:p>
           <a:p>
             <a:r>
-              <a:rPr lang="en-US" dirty="0"/>
+              <a:rPr lang="en-US"/>
               <a:t>Logistic Regression using Word2Vec</a:t>
             </a:r>
           </a:p>
@@ -23163,7 +22756,7 @@
 </p:sld>
 </file>
 
-<file path=ppt/slides/slide23.xml><?xml version="1.0" encoding="utf-8"?>
+<file path=ppt/slides/slide22.xml><?xml version="1.0" encoding="utf-8"?>
 <p:sld xmlns:a="http://schemas.openxmlformats.org/drawingml/2006/main" xmlns:r="http://schemas.openxmlformats.org/officeDocument/2006/relationships" xmlns:p="http://schemas.openxmlformats.org/presentationml/2006/main">
   <p:cSld>
     <p:spTree>
@@ -23273,7 +22866,7 @@
 </p:sld>
 </file>
 
-<file path=ppt/slides/slide24.xml><?xml version="1.0" encoding="utf-8"?>
+<file path=ppt/slides/slide23.xml><?xml version="1.0" encoding="utf-8"?>
 <p:sld xmlns:a="http://schemas.openxmlformats.org/drawingml/2006/main" xmlns:r="http://schemas.openxmlformats.org/officeDocument/2006/relationships" xmlns:p="http://schemas.openxmlformats.org/presentationml/2006/main">
   <p:cSld>
     <p:spTree>
@@ -23359,7 +22952,7 @@
 </p:sld>
 </file>
 
-<file path=ppt/slides/slide25.xml><?xml version="1.0" encoding="utf-8"?>
+<file path=ppt/slides/slide24.xml><?xml version="1.0" encoding="utf-8"?>
 <p:sld xmlns:a="http://schemas.openxmlformats.org/drawingml/2006/main" xmlns:r="http://schemas.openxmlformats.org/officeDocument/2006/relationships" xmlns:p="http://schemas.openxmlformats.org/presentationml/2006/main">
   <p:cSld>
     <p:spTree>
@@ -23417,7 +23010,7 @@
 </p:sld>
 </file>
 
-<file path=ppt/slides/slide26.xml><?xml version="1.0" encoding="utf-8"?>
+<file path=ppt/slides/slide25.xml><?xml version="1.0" encoding="utf-8"?>
 <p:sld xmlns:a="http://schemas.openxmlformats.org/drawingml/2006/main" xmlns:r="http://schemas.openxmlformats.org/officeDocument/2006/relationships" xmlns:p="http://schemas.openxmlformats.org/presentationml/2006/main">
   <p:cSld>
     <p:spTree>
@@ -23585,7 +23178,7 @@
 </p:sld>
 </file>
 
-<file path=ppt/slides/slide27.xml><?xml version="1.0" encoding="utf-8"?>
+<file path=ppt/slides/slide26.xml><?xml version="1.0" encoding="utf-8"?>
 <p:sld xmlns:a="http://schemas.openxmlformats.org/drawingml/2006/main" xmlns:r="http://schemas.openxmlformats.org/officeDocument/2006/relationships" xmlns:p="http://schemas.openxmlformats.org/presentationml/2006/main">
   <p:cSld>
     <p:spTree>
@@ -23748,7 +23341,7 @@
 </p:sld>
 </file>
 
-<file path=ppt/slides/slide28.xml><?xml version="1.0" encoding="utf-8"?>
+<file path=ppt/slides/slide27.xml><?xml version="1.0" encoding="utf-8"?>
 <p:sld xmlns:a="http://schemas.openxmlformats.org/drawingml/2006/main" xmlns:r="http://schemas.openxmlformats.org/officeDocument/2006/relationships" xmlns:p="http://schemas.openxmlformats.org/presentationml/2006/main">
   <p:cSld>
     <p:spTree>
@@ -23966,7 +23559,7 @@
 </p:sld>
 </file>
 
-<file path=ppt/slides/slide29.xml><?xml version="1.0" encoding="utf-8"?>
+<file path=ppt/slides/slide28.xml><?xml version="1.0" encoding="utf-8"?>
 <p:sld xmlns:a="http://schemas.openxmlformats.org/drawingml/2006/main" xmlns:r="http://schemas.openxmlformats.org/officeDocument/2006/relationships" xmlns:p="http://schemas.openxmlformats.org/presentationml/2006/main">
   <p:cSld>
     <p:spTree>
@@ -24122,99 +23715,7 @@
 </p:sld>
 </file>
 
-<file path=ppt/slides/slide3.xml><?xml version="1.0" encoding="utf-8"?>
-<p:sld xmlns:a="http://schemas.openxmlformats.org/drawingml/2006/main" xmlns:r="http://schemas.openxmlformats.org/officeDocument/2006/relationships" xmlns:p="http://schemas.openxmlformats.org/presentationml/2006/main">
-  <p:cSld>
-    <p:spTree>
-      <p:nvGrpSpPr>
-        <p:cNvPr id="1" name=""/>
-        <p:cNvGrpSpPr/>
-        <p:nvPr/>
-      </p:nvGrpSpPr>
-      <p:grpSpPr>
-        <a:xfrm>
-          <a:off x="0" y="0"/>
-          <a:ext cx="0" cy="0"/>
-          <a:chOff x="0" y="0"/>
-          <a:chExt cx="0" cy="0"/>
-        </a:xfrm>
-      </p:grpSpPr>
-      <p:sp>
-        <p:nvSpPr>
-          <p:cNvPr id="2" name="Title 1">
-            <a:extLst>
-              <a:ext uri="{FF2B5EF4-FFF2-40B4-BE49-F238E27FC236}">
-                <a16:creationId xmlns:a16="http://schemas.microsoft.com/office/drawing/2014/main" id="{9A8299AB-00CF-4E50-E1B2-22267B7FC055}"/>
-              </a:ext>
-            </a:extLst>
-          </p:cNvPr>
-          <p:cNvSpPr>
-            <a:spLocks noGrp="1"/>
-          </p:cNvSpPr>
-          <p:nvPr>
-            <p:ph type="title"/>
-          </p:nvPr>
-        </p:nvSpPr>
-        <p:spPr>
-          <a:xfrm>
-            <a:off x="-2059" y="-4119"/>
-            <a:ext cx="12196118" cy="1420091"/>
-          </a:xfrm>
-        </p:spPr>
-        <p:txBody>
-          <a:bodyPr/>
-          <a:lstStyle/>
-          <a:p>
-            <a:pPr algn="ctr"/>
-            <a:r>
-              <a:rPr lang="en-US" dirty="0"/>
-              <a:t>Why Use AI in Business?</a:t>
-            </a:r>
-          </a:p>
-        </p:txBody>
-      </p:sp>
-      <p:graphicFrame>
-        <p:nvGraphicFramePr>
-          <p:cNvPr id="11" name="Diagram 10">
-            <a:extLst>
-              <a:ext uri="{FF2B5EF4-FFF2-40B4-BE49-F238E27FC236}">
-                <a16:creationId xmlns:a16="http://schemas.microsoft.com/office/drawing/2014/main" id="{C8AF79FD-C276-A3F7-0468-A2B6CAAE0CB8}"/>
-              </a:ext>
-            </a:extLst>
-          </p:cNvPr>
-          <p:cNvGraphicFramePr/>
-          <p:nvPr>
-            <p:extLst>
-              <p:ext uri="{D42A27DB-BD31-4B8C-83A1-F6EECF244321}">
-                <p14:modId xmlns:p14="http://schemas.microsoft.com/office/powerpoint/2010/main" val="2840031089"/>
-              </p:ext>
-            </p:extLst>
-          </p:nvPr>
-        </p:nvGraphicFramePr>
-        <p:xfrm>
-          <a:off x="3124169" y="1325746"/>
-          <a:ext cx="5943661" cy="4500603"/>
-        </p:xfrm>
-        <a:graphic>
-          <a:graphicData uri="http://schemas.openxmlformats.org/drawingml/2006/diagram">
-            <dgm:relIds xmlns:dgm="http://schemas.openxmlformats.org/drawingml/2006/diagram" xmlns:r="http://schemas.openxmlformats.org/officeDocument/2006/relationships" r:dm="rId3" r:lo="rId4" r:qs="rId5" r:cs="rId6"/>
-          </a:graphicData>
-        </a:graphic>
-      </p:graphicFrame>
-    </p:spTree>
-    <p:extLst>
-      <p:ext uri="{BB962C8B-B14F-4D97-AF65-F5344CB8AC3E}">
-        <p14:creationId xmlns:p14="http://schemas.microsoft.com/office/powerpoint/2010/main" val="1750055731"/>
-      </p:ext>
-    </p:extLst>
-  </p:cSld>
-  <p:clrMapOvr>
-    <a:masterClrMapping/>
-  </p:clrMapOvr>
-</p:sld>
-</file>
-
-<file path=ppt/slides/slide30.xml><?xml version="1.0" encoding="utf-8"?>
+<file path=ppt/slides/slide29.xml><?xml version="1.0" encoding="utf-8"?>
 <p:sld xmlns:a="http://schemas.openxmlformats.org/drawingml/2006/main" xmlns:r="http://schemas.openxmlformats.org/officeDocument/2006/relationships" xmlns:p="http://schemas.openxmlformats.org/presentationml/2006/main">
   <p:cSld>
     <p:spTree>
@@ -24417,7 +23918,99 @@
 </p:sld>
 </file>
 
-<file path=ppt/slides/slide31.xml><?xml version="1.0" encoding="utf-8"?>
+<file path=ppt/slides/slide3.xml><?xml version="1.0" encoding="utf-8"?>
+<p:sld xmlns:a="http://schemas.openxmlformats.org/drawingml/2006/main" xmlns:r="http://schemas.openxmlformats.org/officeDocument/2006/relationships" xmlns:p="http://schemas.openxmlformats.org/presentationml/2006/main">
+  <p:cSld>
+    <p:spTree>
+      <p:nvGrpSpPr>
+        <p:cNvPr id="1" name=""/>
+        <p:cNvGrpSpPr/>
+        <p:nvPr/>
+      </p:nvGrpSpPr>
+      <p:grpSpPr>
+        <a:xfrm>
+          <a:off x="0" y="0"/>
+          <a:ext cx="0" cy="0"/>
+          <a:chOff x="0" y="0"/>
+          <a:chExt cx="0" cy="0"/>
+        </a:xfrm>
+      </p:grpSpPr>
+      <p:sp>
+        <p:nvSpPr>
+          <p:cNvPr id="2" name="Title 1">
+            <a:extLst>
+              <a:ext uri="{FF2B5EF4-FFF2-40B4-BE49-F238E27FC236}">
+                <a16:creationId xmlns:a16="http://schemas.microsoft.com/office/drawing/2014/main" id="{9A8299AB-00CF-4E50-E1B2-22267B7FC055}"/>
+              </a:ext>
+            </a:extLst>
+          </p:cNvPr>
+          <p:cNvSpPr>
+            <a:spLocks noGrp="1"/>
+          </p:cNvSpPr>
+          <p:nvPr>
+            <p:ph type="title"/>
+          </p:nvPr>
+        </p:nvSpPr>
+        <p:spPr>
+          <a:xfrm>
+            <a:off x="-2059" y="-4119"/>
+            <a:ext cx="12196118" cy="1420091"/>
+          </a:xfrm>
+        </p:spPr>
+        <p:txBody>
+          <a:bodyPr/>
+          <a:lstStyle/>
+          <a:p>
+            <a:pPr algn="ctr"/>
+            <a:r>
+              <a:rPr lang="en-US"/>
+              <a:t>Why Use AI in Business?</a:t>
+            </a:r>
+          </a:p>
+        </p:txBody>
+      </p:sp>
+      <p:graphicFrame>
+        <p:nvGraphicFramePr>
+          <p:cNvPr id="11" name="Diagram 10">
+            <a:extLst>
+              <a:ext uri="{FF2B5EF4-FFF2-40B4-BE49-F238E27FC236}">
+                <a16:creationId xmlns:a16="http://schemas.microsoft.com/office/drawing/2014/main" id="{C8AF79FD-C276-A3F7-0468-A2B6CAAE0CB8}"/>
+              </a:ext>
+            </a:extLst>
+          </p:cNvPr>
+          <p:cNvGraphicFramePr/>
+          <p:nvPr>
+            <p:extLst>
+              <p:ext uri="{D42A27DB-BD31-4B8C-83A1-F6EECF244321}">
+                <p14:modId xmlns:p14="http://schemas.microsoft.com/office/powerpoint/2010/main" val="2840031089"/>
+              </p:ext>
+            </p:extLst>
+          </p:nvPr>
+        </p:nvGraphicFramePr>
+        <p:xfrm>
+          <a:off x="3124169" y="1325746"/>
+          <a:ext cx="5943661" cy="4500603"/>
+        </p:xfrm>
+        <a:graphic>
+          <a:graphicData uri="http://schemas.openxmlformats.org/drawingml/2006/diagram">
+            <dgm:relIds xmlns:dgm="http://schemas.openxmlformats.org/drawingml/2006/diagram" xmlns:r="http://schemas.openxmlformats.org/officeDocument/2006/relationships" r:dm="rId3" r:lo="rId4" r:qs="rId5" r:cs="rId6"/>
+          </a:graphicData>
+        </a:graphic>
+      </p:graphicFrame>
+    </p:spTree>
+    <p:extLst>
+      <p:ext uri="{BB962C8B-B14F-4D97-AF65-F5344CB8AC3E}">
+        <p14:creationId xmlns:p14="http://schemas.microsoft.com/office/powerpoint/2010/main" val="1750055731"/>
+      </p:ext>
+    </p:extLst>
+  </p:cSld>
+  <p:clrMapOvr>
+    <a:masterClrMapping/>
+  </p:clrMapOvr>
+</p:sld>
+</file>
+
+<file path=ppt/slides/slide30.xml><?xml version="1.0" encoding="utf-8"?>
 <p:sld xmlns:a="http://schemas.openxmlformats.org/drawingml/2006/main" xmlns:r="http://schemas.openxmlformats.org/officeDocument/2006/relationships" xmlns:p="http://schemas.openxmlformats.org/presentationml/2006/main">
   <p:cSld>
     <p:spTree>
@@ -24570,7 +24163,7 @@
 </p:sld>
 </file>
 
-<file path=ppt/slides/slide32.xml><?xml version="1.0" encoding="utf-8"?>
+<file path=ppt/slides/slide31.xml><?xml version="1.0" encoding="utf-8"?>
 <p:sld xmlns:a="http://schemas.openxmlformats.org/drawingml/2006/main" xmlns:r="http://schemas.openxmlformats.org/officeDocument/2006/relationships" xmlns:p="http://schemas.openxmlformats.org/presentationml/2006/main">
   <p:cSld>
     <p:spTree>
@@ -25343,137 +24936,6 @@
 </file>
 
 <file path=ppt/slides/slide8.xml><?xml version="1.0" encoding="utf-8"?>
-<p:sld xmlns:a="http://schemas.openxmlformats.org/drawingml/2006/main" xmlns:r="http://schemas.openxmlformats.org/officeDocument/2006/relationships" xmlns:p="http://schemas.openxmlformats.org/presentationml/2006/main" show="0">
-  <p:cSld>
-    <p:spTree>
-      <p:nvGrpSpPr>
-        <p:cNvPr id="1" name=""/>
-        <p:cNvGrpSpPr/>
-        <p:nvPr/>
-      </p:nvGrpSpPr>
-      <p:grpSpPr>
-        <a:xfrm>
-          <a:off x="0" y="0"/>
-          <a:ext cx="0" cy="0"/>
-          <a:chOff x="0" y="0"/>
-          <a:chExt cx="0" cy="0"/>
-        </a:xfrm>
-      </p:grpSpPr>
-      <p:sp>
-        <p:nvSpPr>
-          <p:cNvPr id="2" name="Title 1">
-            <a:extLst>
-              <a:ext uri="{FF2B5EF4-FFF2-40B4-BE49-F238E27FC236}">
-                <a16:creationId xmlns:a16="http://schemas.microsoft.com/office/drawing/2014/main" id="{9A8299AB-00CF-4E50-E1B2-22267B7FC055}"/>
-              </a:ext>
-            </a:extLst>
-          </p:cNvPr>
-          <p:cNvSpPr>
-            <a:spLocks noGrp="1"/>
-          </p:cNvSpPr>
-          <p:nvPr>
-            <p:ph type="title"/>
-          </p:nvPr>
-        </p:nvSpPr>
-        <p:spPr/>
-        <p:txBody>
-          <a:bodyPr/>
-          <a:lstStyle/>
-          <a:p>
-            <a:r>
-              <a:rPr lang="en-US"/>
-              <a:t>Machine Learning Algorithms Considered</a:t>
-            </a:r>
-          </a:p>
-        </p:txBody>
-      </p:sp>
-      <p:sp>
-        <p:nvSpPr>
-          <p:cNvPr id="3" name="Text Placeholder 2">
-            <a:extLst>
-              <a:ext uri="{FF2B5EF4-FFF2-40B4-BE49-F238E27FC236}">
-                <a16:creationId xmlns:a16="http://schemas.microsoft.com/office/drawing/2014/main" id="{5A541EC2-4F39-92E6-17F1-D59164595624}"/>
-              </a:ext>
-            </a:extLst>
-          </p:cNvPr>
-          <p:cNvSpPr>
-            <a:spLocks noGrp="1"/>
-          </p:cNvSpPr>
-          <p:nvPr>
-            <p:ph type="body" idx="1"/>
-          </p:nvPr>
-        </p:nvSpPr>
-        <p:spPr>
-          <a:xfrm>
-            <a:off x="920496" y="1975381"/>
-            <a:ext cx="10357104" cy="3776472"/>
-          </a:xfrm>
-        </p:spPr>
-        <p:txBody>
-          <a:bodyPr/>
-          <a:lstStyle/>
-          <a:p>
-            <a:pPr marL="200025" indent="0">
-              <a:buNone/>
-            </a:pPr>
-            <a:r>
-              <a:rPr lang="en-US" sz="2400"/>
-              <a:t>Naïve Bayes</a:t>
-            </a:r>
-          </a:p>
-          <a:p>
-            <a:pPr marL="200025" indent="0">
-              <a:buNone/>
-            </a:pPr>
-            <a:r>
-              <a:rPr lang="en-US" sz="2400"/>
-              <a:t>Logistic Regression</a:t>
-            </a:r>
-          </a:p>
-          <a:p>
-            <a:pPr marL="200025" indent="0">
-              <a:buNone/>
-            </a:pPr>
-            <a:r>
-              <a:rPr lang="en-US" sz="2400"/>
-              <a:t>Support Vector Machines</a:t>
-            </a:r>
-          </a:p>
-          <a:p>
-            <a:pPr marL="200025" indent="0">
-              <a:buNone/>
-            </a:pPr>
-            <a:r>
-              <a:rPr lang="en-US" sz="2400"/>
-              <a:t>Recurrent Neural Networks</a:t>
-            </a:r>
-          </a:p>
-          <a:p>
-            <a:pPr marL="200025" indent="0">
-              <a:buNone/>
-            </a:pPr>
-            <a:r>
-              <a:rPr lang="en-US" sz="2400"/>
-              <a:t>Transformers (e.g., BERT)</a:t>
-            </a:r>
-            <a:endParaRPr lang="en-US"/>
-          </a:p>
-        </p:txBody>
-      </p:sp>
-    </p:spTree>
-    <p:extLst>
-      <p:ext uri="{BB962C8B-B14F-4D97-AF65-F5344CB8AC3E}">
-        <p14:creationId xmlns:p14="http://schemas.microsoft.com/office/powerpoint/2010/main" val="4034068343"/>
-      </p:ext>
-    </p:extLst>
-  </p:cSld>
-  <p:clrMapOvr>
-    <a:masterClrMapping/>
-  </p:clrMapOvr>
-</p:sld>
-</file>
-
-<file path=ppt/slides/slide9.xml><?xml version="1.0" encoding="utf-8"?>
 <p:sld xmlns:a="http://schemas.openxmlformats.org/drawingml/2006/main" xmlns:r="http://schemas.openxmlformats.org/officeDocument/2006/relationships" xmlns:p="http://schemas.openxmlformats.org/presentationml/2006/main">
   <p:cSld>
     <p:spTree>
@@ -25840,6 +25302,189 @@
   <p:clrMapOvr>
     <a:masterClrMapping/>
   </p:clrMapOvr>
+</p:sld>
+</file>
+
+<file path=ppt/slides/slide9.xml><?xml version="1.0" encoding="utf-8"?>
+<p:sld xmlns:a="http://schemas.openxmlformats.org/drawingml/2006/main" xmlns:r="http://schemas.openxmlformats.org/officeDocument/2006/relationships" xmlns:p="http://schemas.openxmlformats.org/presentationml/2006/main">
+  <p:cSld>
+    <p:spTree>
+      <p:nvGrpSpPr>
+        <p:cNvPr id="1" name=""/>
+        <p:cNvGrpSpPr/>
+        <p:nvPr/>
+      </p:nvGrpSpPr>
+      <p:grpSpPr>
+        <a:xfrm>
+          <a:off x="0" y="0"/>
+          <a:ext cx="0" cy="0"/>
+          <a:chOff x="0" y="0"/>
+          <a:chExt cx="0" cy="0"/>
+        </a:xfrm>
+      </p:grpSpPr>
+      <p:sp>
+        <p:nvSpPr>
+          <p:cNvPr id="2" name="Title 1">
+            <a:extLst>
+              <a:ext uri="{FF2B5EF4-FFF2-40B4-BE49-F238E27FC236}">
+                <a16:creationId xmlns:a16="http://schemas.microsoft.com/office/drawing/2014/main" id="{056650D3-200C-8C1F-2821-004C03FEE262}"/>
+              </a:ext>
+            </a:extLst>
+          </p:cNvPr>
+          <p:cNvSpPr>
+            <a:spLocks noGrp="1"/>
+          </p:cNvSpPr>
+          <p:nvPr>
+            <p:ph type="title"/>
+          </p:nvPr>
+        </p:nvSpPr>
+        <p:spPr>
+          <a:xfrm>
+            <a:off x="384048" y="0"/>
+            <a:ext cx="11423904" cy="1259989"/>
+          </a:xfrm>
+        </p:spPr>
+        <p:txBody>
+          <a:bodyPr/>
+          <a:lstStyle/>
+          <a:p>
+            <a:pPr algn="ctr"/>
+            <a:r>
+              <a:rPr lang="en-US" dirty="0"/>
+              <a:t>Brands Chosen</a:t>
+            </a:r>
+          </a:p>
+        </p:txBody>
+      </p:sp>
+      <p:sp>
+        <p:nvSpPr>
+          <p:cNvPr id="3" name="Text Placeholder 2">
+            <a:extLst>
+              <a:ext uri="{FF2B5EF4-FFF2-40B4-BE49-F238E27FC236}">
+                <a16:creationId xmlns:a16="http://schemas.microsoft.com/office/drawing/2014/main" id="{E93C2D02-598A-5773-75F3-438C24B033D3}"/>
+              </a:ext>
+            </a:extLst>
+          </p:cNvPr>
+          <p:cNvSpPr>
+            <a:spLocks noGrp="1"/>
+          </p:cNvSpPr>
+          <p:nvPr>
+            <p:ph type="body" idx="1"/>
+          </p:nvPr>
+        </p:nvSpPr>
+        <p:spPr>
+          <a:xfrm>
+            <a:off x="2878666" y="1626347"/>
+            <a:ext cx="3217334" cy="3776472"/>
+          </a:xfrm>
+        </p:spPr>
+        <p:txBody>
+          <a:bodyPr/>
+          <a:lstStyle/>
+          <a:p>
+            <a:r>
+              <a:rPr lang="en-US" dirty="0"/>
+              <a:t>1. Facebook</a:t>
+            </a:r>
+          </a:p>
+          <a:p>
+            <a:r>
+              <a:rPr lang="en-US" dirty="0"/>
+              <a:t>2. Google</a:t>
+            </a:r>
+          </a:p>
+          <a:p>
+            <a:r>
+              <a:rPr lang="en-US" dirty="0"/>
+              <a:t>3. Apple</a:t>
+            </a:r>
+          </a:p>
+          <a:p>
+            <a:r>
+              <a:rPr lang="en-US" dirty="0"/>
+              <a:t>4. Starbucks</a:t>
+            </a:r>
+          </a:p>
+          <a:p>
+            <a:r>
+              <a:rPr lang="en-US" dirty="0"/>
+              <a:t>5. Disney</a:t>
+            </a:r>
+          </a:p>
+        </p:txBody>
+      </p:sp>
+      <p:sp>
+        <p:nvSpPr>
+          <p:cNvPr id="5" name="Text Placeholder 2">
+            <a:extLst>
+              <a:ext uri="{FF2B5EF4-FFF2-40B4-BE49-F238E27FC236}">
+                <a16:creationId xmlns:a16="http://schemas.microsoft.com/office/drawing/2014/main" id="{FAD859FA-E2A2-7B54-E2CE-FFC57CA47F95}"/>
+              </a:ext>
+            </a:extLst>
+          </p:cNvPr>
+          <p:cNvSpPr>
+            <a:spLocks noGrp="1"/>
+          </p:cNvSpPr>
+          <p:nvPr>
+            <p:ph type="body" idx="1"/>
+          </p:nvPr>
+        </p:nvSpPr>
+        <p:spPr>
+          <a:xfrm>
+            <a:off x="6096000" y="1626347"/>
+            <a:ext cx="3217334" cy="3776472"/>
+          </a:xfrm>
+        </p:spPr>
+        <p:txBody>
+          <a:bodyPr/>
+          <a:lstStyle/>
+          <a:p>
+            <a:r>
+              <a:rPr lang="en-US" dirty="0"/>
+              <a:t>6. Walmart</a:t>
+            </a:r>
+          </a:p>
+          <a:p>
+            <a:r>
+              <a:rPr lang="en-US" dirty="0"/>
+              <a:t>7. Target</a:t>
+            </a:r>
+          </a:p>
+          <a:p>
+            <a:r>
+              <a:rPr lang="en-US" dirty="0"/>
+              <a:t>8. Microsoft</a:t>
+            </a:r>
+          </a:p>
+          <a:p>
+            <a:r>
+              <a:rPr lang="en-US" dirty="0"/>
+              <a:t>9. Amazon</a:t>
+            </a:r>
+          </a:p>
+          <a:p>
+            <a:r>
+              <a:rPr lang="en-US" dirty="0"/>
+              <a:t>10. Sony</a:t>
+            </a:r>
+          </a:p>
+        </p:txBody>
+      </p:sp>
+    </p:spTree>
+    <p:extLst>
+      <p:ext uri="{BB962C8B-B14F-4D97-AF65-F5344CB8AC3E}">
+        <p14:creationId xmlns:p14="http://schemas.microsoft.com/office/powerpoint/2010/main" val="2619097653"/>
+      </p:ext>
+    </p:extLst>
+  </p:cSld>
+  <p:clrMapOvr>
+    <a:masterClrMapping/>
+  </p:clrMapOvr>
+  <p:extLst>
+    <p:ext uri="{6950BFC3-D8DA-4A85-94F7-54DA5524770B}">
+      <p188:commentRel xmlns:p188="http://schemas.microsoft.com/office/powerpoint/2018/8/main" r:id="rId3"/>
+    </p:ext>
+  </p:extLst>
 </p:sld>
 </file>
 

--- a/Final-Project-Team-2.pptx
+++ b/Final-Project-Team-2.pptx
@@ -5,40 +5,39 @@
     <p:sldMasterId id="2147483648" r:id="rId1"/>
   </p:sldMasterIdLst>
   <p:notesMasterIdLst>
-    <p:notesMasterId r:id="rId33"/>
+    <p:notesMasterId r:id="rId32"/>
   </p:notesMasterIdLst>
   <p:sldIdLst>
     <p:sldId id="256" r:id="rId2"/>
     <p:sldId id="257" r:id="rId3"/>
     <p:sldId id="283" r:id="rId4"/>
-    <p:sldId id="259" r:id="rId5"/>
+    <p:sldId id="258" r:id="rId5"/>
     <p:sldId id="284" r:id="rId6"/>
-    <p:sldId id="258" r:id="rId7"/>
-    <p:sldId id="285" r:id="rId8"/>
-    <p:sldId id="260" r:id="rId9"/>
-    <p:sldId id="292" r:id="rId10"/>
-    <p:sldId id="291" r:id="rId11"/>
-    <p:sldId id="287" r:id="rId12"/>
-    <p:sldId id="278" r:id="rId13"/>
-    <p:sldId id="263" r:id="rId14"/>
-    <p:sldId id="264" r:id="rId15"/>
-    <p:sldId id="267" r:id="rId16"/>
-    <p:sldId id="290" r:id="rId17"/>
-    <p:sldId id="288" r:id="rId18"/>
-    <p:sldId id="280" r:id="rId19"/>
-    <p:sldId id="268" r:id="rId20"/>
-    <p:sldId id="297" r:id="rId21"/>
-    <p:sldId id="294" r:id="rId22"/>
-    <p:sldId id="295" r:id="rId23"/>
-    <p:sldId id="296" r:id="rId24"/>
-    <p:sldId id="277" r:id="rId25"/>
-    <p:sldId id="293" r:id="rId26"/>
-    <p:sldId id="271" r:id="rId27"/>
-    <p:sldId id="272" r:id="rId28"/>
-    <p:sldId id="273" r:id="rId29"/>
-    <p:sldId id="275" r:id="rId30"/>
-    <p:sldId id="274" r:id="rId31"/>
-    <p:sldId id="276" r:id="rId32"/>
+    <p:sldId id="285" r:id="rId7"/>
+    <p:sldId id="260" r:id="rId8"/>
+    <p:sldId id="292" r:id="rId9"/>
+    <p:sldId id="291" r:id="rId10"/>
+    <p:sldId id="287" r:id="rId11"/>
+    <p:sldId id="278" r:id="rId12"/>
+    <p:sldId id="263" r:id="rId13"/>
+    <p:sldId id="264" r:id="rId14"/>
+    <p:sldId id="267" r:id="rId15"/>
+    <p:sldId id="290" r:id="rId16"/>
+    <p:sldId id="288" r:id="rId17"/>
+    <p:sldId id="280" r:id="rId18"/>
+    <p:sldId id="268" r:id="rId19"/>
+    <p:sldId id="297" r:id="rId20"/>
+    <p:sldId id="294" r:id="rId21"/>
+    <p:sldId id="295" r:id="rId22"/>
+    <p:sldId id="296" r:id="rId23"/>
+    <p:sldId id="277" r:id="rId24"/>
+    <p:sldId id="293" r:id="rId25"/>
+    <p:sldId id="271" r:id="rId26"/>
+    <p:sldId id="272" r:id="rId27"/>
+    <p:sldId id="273" r:id="rId28"/>
+    <p:sldId id="275" r:id="rId29"/>
+    <p:sldId id="274" r:id="rId30"/>
+    <p:sldId id="276" r:id="rId31"/>
   </p:sldIdLst>
   <p:sldSz cx="12192000" cy="6858000"/>
   <p:notesSz cx="6858000" cy="9144000"/>
@@ -287,7 +286,7 @@
       </p15:sldGuideLst>
     </p:ext>
     <p:ext uri="GoogleSlidesCustomDataVersion2">
-      <go:slidesCustomData xmlns:go="http://customooxmlschemas.google.com/" xmlns:ahyp="http://schemas.microsoft.com/office/drawing/2018/hyperlinkcolor" xmlns:p15="http://schemas.microsoft.com/office/powerpoint/2012/main" xmlns:p14="http://schemas.microsoft.com/office/powerpoint/2010/main" xmlns:com="http://schemas.openxmlformats.org/drawingml/2006/compatibility" xmlns:pvml="urn:schemas-microsoft-com:office:powerpoint" xmlns:v="urn:schemas-microsoft-com:vml" xmlns:o="urn:schemas-microsoft-com:office:office" xmlns:dgm="http://schemas.openxmlformats.org/drawingml/2006/diagram" xmlns:c="http://schemas.openxmlformats.org/drawingml/2006/chart" xmlns:mv="urn:schemas-microsoft-com:mac:vml" xmlns:mc="http://schemas.openxmlformats.org/markup-compatibility/2006" xmlns="" r:id="rId35" roundtripDataSignature="AMtx7mg21pheX7b66ozkCnuoWWKRsIE9AA=="/>
+      <go:slidesCustomData xmlns:mc="http://schemas.openxmlformats.org/markup-compatibility/2006" xmlns:mv="urn:schemas-microsoft-com:mac:vml" xmlns:c="http://schemas.openxmlformats.org/drawingml/2006/chart" xmlns:dgm="http://schemas.openxmlformats.org/drawingml/2006/diagram" xmlns:o="urn:schemas-microsoft-com:office:office" xmlns:v="urn:schemas-microsoft-com:vml" xmlns:pvml="urn:schemas-microsoft-com:office:powerpoint" xmlns:com="http://schemas.openxmlformats.org/drawingml/2006/compatibility" xmlns:p14="http://schemas.microsoft.com/office/powerpoint/2010/main" xmlns:p15="http://schemas.microsoft.com/office/powerpoint/2012/main" xmlns:ahyp="http://schemas.microsoft.com/office/drawing/2018/hyperlinkcolor" xmlns:go="http://customooxmlschemas.google.com/" xmlns="" r:id="rId35" roundtripDataSignature="AMtx7mg21pheX7b66ozkCnuoWWKRsIE9AA=="/>
     </p:ext>
   </p:extLst>
 </p:presentation>
@@ -302,6 +301,7 @@
 <file path=ppt/revisionInfo.xml><?xml version="1.0" encoding="utf-8"?>
 <p1510:revInfo xmlns:a="http://schemas.openxmlformats.org/drawingml/2006/main" xmlns:r="http://schemas.openxmlformats.org/officeDocument/2006/relationships" xmlns:p1510="http://schemas.microsoft.com/office/powerpoint/2015/10/main">
   <p1510:revLst>
+    <p1510:client id="{91D2F1E2-D909-4C41-A887-DDDA80182FAD}" v="121" dt="2023-08-15T04:04:45.197"/>
     <p1510:client id="{95307690-8885-49AB-B038-3BD8E342FB63}" v="22" dt="2023-08-15T00:38:10.364"/>
     <p1510:client id="{9ABC9412-41B7-41D0-80C1-E6BFBDDFF9D2}" v="1053" dt="2023-08-14T22:48:04.089"/>
     <p1510:client id="{A07445A3-6B9B-AE45-8BA8-D7431872BBD4}" v="2796" dt="2023-08-15T00:55:56.084"/>
@@ -309,84 +309,10 @@
     <p1510:client id="{D519D8B8-7B48-4FE9-97DE-45552BC8487C}" v="1" dt="2023-08-15T01:44:12.770"/>
     <p1510:client id="{F0FA673B-D489-479B-B0B6-B78F300AA597}" v="5" dt="2023-08-14T16:54:42.387"/>
     <p1510:client id="{F84124A8-7007-4E7E-9A2C-D1EF479C58D9}" v="136" dt="2023-08-14T15:59:41.057"/>
-    <p1510:client id="{FCEF296D-BCB1-594A-BCC4-462A7B4F5468}" v="3471" dt="2023-08-15T01:45:47.226"/>
+    <p1510:client id="{FB1AED13-14F8-4029-ACB3-4B4402C136F4}" v="57" dt="2023-08-15T01:52:51.360"/>
+    <p1510:client id="{FCEF296D-BCB1-594A-BCC4-462A7B4F5468}" v="3479" dt="2023-08-15T04:12:13.235"/>
   </p1510:revLst>
 </p1510:revInfo>
-</file>
-
-<file path=ppt/comments/modernComment_124_9C1C4235.xml><?xml version="1.0" encoding="utf-8"?>
-<p188:cmLst xmlns:a="http://schemas.openxmlformats.org/drawingml/2006/main" xmlns:r="http://schemas.openxmlformats.org/officeDocument/2006/relationships" xmlns:p188="http://schemas.microsoft.com/office/powerpoint/2018/8/main">
-  <p188:cm id="{225958FC-D940-9949-9968-3A5D9E401620}" authorId="{EC348E58-5387-2888-E351-F65D4B26D7D0}" created="2023-08-14T23:16:19.342">
-    <pc:sldMkLst xmlns:pc="http://schemas.microsoft.com/office/powerpoint/2013/main/command">
-      <pc:docMk/>
-      <pc:sldMk cId="2619097653" sldId="292"/>
-    </pc:sldMkLst>
-    <p188:replyLst>
-      <p188:reply id="{B9B1DC83-FEEC-F442-8169-C81046C41997}" authorId="{EC348E58-5387-2888-E351-F65D4B26D7D0}" created="2023-08-14T23:17:38.848">
-        <p188:txBody>
-          <a:bodyPr/>
-          <a:lstStyle/>
-          <a:p>
-            <a:r>
-              <a:rPr lang="en-US"/>
-              <a:t>Or if you want to keep it, I think it should come after the EDA section</a:t>
-            </a:r>
-          </a:p>
-        </p188:txBody>
-      </p188:reply>
-    </p188:replyLst>
-    <p188:txBody>
-      <a:bodyPr/>
-      <a:lstStyle/>
-      <a:p>
-        <a:r>
-          <a:rPr lang="en-US"/>
-          <a:t>Do we need this? There is another slide that also has this info
-</a:t>
-        </a:r>
-      </a:p>
-    </p188:txBody>
-  </p188:cm>
-</p188:cmLst>
-</file>
-
-<file path=ppt/comments/modernComment_127_FEA06DDB.xml><?xml version="1.0" encoding="utf-8"?>
-<p188:cmLst xmlns:a="http://schemas.openxmlformats.org/drawingml/2006/main" xmlns:r="http://schemas.openxmlformats.org/officeDocument/2006/relationships" xmlns:p188="http://schemas.microsoft.com/office/powerpoint/2018/8/main">
-  <p188:cm id="{AE4C3863-0107-AA45-969C-59FCB2B8602E}" authorId="{EC348E58-5387-2888-E351-F65D4B26D7D0}" status="resolved" created="2023-08-15T00:37:30.421" complete="100000">
-    <ac:deMkLst xmlns:ac="http://schemas.microsoft.com/office/drawing/2013/main/command">
-      <pc:docMk xmlns:pc="http://schemas.microsoft.com/office/powerpoint/2013/main/command"/>
-      <pc:sldMk xmlns:pc="http://schemas.microsoft.com/office/powerpoint/2013/main/command" cId="4271926747" sldId="295"/>
-      <ac:picMk id="4" creationId="{0F6EBEFD-85F2-2CB2-68EF-DEDC7A64F9B5}"/>
-    </ac:deMkLst>
-    <p188:txBody>
-      <a:bodyPr/>
-      <a:lstStyle/>
-      <a:p>
-        <a:r>
-          <a:rPr lang="en-US"/>
-          <a:t>@nando we should not include this here, performance is discussed in a different section</a:t>
-        </a:r>
-      </a:p>
-    </p188:txBody>
-  </p188:cm>
-  <p188:cm id="{FE48FBC1-DB6F-1749-AECC-712346CB39A8}" authorId="{EC348E58-5387-2888-E351-F65D4B26D7D0}" created="2023-08-15T00:51:28.742">
-    <pc:sldMkLst xmlns:pc="http://schemas.microsoft.com/office/powerpoint/2013/main/command">
-      <pc:docMk/>
-      <pc:sldMk cId="4271926747" sldId="295"/>
-    </pc:sldMkLst>
-    <p188:txBody>
-      <a:bodyPr/>
-      <a:lstStyle/>
-      <a:p>
-        <a:r>
-          <a:rPr lang="en-US"/>
-          <a:t>Can we make sure this slide has the same format as the brand classifier slide
-</a:t>
-        </a:r>
-      </a:p>
-    </p188:txBody>
-  </p188:cm>
-</p188:cmLst>
 </file>
 
 <file path=ppt/diagrams/colors1.xml><?xml version="1.0" encoding="utf-8"?>
@@ -9789,24 +9715,23 @@
           </a:bodyPr>
           <a:lstStyle/>
           <a:p>
-            <a:pPr marL="0" lvl="0" indent="0" algn="l" rtl="0">
-              <a:spcBef>
-                <a:spcPts val="0"/>
-              </a:spcBef>
-              <a:spcAft>
-                <a:spcPts val="0"/>
-              </a:spcAft>
-              <a:buNone/>
+            <a:pPr marL="0" indent="0">
+              <a:spcBef>
+                <a:spcPts val="0"/>
+              </a:spcBef>
             </a:pPr>
             <a:r>
               <a:rPr lang="en-US"/>
-              <a:t>Let’s get started. Welcome to our project titled, </a:t>
+              <a:t>Hello, and welcome to our AAI 501 final project presentation, </a:t>
             </a:r>
             <a:r>
               <a:rPr lang="en-US" sz="1200"/>
               <a:t>Brand Sentiment Analysis of Twitter Posts.</a:t>
             </a:r>
-            <a:endParaRPr/>
+            <a:r>
+              <a:rPr lang="en-US"/>
+              <a:t> Let’s get started.</a:t>
+            </a:r>
           </a:p>
         </p:txBody>
       </p:sp>
@@ -9865,177 +9790,6 @@
 </file>
 
 <file path=ppt/notesSlides/notesSlide10.xml><?xml version="1.0" encoding="utf-8"?>
-<p:notes xmlns:a="http://schemas.openxmlformats.org/drawingml/2006/main" xmlns:r="http://schemas.openxmlformats.org/officeDocument/2006/relationships" xmlns:p="http://schemas.openxmlformats.org/presentationml/2006/main" showMasterSp="0" showMasterPhAnim="0">
-  <p:cSld>
-    <p:spTree>
-      <p:nvGrpSpPr>
-        <p:cNvPr id="1" name="Shape 71"/>
-        <p:cNvGrpSpPr/>
-        <p:nvPr/>
-      </p:nvGrpSpPr>
-      <p:grpSpPr>
-        <a:xfrm>
-          <a:off x="0" y="0"/>
-          <a:ext cx="0" cy="0"/>
-          <a:chOff x="0" y="0"/>
-          <a:chExt cx="0" cy="0"/>
-        </a:xfrm>
-      </p:grpSpPr>
-      <p:sp>
-        <p:nvSpPr>
-          <p:cNvPr id="72" name="Google Shape;72;p5:notes"/>
-          <p:cNvSpPr>
-            <a:spLocks noGrp="1" noRot="1" noChangeAspect="1"/>
-          </p:cNvSpPr>
-          <p:nvPr>
-            <p:ph type="sldImg" idx="2"/>
-          </p:nvPr>
-        </p:nvSpPr>
-        <p:spPr>
-          <a:xfrm>
-            <a:off x="381000" y="685800"/>
-            <a:ext cx="6096000" cy="3429000"/>
-          </a:xfrm>
-          <a:custGeom>
-            <a:avLst/>
-            <a:gdLst/>
-            <a:ahLst/>
-            <a:cxnLst/>
-            <a:rect l="l" t="t" r="r" b="b"/>
-            <a:pathLst>
-              <a:path w="120000" h="120000" extrusionOk="0">
-                <a:moveTo>
-                  <a:pt x="0" y="0"/>
-                </a:moveTo>
-                <a:lnTo>
-                  <a:pt x="120000" y="0"/>
-                </a:lnTo>
-                <a:lnTo>
-                  <a:pt x="120000" y="120000"/>
-                </a:lnTo>
-                <a:lnTo>
-                  <a:pt x="0" y="120000"/>
-                </a:lnTo>
-                <a:close/>
-              </a:path>
-            </a:pathLst>
-          </a:custGeom>
-          <a:noFill/>
-          <a:ln w="9525" cap="flat" cmpd="sng">
-            <a:solidFill>
-              <a:srgbClr val="000000"/>
-            </a:solidFill>
-            <a:prstDash val="solid"/>
-            <a:miter lim="800000"/>
-            <a:headEnd type="none" w="sm" len="sm"/>
-            <a:tailEnd type="none" w="sm" len="sm"/>
-          </a:ln>
-        </p:spPr>
-      </p:sp>
-      <p:sp>
-        <p:nvSpPr>
-          <p:cNvPr id="73" name="Google Shape;73;p5:notes"/>
-          <p:cNvSpPr txBox="1">
-            <a:spLocks noGrp="1"/>
-          </p:cNvSpPr>
-          <p:nvPr>
-            <p:ph type="body" idx="1"/>
-          </p:nvPr>
-        </p:nvSpPr>
-        <p:spPr>
-          <a:xfrm>
-            <a:off x="914400" y="4343400"/>
-            <a:ext cx="5029200" cy="4114800"/>
-          </a:xfrm>
-          <a:prstGeom prst="rect">
-            <a:avLst/>
-          </a:prstGeom>
-          <a:noFill/>
-          <a:ln>
-            <a:noFill/>
-          </a:ln>
-        </p:spPr>
-        <p:txBody>
-          <a:bodyPr spcFirstLastPara="1" wrap="square" lIns="91425" tIns="45700" rIns="91425" bIns="45700" anchor="t" anchorCtr="0">
-            <a:noAutofit/>
-          </a:bodyPr>
-          <a:lstStyle/>
-          <a:p>
-            <a:pPr marL="0" indent="0">
-              <a:spcBef>
-                <a:spcPts val="0"/>
-              </a:spcBef>
-            </a:pPr>
-            <a:r>
-              <a:rPr lang="en-US" b="0" i="0">
-                <a:solidFill>
-                  <a:srgbClr val="1C1917"/>
-                </a:solidFill>
-                <a:latin typeface="Arial"/>
-                <a:ea typeface="Arial"/>
-                <a:cs typeface="Arial"/>
-                <a:sym typeface="Arial"/>
-              </a:rPr>
-              <a:t>After exploring the Surge AI dataset, we decided that it was not a suitable dataset. While the dataset was complete with tweet, brand, and sentiment, the dataset did not contain many tweets mentioning the brands chosen for this project. The Sentiment140 dataset contained hundreds of suitable samples for training, while the Surge AI dataset only contained a few per brand.</a:t>
-            </a:r>
-          </a:p>
-        </p:txBody>
-      </p:sp>
-      <p:sp>
-        <p:nvSpPr>
-          <p:cNvPr id="74" name="Google Shape;74;p5:notes"/>
-          <p:cNvSpPr txBox="1">
-            <a:spLocks noGrp="1"/>
-          </p:cNvSpPr>
-          <p:nvPr>
-            <p:ph type="sldNum" idx="12"/>
-          </p:nvPr>
-        </p:nvSpPr>
-        <p:spPr>
-          <a:xfrm>
-            <a:off x="3886200" y="8686800"/>
-            <a:ext cx="2971800" cy="457200"/>
-          </a:xfrm>
-          <a:prstGeom prst="rect">
-            <a:avLst/>
-          </a:prstGeom>
-          <a:noFill/>
-          <a:ln>
-            <a:noFill/>
-          </a:ln>
-        </p:spPr>
-        <p:txBody>
-          <a:bodyPr spcFirstLastPara="1" wrap="square" lIns="91425" tIns="45700" rIns="91425" bIns="45700" anchor="b" anchorCtr="0">
-            <a:noAutofit/>
-          </a:bodyPr>
-          <a:lstStyle/>
-          <a:p>
-            <a:pPr marL="0" lvl="0" indent="0" algn="r" rtl="0">
-              <a:spcBef>
-                <a:spcPts val="0"/>
-              </a:spcBef>
-              <a:spcAft>
-                <a:spcPts val="0"/>
-              </a:spcAft>
-              <a:buNone/>
-            </a:pPr>
-            <a:fld id="{00000000-1234-1234-1234-123412341234}" type="slidenum">
-              <a:rPr lang="en-US"/>
-              <a:t>10</a:t>
-            </a:fld>
-            <a:endParaRPr/>
-          </a:p>
-        </p:txBody>
-      </p:sp>
-    </p:spTree>
-  </p:cSld>
-  <p:clrMapOvr>
-    <a:masterClrMapping/>
-  </p:clrMapOvr>
-</p:notes>
-</file>
-
-<file path=ppt/notesSlides/notesSlide11.xml><?xml version="1.0" encoding="utf-8"?>
 <p:notes xmlns:a="http://schemas.openxmlformats.org/drawingml/2006/main" xmlns:r="http://schemas.openxmlformats.org/officeDocument/2006/relationships" xmlns:p="http://schemas.openxmlformats.org/presentationml/2006/main" showMasterSp="0" showMasterPhAnim="0">
   <p:cSld>
     <p:spTree>
@@ -10132,31 +9886,154 @@
           </a:bodyPr>
           <a:lstStyle/>
           <a:p>
-            <a:pPr marL="0" marR="0" lvl="0" indent="0" algn="l" defTabSz="914400" rtl="0" eaLnBrk="1" fontAlgn="auto" latinLnBrk="0" hangingPunct="1">
-              <a:lnSpc>
-                <a:spcPct val="100000"/>
-              </a:lnSpc>
-              <a:spcBef>
-                <a:spcPts val="0"/>
-              </a:spcBef>
-              <a:spcAft>
-                <a:spcPts val="0"/>
-              </a:spcAft>
-              <a:buClr>
-                <a:srgbClr val="000000"/>
-              </a:buClr>
-              <a:buSzPts val="1400"/>
-              <a:buFont typeface="Arial"/>
-              <a:buNone/>
-              <a:tabLst/>
+            <a:pPr marL="0" indent="0">
+              <a:spcBef>
+                <a:spcPts val="0"/>
+              </a:spcBef>
               <a:defRPr/>
             </a:pPr>
+            <a:r>
+              <a:rPr lang="en-US">
+                <a:latin typeface="UICTFontTextStyleBody"/>
+              </a:rPr>
+              <a:t>This</a:t>
+            </a:r>
             <a:r>
               <a:rPr lang="en-US" b="0" i="0">
                 <a:effectLst/>
                 <a:latin typeface="UICTFontTextStyleBody"/>
               </a:rPr>
-              <a:t>We present a concise cyclical workflow. It begins with prepping the data, where we ensure that the data is curated and ready for processing. Once the data is primed, we choose a model, selecting the most appropriate algorithm or framework based on our requirements. Following this decision, we transition to build a model, actualizing our chosen algorithm and tailoring it to fit the data. And finally, we evaluate the model, critically assessing its performance and accuracy. It's worth noting that this process can be iterative: based on evaluations, we might loop back to refine data preparation or model selection, ensuring optimal outcomes.</a:t>
+              <a:t> </a:t>
+            </a:r>
+            <a:r>
+              <a:rPr lang="en-US">
+                <a:latin typeface="UICTFontTextStyleBody"/>
+              </a:rPr>
+              <a:t>diagram shows the cycle of development for this project. We started with</a:t>
+            </a:r>
+            <a:r>
+              <a:rPr lang="en-US" b="0" i="0">
+                <a:effectLst/>
+                <a:latin typeface="UICTFontTextStyleBody"/>
+              </a:rPr>
+              <a:t> </a:t>
+            </a:r>
+            <a:r>
+              <a:rPr lang="en-US">
+                <a:latin typeface="UICTFontTextStyleBody"/>
+              </a:rPr>
+              <a:t>exploring and </a:t>
+            </a:r>
+            <a:r>
+              <a:rPr lang="en-US" b="0" i="0">
+                <a:effectLst/>
+                <a:latin typeface="UICTFontTextStyleBody"/>
+              </a:rPr>
+              <a:t>prepping the data, </a:t>
+            </a:r>
+            <a:r>
+              <a:rPr lang="en-US">
+                <a:latin typeface="UICTFontTextStyleBody"/>
+              </a:rPr>
+              <a:t>then chose model algorithms,</a:t>
+            </a:r>
+            <a:r>
+              <a:rPr lang="en-US" b="0" i="0">
+                <a:effectLst/>
+                <a:latin typeface="UICTFontTextStyleBody"/>
+              </a:rPr>
+              <a:t> selecting the most appropriate algorithm or framework based on our requirements. Following this</a:t>
+            </a:r>
+            <a:r>
+              <a:rPr lang="en-US">
+                <a:latin typeface="UICTFontTextStyleBody"/>
+              </a:rPr>
+              <a:t>,</a:t>
+            </a:r>
+            <a:r>
+              <a:rPr lang="en-US" b="0" i="0">
+                <a:effectLst/>
+                <a:latin typeface="UICTFontTextStyleBody"/>
+              </a:rPr>
+              <a:t> </a:t>
+            </a:r>
+            <a:r>
+              <a:rPr lang="en-US">
+                <a:latin typeface="UICTFontTextStyleBody"/>
+              </a:rPr>
+              <a:t>we built the models,</a:t>
+            </a:r>
+            <a:r>
+              <a:rPr lang="en-US" b="0" i="0">
+                <a:effectLst/>
+                <a:latin typeface="UICTFontTextStyleBody"/>
+              </a:rPr>
+              <a:t> </a:t>
+            </a:r>
+            <a:r>
+              <a:rPr lang="en-US">
+                <a:latin typeface="UICTFontTextStyleBody"/>
+              </a:rPr>
+              <a:t>training them on the processed data. After this, we would evaluate the performance of the model</a:t>
+            </a:r>
+            <a:r>
+              <a:rPr lang="en-US" b="0" i="0">
+                <a:effectLst/>
+                <a:latin typeface="UICTFontTextStyleBody"/>
+              </a:rPr>
+              <a:t>. </a:t>
+            </a:r>
+            <a:r>
+              <a:rPr lang="en-US">
+                <a:latin typeface="UICTFontTextStyleBody"/>
+              </a:rPr>
+              <a:t>This was an iterative process</a:t>
+            </a:r>
+            <a:r>
+              <a:rPr lang="en-US" b="0" i="0">
+                <a:effectLst/>
+                <a:latin typeface="UICTFontTextStyleBody"/>
+              </a:rPr>
+              <a:t>: based on </a:t>
+            </a:r>
+            <a:r>
+              <a:rPr lang="en-US">
+                <a:latin typeface="UICTFontTextStyleBody"/>
+              </a:rPr>
+              <a:t>things we discovered during the project</a:t>
+            </a:r>
+            <a:r>
+              <a:rPr lang="en-US" b="0" i="0">
+                <a:effectLst/>
+                <a:latin typeface="UICTFontTextStyleBody"/>
+              </a:rPr>
+              <a:t>, we </a:t>
+            </a:r>
+            <a:r>
+              <a:rPr lang="en-US">
+                <a:latin typeface="UICTFontTextStyleBody"/>
+              </a:rPr>
+              <a:t>sometimes</a:t>
+            </a:r>
+            <a:r>
+              <a:rPr lang="en-US" b="0" i="0">
+                <a:effectLst/>
+                <a:latin typeface="UICTFontTextStyleBody"/>
+              </a:rPr>
+              <a:t> </a:t>
+            </a:r>
+            <a:r>
+              <a:rPr lang="en-US">
+                <a:latin typeface="UICTFontTextStyleBody"/>
+              </a:rPr>
+              <a:t>returned to previous stages of development to ensure</a:t>
+            </a:r>
+            <a:r>
+              <a:rPr lang="en-US" b="0" i="0">
+                <a:effectLst/>
+                <a:latin typeface="UICTFontTextStyleBody"/>
+              </a:rPr>
+              <a:t> optimal outcomes.</a:t>
             </a:r>
             <a:endParaRPr lang="en-US">
               <a:effectLst/>
@@ -10205,7 +10082,7 @@
             </a:pPr>
             <a:fld id="{00000000-1234-1234-1234-123412341234}" type="slidenum">
               <a:rPr lang="en-US"/>
-              <a:t>11</a:t>
+              <a:t>10</a:t>
             </a:fld>
             <a:endParaRPr/>
           </a:p>
@@ -10224,7 +10101,7 @@
 </p:notes>
 </file>
 
-<file path=ppt/notesSlides/notesSlide12.xml><?xml version="1.0" encoding="utf-8"?>
+<file path=ppt/notesSlides/notesSlide11.xml><?xml version="1.0" encoding="utf-8"?>
 <p:notes xmlns:a="http://schemas.openxmlformats.org/drawingml/2006/main" xmlns:r="http://schemas.openxmlformats.org/officeDocument/2006/relationships" xmlns:p="http://schemas.openxmlformats.org/presentationml/2006/main">
   <p:cSld>
     <p:spTree>
@@ -10270,16 +10147,8 @@
           <a:p>
             <a:r>
               <a:rPr lang="en-US"/>
-              <a:t>In the assess stage, we analyzed the dataset and selected appropriate models based on the specific requirements of the sentiment analysis task, the characteristics of the available data, and the nature of the problem. The assessment stage of the project involves dataset analysis, model selection, and preliminary testing. This phase sets the foundation for subsequent stages by determining the most suitable models for sentiment analysis and brand identification. The project starts with an in-depth analysis of the Sentiment140 dataset. This dataset contains labeled tweets with sentiment polarity. The sentiment labels are remapped to binary values (0 for negative and 1 for positive) to simplify interpretation and analysis.</a:t>
+              <a:t>In the assess stage, we analyzed the dataset and selected appropriate models based on the specific requirements of the sentiment analysis task, the characteristics of the available data, and the nature of the problem. The assessment stage of the project involves dataset analysis, model selection, and preliminary testing. This phase sets the foundation for subsequent stages by determining the most suitable models for sentiment analysis and brand identification. The project starts with an in-depth analysis of the Sentiment140 dataset.</a:t>
             </a:r>
-          </a:p>
-          <a:p>
-            <a:pPr>
-              <a:spcBef>
-                <a:spcPts val="0"/>
-              </a:spcBef>
-            </a:pPr>
-            <a:endParaRPr lang="en-US"/>
           </a:p>
           <a:p>
             <a:endParaRPr lang="en-US">
@@ -10323,7 +10192,7 @@
                 <a:cs typeface="Arial"/>
                 <a:sym typeface="Arial"/>
               </a:rPr>
-              <a:t>12</a:t>
+              <a:t>11</a:t>
             </a:fld>
             <a:endParaRPr lang="en-US" sz="1200" b="0" i="0" u="none" strike="noStrike" cap="none">
               <a:solidFill>
@@ -10350,7 +10219,7 @@
 </p:notes>
 </file>
 
-<file path=ppt/notesSlides/notesSlide13.xml><?xml version="1.0" encoding="utf-8"?>
+<file path=ppt/notesSlides/notesSlide12.xml><?xml version="1.0" encoding="utf-8"?>
 <p:notes xmlns:a="http://schemas.openxmlformats.org/drawingml/2006/main" xmlns:r="http://schemas.openxmlformats.org/officeDocument/2006/relationships" xmlns:p="http://schemas.openxmlformats.org/presentationml/2006/main" showMasterSp="0" showMasterPhAnim="0">
   <p:cSld>
     <p:spTree>
@@ -10454,11 +10323,10 @@
               <a:spcBef>
                 <a:spcPts val="0"/>
               </a:spcBef>
-              <a:buSzPts val="2000"/>
             </a:pPr>
             <a:r>
               <a:rPr lang="en-US"/>
-              <a:t>Placeholder voiceover</a:t>
+              <a:t>In our exploratory data analysis, we first remapped the sentiment labels (0 for negative and 1 for positive) to simplify interpretation and analysis. We then examined the distribution of sentiment in the tweets. The bar chart here shows that sentiment in the Sentiment140 dataset is balanced, with eight hundred thousand negative sentiment tweets and eight hundred thousand positive sentiment tweets. For the brands chosen, the frequency is as shown, with Facebook being the most frequently mentioned brand and Sony being the least. Facebook had ten times as more tweets than Sony.</a:t>
             </a:r>
           </a:p>
         </p:txBody>
@@ -10503,7 +10371,7 @@
             </a:pPr>
             <a:fld id="{00000000-1234-1234-1234-123412341234}" type="slidenum">
               <a:rPr lang="en-US"/>
-              <a:t>13</a:t>
+              <a:t>12</a:t>
             </a:fld>
             <a:endParaRPr/>
           </a:p>
@@ -10517,7 +10385,7 @@
 </p:notes>
 </file>
 
-<file path=ppt/notesSlides/notesSlide14.xml><?xml version="1.0" encoding="utf-8"?>
+<file path=ppt/notesSlides/notesSlide13.xml><?xml version="1.0" encoding="utf-8"?>
 <p:notes xmlns:a="http://schemas.openxmlformats.org/drawingml/2006/main" xmlns:r="http://schemas.openxmlformats.org/officeDocument/2006/relationships" xmlns:p="http://schemas.openxmlformats.org/presentationml/2006/main" showMasterSp="0" showMasterPhAnim="0">
   <p:cSld>
     <p:spTree>
@@ -10629,6 +10497,169 @@
       <p:sp>
         <p:nvSpPr>
           <p:cNvPr id="102" name="Google Shape;102;p9:notes"/>
+          <p:cNvSpPr txBox="1">
+            <a:spLocks noGrp="1"/>
+          </p:cNvSpPr>
+          <p:nvPr>
+            <p:ph type="sldNum" idx="12"/>
+          </p:nvPr>
+        </p:nvSpPr>
+        <p:spPr>
+          <a:xfrm>
+            <a:off x="3886200" y="8686800"/>
+            <a:ext cx="2971800" cy="457200"/>
+          </a:xfrm>
+          <a:prstGeom prst="rect">
+            <a:avLst/>
+          </a:prstGeom>
+          <a:noFill/>
+          <a:ln>
+            <a:noFill/>
+          </a:ln>
+        </p:spPr>
+        <p:txBody>
+          <a:bodyPr spcFirstLastPara="1" wrap="square" lIns="91425" tIns="45700" rIns="91425" bIns="45700" anchor="b" anchorCtr="0">
+            <a:noAutofit/>
+          </a:bodyPr>
+          <a:lstStyle/>
+          <a:p>
+            <a:pPr marL="0" lvl="0" indent="0" algn="r" rtl="0">
+              <a:spcBef>
+                <a:spcPts val="0"/>
+              </a:spcBef>
+              <a:spcAft>
+                <a:spcPts val="0"/>
+              </a:spcAft>
+              <a:buNone/>
+            </a:pPr>
+            <a:fld id="{00000000-1234-1234-1234-123412341234}" type="slidenum">
+              <a:rPr lang="en-US"/>
+              <a:t>13</a:t>
+            </a:fld>
+            <a:endParaRPr/>
+          </a:p>
+        </p:txBody>
+      </p:sp>
+    </p:spTree>
+  </p:cSld>
+  <p:clrMapOvr>
+    <a:masterClrMapping/>
+  </p:clrMapOvr>
+</p:notes>
+</file>
+
+<file path=ppt/notesSlides/notesSlide14.xml><?xml version="1.0" encoding="utf-8"?>
+<p:notes xmlns:a="http://schemas.openxmlformats.org/drawingml/2006/main" xmlns:r="http://schemas.openxmlformats.org/officeDocument/2006/relationships" xmlns:p="http://schemas.openxmlformats.org/presentationml/2006/main" showMasterSp="0" showMasterPhAnim="0">
+  <p:cSld>
+    <p:spTree>
+      <p:nvGrpSpPr>
+        <p:cNvPr id="1" name="Shape 120"/>
+        <p:cNvGrpSpPr/>
+        <p:nvPr/>
+      </p:nvGrpSpPr>
+      <p:grpSpPr>
+        <a:xfrm>
+          <a:off x="0" y="0"/>
+          <a:ext cx="0" cy="0"/>
+          <a:chOff x="0" y="0"/>
+          <a:chExt cx="0" cy="0"/>
+        </a:xfrm>
+      </p:grpSpPr>
+      <p:sp>
+        <p:nvSpPr>
+          <p:cNvPr id="121" name="Google Shape;121;p12:notes"/>
+          <p:cNvSpPr>
+            <a:spLocks noGrp="1" noRot="1" noChangeAspect="1"/>
+          </p:cNvSpPr>
+          <p:nvPr>
+            <p:ph type="sldImg" idx="2"/>
+          </p:nvPr>
+        </p:nvSpPr>
+        <p:spPr>
+          <a:xfrm>
+            <a:off x="381000" y="685800"/>
+            <a:ext cx="6096000" cy="3429000"/>
+          </a:xfrm>
+          <a:custGeom>
+            <a:avLst/>
+            <a:gdLst/>
+            <a:ahLst/>
+            <a:cxnLst/>
+            <a:rect l="l" t="t" r="r" b="b"/>
+            <a:pathLst>
+              <a:path w="120000" h="120000" extrusionOk="0">
+                <a:moveTo>
+                  <a:pt x="0" y="0"/>
+                </a:moveTo>
+                <a:lnTo>
+                  <a:pt x="120000" y="0"/>
+                </a:lnTo>
+                <a:lnTo>
+                  <a:pt x="120000" y="120000"/>
+                </a:lnTo>
+                <a:lnTo>
+                  <a:pt x="0" y="120000"/>
+                </a:lnTo>
+                <a:close/>
+              </a:path>
+            </a:pathLst>
+          </a:custGeom>
+          <a:noFill/>
+          <a:ln w="9525" cap="flat" cmpd="sng">
+            <a:solidFill>
+              <a:srgbClr val="000000"/>
+            </a:solidFill>
+            <a:prstDash val="solid"/>
+            <a:miter lim="800000"/>
+            <a:headEnd type="none" w="sm" len="sm"/>
+            <a:tailEnd type="none" w="sm" len="sm"/>
+          </a:ln>
+        </p:spPr>
+      </p:sp>
+      <p:sp>
+        <p:nvSpPr>
+          <p:cNvPr id="122" name="Google Shape;122;p12:notes"/>
+          <p:cNvSpPr txBox="1">
+            <a:spLocks noGrp="1"/>
+          </p:cNvSpPr>
+          <p:nvPr>
+            <p:ph type="body" idx="1"/>
+          </p:nvPr>
+        </p:nvSpPr>
+        <p:spPr>
+          <a:xfrm>
+            <a:off x="914400" y="4343400"/>
+            <a:ext cx="5029200" cy="4114800"/>
+          </a:xfrm>
+          <a:prstGeom prst="rect">
+            <a:avLst/>
+          </a:prstGeom>
+          <a:noFill/>
+          <a:ln>
+            <a:noFill/>
+          </a:ln>
+        </p:spPr>
+        <p:txBody>
+          <a:bodyPr spcFirstLastPara="1" wrap="square" lIns="91425" tIns="45700" rIns="91425" bIns="45700" anchor="t" anchorCtr="0">
+            <a:noAutofit/>
+          </a:bodyPr>
+          <a:lstStyle/>
+          <a:p>
+            <a:pPr marL="0" indent="0">
+              <a:spcBef>
+                <a:spcPts val="0"/>
+              </a:spcBef>
+            </a:pPr>
+            <a:r>
+              <a:rPr lang="en-US"/>
+              <a:t>In order to build the brand classifier, it was necessary to have a feature of the dataset that provided brand labels. The Sentiment140 dataset did not contain this information, so a supplementary Brands dataset was created. This dataset consisted of tweets from the Sentiment140 dataset and an equal number of tweets that did not reference any brand, labeled with "no brand"</a:t>
+            </a:r>
+          </a:p>
+        </p:txBody>
+      </p:sp>
+      <p:sp>
+        <p:nvSpPr>
+          <p:cNvPr id="123" name="Google Shape;123;p12:notes"/>
           <p:cNvSpPr txBox="1">
             <a:spLocks noGrp="1"/>
           </p:cNvSpPr>
@@ -10777,15 +10808,24 @@
           </a:bodyPr>
           <a:lstStyle/>
           <a:p>
-            <a:pPr marL="0" indent="0">
-              <a:spcBef>
-                <a:spcPts val="0"/>
-              </a:spcBef>
-            </a:pPr>
             <a:r>
               <a:rPr lang="en-US"/>
-              <a:t>In order to build the brand classifier, it was necessary to have a feature of the dataset that provided brand labels. The Sentiment140 dataset did not contain this information, so a supplementary Brands dataset was created. This dataset consisted of tweets from the Sentiment140 dataset and an equal number of tweets that did not reference any brand, labeled with "no brand"</a:t>
+              <a:t> We divided the tweets into two categories: one included tweets discussing brands, while the other encompassed those without any brand mentions ("No Brand" mentions). The categorization led to a bar chart that displayed the tweet counts for each group. This visual enabled us to understand the balance between tweets that discussed brands and those that did not. After that, we quantified the frequency of each brand's appearance in the tweets and represented this information with a pie chart. The sizes of the slices in the chart directly correlated with the level of discussion about each brand. This graphical approach made it straightforward to pinpoint the brands generating more buzz in the tweets. These visuals provided us with meaningful insights into the conversations about brands within the tweets. Despite its simplicity, this approach allowed us to comprehend which brands were generating more interest and engagement within the tweeting community.</a:t>
             </a:r>
+          </a:p>
+          <a:p>
+            <a:pPr marL="0" indent="0">
+              <a:spcBef>
+                <a:spcPts val="0"/>
+              </a:spcBef>
+            </a:pPr>
+            <a:br>
+              <a:rPr lang="en-US"/>
+            </a:br>
+            <a:br>
+              <a:rPr lang="en-US"/>
+            </a:br>
+            <a:endParaRPr lang="en-US"/>
           </a:p>
         </p:txBody>
       </p:sp>
@@ -10836,6 +10876,11 @@
         </p:txBody>
       </p:sp>
     </p:spTree>
+    <p:extLst>
+      <p:ext uri="{BB962C8B-B14F-4D97-AF65-F5344CB8AC3E}">
+        <p14:creationId xmlns:p14="http://schemas.microsoft.com/office/powerpoint/2010/main" val="2305557592"/>
+      </p:ext>
+    </p:extLst>
   </p:cSld>
   <p:clrMapOvr>
     <a:masterClrMapping/>
@@ -10940,183 +10985,6 @@
           </a:bodyPr>
           <a:lstStyle/>
           <a:p>
-            <a:r>
-              <a:rPr lang="en-US"/>
-              <a:t> We divided the tweets into two categories: one included tweets discussing brands, while the other encompassed those without any brand mentions ("No Brand" mentions). The categorization led to a bar chart that displayed the tweet counts for each group. This visual enabled us to understand the balance between tweets that discussed brands and those that did not. After that, we quantified the frequency of each brand's appearance in the tweets and represented this information with a pie chart. The sizes of the slices in the chart directly correlated with the level of discussion about each brand. This graphical approach made it straightforward to pinpoint the brands generating more buzz in the tweets. These visuals provided us with meaningful insights into the conversations about brands within the tweets. Despite its simplicity, this approach allowed us to comprehend which brands were generating more interest and engagement within the tweeting community.</a:t>
-            </a:r>
-          </a:p>
-          <a:p>
-            <a:pPr marL="0" indent="0">
-              <a:spcBef>
-                <a:spcPts val="0"/>
-              </a:spcBef>
-            </a:pPr>
-            <a:br>
-              <a:rPr lang="en-US"/>
-            </a:br>
-            <a:br>
-              <a:rPr lang="en-US"/>
-            </a:br>
-            <a:endParaRPr lang="en-US"/>
-          </a:p>
-        </p:txBody>
-      </p:sp>
-      <p:sp>
-        <p:nvSpPr>
-          <p:cNvPr id="123" name="Google Shape;123;p12:notes"/>
-          <p:cNvSpPr txBox="1">
-            <a:spLocks noGrp="1"/>
-          </p:cNvSpPr>
-          <p:nvPr>
-            <p:ph type="sldNum" idx="12"/>
-          </p:nvPr>
-        </p:nvSpPr>
-        <p:spPr>
-          <a:xfrm>
-            <a:off x="3886200" y="8686800"/>
-            <a:ext cx="2971800" cy="457200"/>
-          </a:xfrm>
-          <a:prstGeom prst="rect">
-            <a:avLst/>
-          </a:prstGeom>
-          <a:noFill/>
-          <a:ln>
-            <a:noFill/>
-          </a:ln>
-        </p:spPr>
-        <p:txBody>
-          <a:bodyPr spcFirstLastPara="1" wrap="square" lIns="91425" tIns="45700" rIns="91425" bIns="45700" anchor="b" anchorCtr="0">
-            <a:noAutofit/>
-          </a:bodyPr>
-          <a:lstStyle/>
-          <a:p>
-            <a:pPr marL="0" lvl="0" indent="0" algn="r" rtl="0">
-              <a:spcBef>
-                <a:spcPts val="0"/>
-              </a:spcBef>
-              <a:spcAft>
-                <a:spcPts val="0"/>
-              </a:spcAft>
-              <a:buNone/>
-            </a:pPr>
-            <a:fld id="{00000000-1234-1234-1234-123412341234}" type="slidenum">
-              <a:rPr lang="en-US"/>
-              <a:t>16</a:t>
-            </a:fld>
-            <a:endParaRPr/>
-          </a:p>
-        </p:txBody>
-      </p:sp>
-    </p:spTree>
-    <p:extLst>
-      <p:ext uri="{BB962C8B-B14F-4D97-AF65-F5344CB8AC3E}">
-        <p14:creationId xmlns:p14="http://schemas.microsoft.com/office/powerpoint/2010/main" val="2305557592"/>
-      </p:ext>
-    </p:extLst>
-  </p:cSld>
-  <p:clrMapOvr>
-    <a:masterClrMapping/>
-  </p:clrMapOvr>
-</p:notes>
-</file>
-
-<file path=ppt/notesSlides/notesSlide17.xml><?xml version="1.0" encoding="utf-8"?>
-<p:notes xmlns:a="http://schemas.openxmlformats.org/drawingml/2006/main" xmlns:r="http://schemas.openxmlformats.org/officeDocument/2006/relationships" xmlns:p="http://schemas.openxmlformats.org/presentationml/2006/main" showMasterSp="0" showMasterPhAnim="0">
-  <p:cSld>
-    <p:spTree>
-      <p:nvGrpSpPr>
-        <p:cNvPr id="1" name="Shape 120"/>
-        <p:cNvGrpSpPr/>
-        <p:nvPr/>
-      </p:nvGrpSpPr>
-      <p:grpSpPr>
-        <a:xfrm>
-          <a:off x="0" y="0"/>
-          <a:ext cx="0" cy="0"/>
-          <a:chOff x="0" y="0"/>
-          <a:chExt cx="0" cy="0"/>
-        </a:xfrm>
-      </p:grpSpPr>
-      <p:sp>
-        <p:nvSpPr>
-          <p:cNvPr id="121" name="Google Shape;121;p12:notes"/>
-          <p:cNvSpPr>
-            <a:spLocks noGrp="1" noRot="1" noChangeAspect="1"/>
-          </p:cNvSpPr>
-          <p:nvPr>
-            <p:ph type="sldImg" idx="2"/>
-          </p:nvPr>
-        </p:nvSpPr>
-        <p:spPr>
-          <a:xfrm>
-            <a:off x="381000" y="685800"/>
-            <a:ext cx="6096000" cy="3429000"/>
-          </a:xfrm>
-          <a:custGeom>
-            <a:avLst/>
-            <a:gdLst/>
-            <a:ahLst/>
-            <a:cxnLst/>
-            <a:rect l="l" t="t" r="r" b="b"/>
-            <a:pathLst>
-              <a:path w="120000" h="120000" extrusionOk="0">
-                <a:moveTo>
-                  <a:pt x="0" y="0"/>
-                </a:moveTo>
-                <a:lnTo>
-                  <a:pt x="120000" y="0"/>
-                </a:lnTo>
-                <a:lnTo>
-                  <a:pt x="120000" y="120000"/>
-                </a:lnTo>
-                <a:lnTo>
-                  <a:pt x="0" y="120000"/>
-                </a:lnTo>
-                <a:close/>
-              </a:path>
-            </a:pathLst>
-          </a:custGeom>
-          <a:noFill/>
-          <a:ln w="9525" cap="flat" cmpd="sng">
-            <a:solidFill>
-              <a:srgbClr val="000000"/>
-            </a:solidFill>
-            <a:prstDash val="solid"/>
-            <a:miter lim="800000"/>
-            <a:headEnd type="none" w="sm" len="sm"/>
-            <a:tailEnd type="none" w="sm" len="sm"/>
-          </a:ln>
-        </p:spPr>
-      </p:sp>
-      <p:sp>
-        <p:nvSpPr>
-          <p:cNvPr id="122" name="Google Shape;122;p12:notes"/>
-          <p:cNvSpPr txBox="1">
-            <a:spLocks noGrp="1"/>
-          </p:cNvSpPr>
-          <p:nvPr>
-            <p:ph type="body" idx="1"/>
-          </p:nvPr>
-        </p:nvSpPr>
-        <p:spPr>
-          <a:xfrm>
-            <a:off x="914400" y="4343400"/>
-            <a:ext cx="5029200" cy="4114800"/>
-          </a:xfrm>
-          <a:prstGeom prst="rect">
-            <a:avLst/>
-          </a:prstGeom>
-          <a:noFill/>
-          <a:ln>
-            <a:noFill/>
-          </a:ln>
-        </p:spPr>
-        <p:txBody>
-          <a:bodyPr spcFirstLastPara="1" wrap="square" lIns="91425" tIns="45700" rIns="91425" bIns="45700" anchor="t" anchorCtr="0">
-            <a:noAutofit/>
-          </a:bodyPr>
-          <a:lstStyle/>
-          <a:p>
             <a:pPr marL="0" indent="0">
               <a:spcBef>
                 <a:spcPts val="0"/>
@@ -11124,15 +10992,7 @@
             </a:pPr>
             <a:r>
               <a:rPr lang="en-US"/>
-              <a:t>The initial dataset had limited instances per brand class, causing poor model performance. Reviewing accuracy, precision, recall, and F1 scores for the brand classifier candidates broken down by class revealed a significant performance drop off for classes with support of less than 100 instances. To solve this, we employed </a:t>
-            </a:r>
-            <a:r>
-              <a:rPr lang="en-US" err="1"/>
-              <a:t>OpenAI's</a:t>
-            </a:r>
-            <a:r>
-              <a:rPr lang="en-US"/>
-              <a:t> GPT-4 large language model to synthetically generate additional data resembling existing format. GPT-4 API programmatically harnessed for data generation, with custom prompts ensuring sentiment-balanced entries for each brand. This addressed class support deficiency and improved model performance.</a:t>
+              <a:t>The initial dataset had limited instances per brand class, causing poor model performance. Reviewing accuracy, precision, recall, and F1 scores for the brand classifier candidates broken down by class revealed a significant performance drop off for classes with support of less than 100 instances. To solve this, we employed OpenAI's GPT-4 large language model to synthetically generate additional data resembling existing format. We used custom prompts to ensure sentiment-balanced entries for each brand. This addressed class support deficiency and improved model performance.</a:t>
             </a:r>
           </a:p>
         </p:txBody>
@@ -11177,7 +11037,7 @@
             </a:pPr>
             <a:fld id="{00000000-1234-1234-1234-123412341234}" type="slidenum">
               <a:rPr lang="en-US"/>
-              <a:t>17</a:t>
+              <a:t>16</a:t>
             </a:fld>
             <a:endParaRPr/>
           </a:p>
@@ -11196,7 +11056,7 @@
 </p:notes>
 </file>
 
-<file path=ppt/notesSlides/notesSlide18.xml><?xml version="1.0" encoding="utf-8"?>
+<file path=ppt/notesSlides/notesSlide17.xml><?xml version="1.0" encoding="utf-8"?>
 <p:notes xmlns:a="http://schemas.openxmlformats.org/drawingml/2006/main" xmlns:r="http://schemas.openxmlformats.org/officeDocument/2006/relationships" xmlns:p="http://schemas.openxmlformats.org/presentationml/2006/main">
   <p:cSld>
     <p:spTree>
@@ -11247,7 +11107,7 @@
             </a:pPr>
             <a:r>
               <a:rPr lang="en-US"/>
-              <a:t>In the development stage, we handled invalid values and discarded non-textual content. We trained our models to identify a brand and align with the sentiment expressed in a tweet, and then tuned them to improve performance.</a:t>
+              <a:t>In the development stage, we trained our models to identify a brand and align with the sentiment expressed in a tweet, and then tuned them to improve performance.</a:t>
             </a:r>
           </a:p>
         </p:txBody>
@@ -11286,7 +11146,7 @@
                 <a:cs typeface="Arial"/>
                 <a:sym typeface="Arial"/>
               </a:rPr>
-              <a:t>18</a:t>
+              <a:t>17</a:t>
             </a:fld>
             <a:endParaRPr lang="en-US" sz="1200" b="0" i="0" u="none" strike="noStrike" cap="none">
               <a:solidFill>
@@ -11313,7 +11173,7 @@
 </p:notes>
 </file>
 
-<file path=ppt/notesSlides/notesSlide19.xml><?xml version="1.0" encoding="utf-8"?>
+<file path=ppt/notesSlides/notesSlide18.xml><?xml version="1.0" encoding="utf-8"?>
 <p:notes xmlns:a="http://schemas.openxmlformats.org/drawingml/2006/main" xmlns:r="http://schemas.openxmlformats.org/officeDocument/2006/relationships" xmlns:p="http://schemas.openxmlformats.org/presentationml/2006/main" showMasterSp="0" showMasterPhAnim="0">
   <p:cSld>
     <p:spTree>
@@ -11596,6 +11456,283 @@
             </a:pPr>
             <a:fld id="{00000000-1234-1234-1234-123412341234}" type="slidenum">
               <a:rPr lang="en-US"/>
+              <a:t>18</a:t>
+            </a:fld>
+            <a:endParaRPr/>
+          </a:p>
+        </p:txBody>
+      </p:sp>
+    </p:spTree>
+  </p:cSld>
+  <p:clrMapOvr>
+    <a:masterClrMapping/>
+  </p:clrMapOvr>
+</p:notes>
+</file>
+
+<file path=ppt/notesSlides/notesSlide19.xml><?xml version="1.0" encoding="utf-8"?>
+<p:notes xmlns:a="http://schemas.openxmlformats.org/drawingml/2006/main" xmlns:r="http://schemas.openxmlformats.org/officeDocument/2006/relationships" xmlns:p="http://schemas.openxmlformats.org/presentationml/2006/main" showMasterSp="0" showMasterPhAnim="0">
+  <p:cSld>
+    <p:spTree>
+      <p:nvGrpSpPr>
+        <p:cNvPr id="1" name="Shape 127"/>
+        <p:cNvGrpSpPr/>
+        <p:nvPr/>
+      </p:nvGrpSpPr>
+      <p:grpSpPr>
+        <a:xfrm>
+          <a:off x="0" y="0"/>
+          <a:ext cx="0" cy="0"/>
+          <a:chOff x="0" y="0"/>
+          <a:chExt cx="0" cy="0"/>
+        </a:xfrm>
+      </p:grpSpPr>
+      <p:sp>
+        <p:nvSpPr>
+          <p:cNvPr id="128" name="Google Shape;128;p13:notes"/>
+          <p:cNvSpPr>
+            <a:spLocks noGrp="1" noRot="1" noChangeAspect="1"/>
+          </p:cNvSpPr>
+          <p:nvPr>
+            <p:ph type="sldImg" idx="2"/>
+          </p:nvPr>
+        </p:nvSpPr>
+        <p:spPr>
+          <a:xfrm>
+            <a:off x="381000" y="685800"/>
+            <a:ext cx="6096000" cy="3429000"/>
+          </a:xfrm>
+          <a:custGeom>
+            <a:avLst/>
+            <a:gdLst/>
+            <a:ahLst/>
+            <a:cxnLst/>
+            <a:rect l="l" t="t" r="r" b="b"/>
+            <a:pathLst>
+              <a:path w="120000" h="120000" extrusionOk="0">
+                <a:moveTo>
+                  <a:pt x="0" y="0"/>
+                </a:moveTo>
+                <a:lnTo>
+                  <a:pt x="120000" y="0"/>
+                </a:lnTo>
+                <a:lnTo>
+                  <a:pt x="120000" y="120000"/>
+                </a:lnTo>
+                <a:lnTo>
+                  <a:pt x="0" y="120000"/>
+                </a:lnTo>
+                <a:close/>
+              </a:path>
+            </a:pathLst>
+          </a:custGeom>
+          <a:noFill/>
+          <a:ln w="9525" cap="flat" cmpd="sng">
+            <a:solidFill>
+              <a:srgbClr val="000000"/>
+            </a:solidFill>
+            <a:prstDash val="solid"/>
+            <a:miter lim="800000"/>
+            <a:headEnd type="none" w="sm" len="sm"/>
+            <a:tailEnd type="none" w="sm" len="sm"/>
+          </a:ln>
+        </p:spPr>
+      </p:sp>
+      <p:sp>
+        <p:nvSpPr>
+          <p:cNvPr id="129" name="Google Shape;129;p13:notes"/>
+          <p:cNvSpPr txBox="1">
+            <a:spLocks noGrp="1"/>
+          </p:cNvSpPr>
+          <p:nvPr>
+            <p:ph type="body" idx="1"/>
+          </p:nvPr>
+        </p:nvSpPr>
+        <p:spPr>
+          <a:xfrm>
+            <a:off x="914400" y="4343400"/>
+            <a:ext cx="5029200" cy="4114800"/>
+          </a:xfrm>
+          <a:prstGeom prst="rect">
+            <a:avLst/>
+          </a:prstGeom>
+          <a:noFill/>
+          <a:ln>
+            <a:noFill/>
+          </a:ln>
+        </p:spPr>
+        <p:txBody>
+          <a:bodyPr spcFirstLastPara="1" wrap="square" lIns="91425" tIns="45700" rIns="91425" bIns="45700" anchor="t" anchorCtr="0">
+            <a:noAutofit/>
+          </a:bodyPr>
+          <a:lstStyle/>
+          <a:p>
+            <a:pPr marL="0" marR="0" lvl="0" indent="0" algn="l" defTabSz="914400" rtl="0" eaLnBrk="1" fontAlgn="auto" latinLnBrk="0" hangingPunct="1">
+              <a:lnSpc>
+                <a:spcPct val="100000"/>
+              </a:lnSpc>
+              <a:spcBef>
+                <a:spcPts val="0"/>
+              </a:spcBef>
+              <a:spcAft>
+                <a:spcPts val="0"/>
+              </a:spcAft>
+              <a:buClr>
+                <a:srgbClr val="000000"/>
+              </a:buClr>
+              <a:buSzPts val="1400"/>
+              <a:buFont typeface="Arial"/>
+              <a:buNone/>
+              <a:tabLst/>
+              <a:defRPr/>
+            </a:pPr>
+            <a:r>
+              <a:rPr lang="en-US" b="0" i="0">
+                <a:effectLst/>
+                <a:latin typeface="UICTFontTextStyleBody"/>
+              </a:rPr>
+              <a:t>As mentioned earlier, machine learning algorithms for natural language processing tasks require text input to be represented as a vector. We tested several different vectorization methods for creating vector representations of tweets. </a:t>
+            </a:r>
+          </a:p>
+          <a:p>
+            <a:pPr algn="l"/>
+            <a:r>
+              <a:rPr lang="en-US" b="0" i="0" u="none" strike="noStrike">
+                <a:solidFill>
+                  <a:srgbClr val="374151"/>
+                </a:solidFill>
+                <a:effectLst/>
+                <a:latin typeface="Söhne"/>
+              </a:rPr>
+              <a:t>Count Vectorization creates a bag of words for each document. In our context, a document corresponds to a single tweet. This method produces a vector containing the frequency of each word in the tweet. Of all the methods we explored, count vectorization is the most straightforward.</a:t>
+            </a:r>
+          </a:p>
+          <a:p>
+            <a:pPr algn="l"/>
+            <a:r>
+              <a:rPr lang="en-US" b="0" i="0" u="none" strike="noStrike">
+                <a:solidFill>
+                  <a:srgbClr val="374151"/>
+                </a:solidFill>
+                <a:effectLst/>
+                <a:latin typeface="Söhne"/>
+              </a:rPr>
+              <a:t>Term Frequency-Inverse Document Frequency (TF-IDF) is a slightly more sophisticated method. It evaluates the importance of a word based on its frequency in a single document relative to its frequency across multiple documents. In other words, while common words that appear in many tweets are given lower weights, unique words that appear frequently in individual tweets but rarely overall are given higher weights.</a:t>
+            </a:r>
+          </a:p>
+          <a:p>
+            <a:pPr algn="l"/>
+            <a:r>
+              <a:rPr lang="en-US" b="0" i="0" u="none" strike="noStrike">
+                <a:solidFill>
+                  <a:srgbClr val="374151"/>
+                </a:solidFill>
+                <a:effectLst/>
+                <a:latin typeface="Söhne"/>
+              </a:rPr>
+              <a:t>Word2Vec is another advanced technique. It presents words in a dense vector space, where the positioning and proximity of words are determined by their context within sentences. This means that words with similar meanings, or those often used in similar contexts, end up having vectors that are closer to each other in this space.</a:t>
+            </a:r>
+          </a:p>
+          <a:p>
+            <a:pPr algn="l"/>
+            <a:r>
+              <a:rPr lang="en-US" b="0" i="0" u="none" strike="noStrike">
+                <a:solidFill>
+                  <a:srgbClr val="374151"/>
+                </a:solidFill>
+                <a:effectLst/>
+                <a:latin typeface="Söhne"/>
+              </a:rPr>
+              <a:t>Doc2Vec is an extension of Word2Vec that captures representations for phrases or entire documents, not just individual words. It learns to associate specific words with the larger document they belong to, providing a fixed-size vector for the entire document.</a:t>
+            </a:r>
+          </a:p>
+          <a:p>
+            <a:pPr algn="l"/>
+            <a:r>
+              <a:rPr lang="en-US" b="0" i="0" u="none" strike="noStrike">
+                <a:solidFill>
+                  <a:srgbClr val="374151"/>
+                </a:solidFill>
+                <a:effectLst/>
+                <a:latin typeface="Söhne"/>
+              </a:rPr>
+              <a:t>Lastly, Google’s Universal Sentence Encoder (USE) uses deep learning to transform text into high-dimensional vectors suitable for a range of NLP tasks, from semantic similarity comparisons to classification tasks. </a:t>
+            </a:r>
+            <a:r>
+              <a:rPr lang="en-US" b="0" i="0">
+                <a:effectLst/>
+                <a:latin typeface="UICTFontTextStyleBody"/>
+              </a:rPr>
+              <a:t>Each of these vectorization techniques was used in one of the candidate models.</a:t>
+            </a:r>
+          </a:p>
+          <a:p>
+            <a:pPr marL="0" marR="0" lvl="0" indent="0" algn="l" defTabSz="914400" rtl="0" eaLnBrk="1" fontAlgn="auto" latinLnBrk="0" hangingPunct="1">
+              <a:lnSpc>
+                <a:spcPct val="100000"/>
+              </a:lnSpc>
+              <a:spcBef>
+                <a:spcPts val="0"/>
+              </a:spcBef>
+              <a:spcAft>
+                <a:spcPts val="0"/>
+              </a:spcAft>
+              <a:buClr>
+                <a:srgbClr val="000000"/>
+              </a:buClr>
+              <a:buSzPts val="1400"/>
+              <a:buFont typeface="Arial"/>
+              <a:buNone/>
+              <a:tabLst/>
+              <a:defRPr/>
+            </a:pPr>
+            <a:endParaRPr lang="en-US" b="0" i="0">
+              <a:effectLst/>
+              <a:latin typeface="UICTFontTextStyleBody"/>
+            </a:endParaRPr>
+          </a:p>
+        </p:txBody>
+      </p:sp>
+      <p:sp>
+        <p:nvSpPr>
+          <p:cNvPr id="130" name="Google Shape;130;p13:notes"/>
+          <p:cNvSpPr txBox="1">
+            <a:spLocks noGrp="1"/>
+          </p:cNvSpPr>
+          <p:nvPr>
+            <p:ph type="sldNum" idx="12"/>
+          </p:nvPr>
+        </p:nvSpPr>
+        <p:spPr>
+          <a:xfrm>
+            <a:off x="3886200" y="8686800"/>
+            <a:ext cx="2971800" cy="457200"/>
+          </a:xfrm>
+          <a:prstGeom prst="rect">
+            <a:avLst/>
+          </a:prstGeom>
+          <a:noFill/>
+          <a:ln>
+            <a:noFill/>
+          </a:ln>
+        </p:spPr>
+        <p:txBody>
+          <a:bodyPr spcFirstLastPara="1" wrap="square" lIns="91425" tIns="45700" rIns="91425" bIns="45700" anchor="b" anchorCtr="0">
+            <a:noAutofit/>
+          </a:bodyPr>
+          <a:lstStyle/>
+          <a:p>
+            <a:pPr marL="0" lvl="0" indent="0" algn="r" rtl="0">
+              <a:spcBef>
+                <a:spcPts val="0"/>
+              </a:spcBef>
+              <a:spcAft>
+                <a:spcPts val="0"/>
+              </a:spcAft>
+              <a:buNone/>
+            </a:pPr>
+            <a:fld id="{00000000-1234-1234-1234-123412341234}" type="slidenum">
+              <a:rPr lang="en-US"/>
               <a:t>19</a:t>
             </a:fld>
             <a:endParaRPr/>
@@ -11603,6 +11740,11 @@
         </p:txBody>
       </p:sp>
     </p:spTree>
+    <p:extLst>
+      <p:ext uri="{BB962C8B-B14F-4D97-AF65-F5344CB8AC3E}">
+        <p14:creationId xmlns:p14="http://schemas.microsoft.com/office/powerpoint/2010/main" val="3359207055"/>
+      </p:ext>
+    </p:extLst>
   </p:cSld>
   <p:clrMapOvr>
     <a:masterClrMapping/>
@@ -11778,288 +11920,6 @@
 </file>
 
 <file path=ppt/notesSlides/notesSlide20.xml><?xml version="1.0" encoding="utf-8"?>
-<p:notes xmlns:a="http://schemas.openxmlformats.org/drawingml/2006/main" xmlns:r="http://schemas.openxmlformats.org/officeDocument/2006/relationships" xmlns:p="http://schemas.openxmlformats.org/presentationml/2006/main" showMasterSp="0" showMasterPhAnim="0">
-  <p:cSld>
-    <p:spTree>
-      <p:nvGrpSpPr>
-        <p:cNvPr id="1" name="Shape 127"/>
-        <p:cNvGrpSpPr/>
-        <p:nvPr/>
-      </p:nvGrpSpPr>
-      <p:grpSpPr>
-        <a:xfrm>
-          <a:off x="0" y="0"/>
-          <a:ext cx="0" cy="0"/>
-          <a:chOff x="0" y="0"/>
-          <a:chExt cx="0" cy="0"/>
-        </a:xfrm>
-      </p:grpSpPr>
-      <p:sp>
-        <p:nvSpPr>
-          <p:cNvPr id="128" name="Google Shape;128;p13:notes"/>
-          <p:cNvSpPr>
-            <a:spLocks noGrp="1" noRot="1" noChangeAspect="1"/>
-          </p:cNvSpPr>
-          <p:nvPr>
-            <p:ph type="sldImg" idx="2"/>
-          </p:nvPr>
-        </p:nvSpPr>
-        <p:spPr>
-          <a:xfrm>
-            <a:off x="381000" y="685800"/>
-            <a:ext cx="6096000" cy="3429000"/>
-          </a:xfrm>
-          <a:custGeom>
-            <a:avLst/>
-            <a:gdLst/>
-            <a:ahLst/>
-            <a:cxnLst/>
-            <a:rect l="l" t="t" r="r" b="b"/>
-            <a:pathLst>
-              <a:path w="120000" h="120000" extrusionOk="0">
-                <a:moveTo>
-                  <a:pt x="0" y="0"/>
-                </a:moveTo>
-                <a:lnTo>
-                  <a:pt x="120000" y="0"/>
-                </a:lnTo>
-                <a:lnTo>
-                  <a:pt x="120000" y="120000"/>
-                </a:lnTo>
-                <a:lnTo>
-                  <a:pt x="0" y="120000"/>
-                </a:lnTo>
-                <a:close/>
-              </a:path>
-            </a:pathLst>
-          </a:custGeom>
-          <a:noFill/>
-          <a:ln w="9525" cap="flat" cmpd="sng">
-            <a:solidFill>
-              <a:srgbClr val="000000"/>
-            </a:solidFill>
-            <a:prstDash val="solid"/>
-            <a:miter lim="800000"/>
-            <a:headEnd type="none" w="sm" len="sm"/>
-            <a:tailEnd type="none" w="sm" len="sm"/>
-          </a:ln>
-        </p:spPr>
-      </p:sp>
-      <p:sp>
-        <p:nvSpPr>
-          <p:cNvPr id="129" name="Google Shape;129;p13:notes"/>
-          <p:cNvSpPr txBox="1">
-            <a:spLocks noGrp="1"/>
-          </p:cNvSpPr>
-          <p:nvPr>
-            <p:ph type="body" idx="1"/>
-          </p:nvPr>
-        </p:nvSpPr>
-        <p:spPr>
-          <a:xfrm>
-            <a:off x="914400" y="4343400"/>
-            <a:ext cx="5029200" cy="4114800"/>
-          </a:xfrm>
-          <a:prstGeom prst="rect">
-            <a:avLst/>
-          </a:prstGeom>
-          <a:noFill/>
-          <a:ln>
-            <a:noFill/>
-          </a:ln>
-        </p:spPr>
-        <p:txBody>
-          <a:bodyPr spcFirstLastPara="1" wrap="square" lIns="91425" tIns="45700" rIns="91425" bIns="45700" anchor="t" anchorCtr="0">
-            <a:noAutofit/>
-          </a:bodyPr>
-          <a:lstStyle/>
-          <a:p>
-            <a:pPr marL="0" marR="0" lvl="0" indent="0" algn="l" defTabSz="914400" rtl="0" eaLnBrk="1" fontAlgn="auto" latinLnBrk="0" hangingPunct="1">
-              <a:lnSpc>
-                <a:spcPct val="100000"/>
-              </a:lnSpc>
-              <a:spcBef>
-                <a:spcPts val="0"/>
-              </a:spcBef>
-              <a:spcAft>
-                <a:spcPts val="0"/>
-              </a:spcAft>
-              <a:buClr>
-                <a:srgbClr val="000000"/>
-              </a:buClr>
-              <a:buSzPts val="1400"/>
-              <a:buFont typeface="Arial"/>
-              <a:buNone/>
-              <a:tabLst/>
-              <a:defRPr/>
-            </a:pPr>
-            <a:r>
-              <a:rPr lang="en-US" b="0" i="0">
-                <a:effectLst/>
-                <a:latin typeface="UICTFontTextStyleBody"/>
-              </a:rPr>
-              <a:t>As mentioned earlier, machine learning algorithms for natural language processing tasks require text input to be represented as a vector. We tested several different vectorization methods for creating vector representations of tweets. </a:t>
-            </a:r>
-          </a:p>
-          <a:p>
-            <a:pPr algn="l"/>
-            <a:r>
-              <a:rPr lang="en-US" b="0" i="0" u="none" strike="noStrike">
-                <a:solidFill>
-                  <a:srgbClr val="374151"/>
-                </a:solidFill>
-                <a:effectLst/>
-                <a:latin typeface="Söhne"/>
-              </a:rPr>
-              <a:t>Count Vectorization creates a bag of words for each document. In our context, a document corresponds to a single tweet. This method produces a vector containing the frequency of each word in the tweet. Of all the methods we explored, count vectorization is the most straightforward.</a:t>
-            </a:r>
-          </a:p>
-          <a:p>
-            <a:pPr algn="l"/>
-            <a:r>
-              <a:rPr lang="en-US" b="0" i="0" u="none" strike="noStrike">
-                <a:solidFill>
-                  <a:srgbClr val="374151"/>
-                </a:solidFill>
-                <a:effectLst/>
-                <a:latin typeface="Söhne"/>
-              </a:rPr>
-              <a:t>Term Frequency-Inverse Document Frequency (TF-IDF) is a slightly more sophisticated method. It evaluates the importance of a word based on its frequency in a single document relative to its frequency across multiple documents. In other words, while common words that appear in many tweets are given lower weights, unique words that appear frequently in individual tweets but rarely overall are given higher weights.</a:t>
-            </a:r>
-          </a:p>
-          <a:p>
-            <a:pPr algn="l"/>
-            <a:r>
-              <a:rPr lang="en-US" b="0" i="0" u="none" strike="noStrike">
-                <a:solidFill>
-                  <a:srgbClr val="374151"/>
-                </a:solidFill>
-                <a:effectLst/>
-                <a:latin typeface="Söhne"/>
-              </a:rPr>
-              <a:t>Word2Vec is another advanced technique. It presents words in a dense vector space, where the positioning and proximity of words are determined by their context within sentences. This means that words with similar meanings, or those often used in similar contexts, end up having vectors that are closer to each other in this space.</a:t>
-            </a:r>
-          </a:p>
-          <a:p>
-            <a:pPr algn="l"/>
-            <a:r>
-              <a:rPr lang="en-US" b="0" i="0" u="none" strike="noStrike">
-                <a:solidFill>
-                  <a:srgbClr val="374151"/>
-                </a:solidFill>
-                <a:effectLst/>
-                <a:latin typeface="Söhne"/>
-              </a:rPr>
-              <a:t>Doc2Vec is an extension of Word2Vec that captures representations for phrases or entire documents, not just individual words. It learns to associate specific words with the larger document they belong to, providing a fixed-size vector for the entire document.</a:t>
-            </a:r>
-          </a:p>
-          <a:p>
-            <a:pPr algn="l"/>
-            <a:r>
-              <a:rPr lang="en-US" b="0" i="0" u="none" strike="noStrike">
-                <a:solidFill>
-                  <a:srgbClr val="374151"/>
-                </a:solidFill>
-                <a:effectLst/>
-                <a:latin typeface="Söhne"/>
-              </a:rPr>
-              <a:t>Lastly, Google’s Universal Sentence Encoder (USE) uses deep learning to transform text into high-dimensional vectors suitable for a range of NLP tasks, from semantic similarity comparisons to classification tasks. </a:t>
-            </a:r>
-            <a:r>
-              <a:rPr lang="en-US" b="0" i="0">
-                <a:effectLst/>
-                <a:latin typeface="UICTFontTextStyleBody"/>
-              </a:rPr>
-              <a:t>Each of these vectorization techniques was used in one of the candidate models.</a:t>
-            </a:r>
-          </a:p>
-          <a:p>
-            <a:pPr marL="0" marR="0" lvl="0" indent="0" algn="l" defTabSz="914400" rtl="0" eaLnBrk="1" fontAlgn="auto" latinLnBrk="0" hangingPunct="1">
-              <a:lnSpc>
-                <a:spcPct val="100000"/>
-              </a:lnSpc>
-              <a:spcBef>
-                <a:spcPts val="0"/>
-              </a:spcBef>
-              <a:spcAft>
-                <a:spcPts val="0"/>
-              </a:spcAft>
-              <a:buClr>
-                <a:srgbClr val="000000"/>
-              </a:buClr>
-              <a:buSzPts val="1400"/>
-              <a:buFont typeface="Arial"/>
-              <a:buNone/>
-              <a:tabLst/>
-              <a:defRPr/>
-            </a:pPr>
-            <a:endParaRPr lang="en-US" b="0" i="0">
-              <a:effectLst/>
-              <a:latin typeface="UICTFontTextStyleBody"/>
-            </a:endParaRPr>
-          </a:p>
-        </p:txBody>
-      </p:sp>
-      <p:sp>
-        <p:nvSpPr>
-          <p:cNvPr id="130" name="Google Shape;130;p13:notes"/>
-          <p:cNvSpPr txBox="1">
-            <a:spLocks noGrp="1"/>
-          </p:cNvSpPr>
-          <p:nvPr>
-            <p:ph type="sldNum" idx="12"/>
-          </p:nvPr>
-        </p:nvSpPr>
-        <p:spPr>
-          <a:xfrm>
-            <a:off x="3886200" y="8686800"/>
-            <a:ext cx="2971800" cy="457200"/>
-          </a:xfrm>
-          <a:prstGeom prst="rect">
-            <a:avLst/>
-          </a:prstGeom>
-          <a:noFill/>
-          <a:ln>
-            <a:noFill/>
-          </a:ln>
-        </p:spPr>
-        <p:txBody>
-          <a:bodyPr spcFirstLastPara="1" wrap="square" lIns="91425" tIns="45700" rIns="91425" bIns="45700" anchor="b" anchorCtr="0">
-            <a:noAutofit/>
-          </a:bodyPr>
-          <a:lstStyle/>
-          <a:p>
-            <a:pPr marL="0" lvl="0" indent="0" algn="r" rtl="0">
-              <a:spcBef>
-                <a:spcPts val="0"/>
-              </a:spcBef>
-              <a:spcAft>
-                <a:spcPts val="0"/>
-              </a:spcAft>
-              <a:buNone/>
-            </a:pPr>
-            <a:fld id="{00000000-1234-1234-1234-123412341234}" type="slidenum">
-              <a:rPr lang="en-US"/>
-              <a:t>20</a:t>
-            </a:fld>
-            <a:endParaRPr/>
-          </a:p>
-        </p:txBody>
-      </p:sp>
-    </p:spTree>
-    <p:extLst>
-      <p:ext uri="{BB962C8B-B14F-4D97-AF65-F5344CB8AC3E}">
-        <p14:creationId xmlns:p14="http://schemas.microsoft.com/office/powerpoint/2010/main" val="3359207055"/>
-      </p:ext>
-    </p:extLst>
-  </p:cSld>
-  <p:clrMapOvr>
-    <a:masterClrMapping/>
-  </p:clrMapOvr>
-</p:notes>
-</file>
-
-<file path=ppt/notesSlides/notesSlide21.xml><?xml version="1.0" encoding="utf-8"?>
 <p:notes xmlns:a="http://schemas.openxmlformats.org/drawingml/2006/main" xmlns:r="http://schemas.openxmlformats.org/officeDocument/2006/relationships" xmlns:p="http://schemas.openxmlformats.org/presentationml/2006/main">
   <p:cSld>
     <p:spTree>
@@ -12213,7 +12073,7 @@
                 <a:cs typeface="Arial"/>
                 <a:sym typeface="Arial"/>
               </a:rPr>
-              <a:t>21</a:t>
+              <a:t>20</a:t>
             </a:fld>
             <a:endParaRPr lang="en-US" sz="1200" b="0" i="0" u="none" strike="noStrike" cap="none">
               <a:solidFill>
@@ -12240,7 +12100,7 @@
 </p:notes>
 </file>
 
-<file path=ppt/notesSlides/notesSlide22.xml><?xml version="1.0" encoding="utf-8"?>
+<file path=ppt/notesSlides/notesSlide21.xml><?xml version="1.0" encoding="utf-8"?>
 <p:notes xmlns:a="http://schemas.openxmlformats.org/drawingml/2006/main" xmlns:r="http://schemas.openxmlformats.org/officeDocument/2006/relationships" xmlns:p="http://schemas.openxmlformats.org/presentationml/2006/main">
   <p:cSld>
     <p:spTree>
@@ -12382,6 +12242,144 @@
                 <a:cs typeface="Arial"/>
                 <a:sym typeface="Arial"/>
               </a:rPr>
+              <a:t>21</a:t>
+            </a:fld>
+            <a:endParaRPr lang="en-US" sz="1200" b="0" i="0" u="none" strike="noStrike" cap="none">
+              <a:solidFill>
+                <a:schemeClr val="dk1"/>
+              </a:solidFill>
+              <a:latin typeface="Arial"/>
+              <a:ea typeface="Arial"/>
+              <a:cs typeface="Arial"/>
+              <a:sym typeface="Arial"/>
+            </a:endParaRPr>
+          </a:p>
+        </p:txBody>
+      </p:sp>
+    </p:spTree>
+    <p:extLst>
+      <p:ext uri="{BB962C8B-B14F-4D97-AF65-F5344CB8AC3E}">
+        <p14:creationId xmlns:p14="http://schemas.microsoft.com/office/powerpoint/2010/main" val="2598445567"/>
+      </p:ext>
+    </p:extLst>
+  </p:cSld>
+  <p:clrMapOvr>
+    <a:masterClrMapping/>
+  </p:clrMapOvr>
+</p:notes>
+</file>
+
+<file path=ppt/notesSlides/notesSlide22.xml><?xml version="1.0" encoding="utf-8"?>
+<p:notes xmlns:a="http://schemas.openxmlformats.org/drawingml/2006/main" xmlns:r="http://schemas.openxmlformats.org/officeDocument/2006/relationships" xmlns:p="http://schemas.openxmlformats.org/presentationml/2006/main">
+  <p:cSld>
+    <p:spTree>
+      <p:nvGrpSpPr>
+        <p:cNvPr id="1" name=""/>
+        <p:cNvGrpSpPr/>
+        <p:nvPr/>
+      </p:nvGrpSpPr>
+      <p:grpSpPr>
+        <a:xfrm>
+          <a:off x="0" y="0"/>
+          <a:ext cx="0" cy="0"/>
+          <a:chOff x="0" y="0"/>
+          <a:chExt cx="0" cy="0"/>
+        </a:xfrm>
+      </p:grpSpPr>
+      <p:sp>
+        <p:nvSpPr>
+          <p:cNvPr id="2" name="Slide Image Placeholder 1"/>
+          <p:cNvSpPr>
+            <a:spLocks noGrp="1" noRot="1" noChangeAspect="1"/>
+          </p:cNvSpPr>
+          <p:nvPr>
+            <p:ph type="sldImg"/>
+          </p:nvPr>
+        </p:nvSpPr>
+        <p:spPr/>
+      </p:sp>
+      <p:sp>
+        <p:nvSpPr>
+          <p:cNvPr id="3" name="Notes Placeholder 2"/>
+          <p:cNvSpPr>
+            <a:spLocks noGrp="1"/>
+          </p:cNvSpPr>
+          <p:nvPr>
+            <p:ph type="body" idx="1"/>
+          </p:nvPr>
+        </p:nvSpPr>
+        <p:spPr/>
+        <p:txBody>
+          <a:bodyPr/>
+          <a:lstStyle/>
+          <a:p>
+            <a:pPr marL="457200" marR="0" lvl="0" indent="-228600" algn="l" defTabSz="914400" rtl="0" eaLnBrk="1" fontAlgn="auto" latinLnBrk="0" hangingPunct="1">
+              <a:lnSpc>
+                <a:spcPct val="100000"/>
+              </a:lnSpc>
+              <a:spcBef>
+                <a:spcPts val="360"/>
+              </a:spcBef>
+              <a:spcAft>
+                <a:spcPts val="0"/>
+              </a:spcAft>
+              <a:buClr>
+                <a:srgbClr val="000000"/>
+              </a:buClr>
+              <a:buSzPts val="1400"/>
+              <a:buFont typeface="Arial"/>
+              <a:buNone/>
+              <a:tabLst/>
+              <a:defRPr/>
+            </a:pPr>
+            <a:r>
+              <a:rPr lang="en-US" b="0" i="0">
+                <a:effectLst/>
+                <a:latin typeface="UICTFontTextStyleBody"/>
+              </a:rPr>
+              <a:t>Our Brand Sentiment Analyzer represents the culmination of our model evaluation efforts. After thorough assessment, we selected the classifiers that demonstrated the highest F1 scores for both brand and sentiment analysis. These were the Linear SVC using count vectorization for brands and the Logistic Regression with TF-IDF vectorization for sentiment. The Analyzer's functionality is straightforward: it takes raw tweets and outputs a paired prediction of brand and sentiment. For instance, a tweet like ”Had a good time at Starbucks now going to the besties” would yield a result: Starbucks, Positive. Our system is structured so that the text undergoes transformation within the Brand and Sentiment Classifiers, making the Brand Sentiment Analyzer an efficient pipeline. When subjected to a test set of 200 randomly chosen tweets, the Analyzer showcased an overall accuracy of 81%. Brand identification was particularly impressive, registering at 99%. However, this high accuracy led us to suspect potential overfitting. Sentiment accuracy rounded out at a solid 82%.</a:t>
+            </a:r>
+            <a:endParaRPr lang="en-US">
+              <a:effectLst/>
+              <a:latin typeface=".AppleSystemUIFont"/>
+            </a:endParaRPr>
+          </a:p>
+        </p:txBody>
+      </p:sp>
+      <p:sp>
+        <p:nvSpPr>
+          <p:cNvPr id="4" name="Slide Number Placeholder 3"/>
+          <p:cNvSpPr>
+            <a:spLocks noGrp="1"/>
+          </p:cNvSpPr>
+          <p:nvPr>
+            <p:ph type="sldNum" idx="12"/>
+          </p:nvPr>
+        </p:nvSpPr>
+        <p:spPr/>
+        <p:txBody>
+          <a:bodyPr/>
+          <a:lstStyle/>
+          <a:p>
+            <a:pPr marL="0" marR="0" lvl="0" indent="0" algn="r" rtl="0">
+              <a:spcBef>
+                <a:spcPts val="0"/>
+              </a:spcBef>
+              <a:spcAft>
+                <a:spcPts val="0"/>
+              </a:spcAft>
+              <a:buNone/>
+            </a:pPr>
+            <a:fld id="{00000000-1234-1234-1234-123412341234}" type="slidenum">
+              <a:rPr lang="en-US" sz="1200" b="0" i="0" u="none" strike="noStrike" cap="none" smtClean="0">
+                <a:solidFill>
+                  <a:schemeClr val="dk1"/>
+                </a:solidFill>
+                <a:latin typeface="Arial"/>
+                <a:ea typeface="Arial"/>
+                <a:cs typeface="Arial"/>
+                <a:sym typeface="Arial"/>
+              </a:rPr>
               <a:t>22</a:t>
             </a:fld>
             <a:endParaRPr lang="en-US" sz="1200" b="0" i="0" u="none" strike="noStrike" cap="none">
@@ -12399,7 +12397,7 @@
     </p:spTree>
     <p:extLst>
       <p:ext uri="{BB962C8B-B14F-4D97-AF65-F5344CB8AC3E}">
-        <p14:creationId xmlns:p14="http://schemas.microsoft.com/office/powerpoint/2010/main" val="2598445567"/>
+        <p14:creationId xmlns:p14="http://schemas.microsoft.com/office/powerpoint/2010/main" val="1358103704"/>
       </p:ext>
     </p:extLst>
   </p:cSld>
@@ -12453,36 +12451,15 @@
           <a:bodyPr/>
           <a:lstStyle/>
           <a:p>
-            <a:pPr marL="457200" marR="0" lvl="0" indent="-228600" algn="l" defTabSz="914400" rtl="0" eaLnBrk="1" fontAlgn="auto" latinLnBrk="0" hangingPunct="1">
-              <a:lnSpc>
-                <a:spcPct val="100000"/>
-              </a:lnSpc>
-              <a:spcBef>
-                <a:spcPts val="360"/>
-              </a:spcBef>
-              <a:spcAft>
-                <a:spcPts val="0"/>
-              </a:spcAft>
-              <a:buClr>
-                <a:srgbClr val="000000"/>
-              </a:buClr>
-              <a:buSzPts val="1400"/>
-              <a:buFont typeface="Arial"/>
-              <a:buNone/>
-              <a:tabLst/>
-              <a:defRPr/>
+            <a:pPr>
+              <a:spcBef>
+                <a:spcPts val="0"/>
+              </a:spcBef>
             </a:pPr>
             <a:r>
-              <a:rPr lang="en-US" b="0" i="0">
-                <a:effectLst/>
-                <a:latin typeface="UICTFontTextStyleBody"/>
-              </a:rPr>
-              <a:t>Our Brand Sentiment Analyzer represents the culmination of our model evaluation efforts. After thorough assessment, we selected the classifiers that demonstrated the highest F1 scores for both brand and sentiment analysis. These were the Linear SVC using count vectorization for brands and the Logistic Regression with TF-IDF vectorization for sentiment. The Analyzer's functionality is straightforward: it takes raw tweets and outputs a paired prediction of brand and sentiment. For instance, a tweet like ”Had a good time at Starbucks now going to the besties” would yield a result: Starbucks, Positive. Our system is structured so that the text undergoes transformation within the Brand and Sentiment Classifiers, making the Brand Sentiment Analyzer an efficient pipeline. When subjected to a test set of 200 randomly chosen tweets, the Analyzer showcased an overall accuracy of 81%. Brand identification was particularly impressive, registering at 99%. However, this high accuracy led us to suspect potential overfitting. Sentiment accuracy rounded out at a solid 82%.</a:t>
+              <a:rPr lang="en-US"/>
+              <a:t>In the evaluation stage, we measured the models' ability to identify brands and predict sentiment in Twitter posts. We used standard classification metrics such as Accuracy, Precision, Recall, and F1 score to evaluate the models. Due to brand class imbalance, F1 was prioritized as the most important metric. This is because it balances the cost of false positive and false negative predictions and is a more accurate measure of importance than accuracy when the classes are imbalanced.</a:t>
             </a:r>
-            <a:endParaRPr lang="en-US">
-              <a:effectLst/>
-              <a:latin typeface=".AppleSystemUIFont"/>
-            </a:endParaRPr>
           </a:p>
         </p:txBody>
       </p:sp>
@@ -12511,7 +12488,7 @@
               <a:buNone/>
             </a:pPr>
             <a:fld id="{00000000-1234-1234-1234-123412341234}" type="slidenum">
-              <a:rPr lang="en-US" sz="1200" b="0" i="0" u="none" strike="noStrike" cap="none" smtClean="0">
+              <a:rPr lang="en-US" sz="1200" b="0" i="0" u="none" strike="noStrike" cap="none">
                 <a:solidFill>
                   <a:schemeClr val="dk1"/>
                 </a:solidFill>
@@ -12537,7 +12514,7 @@
     </p:spTree>
     <p:extLst>
       <p:ext uri="{BB962C8B-B14F-4D97-AF65-F5344CB8AC3E}">
-        <p14:creationId xmlns:p14="http://schemas.microsoft.com/office/powerpoint/2010/main" val="1358103704"/>
+        <p14:creationId xmlns:p14="http://schemas.microsoft.com/office/powerpoint/2010/main" val="499830810"/>
       </p:ext>
     </p:extLst>
   </p:cSld>
@@ -12548,11 +12525,11 @@
 </file>
 
 <file path=ppt/notesSlides/notesSlide24.xml><?xml version="1.0" encoding="utf-8"?>
-<p:notes xmlns:a="http://schemas.openxmlformats.org/drawingml/2006/main" xmlns:r="http://schemas.openxmlformats.org/officeDocument/2006/relationships" xmlns:p="http://schemas.openxmlformats.org/presentationml/2006/main">
+<p:notes xmlns:a="http://schemas.openxmlformats.org/drawingml/2006/main" xmlns:r="http://schemas.openxmlformats.org/officeDocument/2006/relationships" xmlns:p="http://schemas.openxmlformats.org/presentationml/2006/main" showMasterSp="0" showMasterPhAnim="0">
   <p:cSld>
     <p:spTree>
       <p:nvGrpSpPr>
-        <p:cNvPr id="1" name=""/>
+        <p:cNvPr id="1" name="Shape 148"/>
         <p:cNvGrpSpPr/>
         <p:nvPr/>
       </p:nvGrpSpPr>
@@ -12566,59 +12543,137 @@
       </p:grpSpPr>
       <p:sp>
         <p:nvSpPr>
-          <p:cNvPr id="2" name="Slide Image Placeholder 1"/>
+          <p:cNvPr id="149" name="Google Shape;149;p16:notes"/>
           <p:cNvSpPr>
             <a:spLocks noGrp="1" noRot="1" noChangeAspect="1"/>
           </p:cNvSpPr>
           <p:nvPr>
-            <p:ph type="sldImg"/>
+            <p:ph type="sldImg" idx="2"/>
           </p:nvPr>
         </p:nvSpPr>
-        <p:spPr/>
+        <p:spPr>
+          <a:xfrm>
+            <a:off x="381000" y="685800"/>
+            <a:ext cx="6096000" cy="3429000"/>
+          </a:xfrm>
+          <a:custGeom>
+            <a:avLst/>
+            <a:gdLst/>
+            <a:ahLst/>
+            <a:cxnLst/>
+            <a:rect l="l" t="t" r="r" b="b"/>
+            <a:pathLst>
+              <a:path w="120000" h="120000" extrusionOk="0">
+                <a:moveTo>
+                  <a:pt x="0" y="0"/>
+                </a:moveTo>
+                <a:lnTo>
+                  <a:pt x="120000" y="0"/>
+                </a:lnTo>
+                <a:lnTo>
+                  <a:pt x="120000" y="120000"/>
+                </a:lnTo>
+                <a:lnTo>
+                  <a:pt x="0" y="120000"/>
+                </a:lnTo>
+                <a:close/>
+              </a:path>
+            </a:pathLst>
+          </a:custGeom>
+          <a:noFill/>
+          <a:ln w="9525" cap="flat" cmpd="sng">
+            <a:solidFill>
+              <a:srgbClr val="000000"/>
+            </a:solidFill>
+            <a:prstDash val="solid"/>
+            <a:miter lim="800000"/>
+            <a:headEnd type="none" w="sm" len="sm"/>
+            <a:tailEnd type="none" w="sm" len="sm"/>
+          </a:ln>
+        </p:spPr>
       </p:sp>
       <p:sp>
         <p:nvSpPr>
-          <p:cNvPr id="3" name="Notes Placeholder 2"/>
-          <p:cNvSpPr>
+          <p:cNvPr id="150" name="Google Shape;150;p16:notes"/>
+          <p:cNvSpPr txBox="1">
             <a:spLocks noGrp="1"/>
           </p:cNvSpPr>
           <p:nvPr>
             <p:ph type="body" idx="1"/>
           </p:nvPr>
         </p:nvSpPr>
-        <p:spPr/>
+        <p:spPr>
+          <a:xfrm>
+            <a:off x="914400" y="4343400"/>
+            <a:ext cx="5029200" cy="4114800"/>
+          </a:xfrm>
+          <a:prstGeom prst="rect">
+            <a:avLst/>
+          </a:prstGeom>
+          <a:noFill/>
+          <a:ln>
+            <a:noFill/>
+          </a:ln>
+        </p:spPr>
         <p:txBody>
-          <a:bodyPr/>
+          <a:bodyPr spcFirstLastPara="1" wrap="square" lIns="91425" tIns="45700" rIns="91425" bIns="45700" anchor="t" anchorCtr="0">
+            <a:noAutofit/>
+          </a:bodyPr>
           <a:lstStyle/>
           <a:p>
-            <a:pPr>
-              <a:spcBef>
-                <a:spcPts val="0"/>
-              </a:spcBef>
-            </a:pPr>
             <a:r>
               <a:rPr lang="en-US"/>
-              <a:t>In the evaluation stage, we measured the models' ability to identify brands and predict sentiment in Twitter posts. We used standard classification metrics such as Accuracy, Precision, Recall, and F1 score to evaluate the models.</a:t>
+              <a:t>We tested three brand classifier models: Multinomial Naive Bayes with count vectorization, Linear Support Vector Classifier (SVC) with count vectorization, and Logistic Regression with Word2Vec vector embedding. Each model was wrapped as a Brand Classifier object for streamlined evaluation and integration into the Brand Sentiment Analyzer. The confusion matrices shown above show the performance by class for each of the models. As you can see, </a:t>
             </a:r>
+            <a:r>
+              <a:rPr lang="en-US" err="1"/>
+              <a:t>multinomialNB</a:t>
+            </a:r>
+            <a:r>
+              <a:rPr lang="en-US"/>
+              <a:t> count vectorizer had the highest per-class error, and svc count vectorizer had practically perfect accuracy for every class. The performance of svc count vectorizer indicates that it was likely overfitting to the data, and would need further refinement to prevent this from happening.</a:t>
+            </a:r>
+          </a:p>
+          <a:p>
+            <a:pPr marL="0" indent="0">
+              <a:spcBef>
+                <a:spcPts val="0"/>
+              </a:spcBef>
+            </a:pPr>
+            <a:endParaRPr lang="en-US"/>
           </a:p>
         </p:txBody>
       </p:sp>
       <p:sp>
         <p:nvSpPr>
-          <p:cNvPr id="4" name="Slide Number Placeholder 3"/>
-          <p:cNvSpPr>
+          <p:cNvPr id="151" name="Google Shape;151;p16:notes"/>
+          <p:cNvSpPr txBox="1">
             <a:spLocks noGrp="1"/>
           </p:cNvSpPr>
           <p:nvPr>
             <p:ph type="sldNum" idx="12"/>
           </p:nvPr>
         </p:nvSpPr>
-        <p:spPr/>
+        <p:spPr>
+          <a:xfrm>
+            <a:off x="3886200" y="8686800"/>
+            <a:ext cx="2971800" cy="457200"/>
+          </a:xfrm>
+          <a:prstGeom prst="rect">
+            <a:avLst/>
+          </a:prstGeom>
+          <a:noFill/>
+          <a:ln>
+            <a:noFill/>
+          </a:ln>
+        </p:spPr>
         <p:txBody>
-          <a:bodyPr/>
+          <a:bodyPr spcFirstLastPara="1" wrap="square" lIns="91425" tIns="45700" rIns="91425" bIns="45700" anchor="b" anchorCtr="0">
+            <a:noAutofit/>
+          </a:bodyPr>
           <a:lstStyle/>
           <a:p>
-            <a:pPr marL="0" marR="0" lvl="0" indent="0" algn="r" rtl="0">
+            <a:pPr marL="0" lvl="0" indent="0" algn="r" rtl="0">
               <a:spcBef>
                 <a:spcPts val="0"/>
               </a:spcBef>
@@ -12628,33 +12683,17 @@
               <a:buNone/>
             </a:pPr>
             <a:fld id="{00000000-1234-1234-1234-123412341234}" type="slidenum">
-              <a:rPr lang="en-US" sz="1200" b="0" i="0" u="none" strike="noStrike" cap="none">
-                <a:solidFill>
-                  <a:schemeClr val="dk1"/>
-                </a:solidFill>
-                <a:latin typeface="Arial"/>
-                <a:ea typeface="Arial"/>
-                <a:cs typeface="Arial"/>
-                <a:sym typeface="Arial"/>
-              </a:rPr>
+              <a:rPr lang="en-US"/>
               <a:t>24</a:t>
             </a:fld>
-            <a:endParaRPr lang="en-US" sz="1200" b="0" i="0" u="none" strike="noStrike" cap="none">
-              <a:solidFill>
-                <a:schemeClr val="dk1"/>
-              </a:solidFill>
-              <a:latin typeface="Arial"/>
-              <a:ea typeface="Arial"/>
-              <a:cs typeface="Arial"/>
-              <a:sym typeface="Arial"/>
-            </a:endParaRPr>
+            <a:endParaRPr/>
           </a:p>
         </p:txBody>
       </p:sp>
     </p:spTree>
     <p:extLst>
       <p:ext uri="{BB962C8B-B14F-4D97-AF65-F5344CB8AC3E}">
-        <p14:creationId xmlns:p14="http://schemas.microsoft.com/office/powerpoint/2010/main" val="499830810"/>
+        <p14:creationId xmlns:p14="http://schemas.microsoft.com/office/powerpoint/2010/main" val="2179585077"/>
       </p:ext>
     </p:extLst>
   </p:cSld>
@@ -12763,28 +12802,17 @@
           <a:p>
             <a:r>
               <a:rPr lang="en-US"/>
-              <a:t>We tested three brand classifier models: Multinomial Naive Bayes with count vectorization, Linear Support Vector Classifier (SVC) with count vectorization, and Logistic Regression with Word2Vec vector embedding. Each model was wrapped as a Brand Classifier object for streamlined evaluation and integration into the Brand Sentiment Analyzer.</a:t>
+              <a:t>In a manner similar to the Brand Classifier, each potential sentiment classifier model was integrated within a Sentiment Classifier object, defining its own method of vectorization. The evaluation encompassed three candidate models for sentiment classification. All three models employed the Logistic Regression algorithm, recognized for its efficacy in binary classification tasks. However, each model used a distinct vectorization technique, namely TF-IDF vectorization, Doc2Vec vector embedding, and the Universal Sentence Encoder.</a:t>
             </a:r>
           </a:p>
           <a:p>
             <a:r>
               <a:rPr lang="en-US"/>
-              <a:t>Multinomial Naive Bayes uses count vectorization and treats tokens as independent, creating a bag-of-words representation. Linear SVC, employing count vectorization, finds a hyperplane for class separation. Logistic Regression, our final choice, utilizes a Word2Vec model trained on processed Brands text data for richer word representations. Among these, Linear SVC displayed the highest performance.</a:t>
+              <a:t>The confusion matrices shown above show the performance by class for each of the models. Although logistic regression using TF-IDF vectorization and logistic regression using Universal Sentence Encoder show similar performance, logistic regression using TF-IDF had the highest F1 score of the three models.</a:t>
             </a:r>
           </a:p>
           <a:p>
-            <a:r>
-              <a:rPr lang="en-US"/>
-              <a:t>For the 200 randomly sampled test tweets, the brand classifier accuracy was 85% for Multinomial Naive Bayes, 89% for Linear SVC, and 92% for Logistic Regression with Word2Vec. This indicates that the Logistic Regression model using Word2Vec provided the best accuracy in predicting the brands mentioned in tweets.</a:t>
-            </a:r>
-          </a:p>
-          <a:p>
-            <a:pPr marL="0" indent="0">
-              <a:spcBef>
-                <a:spcPts val="0"/>
-              </a:spcBef>
-            </a:pPr>
-            <a:endParaRPr/>
+            <a:endParaRPr lang="en-US"/>
           </a:p>
         </p:txBody>
       </p:sp>
@@ -12835,11 +12863,6 @@
         </p:txBody>
       </p:sp>
     </p:spTree>
-    <p:extLst>
-      <p:ext uri="{BB962C8B-B14F-4D97-AF65-F5344CB8AC3E}">
-        <p14:creationId xmlns:p14="http://schemas.microsoft.com/office/powerpoint/2010/main" val="2179585077"/>
-      </p:ext>
-    </p:extLst>
   </p:cSld>
   <p:clrMapOvr>
     <a:masterClrMapping/>
@@ -12848,184 +12871,6 @@
 </file>
 
 <file path=ppt/notesSlides/notesSlide26.xml><?xml version="1.0" encoding="utf-8"?>
-<p:notes xmlns:a="http://schemas.openxmlformats.org/drawingml/2006/main" xmlns:r="http://schemas.openxmlformats.org/officeDocument/2006/relationships" xmlns:p="http://schemas.openxmlformats.org/presentationml/2006/main" showMasterSp="0" showMasterPhAnim="0">
-  <p:cSld>
-    <p:spTree>
-      <p:nvGrpSpPr>
-        <p:cNvPr id="1" name="Shape 148"/>
-        <p:cNvGrpSpPr/>
-        <p:nvPr/>
-      </p:nvGrpSpPr>
-      <p:grpSpPr>
-        <a:xfrm>
-          <a:off x="0" y="0"/>
-          <a:ext cx="0" cy="0"/>
-          <a:chOff x="0" y="0"/>
-          <a:chExt cx="0" cy="0"/>
-        </a:xfrm>
-      </p:grpSpPr>
-      <p:sp>
-        <p:nvSpPr>
-          <p:cNvPr id="149" name="Google Shape;149;p16:notes"/>
-          <p:cNvSpPr>
-            <a:spLocks noGrp="1" noRot="1" noChangeAspect="1"/>
-          </p:cNvSpPr>
-          <p:nvPr>
-            <p:ph type="sldImg" idx="2"/>
-          </p:nvPr>
-        </p:nvSpPr>
-        <p:spPr>
-          <a:xfrm>
-            <a:off x="381000" y="685800"/>
-            <a:ext cx="6096000" cy="3429000"/>
-          </a:xfrm>
-          <a:custGeom>
-            <a:avLst/>
-            <a:gdLst/>
-            <a:ahLst/>
-            <a:cxnLst/>
-            <a:rect l="l" t="t" r="r" b="b"/>
-            <a:pathLst>
-              <a:path w="120000" h="120000" extrusionOk="0">
-                <a:moveTo>
-                  <a:pt x="0" y="0"/>
-                </a:moveTo>
-                <a:lnTo>
-                  <a:pt x="120000" y="0"/>
-                </a:lnTo>
-                <a:lnTo>
-                  <a:pt x="120000" y="120000"/>
-                </a:lnTo>
-                <a:lnTo>
-                  <a:pt x="0" y="120000"/>
-                </a:lnTo>
-                <a:close/>
-              </a:path>
-            </a:pathLst>
-          </a:custGeom>
-          <a:noFill/>
-          <a:ln w="9525" cap="flat" cmpd="sng">
-            <a:solidFill>
-              <a:srgbClr val="000000"/>
-            </a:solidFill>
-            <a:prstDash val="solid"/>
-            <a:miter lim="800000"/>
-            <a:headEnd type="none" w="sm" len="sm"/>
-            <a:tailEnd type="none" w="sm" len="sm"/>
-          </a:ln>
-        </p:spPr>
-      </p:sp>
-      <p:sp>
-        <p:nvSpPr>
-          <p:cNvPr id="150" name="Google Shape;150;p16:notes"/>
-          <p:cNvSpPr txBox="1">
-            <a:spLocks noGrp="1"/>
-          </p:cNvSpPr>
-          <p:nvPr>
-            <p:ph type="body" idx="1"/>
-          </p:nvPr>
-        </p:nvSpPr>
-        <p:spPr>
-          <a:xfrm>
-            <a:off x="914400" y="4343400"/>
-            <a:ext cx="5029200" cy="4114800"/>
-          </a:xfrm>
-          <a:prstGeom prst="rect">
-            <a:avLst/>
-          </a:prstGeom>
-          <a:noFill/>
-          <a:ln>
-            <a:noFill/>
-          </a:ln>
-        </p:spPr>
-        <p:txBody>
-          <a:bodyPr spcFirstLastPara="1" wrap="square" lIns="91425" tIns="45700" rIns="91425" bIns="45700" anchor="t" anchorCtr="0">
-            <a:noAutofit/>
-          </a:bodyPr>
-          <a:lstStyle/>
-          <a:p>
-            <a:r>
-              <a:rPr lang="en-US"/>
-              <a:t>In a manner similar to the Brand Classifier, each potential sentiment classifier model was integrated within a Sentiment Classifier object, defining its own method of vectorization. The evaluation encompassed three candidate models for sentiment classification. All three models employed the Logistic Regression algorithm, recognized for its efficacy in binary classification tasks. However, each model used a distinct vectorization technique, namely TF-IDF vectorization, Doc2Vec vector embedding, and the Universal Sentence Encoder.</a:t>
-            </a:r>
-          </a:p>
-          <a:p>
-            <a:r>
-              <a:rPr lang="en-US"/>
-              <a:t>TF-IDF vectorization, akin to a count vectorizer, transforms text into weighted vectors, capturing word frequency and rarity in documents. This enriches the captured information compared to mere word counts. Doc2Vec vector embedding, an extension of Word2Vec, generates embeddings for complete documents, moving beyond individual words.</a:t>
-            </a:r>
-          </a:p>
-          <a:p>
-            <a:r>
-              <a:rPr lang="en-US"/>
-              <a:t>The final approach was the use of the Universal Sentence Encoder, a pretrained deep learning model by Google that produces embeddings at the sentence level. Among these methodologies, Logistic Regression coupled with TF-IDF vectorization demonstrated the most robust performance for sentiment classification.</a:t>
-            </a:r>
-          </a:p>
-          <a:p>
-            <a:pPr marL="0" indent="0">
-              <a:spcBef>
-                <a:spcPts val="0"/>
-              </a:spcBef>
-            </a:pPr>
-            <a:endParaRPr/>
-          </a:p>
-        </p:txBody>
-      </p:sp>
-      <p:sp>
-        <p:nvSpPr>
-          <p:cNvPr id="151" name="Google Shape;151;p16:notes"/>
-          <p:cNvSpPr txBox="1">
-            <a:spLocks noGrp="1"/>
-          </p:cNvSpPr>
-          <p:nvPr>
-            <p:ph type="sldNum" idx="12"/>
-          </p:nvPr>
-        </p:nvSpPr>
-        <p:spPr>
-          <a:xfrm>
-            <a:off x="3886200" y="8686800"/>
-            <a:ext cx="2971800" cy="457200"/>
-          </a:xfrm>
-          <a:prstGeom prst="rect">
-            <a:avLst/>
-          </a:prstGeom>
-          <a:noFill/>
-          <a:ln>
-            <a:noFill/>
-          </a:ln>
-        </p:spPr>
-        <p:txBody>
-          <a:bodyPr spcFirstLastPara="1" wrap="square" lIns="91425" tIns="45700" rIns="91425" bIns="45700" anchor="b" anchorCtr="0">
-            <a:noAutofit/>
-          </a:bodyPr>
-          <a:lstStyle/>
-          <a:p>
-            <a:pPr marL="0" lvl="0" indent="0" algn="r" rtl="0">
-              <a:spcBef>
-                <a:spcPts val="0"/>
-              </a:spcBef>
-              <a:spcAft>
-                <a:spcPts val="0"/>
-              </a:spcAft>
-              <a:buNone/>
-            </a:pPr>
-            <a:fld id="{00000000-1234-1234-1234-123412341234}" type="slidenum">
-              <a:rPr lang="en-US"/>
-              <a:t>26</a:t>
-            </a:fld>
-            <a:endParaRPr/>
-          </a:p>
-        </p:txBody>
-      </p:sp>
-    </p:spTree>
-  </p:cSld>
-  <p:clrMapOvr>
-    <a:masterClrMapping/>
-  </p:clrMapOvr>
-</p:notes>
-</file>
-
-<file path=ppt/notesSlides/notesSlide27.xml><?xml version="1.0" encoding="utf-8"?>
 <p:notes xmlns:a="http://schemas.openxmlformats.org/drawingml/2006/main" xmlns:r="http://schemas.openxmlformats.org/officeDocument/2006/relationships" xmlns:p="http://schemas.openxmlformats.org/presentationml/2006/main" showMasterSp="0" showMasterPhAnim="0">
   <p:cSld>
     <p:spTree>
@@ -13174,7 +13019,7 @@
             </a:pPr>
             <a:fld id="{00000000-1234-1234-1234-123412341234}" type="slidenum">
               <a:rPr lang="en-US"/>
-              <a:t>27</a:t>
+              <a:t>26</a:t>
             </a:fld>
             <a:endParaRPr/>
           </a:p>
@@ -13188,7 +13033,7 @@
 </p:notes>
 </file>
 
-<file path=ppt/notesSlides/notesSlide28.xml><?xml version="1.0" encoding="utf-8"?>
+<file path=ppt/notesSlides/notesSlide27.xml><?xml version="1.0" encoding="utf-8"?>
 <p:notes xmlns:a="http://schemas.openxmlformats.org/drawingml/2006/main" xmlns:r="http://schemas.openxmlformats.org/officeDocument/2006/relationships" xmlns:p="http://schemas.openxmlformats.org/presentationml/2006/main" showMasterSp="0" showMasterPhAnim="0">
   <p:cSld>
     <p:spTree>
@@ -13345,7 +13190,7 @@
             </a:pPr>
             <a:fld id="{00000000-1234-1234-1234-123412341234}" type="slidenum">
               <a:rPr lang="en-US"/>
-              <a:t>28</a:t>
+              <a:t>27</a:t>
             </a:fld>
             <a:endParaRPr/>
           </a:p>
@@ -13359,7 +13204,7 @@
 </p:notes>
 </file>
 
-<file path=ppt/notesSlides/notesSlide29.xml><?xml version="1.0" encoding="utf-8"?>
+<file path=ppt/notesSlides/notesSlide28.xml><?xml version="1.0" encoding="utf-8"?>
 <p:notes xmlns:a="http://schemas.openxmlformats.org/drawingml/2006/main" xmlns:r="http://schemas.openxmlformats.org/officeDocument/2006/relationships" xmlns:p="http://schemas.openxmlformats.org/presentationml/2006/main" showMasterSp="0" showMasterPhAnim="0">
   <p:cSld>
     <p:spTree>
@@ -13508,7 +13353,7 @@
             </a:pPr>
             <a:fld id="{00000000-1234-1234-1234-123412341234}" type="slidenum">
               <a:rPr lang="en-US"/>
-              <a:t>29</a:t>
+              <a:t>28</a:t>
             </a:fld>
             <a:endParaRPr/>
           </a:p>
@@ -13522,119 +13367,7 @@
 </p:notes>
 </file>
 
-<file path=ppt/notesSlides/notesSlide3.xml><?xml version="1.0" encoding="utf-8"?>
-<p:notes xmlns:a="http://schemas.openxmlformats.org/drawingml/2006/main" xmlns:r="http://schemas.openxmlformats.org/officeDocument/2006/relationships" xmlns:p="http://schemas.openxmlformats.org/presentationml/2006/main">
-  <p:cSld>
-    <p:spTree>
-      <p:nvGrpSpPr>
-        <p:cNvPr id="1" name=""/>
-        <p:cNvGrpSpPr/>
-        <p:nvPr/>
-      </p:nvGrpSpPr>
-      <p:grpSpPr>
-        <a:xfrm>
-          <a:off x="0" y="0"/>
-          <a:ext cx="0" cy="0"/>
-          <a:chOff x="0" y="0"/>
-          <a:chExt cx="0" cy="0"/>
-        </a:xfrm>
-      </p:grpSpPr>
-      <p:sp>
-        <p:nvSpPr>
-          <p:cNvPr id="2" name="Slide Image Placeholder 1"/>
-          <p:cNvSpPr>
-            <a:spLocks noGrp="1" noRot="1" noChangeAspect="1"/>
-          </p:cNvSpPr>
-          <p:nvPr>
-            <p:ph type="sldImg"/>
-          </p:nvPr>
-        </p:nvSpPr>
-        <p:spPr/>
-      </p:sp>
-      <p:sp>
-        <p:nvSpPr>
-          <p:cNvPr id="3" name="Notes Placeholder 2"/>
-          <p:cNvSpPr>
-            <a:spLocks noGrp="1"/>
-          </p:cNvSpPr>
-          <p:nvPr>
-            <p:ph type="body" idx="1"/>
-          </p:nvPr>
-        </p:nvSpPr>
-        <p:spPr/>
-        <p:txBody>
-          <a:bodyPr/>
-          <a:lstStyle/>
-          <a:p>
-            <a:r>
-              <a:rPr lang="en-US"/>
-              <a:t>Why should businesses consider integrating Artificial Intelligence, or AI, into their operations? The answer lies in the transformative potential of AI, particularly in the realm of customer understanding and engagement. First, AI can help businesses understand customer sentiment towards their brand. By analyzing social media data, AI can identify positive, negative, and neutral sentiments, providing businesses with a clear picture of how their brand is perceived. Second, AI can identify emerging trends and preferences. This allows businesses to stay ahead of the curve, adapting their products and services to meet changing customer needs. Third, AI can predict future customer behavior. This predictive capability can inform business strategies, helping companies to anticipate and respond to market changes effectively. Fourth, AI can improve targeted marketing strategies. By understanding customer preferences and behavior, businesses can tailor their marketing efforts to reach the right audience with the right message. Fifth, AI can enhance customer engagement and loyalty. By providing personalized experiences and interactions, businesses can build stronger relationships with their customers, fostering loyalty and driving growth.</a:t>
-            </a:r>
-          </a:p>
-        </p:txBody>
-      </p:sp>
-      <p:sp>
-        <p:nvSpPr>
-          <p:cNvPr id="4" name="Slide Number Placeholder 3"/>
-          <p:cNvSpPr>
-            <a:spLocks noGrp="1"/>
-          </p:cNvSpPr>
-          <p:nvPr>
-            <p:ph type="sldNum" idx="12"/>
-          </p:nvPr>
-        </p:nvSpPr>
-        <p:spPr/>
-        <p:txBody>
-          <a:bodyPr/>
-          <a:lstStyle/>
-          <a:p>
-            <a:pPr marL="0" marR="0" lvl="0" indent="0" algn="r" rtl="0">
-              <a:spcBef>
-                <a:spcPts val="0"/>
-              </a:spcBef>
-              <a:spcAft>
-                <a:spcPts val="0"/>
-              </a:spcAft>
-              <a:buNone/>
-            </a:pPr>
-            <a:fld id="{00000000-1234-1234-1234-123412341234}" type="slidenum">
-              <a:rPr lang="en-US" sz="1200" b="0" i="0" u="none" strike="noStrike" cap="none">
-                <a:solidFill>
-                  <a:schemeClr val="dk1"/>
-                </a:solidFill>
-                <a:latin typeface="Arial"/>
-                <a:ea typeface="Arial"/>
-                <a:cs typeface="Arial"/>
-                <a:sym typeface="Arial"/>
-              </a:rPr>
-              <a:t>3</a:t>
-            </a:fld>
-            <a:endParaRPr lang="en-US" sz="1200" b="0" i="0" u="none" strike="noStrike" cap="none">
-              <a:solidFill>
-                <a:schemeClr val="dk1"/>
-              </a:solidFill>
-              <a:latin typeface="Arial"/>
-              <a:ea typeface="Arial"/>
-              <a:cs typeface="Arial"/>
-              <a:sym typeface="Arial"/>
-            </a:endParaRPr>
-          </a:p>
-        </p:txBody>
-      </p:sp>
-    </p:spTree>
-    <p:extLst>
-      <p:ext uri="{BB962C8B-B14F-4D97-AF65-F5344CB8AC3E}">
-        <p14:creationId xmlns:p14="http://schemas.microsoft.com/office/powerpoint/2010/main" val="3218000452"/>
-      </p:ext>
-    </p:extLst>
-  </p:cSld>
-  <p:clrMapOvr>
-    <a:masterClrMapping/>
-  </p:clrMapOvr>
-</p:notes>
-</file>
-
-<file path=ppt/notesSlides/notesSlide30.xml><?xml version="1.0" encoding="utf-8"?>
+<file path=ppt/notesSlides/notesSlide29.xml><?xml version="1.0" encoding="utf-8"?>
 <p:notes xmlns:a="http://schemas.openxmlformats.org/drawingml/2006/main" xmlns:r="http://schemas.openxmlformats.org/officeDocument/2006/relationships" xmlns:p="http://schemas.openxmlformats.org/presentationml/2006/main" showMasterSp="0" showMasterPhAnim="0">
   <p:cSld>
     <p:spTree>
@@ -13779,7 +13512,7 @@
             </a:pPr>
             <a:fld id="{00000000-1234-1234-1234-123412341234}" type="slidenum">
               <a:rPr lang="en-US"/>
-              <a:t>30</a:t>
+              <a:t>29</a:t>
             </a:fld>
             <a:endParaRPr/>
           </a:p>
@@ -13793,7 +13526,122 @@
 </p:notes>
 </file>
 
-<file path=ppt/notesSlides/notesSlide31.xml><?xml version="1.0" encoding="utf-8"?>
+<file path=ppt/notesSlides/notesSlide3.xml><?xml version="1.0" encoding="utf-8"?>
+<p:notes xmlns:a="http://schemas.openxmlformats.org/drawingml/2006/main" xmlns:r="http://schemas.openxmlformats.org/officeDocument/2006/relationships" xmlns:p="http://schemas.openxmlformats.org/presentationml/2006/main">
+  <p:cSld>
+    <p:spTree>
+      <p:nvGrpSpPr>
+        <p:cNvPr id="1" name=""/>
+        <p:cNvGrpSpPr/>
+        <p:nvPr/>
+      </p:nvGrpSpPr>
+      <p:grpSpPr>
+        <a:xfrm>
+          <a:off x="0" y="0"/>
+          <a:ext cx="0" cy="0"/>
+          <a:chOff x="0" y="0"/>
+          <a:chExt cx="0" cy="0"/>
+        </a:xfrm>
+      </p:grpSpPr>
+      <p:sp>
+        <p:nvSpPr>
+          <p:cNvPr id="2" name="Slide Image Placeholder 1"/>
+          <p:cNvSpPr>
+            <a:spLocks noGrp="1" noRot="1" noChangeAspect="1"/>
+          </p:cNvSpPr>
+          <p:nvPr>
+            <p:ph type="sldImg"/>
+          </p:nvPr>
+        </p:nvSpPr>
+        <p:spPr/>
+      </p:sp>
+      <p:sp>
+        <p:nvSpPr>
+          <p:cNvPr id="3" name="Notes Placeholder 2"/>
+          <p:cNvSpPr>
+            <a:spLocks noGrp="1"/>
+          </p:cNvSpPr>
+          <p:nvPr>
+            <p:ph type="body" idx="1"/>
+          </p:nvPr>
+        </p:nvSpPr>
+        <p:spPr/>
+        <p:txBody>
+          <a:bodyPr/>
+          <a:lstStyle/>
+          <a:p>
+            <a:r>
+              <a:rPr lang="en-US"/>
+              <a:t>Why should businesses consider integrating Artificial Intelligence into their operations? First, AI can help businesses understand customer sentiment towards their brand. By analyzing social media data, AI can identify positive, negative, and neutral sentiments, providing businesses with a clear picture of how their brand is perceived. Second, AI can identify emerging consumer trends and preferences. This allows businesses to stay ahead of the curve, adapting their products and services to meet changing customer needs. Third, AI can predict future customer behavior. This predictive capability can inform business strategies, helping companies to anticipate and respond to market changes effectively. Fourth, AI can improve targeted marketing strategies. By understanding customer preferences and behavior, businesses can tailor their marketing efforts to reach the right audience with the right message. Fifth, AI can enhance customer engagement and loyalty. By providing personalized experiences and interactions, businesses can build stronger relationships with their customers, fostering loyalty and driving growth.</a:t>
+            </a:r>
+          </a:p>
+          <a:p>
+            <a:endParaRPr lang="en-US"/>
+          </a:p>
+        </p:txBody>
+      </p:sp>
+      <p:sp>
+        <p:nvSpPr>
+          <p:cNvPr id="4" name="Slide Number Placeholder 3"/>
+          <p:cNvSpPr>
+            <a:spLocks noGrp="1"/>
+          </p:cNvSpPr>
+          <p:nvPr>
+            <p:ph type="sldNum" idx="12"/>
+          </p:nvPr>
+        </p:nvSpPr>
+        <p:spPr/>
+        <p:txBody>
+          <a:bodyPr/>
+          <a:lstStyle/>
+          <a:p>
+            <a:pPr marL="0" marR="0" lvl="0" indent="0" algn="r" rtl="0">
+              <a:spcBef>
+                <a:spcPts val="0"/>
+              </a:spcBef>
+              <a:spcAft>
+                <a:spcPts val="0"/>
+              </a:spcAft>
+              <a:buNone/>
+            </a:pPr>
+            <a:fld id="{00000000-1234-1234-1234-123412341234}" type="slidenum">
+              <a:rPr lang="en-US" sz="1200" b="0" i="0" u="none" strike="noStrike" cap="none">
+                <a:solidFill>
+                  <a:schemeClr val="dk1"/>
+                </a:solidFill>
+                <a:latin typeface="Arial"/>
+                <a:ea typeface="Arial"/>
+                <a:cs typeface="Arial"/>
+                <a:sym typeface="Arial"/>
+              </a:rPr>
+              <a:t>3</a:t>
+            </a:fld>
+            <a:endParaRPr lang="en-US" sz="1200" b="0" i="0" u="none" strike="noStrike" cap="none">
+              <a:solidFill>
+                <a:schemeClr val="dk1"/>
+              </a:solidFill>
+              <a:latin typeface="Arial"/>
+              <a:ea typeface="Arial"/>
+              <a:cs typeface="Arial"/>
+              <a:sym typeface="Arial"/>
+            </a:endParaRPr>
+          </a:p>
+        </p:txBody>
+      </p:sp>
+    </p:spTree>
+    <p:extLst>
+      <p:ext uri="{BB962C8B-B14F-4D97-AF65-F5344CB8AC3E}">
+        <p14:creationId xmlns:p14="http://schemas.microsoft.com/office/powerpoint/2010/main" val="3218000452"/>
+      </p:ext>
+    </p:extLst>
+  </p:cSld>
+  <p:clrMapOvr>
+    <a:masterClrMapping/>
+  </p:clrMapOvr>
+</p:notes>
+</file>
+
+<file path=ppt/notesSlides/notesSlide30.xml><?xml version="1.0" encoding="utf-8"?>
 <p:notes xmlns:a="http://schemas.openxmlformats.org/drawingml/2006/main" xmlns:r="http://schemas.openxmlformats.org/officeDocument/2006/relationships" xmlns:p="http://schemas.openxmlformats.org/presentationml/2006/main" showMasterSp="0" showMasterPhAnim="0">
   <p:cSld>
     <p:spTree>
@@ -13958,7 +13806,7 @@
             </a:pPr>
             <a:fld id="{00000000-1234-1234-1234-123412341234}" type="slidenum">
               <a:rPr lang="en-US"/>
-              <a:t>31</a:t>
+              <a:t>30</a:t>
             </a:fld>
             <a:endParaRPr/>
           </a:p>
@@ -13973,343 +13821,6 @@
 </file>
 
 <file path=ppt/notesSlides/notesSlide4.xml><?xml version="1.0" encoding="utf-8"?>
-<p:notes xmlns:a="http://schemas.openxmlformats.org/drawingml/2006/main" xmlns:r="http://schemas.openxmlformats.org/officeDocument/2006/relationships" xmlns:p="http://schemas.openxmlformats.org/presentationml/2006/main" showMasterSp="0" showMasterPhAnim="0">
-  <p:cSld>
-    <p:spTree>
-      <p:nvGrpSpPr>
-        <p:cNvPr id="1" name="Shape 64"/>
-        <p:cNvGrpSpPr/>
-        <p:nvPr/>
-      </p:nvGrpSpPr>
-      <p:grpSpPr>
-        <a:xfrm>
-          <a:off x="0" y="0"/>
-          <a:ext cx="0" cy="0"/>
-          <a:chOff x="0" y="0"/>
-          <a:chExt cx="0" cy="0"/>
-        </a:xfrm>
-      </p:grpSpPr>
-      <p:sp>
-        <p:nvSpPr>
-          <p:cNvPr id="65" name="Google Shape;65;p4:notes"/>
-          <p:cNvSpPr>
-            <a:spLocks noGrp="1" noRot="1" noChangeAspect="1"/>
-          </p:cNvSpPr>
-          <p:nvPr>
-            <p:ph type="sldImg" idx="2"/>
-          </p:nvPr>
-        </p:nvSpPr>
-        <p:spPr>
-          <a:xfrm>
-            <a:off x="381000" y="685800"/>
-            <a:ext cx="6096000" cy="3429000"/>
-          </a:xfrm>
-          <a:custGeom>
-            <a:avLst/>
-            <a:gdLst/>
-            <a:ahLst/>
-            <a:cxnLst/>
-            <a:rect l="l" t="t" r="r" b="b"/>
-            <a:pathLst>
-              <a:path w="120000" h="120000" extrusionOk="0">
-                <a:moveTo>
-                  <a:pt x="0" y="0"/>
-                </a:moveTo>
-                <a:lnTo>
-                  <a:pt x="120000" y="0"/>
-                </a:lnTo>
-                <a:lnTo>
-                  <a:pt x="120000" y="120000"/>
-                </a:lnTo>
-                <a:lnTo>
-                  <a:pt x="0" y="120000"/>
-                </a:lnTo>
-                <a:close/>
-              </a:path>
-            </a:pathLst>
-          </a:custGeom>
-          <a:noFill/>
-          <a:ln w="9525" cap="flat" cmpd="sng">
-            <a:solidFill>
-              <a:srgbClr val="000000"/>
-            </a:solidFill>
-            <a:prstDash val="solid"/>
-            <a:miter lim="800000"/>
-            <a:headEnd type="none" w="sm" len="sm"/>
-            <a:tailEnd type="none" w="sm" len="sm"/>
-          </a:ln>
-        </p:spPr>
-      </p:sp>
-      <p:sp>
-        <p:nvSpPr>
-          <p:cNvPr id="66" name="Google Shape;66;p4:notes"/>
-          <p:cNvSpPr txBox="1">
-            <a:spLocks noGrp="1"/>
-          </p:cNvSpPr>
-          <p:nvPr>
-            <p:ph type="body" idx="1"/>
-          </p:nvPr>
-        </p:nvSpPr>
-        <p:spPr>
-          <a:xfrm>
-            <a:off x="914400" y="4343400"/>
-            <a:ext cx="5029200" cy="4114800"/>
-          </a:xfrm>
-          <a:prstGeom prst="rect">
-            <a:avLst/>
-          </a:prstGeom>
-          <a:noFill/>
-          <a:ln>
-            <a:noFill/>
-          </a:ln>
-        </p:spPr>
-        <p:txBody>
-          <a:bodyPr spcFirstLastPara="1" wrap="square" lIns="91425" tIns="45700" rIns="91425" bIns="45700" anchor="t" anchorCtr="0">
-            <a:noAutofit/>
-          </a:bodyPr>
-          <a:lstStyle/>
-          <a:p>
-            <a:pPr marL="0" indent="0">
-              <a:spcBef>
-                <a:spcPts val="0"/>
-              </a:spcBef>
-            </a:pPr>
-            <a:r>
-              <a:rPr lang="en-US"/>
-              <a:t>The scope of our </a:t>
-            </a:r>
-            <a:r>
-              <a:rPr lang="en-US" b="0" i="0">
-                <a:sym typeface="Arial"/>
-              </a:rPr>
-              <a:t>project </a:t>
-            </a:r>
-            <a:r>
-              <a:rPr lang="en-US"/>
-              <a:t>is constrained to</a:t>
-            </a:r>
-            <a:r>
-              <a:rPr lang="en-US" b="0" i="0">
-                <a:sym typeface="Arial"/>
-              </a:rPr>
-              <a:t> Twitter</a:t>
-            </a:r>
-            <a:r>
-              <a:rPr lang="en-US"/>
-              <a:t>, one of the most popular social media platforms. We aim to analyze tweets</a:t>
-            </a:r>
-            <a:r>
-              <a:rPr lang="en-US" b="0" i="0">
-                <a:sym typeface="Arial"/>
-              </a:rPr>
-              <a:t> for brand mentions and </a:t>
-            </a:r>
-            <a:r>
-              <a:rPr lang="en-US"/>
-              <a:t>the sentiment </a:t>
-            </a:r>
-            <a:r>
-              <a:rPr lang="en-US" b="0" i="0">
-                <a:sym typeface="Arial"/>
-              </a:rPr>
-              <a:t>associated </a:t>
-            </a:r>
-            <a:r>
-              <a:rPr lang="en-US"/>
-              <a:t>with these mentions. This involves identifying tweets that mention specific brands and then classifying the </a:t>
-            </a:r>
-            <a:r>
-              <a:rPr lang="en-US" b="0" i="0">
-                <a:sym typeface="Arial"/>
-              </a:rPr>
-              <a:t>sentiment</a:t>
-            </a:r>
-            <a:r>
-              <a:rPr lang="en-US"/>
-              <a:t> of these tweets as positive or negative</a:t>
-            </a:r>
-            <a:r>
-              <a:rPr lang="en-US" b="0" i="0">
-                <a:sym typeface="Arial"/>
-              </a:rPr>
-              <a:t>.</a:t>
-            </a:r>
-            <a:endParaRPr lang="en-US"/>
-          </a:p>
-        </p:txBody>
-      </p:sp>
-      <p:sp>
-        <p:nvSpPr>
-          <p:cNvPr id="67" name="Google Shape;67;p4:notes"/>
-          <p:cNvSpPr txBox="1">
-            <a:spLocks noGrp="1"/>
-          </p:cNvSpPr>
-          <p:nvPr>
-            <p:ph type="sldNum" idx="12"/>
-          </p:nvPr>
-        </p:nvSpPr>
-        <p:spPr>
-          <a:xfrm>
-            <a:off x="3886200" y="8686800"/>
-            <a:ext cx="2971800" cy="457200"/>
-          </a:xfrm>
-          <a:prstGeom prst="rect">
-            <a:avLst/>
-          </a:prstGeom>
-          <a:noFill/>
-          <a:ln>
-            <a:noFill/>
-          </a:ln>
-        </p:spPr>
-        <p:txBody>
-          <a:bodyPr spcFirstLastPara="1" wrap="square" lIns="91425" tIns="45700" rIns="91425" bIns="45700" anchor="b" anchorCtr="0">
-            <a:noAutofit/>
-          </a:bodyPr>
-          <a:lstStyle/>
-          <a:p>
-            <a:pPr marL="0" lvl="0" indent="0" algn="r" rtl="0">
-              <a:spcBef>
-                <a:spcPts val="0"/>
-              </a:spcBef>
-              <a:spcAft>
-                <a:spcPts val="0"/>
-              </a:spcAft>
-              <a:buNone/>
-            </a:pPr>
-            <a:fld id="{00000000-1234-1234-1234-123412341234}" type="slidenum">
-              <a:rPr lang="en-US"/>
-              <a:t>4</a:t>
-            </a:fld>
-            <a:endParaRPr/>
-          </a:p>
-        </p:txBody>
-      </p:sp>
-    </p:spTree>
-  </p:cSld>
-  <p:clrMapOvr>
-    <a:masterClrMapping/>
-  </p:clrMapOvr>
-</p:notes>
-</file>
-
-<file path=ppt/notesSlides/notesSlide5.xml><?xml version="1.0" encoding="utf-8"?>
-<p:notes xmlns:a="http://schemas.openxmlformats.org/drawingml/2006/main" xmlns:r="http://schemas.openxmlformats.org/officeDocument/2006/relationships" xmlns:p="http://schemas.openxmlformats.org/presentationml/2006/main">
-  <p:cSld>
-    <p:spTree>
-      <p:nvGrpSpPr>
-        <p:cNvPr id="1" name=""/>
-        <p:cNvGrpSpPr/>
-        <p:nvPr/>
-      </p:nvGrpSpPr>
-      <p:grpSpPr>
-        <a:xfrm>
-          <a:off x="0" y="0"/>
-          <a:ext cx="0" cy="0"/>
-          <a:chOff x="0" y="0"/>
-          <a:chExt cx="0" cy="0"/>
-        </a:xfrm>
-      </p:grpSpPr>
-      <p:sp>
-        <p:nvSpPr>
-          <p:cNvPr id="2" name="Slide Image Placeholder 1"/>
-          <p:cNvSpPr>
-            <a:spLocks noGrp="1" noRot="1" noChangeAspect="1"/>
-          </p:cNvSpPr>
-          <p:nvPr>
-            <p:ph type="sldImg"/>
-          </p:nvPr>
-        </p:nvSpPr>
-        <p:spPr/>
-      </p:sp>
-      <p:sp>
-        <p:nvSpPr>
-          <p:cNvPr id="3" name="Notes Placeholder 2"/>
-          <p:cNvSpPr>
-            <a:spLocks noGrp="1"/>
-          </p:cNvSpPr>
-          <p:nvPr>
-            <p:ph type="body" idx="1"/>
-          </p:nvPr>
-        </p:nvSpPr>
-        <p:spPr/>
-        <p:txBody>
-          <a:bodyPr/>
-          <a:lstStyle/>
-          <a:p>
-            <a:pPr marL="0" indent="0">
-              <a:spcBef>
-                <a:spcPts val="0"/>
-              </a:spcBef>
-            </a:pPr>
-            <a:r>
-              <a:rPr lang="en-US"/>
-              <a:t>The goal of this project is to build a Brand Sentiment Analyzer that can classify sentiment towards brands in a collection of tweets from the Sentiment140 dataset. There are two parts to this problem – building a brand classifier and building a sentiment classifier. Several key course topics were explored for this project, including Natural Language Processing, Supervised Machine Learning, Classification, Regression, and Deep Learning.</a:t>
-            </a:r>
-          </a:p>
-        </p:txBody>
-      </p:sp>
-      <p:sp>
-        <p:nvSpPr>
-          <p:cNvPr id="4" name="Slide Number Placeholder 3"/>
-          <p:cNvSpPr>
-            <a:spLocks noGrp="1"/>
-          </p:cNvSpPr>
-          <p:nvPr>
-            <p:ph type="sldNum" idx="12"/>
-          </p:nvPr>
-        </p:nvSpPr>
-        <p:spPr/>
-        <p:txBody>
-          <a:bodyPr/>
-          <a:lstStyle/>
-          <a:p>
-            <a:pPr marL="0" marR="0" lvl="0" indent="0" algn="r" rtl="0">
-              <a:spcBef>
-                <a:spcPts val="0"/>
-              </a:spcBef>
-              <a:spcAft>
-                <a:spcPts val="0"/>
-              </a:spcAft>
-              <a:buNone/>
-            </a:pPr>
-            <a:fld id="{00000000-1234-1234-1234-123412341234}" type="slidenum">
-              <a:rPr lang="en-US" sz="1200" b="0" i="0" u="none" strike="noStrike" cap="none">
-                <a:solidFill>
-                  <a:schemeClr val="dk1"/>
-                </a:solidFill>
-                <a:latin typeface="Arial"/>
-                <a:ea typeface="Arial"/>
-                <a:cs typeface="Arial"/>
-                <a:sym typeface="Arial"/>
-              </a:rPr>
-              <a:t>5</a:t>
-            </a:fld>
-            <a:endParaRPr lang="en-US" sz="1200" b="0" i="0" u="none" strike="noStrike" cap="none">
-              <a:solidFill>
-                <a:schemeClr val="dk1"/>
-              </a:solidFill>
-              <a:latin typeface="Arial"/>
-              <a:ea typeface="Arial"/>
-              <a:cs typeface="Arial"/>
-              <a:sym typeface="Arial"/>
-            </a:endParaRPr>
-          </a:p>
-        </p:txBody>
-      </p:sp>
-    </p:spTree>
-    <p:extLst>
-      <p:ext uri="{BB962C8B-B14F-4D97-AF65-F5344CB8AC3E}">
-        <p14:creationId xmlns:p14="http://schemas.microsoft.com/office/powerpoint/2010/main" val="2012730978"/>
-      </p:ext>
-    </p:extLst>
-  </p:cSld>
-  <p:clrMapOvr>
-    <a:masterClrMapping/>
-  </p:clrMapOvr>
-</p:notes>
-</file>
-
-<file path=ppt/notesSlides/notesSlide6.xml><?xml version="1.0" encoding="utf-8"?>
 <p:notes xmlns:a="http://schemas.openxmlformats.org/drawingml/2006/main" xmlns:r="http://schemas.openxmlformats.org/officeDocument/2006/relationships" xmlns:p="http://schemas.openxmlformats.org/presentationml/2006/main" showMasterSp="0" showMasterPhAnim="0">
   <p:cSld>
     <p:spTree>
@@ -14406,23 +13917,10 @@
           </a:bodyPr>
           <a:lstStyle/>
           <a:p>
-            <a:pPr marL="0" marR="0" lvl="0" indent="0" algn="l" defTabSz="914400" rtl="0" eaLnBrk="1" fontAlgn="auto" latinLnBrk="0" hangingPunct="1">
-              <a:lnSpc>
-                <a:spcPct val="100000"/>
-              </a:lnSpc>
-              <a:spcBef>
-                <a:spcPts val="0"/>
-              </a:spcBef>
-              <a:spcAft>
-                <a:spcPts val="0"/>
-              </a:spcAft>
-              <a:buClr>
-                <a:srgbClr val="000000"/>
-              </a:buClr>
-              <a:buSzPts val="1400"/>
-              <a:buFont typeface="Arial"/>
-              <a:buNone/>
-              <a:tabLst/>
+            <a:pPr marL="0" indent="0">
+              <a:spcBef>
+                <a:spcPts val="0"/>
+              </a:spcBef>
               <a:defRPr/>
             </a:pPr>
             <a:r>
@@ -14434,7 +13932,85 @@
                 <a:effectLst/>
                 <a:latin typeface="UICTFontTextStyleBody"/>
               </a:rPr>
-              <a:t>How can one effectively detect instances where a Twitter post references a specific brand? This involves the systematic analysis of textual data, considering the diverse ways brands can be mentioned or alluded to. Following the detection process, the next objective is sentiment classification. The central inquiry here is: How can the sentiment of a Twitter post, once identified as brand-related, be classified with a high degree of accuracy? This task necessitates rigorous methodologies given the subtleties of human language and sentiment expression. Having addressed these two tasks, the overarching research aim is to design a tool that integrates both brand reference detection and sentiment analysis. That is, how can we create a tool that does both?</a:t>
+              <a:t>How can </a:t>
+            </a:r>
+            <a:r>
+              <a:rPr lang="en-US">
+                <a:latin typeface="UICTFontTextStyleBody"/>
+              </a:rPr>
+              <a:t>we</a:t>
+            </a:r>
+            <a:r>
+              <a:rPr lang="en-US" b="0" i="0">
+                <a:effectLst/>
+                <a:latin typeface="UICTFontTextStyleBody"/>
+              </a:rPr>
+              <a:t> detect instances where a Twitter post references a specific brand? </a:t>
+            </a:r>
+            <a:r>
+              <a:rPr lang="en-US">
+                <a:latin typeface="UICTFontTextStyleBody"/>
+              </a:rPr>
+              <a:t>Following</a:t>
+            </a:r>
+            <a:r>
+              <a:rPr lang="en-US" b="0" i="0">
+                <a:effectLst/>
+                <a:latin typeface="UICTFontTextStyleBody"/>
+              </a:rPr>
+              <a:t> the </a:t>
+            </a:r>
+            <a:r>
+              <a:rPr lang="en-US">
+                <a:latin typeface="UICTFontTextStyleBody"/>
+              </a:rPr>
+              <a:t>brand detection</a:t>
+            </a:r>
+            <a:r>
+              <a:rPr lang="en-US" b="0" i="0">
+                <a:effectLst/>
+                <a:latin typeface="UICTFontTextStyleBody"/>
+              </a:rPr>
+              <a:t> process, the next objective is sentiment classification. The central inquiry here is: How can the sentiment of a Twitter post, once identified as brand-related, be classified with a high degree of accuracy? Having addressed these two tasks, </a:t>
+            </a:r>
+            <a:r>
+              <a:rPr lang="en-US">
+                <a:latin typeface="UICTFontTextStyleBody"/>
+              </a:rPr>
+              <a:t>we would</a:t>
+            </a:r>
+            <a:r>
+              <a:rPr lang="en-US" b="0" i="0">
+                <a:effectLst/>
+                <a:latin typeface="UICTFontTextStyleBody"/>
+              </a:rPr>
+              <a:t> </a:t>
+            </a:r>
+            <a:r>
+              <a:rPr lang="en-US">
+                <a:latin typeface="UICTFontTextStyleBody"/>
+              </a:rPr>
+              <a:t>want to </a:t>
+            </a:r>
+            <a:r>
+              <a:rPr lang="en-US" b="0" i="0">
+                <a:effectLst/>
+                <a:latin typeface="UICTFontTextStyleBody"/>
+              </a:rPr>
+              <a:t>design a tool that integrates both brand detection and sentiment analysis. </a:t>
+            </a:r>
+            <a:r>
+              <a:rPr lang="en-US">
+                <a:latin typeface="UICTFontTextStyleBody"/>
+              </a:rPr>
+              <a:t>How</a:t>
+            </a:r>
+            <a:r>
+              <a:rPr lang="en-US" b="0" i="0">
+                <a:effectLst/>
+                <a:latin typeface="UICTFontTextStyleBody"/>
+              </a:rPr>
+              <a:t> can we create a tool that does both?</a:t>
             </a:r>
             <a:endParaRPr lang="en-US">
               <a:effectLst/>
@@ -14483,7 +14059,7 @@
             </a:pPr>
             <a:fld id="{00000000-1234-1234-1234-123412341234}" type="slidenum">
               <a:rPr lang="en-US"/>
-              <a:t>6</a:t>
+              <a:t>4</a:t>
             </a:fld>
             <a:endParaRPr/>
           </a:p>
@@ -14497,7 +14073,7 @@
 </p:notes>
 </file>
 
-<file path=ppt/notesSlides/notesSlide7.xml><?xml version="1.0" encoding="utf-8"?>
+<file path=ppt/notesSlides/notesSlide5.xml><?xml version="1.0" encoding="utf-8"?>
 <p:notes xmlns:a="http://schemas.openxmlformats.org/drawingml/2006/main" xmlns:r="http://schemas.openxmlformats.org/officeDocument/2006/relationships" xmlns:p="http://schemas.openxmlformats.org/presentationml/2006/main">
   <p:cSld>
     <p:spTree>
@@ -14548,7 +14124,7 @@
             </a:pPr>
             <a:r>
               <a:rPr lang="en-US"/>
-              <a:t>So, how do we create a brand sentiment analyzer? Our process involves several steps. First, we explore the Sentiment140 dataset to understand the information represented and discover any limitations. Next, we use OpenAI’s GPT-4 to generate synthetic entries to provide more support for each brand class. Then, we preprocess the data to clean and prepare it for model development. We test different models for brand classification, including Multinomial Naive Bayes, Linear Support Vector Classifier, and Logistic Regression. We also test different models for sentiment classification, all using the Logistic Regression algorithm but with different vectorization methods. We evaluate each model using metrics such as accuracy, precision, recall, and F1 score. Finally, we combine the highest performing brand and sentiment classifiers to create a Brand Sentiment Analyzer.</a:t>
+              <a:t>The goal of this project is to build a Brand Sentiment Analyzer that can detect if a tweet is referencing a particular brand, and if so, the sentiment expressed towards that brand. There are two parts to this problem – building a brand classifier that can accurately detect brand names and tweets and building a sentiment classifier that can identify positive or negative sentiment in a tweet. A secondary goal of this project was to get hands-on experience exploring some of the key concepts covered in the AAI 501 course. Some of these topics include Natural Language Processing, Supervised Machine Learning, Classification, Regression, and Deep Learning.</a:t>
             </a:r>
           </a:p>
         </p:txBody>
@@ -14587,7 +14163,124 @@
                 <a:cs typeface="Arial"/>
                 <a:sym typeface="Arial"/>
               </a:rPr>
-              <a:t>7</a:t>
+              <a:t>5</a:t>
+            </a:fld>
+            <a:endParaRPr lang="en-US" sz="1200" b="0" i="0" u="none" strike="noStrike" cap="none">
+              <a:solidFill>
+                <a:schemeClr val="dk1"/>
+              </a:solidFill>
+              <a:latin typeface="Arial"/>
+              <a:ea typeface="Arial"/>
+              <a:cs typeface="Arial"/>
+              <a:sym typeface="Arial"/>
+            </a:endParaRPr>
+          </a:p>
+        </p:txBody>
+      </p:sp>
+    </p:spTree>
+    <p:extLst>
+      <p:ext uri="{BB962C8B-B14F-4D97-AF65-F5344CB8AC3E}">
+        <p14:creationId xmlns:p14="http://schemas.microsoft.com/office/powerpoint/2010/main" val="2012730978"/>
+      </p:ext>
+    </p:extLst>
+  </p:cSld>
+  <p:clrMapOvr>
+    <a:masterClrMapping/>
+  </p:clrMapOvr>
+</p:notes>
+</file>
+
+<file path=ppt/notesSlides/notesSlide6.xml><?xml version="1.0" encoding="utf-8"?>
+<p:notes xmlns:a="http://schemas.openxmlformats.org/drawingml/2006/main" xmlns:r="http://schemas.openxmlformats.org/officeDocument/2006/relationships" xmlns:p="http://schemas.openxmlformats.org/presentationml/2006/main">
+  <p:cSld>
+    <p:spTree>
+      <p:nvGrpSpPr>
+        <p:cNvPr id="1" name=""/>
+        <p:cNvGrpSpPr/>
+        <p:nvPr/>
+      </p:nvGrpSpPr>
+      <p:grpSpPr>
+        <a:xfrm>
+          <a:off x="0" y="0"/>
+          <a:ext cx="0" cy="0"/>
+          <a:chOff x="0" y="0"/>
+          <a:chExt cx="0" cy="0"/>
+        </a:xfrm>
+      </p:grpSpPr>
+      <p:sp>
+        <p:nvSpPr>
+          <p:cNvPr id="2" name="Slide Image Placeholder 1"/>
+          <p:cNvSpPr>
+            <a:spLocks noGrp="1" noRot="1" noChangeAspect="1"/>
+          </p:cNvSpPr>
+          <p:nvPr>
+            <p:ph type="sldImg"/>
+          </p:nvPr>
+        </p:nvSpPr>
+        <p:spPr/>
+      </p:sp>
+      <p:sp>
+        <p:nvSpPr>
+          <p:cNvPr id="3" name="Notes Placeholder 2"/>
+          <p:cNvSpPr>
+            <a:spLocks noGrp="1"/>
+          </p:cNvSpPr>
+          <p:nvPr>
+            <p:ph type="body" idx="1"/>
+          </p:nvPr>
+        </p:nvSpPr>
+        <p:spPr/>
+        <p:txBody>
+          <a:bodyPr/>
+          <a:lstStyle/>
+          <a:p>
+            <a:pPr marL="0" indent="0">
+              <a:spcBef>
+                <a:spcPts val="0"/>
+              </a:spcBef>
+            </a:pPr>
+            <a:r>
+              <a:rPr lang="en-US"/>
+              <a:t>So, how do we create a brand sentiment analyzer? Our process involves several steps. First, we explore the Sentiment140 dataset to understand the information represented in the data and discover any limitations. Next, we use create a new dataset with brand labels from the Sentiment140 data. We also use OpenAI’s GPT-4 to generate synthetic entries to provide more support for each brand class. Then, we preprocess the data to clean and prepare it for model development. We test different models for brand classification, including Multinomial Naive Bayes, Linear Support Vector Classifier, and Logistic Regression. We also test different models for sentiment classification, all using the Logistic Regression algorithm but with different vectorization methods. We evaluate each model using metrics such as accuracy, precision, recall, and F1 score. Finally, we combine the highest performing brand and sentiment classifiers to create a Brand Sentiment Analyzer.</a:t>
+            </a:r>
+          </a:p>
+        </p:txBody>
+      </p:sp>
+      <p:sp>
+        <p:nvSpPr>
+          <p:cNvPr id="4" name="Slide Number Placeholder 3"/>
+          <p:cNvSpPr>
+            <a:spLocks noGrp="1"/>
+          </p:cNvSpPr>
+          <p:nvPr>
+            <p:ph type="sldNum" idx="12"/>
+          </p:nvPr>
+        </p:nvSpPr>
+        <p:spPr/>
+        <p:txBody>
+          <a:bodyPr/>
+          <a:lstStyle/>
+          <a:p>
+            <a:pPr marL="0" marR="0" lvl="0" indent="0" algn="r" rtl="0">
+              <a:spcBef>
+                <a:spcPts val="0"/>
+              </a:spcBef>
+              <a:spcAft>
+                <a:spcPts val="0"/>
+              </a:spcAft>
+              <a:buNone/>
+            </a:pPr>
+            <a:fld id="{00000000-1234-1234-1234-123412341234}" type="slidenum">
+              <a:rPr lang="en-US" sz="1200" b="0" i="0" u="none" strike="noStrike" cap="none">
+                <a:solidFill>
+                  <a:schemeClr val="dk1"/>
+                </a:solidFill>
+                <a:latin typeface="Arial"/>
+                <a:ea typeface="Arial"/>
+                <a:cs typeface="Arial"/>
+                <a:sym typeface="Arial"/>
+              </a:rPr>
+              <a:t>6</a:t>
             </a:fld>
             <a:endParaRPr lang="en-US" sz="1200" b="0" i="0" u="none" strike="noStrike" cap="none">
               <a:solidFill>
@@ -14614,7 +14307,7 @@
 </p:notes>
 </file>
 
-<file path=ppt/notesSlides/notesSlide8.xml><?xml version="1.0" encoding="utf-8"?>
+<file path=ppt/notesSlides/notesSlide7.xml><?xml version="1.0" encoding="utf-8"?>
 <p:notes xmlns:a="http://schemas.openxmlformats.org/drawingml/2006/main" xmlns:r="http://schemas.openxmlformats.org/officeDocument/2006/relationships" xmlns:p="http://schemas.openxmlformats.org/presentationml/2006/main" showMasterSp="0" showMasterPhAnim="0">
   <p:cSld>
     <p:spTree>
@@ -14726,7 +14419,59 @@
                 <a:cs typeface="Arial"/>
                 <a:sym typeface="Arial"/>
               </a:rPr>
-              <a:t>In the field of sentiment analysis, two key datasets are the Sentiment140 dataset and the SurgeAI Brand Sentiment dataset.</a:t>
+              <a:t>The Sentiment140 dataset, developed by Stanford researchers, is a comprehensive collection of 1.6 million tweets</a:t>
+            </a:r>
+            <a:r>
+              <a:rPr lang="en-US">
+                <a:solidFill>
+                  <a:srgbClr val="1C1917"/>
+                </a:solidFill>
+              </a:rPr>
+              <a:t> with sentiment labels</a:t>
+            </a:r>
+            <a:r>
+              <a:rPr lang="en-US" b="0" i="0">
+                <a:solidFill>
+                  <a:srgbClr val="1C1917"/>
+                </a:solidFill>
+                <a:latin typeface="Arial"/>
+                <a:ea typeface="Arial"/>
+                <a:cs typeface="Arial"/>
+                <a:sym typeface="Arial"/>
+              </a:rPr>
+              <a:t>. Each tweet is annotated with a sentiment polarity - 0 indicating negative sentiment and 4 indicating positive sentiment. This large and diverse dataset is particularly useful for training robust machine learning models for sentiment analysis.</a:t>
+            </a:r>
+            <a:r>
+              <a:rPr lang="en-US">
+                <a:solidFill>
+                  <a:srgbClr val="1C1917"/>
+                </a:solidFill>
+              </a:rPr>
+              <a:t> The </a:t>
+            </a:r>
+            <a:r>
+              <a:rPr lang="en-US" b="0" i="0" err="1">
+                <a:solidFill>
+                  <a:srgbClr val="1C1917"/>
+                </a:solidFill>
+                <a:latin typeface="Arial"/>
+                <a:ea typeface="Arial"/>
+                <a:cs typeface="Arial"/>
+                <a:sym typeface="Arial"/>
+              </a:rPr>
+              <a:t>SurgeAI</a:t>
+            </a:r>
+            <a:r>
+              <a:rPr lang="en-US" b="0" i="0">
+                <a:solidFill>
+                  <a:srgbClr val="1C1917"/>
+                </a:solidFill>
+                <a:latin typeface="Arial"/>
+                <a:ea typeface="Arial"/>
+                <a:cs typeface="Arial"/>
+                <a:sym typeface="Arial"/>
+              </a:rPr>
+              <a:t> Brand Sentiment dataset is a curated collection of over 600 tweets that provide insights into public opinions about global brands like Nike, Tesla, and Chick-fil-A. Each tweet in this dataset is labeled with sentiment scores, making it a valuable resource for tasks such as brand monitoring, sentiment analysis, and understanding consumer trends.</a:t>
             </a:r>
             <a:r>
               <a:rPr lang="en-US">
@@ -14746,7 +14491,7 @@
                 <a:cs typeface="Arial"/>
                 <a:sym typeface="Arial"/>
               </a:rPr>
-              <a:t>The Sentiment140 dataset, developed by Stanford researchers, is a comprehensive collection of 1.6 million tweets. Each tweet is annotated with a sentiment polarity - 0 indicating negative sentiment and 4 indicating positive sentiment. This large and diverse dataset is particularly useful for training robust machine learning models for sentiment analysis.</a:t>
+              <a:t>Both these datasets offer unique opportunities for data scientists and researchers. </a:t>
             </a:r>
             <a:r>
               <a:rPr lang="en-US">
@@ -14754,64 +14499,17 @@
                   <a:srgbClr val="1C1917"/>
                 </a:solidFill>
               </a:rPr>
-              <a:t> </a:t>
+              <a:t>The Sentiment140 dataset was the primary dataset used for this project, but the Surge AI dataset was considered as a secondary dataset to be used for brand classification.</a:t>
             </a:r>
-            <a:r>
-              <a:rPr lang="en-US" b="0" i="0">
-                <a:solidFill>
-                  <a:srgbClr val="1C1917"/>
-                </a:solidFill>
-                <a:latin typeface="Arial"/>
-                <a:ea typeface="Arial"/>
-                <a:cs typeface="Arial"/>
-                <a:sym typeface="Arial"/>
-              </a:rPr>
-              <a:t>On the other hand, the SurgeAI Brand Sentiment dataset is a curated collection of over 600 tweets that provide insights into public opinions about global brands like Nike, Tesla, and </a:t>
-            </a:r>
-            <a:r>
-              <a:rPr lang="en-US" b="0" i="0" err="1">
-                <a:solidFill>
-                  <a:srgbClr val="1C1917"/>
-                </a:solidFill>
-                <a:latin typeface="Arial"/>
-                <a:ea typeface="Arial"/>
-                <a:cs typeface="Arial"/>
-                <a:sym typeface="Arial"/>
-              </a:rPr>
-              <a:t>Chick-fil-A</a:t>
-            </a:r>
-            <a:r>
-              <a:rPr lang="en-US" b="0" i="0">
-                <a:solidFill>
-                  <a:srgbClr val="1C1917"/>
-                </a:solidFill>
-                <a:latin typeface="Arial"/>
-                <a:ea typeface="Arial"/>
-                <a:cs typeface="Arial"/>
-                <a:sym typeface="Arial"/>
-              </a:rPr>
-              <a:t>. Each tweet in this dataset is labeled with sentiment scores, making it a valuable resource for tasks such as brand monitoring, sentiment analysis, and understanding consumer trends.</a:t>
-            </a:r>
-            <a:r>
-              <a:rPr lang="en-US">
-                <a:solidFill>
-                  <a:srgbClr val="1C1917"/>
-                </a:solidFill>
-              </a:rPr>
-              <a:t> </a:t>
-            </a:r>
-            <a:r>
-              <a:rPr lang="en-US" b="0" i="0">
-                <a:solidFill>
-                  <a:srgbClr val="1C1917"/>
-                </a:solidFill>
-                <a:latin typeface="Arial"/>
-                <a:ea typeface="Arial"/>
-                <a:cs typeface="Arial"/>
-                <a:sym typeface="Arial"/>
-              </a:rPr>
-              <a:t>Both these datasets offer unique opportunities for data scientists and researchers. They provide a wealth of information to train models that can accurately gauge public sentiment based on tweet content, each with their own unique focus and application.</a:t>
-            </a:r>
+            <a:endParaRPr lang="en-US" b="0" i="0">
+              <a:solidFill>
+                <a:srgbClr val="1C1917"/>
+              </a:solidFill>
+              <a:latin typeface="Arial"/>
+              <a:ea typeface="Arial"/>
+              <a:cs typeface="Arial"/>
+              <a:sym typeface="Arial"/>
+            </a:endParaRPr>
           </a:p>
         </p:txBody>
       </p:sp>
@@ -14855,7 +14553,7 @@
             </a:pPr>
             <a:fld id="{00000000-1234-1234-1234-123412341234}" type="slidenum">
               <a:rPr lang="en-US"/>
-              <a:t>8</a:t>
+              <a:t>7</a:t>
             </a:fld>
             <a:endParaRPr/>
           </a:p>
@@ -14869,7 +14567,7 @@
 </p:notes>
 </file>
 
-<file path=ppt/notesSlides/notesSlide9.xml><?xml version="1.0" encoding="utf-8"?>
+<file path=ppt/notesSlides/notesSlide8.xml><?xml version="1.0" encoding="utf-8"?>
 <p:notes xmlns:a="http://schemas.openxmlformats.org/drawingml/2006/main" xmlns:r="http://schemas.openxmlformats.org/officeDocument/2006/relationships" xmlns:p="http://schemas.openxmlformats.org/presentationml/2006/main">
   <p:cSld>
     <p:spTree>
@@ -14915,7 +14613,7 @@
           <a:p>
             <a:r>
               <a:rPr lang="en-US"/>
-              <a:t>From the Sentiment140 dataset, we were able to find hundreds of tweets mentioning brands. Those brands included: Facebook, Google, Apple, Starbucks, Disney, Walmart, Target, Microsoft, Amazon, and Sony. Further, we randomly chose tweets that did not mention any brands because we aimed to build a brand classifier that predicts whether a brand is mentioned in a tweet. Hence, it was important to include example tweets with no brands so that our models could be trained on tweets with brands and no brands.</a:t>
+              <a:t>To simplify the problem of brand classification, only the top 10 most frequently appearing brands in the Sentiment140 dataset were used as class labels. Those brands were Facebook, Google, Apple, Starbucks, Disney, Walmart, Target, Microsoft, Amazon, and Sony.</a:t>
             </a:r>
           </a:p>
         </p:txBody>
@@ -14954,7 +14652,7 @@
                 <a:cs typeface="Arial"/>
                 <a:sym typeface="Arial"/>
               </a:rPr>
-              <a:t>9</a:t>
+              <a:t>8</a:t>
             </a:fld>
             <a:endParaRPr lang="en-US" sz="1200" b="0" i="0" u="none" strike="noStrike" cap="none">
               <a:solidFill>
@@ -14974,6 +14672,214 @@
         <p14:creationId xmlns:p14="http://schemas.microsoft.com/office/powerpoint/2010/main" val="474914966"/>
       </p:ext>
     </p:extLst>
+  </p:cSld>
+  <p:clrMapOvr>
+    <a:masterClrMapping/>
+  </p:clrMapOvr>
+</p:notes>
+</file>
+
+<file path=ppt/notesSlides/notesSlide9.xml><?xml version="1.0" encoding="utf-8"?>
+<p:notes xmlns:a="http://schemas.openxmlformats.org/drawingml/2006/main" xmlns:r="http://schemas.openxmlformats.org/officeDocument/2006/relationships" xmlns:p="http://schemas.openxmlformats.org/presentationml/2006/main" showMasterSp="0" showMasterPhAnim="0">
+  <p:cSld>
+    <p:spTree>
+      <p:nvGrpSpPr>
+        <p:cNvPr id="1" name="Shape 71"/>
+        <p:cNvGrpSpPr/>
+        <p:nvPr/>
+      </p:nvGrpSpPr>
+      <p:grpSpPr>
+        <a:xfrm>
+          <a:off x="0" y="0"/>
+          <a:ext cx="0" cy="0"/>
+          <a:chOff x="0" y="0"/>
+          <a:chExt cx="0" cy="0"/>
+        </a:xfrm>
+      </p:grpSpPr>
+      <p:sp>
+        <p:nvSpPr>
+          <p:cNvPr id="72" name="Google Shape;72;p5:notes"/>
+          <p:cNvSpPr>
+            <a:spLocks noGrp="1" noRot="1" noChangeAspect="1"/>
+          </p:cNvSpPr>
+          <p:nvPr>
+            <p:ph type="sldImg" idx="2"/>
+          </p:nvPr>
+        </p:nvSpPr>
+        <p:spPr>
+          <a:xfrm>
+            <a:off x="381000" y="685800"/>
+            <a:ext cx="6096000" cy="3429000"/>
+          </a:xfrm>
+          <a:custGeom>
+            <a:avLst/>
+            <a:gdLst/>
+            <a:ahLst/>
+            <a:cxnLst/>
+            <a:rect l="l" t="t" r="r" b="b"/>
+            <a:pathLst>
+              <a:path w="120000" h="120000" extrusionOk="0">
+                <a:moveTo>
+                  <a:pt x="0" y="0"/>
+                </a:moveTo>
+                <a:lnTo>
+                  <a:pt x="120000" y="0"/>
+                </a:lnTo>
+                <a:lnTo>
+                  <a:pt x="120000" y="120000"/>
+                </a:lnTo>
+                <a:lnTo>
+                  <a:pt x="0" y="120000"/>
+                </a:lnTo>
+                <a:close/>
+              </a:path>
+            </a:pathLst>
+          </a:custGeom>
+          <a:noFill/>
+          <a:ln w="9525" cap="flat" cmpd="sng">
+            <a:solidFill>
+              <a:srgbClr val="000000"/>
+            </a:solidFill>
+            <a:prstDash val="solid"/>
+            <a:miter lim="800000"/>
+            <a:headEnd type="none" w="sm" len="sm"/>
+            <a:tailEnd type="none" w="sm" len="sm"/>
+          </a:ln>
+        </p:spPr>
+      </p:sp>
+      <p:sp>
+        <p:nvSpPr>
+          <p:cNvPr id="73" name="Google Shape;73;p5:notes"/>
+          <p:cNvSpPr txBox="1">
+            <a:spLocks noGrp="1"/>
+          </p:cNvSpPr>
+          <p:nvPr>
+            <p:ph type="body" idx="1"/>
+          </p:nvPr>
+        </p:nvSpPr>
+        <p:spPr>
+          <a:xfrm>
+            <a:off x="914400" y="4343400"/>
+            <a:ext cx="5029200" cy="4114800"/>
+          </a:xfrm>
+          <a:prstGeom prst="rect">
+            <a:avLst/>
+          </a:prstGeom>
+          <a:noFill/>
+          <a:ln>
+            <a:noFill/>
+          </a:ln>
+        </p:spPr>
+        <p:txBody>
+          <a:bodyPr spcFirstLastPara="1" wrap="square" lIns="91425" tIns="45700" rIns="91425" bIns="45700" anchor="t" anchorCtr="0">
+            <a:noAutofit/>
+          </a:bodyPr>
+          <a:lstStyle/>
+          <a:p>
+            <a:pPr marL="0" indent="0">
+              <a:spcBef>
+                <a:spcPts val="0"/>
+              </a:spcBef>
+            </a:pPr>
+            <a:r>
+              <a:rPr lang="en-US" b="0" i="0">
+                <a:solidFill>
+                  <a:srgbClr val="1C1917"/>
+                </a:solidFill>
+                <a:latin typeface="Arial"/>
+                <a:ea typeface="Arial"/>
+                <a:cs typeface="Arial"/>
+                <a:sym typeface="Arial"/>
+              </a:rPr>
+              <a:t>After exploring the Surge AI dataset, we decided that it was not a suitable dataset</a:t>
+            </a:r>
+            <a:r>
+              <a:rPr lang="en-US">
+                <a:solidFill>
+                  <a:srgbClr val="1C1917"/>
+                </a:solidFill>
+              </a:rPr>
+              <a:t> because it contained very few tweets, if any, referencing our selected brands</a:t>
+            </a:r>
+            <a:r>
+              <a:rPr lang="en-US" b="0" i="0">
+                <a:solidFill>
+                  <a:srgbClr val="1C1917"/>
+                </a:solidFill>
+                <a:latin typeface="Arial"/>
+                <a:ea typeface="Arial"/>
+                <a:cs typeface="Arial"/>
+                <a:sym typeface="Arial"/>
+              </a:rPr>
+              <a:t>. </a:t>
+            </a:r>
+            <a:r>
+              <a:rPr lang="en-US">
+                <a:solidFill>
+                  <a:srgbClr val="1C1917"/>
+                </a:solidFill>
+              </a:rPr>
+              <a:t>For instance, there were only 3 tweets in the dataset that referenced Amazon.  Based on this, we dropped the Surge AI dataset from consideration and focused solely on the Sentiment140 dataset.</a:t>
+            </a:r>
+            <a:endParaRPr lang="en-US" b="0" i="0">
+              <a:solidFill>
+                <a:srgbClr val="1C1917"/>
+              </a:solidFill>
+              <a:latin typeface="Arial"/>
+              <a:ea typeface="Arial"/>
+              <a:cs typeface="Arial"/>
+              <a:sym typeface="Arial"/>
+            </a:endParaRPr>
+          </a:p>
+        </p:txBody>
+      </p:sp>
+      <p:sp>
+        <p:nvSpPr>
+          <p:cNvPr id="74" name="Google Shape;74;p5:notes"/>
+          <p:cNvSpPr txBox="1">
+            <a:spLocks noGrp="1"/>
+          </p:cNvSpPr>
+          <p:nvPr>
+            <p:ph type="sldNum" idx="12"/>
+          </p:nvPr>
+        </p:nvSpPr>
+        <p:spPr>
+          <a:xfrm>
+            <a:off x="3886200" y="8686800"/>
+            <a:ext cx="2971800" cy="457200"/>
+          </a:xfrm>
+          <a:prstGeom prst="rect">
+            <a:avLst/>
+          </a:prstGeom>
+          <a:noFill/>
+          <a:ln>
+            <a:noFill/>
+          </a:ln>
+        </p:spPr>
+        <p:txBody>
+          <a:bodyPr spcFirstLastPara="1" wrap="square" lIns="91425" tIns="45700" rIns="91425" bIns="45700" anchor="b" anchorCtr="0">
+            <a:noAutofit/>
+          </a:bodyPr>
+          <a:lstStyle/>
+          <a:p>
+            <a:pPr marL="0" lvl="0" indent="0" algn="r" rtl="0">
+              <a:spcBef>
+                <a:spcPts val="0"/>
+              </a:spcBef>
+              <a:spcAft>
+                <a:spcPts val="0"/>
+              </a:spcAft>
+              <a:buNone/>
+            </a:pPr>
+            <a:fld id="{00000000-1234-1234-1234-123412341234}" type="slidenum">
+              <a:rPr lang="en-US"/>
+              <a:t>9</a:t>
+            </a:fld>
+            <a:endParaRPr/>
+          </a:p>
+        </p:txBody>
+      </p:sp>
+    </p:spTree>
   </p:cSld>
   <p:clrMapOvr>
     <a:masterClrMapping/>
@@ -20437,7 +20343,7 @@
           <a:lstStyle/>
           <a:p>
             <a:r>
-              <a:rPr lang="en-US">
+              <a:rPr lang="en-US" dirty="0">
                 <a:solidFill>
                   <a:schemeClr val="bg1"/>
                 </a:solidFill>
@@ -20445,7 +20351,7 @@
               <a:t>Video: </a:t>
             </a:r>
             <a:r>
-              <a:rPr lang="en-US">
+              <a:rPr lang="en-US" dirty="0">
                 <a:solidFill>
                   <a:schemeClr val="bg1"/>
                 </a:solidFill>
@@ -20459,7 +20365,7 @@
               </a:rPr>
               <a:t>https://vimeo.com/843997462/2f1e66d926?share=copy</a:t>
             </a:r>
-            <a:endParaRPr lang="en-US">
+            <a:endParaRPr lang="en-US" dirty="0">
               <a:solidFill>
                 <a:schemeClr val="bg1"/>
               </a:solidFill>
@@ -20476,381 +20382,6 @@
 </file>
 
 <file path=ppt/slides/slide10.xml><?xml version="1.0" encoding="utf-8"?>
-<p:sld xmlns:a="http://schemas.openxmlformats.org/drawingml/2006/main" xmlns:r="http://schemas.openxmlformats.org/officeDocument/2006/relationships" xmlns:p="http://schemas.openxmlformats.org/presentationml/2006/main">
-  <p:cSld>
-    <p:spTree>
-      <p:nvGrpSpPr>
-        <p:cNvPr id="1" name="Shape 75"/>
-        <p:cNvGrpSpPr/>
-        <p:nvPr/>
-      </p:nvGrpSpPr>
-      <p:grpSpPr>
-        <a:xfrm>
-          <a:off x="0" y="0"/>
-          <a:ext cx="0" cy="0"/>
-          <a:chOff x="0" y="0"/>
-          <a:chExt cx="0" cy="0"/>
-        </a:xfrm>
-      </p:grpSpPr>
-      <p:sp>
-        <p:nvSpPr>
-          <p:cNvPr id="77" name="Google Shape;77;p5"/>
-          <p:cNvSpPr txBox="1">
-            <a:spLocks noGrp="1"/>
-          </p:cNvSpPr>
-          <p:nvPr>
-            <p:ph type="body" idx="1"/>
-          </p:nvPr>
-        </p:nvSpPr>
-        <p:spPr>
-          <a:xfrm>
-            <a:off x="20782" y="2244436"/>
-            <a:ext cx="12190700" cy="2349644"/>
-          </a:xfrm>
-          <a:prstGeom prst="rect">
-            <a:avLst/>
-          </a:prstGeom>
-          <a:noFill/>
-          <a:ln>
-            <a:noFill/>
-          </a:ln>
-        </p:spPr>
-        <p:txBody>
-          <a:bodyPr spcFirstLastPara="1" wrap="square" lIns="0" tIns="0" rIns="0" bIns="0" anchor="t" anchorCtr="0">
-            <a:noAutofit/>
-          </a:bodyPr>
-          <a:lstStyle/>
-          <a:p>
-            <a:pPr marL="114300" lvl="1" indent="0" algn="ctr">
-              <a:lnSpc>
-                <a:spcPct val="160000"/>
-              </a:lnSpc>
-              <a:spcBef>
-                <a:spcPts val="0"/>
-              </a:spcBef>
-              <a:buSzPts val="2000"/>
-              <a:buNone/>
-            </a:pPr>
-            <a:r>
-              <a:rPr lang="en-US" sz="4000"/>
-              <a:t>Sentiment140</a:t>
-            </a:r>
-          </a:p>
-          <a:p>
-            <a:pPr marL="114300" lvl="1" indent="0" algn="ctr">
-              <a:lnSpc>
-                <a:spcPct val="160000"/>
-              </a:lnSpc>
-              <a:buSzPts val="2000"/>
-              <a:buNone/>
-            </a:pPr>
-            <a:r>
-              <a:rPr lang="en-US" sz="4000" strike="sngStrike"/>
-              <a:t>Surge AI</a:t>
-            </a:r>
-          </a:p>
-        </p:txBody>
-      </p:sp>
-      <p:sp>
-        <p:nvSpPr>
-          <p:cNvPr id="5" name="Title 1">
-            <a:extLst>
-              <a:ext uri="{FF2B5EF4-FFF2-40B4-BE49-F238E27FC236}">
-                <a16:creationId xmlns:a16="http://schemas.microsoft.com/office/drawing/2014/main" id="{C36EAB55-F79A-D9E2-C976-2D349CF78548}"/>
-              </a:ext>
-            </a:extLst>
-          </p:cNvPr>
-          <p:cNvSpPr txBox="1">
-            <a:spLocks/>
-          </p:cNvSpPr>
-          <p:nvPr/>
-        </p:nvSpPr>
-        <p:spPr>
-          <a:xfrm>
-            <a:off x="1066800" y="838200"/>
-            <a:ext cx="10363200" cy="1143000"/>
-          </a:xfrm>
-          <a:prstGeom prst="rect">
-            <a:avLst/>
-          </a:prstGeom>
-          <a:noFill/>
-          <a:ln>
-            <a:noFill/>
-          </a:ln>
-        </p:spPr>
-        <p:txBody>
-          <a:bodyPr spcFirstLastPara="1" wrap="square" lIns="0" tIns="0" rIns="0" bIns="0" anchor="ctr" anchorCtr="0">
-            <a:noAutofit/>
-          </a:bodyPr>
-          <a:lstStyle>
-            <a:defPPr marR="0" lvl="0" algn="l" rtl="0">
-              <a:lnSpc>
-                <a:spcPct val="100000"/>
-              </a:lnSpc>
-              <a:spcBef>
-                <a:spcPts val="0"/>
-              </a:spcBef>
-              <a:spcAft>
-                <a:spcPts val="0"/>
-              </a:spcAft>
-            </a:defPPr>
-            <a:lvl1pPr marR="0" lvl="0" algn="l" rtl="0">
-              <a:lnSpc>
-                <a:spcPct val="233333"/>
-              </a:lnSpc>
-              <a:spcBef>
-                <a:spcPts val="0"/>
-              </a:spcBef>
-              <a:spcAft>
-                <a:spcPts val="0"/>
-              </a:spcAft>
-              <a:buClr>
-                <a:srgbClr val="000000"/>
-              </a:buClr>
-              <a:buSzPts val="1400"/>
-              <a:buFont typeface="Arial"/>
-              <a:buNone/>
-              <a:defRPr sz="4000" b="0" i="0" u="none" strike="noStrike" cap="none">
-                <a:solidFill>
-                  <a:srgbClr val="003B70"/>
-                </a:solidFill>
-                <a:latin typeface="Arial"/>
-                <a:ea typeface="Arial"/>
-                <a:cs typeface="Arial"/>
-                <a:sym typeface="Arial"/>
-              </a:defRPr>
-            </a:lvl1pPr>
-            <a:lvl2pPr marR="0" lvl="1" algn="l" rtl="0">
-              <a:lnSpc>
-                <a:spcPct val="233333"/>
-              </a:lnSpc>
-              <a:spcBef>
-                <a:spcPts val="0"/>
-              </a:spcBef>
-              <a:spcAft>
-                <a:spcPts val="0"/>
-              </a:spcAft>
-              <a:buClr>
-                <a:srgbClr val="000000"/>
-              </a:buClr>
-              <a:buSzPts val="1400"/>
-              <a:buFont typeface="Arial"/>
-              <a:buNone/>
-              <a:defRPr sz="4000" b="0" i="0" u="none" strike="noStrike" cap="none">
-                <a:solidFill>
-                  <a:srgbClr val="003B70"/>
-                </a:solidFill>
-                <a:latin typeface="Arial"/>
-                <a:ea typeface="Arial"/>
-                <a:cs typeface="Arial"/>
-                <a:sym typeface="Arial"/>
-              </a:defRPr>
-            </a:lvl2pPr>
-            <a:lvl3pPr marR="0" lvl="2" algn="l" rtl="0">
-              <a:lnSpc>
-                <a:spcPct val="233333"/>
-              </a:lnSpc>
-              <a:spcBef>
-                <a:spcPts val="0"/>
-              </a:spcBef>
-              <a:spcAft>
-                <a:spcPts val="0"/>
-              </a:spcAft>
-              <a:buClr>
-                <a:srgbClr val="000000"/>
-              </a:buClr>
-              <a:buSzPts val="1400"/>
-              <a:buFont typeface="Arial"/>
-              <a:buNone/>
-              <a:defRPr sz="4000" b="0" i="0" u="none" strike="noStrike" cap="none">
-                <a:solidFill>
-                  <a:srgbClr val="003B70"/>
-                </a:solidFill>
-                <a:latin typeface="Arial"/>
-                <a:ea typeface="Arial"/>
-                <a:cs typeface="Arial"/>
-                <a:sym typeface="Arial"/>
-              </a:defRPr>
-            </a:lvl3pPr>
-            <a:lvl4pPr marR="0" lvl="3" algn="l" rtl="0">
-              <a:lnSpc>
-                <a:spcPct val="233333"/>
-              </a:lnSpc>
-              <a:spcBef>
-                <a:spcPts val="0"/>
-              </a:spcBef>
-              <a:spcAft>
-                <a:spcPts val="0"/>
-              </a:spcAft>
-              <a:buClr>
-                <a:srgbClr val="000000"/>
-              </a:buClr>
-              <a:buSzPts val="1400"/>
-              <a:buFont typeface="Arial"/>
-              <a:buNone/>
-              <a:defRPr sz="4000" b="0" i="0" u="none" strike="noStrike" cap="none">
-                <a:solidFill>
-                  <a:srgbClr val="003B70"/>
-                </a:solidFill>
-                <a:latin typeface="Arial"/>
-                <a:ea typeface="Arial"/>
-                <a:cs typeface="Arial"/>
-                <a:sym typeface="Arial"/>
-              </a:defRPr>
-            </a:lvl4pPr>
-            <a:lvl5pPr marR="0" lvl="4" algn="l" rtl="0">
-              <a:lnSpc>
-                <a:spcPct val="233333"/>
-              </a:lnSpc>
-              <a:spcBef>
-                <a:spcPts val="0"/>
-              </a:spcBef>
-              <a:spcAft>
-                <a:spcPts val="0"/>
-              </a:spcAft>
-              <a:buClr>
-                <a:srgbClr val="000000"/>
-              </a:buClr>
-              <a:buSzPts val="1400"/>
-              <a:buFont typeface="Arial"/>
-              <a:buNone/>
-              <a:defRPr sz="4000" b="0" i="0" u="none" strike="noStrike" cap="none">
-                <a:solidFill>
-                  <a:srgbClr val="003B70"/>
-                </a:solidFill>
-                <a:latin typeface="Arial"/>
-                <a:ea typeface="Arial"/>
-                <a:cs typeface="Arial"/>
-                <a:sym typeface="Arial"/>
-              </a:defRPr>
-            </a:lvl5pPr>
-            <a:lvl6pPr marR="0" lvl="5" algn="l" rtl="0">
-              <a:lnSpc>
-                <a:spcPct val="100000"/>
-              </a:lnSpc>
-              <a:spcBef>
-                <a:spcPts val="0"/>
-              </a:spcBef>
-              <a:spcAft>
-                <a:spcPts val="0"/>
-              </a:spcAft>
-              <a:buClr>
-                <a:srgbClr val="000000"/>
-              </a:buClr>
-              <a:buSzPts val="1400"/>
-              <a:buFont typeface="Arial"/>
-              <a:buNone/>
-              <a:defRPr sz="3200" b="1" i="0" u="none" strike="noStrike" cap="none">
-                <a:solidFill>
-                  <a:srgbClr val="71BEFF"/>
-                </a:solidFill>
-                <a:latin typeface="Palatino"/>
-                <a:ea typeface="Palatino"/>
-                <a:cs typeface="Palatino"/>
-                <a:sym typeface="Palatino"/>
-              </a:defRPr>
-            </a:lvl6pPr>
-            <a:lvl7pPr marR="0" lvl="6" algn="l" rtl="0">
-              <a:lnSpc>
-                <a:spcPct val="100000"/>
-              </a:lnSpc>
-              <a:spcBef>
-                <a:spcPts val="0"/>
-              </a:spcBef>
-              <a:spcAft>
-                <a:spcPts val="0"/>
-              </a:spcAft>
-              <a:buClr>
-                <a:srgbClr val="000000"/>
-              </a:buClr>
-              <a:buSzPts val="1400"/>
-              <a:buFont typeface="Arial"/>
-              <a:buNone/>
-              <a:defRPr sz="3200" b="1" i="0" u="none" strike="noStrike" cap="none">
-                <a:solidFill>
-                  <a:srgbClr val="71BEFF"/>
-                </a:solidFill>
-                <a:latin typeface="Palatino"/>
-                <a:ea typeface="Palatino"/>
-                <a:cs typeface="Palatino"/>
-                <a:sym typeface="Palatino"/>
-              </a:defRPr>
-            </a:lvl7pPr>
-            <a:lvl8pPr marR="0" lvl="7" algn="l" rtl="0">
-              <a:lnSpc>
-                <a:spcPct val="100000"/>
-              </a:lnSpc>
-              <a:spcBef>
-                <a:spcPts val="0"/>
-              </a:spcBef>
-              <a:spcAft>
-                <a:spcPts val="0"/>
-              </a:spcAft>
-              <a:buClr>
-                <a:srgbClr val="000000"/>
-              </a:buClr>
-              <a:buSzPts val="1400"/>
-              <a:buFont typeface="Arial"/>
-              <a:buNone/>
-              <a:defRPr sz="3200" b="1" i="0" u="none" strike="noStrike" cap="none">
-                <a:solidFill>
-                  <a:srgbClr val="71BEFF"/>
-                </a:solidFill>
-                <a:latin typeface="Palatino"/>
-                <a:ea typeface="Palatino"/>
-                <a:cs typeface="Palatino"/>
-                <a:sym typeface="Palatino"/>
-              </a:defRPr>
-            </a:lvl8pPr>
-            <a:lvl9pPr marR="0" lvl="8" algn="l" rtl="0">
-              <a:lnSpc>
-                <a:spcPct val="100000"/>
-              </a:lnSpc>
-              <a:spcBef>
-                <a:spcPts val="0"/>
-              </a:spcBef>
-              <a:spcAft>
-                <a:spcPts val="0"/>
-              </a:spcAft>
-              <a:buClr>
-                <a:srgbClr val="000000"/>
-              </a:buClr>
-              <a:buSzPts val="1400"/>
-              <a:buFont typeface="Arial"/>
-              <a:buNone/>
-              <a:defRPr sz="3200" b="1" i="0" u="none" strike="noStrike" cap="none">
-                <a:solidFill>
-                  <a:srgbClr val="71BEFF"/>
-                </a:solidFill>
-                <a:latin typeface="Palatino"/>
-                <a:ea typeface="Palatino"/>
-                <a:cs typeface="Palatino"/>
-                <a:sym typeface="Palatino"/>
-              </a:defRPr>
-            </a:lvl9pPr>
-          </a:lstStyle>
-          <a:p>
-            <a:r>
-              <a:rPr lang="en-US"/>
-              <a:t>Datasets</a:t>
-            </a:r>
-          </a:p>
-        </p:txBody>
-      </p:sp>
-    </p:spTree>
-    <p:extLst>
-      <p:ext uri="{BB962C8B-B14F-4D97-AF65-F5344CB8AC3E}">
-        <p14:creationId xmlns:p14="http://schemas.microsoft.com/office/powerpoint/2010/main" val="1952217220"/>
-      </p:ext>
-    </p:extLst>
-  </p:cSld>
-  <p:clrMapOvr>
-    <a:masterClrMapping/>
-  </p:clrMapOvr>
-</p:sld>
-</file>
-
-<file path=ppt/slides/slide11.xml><?xml version="1.0" encoding="utf-8"?>
 <p:sld xmlns:a="http://schemas.openxmlformats.org/drawingml/2006/main" xmlns:r="http://schemas.openxmlformats.org/officeDocument/2006/relationships" xmlns:p="http://schemas.openxmlformats.org/presentationml/2006/main">
   <p:cSld>
     <p:spTree>
@@ -20957,7 +20488,7 @@
 </p:sld>
 </file>
 
-<file path=ppt/slides/slide12.xml><?xml version="1.0" encoding="utf-8"?>
+<file path=ppt/slides/slide11.xml><?xml version="1.0" encoding="utf-8"?>
 <p:sld xmlns:a="http://schemas.openxmlformats.org/drawingml/2006/main" xmlns:r="http://schemas.openxmlformats.org/officeDocument/2006/relationships" xmlns:p="http://schemas.openxmlformats.org/presentationml/2006/main">
   <p:cSld>
     <p:spTree>
@@ -21015,7 +20546,7 @@
 </p:sld>
 </file>
 
-<file path=ppt/slides/slide13.xml><?xml version="1.0" encoding="utf-8"?>
+<file path=ppt/slides/slide12.xml><?xml version="1.0" encoding="utf-8"?>
 <p:sld xmlns:a="http://schemas.openxmlformats.org/drawingml/2006/main" xmlns:r="http://schemas.openxmlformats.org/officeDocument/2006/relationships" xmlns:p="http://schemas.openxmlformats.org/presentationml/2006/main">
   <p:cSld>
     <p:spTree>
@@ -21149,7 +20680,7 @@
 </p:sld>
 </file>
 
-<file path=ppt/slides/slide14.xml><?xml version="1.0" encoding="utf-8"?>
+<file path=ppt/slides/slide13.xml><?xml version="1.0" encoding="utf-8"?>
 <p:sld xmlns:a="http://schemas.openxmlformats.org/drawingml/2006/main" xmlns:r="http://schemas.openxmlformats.org/officeDocument/2006/relationships" xmlns:p="http://schemas.openxmlformats.org/presentationml/2006/main">
   <p:cSld>
     <p:spTree>
@@ -21684,7 +21215,7 @@
 </p:sld>
 </file>
 
-<file path=ppt/slides/slide15.xml><?xml version="1.0" encoding="utf-8"?>
+<file path=ppt/slides/slide14.xml><?xml version="1.0" encoding="utf-8"?>
 <p:sld xmlns:a="http://schemas.openxmlformats.org/drawingml/2006/main" xmlns:r="http://schemas.openxmlformats.org/officeDocument/2006/relationships" xmlns:p="http://schemas.openxmlformats.org/presentationml/2006/main">
   <p:cSld>
     <p:spTree>
@@ -21899,7 +21430,7 @@
 </p:sld>
 </file>
 
-<file path=ppt/slides/slide16.xml><?xml version="1.0" encoding="utf-8"?>
+<file path=ppt/slides/slide15.xml><?xml version="1.0" encoding="utf-8"?>
 <p:sld xmlns:a="http://schemas.openxmlformats.org/drawingml/2006/main" xmlns:r="http://schemas.openxmlformats.org/officeDocument/2006/relationships" xmlns:p="http://schemas.openxmlformats.org/presentationml/2006/main">
   <p:cSld>
     <p:spTree>
@@ -22031,7 +21562,7 @@
 </p:sld>
 </file>
 
-<file path=ppt/slides/slide17.xml><?xml version="1.0" encoding="utf-8"?>
+<file path=ppt/slides/slide16.xml><?xml version="1.0" encoding="utf-8"?>
 <p:sld xmlns:a="http://schemas.openxmlformats.org/drawingml/2006/main" xmlns:r="http://schemas.openxmlformats.org/officeDocument/2006/relationships" xmlns:p="http://schemas.openxmlformats.org/presentationml/2006/main">
   <p:cSld>
     <p:spTree>
@@ -22202,7 +21733,7 @@
 </p:sld>
 </file>
 
-<file path=ppt/slides/slide18.xml><?xml version="1.0" encoding="utf-8"?>
+<file path=ppt/slides/slide17.xml><?xml version="1.0" encoding="utf-8"?>
 <p:sld xmlns:a="http://schemas.openxmlformats.org/drawingml/2006/main" xmlns:r="http://schemas.openxmlformats.org/officeDocument/2006/relationships" xmlns:p="http://schemas.openxmlformats.org/presentationml/2006/main">
   <p:cSld>
     <p:spTree>
@@ -22260,6 +21791,190 @@
 </p:sld>
 </file>
 
+<file path=ppt/slides/slide18.xml><?xml version="1.0" encoding="utf-8"?>
+<p:sld xmlns:a="http://schemas.openxmlformats.org/drawingml/2006/main" xmlns:r="http://schemas.openxmlformats.org/officeDocument/2006/relationships" xmlns:p="http://schemas.openxmlformats.org/presentationml/2006/main">
+  <p:cSld>
+    <p:spTree>
+      <p:nvGrpSpPr>
+        <p:cNvPr id="1" name="Shape 131"/>
+        <p:cNvGrpSpPr/>
+        <p:nvPr/>
+      </p:nvGrpSpPr>
+      <p:grpSpPr>
+        <a:xfrm>
+          <a:off x="0" y="0"/>
+          <a:ext cx="0" cy="0"/>
+          <a:chOff x="0" y="0"/>
+          <a:chExt cx="0" cy="0"/>
+        </a:xfrm>
+      </p:grpSpPr>
+      <p:sp>
+        <p:nvSpPr>
+          <p:cNvPr id="132" name="Google Shape;132;p13"/>
+          <p:cNvSpPr txBox="1">
+            <a:spLocks noGrp="1"/>
+          </p:cNvSpPr>
+          <p:nvPr>
+            <p:ph type="title"/>
+          </p:nvPr>
+        </p:nvSpPr>
+        <p:spPr>
+          <a:xfrm>
+            <a:off x="914400" y="685800"/>
+            <a:ext cx="10363200" cy="1143000"/>
+          </a:xfrm>
+          <a:prstGeom prst="rect">
+            <a:avLst/>
+          </a:prstGeom>
+          <a:noFill/>
+          <a:ln>
+            <a:noFill/>
+          </a:ln>
+        </p:spPr>
+        <p:txBody>
+          <a:bodyPr spcFirstLastPara="1" wrap="square" lIns="0" tIns="0" rIns="0" bIns="0" anchor="ctr" anchorCtr="0">
+            <a:noAutofit/>
+          </a:bodyPr>
+          <a:lstStyle/>
+          <a:p>
+            <a:pPr marL="0" lvl="0" indent="0" algn="l" rtl="0">
+              <a:lnSpc>
+                <a:spcPct val="104999"/>
+              </a:lnSpc>
+              <a:spcBef>
+                <a:spcPts val="0"/>
+              </a:spcBef>
+              <a:spcAft>
+                <a:spcPts val="0"/>
+              </a:spcAft>
+              <a:buNone/>
+            </a:pPr>
+            <a:r>
+              <a:rPr lang="en-US"/>
+              <a:t>Machine Learning Algorithms Considered</a:t>
+            </a:r>
+            <a:endParaRPr/>
+          </a:p>
+        </p:txBody>
+      </p:sp>
+      <p:sp>
+        <p:nvSpPr>
+          <p:cNvPr id="133" name="Google Shape;133;p13"/>
+          <p:cNvSpPr txBox="1">
+            <a:spLocks noGrp="1"/>
+          </p:cNvSpPr>
+          <p:nvPr>
+            <p:ph type="body" idx="1"/>
+          </p:nvPr>
+        </p:nvSpPr>
+        <p:spPr>
+          <a:xfrm>
+            <a:off x="1376856" y="1828800"/>
+            <a:ext cx="8677836" cy="3776662"/>
+          </a:xfrm>
+          <a:prstGeom prst="rect">
+            <a:avLst/>
+          </a:prstGeom>
+          <a:noFill/>
+          <a:ln>
+            <a:noFill/>
+          </a:ln>
+        </p:spPr>
+        <p:txBody>
+          <a:bodyPr spcFirstLastPara="1" wrap="square" lIns="0" tIns="0" rIns="0" bIns="0" anchor="t" anchorCtr="0">
+            <a:noAutofit/>
+          </a:bodyPr>
+          <a:lstStyle/>
+          <a:p>
+            <a:pPr marL="23495" lvl="1" indent="0">
+              <a:lnSpc>
+                <a:spcPct val="160000"/>
+              </a:lnSpc>
+              <a:spcBef>
+                <a:spcPts val="0"/>
+              </a:spcBef>
+              <a:buSzPts val="2000"/>
+              <a:buNone/>
+            </a:pPr>
+            <a:r>
+              <a:rPr lang="en-US" dirty="0">
+                <a:solidFill>
+                  <a:srgbClr val="033B70"/>
+                </a:solidFill>
+              </a:rPr>
+              <a:t>Multinomial Naïve Bayes</a:t>
+            </a:r>
+          </a:p>
+          <a:p>
+            <a:pPr marL="23495" lvl="1" indent="0">
+              <a:lnSpc>
+                <a:spcPct val="160000"/>
+              </a:lnSpc>
+              <a:spcBef>
+                <a:spcPts val="0"/>
+              </a:spcBef>
+              <a:buSzPts val="2000"/>
+              <a:buNone/>
+            </a:pPr>
+            <a:r>
+              <a:rPr lang="en-US" dirty="0">
+                <a:solidFill>
+                  <a:srgbClr val="033B70"/>
+                </a:solidFill>
+              </a:rPr>
+              <a:t>Logistic Regression</a:t>
+            </a:r>
+          </a:p>
+          <a:p>
+            <a:pPr marL="23495" lvl="1" indent="0">
+              <a:lnSpc>
+                <a:spcPct val="160000"/>
+              </a:lnSpc>
+              <a:spcBef>
+                <a:spcPts val="0"/>
+              </a:spcBef>
+              <a:buSzPts val="2000"/>
+              <a:buNone/>
+            </a:pPr>
+            <a:r>
+              <a:rPr lang="en-US" dirty="0">
+                <a:solidFill>
+                  <a:srgbClr val="033B70"/>
+                </a:solidFill>
+              </a:rPr>
+              <a:t>Linear Support Vector Classifier</a:t>
+            </a:r>
+          </a:p>
+          <a:p>
+            <a:pPr marL="23495" lvl="1" indent="0">
+              <a:lnSpc>
+                <a:spcPct val="160000"/>
+              </a:lnSpc>
+              <a:spcBef>
+                <a:spcPts val="0"/>
+              </a:spcBef>
+              <a:buSzPts val="2000"/>
+              <a:buNone/>
+            </a:pPr>
+            <a:r>
+              <a:rPr lang="en-US" dirty="0">
+                <a:solidFill>
+                  <a:srgbClr val="033B70"/>
+                </a:solidFill>
+              </a:rPr>
+              <a:t>Transformers</a:t>
+            </a:r>
+          </a:p>
+        </p:txBody>
+      </p:sp>
+    </p:spTree>
+  </p:cSld>
+  <p:clrMapOvr>
+    <a:masterClrMapping/>
+  </p:clrMapOvr>
+</p:sld>
+</file>
+
 <file path=ppt/slides/slide19.xml><?xml version="1.0" encoding="utf-8"?>
 <p:sld xmlns:a="http://schemas.openxmlformats.org/drawingml/2006/main" xmlns:r="http://schemas.openxmlformats.org/officeDocument/2006/relationships" xmlns:p="http://schemas.openxmlformats.org/presentationml/2006/main">
   <p:cSld>
@@ -22320,7 +22035,7 @@
             </a:pPr>
             <a:r>
               <a:rPr lang="en-US"/>
-              <a:t>Machine Learning Algorithms Considered</a:t>
+              <a:t>Vectorization Methods</a:t>
             </a:r>
             <a:endParaRPr/>
           </a:p>
@@ -22328,8 +22043,14 @@
       </p:sp>
       <p:sp>
         <p:nvSpPr>
-          <p:cNvPr id="133" name="Google Shape;133;p13"/>
-          <p:cNvSpPr txBox="1">
+          <p:cNvPr id="3" name="Text Placeholder 2">
+            <a:extLst>
+              <a:ext uri="{FF2B5EF4-FFF2-40B4-BE49-F238E27FC236}">
+                <a16:creationId xmlns:a16="http://schemas.microsoft.com/office/drawing/2014/main" id="{23FBA536-A40B-C3F1-D82B-C2611D8E49C9}"/>
+              </a:ext>
+            </a:extLst>
+          </p:cNvPr>
+          <p:cNvSpPr>
             <a:spLocks noGrp="1"/>
           </p:cNvSpPr>
           <p:nvPr>
@@ -22338,106 +22059,51 @@
         </p:nvSpPr>
         <p:spPr>
           <a:xfrm>
-            <a:off x="1837764" y="1947863"/>
-            <a:ext cx="8677836" cy="3776662"/>
+            <a:off x="768096" y="1753644"/>
+            <a:ext cx="10509504" cy="3776472"/>
           </a:xfrm>
-          <a:prstGeom prst="rect">
-            <a:avLst/>
-          </a:prstGeom>
-          <a:noFill/>
-          <a:ln>
-            <a:noFill/>
-          </a:ln>
         </p:spPr>
         <p:txBody>
-          <a:bodyPr spcFirstLastPara="1" wrap="square" lIns="0" tIns="0" rIns="0" bIns="0" anchor="t" anchorCtr="0">
-            <a:noAutofit/>
-          </a:bodyPr>
+          <a:bodyPr/>
           <a:lstStyle/>
           <a:p>
-            <a:pPr marL="23495" lvl="1" indent="0">
-              <a:lnSpc>
-                <a:spcPct val="160000"/>
-              </a:lnSpc>
-              <a:spcBef>
-                <a:spcPts val="0"/>
-              </a:spcBef>
-              <a:buSzPts val="2000"/>
-              <a:buNone/>
-            </a:pPr>
             <a:r>
-              <a:rPr lang="en-US" sz="2400">
-                <a:solidFill>
-                  <a:srgbClr val="002060"/>
-                </a:solidFill>
-              </a:rPr>
-              <a:t>Multinomial Naïve Bayes</a:t>
-            </a:r>
-            <a:endParaRPr lang="en-US" sz="2400"/>
-          </a:p>
-          <a:p>
-            <a:pPr marL="23495" lvl="1" indent="0">
-              <a:lnSpc>
-                <a:spcPct val="160000"/>
-              </a:lnSpc>
-              <a:spcBef>
-                <a:spcPts val="0"/>
-              </a:spcBef>
-              <a:buSzPts val="2000"/>
-              <a:buNone/>
-            </a:pPr>
-            <a:r>
-              <a:rPr lang="en-US" sz="2400">
-                <a:solidFill>
-                  <a:srgbClr val="002060"/>
-                </a:solidFill>
-              </a:rPr>
-              <a:t>Logistic Regression</a:t>
+              <a:rPr lang="en-US" dirty="0"/>
+              <a:t>Count Vectorizer</a:t>
             </a:r>
           </a:p>
           <a:p>
-            <a:pPr marL="23495" lvl="1" indent="0">
-              <a:lnSpc>
-                <a:spcPct val="160000"/>
-              </a:lnSpc>
-              <a:spcBef>
-                <a:spcPts val="0"/>
-              </a:spcBef>
-              <a:buSzPts val="2000"/>
-              <a:buNone/>
-            </a:pPr>
             <a:r>
-              <a:rPr lang="en-US" sz="2400">
-                <a:solidFill>
-                  <a:srgbClr val="002060"/>
-                </a:solidFill>
-              </a:rPr>
-              <a:t>Linear Support Vector Classifier</a:t>
+              <a:rPr lang="en-US" dirty="0"/>
+              <a:t>Term Frequency-Inverse Document Frequency (TF-IDF)</a:t>
             </a:r>
           </a:p>
           <a:p>
-            <a:pPr marL="23495" lvl="1" indent="0">
-              <a:lnSpc>
-                <a:spcPct val="160000"/>
-              </a:lnSpc>
-              <a:spcBef>
-                <a:spcPts val="0"/>
-              </a:spcBef>
-              <a:buSzPts val="2000"/>
-              <a:buNone/>
-            </a:pPr>
             <a:r>
-              <a:rPr lang="en-US" sz="2400">
-                <a:solidFill>
-                  <a:srgbClr val="002060"/>
-                </a:solidFill>
-              </a:rPr>
-              <a:t>Transformers</a:t>
+              <a:rPr lang="en-US" dirty="0"/>
+              <a:t>Word2Vec</a:t>
+            </a:r>
+          </a:p>
+          <a:p>
+            <a:r>
+              <a:rPr lang="en-US" dirty="0"/>
+              <a:t>Doc2Vec</a:t>
+            </a:r>
+          </a:p>
+          <a:p>
+            <a:r>
+              <a:rPr lang="en-US" dirty="0"/>
+              <a:t>Universal Sentence Encoder (USE)</a:t>
             </a:r>
           </a:p>
         </p:txBody>
       </p:sp>
     </p:spTree>
+    <p:extLst>
+      <p:ext uri="{BB962C8B-B14F-4D97-AF65-F5344CB8AC3E}">
+        <p14:creationId xmlns:p14="http://schemas.microsoft.com/office/powerpoint/2010/main" val="1375735676"/>
+      </p:ext>
+    </p:extLst>
   </p:cSld>
   <p:clrMapOvr>
     <a:masterClrMapping/>
@@ -22527,142 +22193,6 @@
   <p:cSld>
     <p:spTree>
       <p:nvGrpSpPr>
-        <p:cNvPr id="1" name="Shape 131"/>
-        <p:cNvGrpSpPr/>
-        <p:nvPr/>
-      </p:nvGrpSpPr>
-      <p:grpSpPr>
-        <a:xfrm>
-          <a:off x="0" y="0"/>
-          <a:ext cx="0" cy="0"/>
-          <a:chOff x="0" y="0"/>
-          <a:chExt cx="0" cy="0"/>
-        </a:xfrm>
-      </p:grpSpPr>
-      <p:sp>
-        <p:nvSpPr>
-          <p:cNvPr id="132" name="Google Shape;132;p13"/>
-          <p:cNvSpPr txBox="1">
-            <a:spLocks noGrp="1"/>
-          </p:cNvSpPr>
-          <p:nvPr>
-            <p:ph type="title"/>
-          </p:nvPr>
-        </p:nvSpPr>
-        <p:spPr>
-          <a:xfrm>
-            <a:off x="914400" y="685800"/>
-            <a:ext cx="10363200" cy="1143000"/>
-          </a:xfrm>
-          <a:prstGeom prst="rect">
-            <a:avLst/>
-          </a:prstGeom>
-          <a:noFill/>
-          <a:ln>
-            <a:noFill/>
-          </a:ln>
-        </p:spPr>
-        <p:txBody>
-          <a:bodyPr spcFirstLastPara="1" wrap="square" lIns="0" tIns="0" rIns="0" bIns="0" anchor="ctr" anchorCtr="0">
-            <a:noAutofit/>
-          </a:bodyPr>
-          <a:lstStyle/>
-          <a:p>
-            <a:pPr marL="0" lvl="0" indent="0" algn="l" rtl="0">
-              <a:lnSpc>
-                <a:spcPct val="104999"/>
-              </a:lnSpc>
-              <a:spcBef>
-                <a:spcPts val="0"/>
-              </a:spcBef>
-              <a:spcAft>
-                <a:spcPts val="0"/>
-              </a:spcAft>
-              <a:buNone/>
-            </a:pPr>
-            <a:r>
-              <a:rPr lang="en-US"/>
-              <a:t>Vectorization Methods</a:t>
-            </a:r>
-            <a:endParaRPr/>
-          </a:p>
-        </p:txBody>
-      </p:sp>
-      <p:sp>
-        <p:nvSpPr>
-          <p:cNvPr id="3" name="Text Placeholder 2">
-            <a:extLst>
-              <a:ext uri="{FF2B5EF4-FFF2-40B4-BE49-F238E27FC236}">
-                <a16:creationId xmlns:a16="http://schemas.microsoft.com/office/drawing/2014/main" id="{23FBA536-A40B-C3F1-D82B-C2611D8E49C9}"/>
-              </a:ext>
-            </a:extLst>
-          </p:cNvPr>
-          <p:cNvSpPr>
-            <a:spLocks noGrp="1"/>
-          </p:cNvSpPr>
-          <p:nvPr>
-            <p:ph type="body" idx="1"/>
-          </p:nvPr>
-        </p:nvSpPr>
-        <p:spPr>
-          <a:xfrm>
-            <a:off x="768096" y="1753644"/>
-            <a:ext cx="10509504" cy="3776472"/>
-          </a:xfrm>
-        </p:spPr>
-        <p:txBody>
-          <a:bodyPr/>
-          <a:lstStyle/>
-          <a:p>
-            <a:r>
-              <a:rPr lang="en-US"/>
-              <a:t>Count Vectorizer</a:t>
-            </a:r>
-          </a:p>
-          <a:p>
-            <a:r>
-              <a:rPr lang="en-US"/>
-              <a:t>Term Frequency-Inverse Document Frequency (TF-IDF)</a:t>
-            </a:r>
-          </a:p>
-          <a:p>
-            <a:r>
-              <a:rPr lang="en-US" err="1"/>
-              <a:t>Word2Vec</a:t>
-            </a:r>
-          </a:p>
-          <a:p>
-            <a:r>
-              <a:rPr lang="en-US"/>
-              <a:t>Doc2Vec</a:t>
-            </a:r>
-          </a:p>
-          <a:p>
-            <a:r>
-              <a:rPr lang="en-US"/>
-              <a:t>Universal Sentence Encoder (USE)</a:t>
-            </a:r>
-          </a:p>
-        </p:txBody>
-      </p:sp>
-    </p:spTree>
-    <p:extLst>
-      <p:ext uri="{BB962C8B-B14F-4D97-AF65-F5344CB8AC3E}">
-        <p14:creationId xmlns:p14="http://schemas.microsoft.com/office/powerpoint/2010/main" val="1375735676"/>
-      </p:ext>
-    </p:extLst>
-  </p:cSld>
-  <p:clrMapOvr>
-    <a:masterClrMapping/>
-  </p:clrMapOvr>
-</p:sld>
-</file>
-
-<file path=ppt/slides/slide21.xml><?xml version="1.0" encoding="utf-8"?>
-<p:sld xmlns:a="http://schemas.openxmlformats.org/drawingml/2006/main" xmlns:r="http://schemas.openxmlformats.org/officeDocument/2006/relationships" xmlns:p="http://schemas.openxmlformats.org/presentationml/2006/main">
-  <p:cSld>
-    <p:spTree>
-      <p:nvGrpSpPr>
         <p:cNvPr id="1" name=""/>
         <p:cNvGrpSpPr/>
         <p:nvPr/>
@@ -22705,40 +22235,300 @@
       </p:sp>
       <p:sp>
         <p:nvSpPr>
-          <p:cNvPr id="3" name="Text Placeholder 2">
+          <p:cNvPr id="5" name="Text Placeholder 2">
             <a:extLst>
               <a:ext uri="{FF2B5EF4-FFF2-40B4-BE49-F238E27FC236}">
-                <a16:creationId xmlns:a16="http://schemas.microsoft.com/office/drawing/2014/main" id="{38DD1C7B-2F6C-F710-B282-C0943E50168B}"/>
+                <a16:creationId xmlns:a16="http://schemas.microsoft.com/office/drawing/2014/main" id="{25C928A2-4EBB-DE3B-11F8-B0FCEC2F3B2B}"/>
               </a:ext>
             </a:extLst>
           </p:cNvPr>
-          <p:cNvSpPr>
-            <a:spLocks noGrp="1"/>
+          <p:cNvSpPr txBox="1">
+            <a:spLocks/>
           </p:cNvSpPr>
-          <p:nvPr>
-            <p:ph type="body" idx="1"/>
-          </p:nvPr>
+          <p:nvPr/>
         </p:nvSpPr>
-        <p:spPr/>
+        <p:spPr>
+          <a:xfrm>
+            <a:off x="920496" y="2100072"/>
+            <a:ext cx="10509504" cy="3776472"/>
+          </a:xfrm>
+          <a:prstGeom prst="rect">
+            <a:avLst/>
+          </a:prstGeom>
+          <a:noFill/>
+          <a:ln>
+            <a:noFill/>
+          </a:ln>
+        </p:spPr>
         <p:txBody>
-          <a:bodyPr/>
-          <a:lstStyle/>
+          <a:bodyPr spcFirstLastPara="1" wrap="square" lIns="0" tIns="0" rIns="0" bIns="0" anchor="t" anchorCtr="0">
+            <a:noAutofit/>
+          </a:bodyPr>
+          <a:lstStyle>
+            <a:defPPr marR="0" lvl="0" algn="l" rtl="0">
+              <a:lnSpc>
+                <a:spcPct val="100000"/>
+              </a:lnSpc>
+              <a:spcBef>
+                <a:spcPts val="0"/>
+              </a:spcBef>
+              <a:spcAft>
+                <a:spcPts val="0"/>
+              </a:spcAft>
+            </a:defPPr>
+            <a:lvl1pPr marL="457200" marR="0" lvl="0" indent="-257175" algn="l" rtl="0">
+              <a:lnSpc>
+                <a:spcPct val="177777"/>
+              </a:lnSpc>
+              <a:spcBef>
+                <a:spcPts val="0"/>
+              </a:spcBef>
+              <a:spcAft>
+                <a:spcPts val="0"/>
+              </a:spcAft>
+              <a:buClr>
+                <a:srgbClr val="173063"/>
+              </a:buClr>
+              <a:buSzPts val="450"/>
+              <a:buFont typeface="Merriweather Sans"/>
+              <a:buChar char=" "/>
+              <a:defRPr sz="2800" b="0" i="0" u="none" strike="noStrike" cap="none">
+                <a:solidFill>
+                  <a:srgbClr val="003B70"/>
+                </a:solidFill>
+                <a:latin typeface="Arial"/>
+                <a:ea typeface="Arial"/>
+                <a:cs typeface="Arial"/>
+                <a:sym typeface="Arial"/>
+              </a:defRPr>
+            </a:lvl1pPr>
+            <a:lvl2pPr marL="914400" marR="0" lvl="1" indent="-342900" algn="l" rtl="0">
+              <a:lnSpc>
+                <a:spcPct val="177777"/>
+              </a:lnSpc>
+              <a:spcBef>
+                <a:spcPts val="600"/>
+              </a:spcBef>
+              <a:spcAft>
+                <a:spcPts val="0"/>
+              </a:spcAft>
+              <a:buClr>
+                <a:srgbClr val="173063"/>
+              </a:buClr>
+              <a:buSzPts val="1800"/>
+              <a:buFont typeface="Arial"/>
+              <a:buChar char="•"/>
+              <a:defRPr sz="2800" b="0" i="0" u="none" strike="noStrike" cap="none">
+                <a:solidFill>
+                  <a:srgbClr val="003B70"/>
+                </a:solidFill>
+                <a:latin typeface="Arial"/>
+                <a:ea typeface="Arial"/>
+                <a:cs typeface="Arial"/>
+                <a:sym typeface="Arial"/>
+              </a:defRPr>
+            </a:lvl2pPr>
+            <a:lvl3pPr marL="1371600" marR="0" lvl="2" indent="-342900" algn="l" rtl="0">
+              <a:lnSpc>
+                <a:spcPct val="177777"/>
+              </a:lnSpc>
+              <a:spcBef>
+                <a:spcPts val="600"/>
+              </a:spcBef>
+              <a:spcAft>
+                <a:spcPts val="0"/>
+              </a:spcAft>
+              <a:buClr>
+                <a:srgbClr val="003B70"/>
+              </a:buClr>
+              <a:buSzPts val="1800"/>
+              <a:buFont typeface="Merriweather Sans"/>
+              <a:buChar char="-"/>
+              <a:defRPr sz="2800" b="0" i="0" u="none" strike="noStrike" cap="none">
+                <a:solidFill>
+                  <a:srgbClr val="003B70"/>
+                </a:solidFill>
+                <a:latin typeface="Arial"/>
+                <a:ea typeface="Arial"/>
+                <a:cs typeface="Arial"/>
+                <a:sym typeface="Arial"/>
+              </a:defRPr>
+            </a:lvl3pPr>
+            <a:lvl4pPr marL="1828800" marR="0" lvl="3" indent="-342900" algn="l" rtl="0">
+              <a:lnSpc>
+                <a:spcPct val="177777"/>
+              </a:lnSpc>
+              <a:spcBef>
+                <a:spcPts val="600"/>
+              </a:spcBef>
+              <a:spcAft>
+                <a:spcPts val="0"/>
+              </a:spcAft>
+              <a:buClr>
+                <a:srgbClr val="003B70"/>
+              </a:buClr>
+              <a:buSzPts val="1800"/>
+              <a:buFont typeface="Merriweather Sans"/>
+              <a:buChar char="-"/>
+              <a:defRPr sz="2800" b="0" i="0" u="none" strike="noStrike" cap="none">
+                <a:solidFill>
+                  <a:srgbClr val="003B70"/>
+                </a:solidFill>
+                <a:latin typeface="Arial"/>
+                <a:ea typeface="Arial"/>
+                <a:cs typeface="Arial"/>
+                <a:sym typeface="Arial"/>
+              </a:defRPr>
+            </a:lvl4pPr>
+            <a:lvl5pPr marL="2286000" marR="0" lvl="4" indent="-342900" algn="l" rtl="0">
+              <a:lnSpc>
+                <a:spcPct val="177777"/>
+              </a:lnSpc>
+              <a:spcBef>
+                <a:spcPts val="600"/>
+              </a:spcBef>
+              <a:spcAft>
+                <a:spcPts val="0"/>
+              </a:spcAft>
+              <a:buClr>
+                <a:srgbClr val="003B70"/>
+              </a:buClr>
+              <a:buSzPts val="1800"/>
+              <a:buFont typeface="Merriweather Sans"/>
+              <a:buChar char="-"/>
+              <a:defRPr sz="2800" b="0" i="0" u="none" strike="noStrike" cap="none">
+                <a:solidFill>
+                  <a:srgbClr val="003B70"/>
+                </a:solidFill>
+                <a:latin typeface="Arial"/>
+                <a:ea typeface="Arial"/>
+                <a:cs typeface="Arial"/>
+                <a:sym typeface="Arial"/>
+              </a:defRPr>
+            </a:lvl5pPr>
+            <a:lvl6pPr marL="2743200" marR="0" lvl="5" indent="-228600" algn="l" rtl="0">
+              <a:lnSpc>
+                <a:spcPct val="100000"/>
+              </a:lnSpc>
+              <a:spcBef>
+                <a:spcPts val="600"/>
+              </a:spcBef>
+              <a:spcAft>
+                <a:spcPts val="0"/>
+              </a:spcAft>
+              <a:buClr>
+                <a:srgbClr val="000000"/>
+              </a:buClr>
+              <a:buSzPts val="1400"/>
+              <a:buFont typeface="Arial"/>
+              <a:buNone/>
+              <a:defRPr sz="2200" b="0" i="0" u="none" strike="noStrike" cap="none">
+                <a:solidFill>
+                  <a:schemeClr val="dk1"/>
+                </a:solidFill>
+                <a:latin typeface="Arial"/>
+                <a:ea typeface="Arial"/>
+                <a:cs typeface="Arial"/>
+                <a:sym typeface="Arial"/>
+              </a:defRPr>
+            </a:lvl6pPr>
+            <a:lvl7pPr marL="3200400" marR="0" lvl="6" indent="-228600" algn="l" rtl="0">
+              <a:lnSpc>
+                <a:spcPct val="100000"/>
+              </a:lnSpc>
+              <a:spcBef>
+                <a:spcPts val="360"/>
+              </a:spcBef>
+              <a:spcAft>
+                <a:spcPts val="0"/>
+              </a:spcAft>
+              <a:buClr>
+                <a:srgbClr val="000000"/>
+              </a:buClr>
+              <a:buSzPts val="1400"/>
+              <a:buFont typeface="Arial"/>
+              <a:buNone/>
+              <a:defRPr sz="2200" b="0" i="0" u="none" strike="noStrike" cap="none">
+                <a:solidFill>
+                  <a:schemeClr val="dk1"/>
+                </a:solidFill>
+                <a:latin typeface="Arial"/>
+                <a:ea typeface="Arial"/>
+                <a:cs typeface="Arial"/>
+                <a:sym typeface="Arial"/>
+              </a:defRPr>
+            </a:lvl7pPr>
+            <a:lvl8pPr marL="3657600" marR="0" lvl="7" indent="-228600" algn="l" rtl="0">
+              <a:lnSpc>
+                <a:spcPct val="100000"/>
+              </a:lnSpc>
+              <a:spcBef>
+                <a:spcPts val="360"/>
+              </a:spcBef>
+              <a:spcAft>
+                <a:spcPts val="0"/>
+              </a:spcAft>
+              <a:buClr>
+                <a:srgbClr val="000000"/>
+              </a:buClr>
+              <a:buSzPts val="1400"/>
+              <a:buFont typeface="Arial"/>
+              <a:buNone/>
+              <a:defRPr sz="2200" b="0" i="0" u="none" strike="noStrike" cap="none">
+                <a:solidFill>
+                  <a:schemeClr val="dk1"/>
+                </a:solidFill>
+                <a:latin typeface="Arial"/>
+                <a:ea typeface="Arial"/>
+                <a:cs typeface="Arial"/>
+                <a:sym typeface="Arial"/>
+              </a:defRPr>
+            </a:lvl8pPr>
+            <a:lvl9pPr marL="4114800" marR="0" lvl="8" indent="-228600" algn="l" rtl="0">
+              <a:lnSpc>
+                <a:spcPct val="100000"/>
+              </a:lnSpc>
+              <a:spcBef>
+                <a:spcPts val="360"/>
+              </a:spcBef>
+              <a:spcAft>
+                <a:spcPts val="0"/>
+              </a:spcAft>
+              <a:buClr>
+                <a:srgbClr val="000000"/>
+              </a:buClr>
+              <a:buSzPts val="1400"/>
+              <a:buFont typeface="Arial"/>
+              <a:buNone/>
+              <a:defRPr sz="2200" b="0" i="0" u="none" strike="noStrike" cap="none">
+                <a:solidFill>
+                  <a:schemeClr val="dk1"/>
+                </a:solidFill>
+                <a:latin typeface="Arial"/>
+                <a:ea typeface="Arial"/>
+                <a:cs typeface="Arial"/>
+                <a:sym typeface="Arial"/>
+              </a:defRPr>
+            </a:lvl9pPr>
+          </a:lstStyle>
           <a:p>
             <a:r>
+              <a:rPr lang="en-US" b="1"/>
+              <a:t>Framework: </a:t>
+            </a:r>
+            <a:r>
               <a:rPr lang="en-US"/>
-              <a:t>Multinomial Naïve Bayes using Count Vectorization</a:t>
+              <a:t>Brand Classifier objects were designed for each model, defining their vectorization methods.</a:t>
             </a:r>
           </a:p>
           <a:p>
             <a:r>
-              <a:rPr lang="en-US"/>
-              <a:t>Linear SVC using Count Vectorization</a:t>
+              <a:rPr lang="en-US" b="1"/>
+              <a:t>Algorithms: </a:t>
             </a:r>
-          </a:p>
-          <a:p>
             <a:r>
               <a:rPr lang="en-US"/>
-              <a:t>Logistic Regression using Word2Vec</a:t>
+              <a:t>Multinomial Naïve Bayes, Linear SVC, Logistic Regression</a:t>
             </a:r>
           </a:p>
         </p:txBody>
@@ -22756,7 +22546,7 @@
 </p:sld>
 </file>
 
-<file path=ppt/slides/slide22.xml><?xml version="1.0" encoding="utf-8"?>
+<file path=ppt/slides/slide21.xml><?xml version="1.0" encoding="utf-8"?>
 <p:sld xmlns:a="http://schemas.openxmlformats.org/drawingml/2006/main" xmlns:r="http://schemas.openxmlformats.org/officeDocument/2006/relationships" xmlns:p="http://schemas.openxmlformats.org/presentationml/2006/main">
   <p:cSld>
     <p:spTree>
@@ -22858,15 +22648,10 @@
   <p:clrMapOvr>
     <a:masterClrMapping/>
   </p:clrMapOvr>
-  <p:extLst>
-    <p:ext uri="{6950BFC3-D8DA-4A85-94F7-54DA5524770B}">
-      <p188:commentRel xmlns:p188="http://schemas.microsoft.com/office/powerpoint/2018/8/main" r:id="rId3"/>
-    </p:ext>
-  </p:extLst>
 </p:sld>
 </file>
 
-<file path=ppt/slides/slide23.xml><?xml version="1.0" encoding="utf-8"?>
+<file path=ppt/slides/slide22.xml><?xml version="1.0" encoding="utf-8"?>
 <p:sld xmlns:a="http://schemas.openxmlformats.org/drawingml/2006/main" xmlns:r="http://schemas.openxmlformats.org/officeDocument/2006/relationships" xmlns:p="http://schemas.openxmlformats.org/presentationml/2006/main">
   <p:cSld>
     <p:spTree>
@@ -22952,7 +22737,7 @@
 </p:sld>
 </file>
 
-<file path=ppt/slides/slide24.xml><?xml version="1.0" encoding="utf-8"?>
+<file path=ppt/slides/slide23.xml><?xml version="1.0" encoding="utf-8"?>
 <p:sld xmlns:a="http://schemas.openxmlformats.org/drawingml/2006/main" xmlns:r="http://schemas.openxmlformats.org/officeDocument/2006/relationships" xmlns:p="http://schemas.openxmlformats.org/presentationml/2006/main">
   <p:cSld>
     <p:spTree>
@@ -23010,7 +22795,7 @@
 </p:sld>
 </file>
 
-<file path=ppt/slides/slide25.xml><?xml version="1.0" encoding="utf-8"?>
+<file path=ppt/slides/slide24.xml><?xml version="1.0" encoding="utf-8"?>
 <p:sld xmlns:a="http://schemas.openxmlformats.org/drawingml/2006/main" xmlns:r="http://schemas.openxmlformats.org/officeDocument/2006/relationships" xmlns:p="http://schemas.openxmlformats.org/presentationml/2006/main">
   <p:cSld>
     <p:spTree>
@@ -23178,7 +22963,7 @@
 </p:sld>
 </file>
 
-<file path=ppt/slides/slide26.xml><?xml version="1.0" encoding="utf-8"?>
+<file path=ppt/slides/slide25.xml><?xml version="1.0" encoding="utf-8"?>
 <p:sld xmlns:a="http://schemas.openxmlformats.org/drawingml/2006/main" xmlns:r="http://schemas.openxmlformats.org/officeDocument/2006/relationships" xmlns:p="http://schemas.openxmlformats.org/presentationml/2006/main">
   <p:cSld>
     <p:spTree>
@@ -23341,7 +23126,7 @@
 </p:sld>
 </file>
 
-<file path=ppt/slides/slide27.xml><?xml version="1.0" encoding="utf-8"?>
+<file path=ppt/slides/slide26.xml><?xml version="1.0" encoding="utf-8"?>
 <p:sld xmlns:a="http://schemas.openxmlformats.org/drawingml/2006/main" xmlns:r="http://schemas.openxmlformats.org/officeDocument/2006/relationships" xmlns:p="http://schemas.openxmlformats.org/presentationml/2006/main">
   <p:cSld>
     <p:spTree>
@@ -23559,7 +23344,7 @@
 </p:sld>
 </file>
 
-<file path=ppt/slides/slide28.xml><?xml version="1.0" encoding="utf-8"?>
+<file path=ppt/slides/slide27.xml><?xml version="1.0" encoding="utf-8"?>
 <p:sld xmlns:a="http://schemas.openxmlformats.org/drawingml/2006/main" xmlns:r="http://schemas.openxmlformats.org/officeDocument/2006/relationships" xmlns:p="http://schemas.openxmlformats.org/presentationml/2006/main">
   <p:cSld>
     <p:spTree>
@@ -23715,7 +23500,7 @@
 </p:sld>
 </file>
 
-<file path=ppt/slides/slide29.xml><?xml version="1.0" encoding="utf-8"?>
+<file path=ppt/slides/slide28.xml><?xml version="1.0" encoding="utf-8"?>
 <p:sld xmlns:a="http://schemas.openxmlformats.org/drawingml/2006/main" xmlns:r="http://schemas.openxmlformats.org/officeDocument/2006/relationships" xmlns:p="http://schemas.openxmlformats.org/presentationml/2006/main">
   <p:cSld>
     <p:spTree>
@@ -23907,6 +23692,159 @@
               <a:buNone/>
             </a:pPr>
             <a:endParaRPr lang="en-US"/>
+          </a:p>
+        </p:txBody>
+      </p:sp>
+    </p:spTree>
+  </p:cSld>
+  <p:clrMapOvr>
+    <a:masterClrMapping/>
+  </p:clrMapOvr>
+</p:sld>
+</file>
+
+<file path=ppt/slides/slide29.xml><?xml version="1.0" encoding="utf-8"?>
+<p:sld xmlns:a="http://schemas.openxmlformats.org/drawingml/2006/main" xmlns:r="http://schemas.openxmlformats.org/officeDocument/2006/relationships" xmlns:p="http://schemas.openxmlformats.org/presentationml/2006/main">
+  <p:cSld>
+    <p:spTree>
+      <p:nvGrpSpPr>
+        <p:cNvPr id="1" name="Shape 173"/>
+        <p:cNvGrpSpPr/>
+        <p:nvPr/>
+      </p:nvGrpSpPr>
+      <p:grpSpPr>
+        <a:xfrm>
+          <a:off x="0" y="0"/>
+          <a:ext cx="0" cy="0"/>
+          <a:chOff x="0" y="0"/>
+          <a:chExt cx="0" cy="0"/>
+        </a:xfrm>
+      </p:grpSpPr>
+      <p:sp>
+        <p:nvSpPr>
+          <p:cNvPr id="174" name="Google Shape;174;p19"/>
+          <p:cNvSpPr txBox="1">
+            <a:spLocks noGrp="1"/>
+          </p:cNvSpPr>
+          <p:nvPr>
+            <p:ph type="title"/>
+          </p:nvPr>
+        </p:nvSpPr>
+        <p:spPr>
+          <a:xfrm>
+            <a:off x="914400" y="685800"/>
+            <a:ext cx="10363200" cy="1143000"/>
+          </a:xfrm>
+          <a:prstGeom prst="rect">
+            <a:avLst/>
+          </a:prstGeom>
+          <a:noFill/>
+          <a:ln>
+            <a:noFill/>
+          </a:ln>
+        </p:spPr>
+        <p:txBody>
+          <a:bodyPr spcFirstLastPara="1" wrap="square" lIns="0" tIns="0" rIns="0" bIns="0" anchor="ctr" anchorCtr="0">
+            <a:noAutofit/>
+          </a:bodyPr>
+          <a:lstStyle/>
+          <a:p>
+            <a:pPr>
+              <a:lnSpc>
+                <a:spcPct val="104999"/>
+              </a:lnSpc>
+            </a:pPr>
+            <a:r>
+              <a:rPr lang="en-US"/>
+              <a:t>Conclusion</a:t>
+            </a:r>
+          </a:p>
+        </p:txBody>
+      </p:sp>
+      <p:sp>
+        <p:nvSpPr>
+          <p:cNvPr id="175" name="Google Shape;175;p19"/>
+          <p:cNvSpPr txBox="1">
+            <a:spLocks noGrp="1"/>
+          </p:cNvSpPr>
+          <p:nvPr>
+            <p:ph type="body" idx="1"/>
+          </p:nvPr>
+        </p:nvSpPr>
+        <p:spPr>
+          <a:xfrm>
+            <a:off x="914400" y="1947875"/>
+            <a:ext cx="10232700" cy="3776700"/>
+          </a:xfrm>
+          <a:prstGeom prst="rect">
+            <a:avLst/>
+          </a:prstGeom>
+          <a:noFill/>
+          <a:ln>
+            <a:noFill/>
+          </a:ln>
+        </p:spPr>
+        <p:txBody>
+          <a:bodyPr spcFirstLastPara="1" wrap="square" lIns="0" tIns="0" rIns="0" bIns="0" anchor="t" anchorCtr="0">
+            <a:noAutofit/>
+          </a:bodyPr>
+          <a:lstStyle/>
+          <a:p>
+            <a:pPr marL="565150" indent="-457200">
+              <a:lnSpc>
+                <a:spcPct val="115000"/>
+              </a:lnSpc>
+              <a:spcBef>
+                <a:spcPts val="1200"/>
+              </a:spcBef>
+              <a:buClr>
+                <a:schemeClr val="dk1"/>
+              </a:buClr>
+              <a:buSzPts val="1900"/>
+              <a:buAutoNum type="arabicPeriod"/>
+            </a:pPr>
+            <a:r>
+              <a:rPr lang="en-US"/>
+              <a:t>Developed a robust brand sentiment analyzer</a:t>
+            </a:r>
+          </a:p>
+          <a:p>
+            <a:pPr marL="565150" indent="-457200">
+              <a:lnSpc>
+                <a:spcPct val="114999"/>
+              </a:lnSpc>
+              <a:spcBef>
+                <a:spcPts val="1200"/>
+              </a:spcBef>
+              <a:buClr>
+                <a:schemeClr val="dk1"/>
+              </a:buClr>
+              <a:buSzPts val="1900"/>
+              <a:buAutoNum type="arabicPeriod"/>
+            </a:pPr>
+            <a:r>
+              <a:rPr lang="en-US"/>
+              <a:t>Identified areas for future work</a:t>
+            </a:r>
+          </a:p>
+          <a:p>
+            <a:pPr marL="565150" indent="-457200">
+              <a:lnSpc>
+                <a:spcPct val="114999"/>
+              </a:lnSpc>
+              <a:spcBef>
+                <a:spcPts val="1200"/>
+              </a:spcBef>
+              <a:buClr>
+                <a:schemeClr val="dk1"/>
+              </a:buClr>
+              <a:buSzPts val="1900"/>
+              <a:buAutoNum type="arabicPeriod"/>
+            </a:pPr>
+            <a:r>
+              <a:rPr lang="en-US"/>
+              <a:t>Importance of aligning model evaluation with project goals</a:t>
+            </a:r>
           </a:p>
         </p:txBody>
       </p:sp>
@@ -24015,159 +23953,6 @@
   <p:cSld>
     <p:spTree>
       <p:nvGrpSpPr>
-        <p:cNvPr id="1" name="Shape 173"/>
-        <p:cNvGrpSpPr/>
-        <p:nvPr/>
-      </p:nvGrpSpPr>
-      <p:grpSpPr>
-        <a:xfrm>
-          <a:off x="0" y="0"/>
-          <a:ext cx="0" cy="0"/>
-          <a:chOff x="0" y="0"/>
-          <a:chExt cx="0" cy="0"/>
-        </a:xfrm>
-      </p:grpSpPr>
-      <p:sp>
-        <p:nvSpPr>
-          <p:cNvPr id="174" name="Google Shape;174;p19"/>
-          <p:cNvSpPr txBox="1">
-            <a:spLocks noGrp="1"/>
-          </p:cNvSpPr>
-          <p:nvPr>
-            <p:ph type="title"/>
-          </p:nvPr>
-        </p:nvSpPr>
-        <p:spPr>
-          <a:xfrm>
-            <a:off x="914400" y="685800"/>
-            <a:ext cx="10363200" cy="1143000"/>
-          </a:xfrm>
-          <a:prstGeom prst="rect">
-            <a:avLst/>
-          </a:prstGeom>
-          <a:noFill/>
-          <a:ln>
-            <a:noFill/>
-          </a:ln>
-        </p:spPr>
-        <p:txBody>
-          <a:bodyPr spcFirstLastPara="1" wrap="square" lIns="0" tIns="0" rIns="0" bIns="0" anchor="ctr" anchorCtr="0">
-            <a:noAutofit/>
-          </a:bodyPr>
-          <a:lstStyle/>
-          <a:p>
-            <a:pPr>
-              <a:lnSpc>
-                <a:spcPct val="104999"/>
-              </a:lnSpc>
-            </a:pPr>
-            <a:r>
-              <a:rPr lang="en-US"/>
-              <a:t>Conclusion</a:t>
-            </a:r>
-          </a:p>
-        </p:txBody>
-      </p:sp>
-      <p:sp>
-        <p:nvSpPr>
-          <p:cNvPr id="175" name="Google Shape;175;p19"/>
-          <p:cNvSpPr txBox="1">
-            <a:spLocks noGrp="1"/>
-          </p:cNvSpPr>
-          <p:nvPr>
-            <p:ph type="body" idx="1"/>
-          </p:nvPr>
-        </p:nvSpPr>
-        <p:spPr>
-          <a:xfrm>
-            <a:off x="914400" y="1947875"/>
-            <a:ext cx="10232700" cy="3776700"/>
-          </a:xfrm>
-          <a:prstGeom prst="rect">
-            <a:avLst/>
-          </a:prstGeom>
-          <a:noFill/>
-          <a:ln>
-            <a:noFill/>
-          </a:ln>
-        </p:spPr>
-        <p:txBody>
-          <a:bodyPr spcFirstLastPara="1" wrap="square" lIns="0" tIns="0" rIns="0" bIns="0" anchor="t" anchorCtr="0">
-            <a:noAutofit/>
-          </a:bodyPr>
-          <a:lstStyle/>
-          <a:p>
-            <a:pPr marL="565150" indent="-457200">
-              <a:lnSpc>
-                <a:spcPct val="115000"/>
-              </a:lnSpc>
-              <a:spcBef>
-                <a:spcPts val="1200"/>
-              </a:spcBef>
-              <a:buClr>
-                <a:schemeClr val="dk1"/>
-              </a:buClr>
-              <a:buSzPts val="1900"/>
-              <a:buAutoNum type="arabicPeriod"/>
-            </a:pPr>
-            <a:r>
-              <a:rPr lang="en-US"/>
-              <a:t>Developed a robust brand sentiment analyzer</a:t>
-            </a:r>
-          </a:p>
-          <a:p>
-            <a:pPr marL="565150" indent="-457200">
-              <a:lnSpc>
-                <a:spcPct val="114999"/>
-              </a:lnSpc>
-              <a:spcBef>
-                <a:spcPts val="1200"/>
-              </a:spcBef>
-              <a:buClr>
-                <a:schemeClr val="dk1"/>
-              </a:buClr>
-              <a:buSzPts val="1900"/>
-              <a:buAutoNum type="arabicPeriod"/>
-            </a:pPr>
-            <a:r>
-              <a:rPr lang="en-US"/>
-              <a:t>Identified areas for future work</a:t>
-            </a:r>
-          </a:p>
-          <a:p>
-            <a:pPr marL="565150" indent="-457200">
-              <a:lnSpc>
-                <a:spcPct val="114999"/>
-              </a:lnSpc>
-              <a:spcBef>
-                <a:spcPts val="1200"/>
-              </a:spcBef>
-              <a:buClr>
-                <a:schemeClr val="dk1"/>
-              </a:buClr>
-              <a:buSzPts val="1900"/>
-              <a:buAutoNum type="arabicPeriod"/>
-            </a:pPr>
-            <a:r>
-              <a:rPr lang="en-US"/>
-              <a:t>Importance of aligning model evaluation with project goals</a:t>
-            </a:r>
-          </a:p>
-        </p:txBody>
-      </p:sp>
-    </p:spTree>
-  </p:cSld>
-  <p:clrMapOvr>
-    <a:masterClrMapping/>
-  </p:clrMapOvr>
-</p:sld>
-</file>
-
-<file path=ppt/slides/slide31.xml><?xml version="1.0" encoding="utf-8"?>
-<p:sld xmlns:a="http://schemas.openxmlformats.org/drawingml/2006/main" xmlns:r="http://schemas.openxmlformats.org/officeDocument/2006/relationships" xmlns:p="http://schemas.openxmlformats.org/presentationml/2006/main">
-  <p:cSld>
-    <p:spTree>
-      <p:nvGrpSpPr>
         <p:cNvPr id="1" name="Shape 187"/>
         <p:cNvGrpSpPr/>
         <p:nvPr/>
@@ -24396,7 +24181,7 @@
   <p:cSld>
     <p:spTree>
       <p:nvGrpSpPr>
-        <p:cNvPr id="1" name="Shape 68"/>
+        <p:cNvPr id="1" name="Shape 61"/>
         <p:cNvGrpSpPr/>
         <p:nvPr/>
       </p:nvGrpSpPr>
@@ -24410,48 +24195,7 @@
       </p:grpSpPr>
       <p:sp>
         <p:nvSpPr>
-          <p:cNvPr id="69" name="Google Shape;69;p4"/>
-          <p:cNvSpPr txBox="1">
-            <a:spLocks noGrp="1"/>
-          </p:cNvSpPr>
-          <p:nvPr>
-            <p:ph type="title"/>
-          </p:nvPr>
-        </p:nvSpPr>
-        <p:spPr>
-          <a:xfrm>
-            <a:off x="0" y="6927"/>
-            <a:ext cx="12192000" cy="1932709"/>
-          </a:xfrm>
-          <a:prstGeom prst="rect">
-            <a:avLst/>
-          </a:prstGeom>
-          <a:noFill/>
-          <a:ln>
-            <a:noFill/>
-          </a:ln>
-        </p:spPr>
-        <p:txBody>
-          <a:bodyPr spcFirstLastPara="1" wrap="square" lIns="0" tIns="0" rIns="0" bIns="0" anchor="ctr" anchorCtr="0">
-            <a:noAutofit/>
-          </a:bodyPr>
-          <a:lstStyle/>
-          <a:p>
-            <a:pPr algn="ctr">
-              <a:lnSpc>
-                <a:spcPct val="104999"/>
-              </a:lnSpc>
-            </a:pPr>
-            <a:r>
-              <a:rPr lang="en-US"/>
-              <a:t>Project Topic &amp; Scope</a:t>
-            </a:r>
-          </a:p>
-        </p:txBody>
-      </p:sp>
-      <p:sp>
-        <p:nvSpPr>
-          <p:cNvPr id="70" name="Google Shape;70;p4"/>
+          <p:cNvPr id="63" name="Google Shape;63;p3"/>
           <p:cNvSpPr txBox="1">
             <a:spLocks noGrp="1"/>
           </p:cNvSpPr>
@@ -24461,8 +24205,8 @@
         </p:nvSpPr>
         <p:spPr>
           <a:xfrm>
-            <a:off x="6927" y="2197244"/>
-            <a:ext cx="12185075" cy="3042372"/>
+            <a:off x="914400" y="1343890"/>
+            <a:ext cx="10363200" cy="3776700"/>
           </a:xfrm>
           <a:prstGeom prst="rect">
             <a:avLst/>
@@ -24478,22 +24222,95 @@
           </a:bodyPr>
           <a:lstStyle/>
           <a:p>
-            <a:pPr marL="91440" indent="-91440" algn="ctr">
+            <a:pPr marL="0" indent="0">
               <a:lnSpc>
                 <a:spcPct val="160000"/>
               </a:lnSpc>
               <a:buSzPts val="500"/>
+              <a:buNone/>
+            </a:pPr>
+            <a:endParaRPr lang="en-US"/>
+          </a:p>
+          <a:p>
+            <a:pPr marL="0" indent="0">
+              <a:lnSpc>
+                <a:spcPct val="160000"/>
+              </a:lnSpc>
+              <a:buSzPts val="500"/>
+              <a:buNone/>
             </a:pPr>
             <a:r>
-              <a:rPr lang="en-US" sz="3600"/>
-              <a:t>Analyze tweets from Twitter </a:t>
+              <a:rPr lang="en-US"/>
+              <a:t>How can we detect when a Twitter post is referencing a brand?</a:t>
             </a:r>
-            <a:br>
-              <a:rPr lang="en-US" sz="3600"/>
-            </a:br>
+          </a:p>
+          <a:p>
+            <a:pPr marL="0" indent="0">
+              <a:lnSpc>
+                <a:spcPct val="160000"/>
+              </a:lnSpc>
+              <a:buSzPts val="500"/>
+              <a:buNone/>
+            </a:pPr>
             <a:r>
-              <a:rPr lang="en-US" sz="3600"/>
-              <a:t>for brand mentions and associated sentiment. </a:t>
+              <a:rPr lang="en-US"/>
+              <a:t>How can we accurately classify the sentiment of Twitter posts?</a:t>
+            </a:r>
+          </a:p>
+          <a:p>
+            <a:pPr marL="0" indent="0">
+              <a:lnSpc>
+                <a:spcPct val="160000"/>
+              </a:lnSpc>
+              <a:buSzPts val="500"/>
+              <a:buNone/>
+            </a:pPr>
+            <a:r>
+              <a:rPr lang="en-US"/>
+              <a:t>How can we create a tool that does both?</a:t>
+            </a:r>
+          </a:p>
+          <a:p>
+            <a:pPr marL="0" indent="0">
+              <a:lnSpc>
+                <a:spcPct val="160000"/>
+              </a:lnSpc>
+              <a:buNone/>
+            </a:pPr>
+            <a:endParaRPr lang="en-US"/>
+          </a:p>
+        </p:txBody>
+      </p:sp>
+      <p:sp>
+        <p:nvSpPr>
+          <p:cNvPr id="5" name="Title 1">
+            <a:extLst>
+              <a:ext uri="{FF2B5EF4-FFF2-40B4-BE49-F238E27FC236}">
+                <a16:creationId xmlns:a16="http://schemas.microsoft.com/office/drawing/2014/main" id="{9CD88636-71AF-01E2-BC99-3FAC9E6A854F}"/>
+              </a:ext>
+            </a:extLst>
+          </p:cNvPr>
+          <p:cNvSpPr>
+            <a:spLocks noGrp="1"/>
+          </p:cNvSpPr>
+          <p:nvPr>
+            <p:ph type="title"/>
+          </p:nvPr>
+        </p:nvSpPr>
+        <p:spPr>
+          <a:xfrm>
+            <a:off x="0" y="0"/>
+            <a:ext cx="11940504" cy="874889"/>
+          </a:xfrm>
+        </p:spPr>
+        <p:txBody>
+          <a:bodyPr/>
+          <a:lstStyle/>
+          <a:p>
+            <a:pPr algn="ctr"/>
+            <a:r>
+              <a:rPr lang="en-US"/>
+              <a:t>Questions</a:t>
             </a:r>
           </a:p>
         </p:txBody>
@@ -24558,8 +24375,23 @@
                   <a:srgbClr val="002060"/>
                 </a:solidFill>
               </a:rPr>
-              <a:t>Build a Brand Classifier that can accurately detect brand names</a:t>
+              <a:t>Develop a Brand Sentiment Analyzer tool</a:t>
             </a:r>
+            <a:endParaRPr lang="en-US"/>
+          </a:p>
+          <a:p>
+            <a:pPr marL="200025" indent="0" algn="ctr">
+              <a:buNone/>
+            </a:pPr>
+            <a:r>
+              <a:rPr lang="en-US" sz="2000">
+                <a:solidFill>
+                  <a:srgbClr val="002060"/>
+                </a:solidFill>
+              </a:rPr>
+              <a:t>Build a Brand Classifier that can accurately detect brand names in tweets</a:t>
+            </a:r>
+            <a:endParaRPr lang="en-US"/>
           </a:p>
           <a:p>
             <a:pPr marL="200025" indent="0" algn="ctr">
@@ -24572,20 +24404,6 @@
                 </a:solidFill>
               </a:rPr>
               <a:t>Build a Sentiment Classifier that can accurately classify the sentiment of a tweet</a:t>
-            </a:r>
-            <a:endParaRPr lang="en-US" sz="2000"/>
-          </a:p>
-          <a:p>
-            <a:pPr marL="200025" indent="0" algn="ctr">
-              <a:buNone/>
-            </a:pPr>
-            <a:r>
-              <a:rPr lang="en-US" sz="2000">
-                <a:solidFill>
-                  <a:srgbClr val="002060"/>
-                </a:solidFill>
-              </a:rPr>
-              <a:t>Develop a Brand Sentiment Analyzer tool</a:t>
             </a:r>
             <a:endParaRPr lang="en-US" sz="2000"/>
           </a:p>
@@ -24634,7 +24452,7 @@
             <a:pPr algn="ctr"/>
             <a:r>
               <a:rPr lang="en-US"/>
-              <a:t>Overview &amp; Goals</a:t>
+              <a:t>Project Goals</a:t>
             </a:r>
           </a:p>
         </p:txBody>
@@ -24653,153 +24471,6 @@
 </file>
 
 <file path=ppt/slides/slide6.xml><?xml version="1.0" encoding="utf-8"?>
-<p:sld xmlns:a="http://schemas.openxmlformats.org/drawingml/2006/main" xmlns:r="http://schemas.openxmlformats.org/officeDocument/2006/relationships" xmlns:p="http://schemas.openxmlformats.org/presentationml/2006/main">
-  <p:cSld>
-    <p:spTree>
-      <p:nvGrpSpPr>
-        <p:cNvPr id="1" name="Shape 61"/>
-        <p:cNvGrpSpPr/>
-        <p:nvPr/>
-      </p:nvGrpSpPr>
-      <p:grpSpPr>
-        <a:xfrm>
-          <a:off x="0" y="0"/>
-          <a:ext cx="0" cy="0"/>
-          <a:chOff x="0" y="0"/>
-          <a:chExt cx="0" cy="0"/>
-        </a:xfrm>
-      </p:grpSpPr>
-      <p:sp>
-        <p:nvSpPr>
-          <p:cNvPr id="63" name="Google Shape;63;p3"/>
-          <p:cNvSpPr txBox="1">
-            <a:spLocks noGrp="1"/>
-          </p:cNvSpPr>
-          <p:nvPr>
-            <p:ph type="body" idx="1"/>
-          </p:nvPr>
-        </p:nvSpPr>
-        <p:spPr>
-          <a:xfrm>
-            <a:off x="914400" y="1343890"/>
-            <a:ext cx="10363200" cy="3776700"/>
-          </a:xfrm>
-          <a:prstGeom prst="rect">
-            <a:avLst/>
-          </a:prstGeom>
-          <a:noFill/>
-          <a:ln>
-            <a:noFill/>
-          </a:ln>
-        </p:spPr>
-        <p:txBody>
-          <a:bodyPr spcFirstLastPara="1" wrap="square" lIns="0" tIns="0" rIns="0" bIns="0" anchor="t" anchorCtr="0">
-            <a:noAutofit/>
-          </a:bodyPr>
-          <a:lstStyle/>
-          <a:p>
-            <a:pPr marL="0" indent="0">
-              <a:lnSpc>
-                <a:spcPct val="160000"/>
-              </a:lnSpc>
-              <a:buSzPts val="500"/>
-              <a:buNone/>
-            </a:pPr>
-            <a:endParaRPr lang="en-US"/>
-          </a:p>
-          <a:p>
-            <a:pPr marL="0" indent="0">
-              <a:lnSpc>
-                <a:spcPct val="160000"/>
-              </a:lnSpc>
-              <a:buSzPts val="500"/>
-              <a:buNone/>
-            </a:pPr>
-            <a:r>
-              <a:rPr lang="en-US"/>
-              <a:t>How can we detect when a Twitter post is referencing a brand?</a:t>
-            </a:r>
-          </a:p>
-          <a:p>
-            <a:pPr marL="0" indent="0">
-              <a:lnSpc>
-                <a:spcPct val="160000"/>
-              </a:lnSpc>
-              <a:buSzPts val="500"/>
-              <a:buNone/>
-            </a:pPr>
-            <a:r>
-              <a:rPr lang="en-US"/>
-              <a:t>How can we accurately classify the sentiment of Twitter posts?</a:t>
-            </a:r>
-          </a:p>
-          <a:p>
-            <a:pPr marL="0" indent="0">
-              <a:lnSpc>
-                <a:spcPct val="160000"/>
-              </a:lnSpc>
-              <a:buSzPts val="500"/>
-              <a:buNone/>
-            </a:pPr>
-            <a:r>
-              <a:rPr lang="en-US"/>
-              <a:t>How can we create a tool that does both?</a:t>
-            </a:r>
-          </a:p>
-          <a:p>
-            <a:pPr marL="0" indent="0">
-              <a:lnSpc>
-                <a:spcPct val="160000"/>
-              </a:lnSpc>
-              <a:buNone/>
-            </a:pPr>
-            <a:endParaRPr lang="en-US"/>
-          </a:p>
-        </p:txBody>
-      </p:sp>
-      <p:sp>
-        <p:nvSpPr>
-          <p:cNvPr id="5" name="Title 1">
-            <a:extLst>
-              <a:ext uri="{FF2B5EF4-FFF2-40B4-BE49-F238E27FC236}">
-                <a16:creationId xmlns:a16="http://schemas.microsoft.com/office/drawing/2014/main" id="{9CD88636-71AF-01E2-BC99-3FAC9E6A854F}"/>
-              </a:ext>
-            </a:extLst>
-          </p:cNvPr>
-          <p:cNvSpPr>
-            <a:spLocks noGrp="1"/>
-          </p:cNvSpPr>
-          <p:nvPr>
-            <p:ph type="title"/>
-          </p:nvPr>
-        </p:nvSpPr>
-        <p:spPr>
-          <a:xfrm>
-            <a:off x="0" y="0"/>
-            <a:ext cx="11940504" cy="874889"/>
-          </a:xfrm>
-        </p:spPr>
-        <p:txBody>
-          <a:bodyPr/>
-          <a:lstStyle/>
-          <a:p>
-            <a:pPr algn="ctr"/>
-            <a:r>
-              <a:rPr lang="en-US"/>
-              <a:t>Questions</a:t>
-            </a:r>
-          </a:p>
-        </p:txBody>
-      </p:sp>
-    </p:spTree>
-  </p:cSld>
-  <p:clrMapOvr>
-    <a:masterClrMapping/>
-  </p:clrMapOvr>
-</p:sld>
-</file>
-
-<file path=ppt/slides/slide7.xml><?xml version="1.0" encoding="utf-8"?>
 <p:sld xmlns:a="http://schemas.openxmlformats.org/drawingml/2006/main" xmlns:r="http://schemas.openxmlformats.org/officeDocument/2006/relationships" xmlns:p="http://schemas.openxmlformats.org/presentationml/2006/main">
   <p:cSld>
     <p:spTree>
@@ -24856,7 +24527,7 @@
             </a:pPr>
             <a:r>
               <a:rPr lang="en-US" sz="2400"/>
-              <a:t>Use GPT-4 to generate synthetic data</a:t>
+              <a:t>Create additional data</a:t>
             </a:r>
           </a:p>
           <a:p>
@@ -24883,7 +24554,7 @@
             </a:pPr>
             <a:r>
               <a:rPr lang="en-US" sz="2400"/>
-              <a:t>Select highest performer</a:t>
+              <a:t>Select highest performers to create Brand Sentiment Analyzer</a:t>
             </a:r>
           </a:p>
         </p:txBody>
@@ -24906,8 +24577,8 @@
         </p:nvSpPr>
         <p:spPr>
           <a:xfrm>
-            <a:off x="-2059" y="-4119"/>
-            <a:ext cx="12196118" cy="1711036"/>
+            <a:off x="492572" y="-4119"/>
+            <a:ext cx="11701487" cy="1724404"/>
           </a:xfrm>
         </p:spPr>
         <p:txBody>
@@ -24917,7 +24588,7 @@
             <a:pPr algn="ctr"/>
             <a:r>
               <a:rPr lang="en-US"/>
-              <a:t>How Do We Create A Brand Sentiment Analyzer?</a:t>
+              <a:t>Project Overview</a:t>
             </a:r>
           </a:p>
         </p:txBody>
@@ -24935,7 +24606,7 @@
 </p:sld>
 </file>
 
-<file path=ppt/slides/slide8.xml><?xml version="1.0" encoding="utf-8"?>
+<file path=ppt/slides/slide7.xml><?xml version="1.0" encoding="utf-8"?>
 <p:sld xmlns:a="http://schemas.openxmlformats.org/drawingml/2006/main" xmlns:r="http://schemas.openxmlformats.org/officeDocument/2006/relationships" xmlns:p="http://schemas.openxmlformats.org/presentationml/2006/main">
   <p:cSld>
     <p:spTree>
@@ -25305,7 +24976,7 @@
 </p:sld>
 </file>
 
-<file path=ppt/slides/slide9.xml><?xml version="1.0" encoding="utf-8"?>
+<file path=ppt/slides/slide8.xml><?xml version="1.0" encoding="utf-8"?>
 <p:sld xmlns:a="http://schemas.openxmlformats.org/drawingml/2006/main" xmlns:r="http://schemas.openxmlformats.org/officeDocument/2006/relationships" xmlns:p="http://schemas.openxmlformats.org/presentationml/2006/main">
   <p:cSld>
     <p:spTree>
@@ -25350,7 +25021,7 @@
           <a:p>
             <a:pPr algn="ctr"/>
             <a:r>
-              <a:rPr lang="en-US" dirty="0"/>
+              <a:rPr lang="en-US"/>
               <a:t>Brands Chosen</a:t>
             </a:r>
           </a:p>
@@ -25383,31 +25054,31 @@
           <a:lstStyle/>
           <a:p>
             <a:r>
-              <a:rPr lang="en-US" dirty="0"/>
+              <a:rPr lang="en-US"/>
               <a:t>1. Facebook</a:t>
             </a:r>
           </a:p>
           <a:p>
             <a:r>
-              <a:rPr lang="en-US" dirty="0"/>
+              <a:rPr lang="en-US"/>
               <a:t>2. Google</a:t>
             </a:r>
           </a:p>
           <a:p>
             <a:r>
-              <a:rPr lang="en-US" dirty="0"/>
+              <a:rPr lang="en-US"/>
               <a:t>3. Apple</a:t>
             </a:r>
           </a:p>
           <a:p>
             <a:r>
-              <a:rPr lang="en-US" dirty="0"/>
+              <a:rPr lang="en-US"/>
               <a:t>4. Starbucks</a:t>
             </a:r>
           </a:p>
           <a:p>
             <a:r>
-              <a:rPr lang="en-US" dirty="0"/>
+              <a:rPr lang="en-US"/>
               <a:t>5. Disney</a:t>
             </a:r>
           </a:p>
@@ -25440,31 +25111,31 @@
           <a:lstStyle/>
           <a:p>
             <a:r>
-              <a:rPr lang="en-US" dirty="0"/>
+              <a:rPr lang="en-US"/>
               <a:t>6. Walmart</a:t>
             </a:r>
           </a:p>
           <a:p>
             <a:r>
-              <a:rPr lang="en-US" dirty="0"/>
+              <a:rPr lang="en-US"/>
               <a:t>7. Target</a:t>
             </a:r>
           </a:p>
           <a:p>
             <a:r>
-              <a:rPr lang="en-US" dirty="0"/>
+              <a:rPr lang="en-US"/>
               <a:t>8. Microsoft</a:t>
             </a:r>
           </a:p>
           <a:p>
             <a:r>
-              <a:rPr lang="en-US" dirty="0"/>
+              <a:rPr lang="en-US"/>
               <a:t>9. Amazon</a:t>
             </a:r>
           </a:p>
           <a:p>
             <a:r>
-              <a:rPr lang="en-US" dirty="0"/>
+              <a:rPr lang="en-US"/>
               <a:t>10. Sony</a:t>
             </a:r>
           </a:p>
@@ -25480,11 +25151,381 @@
   <p:clrMapOvr>
     <a:masterClrMapping/>
   </p:clrMapOvr>
-  <p:extLst>
-    <p:ext uri="{6950BFC3-D8DA-4A85-94F7-54DA5524770B}">
-      <p188:commentRel xmlns:p188="http://schemas.microsoft.com/office/powerpoint/2018/8/main" r:id="rId3"/>
-    </p:ext>
-  </p:extLst>
+</p:sld>
+</file>
+
+<file path=ppt/slides/slide9.xml><?xml version="1.0" encoding="utf-8"?>
+<p:sld xmlns:a="http://schemas.openxmlformats.org/drawingml/2006/main" xmlns:r="http://schemas.openxmlformats.org/officeDocument/2006/relationships" xmlns:p="http://schemas.openxmlformats.org/presentationml/2006/main">
+  <p:cSld>
+    <p:spTree>
+      <p:nvGrpSpPr>
+        <p:cNvPr id="1" name="Shape 75"/>
+        <p:cNvGrpSpPr/>
+        <p:nvPr/>
+      </p:nvGrpSpPr>
+      <p:grpSpPr>
+        <a:xfrm>
+          <a:off x="0" y="0"/>
+          <a:ext cx="0" cy="0"/>
+          <a:chOff x="0" y="0"/>
+          <a:chExt cx="0" cy="0"/>
+        </a:xfrm>
+      </p:grpSpPr>
+      <p:sp>
+        <p:nvSpPr>
+          <p:cNvPr id="77" name="Google Shape;77;p5"/>
+          <p:cNvSpPr txBox="1">
+            <a:spLocks noGrp="1"/>
+          </p:cNvSpPr>
+          <p:nvPr>
+            <p:ph type="body" idx="1"/>
+          </p:nvPr>
+        </p:nvSpPr>
+        <p:spPr>
+          <a:xfrm>
+            <a:off x="20782" y="2244436"/>
+            <a:ext cx="12190700" cy="2349644"/>
+          </a:xfrm>
+          <a:prstGeom prst="rect">
+            <a:avLst/>
+          </a:prstGeom>
+          <a:noFill/>
+          <a:ln>
+            <a:noFill/>
+          </a:ln>
+        </p:spPr>
+        <p:txBody>
+          <a:bodyPr spcFirstLastPara="1" wrap="square" lIns="0" tIns="0" rIns="0" bIns="0" anchor="t" anchorCtr="0">
+            <a:noAutofit/>
+          </a:bodyPr>
+          <a:lstStyle/>
+          <a:p>
+            <a:pPr marL="114300" lvl="1" indent="0" algn="ctr">
+              <a:lnSpc>
+                <a:spcPct val="160000"/>
+              </a:lnSpc>
+              <a:spcBef>
+                <a:spcPts val="0"/>
+              </a:spcBef>
+              <a:buSzPts val="2000"/>
+              <a:buNone/>
+            </a:pPr>
+            <a:r>
+              <a:rPr lang="en-US" sz="4000"/>
+              <a:t>Sentiment140</a:t>
+            </a:r>
+          </a:p>
+          <a:p>
+            <a:pPr marL="114300" lvl="1" indent="0" algn="ctr">
+              <a:lnSpc>
+                <a:spcPct val="160000"/>
+              </a:lnSpc>
+              <a:buSzPts val="2000"/>
+              <a:buNone/>
+            </a:pPr>
+            <a:r>
+              <a:rPr lang="en-US" sz="4000" strike="sngStrike"/>
+              <a:t>Surge AI</a:t>
+            </a:r>
+          </a:p>
+        </p:txBody>
+      </p:sp>
+      <p:sp>
+        <p:nvSpPr>
+          <p:cNvPr id="5" name="Title 1">
+            <a:extLst>
+              <a:ext uri="{FF2B5EF4-FFF2-40B4-BE49-F238E27FC236}">
+                <a16:creationId xmlns:a16="http://schemas.microsoft.com/office/drawing/2014/main" id="{C36EAB55-F79A-D9E2-C976-2D349CF78548}"/>
+              </a:ext>
+            </a:extLst>
+          </p:cNvPr>
+          <p:cNvSpPr txBox="1">
+            <a:spLocks/>
+          </p:cNvSpPr>
+          <p:nvPr/>
+        </p:nvSpPr>
+        <p:spPr>
+          <a:xfrm>
+            <a:off x="1066800" y="838200"/>
+            <a:ext cx="10363200" cy="1143000"/>
+          </a:xfrm>
+          <a:prstGeom prst="rect">
+            <a:avLst/>
+          </a:prstGeom>
+          <a:noFill/>
+          <a:ln>
+            <a:noFill/>
+          </a:ln>
+        </p:spPr>
+        <p:txBody>
+          <a:bodyPr spcFirstLastPara="1" wrap="square" lIns="0" tIns="0" rIns="0" bIns="0" anchor="ctr" anchorCtr="0">
+            <a:noAutofit/>
+          </a:bodyPr>
+          <a:lstStyle>
+            <a:defPPr marR="0" lvl="0" algn="l" rtl="0">
+              <a:lnSpc>
+                <a:spcPct val="100000"/>
+              </a:lnSpc>
+              <a:spcBef>
+                <a:spcPts val="0"/>
+              </a:spcBef>
+              <a:spcAft>
+                <a:spcPts val="0"/>
+              </a:spcAft>
+            </a:defPPr>
+            <a:lvl1pPr marR="0" lvl="0" algn="l" rtl="0">
+              <a:lnSpc>
+                <a:spcPct val="233333"/>
+              </a:lnSpc>
+              <a:spcBef>
+                <a:spcPts val="0"/>
+              </a:spcBef>
+              <a:spcAft>
+                <a:spcPts val="0"/>
+              </a:spcAft>
+              <a:buClr>
+                <a:srgbClr val="000000"/>
+              </a:buClr>
+              <a:buSzPts val="1400"/>
+              <a:buFont typeface="Arial"/>
+              <a:buNone/>
+              <a:defRPr sz="4000" b="0" i="0" u="none" strike="noStrike" cap="none">
+                <a:solidFill>
+                  <a:srgbClr val="003B70"/>
+                </a:solidFill>
+                <a:latin typeface="Arial"/>
+                <a:ea typeface="Arial"/>
+                <a:cs typeface="Arial"/>
+                <a:sym typeface="Arial"/>
+              </a:defRPr>
+            </a:lvl1pPr>
+            <a:lvl2pPr marR="0" lvl="1" algn="l" rtl="0">
+              <a:lnSpc>
+                <a:spcPct val="233333"/>
+              </a:lnSpc>
+              <a:spcBef>
+                <a:spcPts val="0"/>
+              </a:spcBef>
+              <a:spcAft>
+                <a:spcPts val="0"/>
+              </a:spcAft>
+              <a:buClr>
+                <a:srgbClr val="000000"/>
+              </a:buClr>
+              <a:buSzPts val="1400"/>
+              <a:buFont typeface="Arial"/>
+              <a:buNone/>
+              <a:defRPr sz="4000" b="0" i="0" u="none" strike="noStrike" cap="none">
+                <a:solidFill>
+                  <a:srgbClr val="003B70"/>
+                </a:solidFill>
+                <a:latin typeface="Arial"/>
+                <a:ea typeface="Arial"/>
+                <a:cs typeface="Arial"/>
+                <a:sym typeface="Arial"/>
+              </a:defRPr>
+            </a:lvl2pPr>
+            <a:lvl3pPr marR="0" lvl="2" algn="l" rtl="0">
+              <a:lnSpc>
+                <a:spcPct val="233333"/>
+              </a:lnSpc>
+              <a:spcBef>
+                <a:spcPts val="0"/>
+              </a:spcBef>
+              <a:spcAft>
+                <a:spcPts val="0"/>
+              </a:spcAft>
+              <a:buClr>
+                <a:srgbClr val="000000"/>
+              </a:buClr>
+              <a:buSzPts val="1400"/>
+              <a:buFont typeface="Arial"/>
+              <a:buNone/>
+              <a:defRPr sz="4000" b="0" i="0" u="none" strike="noStrike" cap="none">
+                <a:solidFill>
+                  <a:srgbClr val="003B70"/>
+                </a:solidFill>
+                <a:latin typeface="Arial"/>
+                <a:ea typeface="Arial"/>
+                <a:cs typeface="Arial"/>
+                <a:sym typeface="Arial"/>
+              </a:defRPr>
+            </a:lvl3pPr>
+            <a:lvl4pPr marR="0" lvl="3" algn="l" rtl="0">
+              <a:lnSpc>
+                <a:spcPct val="233333"/>
+              </a:lnSpc>
+              <a:spcBef>
+                <a:spcPts val="0"/>
+              </a:spcBef>
+              <a:spcAft>
+                <a:spcPts val="0"/>
+              </a:spcAft>
+              <a:buClr>
+                <a:srgbClr val="000000"/>
+              </a:buClr>
+              <a:buSzPts val="1400"/>
+              <a:buFont typeface="Arial"/>
+              <a:buNone/>
+              <a:defRPr sz="4000" b="0" i="0" u="none" strike="noStrike" cap="none">
+                <a:solidFill>
+                  <a:srgbClr val="003B70"/>
+                </a:solidFill>
+                <a:latin typeface="Arial"/>
+                <a:ea typeface="Arial"/>
+                <a:cs typeface="Arial"/>
+                <a:sym typeface="Arial"/>
+              </a:defRPr>
+            </a:lvl4pPr>
+            <a:lvl5pPr marR="0" lvl="4" algn="l" rtl="0">
+              <a:lnSpc>
+                <a:spcPct val="233333"/>
+              </a:lnSpc>
+              <a:spcBef>
+                <a:spcPts val="0"/>
+              </a:spcBef>
+              <a:spcAft>
+                <a:spcPts val="0"/>
+              </a:spcAft>
+              <a:buClr>
+                <a:srgbClr val="000000"/>
+              </a:buClr>
+              <a:buSzPts val="1400"/>
+              <a:buFont typeface="Arial"/>
+              <a:buNone/>
+              <a:defRPr sz="4000" b="0" i="0" u="none" strike="noStrike" cap="none">
+                <a:solidFill>
+                  <a:srgbClr val="003B70"/>
+                </a:solidFill>
+                <a:latin typeface="Arial"/>
+                <a:ea typeface="Arial"/>
+                <a:cs typeface="Arial"/>
+                <a:sym typeface="Arial"/>
+              </a:defRPr>
+            </a:lvl5pPr>
+            <a:lvl6pPr marR="0" lvl="5" algn="l" rtl="0">
+              <a:lnSpc>
+                <a:spcPct val="100000"/>
+              </a:lnSpc>
+              <a:spcBef>
+                <a:spcPts val="0"/>
+              </a:spcBef>
+              <a:spcAft>
+                <a:spcPts val="0"/>
+              </a:spcAft>
+              <a:buClr>
+                <a:srgbClr val="000000"/>
+              </a:buClr>
+              <a:buSzPts val="1400"/>
+              <a:buFont typeface="Arial"/>
+              <a:buNone/>
+              <a:defRPr sz="3200" b="1" i="0" u="none" strike="noStrike" cap="none">
+                <a:solidFill>
+                  <a:srgbClr val="71BEFF"/>
+                </a:solidFill>
+                <a:latin typeface="Palatino"/>
+                <a:ea typeface="Palatino"/>
+                <a:cs typeface="Palatino"/>
+                <a:sym typeface="Palatino"/>
+              </a:defRPr>
+            </a:lvl6pPr>
+            <a:lvl7pPr marR="0" lvl="6" algn="l" rtl="0">
+              <a:lnSpc>
+                <a:spcPct val="100000"/>
+              </a:lnSpc>
+              <a:spcBef>
+                <a:spcPts val="0"/>
+              </a:spcBef>
+              <a:spcAft>
+                <a:spcPts val="0"/>
+              </a:spcAft>
+              <a:buClr>
+                <a:srgbClr val="000000"/>
+              </a:buClr>
+              <a:buSzPts val="1400"/>
+              <a:buFont typeface="Arial"/>
+              <a:buNone/>
+              <a:defRPr sz="3200" b="1" i="0" u="none" strike="noStrike" cap="none">
+                <a:solidFill>
+                  <a:srgbClr val="71BEFF"/>
+                </a:solidFill>
+                <a:latin typeface="Palatino"/>
+                <a:ea typeface="Palatino"/>
+                <a:cs typeface="Palatino"/>
+                <a:sym typeface="Palatino"/>
+              </a:defRPr>
+            </a:lvl7pPr>
+            <a:lvl8pPr marR="0" lvl="7" algn="l" rtl="0">
+              <a:lnSpc>
+                <a:spcPct val="100000"/>
+              </a:lnSpc>
+              <a:spcBef>
+                <a:spcPts val="0"/>
+              </a:spcBef>
+              <a:spcAft>
+                <a:spcPts val="0"/>
+              </a:spcAft>
+              <a:buClr>
+                <a:srgbClr val="000000"/>
+              </a:buClr>
+              <a:buSzPts val="1400"/>
+              <a:buFont typeface="Arial"/>
+              <a:buNone/>
+              <a:defRPr sz="3200" b="1" i="0" u="none" strike="noStrike" cap="none">
+                <a:solidFill>
+                  <a:srgbClr val="71BEFF"/>
+                </a:solidFill>
+                <a:latin typeface="Palatino"/>
+                <a:ea typeface="Palatino"/>
+                <a:cs typeface="Palatino"/>
+                <a:sym typeface="Palatino"/>
+              </a:defRPr>
+            </a:lvl8pPr>
+            <a:lvl9pPr marR="0" lvl="8" algn="l" rtl="0">
+              <a:lnSpc>
+                <a:spcPct val="100000"/>
+              </a:lnSpc>
+              <a:spcBef>
+                <a:spcPts val="0"/>
+              </a:spcBef>
+              <a:spcAft>
+                <a:spcPts val="0"/>
+              </a:spcAft>
+              <a:buClr>
+                <a:srgbClr val="000000"/>
+              </a:buClr>
+              <a:buSzPts val="1400"/>
+              <a:buFont typeface="Arial"/>
+              <a:buNone/>
+              <a:defRPr sz="3200" b="1" i="0" u="none" strike="noStrike" cap="none">
+                <a:solidFill>
+                  <a:srgbClr val="71BEFF"/>
+                </a:solidFill>
+                <a:latin typeface="Palatino"/>
+                <a:ea typeface="Palatino"/>
+                <a:cs typeface="Palatino"/>
+                <a:sym typeface="Palatino"/>
+              </a:defRPr>
+            </a:lvl9pPr>
+          </a:lstStyle>
+          <a:p>
+            <a:r>
+              <a:rPr lang="en-US"/>
+              <a:t>Datasets</a:t>
+            </a:r>
+          </a:p>
+        </p:txBody>
+      </p:sp>
+    </p:spTree>
+    <p:extLst>
+      <p:ext uri="{BB962C8B-B14F-4D97-AF65-F5344CB8AC3E}">
+        <p14:creationId xmlns:p14="http://schemas.microsoft.com/office/powerpoint/2010/main" val="1952217220"/>
+      </p:ext>
+    </p:extLst>
+  </p:cSld>
+  <p:clrMapOvr>
+    <a:masterClrMapping/>
+  </p:clrMapOvr>
 </p:sld>
 </file>
 

--- a/Final-Project-Team-2.pptx
+++ b/Final-Project-Team-2.pptx
@@ -310,7 +310,7 @@
     <p1510:client id="{F0FA673B-D489-479B-B0B6-B78F300AA597}" v="5" dt="2023-08-14T16:54:42.387"/>
     <p1510:client id="{F84124A8-7007-4E7E-9A2C-D1EF479C58D9}" v="136" dt="2023-08-14T15:59:41.057"/>
     <p1510:client id="{FB1AED13-14F8-4029-ACB3-4B4402C136F4}" v="57" dt="2023-08-15T01:52:51.360"/>
-    <p1510:client id="{FCEF296D-BCB1-594A-BCC4-462A7B4F5468}" v="3479" dt="2023-08-15T04:37:40.306"/>
+    <p1510:client id="{FCEF296D-BCB1-594A-BCC4-462A7B4F5468}" v="3478" dt="2023-08-15T03:01:49.395"/>
   </p1510:revLst>
 </p1510:revInfo>
 </file>
@@ -3319,8 +3319,8 @@
     </dgm:pt>
   </dgm:ptLst>
   <dgm:cxnLst>
+    <dgm:cxn modelId="{BA9F6170-4BE9-264A-A221-C310DD72F0F3}" srcId="{3BDC1B43-06D1-5F4D-9388-F3BEF3FCC5E6}" destId="{C6AE921E-64D8-D941-AA35-7E41CB117F87}" srcOrd="1" destOrd="0" parTransId="{2C643C99-FCC5-1A4E-93E6-DB14809AB693}" sibTransId="{BDCB1A26-0648-124C-9BE3-6AA74B2EE0A5}"/>
     <dgm:cxn modelId="{8F013151-8E30-3949-8883-9F21815DE025}" type="presOf" srcId="{C6AE921E-64D8-D941-AA35-7E41CB117F87}" destId="{B617CD9A-0E69-9245-A37A-A07F666B4F2C}" srcOrd="0" destOrd="0" presId="urn:microsoft.com/office/officeart/2005/8/layout/hChevron3"/>
-    <dgm:cxn modelId="{BA9F6170-4BE9-264A-A221-C310DD72F0F3}" srcId="{3BDC1B43-06D1-5F4D-9388-F3BEF3FCC5E6}" destId="{C6AE921E-64D8-D941-AA35-7E41CB117F87}" srcOrd="1" destOrd="0" parTransId="{2C643C99-FCC5-1A4E-93E6-DB14809AB693}" sibTransId="{BDCB1A26-0648-124C-9BE3-6AA74B2EE0A5}"/>
     <dgm:cxn modelId="{C5EFB586-0EFB-B14B-99A3-FA9D1FCC0C4D}" type="presOf" srcId="{47DA09AF-0164-0D41-A7A8-D7E5F6F206A4}" destId="{B6950E6D-1627-8849-9125-3A707D12D005}" srcOrd="0" destOrd="0" presId="urn:microsoft.com/office/officeart/2005/8/layout/hChevron3"/>
     <dgm:cxn modelId="{69A05C9A-69F5-3E41-B335-D9F04CC1CA43}" type="presOf" srcId="{3BDC1B43-06D1-5F4D-9388-F3BEF3FCC5E6}" destId="{24905512-8884-2846-9639-6B58EF24C8E8}" srcOrd="0" destOrd="0" presId="urn:microsoft.com/office/officeart/2005/8/layout/hChevron3"/>
     <dgm:cxn modelId="{ADA233E5-76BF-5B45-B95E-78615429399D}" type="presOf" srcId="{4D05CA8A-D0DD-7E44-98F1-6B314E4EAA5C}" destId="{FDBB329C-74F9-FC42-82F6-A8D739EDC9B5}" srcOrd="0" destOrd="0" presId="urn:microsoft.com/office/officeart/2005/8/layout/hChevron3"/>
